--- a/Cataract.pptx
+++ b/Cataract.pptx
@@ -1422,7 +1422,7 @@
           <a:p>
             <a:fld id="{4BDF68E2-58F2-4D09-BE8B-E3BD06533059}" type="datetimeFigureOut">
               <a:rPr lang="en-US" dirty="0"/>
-              <a:t>7/3/2019</a:t>
+              <a:t>7/8/2019</a:t>
             </a:fld>
             <a:endParaRPr lang="en-US" dirty="0"/>
           </a:p>
@@ -1640,7 +1640,7 @@
           <a:p>
             <a:fld id="{2E2D6473-DF6D-4702-B328-E0DD40540A4E}" type="datetimeFigureOut">
               <a:rPr lang="en-US" dirty="0"/>
-              <a:t>7/3/2019</a:t>
+              <a:t>7/8/2019</a:t>
             </a:fld>
             <a:endParaRPr lang="en-US" dirty="0"/>
           </a:p>
@@ -1906,7 +1906,7 @@
           <a:p>
             <a:fld id="{E26F7E3A-B166-407D-9866-32884E7D5B37}" type="datetimeFigureOut">
               <a:rPr lang="en-US" dirty="0"/>
-              <a:t>7/3/2019</a:t>
+              <a:t>7/8/2019</a:t>
             </a:fld>
             <a:endParaRPr lang="en-US" dirty="0"/>
           </a:p>
@@ -2457,7 +2457,7 @@
           <a:p>
             <a:fld id="{528FC5F6-F338-4AE4-BB23-26385BCFC423}" type="datetimeFigureOut">
               <a:rPr lang="en-US" dirty="0"/>
-              <a:t>7/3/2019</a:t>
+              <a:t>7/8/2019</a:t>
             </a:fld>
             <a:endParaRPr lang="en-US" dirty="0"/>
           </a:p>
@@ -2810,7 +2810,7 @@
           <a:p>
             <a:fld id="{20EBB0C4-6273-4C6E-B9BD-2EDC30F1CD52}" type="datetimeFigureOut">
               <a:rPr lang="en-US" dirty="0"/>
-              <a:t>7/3/2019</a:t>
+              <a:t>7/8/2019</a:t>
             </a:fld>
             <a:endParaRPr lang="en-US" dirty="0"/>
           </a:p>
@@ -3095,7 +3095,7 @@
           <a:p>
             <a:fld id="{19AB4D41-86C1-4908-B66A-0B50CEB3BF29}" type="datetimeFigureOut">
               <a:rPr lang="en-US" dirty="0"/>
-              <a:t>7/3/2019</a:t>
+              <a:t>7/8/2019</a:t>
             </a:fld>
             <a:endParaRPr lang="en-US" dirty="0"/>
           </a:p>
@@ -3484,7 +3484,7 @@
           <a:p>
             <a:fld id="{E6426E2C-56C1-4E0D-A793-0088A7FDD37E}" type="datetimeFigureOut">
               <a:rPr lang="en-US" dirty="0"/>
-              <a:t>7/3/2019</a:t>
+              <a:t>7/8/2019</a:t>
             </a:fld>
             <a:endParaRPr lang="en-US" dirty="0"/>
           </a:p>
@@ -3612,7 +3612,7 @@
           <a:p>
             <a:fld id="{C8C39B41-D8B5-4052-B551-9B5525EAA8B6}" type="datetimeFigureOut">
               <a:rPr lang="en-US" dirty="0"/>
-              <a:t>7/3/2019</a:t>
+              <a:t>7/8/2019</a:t>
             </a:fld>
             <a:endParaRPr lang="en-US" dirty="0"/>
           </a:p>
@@ -3793,7 +3793,7 @@
           <a:p>
             <a:fld id="{4D94136C-8742-45B2-AF27-D93DF72833A9}" type="datetimeFigureOut">
               <a:rPr lang="en-US" dirty="0"/>
-              <a:t>7/3/2019</a:t>
+              <a:t>7/8/2019</a:t>
             </a:fld>
             <a:endParaRPr lang="en-US" dirty="0"/>
           </a:p>
@@ -4156,7 +4156,7 @@
           <a:p>
             <a:fld id="{32ABBEA6-7C60-4B02-AE87-00D78D8422AF}" type="datetimeFigureOut">
               <a:rPr lang="en-US" dirty="0"/>
-              <a:t>7/3/2019</a:t>
+              <a:t>7/8/2019</a:t>
             </a:fld>
             <a:endParaRPr lang="en-US" dirty="0"/>
           </a:p>
@@ -4548,7 +4548,7 @@
           <a:p>
             <a:fld id="{C9CAD897-D46E-4AD2-BD9B-49DD3E640873}" type="datetimeFigureOut">
               <a:rPr lang="en-US" dirty="0"/>
-              <a:t>7/3/2019</a:t>
+              <a:t>7/8/2019</a:t>
             </a:fld>
             <a:endParaRPr lang="en-US" dirty="0"/>
           </a:p>
@@ -4845,7 +4845,7 @@
           <a:p>
             <a:fld id="{98624D31-43A5-475A-80CF-332C9F6DCF35}" type="datetimeFigureOut">
               <a:rPr lang="en-US" dirty="0"/>
-              <a:t>7/3/2019</a:t>
+              <a:t>7/8/2019</a:t>
             </a:fld>
             <a:endParaRPr lang="en-US" dirty="0"/>
           </a:p>
@@ -5692,7 +5692,7 @@
         </p:blipFill>
         <p:spPr>
           <a:xfrm>
-            <a:off x="6411300" y="3012200"/>
+            <a:off x="6411300" y="2743842"/>
             <a:ext cx="2646549" cy="1984950"/>
           </a:xfrm>
           <a:prstGeom prst="rect">
@@ -5911,7 +5911,7 @@
         </p:blipFill>
         <p:spPr>
           <a:xfrm>
-            <a:off x="6063025" y="1804700"/>
+            <a:off x="6063025" y="1695371"/>
             <a:ext cx="2111950" cy="2111950"/>
           </a:xfrm>
           <a:prstGeom prst="rect">
@@ -5966,7 +5966,7 @@
         </p:blipFill>
         <p:spPr>
           <a:xfrm>
-            <a:off x="6722300" y="3595300"/>
+            <a:off x="6732239" y="3456154"/>
             <a:ext cx="2186200" cy="1344525"/>
           </a:xfrm>
           <a:prstGeom prst="rect">

--- a/Cataract.pptx
+++ b/Cataract.pptx
@@ -5,15 +5,17 @@
     <p:sldMasterId id="2147483660" r:id="rId1"/>
   </p:sldMasterIdLst>
   <p:notesMasterIdLst>
-    <p:notesMasterId r:id="rId8"/>
+    <p:notesMasterId r:id="rId10"/>
   </p:notesMasterIdLst>
   <p:sldIdLst>
     <p:sldId id="256" r:id="rId2"/>
     <p:sldId id="257" r:id="rId3"/>
     <p:sldId id="258" r:id="rId4"/>
     <p:sldId id="259" r:id="rId5"/>
-    <p:sldId id="260" r:id="rId6"/>
-    <p:sldId id="261" r:id="rId7"/>
+    <p:sldId id="265" r:id="rId6"/>
+    <p:sldId id="266" r:id="rId7"/>
+    <p:sldId id="260" r:id="rId8"/>
+    <p:sldId id="261" r:id="rId9"/>
   </p:sldIdLst>
   <p:sldSz cx="9144000" cy="5143500" type="screen16x9"/>
   <p:notesSz cx="6858000" cy="9144000"/>
@@ -993,7 +995,7 @@
   <p:cSld>
     <p:spTree>
       <p:nvGrpSpPr>
-        <p:cNvPr id="1" name="Shape 81"/>
+        <p:cNvPr id="1" name="Shape 75"/>
         <p:cNvGrpSpPr/>
         <p:nvPr/>
       </p:nvGrpSpPr>
@@ -1007,7 +1009,7 @@
       </p:grpSpPr>
       <p:sp>
         <p:nvSpPr>
-          <p:cNvPr id="82" name="Google Shape;82;g5ccef844c9_0_5:notes"/>
+          <p:cNvPr id="76" name="Google Shape;76;g5c1d9bc1b2_0_18:notes"/>
           <p:cNvSpPr>
             <a:spLocks noGrp="1" noRot="1" noChangeAspect="1"/>
           </p:cNvSpPr>
@@ -1048,7 +1050,7 @@
       </p:sp>
       <p:sp>
         <p:nvSpPr>
-          <p:cNvPr id="83" name="Google Shape;83;g5ccef844c9_0_5:notes"/>
+          <p:cNvPr id="77" name="Google Shape;77;g5c1d9bc1b2_0_18:notes"/>
           <p:cNvSpPr txBox="1">
             <a:spLocks noGrp="1"/>
           </p:cNvSpPr>
@@ -1085,6 +1087,11 @@
         </p:txBody>
       </p:sp>
     </p:spTree>
+    <p:extLst>
+      <p:ext uri="{BB962C8B-B14F-4D97-AF65-F5344CB8AC3E}">
+        <p14:creationId xmlns:p14="http://schemas.microsoft.com/office/powerpoint/2010/main" val="2503784434"/>
+      </p:ext>
+    </p:extLst>
   </p:cSld>
   <p:clrMapOvr>
     <a:masterClrMapping/>
@@ -1097,7 +1104,7 @@
   <p:cSld>
     <p:spTree>
       <p:nvGrpSpPr>
-        <p:cNvPr id="1" name="Shape 87"/>
+        <p:cNvPr id="1" name="Shape 75"/>
         <p:cNvGrpSpPr/>
         <p:nvPr/>
       </p:nvGrpSpPr>
@@ -1111,7 +1118,7 @@
       </p:grpSpPr>
       <p:sp>
         <p:nvSpPr>
-          <p:cNvPr id="88" name="Google Shape;88;g5c84791939_0_0:notes"/>
+          <p:cNvPr id="76" name="Google Shape;76;g5c1d9bc1b2_0_18:notes"/>
           <p:cNvSpPr>
             <a:spLocks noGrp="1" noRot="1" noChangeAspect="1"/>
           </p:cNvSpPr>
@@ -1152,6 +1159,219 @@
       </p:sp>
       <p:sp>
         <p:nvSpPr>
+          <p:cNvPr id="77" name="Google Shape;77;g5c1d9bc1b2_0_18:notes"/>
+          <p:cNvSpPr txBox="1">
+            <a:spLocks noGrp="1"/>
+          </p:cNvSpPr>
+          <p:nvPr>
+            <p:ph type="body" idx="1"/>
+          </p:nvPr>
+        </p:nvSpPr>
+        <p:spPr>
+          <a:xfrm>
+            <a:off x="685800" y="4343400"/>
+            <a:ext cx="5486400" cy="4114800"/>
+          </a:xfrm>
+          <a:prstGeom prst="rect">
+            <a:avLst/>
+          </a:prstGeom>
+        </p:spPr>
+        <p:txBody>
+          <a:bodyPr spcFirstLastPara="1" wrap="square" lIns="91425" tIns="91425" rIns="91425" bIns="91425" anchor="t" anchorCtr="0">
+            <a:noAutofit/>
+          </a:bodyPr>
+          <a:lstStyle/>
+          <a:p>
+            <a:pPr marL="0" lvl="0" indent="0" algn="l" rtl="0">
+              <a:spcBef>
+                <a:spcPts val="0"/>
+              </a:spcBef>
+              <a:spcAft>
+                <a:spcPts val="0"/>
+              </a:spcAft>
+              <a:buNone/>
+            </a:pPr>
+            <a:endParaRPr/>
+          </a:p>
+        </p:txBody>
+      </p:sp>
+    </p:spTree>
+    <p:extLst>
+      <p:ext uri="{BB962C8B-B14F-4D97-AF65-F5344CB8AC3E}">
+        <p14:creationId xmlns:p14="http://schemas.microsoft.com/office/powerpoint/2010/main" val="2041249652"/>
+      </p:ext>
+    </p:extLst>
+  </p:cSld>
+  <p:clrMapOvr>
+    <a:masterClrMapping/>
+  </p:clrMapOvr>
+</p:notes>
+</file>
+
+<file path=ppt/notesSlides/notesSlide7.xml><?xml version="1.0" encoding="utf-8"?>
+<p:notes xmlns:a="http://schemas.openxmlformats.org/drawingml/2006/main" xmlns:r="http://schemas.openxmlformats.org/officeDocument/2006/relationships" xmlns:p="http://schemas.openxmlformats.org/presentationml/2006/main" showMasterSp="0" showMasterPhAnim="0">
+  <p:cSld>
+    <p:spTree>
+      <p:nvGrpSpPr>
+        <p:cNvPr id="1" name="Shape 81"/>
+        <p:cNvGrpSpPr/>
+        <p:nvPr/>
+      </p:nvGrpSpPr>
+      <p:grpSpPr>
+        <a:xfrm>
+          <a:off x="0" y="0"/>
+          <a:ext cx="0" cy="0"/>
+          <a:chOff x="0" y="0"/>
+          <a:chExt cx="0" cy="0"/>
+        </a:xfrm>
+      </p:grpSpPr>
+      <p:sp>
+        <p:nvSpPr>
+          <p:cNvPr id="82" name="Google Shape;82;g5ccef844c9_0_5:notes"/>
+          <p:cNvSpPr>
+            <a:spLocks noGrp="1" noRot="1" noChangeAspect="1"/>
+          </p:cNvSpPr>
+          <p:nvPr>
+            <p:ph type="sldImg" idx="2"/>
+          </p:nvPr>
+        </p:nvSpPr>
+        <p:spPr>
+          <a:xfrm>
+            <a:off x="381000" y="685800"/>
+            <a:ext cx="6096000" cy="3429000"/>
+          </a:xfrm>
+          <a:custGeom>
+            <a:avLst/>
+            <a:gdLst/>
+            <a:ahLst/>
+            <a:cxnLst/>
+            <a:rect l="l" t="t" r="r" b="b"/>
+            <a:pathLst>
+              <a:path w="120000" h="120000" extrusionOk="0">
+                <a:moveTo>
+                  <a:pt x="0" y="0"/>
+                </a:moveTo>
+                <a:lnTo>
+                  <a:pt x="120000" y="0"/>
+                </a:lnTo>
+                <a:lnTo>
+                  <a:pt x="120000" y="120000"/>
+                </a:lnTo>
+                <a:lnTo>
+                  <a:pt x="0" y="120000"/>
+                </a:lnTo>
+                <a:close/>
+              </a:path>
+            </a:pathLst>
+          </a:custGeom>
+        </p:spPr>
+      </p:sp>
+      <p:sp>
+        <p:nvSpPr>
+          <p:cNvPr id="83" name="Google Shape;83;g5ccef844c9_0_5:notes"/>
+          <p:cNvSpPr txBox="1">
+            <a:spLocks noGrp="1"/>
+          </p:cNvSpPr>
+          <p:nvPr>
+            <p:ph type="body" idx="1"/>
+          </p:nvPr>
+        </p:nvSpPr>
+        <p:spPr>
+          <a:xfrm>
+            <a:off x="685800" y="4343400"/>
+            <a:ext cx="5486400" cy="4114800"/>
+          </a:xfrm>
+          <a:prstGeom prst="rect">
+            <a:avLst/>
+          </a:prstGeom>
+        </p:spPr>
+        <p:txBody>
+          <a:bodyPr spcFirstLastPara="1" wrap="square" lIns="91425" tIns="91425" rIns="91425" bIns="91425" anchor="t" anchorCtr="0">
+            <a:noAutofit/>
+          </a:bodyPr>
+          <a:lstStyle/>
+          <a:p>
+            <a:pPr marL="0" lvl="0" indent="0" algn="l" rtl="0">
+              <a:spcBef>
+                <a:spcPts val="0"/>
+              </a:spcBef>
+              <a:spcAft>
+                <a:spcPts val="0"/>
+              </a:spcAft>
+              <a:buNone/>
+            </a:pPr>
+            <a:endParaRPr/>
+          </a:p>
+        </p:txBody>
+      </p:sp>
+    </p:spTree>
+  </p:cSld>
+  <p:clrMapOvr>
+    <a:masterClrMapping/>
+  </p:clrMapOvr>
+</p:notes>
+</file>
+
+<file path=ppt/notesSlides/notesSlide8.xml><?xml version="1.0" encoding="utf-8"?>
+<p:notes xmlns:a="http://schemas.openxmlformats.org/drawingml/2006/main" xmlns:r="http://schemas.openxmlformats.org/officeDocument/2006/relationships" xmlns:p="http://schemas.openxmlformats.org/presentationml/2006/main" showMasterSp="0" showMasterPhAnim="0">
+  <p:cSld>
+    <p:spTree>
+      <p:nvGrpSpPr>
+        <p:cNvPr id="1" name="Shape 87"/>
+        <p:cNvGrpSpPr/>
+        <p:nvPr/>
+      </p:nvGrpSpPr>
+      <p:grpSpPr>
+        <a:xfrm>
+          <a:off x="0" y="0"/>
+          <a:ext cx="0" cy="0"/>
+          <a:chOff x="0" y="0"/>
+          <a:chExt cx="0" cy="0"/>
+        </a:xfrm>
+      </p:grpSpPr>
+      <p:sp>
+        <p:nvSpPr>
+          <p:cNvPr id="88" name="Google Shape;88;g5c84791939_0_0:notes"/>
+          <p:cNvSpPr>
+            <a:spLocks noGrp="1" noRot="1" noChangeAspect="1"/>
+          </p:cNvSpPr>
+          <p:nvPr>
+            <p:ph type="sldImg" idx="2"/>
+          </p:nvPr>
+        </p:nvSpPr>
+        <p:spPr>
+          <a:xfrm>
+            <a:off x="381000" y="685800"/>
+            <a:ext cx="6096000" cy="3429000"/>
+          </a:xfrm>
+          <a:custGeom>
+            <a:avLst/>
+            <a:gdLst/>
+            <a:ahLst/>
+            <a:cxnLst/>
+            <a:rect l="l" t="t" r="r" b="b"/>
+            <a:pathLst>
+              <a:path w="120000" h="120000" extrusionOk="0">
+                <a:moveTo>
+                  <a:pt x="0" y="0"/>
+                </a:moveTo>
+                <a:lnTo>
+                  <a:pt x="120000" y="0"/>
+                </a:lnTo>
+                <a:lnTo>
+                  <a:pt x="120000" y="120000"/>
+                </a:lnTo>
+                <a:lnTo>
+                  <a:pt x="0" y="120000"/>
+                </a:lnTo>
+                <a:close/>
+              </a:path>
+            </a:pathLst>
+          </a:custGeom>
+        </p:spPr>
+      </p:sp>
+      <p:sp>
+        <p:nvSpPr>
           <p:cNvPr id="89" name="Google Shape;89;g5c84791939_0_0:notes"/>
           <p:cNvSpPr txBox="1">
             <a:spLocks noGrp="1"/>
@@ -1422,7 +1642,7 @@
           <a:p>
             <a:fld id="{4BDF68E2-58F2-4D09-BE8B-E3BD06533059}" type="datetimeFigureOut">
               <a:rPr lang="en-US" dirty="0"/>
-              <a:t>7/8/2019</a:t>
+              <a:t>7/11/2019</a:t>
             </a:fld>
             <a:endParaRPr lang="en-US" dirty="0"/>
           </a:p>
@@ -1640,7 +1860,7 @@
           <a:p>
             <a:fld id="{2E2D6473-DF6D-4702-B328-E0DD40540A4E}" type="datetimeFigureOut">
               <a:rPr lang="en-US" dirty="0"/>
-              <a:t>7/8/2019</a:t>
+              <a:t>7/11/2019</a:t>
             </a:fld>
             <a:endParaRPr lang="en-US" dirty="0"/>
           </a:p>
@@ -1906,7 +2126,7 @@
           <a:p>
             <a:fld id="{E26F7E3A-B166-407D-9866-32884E7D5B37}" type="datetimeFigureOut">
               <a:rPr lang="en-US" dirty="0"/>
-              <a:t>7/8/2019</a:t>
+              <a:t>7/11/2019</a:t>
             </a:fld>
             <a:endParaRPr lang="en-US" dirty="0"/>
           </a:p>
@@ -2457,7 +2677,7 @@
           <a:p>
             <a:fld id="{528FC5F6-F338-4AE4-BB23-26385BCFC423}" type="datetimeFigureOut">
               <a:rPr lang="en-US" dirty="0"/>
-              <a:t>7/8/2019</a:t>
+              <a:t>7/11/2019</a:t>
             </a:fld>
             <a:endParaRPr lang="en-US" dirty="0"/>
           </a:p>
@@ -2810,7 +3030,7 @@
           <a:p>
             <a:fld id="{20EBB0C4-6273-4C6E-B9BD-2EDC30F1CD52}" type="datetimeFigureOut">
               <a:rPr lang="en-US" dirty="0"/>
-              <a:t>7/8/2019</a:t>
+              <a:t>7/11/2019</a:t>
             </a:fld>
             <a:endParaRPr lang="en-US" dirty="0"/>
           </a:p>
@@ -3095,7 +3315,7 @@
           <a:p>
             <a:fld id="{19AB4D41-86C1-4908-B66A-0B50CEB3BF29}" type="datetimeFigureOut">
               <a:rPr lang="en-US" dirty="0"/>
-              <a:t>7/8/2019</a:t>
+              <a:t>7/11/2019</a:t>
             </a:fld>
             <a:endParaRPr lang="en-US" dirty="0"/>
           </a:p>
@@ -3484,7 +3704,7 @@
           <a:p>
             <a:fld id="{E6426E2C-56C1-4E0D-A793-0088A7FDD37E}" type="datetimeFigureOut">
               <a:rPr lang="en-US" dirty="0"/>
-              <a:t>7/8/2019</a:t>
+              <a:t>7/11/2019</a:t>
             </a:fld>
             <a:endParaRPr lang="en-US" dirty="0"/>
           </a:p>
@@ -3612,7 +3832,7 @@
           <a:p>
             <a:fld id="{C8C39B41-D8B5-4052-B551-9B5525EAA8B6}" type="datetimeFigureOut">
               <a:rPr lang="en-US" dirty="0"/>
-              <a:t>7/8/2019</a:t>
+              <a:t>7/11/2019</a:t>
             </a:fld>
             <a:endParaRPr lang="en-US" dirty="0"/>
           </a:p>
@@ -3793,7 +4013,7 @@
           <a:p>
             <a:fld id="{4D94136C-8742-45B2-AF27-D93DF72833A9}" type="datetimeFigureOut">
               <a:rPr lang="en-US" dirty="0"/>
-              <a:t>7/8/2019</a:t>
+              <a:t>7/11/2019</a:t>
             </a:fld>
             <a:endParaRPr lang="en-US" dirty="0"/>
           </a:p>
@@ -4156,7 +4376,7 @@
           <a:p>
             <a:fld id="{32ABBEA6-7C60-4B02-AE87-00D78D8422AF}" type="datetimeFigureOut">
               <a:rPr lang="en-US" dirty="0"/>
-              <a:t>7/8/2019</a:t>
+              <a:t>7/11/2019</a:t>
             </a:fld>
             <a:endParaRPr lang="en-US" dirty="0"/>
           </a:p>
@@ -4548,7 +4768,7 @@
           <a:p>
             <a:fld id="{C9CAD897-D46E-4AD2-BD9B-49DD3E640873}" type="datetimeFigureOut">
               <a:rPr lang="en-US" dirty="0"/>
-              <a:t>7/8/2019</a:t>
+              <a:t>7/11/2019</a:t>
             </a:fld>
             <a:endParaRPr lang="en-US" dirty="0"/>
           </a:p>
@@ -4845,7 +5065,7 @@
           <a:p>
             <a:fld id="{98624D31-43A5-475A-80CF-332C9F6DCF35}" type="datetimeFigureOut">
               <a:rPr lang="en-US" dirty="0"/>
-              <a:t>7/8/2019</a:t>
+              <a:t>7/11/2019</a:t>
             </a:fld>
             <a:endParaRPr lang="en-US" dirty="0"/>
           </a:p>
@@ -6034,10 +6254,10 @@
               <a:buNone/>
             </a:pPr>
             <a:r>
-              <a:rPr lang="en"/>
+              <a:rPr lang="en" dirty="0"/>
               <a:t>Cataracts</a:t>
             </a:r>
-            <a:endParaRPr/>
+            <a:endParaRPr dirty="0"/>
           </a:p>
         </p:txBody>
       </p:sp>
@@ -6197,24 +6417,11 @@
             </a:pPr>
             <a:r>
               <a:rPr lang="en" sz="1800" dirty="0"/>
-              <a:t>Over time, α-crystallin is used up, and unstabilized βγ-crystallin aggregates desolubilize and form opaque cataracts.</a:t>
-            </a:r>
-            <a:endParaRPr sz="1800" dirty="0"/>
-          </a:p>
-          <a:p>
-            <a:pPr marL="457200" lvl="0" indent="-342900" algn="l" rtl="0">
-              <a:spcBef>
-                <a:spcPts val="0"/>
-              </a:spcBef>
-              <a:spcAft>
-                <a:spcPts val="0"/>
-              </a:spcAft>
-              <a:buSzPts val="1800"/>
-              <a:buChar char="●"/>
-            </a:pPr>
-            <a:r>
-              <a:rPr lang="en" sz="1800" dirty="0"/>
-              <a:t>Additionally, mutations in crystallin genes can increase risk of cataract.</a:t>
+              <a:t>Over time, α-crystallin is used up, and unstabilized βγ-crystallin aggregates desolubilize and form opaque cataracts</a:t>
+            </a:r>
+            <a:r>
+              <a:rPr lang="en" sz="1800" dirty="0" smtClean="0"/>
+              <a:t>.</a:t>
             </a:r>
             <a:endParaRPr sz="1800" dirty="0"/>
           </a:p>
@@ -6229,6 +6436,449 @@
 </file>
 
 <file path=ppt/slides/slide5.xml><?xml version="1.0" encoding="utf-8"?>
+<p:sld xmlns:a="http://schemas.openxmlformats.org/drawingml/2006/main" xmlns:r="http://schemas.openxmlformats.org/officeDocument/2006/relationships" xmlns:p="http://schemas.openxmlformats.org/presentationml/2006/main">
+  <p:cSld>
+    <p:spTree>
+      <p:nvGrpSpPr>
+        <p:cNvPr id="1" name="Shape 78"/>
+        <p:cNvGrpSpPr/>
+        <p:nvPr/>
+      </p:nvGrpSpPr>
+      <p:grpSpPr>
+        <a:xfrm>
+          <a:off x="0" y="0"/>
+          <a:ext cx="0" cy="0"/>
+          <a:chOff x="0" y="0"/>
+          <a:chExt cx="0" cy="0"/>
+        </a:xfrm>
+      </p:grpSpPr>
+      <p:sp>
+        <p:nvSpPr>
+          <p:cNvPr id="79" name="Google Shape;79;p16"/>
+          <p:cNvSpPr txBox="1">
+            <a:spLocks noGrp="1"/>
+          </p:cNvSpPr>
+          <p:nvPr>
+            <p:ph type="title"/>
+          </p:nvPr>
+        </p:nvSpPr>
+        <p:spPr>
+          <a:prstGeom prst="rect">
+            <a:avLst/>
+          </a:prstGeom>
+        </p:spPr>
+        <p:txBody>
+          <a:bodyPr spcFirstLastPara="1" wrap="square" lIns="91425" tIns="91425" rIns="91425" bIns="91425" anchor="t" anchorCtr="0">
+            <a:noAutofit/>
+          </a:bodyPr>
+          <a:lstStyle/>
+          <a:p>
+            <a:pPr marL="0" lvl="0" indent="0" algn="l" rtl="0">
+              <a:spcBef>
+                <a:spcPts val="0"/>
+              </a:spcBef>
+              <a:spcAft>
+                <a:spcPts val="0"/>
+              </a:spcAft>
+              <a:buNone/>
+            </a:pPr>
+            <a:r>
+              <a:rPr lang="en" dirty="0"/>
+              <a:t>Cataracts</a:t>
+            </a:r>
+            <a:endParaRPr dirty="0"/>
+          </a:p>
+        </p:txBody>
+      </p:sp>
+      <p:sp>
+        <p:nvSpPr>
+          <p:cNvPr id="80" name="Google Shape;80;p16"/>
+          <p:cNvSpPr txBox="1">
+            <a:spLocks noGrp="1"/>
+          </p:cNvSpPr>
+          <p:nvPr>
+            <p:ph type="body" idx="1"/>
+          </p:nvPr>
+        </p:nvSpPr>
+        <p:spPr>
+          <a:xfrm>
+            <a:off x="311700" y="1311501"/>
+            <a:ext cx="8520600" cy="3416400"/>
+          </a:xfrm>
+          <a:prstGeom prst="rect">
+            <a:avLst/>
+          </a:prstGeom>
+        </p:spPr>
+        <p:txBody>
+          <a:bodyPr spcFirstLastPara="1" wrap="square" lIns="91425" tIns="91425" rIns="91425" bIns="91425" anchor="t" anchorCtr="0">
+            <a:noAutofit/>
+          </a:bodyPr>
+          <a:lstStyle/>
+          <a:p>
+            <a:pPr marL="457200" lvl="0" indent="-342900" algn="l" rtl="0">
+              <a:lnSpc>
+                <a:spcPct val="100000"/>
+              </a:lnSpc>
+              <a:spcBef>
+                <a:spcPts val="0"/>
+              </a:spcBef>
+              <a:spcAft>
+                <a:spcPts val="0"/>
+              </a:spcAft>
+              <a:buSzPts val="1800"/>
+              <a:buChar char="●"/>
+            </a:pPr>
+            <a:r>
+              <a:rPr lang="en-US" sz="1800" dirty="0" smtClean="0"/>
+              <a:t>There are 2 main factors that lead to cataract:</a:t>
+            </a:r>
+          </a:p>
+          <a:p>
+            <a:pPr lvl="1" indent="-342900">
+              <a:lnSpc>
+                <a:spcPct val="100000"/>
+              </a:lnSpc>
+              <a:spcBef>
+                <a:spcPts val="0"/>
+              </a:spcBef>
+              <a:buSzPts val="1800"/>
+              <a:buChar char="●"/>
+            </a:pPr>
+            <a:r>
+              <a:rPr lang="en-US" sz="1650" dirty="0" smtClean="0"/>
+              <a:t>1: Depletion of glutathione within the lens</a:t>
+            </a:r>
+          </a:p>
+          <a:p>
+            <a:pPr lvl="1" indent="-342900">
+              <a:lnSpc>
+                <a:spcPct val="100000"/>
+              </a:lnSpc>
+              <a:spcBef>
+                <a:spcPts val="0"/>
+              </a:spcBef>
+              <a:buSzPts val="1800"/>
+              <a:buChar char="●"/>
+            </a:pPr>
+            <a:endParaRPr lang="en-US" sz="1650" dirty="0" smtClean="0"/>
+          </a:p>
+          <a:p>
+            <a:pPr lvl="1" indent="-342900">
+              <a:lnSpc>
+                <a:spcPct val="100000"/>
+              </a:lnSpc>
+              <a:spcBef>
+                <a:spcPts val="0"/>
+              </a:spcBef>
+              <a:buSzPts val="1800"/>
+              <a:buChar char="●"/>
+            </a:pPr>
+            <a:r>
+              <a:rPr lang="en-US" sz="1650" dirty="0" smtClean="0"/>
+              <a:t>Glutathione levels decrease for two reasons:</a:t>
+            </a:r>
+          </a:p>
+          <a:p>
+            <a:pPr lvl="2" indent="-342900">
+              <a:lnSpc>
+                <a:spcPct val="100000"/>
+              </a:lnSpc>
+              <a:spcBef>
+                <a:spcPts val="0"/>
+              </a:spcBef>
+              <a:buSzPts val="1800"/>
+              <a:buChar char="●"/>
+            </a:pPr>
+            <a:r>
+              <a:rPr lang="en-US" sz="1350" dirty="0" smtClean="0"/>
+              <a:t>Formation of a lens barrier: </a:t>
+            </a:r>
+            <a:endParaRPr lang="en-US" sz="1350" dirty="0" smtClean="0"/>
+          </a:p>
+          <a:p>
+            <a:pPr lvl="3" indent="-342900">
+              <a:lnSpc>
+                <a:spcPct val="100000"/>
+              </a:lnSpc>
+              <a:spcBef>
+                <a:spcPts val="0"/>
+              </a:spcBef>
+              <a:buSzPts val="1800"/>
+            </a:pPr>
+            <a:r>
+              <a:rPr lang="en-US" sz="1350" dirty="0"/>
+              <a:t>a</a:t>
+            </a:r>
+            <a:endParaRPr lang="en-US" sz="1350" dirty="0" smtClean="0"/>
+          </a:p>
+          <a:p>
+            <a:pPr lvl="2" indent="-342900">
+              <a:lnSpc>
+                <a:spcPct val="100000"/>
+              </a:lnSpc>
+              <a:spcBef>
+                <a:spcPts val="0"/>
+              </a:spcBef>
+              <a:buSzPts val="1800"/>
+              <a:buChar char="●"/>
+            </a:pPr>
+            <a:r>
+              <a:rPr lang="en-US" sz="1350" dirty="0" smtClean="0"/>
+              <a:t>Decreased recycling efficiency:</a:t>
+            </a:r>
+          </a:p>
+          <a:p>
+            <a:pPr lvl="3" indent="-342900">
+              <a:lnSpc>
+                <a:spcPct val="100000"/>
+              </a:lnSpc>
+              <a:spcBef>
+                <a:spcPts val="0"/>
+              </a:spcBef>
+              <a:buSzPts val="1800"/>
+            </a:pPr>
+            <a:r>
+              <a:rPr lang="en-US" sz="1350" dirty="0"/>
+              <a:t>b</a:t>
+            </a:r>
+            <a:endParaRPr lang="en-US" sz="1350" dirty="0" smtClean="0"/>
+          </a:p>
+          <a:p>
+            <a:pPr lvl="3" indent="-342900">
+              <a:lnSpc>
+                <a:spcPct val="100000"/>
+              </a:lnSpc>
+              <a:spcBef>
+                <a:spcPts val="0"/>
+              </a:spcBef>
+              <a:buSzPts val="1800"/>
+            </a:pPr>
+            <a:endParaRPr lang="en-US" sz="1350" dirty="0" smtClean="0"/>
+          </a:p>
+          <a:p>
+            <a:pPr lvl="1" indent="-342900">
+              <a:lnSpc>
+                <a:spcPct val="100000"/>
+              </a:lnSpc>
+              <a:spcBef>
+                <a:spcPts val="0"/>
+              </a:spcBef>
+              <a:buSzPts val="1800"/>
+              <a:buChar char="●"/>
+            </a:pPr>
+            <a:endParaRPr lang="en-US" sz="1650" dirty="0" smtClean="0"/>
+          </a:p>
+          <a:p>
+            <a:pPr marL="1028700" lvl="2" indent="0">
+              <a:lnSpc>
+                <a:spcPct val="100000"/>
+              </a:lnSpc>
+              <a:spcBef>
+                <a:spcPts val="0"/>
+              </a:spcBef>
+              <a:buSzPts val="1800"/>
+              <a:buNone/>
+            </a:pPr>
+            <a:endParaRPr sz="1350" dirty="0"/>
+          </a:p>
+        </p:txBody>
+      </p:sp>
+    </p:spTree>
+    <p:extLst>
+      <p:ext uri="{BB962C8B-B14F-4D97-AF65-F5344CB8AC3E}">
+        <p14:creationId xmlns:p14="http://schemas.microsoft.com/office/powerpoint/2010/main" val="1564613521"/>
+      </p:ext>
+    </p:extLst>
+  </p:cSld>
+  <p:clrMapOvr>
+    <a:masterClrMapping/>
+  </p:clrMapOvr>
+</p:sld>
+</file>
+
+<file path=ppt/slides/slide6.xml><?xml version="1.0" encoding="utf-8"?>
+<p:sld xmlns:a="http://schemas.openxmlformats.org/drawingml/2006/main" xmlns:r="http://schemas.openxmlformats.org/officeDocument/2006/relationships" xmlns:p="http://schemas.openxmlformats.org/presentationml/2006/main">
+  <p:cSld>
+    <p:spTree>
+      <p:nvGrpSpPr>
+        <p:cNvPr id="1" name="Shape 78"/>
+        <p:cNvGrpSpPr/>
+        <p:nvPr/>
+      </p:nvGrpSpPr>
+      <p:grpSpPr>
+        <a:xfrm>
+          <a:off x="0" y="0"/>
+          <a:ext cx="0" cy="0"/>
+          <a:chOff x="0" y="0"/>
+          <a:chExt cx="0" cy="0"/>
+        </a:xfrm>
+      </p:grpSpPr>
+      <p:sp>
+        <p:nvSpPr>
+          <p:cNvPr id="79" name="Google Shape;79;p16"/>
+          <p:cNvSpPr txBox="1">
+            <a:spLocks noGrp="1"/>
+          </p:cNvSpPr>
+          <p:nvPr>
+            <p:ph type="title"/>
+          </p:nvPr>
+        </p:nvSpPr>
+        <p:spPr>
+          <a:prstGeom prst="rect">
+            <a:avLst/>
+          </a:prstGeom>
+        </p:spPr>
+        <p:txBody>
+          <a:bodyPr spcFirstLastPara="1" wrap="square" lIns="91425" tIns="91425" rIns="91425" bIns="91425" anchor="t" anchorCtr="0">
+            <a:noAutofit/>
+          </a:bodyPr>
+          <a:lstStyle/>
+          <a:p>
+            <a:pPr marL="0" lvl="0" indent="0" algn="l" rtl="0">
+              <a:spcBef>
+                <a:spcPts val="0"/>
+              </a:spcBef>
+              <a:spcAft>
+                <a:spcPts val="0"/>
+              </a:spcAft>
+              <a:buNone/>
+            </a:pPr>
+            <a:r>
+              <a:rPr lang="en" dirty="0"/>
+              <a:t>Cataracts</a:t>
+            </a:r>
+            <a:endParaRPr dirty="0"/>
+          </a:p>
+        </p:txBody>
+      </p:sp>
+      <p:sp>
+        <p:nvSpPr>
+          <p:cNvPr id="80" name="Google Shape;80;p16"/>
+          <p:cNvSpPr txBox="1">
+            <a:spLocks noGrp="1"/>
+          </p:cNvSpPr>
+          <p:nvPr>
+            <p:ph type="body" idx="1"/>
+          </p:nvPr>
+        </p:nvSpPr>
+        <p:spPr>
+          <a:xfrm>
+            <a:off x="311700" y="1311501"/>
+            <a:ext cx="8520600" cy="3416400"/>
+          </a:xfrm>
+          <a:prstGeom prst="rect">
+            <a:avLst/>
+          </a:prstGeom>
+        </p:spPr>
+        <p:txBody>
+          <a:bodyPr spcFirstLastPara="1" wrap="square" lIns="91425" tIns="91425" rIns="91425" bIns="91425" anchor="t" anchorCtr="0">
+            <a:noAutofit/>
+          </a:bodyPr>
+          <a:lstStyle/>
+          <a:p>
+            <a:pPr marL="457200" lvl="0" indent="-342900" algn="l" rtl="0">
+              <a:lnSpc>
+                <a:spcPct val="100000"/>
+              </a:lnSpc>
+              <a:spcBef>
+                <a:spcPts val="0"/>
+              </a:spcBef>
+              <a:spcAft>
+                <a:spcPts val="0"/>
+              </a:spcAft>
+              <a:buSzPts val="1800"/>
+              <a:buChar char="●"/>
+            </a:pPr>
+            <a:r>
+              <a:rPr lang="en-US" sz="1800" dirty="0" smtClean="0"/>
+              <a:t>There are 2 main factors that lead to cataract:</a:t>
+            </a:r>
+          </a:p>
+          <a:p>
+            <a:pPr lvl="1" indent="-342900">
+              <a:lnSpc>
+                <a:spcPct val="100000"/>
+              </a:lnSpc>
+              <a:spcBef>
+                <a:spcPts val="0"/>
+              </a:spcBef>
+              <a:buSzPts val="1800"/>
+              <a:buChar char="●"/>
+            </a:pPr>
+            <a:r>
+              <a:rPr lang="en-US" sz="1650" dirty="0" smtClean="0"/>
+              <a:t>2: </a:t>
+            </a:r>
+            <a:r>
+              <a:rPr lang="en-US" sz="1650" dirty="0" err="1" smtClean="0"/>
+              <a:t>Desolubilization</a:t>
+            </a:r>
+            <a:r>
+              <a:rPr lang="en-US" sz="1650" dirty="0" smtClean="0"/>
+              <a:t> of </a:t>
+            </a:r>
+            <a:r>
+              <a:rPr lang="en-US" sz="1650" dirty="0" err="1" smtClean="0"/>
+              <a:t>crystallin</a:t>
+            </a:r>
+            <a:r>
+              <a:rPr lang="en-US" sz="1650" dirty="0" smtClean="0"/>
+              <a:t> </a:t>
+            </a:r>
+            <a:r>
+              <a:rPr lang="en-US" sz="1650" dirty="0" smtClean="0"/>
+              <a:t>proteins</a:t>
+            </a:r>
+          </a:p>
+          <a:p>
+            <a:pPr lvl="2" indent="-342900">
+              <a:lnSpc>
+                <a:spcPct val="100000"/>
+              </a:lnSpc>
+              <a:spcBef>
+                <a:spcPts val="0"/>
+              </a:spcBef>
+              <a:buSzPts val="1800"/>
+              <a:buChar char="●"/>
+            </a:pPr>
+            <a:r>
+              <a:rPr lang="en-US" sz="1350" dirty="0" smtClean="0"/>
+              <a:t>Cells have limited supply of proteins; eventually, </a:t>
+            </a:r>
+            <a:r>
+              <a:rPr lang="en" sz="1400" dirty="0" smtClean="0"/>
+              <a:t>α-crystallin runs out</a:t>
+            </a:r>
+          </a:p>
+          <a:p>
+            <a:pPr lvl="2" indent="-342900">
+              <a:lnSpc>
+                <a:spcPct val="100000"/>
+              </a:lnSpc>
+              <a:spcBef>
+                <a:spcPts val="0"/>
+              </a:spcBef>
+              <a:buSzPts val="1800"/>
+              <a:buChar char="●"/>
+            </a:pPr>
+            <a:endParaRPr sz="1350" dirty="0"/>
+          </a:p>
+        </p:txBody>
+      </p:sp>
+    </p:spTree>
+    <p:extLst>
+      <p:ext uri="{BB962C8B-B14F-4D97-AF65-F5344CB8AC3E}">
+        <p14:creationId xmlns:p14="http://schemas.microsoft.com/office/powerpoint/2010/main" val="2549590270"/>
+      </p:ext>
+    </p:extLst>
+  </p:cSld>
+  <p:clrMapOvr>
+    <a:masterClrMapping/>
+  </p:clrMapOvr>
+</p:sld>
+</file>
+
+<file path=ppt/slides/slide7.xml><?xml version="1.0" encoding="utf-8"?>
 <p:sld xmlns:a="http://schemas.openxmlformats.org/drawingml/2006/main" xmlns:r="http://schemas.openxmlformats.org/officeDocument/2006/relationships" xmlns:p="http://schemas.openxmlformats.org/presentationml/2006/main">
   <p:cSld>
     <p:spTree>
@@ -6365,7 +7015,7 @@
 </p:sld>
 </file>
 
-<file path=ppt/slides/slide6.xml><?xml version="1.0" encoding="utf-8"?>
+<file path=ppt/slides/slide8.xml><?xml version="1.0" encoding="utf-8"?>
 <p:sld xmlns:a="http://schemas.openxmlformats.org/drawingml/2006/main" xmlns:r="http://schemas.openxmlformats.org/officeDocument/2006/relationships" xmlns:p="http://schemas.openxmlformats.org/presentationml/2006/main">
   <p:cSld>
     <p:spTree>

--- a/Cataract.pptx
+++ b/Cataract.pptx
@@ -1642,7 +1642,7 @@
           <a:p>
             <a:fld id="{4BDF68E2-58F2-4D09-BE8B-E3BD06533059}" type="datetimeFigureOut">
               <a:rPr lang="en-US" dirty="0"/>
-              <a:t>7/11/2019</a:t>
+              <a:t>7/12/2019</a:t>
             </a:fld>
             <a:endParaRPr lang="en-US" dirty="0"/>
           </a:p>
@@ -1860,7 +1860,7 @@
           <a:p>
             <a:fld id="{2E2D6473-DF6D-4702-B328-E0DD40540A4E}" type="datetimeFigureOut">
               <a:rPr lang="en-US" dirty="0"/>
-              <a:t>7/11/2019</a:t>
+              <a:t>7/12/2019</a:t>
             </a:fld>
             <a:endParaRPr lang="en-US" dirty="0"/>
           </a:p>
@@ -2126,7 +2126,7 @@
           <a:p>
             <a:fld id="{E26F7E3A-B166-407D-9866-32884E7D5B37}" type="datetimeFigureOut">
               <a:rPr lang="en-US" dirty="0"/>
-              <a:t>7/11/2019</a:t>
+              <a:t>7/12/2019</a:t>
             </a:fld>
             <a:endParaRPr lang="en-US" dirty="0"/>
           </a:p>
@@ -2677,7 +2677,7 @@
           <a:p>
             <a:fld id="{528FC5F6-F338-4AE4-BB23-26385BCFC423}" type="datetimeFigureOut">
               <a:rPr lang="en-US" dirty="0"/>
-              <a:t>7/11/2019</a:t>
+              <a:t>7/12/2019</a:t>
             </a:fld>
             <a:endParaRPr lang="en-US" dirty="0"/>
           </a:p>
@@ -3030,7 +3030,7 @@
           <a:p>
             <a:fld id="{20EBB0C4-6273-4C6E-B9BD-2EDC30F1CD52}" type="datetimeFigureOut">
               <a:rPr lang="en-US" dirty="0"/>
-              <a:t>7/11/2019</a:t>
+              <a:t>7/12/2019</a:t>
             </a:fld>
             <a:endParaRPr lang="en-US" dirty="0"/>
           </a:p>
@@ -3315,7 +3315,7 @@
           <a:p>
             <a:fld id="{19AB4D41-86C1-4908-B66A-0B50CEB3BF29}" type="datetimeFigureOut">
               <a:rPr lang="en-US" dirty="0"/>
-              <a:t>7/11/2019</a:t>
+              <a:t>7/12/2019</a:t>
             </a:fld>
             <a:endParaRPr lang="en-US" dirty="0"/>
           </a:p>
@@ -3704,7 +3704,7 @@
           <a:p>
             <a:fld id="{E6426E2C-56C1-4E0D-A793-0088A7FDD37E}" type="datetimeFigureOut">
               <a:rPr lang="en-US" dirty="0"/>
-              <a:t>7/11/2019</a:t>
+              <a:t>7/12/2019</a:t>
             </a:fld>
             <a:endParaRPr lang="en-US" dirty="0"/>
           </a:p>
@@ -3832,7 +3832,7 @@
           <a:p>
             <a:fld id="{C8C39B41-D8B5-4052-B551-9B5525EAA8B6}" type="datetimeFigureOut">
               <a:rPr lang="en-US" dirty="0"/>
-              <a:t>7/11/2019</a:t>
+              <a:t>7/12/2019</a:t>
             </a:fld>
             <a:endParaRPr lang="en-US" dirty="0"/>
           </a:p>
@@ -4013,7 +4013,7 @@
           <a:p>
             <a:fld id="{4D94136C-8742-45B2-AF27-D93DF72833A9}" type="datetimeFigureOut">
               <a:rPr lang="en-US" dirty="0"/>
-              <a:t>7/11/2019</a:t>
+              <a:t>7/12/2019</a:t>
             </a:fld>
             <a:endParaRPr lang="en-US" dirty="0"/>
           </a:p>
@@ -4376,7 +4376,7 @@
           <a:p>
             <a:fld id="{32ABBEA6-7C60-4B02-AE87-00D78D8422AF}" type="datetimeFigureOut">
               <a:rPr lang="en-US" dirty="0"/>
-              <a:t>7/11/2019</a:t>
+              <a:t>7/12/2019</a:t>
             </a:fld>
             <a:endParaRPr lang="en-US" dirty="0"/>
           </a:p>
@@ -4768,7 +4768,7 @@
           <a:p>
             <a:fld id="{C9CAD897-D46E-4AD2-BD9B-49DD3E640873}" type="datetimeFigureOut">
               <a:rPr lang="en-US" dirty="0"/>
-              <a:t>7/11/2019</a:t>
+              <a:t>7/12/2019</a:t>
             </a:fld>
             <a:endParaRPr lang="en-US" dirty="0"/>
           </a:p>
@@ -5065,7 +5065,7 @@
           <a:p>
             <a:fld id="{98624D31-43A5-475A-80CF-332C9F6DCF35}" type="datetimeFigureOut">
               <a:rPr lang="en-US" dirty="0"/>
-              <a:t>7/11/2019</a:t>
+              <a:t>7/12/2019</a:t>
             </a:fld>
             <a:endParaRPr lang="en-US" dirty="0"/>
           </a:p>
@@ -6593,7 +6593,6 @@
               <a:rPr lang="en-US" sz="1350" dirty="0" smtClean="0"/>
               <a:t>Formation of a lens barrier: </a:t>
             </a:r>
-            <a:endParaRPr lang="en-US" sz="1350" dirty="0" smtClean="0"/>
           </a:p>
           <a:p>
             <a:pPr lvl="3" indent="-342900">
@@ -6606,8 +6605,23 @@
               <a:buSzPts val="1800"/>
             </a:pPr>
             <a:r>
-              <a:rPr lang="en-US" sz="1350" dirty="0"/>
-              <a:t>a</a:t>
+              <a:rPr lang="en-US" sz="1350" dirty="0" smtClean="0"/>
+              <a:t>At around age 30-50, the nucleus/cortex barrier becomes impermeable to larger molecules.</a:t>
+            </a:r>
+          </a:p>
+          <a:p>
+            <a:pPr lvl="3" indent="-342900">
+              <a:lnSpc>
+                <a:spcPct val="100000"/>
+              </a:lnSpc>
+              <a:spcBef>
+                <a:spcPts val="0"/>
+              </a:spcBef>
+              <a:buSzPts val="1800"/>
+            </a:pPr>
+            <a:r>
+              <a:rPr lang="en-US" sz="1350" dirty="0" smtClean="0"/>
+              <a:t>Glutathione is blocked from the nucleus, and unstable molecules (ROS) are locked inside.</a:t>
             </a:r>
             <a:endParaRPr lang="en-US" sz="1350" dirty="0" smtClean="0"/>
           </a:p>
@@ -6638,9 +6652,35 @@
               <a:buSzPts val="1800"/>
             </a:pPr>
             <a:r>
-              <a:rPr lang="en-US" sz="1350" dirty="0"/>
-              <a:t>b</a:t>
-            </a:r>
+              <a:rPr lang="en-US" sz="1350" dirty="0" smtClean="0"/>
+              <a:t>Glutathione can be reduced (GSH) or oxidized (GSSG); GSH is responsible for antioxidant properties (electron donor)</a:t>
+            </a:r>
+          </a:p>
+          <a:p>
+            <a:pPr lvl="3" indent="-342900">
+              <a:lnSpc>
+                <a:spcPct val="100000"/>
+              </a:lnSpc>
+              <a:spcBef>
+                <a:spcPts val="0"/>
+              </a:spcBef>
+              <a:buSzPts val="1800"/>
+            </a:pPr>
+            <a:r>
+              <a:rPr lang="en-US" sz="1350" dirty="0" smtClean="0"/>
+              <a:t>GSSG is converted to GSH in the presence of NADPH</a:t>
+            </a:r>
+          </a:p>
+          <a:p>
+            <a:pPr lvl="3" indent="-342900">
+              <a:lnSpc>
+                <a:spcPct val="100000"/>
+              </a:lnSpc>
+              <a:spcBef>
+                <a:spcPts val="0"/>
+              </a:spcBef>
+              <a:buSzPts val="1800"/>
+            </a:pPr>
             <a:endParaRPr lang="en-US" sz="1350" dirty="0" smtClean="0"/>
           </a:p>
           <a:p>
@@ -6823,11 +6863,7 @@
             </a:r>
             <a:r>
               <a:rPr lang="en-US" sz="1650" dirty="0" smtClean="0"/>
-              <a:t> </a:t>
-            </a:r>
-            <a:r>
-              <a:rPr lang="en-US" sz="1650" dirty="0" smtClean="0"/>
-              <a:t>proteins</a:t>
+              <a:t> proteins</a:t>
             </a:r>
           </a:p>
           <a:p>

--- a/Cataract.pptx
+++ b/Cataract.pptx
@@ -5,17 +5,16 @@
     <p:sldMasterId id="2147483660" r:id="rId1"/>
   </p:sldMasterIdLst>
   <p:notesMasterIdLst>
-    <p:notesMasterId r:id="rId10"/>
+    <p:notesMasterId r:id="rId9"/>
   </p:notesMasterIdLst>
   <p:sldIdLst>
     <p:sldId id="256" r:id="rId2"/>
     <p:sldId id="257" r:id="rId3"/>
     <p:sldId id="258" r:id="rId4"/>
-    <p:sldId id="259" r:id="rId5"/>
-    <p:sldId id="265" r:id="rId6"/>
-    <p:sldId id="266" r:id="rId7"/>
-    <p:sldId id="260" r:id="rId8"/>
-    <p:sldId id="261" r:id="rId9"/>
+    <p:sldId id="265" r:id="rId5"/>
+    <p:sldId id="266" r:id="rId6"/>
+    <p:sldId id="260" r:id="rId7"/>
+    <p:sldId id="261" r:id="rId8"/>
   </p:sldIdLst>
   <p:sldSz cx="9144000" cy="5143500" type="screen16x9"/>
   <p:notesSz cx="6858000" cy="9144000"/>
@@ -983,6 +982,11 @@
         </p:txBody>
       </p:sp>
     </p:spTree>
+    <p:extLst>
+      <p:ext uri="{BB962C8B-B14F-4D97-AF65-F5344CB8AC3E}">
+        <p14:creationId xmlns:p14="http://schemas.microsoft.com/office/powerpoint/2010/main" val="2503784434"/>
+      </p:ext>
+    </p:extLst>
   </p:cSld>
   <p:clrMapOvr>
     <a:masterClrMapping/>
@@ -1089,7 +1093,7 @@
     </p:spTree>
     <p:extLst>
       <p:ext uri="{BB962C8B-B14F-4D97-AF65-F5344CB8AC3E}">
-        <p14:creationId xmlns:p14="http://schemas.microsoft.com/office/powerpoint/2010/main" val="2503784434"/>
+        <p14:creationId xmlns:p14="http://schemas.microsoft.com/office/powerpoint/2010/main" val="2041249652"/>
       </p:ext>
     </p:extLst>
   </p:cSld>
@@ -1104,7 +1108,7 @@
   <p:cSld>
     <p:spTree>
       <p:nvGrpSpPr>
-        <p:cNvPr id="1" name="Shape 75"/>
+        <p:cNvPr id="1" name="Shape 81"/>
         <p:cNvGrpSpPr/>
         <p:nvPr/>
       </p:nvGrpSpPr>
@@ -1118,7 +1122,7 @@
       </p:grpSpPr>
       <p:sp>
         <p:nvSpPr>
-          <p:cNvPr id="76" name="Google Shape;76;g5c1d9bc1b2_0_18:notes"/>
+          <p:cNvPr id="82" name="Google Shape;82;g5ccef844c9_0_5:notes"/>
           <p:cNvSpPr>
             <a:spLocks noGrp="1" noRot="1" noChangeAspect="1"/>
           </p:cNvSpPr>
@@ -1159,7 +1163,7 @@
       </p:sp>
       <p:sp>
         <p:nvSpPr>
-          <p:cNvPr id="77" name="Google Shape;77;g5c1d9bc1b2_0_18:notes"/>
+          <p:cNvPr id="83" name="Google Shape;83;g5ccef844c9_0_5:notes"/>
           <p:cNvSpPr txBox="1">
             <a:spLocks noGrp="1"/>
           </p:cNvSpPr>
@@ -1196,11 +1200,6 @@
         </p:txBody>
       </p:sp>
     </p:spTree>
-    <p:extLst>
-      <p:ext uri="{BB962C8B-B14F-4D97-AF65-F5344CB8AC3E}">
-        <p14:creationId xmlns:p14="http://schemas.microsoft.com/office/powerpoint/2010/main" val="2041249652"/>
-      </p:ext>
-    </p:extLst>
   </p:cSld>
   <p:clrMapOvr>
     <a:masterClrMapping/>
@@ -1213,7 +1212,7 @@
   <p:cSld>
     <p:spTree>
       <p:nvGrpSpPr>
-        <p:cNvPr id="1" name="Shape 81"/>
+        <p:cNvPr id="1" name="Shape 87"/>
         <p:cNvGrpSpPr/>
         <p:nvPr/>
       </p:nvGrpSpPr>
@@ -1227,7 +1226,7 @@
       </p:grpSpPr>
       <p:sp>
         <p:nvSpPr>
-          <p:cNvPr id="82" name="Google Shape;82;g5ccef844c9_0_5:notes"/>
+          <p:cNvPr id="88" name="Google Shape;88;g5c84791939_0_0:notes"/>
           <p:cNvSpPr>
             <a:spLocks noGrp="1" noRot="1" noChangeAspect="1"/>
           </p:cNvSpPr>
@@ -1268,110 +1267,6 @@
       </p:sp>
       <p:sp>
         <p:nvSpPr>
-          <p:cNvPr id="83" name="Google Shape;83;g5ccef844c9_0_5:notes"/>
-          <p:cNvSpPr txBox="1">
-            <a:spLocks noGrp="1"/>
-          </p:cNvSpPr>
-          <p:nvPr>
-            <p:ph type="body" idx="1"/>
-          </p:nvPr>
-        </p:nvSpPr>
-        <p:spPr>
-          <a:xfrm>
-            <a:off x="685800" y="4343400"/>
-            <a:ext cx="5486400" cy="4114800"/>
-          </a:xfrm>
-          <a:prstGeom prst="rect">
-            <a:avLst/>
-          </a:prstGeom>
-        </p:spPr>
-        <p:txBody>
-          <a:bodyPr spcFirstLastPara="1" wrap="square" lIns="91425" tIns="91425" rIns="91425" bIns="91425" anchor="t" anchorCtr="0">
-            <a:noAutofit/>
-          </a:bodyPr>
-          <a:lstStyle/>
-          <a:p>
-            <a:pPr marL="0" lvl="0" indent="0" algn="l" rtl="0">
-              <a:spcBef>
-                <a:spcPts val="0"/>
-              </a:spcBef>
-              <a:spcAft>
-                <a:spcPts val="0"/>
-              </a:spcAft>
-              <a:buNone/>
-            </a:pPr>
-            <a:endParaRPr/>
-          </a:p>
-        </p:txBody>
-      </p:sp>
-    </p:spTree>
-  </p:cSld>
-  <p:clrMapOvr>
-    <a:masterClrMapping/>
-  </p:clrMapOvr>
-</p:notes>
-</file>
-
-<file path=ppt/notesSlides/notesSlide8.xml><?xml version="1.0" encoding="utf-8"?>
-<p:notes xmlns:a="http://schemas.openxmlformats.org/drawingml/2006/main" xmlns:r="http://schemas.openxmlformats.org/officeDocument/2006/relationships" xmlns:p="http://schemas.openxmlformats.org/presentationml/2006/main" showMasterSp="0" showMasterPhAnim="0">
-  <p:cSld>
-    <p:spTree>
-      <p:nvGrpSpPr>
-        <p:cNvPr id="1" name="Shape 87"/>
-        <p:cNvGrpSpPr/>
-        <p:nvPr/>
-      </p:nvGrpSpPr>
-      <p:grpSpPr>
-        <a:xfrm>
-          <a:off x="0" y="0"/>
-          <a:ext cx="0" cy="0"/>
-          <a:chOff x="0" y="0"/>
-          <a:chExt cx="0" cy="0"/>
-        </a:xfrm>
-      </p:grpSpPr>
-      <p:sp>
-        <p:nvSpPr>
-          <p:cNvPr id="88" name="Google Shape;88;g5c84791939_0_0:notes"/>
-          <p:cNvSpPr>
-            <a:spLocks noGrp="1" noRot="1" noChangeAspect="1"/>
-          </p:cNvSpPr>
-          <p:nvPr>
-            <p:ph type="sldImg" idx="2"/>
-          </p:nvPr>
-        </p:nvSpPr>
-        <p:spPr>
-          <a:xfrm>
-            <a:off x="381000" y="685800"/>
-            <a:ext cx="6096000" cy="3429000"/>
-          </a:xfrm>
-          <a:custGeom>
-            <a:avLst/>
-            <a:gdLst/>
-            <a:ahLst/>
-            <a:cxnLst/>
-            <a:rect l="l" t="t" r="r" b="b"/>
-            <a:pathLst>
-              <a:path w="120000" h="120000" extrusionOk="0">
-                <a:moveTo>
-                  <a:pt x="0" y="0"/>
-                </a:moveTo>
-                <a:lnTo>
-                  <a:pt x="120000" y="0"/>
-                </a:lnTo>
-                <a:lnTo>
-                  <a:pt x="120000" y="120000"/>
-                </a:lnTo>
-                <a:lnTo>
-                  <a:pt x="0" y="120000"/>
-                </a:lnTo>
-                <a:close/>
-              </a:path>
-            </a:pathLst>
-          </a:custGeom>
-        </p:spPr>
-      </p:sp>
-      <p:sp>
-        <p:nvSpPr>
           <p:cNvPr id="89" name="Google Shape;89;g5c84791939_0_0:notes"/>
           <p:cNvSpPr txBox="1">
             <a:spLocks noGrp="1"/>
@@ -1642,7 +1537,7 @@
           <a:p>
             <a:fld id="{4BDF68E2-58F2-4D09-BE8B-E3BD06533059}" type="datetimeFigureOut">
               <a:rPr lang="en-US" dirty="0"/>
-              <a:t>7/12/2019</a:t>
+              <a:t>7/15/2019</a:t>
             </a:fld>
             <a:endParaRPr lang="en-US" dirty="0"/>
           </a:p>
@@ -1860,7 +1755,7 @@
           <a:p>
             <a:fld id="{2E2D6473-DF6D-4702-B328-E0DD40540A4E}" type="datetimeFigureOut">
               <a:rPr lang="en-US" dirty="0"/>
-              <a:t>7/12/2019</a:t>
+              <a:t>7/15/2019</a:t>
             </a:fld>
             <a:endParaRPr lang="en-US" dirty="0"/>
           </a:p>
@@ -2126,7 +2021,7 @@
           <a:p>
             <a:fld id="{E26F7E3A-B166-407D-9866-32884E7D5B37}" type="datetimeFigureOut">
               <a:rPr lang="en-US" dirty="0"/>
-              <a:t>7/12/2019</a:t>
+              <a:t>7/15/2019</a:t>
             </a:fld>
             <a:endParaRPr lang="en-US" dirty="0"/>
           </a:p>
@@ -2677,7 +2572,7 @@
           <a:p>
             <a:fld id="{528FC5F6-F338-4AE4-BB23-26385BCFC423}" type="datetimeFigureOut">
               <a:rPr lang="en-US" dirty="0"/>
-              <a:t>7/12/2019</a:t>
+              <a:t>7/15/2019</a:t>
             </a:fld>
             <a:endParaRPr lang="en-US" dirty="0"/>
           </a:p>
@@ -3030,7 +2925,7 @@
           <a:p>
             <a:fld id="{20EBB0C4-6273-4C6E-B9BD-2EDC30F1CD52}" type="datetimeFigureOut">
               <a:rPr lang="en-US" dirty="0"/>
-              <a:t>7/12/2019</a:t>
+              <a:t>7/15/2019</a:t>
             </a:fld>
             <a:endParaRPr lang="en-US" dirty="0"/>
           </a:p>
@@ -3315,7 +3210,7 @@
           <a:p>
             <a:fld id="{19AB4D41-86C1-4908-B66A-0B50CEB3BF29}" type="datetimeFigureOut">
               <a:rPr lang="en-US" dirty="0"/>
-              <a:t>7/12/2019</a:t>
+              <a:t>7/15/2019</a:t>
             </a:fld>
             <a:endParaRPr lang="en-US" dirty="0"/>
           </a:p>
@@ -3704,7 +3599,7 @@
           <a:p>
             <a:fld id="{E6426E2C-56C1-4E0D-A793-0088A7FDD37E}" type="datetimeFigureOut">
               <a:rPr lang="en-US" dirty="0"/>
-              <a:t>7/12/2019</a:t>
+              <a:t>7/15/2019</a:t>
             </a:fld>
             <a:endParaRPr lang="en-US" dirty="0"/>
           </a:p>
@@ -3832,7 +3727,7 @@
           <a:p>
             <a:fld id="{C8C39B41-D8B5-4052-B551-9B5525EAA8B6}" type="datetimeFigureOut">
               <a:rPr lang="en-US" dirty="0"/>
-              <a:t>7/12/2019</a:t>
+              <a:t>7/15/2019</a:t>
             </a:fld>
             <a:endParaRPr lang="en-US" dirty="0"/>
           </a:p>
@@ -4013,7 +3908,7 @@
           <a:p>
             <a:fld id="{4D94136C-8742-45B2-AF27-D93DF72833A9}" type="datetimeFigureOut">
               <a:rPr lang="en-US" dirty="0"/>
-              <a:t>7/12/2019</a:t>
+              <a:t>7/15/2019</a:t>
             </a:fld>
             <a:endParaRPr lang="en-US" dirty="0"/>
           </a:p>
@@ -4376,7 +4271,7 @@
           <a:p>
             <a:fld id="{32ABBEA6-7C60-4B02-AE87-00D78D8422AF}" type="datetimeFigureOut">
               <a:rPr lang="en-US" dirty="0"/>
-              <a:t>7/12/2019</a:t>
+              <a:t>7/15/2019</a:t>
             </a:fld>
             <a:endParaRPr lang="en-US" dirty="0"/>
           </a:p>
@@ -4768,7 +4663,7 @@
           <a:p>
             <a:fld id="{C9CAD897-D46E-4AD2-BD9B-49DD3E640873}" type="datetimeFigureOut">
               <a:rPr lang="en-US" dirty="0"/>
-              <a:t>7/12/2019</a:t>
+              <a:t>7/15/2019</a:t>
             </a:fld>
             <a:endParaRPr lang="en-US" dirty="0"/>
           </a:p>
@@ -5065,7 +4960,7 @@
           <a:p>
             <a:fld id="{98624D31-43A5-475A-80CF-332C9F6DCF35}" type="datetimeFigureOut">
               <a:rPr lang="en-US" dirty="0"/>
-              <a:t>7/12/2019</a:t>
+              <a:t>7/15/2019</a:t>
             </a:fld>
             <a:endParaRPr lang="en-US" dirty="0"/>
           </a:p>
@@ -5699,6 +5594,90 @@
       </p:grpSpPr>
       <p:sp>
         <p:nvSpPr>
+          <p:cNvPr id="8" name="Google Shape;64;p14"/>
+          <p:cNvSpPr/>
+          <p:nvPr/>
+        </p:nvSpPr>
+        <p:spPr>
+          <a:xfrm>
+            <a:off x="7393097" y="1284226"/>
+            <a:ext cx="1181059" cy="1226292"/>
+          </a:xfrm>
+          <a:prstGeom prst="ellipse">
+            <a:avLst/>
+          </a:prstGeom>
+          <a:solidFill>
+            <a:srgbClr val="00B050">
+              <a:alpha val="19230"/>
+            </a:srgbClr>
+          </a:solidFill>
+          <a:ln>
+            <a:noFill/>
+          </a:ln>
+        </p:spPr>
+        <p:txBody>
+          <a:bodyPr spcFirstLastPara="1" wrap="square" lIns="91425" tIns="91425" rIns="91425" bIns="91425" anchor="ctr" anchorCtr="0">
+            <a:noAutofit/>
+          </a:bodyPr>
+          <a:lstStyle/>
+          <a:p>
+            <a:pPr marL="0" lvl="0" indent="0" algn="l" rtl="0">
+              <a:spcBef>
+                <a:spcPts val="0"/>
+              </a:spcBef>
+              <a:spcAft>
+                <a:spcPts val="0"/>
+              </a:spcAft>
+              <a:buNone/>
+            </a:pPr>
+            <a:endParaRPr/>
+          </a:p>
+        </p:txBody>
+      </p:sp>
+      <p:sp>
+        <p:nvSpPr>
+          <p:cNvPr id="9" name="Google Shape;64;p14"/>
+          <p:cNvSpPr/>
+          <p:nvPr/>
+        </p:nvSpPr>
+        <p:spPr>
+          <a:xfrm>
+            <a:off x="7262191" y="1570383"/>
+            <a:ext cx="439252" cy="642730"/>
+          </a:xfrm>
+          <a:prstGeom prst="ellipse">
+            <a:avLst/>
+          </a:prstGeom>
+          <a:solidFill>
+            <a:srgbClr val="0070C0">
+              <a:alpha val="19230"/>
+            </a:srgbClr>
+          </a:solidFill>
+          <a:ln>
+            <a:noFill/>
+          </a:ln>
+        </p:spPr>
+        <p:txBody>
+          <a:bodyPr spcFirstLastPara="1" wrap="square" lIns="91425" tIns="91425" rIns="91425" bIns="91425" anchor="ctr" anchorCtr="0">
+            <a:noAutofit/>
+          </a:bodyPr>
+          <a:lstStyle/>
+          <a:p>
+            <a:pPr marL="0" lvl="0" indent="0" algn="l" rtl="0">
+              <a:spcBef>
+                <a:spcPts val="0"/>
+              </a:spcBef>
+              <a:spcAft>
+                <a:spcPts val="0"/>
+              </a:spcAft>
+              <a:buNone/>
+            </a:pPr>
+            <a:endParaRPr/>
+          </a:p>
+        </p:txBody>
+      </p:sp>
+      <p:sp>
+        <p:nvSpPr>
           <p:cNvPr id="60" name="Google Shape;60;p14"/>
           <p:cNvSpPr txBox="1">
             <a:spLocks noGrp="1"/>
@@ -5822,7 +5801,7 @@
           <a:xfrm>
             <a:off x="7137706" y="1152427"/>
             <a:ext cx="1857039" cy="1476327"/>
-            <a:chOff x="5974025" y="1152475"/>
+            <a:chOff x="5974024" y="1152475"/>
             <a:chExt cx="3021050" cy="2358350"/>
           </a:xfrm>
         </p:grpSpPr>
@@ -5841,7 +5820,7 @@
           </p:blipFill>
           <p:spPr>
             <a:xfrm>
-              <a:off x="5974025" y="1152475"/>
+              <a:off x="5974024" y="1152475"/>
               <a:ext cx="3021050" cy="2358350"/>
             </a:xfrm>
             <a:prstGeom prst="rect">
@@ -6254,8 +6233,8 @@
               <a:buNone/>
             </a:pPr>
             <a:r>
-              <a:rPr lang="en" dirty="0"/>
-              <a:t>Cataracts</a:t>
+              <a:rPr lang="en" dirty="0" smtClean="0"/>
+              <a:t>Cataract</a:t>
             </a:r>
             <a:endParaRPr dirty="0"/>
           </a:p>
@@ -6287,6 +6266,9 @@
           <a:lstStyle/>
           <a:p>
             <a:pPr marL="457200" lvl="0" indent="-342900" algn="l" rtl="0">
+              <a:lnSpc>
+                <a:spcPct val="100000"/>
+              </a:lnSpc>
               <a:spcBef>
                 <a:spcPts val="0"/>
               </a:spcBef>
@@ -6297,137 +6279,229 @@
               <a:buChar char="●"/>
             </a:pPr>
             <a:r>
-              <a:rPr lang="en" sz="1800" dirty="0"/>
-              <a:t>Caused by buildup of unfolded crystallins (too much for α-crystallin to handle) </a:t>
-            </a:r>
-            <a:endParaRPr sz="1800" dirty="0"/>
-          </a:p>
-          <a:p>
-            <a:pPr marL="457200" lvl="0" indent="-342900" algn="l" rtl="0">
-              <a:spcBef>
-                <a:spcPts val="0"/>
-              </a:spcBef>
-              <a:spcAft>
-                <a:spcPts val="0"/>
-              </a:spcAft>
+              <a:rPr lang="en-US" sz="1800" dirty="0" smtClean="0"/>
+              <a:t>There are 2 main factors that lead to cataract:</a:t>
+            </a:r>
+          </a:p>
+          <a:p>
+            <a:pPr lvl="1" indent="-342900">
+              <a:lnSpc>
+                <a:spcPct val="100000"/>
+              </a:lnSpc>
+              <a:spcBef>
+                <a:spcPts val="0"/>
+              </a:spcBef>
               <a:buSzPts val="1800"/>
               <a:buChar char="●"/>
             </a:pPr>
             <a:r>
-              <a:rPr lang="en" sz="1800" dirty="0"/>
-              <a:t>Oxidative damage is believed to play a large factor</a:t>
-            </a:r>
-            <a:endParaRPr sz="1800" dirty="0"/>
-          </a:p>
-          <a:p>
-            <a:pPr marL="914400" lvl="1" indent="-317500" algn="l" rtl="0">
-              <a:spcBef>
-                <a:spcPts val="0"/>
-              </a:spcBef>
-              <a:spcAft>
-                <a:spcPts val="0"/>
-              </a:spcAft>
-              <a:buSzPts val="1400"/>
-              <a:buChar char="○"/>
-            </a:pPr>
-            <a:r>
-              <a:rPr lang="en" sz="1600" dirty="0"/>
-              <a:t>Glutathione level falls due to 2 reasons:</a:t>
-            </a:r>
-            <a:endParaRPr sz="1600" dirty="0"/>
-          </a:p>
-          <a:p>
-            <a:pPr marL="1371600" lvl="2" indent="-317500" algn="l" rtl="0">
-              <a:spcBef>
-                <a:spcPts val="0"/>
-              </a:spcBef>
-              <a:spcAft>
-                <a:spcPts val="0"/>
-              </a:spcAft>
-              <a:buSzPts val="1400"/>
-              <a:buChar char="■"/>
-            </a:pPr>
-            <a:r>
-              <a:rPr lang="en" sz="1200" dirty="0"/>
-              <a:t>Decreased efficiency of recycling GSH</a:t>
-            </a:r>
-            <a:endParaRPr sz="1200" dirty="0"/>
-          </a:p>
-          <a:p>
-            <a:pPr marL="1371600" lvl="2" indent="-317500" algn="l" rtl="0">
-              <a:spcBef>
-                <a:spcPts val="0"/>
-              </a:spcBef>
-              <a:spcAft>
-                <a:spcPts val="0"/>
-              </a:spcAft>
-              <a:buSzPts val="1400"/>
-              <a:buChar char="■"/>
-            </a:pPr>
-            <a:r>
-              <a:rPr lang="en" sz="1200" dirty="0"/>
-              <a:t>Formation of "barrier" around the lens nucleus, preventing entry of GSH</a:t>
-            </a:r>
-            <a:endParaRPr sz="1200" dirty="0"/>
-          </a:p>
-          <a:p>
-            <a:pPr marL="457200" lvl="0" indent="-342900" algn="l" rtl="0">
-              <a:spcBef>
-                <a:spcPts val="0"/>
-              </a:spcBef>
-              <a:spcAft>
-                <a:spcPts val="0"/>
-              </a:spcAft>
+              <a:rPr lang="en-US" sz="1650" dirty="0" smtClean="0"/>
+              <a:t>1: Depletion of glutathione within the lens</a:t>
+            </a:r>
+          </a:p>
+          <a:p>
+            <a:pPr lvl="1" indent="-342900">
+              <a:lnSpc>
+                <a:spcPct val="100000"/>
+              </a:lnSpc>
+              <a:spcBef>
+                <a:spcPts val="0"/>
+              </a:spcBef>
               <a:buSzPts val="1800"/>
               <a:buChar char="●"/>
             </a:pPr>
-            <a:r>
-              <a:rPr lang="en" sz="1800" dirty="0"/>
-              <a:t>Reactive oxygen species damage crystallin, partially unfolding it.</a:t>
-            </a:r>
-            <a:endParaRPr sz="1800" dirty="0"/>
-          </a:p>
-          <a:p>
-            <a:pPr marL="914400" lvl="1" indent="-317500" algn="l" rtl="0">
-              <a:spcBef>
-                <a:spcPts val="0"/>
-              </a:spcBef>
-              <a:spcAft>
-                <a:spcPts val="0"/>
-              </a:spcAft>
-              <a:buSzPts val="1400"/>
-              <a:buChar char="○"/>
-            </a:pPr>
-            <a:r>
-              <a:rPr lang="en" sz="1600" dirty="0"/>
-              <a:t>This leads to protein-protein interactions and aggregation.</a:t>
-            </a:r>
-            <a:endParaRPr sz="1600" dirty="0"/>
-          </a:p>
-          <a:p>
-            <a:pPr marL="457200" lvl="0" indent="-342900" algn="l" rtl="0">
-              <a:spcBef>
-                <a:spcPts val="0"/>
-              </a:spcBef>
-              <a:spcAft>
-                <a:spcPts val="0"/>
-              </a:spcAft>
+            <a:endParaRPr lang="en-US" sz="1650" dirty="0" smtClean="0"/>
+          </a:p>
+          <a:p>
+            <a:pPr lvl="1" indent="-342900">
+              <a:lnSpc>
+                <a:spcPct val="100000"/>
+              </a:lnSpc>
+              <a:spcBef>
+                <a:spcPts val="0"/>
+              </a:spcBef>
               <a:buSzPts val="1800"/>
               <a:buChar char="●"/>
             </a:pPr>
             <a:r>
-              <a:rPr lang="en" sz="1800" dirty="0"/>
-              <a:t>Over time, α-crystallin is used up, and unstabilized βγ-crystallin aggregates desolubilize and form opaque cataracts</a:t>
-            </a:r>
-            <a:r>
-              <a:rPr lang="en" sz="1800" dirty="0" smtClean="0"/>
-              <a:t>.</a:t>
-            </a:r>
-            <a:endParaRPr sz="1800" dirty="0"/>
+              <a:rPr lang="en-US" sz="1650" dirty="0" smtClean="0"/>
+              <a:t>Glutathione levels decrease for two reasons:</a:t>
+            </a:r>
+          </a:p>
+          <a:p>
+            <a:pPr lvl="2" indent="-342900">
+              <a:lnSpc>
+                <a:spcPct val="100000"/>
+              </a:lnSpc>
+              <a:spcBef>
+                <a:spcPts val="0"/>
+              </a:spcBef>
+              <a:buSzPts val="1800"/>
+              <a:buChar char="●"/>
+            </a:pPr>
+            <a:r>
+              <a:rPr lang="en-US" sz="1350" dirty="0" smtClean="0"/>
+              <a:t>Formation of a lens barrier: </a:t>
+            </a:r>
+          </a:p>
+          <a:p>
+            <a:pPr lvl="3" indent="-342900">
+              <a:lnSpc>
+                <a:spcPct val="100000"/>
+              </a:lnSpc>
+              <a:spcBef>
+                <a:spcPts val="0"/>
+              </a:spcBef>
+              <a:buSzPts val="1800"/>
+            </a:pPr>
+            <a:r>
+              <a:rPr lang="en-US" sz="1350" dirty="0" smtClean="0"/>
+              <a:t>At around age 30-50, the nucleus/cortex barrier becomes impermeable to larger molecules.</a:t>
+            </a:r>
+          </a:p>
+          <a:p>
+            <a:pPr lvl="3" indent="-342900">
+              <a:lnSpc>
+                <a:spcPct val="100000"/>
+              </a:lnSpc>
+              <a:spcBef>
+                <a:spcPts val="0"/>
+              </a:spcBef>
+              <a:buSzPts val="1800"/>
+            </a:pPr>
+            <a:r>
+              <a:rPr lang="en-US" sz="1350" dirty="0" smtClean="0"/>
+              <a:t>Glutathione is blocked from the nucleus, and unstable molecules (ROS) are locked inside.</a:t>
+            </a:r>
+          </a:p>
+          <a:p>
+            <a:pPr lvl="2" indent="-342900">
+              <a:lnSpc>
+                <a:spcPct val="100000"/>
+              </a:lnSpc>
+              <a:spcBef>
+                <a:spcPts val="0"/>
+              </a:spcBef>
+              <a:buSzPts val="1800"/>
+              <a:buChar char="●"/>
+            </a:pPr>
+            <a:r>
+              <a:rPr lang="en-US" sz="1350" dirty="0" smtClean="0"/>
+              <a:t>Decreased recycling efficiency:</a:t>
+            </a:r>
+          </a:p>
+          <a:p>
+            <a:pPr lvl="3" indent="-342900">
+              <a:lnSpc>
+                <a:spcPct val="100000"/>
+              </a:lnSpc>
+              <a:spcBef>
+                <a:spcPts val="0"/>
+              </a:spcBef>
+              <a:buSzPts val="1800"/>
+            </a:pPr>
+            <a:r>
+              <a:rPr lang="en-US" sz="1350" dirty="0" smtClean="0"/>
+              <a:t>Glutathione can be reduced (GSH) or oxidized (GSSG); GSH is responsible for antioxidant properties (electron donor)</a:t>
+            </a:r>
+          </a:p>
+          <a:p>
+            <a:pPr lvl="3" indent="-342900">
+              <a:lnSpc>
+                <a:spcPct val="100000"/>
+              </a:lnSpc>
+              <a:spcBef>
+                <a:spcPts val="0"/>
+              </a:spcBef>
+              <a:buSzPts val="1800"/>
+            </a:pPr>
+            <a:r>
+              <a:rPr lang="en-US" sz="1350" dirty="0" smtClean="0"/>
+              <a:t>GSSG is converted to GSH in the presence of </a:t>
+            </a:r>
+            <a:r>
+              <a:rPr lang="en-US" sz="1350" dirty="0" smtClean="0"/>
+              <a:t>glutathione reductase (GR) and NADPH</a:t>
+            </a:r>
+          </a:p>
+          <a:p>
+            <a:pPr lvl="3" indent="-342900">
+              <a:lnSpc>
+                <a:spcPct val="100000"/>
+              </a:lnSpc>
+              <a:spcBef>
+                <a:spcPts val="0"/>
+              </a:spcBef>
+              <a:buSzPts val="1800"/>
+            </a:pPr>
+            <a:r>
+              <a:rPr lang="en-US" sz="1350" dirty="0" smtClean="0"/>
+              <a:t>With age, GR activit</a:t>
+            </a:r>
+            <a:r>
+              <a:rPr lang="en-US" sz="1350" dirty="0" smtClean="0"/>
+              <a:t>y decreases, resulting in buildup of GSSG and decrease of GSH.</a:t>
+            </a:r>
+            <a:endParaRPr lang="en-US" sz="1350" dirty="0" smtClean="0"/>
+          </a:p>
+          <a:p>
+            <a:pPr lvl="3" indent="-342900">
+              <a:lnSpc>
+                <a:spcPct val="100000"/>
+              </a:lnSpc>
+              <a:spcBef>
+                <a:spcPts val="0"/>
+              </a:spcBef>
+              <a:buSzPts val="1800"/>
+            </a:pPr>
+            <a:endParaRPr lang="en-US" sz="1350" dirty="0" smtClean="0"/>
+          </a:p>
+          <a:p>
+            <a:pPr lvl="3" indent="-342900">
+              <a:lnSpc>
+                <a:spcPct val="100000"/>
+              </a:lnSpc>
+              <a:spcBef>
+                <a:spcPts val="0"/>
+              </a:spcBef>
+              <a:buSzPts val="1800"/>
+            </a:pPr>
+            <a:endParaRPr lang="en-US" sz="1350" dirty="0" smtClean="0"/>
+          </a:p>
+          <a:p>
+            <a:pPr lvl="1" indent="-342900">
+              <a:lnSpc>
+                <a:spcPct val="100000"/>
+              </a:lnSpc>
+              <a:spcBef>
+                <a:spcPts val="0"/>
+              </a:spcBef>
+              <a:buSzPts val="1800"/>
+              <a:buChar char="●"/>
+            </a:pPr>
+            <a:endParaRPr lang="en-US" sz="1650" dirty="0" smtClean="0"/>
+          </a:p>
+          <a:p>
+            <a:pPr marL="1028700" lvl="2" indent="0">
+              <a:lnSpc>
+                <a:spcPct val="100000"/>
+              </a:lnSpc>
+              <a:spcBef>
+                <a:spcPts val="0"/>
+              </a:spcBef>
+              <a:buSzPts val="1800"/>
+              <a:buNone/>
+            </a:pPr>
+            <a:endParaRPr sz="1350" dirty="0"/>
           </a:p>
         </p:txBody>
       </p:sp>
     </p:spTree>
+    <p:extLst>
+      <p:ext uri="{BB962C8B-B14F-4D97-AF65-F5344CB8AC3E}">
+        <p14:creationId xmlns:p14="http://schemas.microsoft.com/office/powerpoint/2010/main" val="1564613521"/>
+      </p:ext>
+    </p:extLst>
   </p:cSld>
   <p:clrMapOvr>
     <a:masterClrMapping/>
@@ -6483,8 +6557,8 @@
               <a:buNone/>
             </a:pPr>
             <a:r>
-              <a:rPr lang="en" dirty="0"/>
-              <a:t>Cataracts</a:t>
+              <a:rPr lang="en" dirty="0" smtClean="0"/>
+              <a:t>Cataract</a:t>
             </a:r>
             <a:endParaRPr dirty="0"/>
           </a:p>
@@ -6546,36 +6620,23 @@
             </a:pPr>
             <a:r>
               <a:rPr lang="en-US" sz="1650" dirty="0" smtClean="0"/>
-              <a:t>1: Depletion of glutathione within the lens</a:t>
-            </a:r>
-          </a:p>
-          <a:p>
-            <a:pPr lvl="1" indent="-342900">
-              <a:lnSpc>
-                <a:spcPct val="100000"/>
-              </a:lnSpc>
-              <a:spcBef>
-                <a:spcPts val="0"/>
-              </a:spcBef>
-              <a:buSzPts val="1800"/>
-              <a:buChar char="●"/>
-            </a:pPr>
-            <a:endParaRPr lang="en-US" sz="1650" dirty="0" smtClean="0"/>
-          </a:p>
-          <a:p>
-            <a:pPr lvl="1" indent="-342900">
-              <a:lnSpc>
-                <a:spcPct val="100000"/>
-              </a:lnSpc>
-              <a:spcBef>
-                <a:spcPts val="0"/>
-              </a:spcBef>
-              <a:buSzPts val="1800"/>
-              <a:buChar char="●"/>
-            </a:pPr>
+              <a:t>2: </a:t>
+            </a:r>
+            <a:r>
+              <a:rPr lang="en-US" sz="1650" dirty="0" err="1" smtClean="0"/>
+              <a:t>Desolubilization</a:t>
+            </a:r>
             <a:r>
               <a:rPr lang="en-US" sz="1650" dirty="0" smtClean="0"/>
-              <a:t>Glutathione levels decrease for two reasons:</a:t>
+              <a:t> of </a:t>
+            </a:r>
+            <a:r>
+              <a:rPr lang="en-US" sz="1650" dirty="0" err="1" smtClean="0"/>
+              <a:t>crystallin</a:t>
+            </a:r>
+            <a:r>
+              <a:rPr lang="en-US" sz="1650" dirty="0" smtClean="0"/>
+              <a:t> proteins</a:t>
             </a:r>
           </a:p>
           <a:p>
@@ -6591,7 +6652,15 @@
             </a:pPr>
             <a:r>
               <a:rPr lang="en-US" sz="1350" dirty="0" smtClean="0"/>
-              <a:t>Formation of a lens barrier: </a:t>
+              <a:t>Cells have limited supply of proteins; eventually, </a:t>
+            </a:r>
+            <a:r>
+              <a:rPr lang="en" sz="1400" dirty="0" smtClean="0"/>
+              <a:t>α-crystallin runs </a:t>
+            </a:r>
+            <a:r>
+              <a:rPr lang="en" sz="1400" dirty="0" smtClean="0"/>
+              <a:t>out</a:t>
             </a:r>
           </a:p>
           <a:p>
@@ -6605,8 +6674,37 @@
               <a:buSzPts val="1800"/>
             </a:pPr>
             <a:r>
-              <a:rPr lang="en-US" sz="1350" dirty="0" smtClean="0"/>
-              <a:t>At around age 30-50, the nucleus/cortex barrier becomes impermeable to larger molecules.</a:t>
+              <a:rPr lang="en" sz="1400" dirty="0" smtClean="0"/>
+              <a:t>No active </a:t>
+            </a:r>
+            <a:r>
+              <a:rPr lang="en" sz="1400" dirty="0"/>
+              <a:t>α-crystallin </a:t>
+            </a:r>
+            <a:r>
+              <a:rPr lang="en" sz="1400" dirty="0" smtClean="0"/>
+              <a:t>remains by age 40.</a:t>
+            </a:r>
+            <a:endParaRPr lang="en" sz="1400" dirty="0" smtClean="0"/>
+          </a:p>
+          <a:p>
+            <a:pPr lvl="2" indent="-342900">
+              <a:lnSpc>
+                <a:spcPct val="100000"/>
+              </a:lnSpc>
+              <a:spcBef>
+                <a:spcPts val="0"/>
+              </a:spcBef>
+              <a:buSzPts val="1800"/>
+              <a:buChar char="●"/>
+            </a:pPr>
+            <a:r>
+              <a:rPr lang="en" sz="1400" dirty="0"/>
+              <a:t>Without </a:t>
+            </a:r>
+            <a:r>
+              <a:rPr lang="en" sz="1400" dirty="0" smtClean="0"/>
+              <a:t>α-crystallin, oxidized βγ-crystallins aggregate and desolubilize</a:t>
             </a:r>
           </a:p>
           <a:p>
@@ -6620,10 +6718,40 @@
               <a:buSzPts val="1800"/>
             </a:pPr>
             <a:r>
-              <a:rPr lang="en-US" sz="1350" dirty="0" smtClean="0"/>
-              <a:t>Glutathione is blocked from the nucleus, and unstable molecules (ROS) are locked inside.</a:t>
-            </a:r>
-            <a:endParaRPr lang="en-US" sz="1350" dirty="0" smtClean="0"/>
+              <a:rPr lang="en" sz="1400" dirty="0" smtClean="0"/>
+              <a:t>Damage from reactive oxygen species, which is no longer prevented by antioxidants.</a:t>
+            </a:r>
+          </a:p>
+          <a:p>
+            <a:pPr lvl="3" indent="-342900">
+              <a:lnSpc>
+                <a:spcPct val="100000"/>
+              </a:lnSpc>
+              <a:spcBef>
+                <a:spcPts val="0"/>
+              </a:spcBef>
+              <a:buSzPts val="1800"/>
+            </a:pPr>
+            <a:r>
+              <a:rPr lang="en" sz="1400" dirty="0" smtClean="0"/>
+              <a:t>Protein-protein interactions, especially crosslinking</a:t>
+            </a:r>
+          </a:p>
+          <a:p>
+            <a:pPr lvl="3" indent="-342900">
+              <a:lnSpc>
+                <a:spcPct val="100000"/>
+              </a:lnSpc>
+              <a:spcBef>
+                <a:spcPts val="0"/>
+              </a:spcBef>
+              <a:buSzPts val="1800"/>
+            </a:pPr>
+            <a:r>
+              <a:rPr lang="en" sz="1400" dirty="0" smtClean="0"/>
+              <a:t>Desolubilized aggregates are opaque, forming cataracts.</a:t>
+            </a:r>
+            <a:endParaRPr lang="en" sz="1400" dirty="0"/>
           </a:p>
           <a:p>
             <a:pPr lvl="2" indent="-342900">
@@ -6637,233 +6765,8 @@
               <a:buChar char="●"/>
             </a:pPr>
             <a:r>
-              <a:rPr lang="en-US" sz="1350" dirty="0" smtClean="0"/>
-              <a:t>Decreased recycling efficiency:</a:t>
-            </a:r>
-          </a:p>
-          <a:p>
-            <a:pPr lvl="3" indent="-342900">
-              <a:lnSpc>
-                <a:spcPct val="100000"/>
-              </a:lnSpc>
-              <a:spcBef>
-                <a:spcPts val="0"/>
-              </a:spcBef>
-              <a:buSzPts val="1800"/>
-            </a:pPr>
-            <a:r>
-              <a:rPr lang="en-US" sz="1350" dirty="0" smtClean="0"/>
-              <a:t>Glutathione can be reduced (GSH) or oxidized (GSSG); GSH is responsible for antioxidant properties (electron donor)</a:t>
-            </a:r>
-          </a:p>
-          <a:p>
-            <a:pPr lvl="3" indent="-342900">
-              <a:lnSpc>
-                <a:spcPct val="100000"/>
-              </a:lnSpc>
-              <a:spcBef>
-                <a:spcPts val="0"/>
-              </a:spcBef>
-              <a:buSzPts val="1800"/>
-            </a:pPr>
-            <a:r>
-              <a:rPr lang="en-US" sz="1350" dirty="0" smtClean="0"/>
-              <a:t>GSSG is converted to GSH in the presence of NADPH</a:t>
-            </a:r>
-          </a:p>
-          <a:p>
-            <a:pPr lvl="3" indent="-342900">
-              <a:lnSpc>
-                <a:spcPct val="100000"/>
-              </a:lnSpc>
-              <a:spcBef>
-                <a:spcPts val="0"/>
-              </a:spcBef>
-              <a:buSzPts val="1800"/>
-            </a:pPr>
-            <a:endParaRPr lang="en-US" sz="1350" dirty="0" smtClean="0"/>
-          </a:p>
-          <a:p>
-            <a:pPr lvl="3" indent="-342900">
-              <a:lnSpc>
-                <a:spcPct val="100000"/>
-              </a:lnSpc>
-              <a:spcBef>
-                <a:spcPts val="0"/>
-              </a:spcBef>
-              <a:buSzPts val="1800"/>
-            </a:pPr>
-            <a:endParaRPr lang="en-US" sz="1350" dirty="0" smtClean="0"/>
-          </a:p>
-          <a:p>
-            <a:pPr lvl="1" indent="-342900">
-              <a:lnSpc>
-                <a:spcPct val="100000"/>
-              </a:lnSpc>
-              <a:spcBef>
-                <a:spcPts val="0"/>
-              </a:spcBef>
-              <a:buSzPts val="1800"/>
-              <a:buChar char="●"/>
-            </a:pPr>
-            <a:endParaRPr lang="en-US" sz="1650" dirty="0" smtClean="0"/>
-          </a:p>
-          <a:p>
-            <a:pPr marL="1028700" lvl="2" indent="0">
-              <a:lnSpc>
-                <a:spcPct val="100000"/>
-              </a:lnSpc>
-              <a:spcBef>
-                <a:spcPts val="0"/>
-              </a:spcBef>
-              <a:buSzPts val="1800"/>
-              <a:buNone/>
-            </a:pPr>
-            <a:endParaRPr sz="1350" dirty="0"/>
-          </a:p>
-        </p:txBody>
-      </p:sp>
-    </p:spTree>
-    <p:extLst>
-      <p:ext uri="{BB962C8B-B14F-4D97-AF65-F5344CB8AC3E}">
-        <p14:creationId xmlns:p14="http://schemas.microsoft.com/office/powerpoint/2010/main" val="1564613521"/>
-      </p:ext>
-    </p:extLst>
-  </p:cSld>
-  <p:clrMapOvr>
-    <a:masterClrMapping/>
-  </p:clrMapOvr>
-</p:sld>
-</file>
-
-<file path=ppt/slides/slide6.xml><?xml version="1.0" encoding="utf-8"?>
-<p:sld xmlns:a="http://schemas.openxmlformats.org/drawingml/2006/main" xmlns:r="http://schemas.openxmlformats.org/officeDocument/2006/relationships" xmlns:p="http://schemas.openxmlformats.org/presentationml/2006/main">
-  <p:cSld>
-    <p:spTree>
-      <p:nvGrpSpPr>
-        <p:cNvPr id="1" name="Shape 78"/>
-        <p:cNvGrpSpPr/>
-        <p:nvPr/>
-      </p:nvGrpSpPr>
-      <p:grpSpPr>
-        <a:xfrm>
-          <a:off x="0" y="0"/>
-          <a:ext cx="0" cy="0"/>
-          <a:chOff x="0" y="0"/>
-          <a:chExt cx="0" cy="0"/>
-        </a:xfrm>
-      </p:grpSpPr>
-      <p:sp>
-        <p:nvSpPr>
-          <p:cNvPr id="79" name="Google Shape;79;p16"/>
-          <p:cNvSpPr txBox="1">
-            <a:spLocks noGrp="1"/>
-          </p:cNvSpPr>
-          <p:nvPr>
-            <p:ph type="title"/>
-          </p:nvPr>
-        </p:nvSpPr>
-        <p:spPr>
-          <a:prstGeom prst="rect">
-            <a:avLst/>
-          </a:prstGeom>
-        </p:spPr>
-        <p:txBody>
-          <a:bodyPr spcFirstLastPara="1" wrap="square" lIns="91425" tIns="91425" rIns="91425" bIns="91425" anchor="t" anchorCtr="0">
-            <a:noAutofit/>
-          </a:bodyPr>
-          <a:lstStyle/>
-          <a:p>
-            <a:pPr marL="0" lvl="0" indent="0" algn="l" rtl="0">
-              <a:spcBef>
-                <a:spcPts val="0"/>
-              </a:spcBef>
-              <a:spcAft>
-                <a:spcPts val="0"/>
-              </a:spcAft>
-              <a:buNone/>
-            </a:pPr>
-            <a:r>
-              <a:rPr lang="en" dirty="0"/>
-              <a:t>Cataracts</a:t>
-            </a:r>
-            <a:endParaRPr dirty="0"/>
-          </a:p>
-        </p:txBody>
-      </p:sp>
-      <p:sp>
-        <p:nvSpPr>
-          <p:cNvPr id="80" name="Google Shape;80;p16"/>
-          <p:cNvSpPr txBox="1">
-            <a:spLocks noGrp="1"/>
-          </p:cNvSpPr>
-          <p:nvPr>
-            <p:ph type="body" idx="1"/>
-          </p:nvPr>
-        </p:nvSpPr>
-        <p:spPr>
-          <a:xfrm>
-            <a:off x="311700" y="1311501"/>
-            <a:ext cx="8520600" cy="3416400"/>
-          </a:xfrm>
-          <a:prstGeom prst="rect">
-            <a:avLst/>
-          </a:prstGeom>
-        </p:spPr>
-        <p:txBody>
-          <a:bodyPr spcFirstLastPara="1" wrap="square" lIns="91425" tIns="91425" rIns="91425" bIns="91425" anchor="t" anchorCtr="0">
-            <a:noAutofit/>
-          </a:bodyPr>
-          <a:lstStyle/>
-          <a:p>
-            <a:pPr marL="457200" lvl="0" indent="-342900" algn="l" rtl="0">
-              <a:lnSpc>
-                <a:spcPct val="100000"/>
-              </a:lnSpc>
-              <a:spcBef>
-                <a:spcPts val="0"/>
-              </a:spcBef>
-              <a:spcAft>
-                <a:spcPts val="0"/>
-              </a:spcAft>
-              <a:buSzPts val="1800"/>
-              <a:buChar char="●"/>
-            </a:pPr>
-            <a:r>
-              <a:rPr lang="en-US" sz="1800" dirty="0" smtClean="0"/>
-              <a:t>There are 2 main factors that lead to cataract:</a:t>
-            </a:r>
-          </a:p>
-          <a:p>
-            <a:pPr lvl="1" indent="-342900">
-              <a:lnSpc>
-                <a:spcPct val="100000"/>
-              </a:lnSpc>
-              <a:spcBef>
-                <a:spcPts val="0"/>
-              </a:spcBef>
-              <a:buSzPts val="1800"/>
-              <a:buChar char="●"/>
-            </a:pPr>
-            <a:r>
-              <a:rPr lang="en-US" sz="1650" dirty="0" smtClean="0"/>
-              <a:t>2: </a:t>
-            </a:r>
-            <a:r>
-              <a:rPr lang="en-US" sz="1650" dirty="0" err="1" smtClean="0"/>
-              <a:t>Desolubilization</a:t>
-            </a:r>
-            <a:r>
-              <a:rPr lang="en-US" sz="1650" dirty="0" smtClean="0"/>
-              <a:t> of </a:t>
-            </a:r>
-            <a:r>
-              <a:rPr lang="en-US" sz="1650" dirty="0" err="1" smtClean="0"/>
-              <a:t>crystallin</a:t>
-            </a:r>
-            <a:r>
-              <a:rPr lang="en-US" sz="1650" dirty="0" smtClean="0"/>
-              <a:t> proteins</a:t>
+              <a:rPr lang="en" sz="1400" dirty="0" smtClean="0"/>
+              <a:t> </a:t>
             </a:r>
           </a:p>
           <a:p>
@@ -6877,14 +6780,20 @@
               <a:buSzPts val="1800"/>
               <a:buChar char="●"/>
             </a:pPr>
-            <a:r>
-              <a:rPr lang="en-US" sz="1350" dirty="0" smtClean="0"/>
-              <a:t>Cells have limited supply of proteins; eventually, </a:t>
-            </a:r>
-            <a:r>
-              <a:rPr lang="en" sz="1400" dirty="0" smtClean="0"/>
-              <a:t>α-crystallin runs out</a:t>
-            </a:r>
+            <a:endParaRPr lang="en" sz="1400" dirty="0" smtClean="0"/>
+          </a:p>
+          <a:p>
+            <a:pPr lvl="2" indent="-342900">
+              <a:lnSpc>
+                <a:spcPct val="100000"/>
+              </a:lnSpc>
+              <a:spcBef>
+                <a:spcPts val="0"/>
+              </a:spcBef>
+              <a:buSzPts val="1800"/>
+              <a:buChar char="●"/>
+            </a:pPr>
+            <a:endParaRPr lang="en" sz="1400" dirty="0" smtClean="0"/>
           </a:p>
           <a:p>
             <a:pPr lvl="2" indent="-342900">
@@ -6914,7 +6823,7 @@
 </p:sld>
 </file>
 
-<file path=ppt/slides/slide7.xml><?xml version="1.0" encoding="utf-8"?>
+<file path=ppt/slides/slide6.xml><?xml version="1.0" encoding="utf-8"?>
 <p:sld xmlns:a="http://schemas.openxmlformats.org/drawingml/2006/main" xmlns:r="http://schemas.openxmlformats.org/officeDocument/2006/relationships" xmlns:p="http://schemas.openxmlformats.org/presentationml/2006/main">
   <p:cSld>
     <p:spTree>
@@ -7051,7 +6960,7 @@
 </p:sld>
 </file>
 
-<file path=ppt/slides/slide8.xml><?xml version="1.0" encoding="utf-8"?>
+<file path=ppt/slides/slide7.xml><?xml version="1.0" encoding="utf-8"?>
 <p:sld xmlns:a="http://schemas.openxmlformats.org/drawingml/2006/main" xmlns:r="http://schemas.openxmlformats.org/officeDocument/2006/relationships" xmlns:p="http://schemas.openxmlformats.org/presentationml/2006/main">
   <p:cSld>
     <p:spTree>

--- a/Cataract.pptx
+++ b/Cataract.pptx
@@ -1537,7 +1537,7 @@
           <a:p>
             <a:fld id="{4BDF68E2-58F2-4D09-BE8B-E3BD06533059}" type="datetimeFigureOut">
               <a:rPr lang="en-US" dirty="0"/>
-              <a:t>7/15/2019</a:t>
+              <a:t>7/16/2019</a:t>
             </a:fld>
             <a:endParaRPr lang="en-US" dirty="0"/>
           </a:p>
@@ -1755,7 +1755,7 @@
           <a:p>
             <a:fld id="{2E2D6473-DF6D-4702-B328-E0DD40540A4E}" type="datetimeFigureOut">
               <a:rPr lang="en-US" dirty="0"/>
-              <a:t>7/15/2019</a:t>
+              <a:t>7/16/2019</a:t>
             </a:fld>
             <a:endParaRPr lang="en-US" dirty="0"/>
           </a:p>
@@ -2021,7 +2021,7 @@
           <a:p>
             <a:fld id="{E26F7E3A-B166-407D-9866-32884E7D5B37}" type="datetimeFigureOut">
               <a:rPr lang="en-US" dirty="0"/>
-              <a:t>7/15/2019</a:t>
+              <a:t>7/16/2019</a:t>
             </a:fld>
             <a:endParaRPr lang="en-US" dirty="0"/>
           </a:p>
@@ -2572,7 +2572,7 @@
           <a:p>
             <a:fld id="{528FC5F6-F338-4AE4-BB23-26385BCFC423}" type="datetimeFigureOut">
               <a:rPr lang="en-US" dirty="0"/>
-              <a:t>7/15/2019</a:t>
+              <a:t>7/16/2019</a:t>
             </a:fld>
             <a:endParaRPr lang="en-US" dirty="0"/>
           </a:p>
@@ -2925,7 +2925,7 @@
           <a:p>
             <a:fld id="{20EBB0C4-6273-4C6E-B9BD-2EDC30F1CD52}" type="datetimeFigureOut">
               <a:rPr lang="en-US" dirty="0"/>
-              <a:t>7/15/2019</a:t>
+              <a:t>7/16/2019</a:t>
             </a:fld>
             <a:endParaRPr lang="en-US" dirty="0"/>
           </a:p>
@@ -3210,7 +3210,7 @@
           <a:p>
             <a:fld id="{19AB4D41-86C1-4908-B66A-0B50CEB3BF29}" type="datetimeFigureOut">
               <a:rPr lang="en-US" dirty="0"/>
-              <a:t>7/15/2019</a:t>
+              <a:t>7/16/2019</a:t>
             </a:fld>
             <a:endParaRPr lang="en-US" dirty="0"/>
           </a:p>
@@ -3599,7 +3599,7 @@
           <a:p>
             <a:fld id="{E6426E2C-56C1-4E0D-A793-0088A7FDD37E}" type="datetimeFigureOut">
               <a:rPr lang="en-US" dirty="0"/>
-              <a:t>7/15/2019</a:t>
+              <a:t>7/16/2019</a:t>
             </a:fld>
             <a:endParaRPr lang="en-US" dirty="0"/>
           </a:p>
@@ -3727,7 +3727,7 @@
           <a:p>
             <a:fld id="{C8C39B41-D8B5-4052-B551-9B5525EAA8B6}" type="datetimeFigureOut">
               <a:rPr lang="en-US" dirty="0"/>
-              <a:t>7/15/2019</a:t>
+              <a:t>7/16/2019</a:t>
             </a:fld>
             <a:endParaRPr lang="en-US" dirty="0"/>
           </a:p>
@@ -3908,7 +3908,7 @@
           <a:p>
             <a:fld id="{4D94136C-8742-45B2-AF27-D93DF72833A9}" type="datetimeFigureOut">
               <a:rPr lang="en-US" dirty="0"/>
-              <a:t>7/15/2019</a:t>
+              <a:t>7/16/2019</a:t>
             </a:fld>
             <a:endParaRPr lang="en-US" dirty="0"/>
           </a:p>
@@ -4271,7 +4271,7 @@
           <a:p>
             <a:fld id="{32ABBEA6-7C60-4B02-AE87-00D78D8422AF}" type="datetimeFigureOut">
               <a:rPr lang="en-US" dirty="0"/>
-              <a:t>7/15/2019</a:t>
+              <a:t>7/16/2019</a:t>
             </a:fld>
             <a:endParaRPr lang="en-US" dirty="0"/>
           </a:p>
@@ -4663,7 +4663,7 @@
           <a:p>
             <a:fld id="{C9CAD897-D46E-4AD2-BD9B-49DD3E640873}" type="datetimeFigureOut">
               <a:rPr lang="en-US" dirty="0"/>
-              <a:t>7/15/2019</a:t>
+              <a:t>7/16/2019</a:t>
             </a:fld>
             <a:endParaRPr lang="en-US" dirty="0"/>
           </a:p>
@@ -4960,7 +4960,7 @@
           <a:p>
             <a:fld id="{98624D31-43A5-475A-80CF-332C9F6DCF35}" type="datetimeFigureOut">
               <a:rPr lang="en-US" dirty="0"/>
-              <a:t>7/15/2019</a:t>
+              <a:t>7/16/2019</a:t>
             </a:fld>
             <a:endParaRPr lang="en-US" dirty="0"/>
           </a:p>
@@ -6417,11 +6417,7 @@
             </a:pPr>
             <a:r>
               <a:rPr lang="en-US" sz="1350" dirty="0" smtClean="0"/>
-              <a:t>GSSG is converted to GSH in the presence of </a:t>
-            </a:r>
-            <a:r>
-              <a:rPr lang="en-US" sz="1350" dirty="0" smtClean="0"/>
-              <a:t>glutathione reductase (GR) and NADPH</a:t>
+              <a:t>GSSG is converted to GSH in the presence of glutathione reductase (GR) and NADPH</a:t>
             </a:r>
           </a:p>
           <a:p>
@@ -6436,13 +6432,8 @@
             </a:pPr>
             <a:r>
               <a:rPr lang="en-US" sz="1350" dirty="0" smtClean="0"/>
-              <a:t>With age, GR activit</a:t>
-            </a:r>
-            <a:r>
-              <a:rPr lang="en-US" sz="1350" dirty="0" smtClean="0"/>
-              <a:t>y decreases, resulting in buildup of GSSG and decrease of GSH.</a:t>
-            </a:r>
-            <a:endParaRPr lang="en-US" sz="1350" dirty="0" smtClean="0"/>
+              <a:t>With age, GR activity decreases, resulting in buildup of GSSG and decrease of GSH.</a:t>
+            </a:r>
           </a:p>
           <a:p>
             <a:pPr lvl="3" indent="-342900">
@@ -6656,11 +6647,7 @@
             </a:r>
             <a:r>
               <a:rPr lang="en" sz="1400" dirty="0" smtClean="0"/>
-              <a:t>α-crystallin runs </a:t>
-            </a:r>
-            <a:r>
-              <a:rPr lang="en" sz="1400" dirty="0" smtClean="0"/>
-              <a:t>out</a:t>
+              <a:t>α-crystallin runs out</a:t>
             </a:r>
           </a:p>
           <a:p>
@@ -6685,7 +6672,6 @@
               <a:rPr lang="en" sz="1400" dirty="0" smtClean="0"/>
               <a:t>remains by age 40.</a:t>
             </a:r>
-            <a:endParaRPr lang="en" sz="1400" dirty="0" smtClean="0"/>
           </a:p>
           <a:p>
             <a:pPr lvl="2" indent="-342900">
@@ -6749,38 +6735,13 @@
             </a:pPr>
             <a:r>
               <a:rPr lang="en" sz="1400" dirty="0" smtClean="0"/>
-              <a:t>Desolubilized aggregates are opaque, forming cataracts.</a:t>
-            </a:r>
-            <a:endParaRPr lang="en" sz="1400" dirty="0"/>
-          </a:p>
-          <a:p>
-            <a:pPr lvl="2" indent="-342900">
-              <a:lnSpc>
-                <a:spcPct val="100000"/>
-              </a:lnSpc>
-              <a:spcBef>
-                <a:spcPts val="0"/>
-              </a:spcBef>
-              <a:buSzPts val="1800"/>
-              <a:buChar char="●"/>
-            </a:pPr>
+              <a:t>Desolubilized aggregates are opaque, forming cataracts</a:t>
+            </a:r>
             <a:r>
               <a:rPr lang="en" sz="1400" dirty="0" smtClean="0"/>
-              <a:t> </a:t>
-            </a:r>
-          </a:p>
-          <a:p>
-            <a:pPr lvl="2" indent="-342900">
-              <a:lnSpc>
-                <a:spcPct val="100000"/>
-              </a:lnSpc>
-              <a:spcBef>
-                <a:spcPts val="0"/>
-              </a:spcBef>
-              <a:buSzPts val="1800"/>
-              <a:buChar char="●"/>
-            </a:pPr>
-            <a:endParaRPr lang="en" sz="1400" dirty="0" smtClean="0"/>
+              <a:t>.</a:t>
+            </a:r>
+            <a:endParaRPr lang="en" sz="1400" b="1" dirty="0" smtClean="0"/>
           </a:p>
           <a:p>
             <a:pPr lvl="2" indent="-342900">

--- a/Cataract.pptx
+++ b/Cataract.pptx
@@ -873,7 +873,27 @@
               </a:spcAft>
               <a:buNone/>
             </a:pPr>
-            <a:endParaRPr/>
+            <a:r>
+              <a:rPr lang="en-US" sz="800" dirty="0" smtClean="0"/>
+              <a:t>CRYBA1 CRYBA4 </a:t>
+            </a:r>
+            <a:r>
+              <a:rPr lang="en-US" sz="800" dirty="0" err="1" smtClean="0"/>
+              <a:t>CRYBA4</a:t>
+            </a:r>
+            <a:r>
+              <a:rPr lang="en-US" sz="800" dirty="0" smtClean="0"/>
+              <a:t> CRYBB1 CRYBB2 CRYBB3 </a:t>
+            </a:r>
+            <a:r>
+              <a:rPr lang="en-US" sz="800" dirty="0" err="1" smtClean="0"/>
+              <a:t>CRYBB3</a:t>
+            </a:r>
+            <a:r>
+              <a:rPr lang="en-US" sz="800" dirty="0" smtClean="0"/>
+              <a:t> CRYGA CRYGB </a:t>
+            </a:r>
+            <a:endParaRPr dirty="0"/>
           </a:p>
         </p:txBody>
       </p:sp>
@@ -1537,7 +1557,7 @@
           <a:p>
             <a:fld id="{4BDF68E2-58F2-4D09-BE8B-E3BD06533059}" type="datetimeFigureOut">
               <a:rPr lang="en-US" dirty="0"/>
-              <a:t>7/16/2019</a:t>
+              <a:t>7/18/2019</a:t>
             </a:fld>
             <a:endParaRPr lang="en-US" dirty="0"/>
           </a:p>
@@ -1755,7 +1775,7 @@
           <a:p>
             <a:fld id="{2E2D6473-DF6D-4702-B328-E0DD40540A4E}" type="datetimeFigureOut">
               <a:rPr lang="en-US" dirty="0"/>
-              <a:t>7/16/2019</a:t>
+              <a:t>7/18/2019</a:t>
             </a:fld>
             <a:endParaRPr lang="en-US" dirty="0"/>
           </a:p>
@@ -2021,7 +2041,7 @@
           <a:p>
             <a:fld id="{E26F7E3A-B166-407D-9866-32884E7D5B37}" type="datetimeFigureOut">
               <a:rPr lang="en-US" dirty="0"/>
-              <a:t>7/16/2019</a:t>
+              <a:t>7/18/2019</a:t>
             </a:fld>
             <a:endParaRPr lang="en-US" dirty="0"/>
           </a:p>
@@ -2572,7 +2592,7 @@
           <a:p>
             <a:fld id="{528FC5F6-F338-4AE4-BB23-26385BCFC423}" type="datetimeFigureOut">
               <a:rPr lang="en-US" dirty="0"/>
-              <a:t>7/16/2019</a:t>
+              <a:t>7/18/2019</a:t>
             </a:fld>
             <a:endParaRPr lang="en-US" dirty="0"/>
           </a:p>
@@ -2925,7 +2945,7 @@
           <a:p>
             <a:fld id="{20EBB0C4-6273-4C6E-B9BD-2EDC30F1CD52}" type="datetimeFigureOut">
               <a:rPr lang="en-US" dirty="0"/>
-              <a:t>7/16/2019</a:t>
+              <a:t>7/18/2019</a:t>
             </a:fld>
             <a:endParaRPr lang="en-US" dirty="0"/>
           </a:p>
@@ -3210,7 +3230,7 @@
           <a:p>
             <a:fld id="{19AB4D41-86C1-4908-B66A-0B50CEB3BF29}" type="datetimeFigureOut">
               <a:rPr lang="en-US" dirty="0"/>
-              <a:t>7/16/2019</a:t>
+              <a:t>7/18/2019</a:t>
             </a:fld>
             <a:endParaRPr lang="en-US" dirty="0"/>
           </a:p>
@@ -3599,7 +3619,7 @@
           <a:p>
             <a:fld id="{E6426E2C-56C1-4E0D-A793-0088A7FDD37E}" type="datetimeFigureOut">
               <a:rPr lang="en-US" dirty="0"/>
-              <a:t>7/16/2019</a:t>
+              <a:t>7/18/2019</a:t>
             </a:fld>
             <a:endParaRPr lang="en-US" dirty="0"/>
           </a:p>
@@ -3727,7 +3747,7 @@
           <a:p>
             <a:fld id="{C8C39B41-D8B5-4052-B551-9B5525EAA8B6}" type="datetimeFigureOut">
               <a:rPr lang="en-US" dirty="0"/>
-              <a:t>7/16/2019</a:t>
+              <a:t>7/18/2019</a:t>
             </a:fld>
             <a:endParaRPr lang="en-US" dirty="0"/>
           </a:p>
@@ -3908,7 +3928,7 @@
           <a:p>
             <a:fld id="{4D94136C-8742-45B2-AF27-D93DF72833A9}" type="datetimeFigureOut">
               <a:rPr lang="en-US" dirty="0"/>
-              <a:t>7/16/2019</a:t>
+              <a:t>7/18/2019</a:t>
             </a:fld>
             <a:endParaRPr lang="en-US" dirty="0"/>
           </a:p>
@@ -4271,7 +4291,7 @@
           <a:p>
             <a:fld id="{32ABBEA6-7C60-4B02-AE87-00D78D8422AF}" type="datetimeFigureOut">
               <a:rPr lang="en-US" dirty="0"/>
-              <a:t>7/16/2019</a:t>
+              <a:t>7/18/2019</a:t>
             </a:fld>
             <a:endParaRPr lang="en-US" dirty="0"/>
           </a:p>
@@ -4663,7 +4683,7 @@
           <a:p>
             <a:fld id="{C9CAD897-D46E-4AD2-BD9B-49DD3E640873}" type="datetimeFigureOut">
               <a:rPr lang="en-US" dirty="0"/>
-              <a:t>7/16/2019</a:t>
+              <a:t>7/18/2019</a:t>
             </a:fld>
             <a:endParaRPr lang="en-US" dirty="0"/>
           </a:p>
@@ -4960,7 +4980,7 @@
           <a:p>
             <a:fld id="{98624D31-43A5-475A-80CF-332C9F6DCF35}" type="datetimeFigureOut">
               <a:rPr lang="en-US" dirty="0"/>
-              <a:t>7/16/2019</a:t>
+              <a:t>7/18/2019</a:t>
             </a:fld>
             <a:endParaRPr lang="en-US" dirty="0"/>
           </a:p>
@@ -5785,7 +5805,11 @@
             </a:pPr>
             <a:r>
               <a:rPr lang="en" sz="1800" dirty="0"/>
-              <a:t>Three parts: capsule (outer elastic layer of cells), epithelium (cells that divide to produce fiber cells), fiber cells (clear, organelle-free cells)</a:t>
+              <a:t>Three parts: capsule (outer elastic layer of cells), epithelium (cells that divide to produce fiber cells), fiber cells (clear, organelle-free cells</a:t>
+            </a:r>
+            <a:r>
+              <a:rPr lang="en" sz="1800" dirty="0" smtClean="0"/>
+              <a:t>)</a:t>
             </a:r>
             <a:endParaRPr sz="1800" dirty="0"/>
           </a:p>
@@ -6036,10 +6060,25 @@
               <a:buChar char="○"/>
             </a:pPr>
             <a:r>
-              <a:rPr lang="en" sz="1800" dirty="0"/>
-              <a:t>α-crystallin: Structural protein and "chaperone" (binds to proteins to stabilize and prevent aggregation, but doesn't refold them). Two units: αA, αB</a:t>
-            </a:r>
-            <a:endParaRPr sz="1800" dirty="0"/>
+              <a:rPr lang="en" sz="1650" dirty="0"/>
+              <a:t>α-crystallin: Structural protein and "chaperone" (binds to proteins to stabilize and prevent aggregation, but doesn't refold them). Two units: αA, </a:t>
+            </a:r>
+            <a:r>
+              <a:rPr lang="en" sz="1650" dirty="0" smtClean="0"/>
+              <a:t>αB</a:t>
+            </a:r>
+          </a:p>
+          <a:p>
+            <a:pPr lvl="2">
+              <a:spcBef>
+                <a:spcPts val="0"/>
+              </a:spcBef>
+            </a:pPr>
+            <a:r>
+              <a:rPr lang="en" sz="1350" dirty="0" smtClean="0"/>
+              <a:t>Encoded by CRYAA, CRYAB genes</a:t>
+            </a:r>
+            <a:endParaRPr sz="1350" dirty="0"/>
           </a:p>
           <a:p>
             <a:pPr marL="914400" lvl="1" indent="-317500" algn="l" rtl="0">
@@ -6053,10 +6092,24 @@
               <a:buChar char="○"/>
             </a:pPr>
             <a:r>
-              <a:rPr lang="en" sz="1800" dirty="0"/>
-              <a:t>β- and γ-crystallin: Structural protein, but otherwise no significant function</a:t>
-            </a:r>
-            <a:endParaRPr sz="1800" dirty="0"/>
+              <a:rPr lang="en" sz="1650" dirty="0"/>
+              <a:t>β- and γ-crystallin: Structural protein, but otherwise no significant </a:t>
+            </a:r>
+            <a:r>
+              <a:rPr lang="en" sz="1650" dirty="0" smtClean="0"/>
+              <a:t>function</a:t>
+            </a:r>
+          </a:p>
+          <a:p>
+            <a:pPr lvl="2">
+              <a:spcBef>
+                <a:spcPts val="0"/>
+              </a:spcBef>
+            </a:pPr>
+            <a:r>
+              <a:rPr lang="en" sz="1350" dirty="0" smtClean="0"/>
+              <a:t>Encoded by CRYB*, CRYG* genes</a:t>
+            </a:r>
           </a:p>
           <a:p>
             <a:pPr marL="457200" lvl="0" indent="-342900" algn="l" rtl="0">
@@ -6070,10 +6123,10 @@
               <a:buChar char="●"/>
             </a:pPr>
             <a:r>
-              <a:rPr lang="en" sz="1800" dirty="0"/>
+              <a:rPr lang="en" sz="1800" dirty="0" smtClean="0"/>
               <a:t>Fiber cells are organelle-free; proteins are permanent.</a:t>
             </a:r>
-            <a:endParaRPr sz="1800" dirty="0"/>
+            <a:endParaRPr sz="1800" dirty="0" smtClean="0"/>
           </a:p>
           <a:p>
             <a:pPr marL="457200" lvl="0" indent="-342900" algn="l" rtl="0">
@@ -6087,8 +6140,12 @@
               <a:buChar char="●"/>
             </a:pPr>
             <a:r>
+              <a:rPr lang="en" sz="1800" dirty="0" smtClean="0"/>
+              <a:t>Glutathione </a:t>
+            </a:r>
+            <a:r>
               <a:rPr lang="en" sz="1800" dirty="0"/>
-              <a:t>Glutathione (GSH): Anti-oxidant, prevents oxidation of the crystallins.</a:t>
+              <a:t>(GSH): Anti-oxidant, prevents oxidation of the crystallins.</a:t>
             </a:r>
             <a:endParaRPr sz="1800" dirty="0"/>
           </a:p>
@@ -6735,11 +6792,7 @@
             </a:pPr>
             <a:r>
               <a:rPr lang="en" sz="1400" dirty="0" smtClean="0"/>
-              <a:t>Desolubilized aggregates are opaque, forming cataracts</a:t>
-            </a:r>
-            <a:r>
-              <a:rPr lang="en" sz="1400" dirty="0" smtClean="0"/>
-              <a:t>.</a:t>
+              <a:t>Desolubilized aggregates are opaque, forming cataracts.</a:t>
             </a:r>
             <a:endParaRPr lang="en" sz="1400" b="1" dirty="0" smtClean="0"/>
           </a:p>

--- a/Cataract.pptx
+++ b/Cataract.pptx
@@ -1557,7 +1557,7 @@
           <a:p>
             <a:fld id="{4BDF68E2-58F2-4D09-BE8B-E3BD06533059}" type="datetimeFigureOut">
               <a:rPr lang="en-US" dirty="0"/>
-              <a:t>7/18/2019</a:t>
+              <a:t>7/22/2019</a:t>
             </a:fld>
             <a:endParaRPr lang="en-US" dirty="0"/>
           </a:p>
@@ -1775,7 +1775,7 @@
           <a:p>
             <a:fld id="{2E2D6473-DF6D-4702-B328-E0DD40540A4E}" type="datetimeFigureOut">
               <a:rPr lang="en-US" dirty="0"/>
-              <a:t>7/18/2019</a:t>
+              <a:t>7/22/2019</a:t>
             </a:fld>
             <a:endParaRPr lang="en-US" dirty="0"/>
           </a:p>
@@ -2041,7 +2041,7 @@
           <a:p>
             <a:fld id="{E26F7E3A-B166-407D-9866-32884E7D5B37}" type="datetimeFigureOut">
               <a:rPr lang="en-US" dirty="0"/>
-              <a:t>7/18/2019</a:t>
+              <a:t>7/22/2019</a:t>
             </a:fld>
             <a:endParaRPr lang="en-US" dirty="0"/>
           </a:p>
@@ -2592,7 +2592,7 @@
           <a:p>
             <a:fld id="{528FC5F6-F338-4AE4-BB23-26385BCFC423}" type="datetimeFigureOut">
               <a:rPr lang="en-US" dirty="0"/>
-              <a:t>7/18/2019</a:t>
+              <a:t>7/22/2019</a:t>
             </a:fld>
             <a:endParaRPr lang="en-US" dirty="0"/>
           </a:p>
@@ -2945,7 +2945,7 @@
           <a:p>
             <a:fld id="{20EBB0C4-6273-4C6E-B9BD-2EDC30F1CD52}" type="datetimeFigureOut">
               <a:rPr lang="en-US" dirty="0"/>
-              <a:t>7/18/2019</a:t>
+              <a:t>7/22/2019</a:t>
             </a:fld>
             <a:endParaRPr lang="en-US" dirty="0"/>
           </a:p>
@@ -3230,7 +3230,7 @@
           <a:p>
             <a:fld id="{19AB4D41-86C1-4908-B66A-0B50CEB3BF29}" type="datetimeFigureOut">
               <a:rPr lang="en-US" dirty="0"/>
-              <a:t>7/18/2019</a:t>
+              <a:t>7/22/2019</a:t>
             </a:fld>
             <a:endParaRPr lang="en-US" dirty="0"/>
           </a:p>
@@ -3619,7 +3619,7 @@
           <a:p>
             <a:fld id="{E6426E2C-56C1-4E0D-A793-0088A7FDD37E}" type="datetimeFigureOut">
               <a:rPr lang="en-US" dirty="0"/>
-              <a:t>7/18/2019</a:t>
+              <a:t>7/22/2019</a:t>
             </a:fld>
             <a:endParaRPr lang="en-US" dirty="0"/>
           </a:p>
@@ -3747,7 +3747,7 @@
           <a:p>
             <a:fld id="{C8C39B41-D8B5-4052-B551-9B5525EAA8B6}" type="datetimeFigureOut">
               <a:rPr lang="en-US" dirty="0"/>
-              <a:t>7/18/2019</a:t>
+              <a:t>7/22/2019</a:t>
             </a:fld>
             <a:endParaRPr lang="en-US" dirty="0"/>
           </a:p>
@@ -3928,7 +3928,7 @@
           <a:p>
             <a:fld id="{4D94136C-8742-45B2-AF27-D93DF72833A9}" type="datetimeFigureOut">
               <a:rPr lang="en-US" dirty="0"/>
-              <a:t>7/18/2019</a:t>
+              <a:t>7/22/2019</a:t>
             </a:fld>
             <a:endParaRPr lang="en-US" dirty="0"/>
           </a:p>
@@ -4291,7 +4291,7 @@
           <a:p>
             <a:fld id="{32ABBEA6-7C60-4B02-AE87-00D78D8422AF}" type="datetimeFigureOut">
               <a:rPr lang="en-US" dirty="0"/>
-              <a:t>7/18/2019</a:t>
+              <a:t>7/22/2019</a:t>
             </a:fld>
             <a:endParaRPr lang="en-US" dirty="0"/>
           </a:p>
@@ -4683,7 +4683,7 @@
           <a:p>
             <a:fld id="{C9CAD897-D46E-4AD2-BD9B-49DD3E640873}" type="datetimeFigureOut">
               <a:rPr lang="en-US" dirty="0"/>
-              <a:t>7/18/2019</a:t>
+              <a:t>7/22/2019</a:t>
             </a:fld>
             <a:endParaRPr lang="en-US" dirty="0"/>
           </a:p>
@@ -4980,7 +4980,7 @@
           <a:p>
             <a:fld id="{98624D31-43A5-475A-80CF-332C9F6DCF35}" type="datetimeFigureOut">
               <a:rPr lang="en-US" dirty="0"/>
-              <a:t>7/18/2019</a:t>
+              <a:t>7/22/2019</a:t>
             </a:fld>
             <a:endParaRPr lang="en-US" dirty="0"/>
           </a:p>
@@ -5620,8 +5620,8 @@
         </p:nvSpPr>
         <p:spPr>
           <a:xfrm>
-            <a:off x="7393097" y="1284226"/>
-            <a:ext cx="1181059" cy="1226292"/>
+            <a:off x="7349577" y="1304624"/>
+            <a:ext cx="1238330" cy="1177319"/>
           </a:xfrm>
           <a:prstGeom prst="ellipse">
             <a:avLst/>
@@ -5815,6 +5815,34 @@
           </a:p>
         </p:txBody>
       </p:sp>
+      <p:pic>
+        <p:nvPicPr>
+          <p:cNvPr id="65" name="Google Shape;65;p14"/>
+          <p:cNvPicPr preferRelativeResize="0"/>
+          <p:nvPr/>
+        </p:nvPicPr>
+        <p:blipFill>
+          <a:blip r:embed="rId3">
+            <a:alphaModFix/>
+          </a:blip>
+          <a:stretch>
+            <a:fillRect/>
+          </a:stretch>
+        </p:blipFill>
+        <p:spPr>
+          <a:xfrm>
+            <a:off x="6411300" y="2743842"/>
+            <a:ext cx="2646549" cy="1984950"/>
+          </a:xfrm>
+          <a:prstGeom prst="rect">
+            <a:avLst/>
+          </a:prstGeom>
+          <a:noFill/>
+          <a:ln>
+            <a:noFill/>
+          </a:ln>
+        </p:spPr>
+      </p:pic>
       <p:grpSp>
         <p:nvGrpSpPr>
           <p:cNvPr id="62" name="Google Shape;62;p14"/>
@@ -5836,7 +5864,7 @@
             <p:nvPr/>
           </p:nvPicPr>
           <p:blipFill rotWithShape="1">
-            <a:blip r:embed="rId3">
+            <a:blip r:embed="rId4">
               <a:alphaModFix/>
             </a:blip>
             <a:srcRect l="17300" r="18645"/>
@@ -5899,34 +5927,6 @@
           </p:txBody>
         </p:sp>
       </p:grpSp>
-      <p:pic>
-        <p:nvPicPr>
-          <p:cNvPr id="65" name="Google Shape;65;p14"/>
-          <p:cNvPicPr preferRelativeResize="0"/>
-          <p:nvPr/>
-        </p:nvPicPr>
-        <p:blipFill>
-          <a:blip r:embed="rId4">
-            <a:alphaModFix/>
-          </a:blip>
-          <a:stretch>
-            <a:fillRect/>
-          </a:stretch>
-        </p:blipFill>
-        <p:spPr>
-          <a:xfrm>
-            <a:off x="6411300" y="2743842"/>
-            <a:ext cx="2646549" cy="1984950"/>
-          </a:xfrm>
-          <a:prstGeom prst="rect">
-            <a:avLst/>
-          </a:prstGeom>
-          <a:noFill/>
-          <a:ln>
-            <a:noFill/>
-          </a:ln>
-        </p:spPr>
-      </p:pic>
     </p:spTree>
   </p:cSld>
   <p:clrMapOvr>
@@ -6002,8 +6002,8 @@
         </p:nvSpPr>
         <p:spPr>
           <a:xfrm>
-            <a:off x="311700" y="1311501"/>
-            <a:ext cx="5656500" cy="3416400"/>
+            <a:off x="311699" y="1311501"/>
+            <a:ext cx="5751325" cy="3416400"/>
           </a:xfrm>
           <a:prstGeom prst="rect">
             <a:avLst/>
@@ -6145,9 +6145,36 @@
             </a:r>
             <a:r>
               <a:rPr lang="en" sz="1800" dirty="0"/>
-              <a:t>(GSH): Anti-oxidant, prevents oxidation of the crystallins.</a:t>
-            </a:r>
-            <a:endParaRPr sz="1800" dirty="0"/>
+              <a:t>(GSH): Anti-oxidant, prevents oxidation of the crystallins</a:t>
+            </a:r>
+            <a:r>
+              <a:rPr lang="en" sz="1800" dirty="0" smtClean="0"/>
+              <a:t>.</a:t>
+            </a:r>
+          </a:p>
+          <a:p>
+            <a:pPr lvl="1" indent="-342900">
+              <a:spcBef>
+                <a:spcPts val="0"/>
+              </a:spcBef>
+              <a:buSzPts val="1800"/>
+              <a:buChar char="●"/>
+            </a:pPr>
+            <a:r>
+              <a:rPr lang="en" dirty="0" smtClean="0"/>
+              <a:t>Encoded by GSTM1, GSTT1 genes</a:t>
+            </a:r>
+            <a:endParaRPr lang="en" dirty="0" smtClean="0"/>
+          </a:p>
+          <a:p>
+            <a:pPr lvl="1" indent="-342900">
+              <a:spcBef>
+                <a:spcPts val="0"/>
+              </a:spcBef>
+              <a:buSzPts val="1800"/>
+              <a:buChar char="●"/>
+            </a:pPr>
+            <a:endParaRPr sz="1650" dirty="0"/>
           </a:p>
         </p:txBody>
       </p:sp>
@@ -6684,8 +6711,25 @@
             </a:r>
             <a:r>
               <a:rPr lang="en-US" sz="1650" dirty="0" smtClean="0"/>
-              <a:t> proteins</a:t>
-            </a:r>
+              <a:t> </a:t>
+            </a:r>
+            <a:r>
+              <a:rPr lang="en-US" sz="1650" dirty="0" smtClean="0"/>
+              <a:t>proteins</a:t>
+            </a:r>
+          </a:p>
+          <a:p>
+            <a:pPr marL="571500" lvl="1" indent="0">
+              <a:lnSpc>
+                <a:spcPct val="100000"/>
+              </a:lnSpc>
+              <a:spcBef>
+                <a:spcPts val="0"/>
+              </a:spcBef>
+              <a:buSzPts val="1800"/>
+              <a:buNone/>
+            </a:pPr>
+            <a:endParaRPr lang="en-US" sz="1650" dirty="0" smtClean="0"/>
           </a:p>
           <a:p>
             <a:pPr lvl="2" indent="-342900">

--- a/Cataract.pptx
+++ b/Cataract.pptx
@@ -1,6 +1,6 @@
 
 <file path=ppt/presentation.xml><?xml version="1.0" encoding="utf-8"?>
-<p:presentation xmlns:a="http://schemas.openxmlformats.org/drawingml/2006/main" xmlns:r="http://schemas.openxmlformats.org/officeDocument/2006/relationships" xmlns:p="http://schemas.openxmlformats.org/presentationml/2006/main" strictFirstAndLastChars="0" saveSubsetFonts="1" autoCompressPictures="0">
+<p:presentation xmlns:a="http://schemas.openxmlformats.org/drawingml/2006/main" xmlns:r="http://schemas.openxmlformats.org/officeDocument/2006/relationships" xmlns:p="http://schemas.openxmlformats.org/presentationml/2006/main" saveSubsetFonts="1">
   <p:sldMasterIdLst>
     <p:sldMasterId id="2147483660" r:id="rId1"/>
   </p:sldMasterIdLst>
@@ -8,15 +8,15 @@
     <p:notesMasterId r:id="rId9"/>
   </p:notesMasterIdLst>
   <p:sldIdLst>
-    <p:sldId id="256" r:id="rId2"/>
-    <p:sldId id="257" r:id="rId3"/>
+    <p:sldId id="257" r:id="rId2"/>
+    <p:sldId id="260" r:id="rId3"/>
     <p:sldId id="258" r:id="rId4"/>
-    <p:sldId id="265" r:id="rId5"/>
-    <p:sldId id="266" r:id="rId6"/>
-    <p:sldId id="260" r:id="rId7"/>
-    <p:sldId id="261" r:id="rId8"/>
+    <p:sldId id="259" r:id="rId5"/>
+    <p:sldId id="263" r:id="rId6"/>
+    <p:sldId id="261" r:id="rId7"/>
+    <p:sldId id="262" r:id="rId8"/>
   </p:sldIdLst>
-  <p:sldSz cx="9144000" cy="5143500" type="screen16x9"/>
+  <p:sldSz cx="12192000" cy="6858000"/>
   <p:notesSz cx="6858000" cy="9144000"/>
   <p:defaultTextStyle>
     <a:defPPr>
@@ -114,19 +114,32 @@
     </a:lvl9pPr>
   </p:defaultTextStyle>
   <p:extLst>
-    <p:ext uri="{EFAFB233-063F-42B5-8137-9DF3F51BA10A}">
-      <p15:sldGuideLst xmlns:p15="http://schemas.microsoft.com/office/powerpoint/2012/main">
-        <p15:guide id="1" orient="horz" pos="1620">
-          <p15:clr>
-            <a:srgbClr val="A4A3A4"/>
-          </p15:clr>
-        </p15:guide>
-        <p15:guide id="2" pos="2880">
-          <p15:clr>
-            <a:srgbClr val="A4A3A4"/>
-          </p15:clr>
-        </p15:guide>
-      </p15:sldGuideLst>
+    <p:ext uri="{521415D9-36F7-43E2-AB2F-B90AF26B5E84}">
+      <p14:sectionLst xmlns:p14="http://schemas.microsoft.com/office/powerpoint/2010/main">
+        <p14:section name="Default Section" id="{DFB31489-EFEE-4391-AEF1-2707D9837251}">
+          <p14:sldIdLst>
+            <p14:sldId id="257"/>
+          </p14:sldIdLst>
+        </p14:section>
+        <p14:section name="Introduction" id="{90C9E4BA-0B35-4BF2-A78F-54C38B422968}">
+          <p14:sldIdLst>
+            <p14:sldId id="260"/>
+            <p14:sldId id="258"/>
+            <p14:sldId id="259"/>
+            <p14:sldId id="263"/>
+          </p14:sldIdLst>
+        </p14:section>
+        <p14:section name="Methods" id="{2B02DADB-1D05-47E6-8432-8628A2D759C9}">
+          <p14:sldIdLst>
+            <p14:sldId id="261"/>
+          </p14:sldIdLst>
+        </p14:section>
+        <p14:section name="Results" id="{6F96C0F7-2CBF-41E1-A440-B68F9DBAA433}">
+          <p14:sldIdLst>
+            <p14:sldId id="262"/>
+          </p14:sldIdLst>
+        </p14:section>
+      </p14:sectionLst>
     </p:ext>
   </p:extLst>
 </p:presentation>
@@ -142,7 +155,7 @@
     </p:bg>
     <p:spTree>
       <p:nvGrpSpPr>
-        <p:cNvPr id="1" name="Shape 2"/>
+        <p:cNvPr id="1" name=""/>
         <p:cNvGrpSpPr/>
         <p:nvPr/>
       </p:nvGrpSpPr>
@@ -156,7 +169,73 @@
       </p:grpSpPr>
       <p:sp>
         <p:nvSpPr>
-          <p:cNvPr id="3" name="Google Shape;3;n"/>
+          <p:cNvPr id="2" name="Header Placeholder 1"/>
+          <p:cNvSpPr>
+            <a:spLocks noGrp="1"/>
+          </p:cNvSpPr>
+          <p:nvPr>
+            <p:ph type="hdr" sz="quarter"/>
+          </p:nvPr>
+        </p:nvSpPr>
+        <p:spPr>
+          <a:xfrm>
+            <a:off x="0" y="0"/>
+            <a:ext cx="2971800" cy="458788"/>
+          </a:xfrm>
+          <a:prstGeom prst="rect">
+            <a:avLst/>
+          </a:prstGeom>
+        </p:spPr>
+        <p:txBody>
+          <a:bodyPr vert="horz" lIns="91440" tIns="45720" rIns="91440" bIns="45720" rtlCol="0"/>
+          <a:lstStyle>
+            <a:lvl1pPr algn="l">
+              <a:defRPr sz="1200"/>
+            </a:lvl1pPr>
+          </a:lstStyle>
+          <a:p>
+            <a:endParaRPr lang="en-US"/>
+          </a:p>
+        </p:txBody>
+      </p:sp>
+      <p:sp>
+        <p:nvSpPr>
+          <p:cNvPr id="3" name="Date Placeholder 2"/>
+          <p:cNvSpPr>
+            <a:spLocks noGrp="1"/>
+          </p:cNvSpPr>
+          <p:nvPr>
+            <p:ph type="dt" idx="1"/>
+          </p:nvPr>
+        </p:nvSpPr>
+        <p:spPr>
+          <a:xfrm>
+            <a:off x="3884613" y="0"/>
+            <a:ext cx="2971800" cy="458788"/>
+          </a:xfrm>
+          <a:prstGeom prst="rect">
+            <a:avLst/>
+          </a:prstGeom>
+        </p:spPr>
+        <p:txBody>
+          <a:bodyPr vert="horz" lIns="91440" tIns="45720" rIns="91440" bIns="45720" rtlCol="0"/>
+          <a:lstStyle>
+            <a:lvl1pPr algn="r">
+              <a:defRPr sz="1200"/>
+            </a:lvl1pPr>
+          </a:lstStyle>
+          <a:p>
+            <a:fld id="{5AB92EA7-858F-4B44-B015-877BFE5925AB}" type="datetimeFigureOut">
+              <a:rPr lang="en-US" smtClean="0"/>
+              <a:t>7/25/2019</a:t>
+            </a:fld>
+            <a:endParaRPr lang="en-US"/>
+          </a:p>
+        </p:txBody>
+      </p:sp>
+      <p:sp>
+        <p:nvSpPr>
+          <p:cNvPr id="4" name="Slide Image Placeholder 3"/>
           <p:cNvSpPr>
             <a:spLocks noGrp="1" noRot="1" noChangeAspect="1"/>
           </p:cNvSpPr>
@@ -166,8 +245,287 @@
         </p:nvSpPr>
         <p:spPr>
           <a:xfrm>
-            <a:off x="381300" y="685800"/>
-            <a:ext cx="6096075" cy="3429000"/>
+            <a:off x="685800" y="1143000"/>
+            <a:ext cx="5486400" cy="3086100"/>
+          </a:xfrm>
+          <a:prstGeom prst="rect">
+            <a:avLst/>
+          </a:prstGeom>
+          <a:noFill/>
+          <a:ln w="12700">
+            <a:solidFill>
+              <a:prstClr val="black"/>
+            </a:solidFill>
+          </a:ln>
+        </p:spPr>
+        <p:txBody>
+          <a:bodyPr vert="horz" lIns="91440" tIns="45720" rIns="91440" bIns="45720" rtlCol="0" anchor="ctr"/>
+          <a:lstStyle/>
+          <a:p>
+            <a:endParaRPr lang="en-US"/>
+          </a:p>
+        </p:txBody>
+      </p:sp>
+      <p:sp>
+        <p:nvSpPr>
+          <p:cNvPr id="5" name="Notes Placeholder 4"/>
+          <p:cNvSpPr>
+            <a:spLocks noGrp="1"/>
+          </p:cNvSpPr>
+          <p:nvPr>
+            <p:ph type="body" sz="quarter" idx="3"/>
+          </p:nvPr>
+        </p:nvSpPr>
+        <p:spPr>
+          <a:xfrm>
+            <a:off x="685800" y="4400550"/>
+            <a:ext cx="5486400" cy="3600450"/>
+          </a:xfrm>
+          <a:prstGeom prst="rect">
+            <a:avLst/>
+          </a:prstGeom>
+        </p:spPr>
+        <p:txBody>
+          <a:bodyPr vert="horz" lIns="91440" tIns="45720" rIns="91440" bIns="45720" rtlCol="0"/>
+          <a:lstStyle/>
+          <a:p>
+            <a:pPr lvl="0"/>
+            <a:r>
+              <a:rPr lang="en-US" smtClean="0"/>
+              <a:t>Edit Master text styles</a:t>
+            </a:r>
+          </a:p>
+          <a:p>
+            <a:pPr lvl="1"/>
+            <a:r>
+              <a:rPr lang="en-US" smtClean="0"/>
+              <a:t>Second level</a:t>
+            </a:r>
+          </a:p>
+          <a:p>
+            <a:pPr lvl="2"/>
+            <a:r>
+              <a:rPr lang="en-US" smtClean="0"/>
+              <a:t>Third level</a:t>
+            </a:r>
+          </a:p>
+          <a:p>
+            <a:pPr lvl="3"/>
+            <a:r>
+              <a:rPr lang="en-US" smtClean="0"/>
+              <a:t>Fourth level</a:t>
+            </a:r>
+          </a:p>
+          <a:p>
+            <a:pPr lvl="4"/>
+            <a:r>
+              <a:rPr lang="en-US" smtClean="0"/>
+              <a:t>Fifth level</a:t>
+            </a:r>
+            <a:endParaRPr lang="en-US"/>
+          </a:p>
+        </p:txBody>
+      </p:sp>
+      <p:sp>
+        <p:nvSpPr>
+          <p:cNvPr id="6" name="Footer Placeholder 5"/>
+          <p:cNvSpPr>
+            <a:spLocks noGrp="1"/>
+          </p:cNvSpPr>
+          <p:nvPr>
+            <p:ph type="ftr" sz="quarter" idx="4"/>
+          </p:nvPr>
+        </p:nvSpPr>
+        <p:spPr>
+          <a:xfrm>
+            <a:off x="0" y="8685213"/>
+            <a:ext cx="2971800" cy="458787"/>
+          </a:xfrm>
+          <a:prstGeom prst="rect">
+            <a:avLst/>
+          </a:prstGeom>
+        </p:spPr>
+        <p:txBody>
+          <a:bodyPr vert="horz" lIns="91440" tIns="45720" rIns="91440" bIns="45720" rtlCol="0" anchor="b"/>
+          <a:lstStyle>
+            <a:lvl1pPr algn="l">
+              <a:defRPr sz="1200"/>
+            </a:lvl1pPr>
+          </a:lstStyle>
+          <a:p>
+            <a:endParaRPr lang="en-US"/>
+          </a:p>
+        </p:txBody>
+      </p:sp>
+      <p:sp>
+        <p:nvSpPr>
+          <p:cNvPr id="7" name="Slide Number Placeholder 6"/>
+          <p:cNvSpPr>
+            <a:spLocks noGrp="1"/>
+          </p:cNvSpPr>
+          <p:nvPr>
+            <p:ph type="sldNum" sz="quarter" idx="5"/>
+          </p:nvPr>
+        </p:nvSpPr>
+        <p:spPr>
+          <a:xfrm>
+            <a:off x="3884613" y="8685213"/>
+            <a:ext cx="2971800" cy="458787"/>
+          </a:xfrm>
+          <a:prstGeom prst="rect">
+            <a:avLst/>
+          </a:prstGeom>
+        </p:spPr>
+        <p:txBody>
+          <a:bodyPr vert="horz" lIns="91440" tIns="45720" rIns="91440" bIns="45720" rtlCol="0" anchor="b"/>
+          <a:lstStyle>
+            <a:lvl1pPr algn="r">
+              <a:defRPr sz="1200"/>
+            </a:lvl1pPr>
+          </a:lstStyle>
+          <a:p>
+            <a:fld id="{DEA2FB39-1398-40D8-9A7E-B2F7B9CEAD5C}" type="slidenum">
+              <a:rPr lang="en-US" smtClean="0"/>
+              <a:t>‹#›</a:t>
+            </a:fld>
+            <a:endParaRPr lang="en-US"/>
+          </a:p>
+        </p:txBody>
+      </p:sp>
+    </p:spTree>
+    <p:extLst>
+      <p:ext uri="{BB962C8B-B14F-4D97-AF65-F5344CB8AC3E}">
+        <p14:creationId xmlns:p14="http://schemas.microsoft.com/office/powerpoint/2010/main" val="2451851736"/>
+      </p:ext>
+    </p:extLst>
+  </p:cSld>
+  <p:clrMap bg1="lt1" tx1="dk1" bg2="lt2" tx2="dk2" accent1="accent1" accent2="accent2" accent3="accent3" accent4="accent4" accent5="accent5" accent6="accent6" hlink="hlink" folHlink="folHlink"/>
+  <p:notesStyle>
+    <a:lvl1pPr marL="0" algn="l" defTabSz="914400" rtl="0" eaLnBrk="1" latinLnBrk="0" hangingPunct="1">
+      <a:defRPr sz="1200" kern="1200">
+        <a:solidFill>
+          <a:schemeClr val="tx1"/>
+        </a:solidFill>
+        <a:latin typeface="+mn-lt"/>
+        <a:ea typeface="+mn-ea"/>
+        <a:cs typeface="+mn-cs"/>
+      </a:defRPr>
+    </a:lvl1pPr>
+    <a:lvl2pPr marL="457200" algn="l" defTabSz="914400" rtl="0" eaLnBrk="1" latinLnBrk="0" hangingPunct="1">
+      <a:defRPr sz="1200" kern="1200">
+        <a:solidFill>
+          <a:schemeClr val="tx1"/>
+        </a:solidFill>
+        <a:latin typeface="+mn-lt"/>
+        <a:ea typeface="+mn-ea"/>
+        <a:cs typeface="+mn-cs"/>
+      </a:defRPr>
+    </a:lvl2pPr>
+    <a:lvl3pPr marL="914400" algn="l" defTabSz="914400" rtl="0" eaLnBrk="1" latinLnBrk="0" hangingPunct="1">
+      <a:defRPr sz="1200" kern="1200">
+        <a:solidFill>
+          <a:schemeClr val="tx1"/>
+        </a:solidFill>
+        <a:latin typeface="+mn-lt"/>
+        <a:ea typeface="+mn-ea"/>
+        <a:cs typeface="+mn-cs"/>
+      </a:defRPr>
+    </a:lvl3pPr>
+    <a:lvl4pPr marL="1371600" algn="l" defTabSz="914400" rtl="0" eaLnBrk="1" latinLnBrk="0" hangingPunct="1">
+      <a:defRPr sz="1200" kern="1200">
+        <a:solidFill>
+          <a:schemeClr val="tx1"/>
+        </a:solidFill>
+        <a:latin typeface="+mn-lt"/>
+        <a:ea typeface="+mn-ea"/>
+        <a:cs typeface="+mn-cs"/>
+      </a:defRPr>
+    </a:lvl4pPr>
+    <a:lvl5pPr marL="1828800" algn="l" defTabSz="914400" rtl="0" eaLnBrk="1" latinLnBrk="0" hangingPunct="1">
+      <a:defRPr sz="1200" kern="1200">
+        <a:solidFill>
+          <a:schemeClr val="tx1"/>
+        </a:solidFill>
+        <a:latin typeface="+mn-lt"/>
+        <a:ea typeface="+mn-ea"/>
+        <a:cs typeface="+mn-cs"/>
+      </a:defRPr>
+    </a:lvl5pPr>
+    <a:lvl6pPr marL="2286000" algn="l" defTabSz="914400" rtl="0" eaLnBrk="1" latinLnBrk="0" hangingPunct="1">
+      <a:defRPr sz="1200" kern="1200">
+        <a:solidFill>
+          <a:schemeClr val="tx1"/>
+        </a:solidFill>
+        <a:latin typeface="+mn-lt"/>
+        <a:ea typeface="+mn-ea"/>
+        <a:cs typeface="+mn-cs"/>
+      </a:defRPr>
+    </a:lvl6pPr>
+    <a:lvl7pPr marL="2743200" algn="l" defTabSz="914400" rtl="0" eaLnBrk="1" latinLnBrk="0" hangingPunct="1">
+      <a:defRPr sz="1200" kern="1200">
+        <a:solidFill>
+          <a:schemeClr val="tx1"/>
+        </a:solidFill>
+        <a:latin typeface="+mn-lt"/>
+        <a:ea typeface="+mn-ea"/>
+        <a:cs typeface="+mn-cs"/>
+      </a:defRPr>
+    </a:lvl7pPr>
+    <a:lvl8pPr marL="3200400" algn="l" defTabSz="914400" rtl="0" eaLnBrk="1" latinLnBrk="0" hangingPunct="1">
+      <a:defRPr sz="1200" kern="1200">
+        <a:solidFill>
+          <a:schemeClr val="tx1"/>
+        </a:solidFill>
+        <a:latin typeface="+mn-lt"/>
+        <a:ea typeface="+mn-ea"/>
+        <a:cs typeface="+mn-cs"/>
+      </a:defRPr>
+    </a:lvl8pPr>
+    <a:lvl9pPr marL="3657600" algn="l" defTabSz="914400" rtl="0" eaLnBrk="1" latinLnBrk="0" hangingPunct="1">
+      <a:defRPr sz="1200" kern="1200">
+        <a:solidFill>
+          <a:schemeClr val="tx1"/>
+        </a:solidFill>
+        <a:latin typeface="+mn-lt"/>
+        <a:ea typeface="+mn-ea"/>
+        <a:cs typeface="+mn-cs"/>
+      </a:defRPr>
+    </a:lvl9pPr>
+  </p:notesStyle>
+</p:notesMaster>
+</file>
+
+<file path=ppt/notesSlides/notesSlide1.xml><?xml version="1.0" encoding="utf-8"?>
+<p:notes xmlns:a="http://schemas.openxmlformats.org/drawingml/2006/main" xmlns:r="http://schemas.openxmlformats.org/officeDocument/2006/relationships" xmlns:p="http://schemas.openxmlformats.org/presentationml/2006/main" showMasterSp="0" showMasterPhAnim="0">
+  <p:cSld>
+    <p:spTree>
+      <p:nvGrpSpPr>
+        <p:cNvPr id="1" name="Shape 50"/>
+        <p:cNvGrpSpPr/>
+        <p:nvPr/>
+      </p:nvGrpSpPr>
+      <p:grpSpPr>
+        <a:xfrm>
+          <a:off x="0" y="0"/>
+          <a:ext cx="0" cy="0"/>
+          <a:chOff x="0" y="0"/>
+          <a:chExt cx="0" cy="0"/>
+        </a:xfrm>
+      </p:grpSpPr>
+      <p:sp>
+        <p:nvSpPr>
+          <p:cNvPr id="51" name="Google Shape;51;p:notes"/>
+          <p:cNvSpPr>
+            <a:spLocks noGrp="1" noRot="1" noChangeAspect="1"/>
+          </p:cNvSpPr>
+          <p:nvPr>
+            <p:ph type="sldImg" idx="2"/>
+          </p:nvPr>
+        </p:nvSpPr>
+        <p:spPr>
+          <a:xfrm>
+            <a:off x="381000" y="685800"/>
+            <a:ext cx="6096000" cy="3429000"/>
           </a:xfrm>
           <a:custGeom>
             <a:avLst/>
@@ -193,21 +551,11 @@
               </a:path>
             </a:pathLst>
           </a:custGeom>
-          <a:noFill/>
-          <a:ln w="9525" cap="flat" cmpd="sng">
-            <a:solidFill>
-              <a:srgbClr val="000000"/>
-            </a:solidFill>
-            <a:prstDash val="solid"/>
-            <a:round/>
-            <a:headEnd type="none" w="sm" len="sm"/>
-            <a:tailEnd type="none" w="sm" len="sm"/>
-          </a:ln>
-        </p:spPr>
-      </p:sp>
-      <p:sp>
-        <p:nvSpPr>
-          <p:cNvPr id="4" name="Google Shape;4;n"/>
+        </p:spPr>
+      </p:sp>
+      <p:sp>
+        <p:nvSpPr>
+          <p:cNvPr id="52" name="Google Shape;52;p:notes"/>
           <p:cNvSpPr txBox="1">
             <a:spLocks noGrp="1"/>
           </p:cNvSpPr>
@@ -223,362 +571,45 @@
           <a:prstGeom prst="rect">
             <a:avLst/>
           </a:prstGeom>
-          <a:noFill/>
-          <a:ln>
-            <a:noFill/>
-          </a:ln>
         </p:spPr>
         <p:txBody>
           <a:bodyPr spcFirstLastPara="1" wrap="square" lIns="91425" tIns="91425" rIns="91425" bIns="91425" anchor="t" anchorCtr="0">
             <a:noAutofit/>
           </a:bodyPr>
-          <a:lstStyle>
-            <a:lvl1pPr marL="457200" lvl="0" indent="-298450">
+          <a:lstStyle/>
+          <a:p>
+            <a:pPr marL="0" lvl="0" indent="0" algn="l" rtl="0">
               <a:spcBef>
                 <a:spcPts val="0"/>
               </a:spcBef>
               <a:spcAft>
                 <a:spcPts val="0"/>
               </a:spcAft>
-              <a:buSzPts val="1100"/>
-              <a:buChar char="●"/>
-              <a:defRPr sz="1100"/>
-            </a:lvl1pPr>
-            <a:lvl2pPr marL="914400" lvl="1" indent="-298450">
-              <a:spcBef>
-                <a:spcPts val="0"/>
-              </a:spcBef>
-              <a:spcAft>
-                <a:spcPts val="0"/>
-              </a:spcAft>
-              <a:buSzPts val="1100"/>
-              <a:buChar char="○"/>
-              <a:defRPr sz="1100"/>
-            </a:lvl2pPr>
-            <a:lvl3pPr marL="1371600" lvl="2" indent="-298450">
-              <a:spcBef>
-                <a:spcPts val="0"/>
-              </a:spcBef>
-              <a:spcAft>
-                <a:spcPts val="0"/>
-              </a:spcAft>
-              <a:buSzPts val="1100"/>
-              <a:buChar char="■"/>
-              <a:defRPr sz="1100"/>
-            </a:lvl3pPr>
-            <a:lvl4pPr marL="1828800" lvl="3" indent="-298450">
-              <a:spcBef>
-                <a:spcPts val="0"/>
-              </a:spcBef>
-              <a:spcAft>
-                <a:spcPts val="0"/>
-              </a:spcAft>
-              <a:buSzPts val="1100"/>
-              <a:buChar char="●"/>
-              <a:defRPr sz="1100"/>
-            </a:lvl4pPr>
-            <a:lvl5pPr marL="2286000" lvl="4" indent="-298450">
-              <a:spcBef>
-                <a:spcPts val="0"/>
-              </a:spcBef>
-              <a:spcAft>
-                <a:spcPts val="0"/>
-              </a:spcAft>
-              <a:buSzPts val="1100"/>
-              <a:buChar char="○"/>
-              <a:defRPr sz="1100"/>
-            </a:lvl5pPr>
-            <a:lvl6pPr marL="2743200" lvl="5" indent="-298450">
-              <a:spcBef>
-                <a:spcPts val="0"/>
-              </a:spcBef>
-              <a:spcAft>
-                <a:spcPts val="0"/>
-              </a:spcAft>
-              <a:buSzPts val="1100"/>
-              <a:buChar char="■"/>
-              <a:defRPr sz="1100"/>
-            </a:lvl6pPr>
-            <a:lvl7pPr marL="3200400" lvl="6" indent="-298450">
-              <a:spcBef>
-                <a:spcPts val="0"/>
-              </a:spcBef>
-              <a:spcAft>
-                <a:spcPts val="0"/>
-              </a:spcAft>
-              <a:buSzPts val="1100"/>
-              <a:buChar char="●"/>
-              <a:defRPr sz="1100"/>
-            </a:lvl7pPr>
-            <a:lvl8pPr marL="3657600" lvl="7" indent="-298450">
-              <a:spcBef>
-                <a:spcPts val="0"/>
-              </a:spcBef>
-              <a:spcAft>
-                <a:spcPts val="0"/>
-              </a:spcAft>
-              <a:buSzPts val="1100"/>
-              <a:buChar char="○"/>
-              <a:defRPr sz="1100"/>
-            </a:lvl8pPr>
-            <a:lvl9pPr marL="4114800" lvl="8" indent="-298450">
-              <a:spcBef>
-                <a:spcPts val="0"/>
-              </a:spcBef>
-              <a:spcAft>
-                <a:spcPts val="0"/>
-              </a:spcAft>
-              <a:buSzPts val="1100"/>
-              <a:buChar char="■"/>
-              <a:defRPr sz="1100"/>
-            </a:lvl9pPr>
-          </a:lstStyle>
-          <a:p>
+              <a:buNone/>
+            </a:pPr>
             <a:endParaRPr/>
           </a:p>
         </p:txBody>
       </p:sp>
     </p:spTree>
+    <p:extLst>
+      <p:ext uri="{BB962C8B-B14F-4D97-AF65-F5344CB8AC3E}">
+        <p14:creationId xmlns:p14="http://schemas.microsoft.com/office/powerpoint/2010/main" val="194742475"/>
+      </p:ext>
+    </p:extLst>
   </p:cSld>
-  <p:clrMap bg1="lt1" tx1="dk1" bg2="dk2" tx2="lt2" accent1="accent1" accent2="accent2" accent3="accent3" accent4="accent4" accent5="accent5" accent6="accent6" hlink="hlink" folHlink="folHlink"/>
-  <p:notesStyle>
-    <a:defPPr marR="0" lvl="0" algn="l" rtl="0">
-      <a:lnSpc>
-        <a:spcPct val="100000"/>
-      </a:lnSpc>
-      <a:spcBef>
-        <a:spcPts val="0"/>
-      </a:spcBef>
-      <a:spcAft>
-        <a:spcPts val="0"/>
-      </a:spcAft>
-    </a:defPPr>
-    <a:lvl1pPr marR="0" lvl="0" algn="l" rtl="0">
-      <a:lnSpc>
-        <a:spcPct val="100000"/>
-      </a:lnSpc>
-      <a:spcBef>
-        <a:spcPts val="0"/>
-      </a:spcBef>
-      <a:spcAft>
-        <a:spcPts val="0"/>
-      </a:spcAft>
-      <a:buClr>
-        <a:srgbClr val="000000"/>
-      </a:buClr>
-      <a:buFont typeface="Arial"/>
-      <a:defRPr sz="1400" b="0" i="0" u="none" strike="noStrike" cap="none">
-        <a:solidFill>
-          <a:srgbClr val="000000"/>
-        </a:solidFill>
-        <a:latin typeface="Arial"/>
-        <a:ea typeface="Arial"/>
-        <a:cs typeface="Arial"/>
-        <a:sym typeface="Arial"/>
-      </a:defRPr>
-    </a:lvl1pPr>
-    <a:lvl2pPr marR="0" lvl="1" algn="l" rtl="0">
-      <a:lnSpc>
-        <a:spcPct val="100000"/>
-      </a:lnSpc>
-      <a:spcBef>
-        <a:spcPts val="0"/>
-      </a:spcBef>
-      <a:spcAft>
-        <a:spcPts val="0"/>
-      </a:spcAft>
-      <a:buClr>
-        <a:srgbClr val="000000"/>
-      </a:buClr>
-      <a:buFont typeface="Arial"/>
-      <a:defRPr sz="1400" b="0" i="0" u="none" strike="noStrike" cap="none">
-        <a:solidFill>
-          <a:srgbClr val="000000"/>
-        </a:solidFill>
-        <a:latin typeface="Arial"/>
-        <a:ea typeface="Arial"/>
-        <a:cs typeface="Arial"/>
-        <a:sym typeface="Arial"/>
-      </a:defRPr>
-    </a:lvl2pPr>
-    <a:lvl3pPr marR="0" lvl="2" algn="l" rtl="0">
-      <a:lnSpc>
-        <a:spcPct val="100000"/>
-      </a:lnSpc>
-      <a:spcBef>
-        <a:spcPts val="0"/>
-      </a:spcBef>
-      <a:spcAft>
-        <a:spcPts val="0"/>
-      </a:spcAft>
-      <a:buClr>
-        <a:srgbClr val="000000"/>
-      </a:buClr>
-      <a:buFont typeface="Arial"/>
-      <a:defRPr sz="1400" b="0" i="0" u="none" strike="noStrike" cap="none">
-        <a:solidFill>
-          <a:srgbClr val="000000"/>
-        </a:solidFill>
-        <a:latin typeface="Arial"/>
-        <a:ea typeface="Arial"/>
-        <a:cs typeface="Arial"/>
-        <a:sym typeface="Arial"/>
-      </a:defRPr>
-    </a:lvl3pPr>
-    <a:lvl4pPr marR="0" lvl="3" algn="l" rtl="0">
-      <a:lnSpc>
-        <a:spcPct val="100000"/>
-      </a:lnSpc>
-      <a:spcBef>
-        <a:spcPts val="0"/>
-      </a:spcBef>
-      <a:spcAft>
-        <a:spcPts val="0"/>
-      </a:spcAft>
-      <a:buClr>
-        <a:srgbClr val="000000"/>
-      </a:buClr>
-      <a:buFont typeface="Arial"/>
-      <a:defRPr sz="1400" b="0" i="0" u="none" strike="noStrike" cap="none">
-        <a:solidFill>
-          <a:srgbClr val="000000"/>
-        </a:solidFill>
-        <a:latin typeface="Arial"/>
-        <a:ea typeface="Arial"/>
-        <a:cs typeface="Arial"/>
-        <a:sym typeface="Arial"/>
-      </a:defRPr>
-    </a:lvl4pPr>
-    <a:lvl5pPr marR="0" lvl="4" algn="l" rtl="0">
-      <a:lnSpc>
-        <a:spcPct val="100000"/>
-      </a:lnSpc>
-      <a:spcBef>
-        <a:spcPts val="0"/>
-      </a:spcBef>
-      <a:spcAft>
-        <a:spcPts val="0"/>
-      </a:spcAft>
-      <a:buClr>
-        <a:srgbClr val="000000"/>
-      </a:buClr>
-      <a:buFont typeface="Arial"/>
-      <a:defRPr sz="1400" b="0" i="0" u="none" strike="noStrike" cap="none">
-        <a:solidFill>
-          <a:srgbClr val="000000"/>
-        </a:solidFill>
-        <a:latin typeface="Arial"/>
-        <a:ea typeface="Arial"/>
-        <a:cs typeface="Arial"/>
-        <a:sym typeface="Arial"/>
-      </a:defRPr>
-    </a:lvl5pPr>
-    <a:lvl6pPr marR="0" lvl="5" algn="l" rtl="0">
-      <a:lnSpc>
-        <a:spcPct val="100000"/>
-      </a:lnSpc>
-      <a:spcBef>
-        <a:spcPts val="0"/>
-      </a:spcBef>
-      <a:spcAft>
-        <a:spcPts val="0"/>
-      </a:spcAft>
-      <a:buClr>
-        <a:srgbClr val="000000"/>
-      </a:buClr>
-      <a:buFont typeface="Arial"/>
-      <a:defRPr sz="1400" b="0" i="0" u="none" strike="noStrike" cap="none">
-        <a:solidFill>
-          <a:srgbClr val="000000"/>
-        </a:solidFill>
-        <a:latin typeface="Arial"/>
-        <a:ea typeface="Arial"/>
-        <a:cs typeface="Arial"/>
-        <a:sym typeface="Arial"/>
-      </a:defRPr>
-    </a:lvl6pPr>
-    <a:lvl7pPr marR="0" lvl="6" algn="l" rtl="0">
-      <a:lnSpc>
-        <a:spcPct val="100000"/>
-      </a:lnSpc>
-      <a:spcBef>
-        <a:spcPts val="0"/>
-      </a:spcBef>
-      <a:spcAft>
-        <a:spcPts val="0"/>
-      </a:spcAft>
-      <a:buClr>
-        <a:srgbClr val="000000"/>
-      </a:buClr>
-      <a:buFont typeface="Arial"/>
-      <a:defRPr sz="1400" b="0" i="0" u="none" strike="noStrike" cap="none">
-        <a:solidFill>
-          <a:srgbClr val="000000"/>
-        </a:solidFill>
-        <a:latin typeface="Arial"/>
-        <a:ea typeface="Arial"/>
-        <a:cs typeface="Arial"/>
-        <a:sym typeface="Arial"/>
-      </a:defRPr>
-    </a:lvl7pPr>
-    <a:lvl8pPr marR="0" lvl="7" algn="l" rtl="0">
-      <a:lnSpc>
-        <a:spcPct val="100000"/>
-      </a:lnSpc>
-      <a:spcBef>
-        <a:spcPts val="0"/>
-      </a:spcBef>
-      <a:spcAft>
-        <a:spcPts val="0"/>
-      </a:spcAft>
-      <a:buClr>
-        <a:srgbClr val="000000"/>
-      </a:buClr>
-      <a:buFont typeface="Arial"/>
-      <a:defRPr sz="1400" b="0" i="0" u="none" strike="noStrike" cap="none">
-        <a:solidFill>
-          <a:srgbClr val="000000"/>
-        </a:solidFill>
-        <a:latin typeface="Arial"/>
-        <a:ea typeface="Arial"/>
-        <a:cs typeface="Arial"/>
-        <a:sym typeface="Arial"/>
-      </a:defRPr>
-    </a:lvl8pPr>
-    <a:lvl9pPr marR="0" lvl="8" algn="l" rtl="0">
-      <a:lnSpc>
-        <a:spcPct val="100000"/>
-      </a:lnSpc>
-      <a:spcBef>
-        <a:spcPts val="0"/>
-      </a:spcBef>
-      <a:spcAft>
-        <a:spcPts val="0"/>
-      </a:spcAft>
-      <a:buClr>
-        <a:srgbClr val="000000"/>
-      </a:buClr>
-      <a:buFont typeface="Arial"/>
-      <a:defRPr sz="1400" b="0" i="0" u="none" strike="noStrike" cap="none">
-        <a:solidFill>
-          <a:srgbClr val="000000"/>
-        </a:solidFill>
-        <a:latin typeface="Arial"/>
-        <a:ea typeface="Arial"/>
-        <a:cs typeface="Arial"/>
-        <a:sym typeface="Arial"/>
-      </a:defRPr>
-    </a:lvl9pPr>
-  </p:notesStyle>
-</p:notesMaster>
+  <p:clrMapOvr>
+    <a:masterClrMapping/>
+  </p:clrMapOvr>
+</p:notes>
 </file>
 
-<file path=ppt/notesSlides/notesSlide1.xml><?xml version="1.0" encoding="utf-8"?>
+<file path=ppt/notesSlides/notesSlide2.xml><?xml version="1.0" encoding="utf-8"?>
 <p:notes xmlns:a="http://schemas.openxmlformats.org/drawingml/2006/main" xmlns:r="http://schemas.openxmlformats.org/officeDocument/2006/relationships" xmlns:p="http://schemas.openxmlformats.org/presentationml/2006/main" showMasterSp="0" showMasterPhAnim="0">
   <p:cSld>
     <p:spTree>
       <p:nvGrpSpPr>
-        <p:cNvPr id="1" name="Shape 50"/>
+        <p:cNvPr id="1" name="Shape 56"/>
         <p:cNvGrpSpPr/>
         <p:nvPr/>
       </p:nvGrpSpPr>
@@ -592,7 +623,7 @@
       </p:grpSpPr>
       <p:sp>
         <p:nvSpPr>
-          <p:cNvPr id="51" name="Google Shape;51;p:notes"/>
+          <p:cNvPr id="57" name="Google Shape;57;g5c1d9bc1b2_0_0:notes"/>
           <p:cNvSpPr>
             <a:spLocks noGrp="1" noRot="1" noChangeAspect="1"/>
           </p:cNvSpPr>
@@ -633,7 +664,7 @@
       </p:sp>
       <p:sp>
         <p:nvSpPr>
-          <p:cNvPr id="52" name="Google Shape;52;p:notes"/>
+          <p:cNvPr id="58" name="Google Shape;58;g5c1d9bc1b2_0_0:notes"/>
           <p:cNvSpPr txBox="1">
             <a:spLocks noGrp="1"/>
           </p:cNvSpPr>
@@ -670,6 +701,11 @@
         </p:txBody>
       </p:sp>
     </p:spTree>
+    <p:extLst>
+      <p:ext uri="{BB962C8B-B14F-4D97-AF65-F5344CB8AC3E}">
+        <p14:creationId xmlns:p14="http://schemas.microsoft.com/office/powerpoint/2010/main" val="3614633720"/>
+      </p:ext>
+    </p:extLst>
   </p:cSld>
   <p:clrMapOvr>
     <a:masterClrMapping/>
@@ -677,12 +713,12 @@
 </p:notes>
 </file>
 
-<file path=ppt/notesSlides/notesSlide2.xml><?xml version="1.0" encoding="utf-8"?>
+<file path=ppt/notesSlides/notesSlide3.xml><?xml version="1.0" encoding="utf-8"?>
 <p:notes xmlns:a="http://schemas.openxmlformats.org/drawingml/2006/main" xmlns:r="http://schemas.openxmlformats.org/officeDocument/2006/relationships" xmlns:p="http://schemas.openxmlformats.org/presentationml/2006/main" showMasterSp="0" showMasterPhAnim="0">
   <p:cSld>
     <p:spTree>
       <p:nvGrpSpPr>
-        <p:cNvPr id="1" name="Shape 56"/>
+        <p:cNvPr id="1" name="Shape 66"/>
         <p:cNvGrpSpPr/>
         <p:nvPr/>
       </p:nvGrpSpPr>
@@ -696,7 +732,7 @@
       </p:grpSpPr>
       <p:sp>
         <p:nvSpPr>
-          <p:cNvPr id="57" name="Google Shape;57;g5c1d9bc1b2_0_0:notes"/>
+          <p:cNvPr id="67" name="Google Shape;67;g5c1d9bc1b2_0_10:notes"/>
           <p:cNvSpPr>
             <a:spLocks noGrp="1" noRot="1" noChangeAspect="1"/>
           </p:cNvSpPr>
@@ -737,7 +773,7 @@
       </p:sp>
       <p:sp>
         <p:nvSpPr>
-          <p:cNvPr id="58" name="Google Shape;58;g5c1d9bc1b2_0_0:notes"/>
+          <p:cNvPr id="68" name="Google Shape;68;g5c1d9bc1b2_0_10:notes"/>
           <p:cNvSpPr txBox="1">
             <a:spLocks noGrp="1"/>
           </p:cNvSpPr>
@@ -769,11 +805,36 @@
               </a:spcAft>
               <a:buNone/>
             </a:pPr>
-            <a:endParaRPr/>
+            <a:r>
+              <a:rPr lang="en-US" sz="800" dirty="0" smtClean="0"/>
+              <a:t>CRYBA1 CRYBA4 </a:t>
+            </a:r>
+            <a:r>
+              <a:rPr lang="en-US" sz="800" dirty="0" err="1" smtClean="0"/>
+              <a:t>CRYBA4</a:t>
+            </a:r>
+            <a:r>
+              <a:rPr lang="en-US" sz="800" dirty="0" smtClean="0"/>
+              <a:t> CRYBB1 CRYBB2 CRYBB3 </a:t>
+            </a:r>
+            <a:r>
+              <a:rPr lang="en-US" sz="800" dirty="0" err="1" smtClean="0"/>
+              <a:t>CRYBB3</a:t>
+            </a:r>
+            <a:r>
+              <a:rPr lang="en-US" sz="800" dirty="0" smtClean="0"/>
+              <a:t> CRYGA CRYGB </a:t>
+            </a:r>
+            <a:endParaRPr dirty="0"/>
           </a:p>
         </p:txBody>
       </p:sp>
     </p:spTree>
+    <p:extLst>
+      <p:ext uri="{BB962C8B-B14F-4D97-AF65-F5344CB8AC3E}">
+        <p14:creationId xmlns:p14="http://schemas.microsoft.com/office/powerpoint/2010/main" val="704173768"/>
+      </p:ext>
+    </p:extLst>
   </p:cSld>
   <p:clrMapOvr>
     <a:masterClrMapping/>
@@ -781,7 +842,7 @@
 </p:notes>
 </file>
 
-<file path=ppt/notesSlides/notesSlide3.xml><?xml version="1.0" encoding="utf-8"?>
+<file path=ppt/notesSlides/notesSlide4.xml><?xml version="1.0" encoding="utf-8"?>
 <p:notes xmlns:a="http://schemas.openxmlformats.org/drawingml/2006/main" xmlns:r="http://schemas.openxmlformats.org/officeDocument/2006/relationships" xmlns:p="http://schemas.openxmlformats.org/presentationml/2006/main" showMasterSp="0" showMasterPhAnim="0">
   <p:cSld>
     <p:spTree>
@@ -873,457 +934,16 @@
               </a:spcAft>
               <a:buNone/>
             </a:pPr>
-            <a:r>
-              <a:rPr lang="en-US" sz="800" dirty="0" smtClean="0"/>
-              <a:t>CRYBA1 CRYBA4 </a:t>
-            </a:r>
-            <a:r>
-              <a:rPr lang="en-US" sz="800" dirty="0" err="1" smtClean="0"/>
-              <a:t>CRYBA4</a:t>
-            </a:r>
-            <a:r>
-              <a:rPr lang="en-US" sz="800" dirty="0" smtClean="0"/>
-              <a:t> CRYBB1 CRYBB2 CRYBB3 </a:t>
-            </a:r>
-            <a:r>
-              <a:rPr lang="en-US" sz="800" dirty="0" err="1" smtClean="0"/>
-              <a:t>CRYBB3</a:t>
-            </a:r>
-            <a:r>
-              <a:rPr lang="en-US" sz="800" dirty="0" smtClean="0"/>
-              <a:t> CRYGA CRYGB </a:t>
-            </a:r>
             <a:endParaRPr dirty="0"/>
-          </a:p>
-        </p:txBody>
-      </p:sp>
-    </p:spTree>
-  </p:cSld>
-  <p:clrMapOvr>
-    <a:masterClrMapping/>
-  </p:clrMapOvr>
-</p:notes>
-</file>
-
-<file path=ppt/notesSlides/notesSlide4.xml><?xml version="1.0" encoding="utf-8"?>
-<p:notes xmlns:a="http://schemas.openxmlformats.org/drawingml/2006/main" xmlns:r="http://schemas.openxmlformats.org/officeDocument/2006/relationships" xmlns:p="http://schemas.openxmlformats.org/presentationml/2006/main" showMasterSp="0" showMasterPhAnim="0">
-  <p:cSld>
-    <p:spTree>
-      <p:nvGrpSpPr>
-        <p:cNvPr id="1" name="Shape 75"/>
-        <p:cNvGrpSpPr/>
-        <p:nvPr/>
-      </p:nvGrpSpPr>
-      <p:grpSpPr>
-        <a:xfrm>
-          <a:off x="0" y="0"/>
-          <a:ext cx="0" cy="0"/>
-          <a:chOff x="0" y="0"/>
-          <a:chExt cx="0" cy="0"/>
-        </a:xfrm>
-      </p:grpSpPr>
-      <p:sp>
-        <p:nvSpPr>
-          <p:cNvPr id="76" name="Google Shape;76;g5c1d9bc1b2_0_18:notes"/>
-          <p:cNvSpPr>
-            <a:spLocks noGrp="1" noRot="1" noChangeAspect="1"/>
-          </p:cNvSpPr>
-          <p:nvPr>
-            <p:ph type="sldImg" idx="2"/>
-          </p:nvPr>
-        </p:nvSpPr>
-        <p:spPr>
-          <a:xfrm>
-            <a:off x="381000" y="685800"/>
-            <a:ext cx="6096000" cy="3429000"/>
-          </a:xfrm>
-          <a:custGeom>
-            <a:avLst/>
-            <a:gdLst/>
-            <a:ahLst/>
-            <a:cxnLst/>
-            <a:rect l="l" t="t" r="r" b="b"/>
-            <a:pathLst>
-              <a:path w="120000" h="120000" extrusionOk="0">
-                <a:moveTo>
-                  <a:pt x="0" y="0"/>
-                </a:moveTo>
-                <a:lnTo>
-                  <a:pt x="120000" y="0"/>
-                </a:lnTo>
-                <a:lnTo>
-                  <a:pt x="120000" y="120000"/>
-                </a:lnTo>
-                <a:lnTo>
-                  <a:pt x="0" y="120000"/>
-                </a:lnTo>
-                <a:close/>
-              </a:path>
-            </a:pathLst>
-          </a:custGeom>
-        </p:spPr>
-      </p:sp>
-      <p:sp>
-        <p:nvSpPr>
-          <p:cNvPr id="77" name="Google Shape;77;g5c1d9bc1b2_0_18:notes"/>
-          <p:cNvSpPr txBox="1">
-            <a:spLocks noGrp="1"/>
-          </p:cNvSpPr>
-          <p:nvPr>
-            <p:ph type="body" idx="1"/>
-          </p:nvPr>
-        </p:nvSpPr>
-        <p:spPr>
-          <a:xfrm>
-            <a:off x="685800" y="4343400"/>
-            <a:ext cx="5486400" cy="4114800"/>
-          </a:xfrm>
-          <a:prstGeom prst="rect">
-            <a:avLst/>
-          </a:prstGeom>
-        </p:spPr>
-        <p:txBody>
-          <a:bodyPr spcFirstLastPara="1" wrap="square" lIns="91425" tIns="91425" rIns="91425" bIns="91425" anchor="t" anchorCtr="0">
-            <a:noAutofit/>
-          </a:bodyPr>
-          <a:lstStyle/>
-          <a:p>
-            <a:pPr marL="0" lvl="0" indent="0" algn="l" rtl="0">
-              <a:spcBef>
-                <a:spcPts val="0"/>
-              </a:spcBef>
-              <a:spcAft>
-                <a:spcPts val="0"/>
-              </a:spcAft>
-              <a:buNone/>
-            </a:pPr>
-            <a:endParaRPr/>
           </a:p>
         </p:txBody>
       </p:sp>
     </p:spTree>
     <p:extLst>
       <p:ext uri="{BB962C8B-B14F-4D97-AF65-F5344CB8AC3E}">
-        <p14:creationId xmlns:p14="http://schemas.microsoft.com/office/powerpoint/2010/main" val="2503784434"/>
+        <p14:creationId xmlns:p14="http://schemas.microsoft.com/office/powerpoint/2010/main" val="4242698555"/>
       </p:ext>
     </p:extLst>
-  </p:cSld>
-  <p:clrMapOvr>
-    <a:masterClrMapping/>
-  </p:clrMapOvr>
-</p:notes>
-</file>
-
-<file path=ppt/notesSlides/notesSlide5.xml><?xml version="1.0" encoding="utf-8"?>
-<p:notes xmlns:a="http://schemas.openxmlformats.org/drawingml/2006/main" xmlns:r="http://schemas.openxmlformats.org/officeDocument/2006/relationships" xmlns:p="http://schemas.openxmlformats.org/presentationml/2006/main" showMasterSp="0" showMasterPhAnim="0">
-  <p:cSld>
-    <p:spTree>
-      <p:nvGrpSpPr>
-        <p:cNvPr id="1" name="Shape 75"/>
-        <p:cNvGrpSpPr/>
-        <p:nvPr/>
-      </p:nvGrpSpPr>
-      <p:grpSpPr>
-        <a:xfrm>
-          <a:off x="0" y="0"/>
-          <a:ext cx="0" cy="0"/>
-          <a:chOff x="0" y="0"/>
-          <a:chExt cx="0" cy="0"/>
-        </a:xfrm>
-      </p:grpSpPr>
-      <p:sp>
-        <p:nvSpPr>
-          <p:cNvPr id="76" name="Google Shape;76;g5c1d9bc1b2_0_18:notes"/>
-          <p:cNvSpPr>
-            <a:spLocks noGrp="1" noRot="1" noChangeAspect="1"/>
-          </p:cNvSpPr>
-          <p:nvPr>
-            <p:ph type="sldImg" idx="2"/>
-          </p:nvPr>
-        </p:nvSpPr>
-        <p:spPr>
-          <a:xfrm>
-            <a:off x="381000" y="685800"/>
-            <a:ext cx="6096000" cy="3429000"/>
-          </a:xfrm>
-          <a:custGeom>
-            <a:avLst/>
-            <a:gdLst/>
-            <a:ahLst/>
-            <a:cxnLst/>
-            <a:rect l="l" t="t" r="r" b="b"/>
-            <a:pathLst>
-              <a:path w="120000" h="120000" extrusionOk="0">
-                <a:moveTo>
-                  <a:pt x="0" y="0"/>
-                </a:moveTo>
-                <a:lnTo>
-                  <a:pt x="120000" y="0"/>
-                </a:lnTo>
-                <a:lnTo>
-                  <a:pt x="120000" y="120000"/>
-                </a:lnTo>
-                <a:lnTo>
-                  <a:pt x="0" y="120000"/>
-                </a:lnTo>
-                <a:close/>
-              </a:path>
-            </a:pathLst>
-          </a:custGeom>
-        </p:spPr>
-      </p:sp>
-      <p:sp>
-        <p:nvSpPr>
-          <p:cNvPr id="77" name="Google Shape;77;g5c1d9bc1b2_0_18:notes"/>
-          <p:cNvSpPr txBox="1">
-            <a:spLocks noGrp="1"/>
-          </p:cNvSpPr>
-          <p:nvPr>
-            <p:ph type="body" idx="1"/>
-          </p:nvPr>
-        </p:nvSpPr>
-        <p:spPr>
-          <a:xfrm>
-            <a:off x="685800" y="4343400"/>
-            <a:ext cx="5486400" cy="4114800"/>
-          </a:xfrm>
-          <a:prstGeom prst="rect">
-            <a:avLst/>
-          </a:prstGeom>
-        </p:spPr>
-        <p:txBody>
-          <a:bodyPr spcFirstLastPara="1" wrap="square" lIns="91425" tIns="91425" rIns="91425" bIns="91425" anchor="t" anchorCtr="0">
-            <a:noAutofit/>
-          </a:bodyPr>
-          <a:lstStyle/>
-          <a:p>
-            <a:pPr marL="0" lvl="0" indent="0" algn="l" rtl="0">
-              <a:spcBef>
-                <a:spcPts val="0"/>
-              </a:spcBef>
-              <a:spcAft>
-                <a:spcPts val="0"/>
-              </a:spcAft>
-              <a:buNone/>
-            </a:pPr>
-            <a:endParaRPr/>
-          </a:p>
-        </p:txBody>
-      </p:sp>
-    </p:spTree>
-    <p:extLst>
-      <p:ext uri="{BB962C8B-B14F-4D97-AF65-F5344CB8AC3E}">
-        <p14:creationId xmlns:p14="http://schemas.microsoft.com/office/powerpoint/2010/main" val="2041249652"/>
-      </p:ext>
-    </p:extLst>
-  </p:cSld>
-  <p:clrMapOvr>
-    <a:masterClrMapping/>
-  </p:clrMapOvr>
-</p:notes>
-</file>
-
-<file path=ppt/notesSlides/notesSlide6.xml><?xml version="1.0" encoding="utf-8"?>
-<p:notes xmlns:a="http://schemas.openxmlformats.org/drawingml/2006/main" xmlns:r="http://schemas.openxmlformats.org/officeDocument/2006/relationships" xmlns:p="http://schemas.openxmlformats.org/presentationml/2006/main" showMasterSp="0" showMasterPhAnim="0">
-  <p:cSld>
-    <p:spTree>
-      <p:nvGrpSpPr>
-        <p:cNvPr id="1" name="Shape 81"/>
-        <p:cNvGrpSpPr/>
-        <p:nvPr/>
-      </p:nvGrpSpPr>
-      <p:grpSpPr>
-        <a:xfrm>
-          <a:off x="0" y="0"/>
-          <a:ext cx="0" cy="0"/>
-          <a:chOff x="0" y="0"/>
-          <a:chExt cx="0" cy="0"/>
-        </a:xfrm>
-      </p:grpSpPr>
-      <p:sp>
-        <p:nvSpPr>
-          <p:cNvPr id="82" name="Google Shape;82;g5ccef844c9_0_5:notes"/>
-          <p:cNvSpPr>
-            <a:spLocks noGrp="1" noRot="1" noChangeAspect="1"/>
-          </p:cNvSpPr>
-          <p:nvPr>
-            <p:ph type="sldImg" idx="2"/>
-          </p:nvPr>
-        </p:nvSpPr>
-        <p:spPr>
-          <a:xfrm>
-            <a:off x="381000" y="685800"/>
-            <a:ext cx="6096000" cy="3429000"/>
-          </a:xfrm>
-          <a:custGeom>
-            <a:avLst/>
-            <a:gdLst/>
-            <a:ahLst/>
-            <a:cxnLst/>
-            <a:rect l="l" t="t" r="r" b="b"/>
-            <a:pathLst>
-              <a:path w="120000" h="120000" extrusionOk="0">
-                <a:moveTo>
-                  <a:pt x="0" y="0"/>
-                </a:moveTo>
-                <a:lnTo>
-                  <a:pt x="120000" y="0"/>
-                </a:lnTo>
-                <a:lnTo>
-                  <a:pt x="120000" y="120000"/>
-                </a:lnTo>
-                <a:lnTo>
-                  <a:pt x="0" y="120000"/>
-                </a:lnTo>
-                <a:close/>
-              </a:path>
-            </a:pathLst>
-          </a:custGeom>
-        </p:spPr>
-      </p:sp>
-      <p:sp>
-        <p:nvSpPr>
-          <p:cNvPr id="83" name="Google Shape;83;g5ccef844c9_0_5:notes"/>
-          <p:cNvSpPr txBox="1">
-            <a:spLocks noGrp="1"/>
-          </p:cNvSpPr>
-          <p:nvPr>
-            <p:ph type="body" idx="1"/>
-          </p:nvPr>
-        </p:nvSpPr>
-        <p:spPr>
-          <a:xfrm>
-            <a:off x="685800" y="4343400"/>
-            <a:ext cx="5486400" cy="4114800"/>
-          </a:xfrm>
-          <a:prstGeom prst="rect">
-            <a:avLst/>
-          </a:prstGeom>
-        </p:spPr>
-        <p:txBody>
-          <a:bodyPr spcFirstLastPara="1" wrap="square" lIns="91425" tIns="91425" rIns="91425" bIns="91425" anchor="t" anchorCtr="0">
-            <a:noAutofit/>
-          </a:bodyPr>
-          <a:lstStyle/>
-          <a:p>
-            <a:pPr marL="0" lvl="0" indent="0" algn="l" rtl="0">
-              <a:spcBef>
-                <a:spcPts val="0"/>
-              </a:spcBef>
-              <a:spcAft>
-                <a:spcPts val="0"/>
-              </a:spcAft>
-              <a:buNone/>
-            </a:pPr>
-            <a:endParaRPr/>
-          </a:p>
-        </p:txBody>
-      </p:sp>
-    </p:spTree>
-  </p:cSld>
-  <p:clrMapOvr>
-    <a:masterClrMapping/>
-  </p:clrMapOvr>
-</p:notes>
-</file>
-
-<file path=ppt/notesSlides/notesSlide7.xml><?xml version="1.0" encoding="utf-8"?>
-<p:notes xmlns:a="http://schemas.openxmlformats.org/drawingml/2006/main" xmlns:r="http://schemas.openxmlformats.org/officeDocument/2006/relationships" xmlns:p="http://schemas.openxmlformats.org/presentationml/2006/main" showMasterSp="0" showMasterPhAnim="0">
-  <p:cSld>
-    <p:spTree>
-      <p:nvGrpSpPr>
-        <p:cNvPr id="1" name="Shape 87"/>
-        <p:cNvGrpSpPr/>
-        <p:nvPr/>
-      </p:nvGrpSpPr>
-      <p:grpSpPr>
-        <a:xfrm>
-          <a:off x="0" y="0"/>
-          <a:ext cx="0" cy="0"/>
-          <a:chOff x="0" y="0"/>
-          <a:chExt cx="0" cy="0"/>
-        </a:xfrm>
-      </p:grpSpPr>
-      <p:sp>
-        <p:nvSpPr>
-          <p:cNvPr id="88" name="Google Shape;88;g5c84791939_0_0:notes"/>
-          <p:cNvSpPr>
-            <a:spLocks noGrp="1" noRot="1" noChangeAspect="1"/>
-          </p:cNvSpPr>
-          <p:nvPr>
-            <p:ph type="sldImg" idx="2"/>
-          </p:nvPr>
-        </p:nvSpPr>
-        <p:spPr>
-          <a:xfrm>
-            <a:off x="381000" y="685800"/>
-            <a:ext cx="6096000" cy="3429000"/>
-          </a:xfrm>
-          <a:custGeom>
-            <a:avLst/>
-            <a:gdLst/>
-            <a:ahLst/>
-            <a:cxnLst/>
-            <a:rect l="l" t="t" r="r" b="b"/>
-            <a:pathLst>
-              <a:path w="120000" h="120000" extrusionOk="0">
-                <a:moveTo>
-                  <a:pt x="0" y="0"/>
-                </a:moveTo>
-                <a:lnTo>
-                  <a:pt x="120000" y="0"/>
-                </a:lnTo>
-                <a:lnTo>
-                  <a:pt x="120000" y="120000"/>
-                </a:lnTo>
-                <a:lnTo>
-                  <a:pt x="0" y="120000"/>
-                </a:lnTo>
-                <a:close/>
-              </a:path>
-            </a:pathLst>
-          </a:custGeom>
-        </p:spPr>
-      </p:sp>
-      <p:sp>
-        <p:nvSpPr>
-          <p:cNvPr id="89" name="Google Shape;89;g5c84791939_0_0:notes"/>
-          <p:cNvSpPr txBox="1">
-            <a:spLocks noGrp="1"/>
-          </p:cNvSpPr>
-          <p:nvPr>
-            <p:ph type="body" idx="1"/>
-          </p:nvPr>
-        </p:nvSpPr>
-        <p:spPr>
-          <a:xfrm>
-            <a:off x="685800" y="4343400"/>
-            <a:ext cx="5486400" cy="4114800"/>
-          </a:xfrm>
-          <a:prstGeom prst="rect">
-            <a:avLst/>
-          </a:prstGeom>
-        </p:spPr>
-        <p:txBody>
-          <a:bodyPr spcFirstLastPara="1" wrap="square" lIns="91425" tIns="91425" rIns="91425" bIns="91425" anchor="t" anchorCtr="0">
-            <a:noAutofit/>
-          </a:bodyPr>
-          <a:lstStyle/>
-          <a:p>
-            <a:pPr marL="0" lvl="0" indent="0" algn="l" rtl="0">
-              <a:spcBef>
-                <a:spcPts val="0"/>
-              </a:spcBef>
-              <a:spcAft>
-                <a:spcPts val="0"/>
-              </a:spcAft>
-              <a:buNone/>
-            </a:pPr>
-            <a:endParaRPr/>
-          </a:p>
-        </p:txBody>
-      </p:sp>
-    </p:spTree>
   </p:cSld>
   <p:clrMapOvr>
     <a:masterClrMapping/>
@@ -1356,8 +976,8 @@
         </p:nvSpPr>
         <p:spPr>
           <a:xfrm>
-            <a:off x="2382" y="4800600"/>
-            <a:ext cx="9141619" cy="342900"/>
+            <a:off x="3175" y="6400800"/>
+            <a:ext cx="12188825" cy="457200"/>
           </a:xfrm>
           <a:prstGeom prst="rect">
             <a:avLst/>
@@ -1394,8 +1014,8 @@
         </p:nvSpPr>
         <p:spPr>
           <a:xfrm>
-            <a:off x="12" y="4750737"/>
-            <a:ext cx="9141619" cy="48006"/>
+            <a:off x="15" y="6334316"/>
+            <a:ext cx="12188825" cy="64008"/>
           </a:xfrm>
           <a:prstGeom prst="rect">
             <a:avLst/>
@@ -1436,8 +1056,8 @@
         </p:nvSpPr>
         <p:spPr>
           <a:xfrm>
-            <a:off x="822960" y="569214"/>
-            <a:ext cx="7543800" cy="2674620"/>
+            <a:off x="1097280" y="758952"/>
+            <a:ext cx="10058400" cy="3566160"/>
           </a:xfrm>
         </p:spPr>
         <p:txBody>
@@ -1449,7 +1069,7 @@
               <a:lnSpc>
                 <a:spcPct val="85000"/>
               </a:lnSpc>
-              <a:defRPr sz="6000" spc="-38" baseline="0">
+              <a:defRPr sz="8000" spc="-50" baseline="0">
                 <a:solidFill>
                   <a:schemeClr val="tx1">
                     <a:lumMod val="85000"/>
@@ -1480,8 +1100,8 @@
         </p:nvSpPr>
         <p:spPr>
           <a:xfrm>
-            <a:off x="825038" y="3341715"/>
-            <a:ext cx="7543800" cy="857250"/>
+            <a:off x="1100051" y="4455620"/>
+            <a:ext cx="10058400" cy="1143000"/>
           </a:xfrm>
         </p:spPr>
         <p:txBody>
@@ -1491,44 +1111,44 @@
           <a:lstStyle>
             <a:lvl1pPr marL="0" indent="0" algn="l">
               <a:buNone/>
-              <a:defRPr sz="1800" cap="all" spc="150" baseline="0">
+              <a:defRPr sz="2400" cap="all" spc="200" baseline="0">
                 <a:solidFill>
                   <a:schemeClr val="tx2"/>
                 </a:solidFill>
                 <a:latin typeface="+mj-lt"/>
               </a:defRPr>
             </a:lvl1pPr>
-            <a:lvl2pPr marL="342900" indent="0" algn="ctr">
-              <a:buNone/>
-              <a:defRPr sz="1800"/>
+            <a:lvl2pPr marL="457200" indent="0" algn="ctr">
+              <a:buNone/>
+              <a:defRPr sz="2400"/>
             </a:lvl2pPr>
-            <a:lvl3pPr marL="685800" indent="0" algn="ctr">
-              <a:buNone/>
-              <a:defRPr sz="1800"/>
+            <a:lvl3pPr marL="914400" indent="0" algn="ctr">
+              <a:buNone/>
+              <a:defRPr sz="2400"/>
             </a:lvl3pPr>
-            <a:lvl4pPr marL="1028700" indent="0" algn="ctr">
-              <a:buNone/>
-              <a:defRPr sz="1500"/>
+            <a:lvl4pPr marL="1371600" indent="0" algn="ctr">
+              <a:buNone/>
+              <a:defRPr sz="2000"/>
             </a:lvl4pPr>
-            <a:lvl5pPr marL="1371600" indent="0" algn="ctr">
-              <a:buNone/>
-              <a:defRPr sz="1500"/>
+            <a:lvl5pPr marL="1828800" indent="0" algn="ctr">
+              <a:buNone/>
+              <a:defRPr sz="2000"/>
             </a:lvl5pPr>
-            <a:lvl6pPr marL="1714500" indent="0" algn="ctr">
-              <a:buNone/>
-              <a:defRPr sz="1500"/>
+            <a:lvl6pPr marL="2286000" indent="0" algn="ctr">
+              <a:buNone/>
+              <a:defRPr sz="2000"/>
             </a:lvl6pPr>
-            <a:lvl7pPr marL="2057400" indent="0" algn="ctr">
-              <a:buNone/>
-              <a:defRPr sz="1500"/>
+            <a:lvl7pPr marL="2743200" indent="0" algn="ctr">
+              <a:buNone/>
+              <a:defRPr sz="2000"/>
             </a:lvl7pPr>
-            <a:lvl8pPr marL="2400300" indent="0" algn="ctr">
-              <a:buNone/>
-              <a:defRPr sz="1500"/>
+            <a:lvl8pPr marL="3200400" indent="0" algn="ctr">
+              <a:buNone/>
+              <a:defRPr sz="2000"/>
             </a:lvl8pPr>
-            <a:lvl9pPr marL="2743200" indent="0" algn="ctr">
-              <a:buNone/>
-              <a:defRPr sz="1500"/>
+            <a:lvl9pPr marL="3657600" indent="0" algn="ctr">
+              <a:buNone/>
+              <a:defRPr sz="2000"/>
             </a:lvl9pPr>
           </a:lstStyle>
           <a:p>
@@ -1555,11 +1175,11 @@
           <a:bodyPr/>
           <a:lstStyle/>
           <a:p>
-            <a:fld id="{4BDF68E2-58F2-4D09-BE8B-E3BD06533059}" type="datetimeFigureOut">
-              <a:rPr lang="en-US" dirty="0"/>
-              <a:t>7/22/2019</a:t>
+            <a:fld id="{809CEF2D-C839-41A0-817E-03595D1CB546}" type="datetimeFigureOut">
+              <a:rPr lang="en-US" smtClean="0"/>
+              <a:t>7/25/2019</a:t>
             </a:fld>
-            <a:endParaRPr lang="en-US" dirty="0"/>
+            <a:endParaRPr lang="en-US"/>
           </a:p>
         </p:txBody>
       </p:sp>
@@ -1578,7 +1198,7 @@
           <a:bodyPr/>
           <a:lstStyle/>
           <a:p>
-            <a:endParaRPr lang="en-US" dirty="0"/>
+            <a:endParaRPr lang="en-US"/>
           </a:p>
         </p:txBody>
       </p:sp>
@@ -1597,20 +1217,11 @@
           <a:bodyPr/>
           <a:lstStyle/>
           <a:p>
-            <a:pPr marL="0" lvl="0" indent="0" algn="r" rtl="0">
-              <a:spcBef>
-                <a:spcPts val="0"/>
-              </a:spcBef>
-              <a:spcAft>
-                <a:spcPts val="0"/>
-              </a:spcAft>
-              <a:buNone/>
-            </a:pPr>
-            <a:fld id="{00000000-1234-1234-1234-123412341234}" type="slidenum">
-              <a:rPr lang="en" smtClean="0"/>
+            <a:fld id="{8F1AC9B5-9543-4447-B896-CFFB2C6D7835}" type="slidenum">
+              <a:rPr lang="en-US" smtClean="0"/>
               <a:t>‹#›</a:t>
             </a:fld>
-            <a:endParaRPr lang="en"/>
+            <a:endParaRPr lang="en-US"/>
           </a:p>
         </p:txBody>
       </p:sp>
@@ -1622,8 +1233,8 @@
         </p:nvCxnSpPr>
         <p:spPr>
           <a:xfrm>
-            <a:off x="905744" y="3257550"/>
-            <a:ext cx="7406640" cy="0"/>
+            <a:off x="1207658" y="4343400"/>
+            <a:ext cx="9875520" cy="0"/>
           </a:xfrm>
           <a:prstGeom prst="line">
             <a:avLst/>
@@ -1655,14 +1266,13 @@
     </p:spTree>
     <p:extLst>
       <p:ext uri="{BB962C8B-B14F-4D97-AF65-F5344CB8AC3E}">
-        <p14:creationId xmlns:p14="http://schemas.microsoft.com/office/powerpoint/2010/main" val="1081720194"/>
+        <p14:creationId xmlns:p14="http://schemas.microsoft.com/office/powerpoint/2010/main" val="1164429789"/>
       </p:ext>
     </p:extLst>
   </p:cSld>
   <p:clrMapOvr>
     <a:masterClrMapping/>
   </p:clrMapOvr>
-  <p:hf sldNum="0" hdr="0" ftr="0" dt="0"/>
 </p:sldLayout>
 </file>
 
@@ -1773,11 +1383,11 @@
           <a:bodyPr/>
           <a:lstStyle/>
           <a:p>
-            <a:fld id="{2E2D6473-DF6D-4702-B328-E0DD40540A4E}" type="datetimeFigureOut">
-              <a:rPr lang="en-US" dirty="0"/>
-              <a:t>7/22/2019</a:t>
+            <a:fld id="{809CEF2D-C839-41A0-817E-03595D1CB546}" type="datetimeFigureOut">
+              <a:rPr lang="en-US" smtClean="0"/>
+              <a:t>7/25/2019</a:t>
             </a:fld>
-            <a:endParaRPr lang="en-US" dirty="0"/>
+            <a:endParaRPr lang="en-US"/>
           </a:p>
         </p:txBody>
       </p:sp>
@@ -1796,7 +1406,7 @@
           <a:bodyPr/>
           <a:lstStyle/>
           <a:p>
-            <a:endParaRPr lang="en-US" dirty="0"/>
+            <a:endParaRPr lang="en-US"/>
           </a:p>
         </p:txBody>
       </p:sp>
@@ -1815,34 +1425,24 @@
           <a:bodyPr/>
           <a:lstStyle/>
           <a:p>
-            <a:pPr marL="0" lvl="0" indent="0" algn="r" rtl="0">
-              <a:spcBef>
-                <a:spcPts val="0"/>
-              </a:spcBef>
-              <a:spcAft>
-                <a:spcPts val="0"/>
-              </a:spcAft>
-              <a:buNone/>
-            </a:pPr>
-            <a:fld id="{00000000-1234-1234-1234-123412341234}" type="slidenum">
-              <a:rPr lang="en" smtClean="0"/>
+            <a:fld id="{8F1AC9B5-9543-4447-B896-CFFB2C6D7835}" type="slidenum">
+              <a:rPr lang="en-US" smtClean="0"/>
               <a:t>‹#›</a:t>
             </a:fld>
-            <a:endParaRPr lang="en"/>
+            <a:endParaRPr lang="en-US"/>
           </a:p>
         </p:txBody>
       </p:sp>
     </p:spTree>
     <p:extLst>
       <p:ext uri="{BB962C8B-B14F-4D97-AF65-F5344CB8AC3E}">
-        <p14:creationId xmlns:p14="http://schemas.microsoft.com/office/powerpoint/2010/main" val="948683775"/>
+        <p14:creationId xmlns:p14="http://schemas.microsoft.com/office/powerpoint/2010/main" val="2036861796"/>
       </p:ext>
     </p:extLst>
   </p:cSld>
   <p:clrMapOvr>
     <a:masterClrMapping/>
   </p:clrMapOvr>
-  <p:hf sldNum="0" hdr="0" ftr="0" dt="0"/>
 </p:sldLayout>
 </file>
 
@@ -1871,8 +1471,8 @@
         </p:nvSpPr>
         <p:spPr>
           <a:xfrm>
-            <a:off x="2382" y="4800600"/>
-            <a:ext cx="9141619" cy="342900"/>
+            <a:off x="3175" y="6400800"/>
+            <a:ext cx="12188825" cy="457200"/>
           </a:xfrm>
           <a:prstGeom prst="rect">
             <a:avLst/>
@@ -1909,8 +1509,8 @@
         </p:nvSpPr>
         <p:spPr>
           <a:xfrm>
-            <a:off x="12" y="4750737"/>
-            <a:ext cx="9141619" cy="48006"/>
+            <a:off x="15" y="6334316"/>
+            <a:ext cx="12188825" cy="64008"/>
           </a:xfrm>
           <a:prstGeom prst="rect">
             <a:avLst/>
@@ -1951,8 +1551,8 @@
         </p:nvSpPr>
         <p:spPr>
           <a:xfrm>
-            <a:off x="6543675" y="311084"/>
-            <a:ext cx="1971675" cy="4318066"/>
+            <a:off x="8724900" y="414778"/>
+            <a:ext cx="2628900" cy="5757421"/>
           </a:xfrm>
         </p:spPr>
         <p:txBody>
@@ -1979,8 +1579,8 @@
         </p:nvSpPr>
         <p:spPr>
           <a:xfrm>
-            <a:off x="628650" y="311083"/>
-            <a:ext cx="5800725" cy="4318067"/>
+            <a:off x="838200" y="414778"/>
+            <a:ext cx="7734300" cy="5757422"/>
           </a:xfrm>
         </p:spPr>
         <p:txBody>
@@ -2039,11 +1639,11 @@
           <a:bodyPr/>
           <a:lstStyle/>
           <a:p>
-            <a:fld id="{E26F7E3A-B166-407D-9866-32884E7D5B37}" type="datetimeFigureOut">
-              <a:rPr lang="en-US" dirty="0"/>
-              <a:t>7/22/2019</a:t>
+            <a:fld id="{809CEF2D-C839-41A0-817E-03595D1CB546}" type="datetimeFigureOut">
+              <a:rPr lang="en-US" smtClean="0"/>
+              <a:t>7/25/2019</a:t>
             </a:fld>
-            <a:endParaRPr lang="en-US" dirty="0"/>
+            <a:endParaRPr lang="en-US"/>
           </a:p>
         </p:txBody>
       </p:sp>
@@ -2062,7 +1662,7 @@
           <a:bodyPr/>
           <a:lstStyle/>
           <a:p>
-            <a:endParaRPr lang="en-US" dirty="0"/>
+            <a:endParaRPr lang="en-US"/>
           </a:p>
         </p:txBody>
       </p:sp>
@@ -2081,34 +1681,24 @@
           <a:bodyPr/>
           <a:lstStyle/>
           <a:p>
-            <a:pPr marL="0" lvl="0" indent="0" algn="r" rtl="0">
-              <a:spcBef>
-                <a:spcPts val="0"/>
-              </a:spcBef>
-              <a:spcAft>
-                <a:spcPts val="0"/>
-              </a:spcAft>
-              <a:buNone/>
-            </a:pPr>
-            <a:fld id="{00000000-1234-1234-1234-123412341234}" type="slidenum">
-              <a:rPr lang="en" smtClean="0"/>
+            <a:fld id="{8F1AC9B5-9543-4447-B896-CFFB2C6D7835}" type="slidenum">
+              <a:rPr lang="en-US" smtClean="0"/>
               <a:t>‹#›</a:t>
             </a:fld>
-            <a:endParaRPr lang="en"/>
+            <a:endParaRPr lang="en-US"/>
           </a:p>
         </p:txBody>
       </p:sp>
     </p:spTree>
     <p:extLst>
       <p:ext uri="{BB962C8B-B14F-4D97-AF65-F5344CB8AC3E}">
-        <p14:creationId xmlns:p14="http://schemas.microsoft.com/office/powerpoint/2010/main" val="1250307591"/>
+        <p14:creationId xmlns:p14="http://schemas.microsoft.com/office/powerpoint/2010/main" val="3619432109"/>
       </p:ext>
     </p:extLst>
   </p:cSld>
   <p:clrMapOvr>
     <a:masterClrMapping/>
   </p:clrMapOvr>
-  <p:hf sldNum="0" hdr="0" ftr="0" dt="0"/>
 </p:sldLayout>
 </file>
 
@@ -2141,8 +1731,8 @@
         </p:nvSpPr>
         <p:spPr>
           <a:xfrm>
-            <a:off x="311700" y="445025"/>
-            <a:ext cx="8520600" cy="572700"/>
+            <a:off x="415600" y="593367"/>
+            <a:ext cx="11360800" cy="763600"/>
           </a:xfrm>
           <a:prstGeom prst="rect">
             <a:avLst/>
@@ -2270,8 +1860,8 @@
         </p:nvSpPr>
         <p:spPr>
           <a:xfrm>
-            <a:off x="311700" y="1152475"/>
-            <a:ext cx="8520600" cy="3416400"/>
+            <a:off x="415600" y="1536633"/>
+            <a:ext cx="11360800" cy="4555200"/>
           </a:xfrm>
           <a:prstGeom prst="rect">
             <a:avLst/>
@@ -2282,7 +1872,7 @@
             <a:noAutofit/>
           </a:bodyPr>
           <a:lstStyle>
-            <a:lvl1pPr marL="457200" lvl="0" indent="-342900">
+            <a:lvl1pPr marL="609585" lvl="0" indent="-457189">
               <a:spcBef>
                 <a:spcPts val="0"/>
               </a:spcBef>
@@ -2293,9 +1883,9 @@
               <a:buChar char="●"/>
               <a:defRPr/>
             </a:lvl1pPr>
-            <a:lvl2pPr marL="914400" lvl="1" indent="-317500">
+            <a:lvl2pPr marL="1219170" lvl="1" indent="-423323">
               <a:spcBef>
-                <a:spcPts val="1600"/>
+                <a:spcPts val="2133"/>
               </a:spcBef>
               <a:spcAft>
                 <a:spcPts val="0"/>
@@ -2304,9 +1894,9 @@
               <a:buChar char="○"/>
               <a:defRPr/>
             </a:lvl2pPr>
-            <a:lvl3pPr marL="1371600" lvl="2" indent="-317500">
+            <a:lvl3pPr marL="1828754" lvl="2" indent="-423323">
               <a:spcBef>
-                <a:spcPts val="1600"/>
+                <a:spcPts val="2133"/>
               </a:spcBef>
               <a:spcAft>
                 <a:spcPts val="0"/>
@@ -2315,9 +1905,9 @@
               <a:buChar char="■"/>
               <a:defRPr/>
             </a:lvl3pPr>
-            <a:lvl4pPr marL="1828800" lvl="3" indent="-317500">
+            <a:lvl4pPr marL="2438339" lvl="3" indent="-423323">
               <a:spcBef>
-                <a:spcPts val="1600"/>
+                <a:spcPts val="2133"/>
               </a:spcBef>
               <a:spcAft>
                 <a:spcPts val="0"/>
@@ -2326,9 +1916,9 @@
               <a:buChar char="●"/>
               <a:defRPr/>
             </a:lvl4pPr>
-            <a:lvl5pPr marL="2286000" lvl="4" indent="-317500">
+            <a:lvl5pPr marL="3047924" lvl="4" indent="-423323">
               <a:spcBef>
-                <a:spcPts val="1600"/>
+                <a:spcPts val="2133"/>
               </a:spcBef>
               <a:spcAft>
                 <a:spcPts val="0"/>
@@ -2337,9 +1927,9 @@
               <a:buChar char="○"/>
               <a:defRPr/>
             </a:lvl5pPr>
-            <a:lvl6pPr marL="2743200" lvl="5" indent="-317500">
+            <a:lvl6pPr marL="3657509" lvl="5" indent="-423323">
               <a:spcBef>
-                <a:spcPts val="1600"/>
+                <a:spcPts val="2133"/>
               </a:spcBef>
               <a:spcAft>
                 <a:spcPts val="0"/>
@@ -2348,9 +1938,9 @@
               <a:buChar char="■"/>
               <a:defRPr/>
             </a:lvl6pPr>
-            <a:lvl7pPr marL="3200400" lvl="6" indent="-317500">
+            <a:lvl7pPr marL="4267093" lvl="6" indent="-423323">
               <a:spcBef>
-                <a:spcPts val="1600"/>
+                <a:spcPts val="2133"/>
               </a:spcBef>
               <a:spcAft>
                 <a:spcPts val="0"/>
@@ -2359,9 +1949,9 @@
               <a:buChar char="●"/>
               <a:defRPr/>
             </a:lvl7pPr>
-            <a:lvl8pPr marL="3657600" lvl="7" indent="-317500">
+            <a:lvl8pPr marL="4876678" lvl="7" indent="-423323">
               <a:spcBef>
-                <a:spcPts val="1600"/>
+                <a:spcPts val="2133"/>
               </a:spcBef>
               <a:spcAft>
                 <a:spcPts val="0"/>
@@ -2370,12 +1960,12 @@
               <a:buChar char="○"/>
               <a:defRPr/>
             </a:lvl8pPr>
-            <a:lvl9pPr marL="4114800" lvl="8" indent="-317500">
+            <a:lvl9pPr marL="5486263" lvl="8" indent="-423323">
               <a:spcBef>
-                <a:spcPts val="1600"/>
+                <a:spcPts val="2133"/>
               </a:spcBef>
               <a:spcAft>
-                <a:spcPts val="1600"/>
+                <a:spcPts val="2133"/>
               </a:spcAft>
               <a:buSzPts val="1400"/>
               <a:buChar char="■"/>
@@ -2399,8 +1989,8 @@
         </p:nvSpPr>
         <p:spPr>
           <a:xfrm>
-            <a:off x="8472458" y="4663217"/>
-            <a:ext cx="548700" cy="393600"/>
+            <a:off x="11296611" y="6217623"/>
+            <a:ext cx="731600" cy="524800"/>
           </a:xfrm>
           <a:prstGeom prst="rect">
             <a:avLst/>
@@ -2449,27 +2039,19 @@
             </a:lvl9pPr>
           </a:lstStyle>
           <a:p>
-            <a:pPr marL="0" lvl="0" indent="0" algn="r" rtl="0">
-              <a:spcBef>
-                <a:spcPts val="0"/>
-              </a:spcBef>
-              <a:spcAft>
-                <a:spcPts val="0"/>
-              </a:spcAft>
-              <a:buNone/>
-            </a:pPr>
             <a:fld id="{00000000-1234-1234-1234-123412341234}" type="slidenum">
-              <a:rPr lang="en"/>
+              <a:rPr lang="en" smtClean="0"/>
+              <a:pPr/>
               <a:t>‹#›</a:t>
             </a:fld>
-            <a:endParaRPr/>
+            <a:endParaRPr lang="en"/>
           </a:p>
         </p:txBody>
       </p:sp>
     </p:spTree>
     <p:extLst>
       <p:ext uri="{BB962C8B-B14F-4D97-AF65-F5344CB8AC3E}">
-        <p14:creationId xmlns:p14="http://schemas.microsoft.com/office/powerpoint/2010/main" val="4024468175"/>
+        <p14:creationId xmlns:p14="http://schemas.microsoft.com/office/powerpoint/2010/main" val="1226839425"/>
       </p:ext>
     </p:extLst>
   </p:cSld>
@@ -2590,11 +2172,11 @@
           <a:bodyPr/>
           <a:lstStyle/>
           <a:p>
-            <a:fld id="{528FC5F6-F338-4AE4-BB23-26385BCFC423}" type="datetimeFigureOut">
-              <a:rPr lang="en-US" dirty="0"/>
-              <a:t>7/22/2019</a:t>
+            <a:fld id="{809CEF2D-C839-41A0-817E-03595D1CB546}" type="datetimeFigureOut">
+              <a:rPr lang="en-US" smtClean="0"/>
+              <a:t>7/25/2019</a:t>
             </a:fld>
-            <a:endParaRPr lang="en-US" dirty="0"/>
+            <a:endParaRPr lang="en-US"/>
           </a:p>
         </p:txBody>
       </p:sp>
@@ -2613,7 +2195,7 @@
           <a:bodyPr/>
           <a:lstStyle/>
           <a:p>
-            <a:endParaRPr lang="en-US" dirty="0"/>
+            <a:endParaRPr lang="en-US"/>
           </a:p>
         </p:txBody>
       </p:sp>
@@ -2632,34 +2214,24 @@
           <a:bodyPr/>
           <a:lstStyle/>
           <a:p>
-            <a:pPr marL="0" lvl="0" indent="0" algn="r" rtl="0">
-              <a:spcBef>
-                <a:spcPts val="0"/>
-              </a:spcBef>
-              <a:spcAft>
-                <a:spcPts val="0"/>
-              </a:spcAft>
-              <a:buNone/>
-            </a:pPr>
-            <a:fld id="{00000000-1234-1234-1234-123412341234}" type="slidenum">
-              <a:rPr lang="en" smtClean="0"/>
+            <a:fld id="{8F1AC9B5-9543-4447-B896-CFFB2C6D7835}" type="slidenum">
+              <a:rPr lang="en-US" smtClean="0"/>
               <a:t>‹#›</a:t>
             </a:fld>
-            <a:endParaRPr lang="en"/>
+            <a:endParaRPr lang="en-US"/>
           </a:p>
         </p:txBody>
       </p:sp>
     </p:spTree>
     <p:extLst>
       <p:ext uri="{BB962C8B-B14F-4D97-AF65-F5344CB8AC3E}">
-        <p14:creationId xmlns:p14="http://schemas.microsoft.com/office/powerpoint/2010/main" val="4144206424"/>
+        <p14:creationId xmlns:p14="http://schemas.microsoft.com/office/powerpoint/2010/main" val="1753898110"/>
       </p:ext>
     </p:extLst>
   </p:cSld>
   <p:clrMapOvr>
     <a:masterClrMapping/>
   </p:clrMapOvr>
-  <p:hf sldNum="0" hdr="0" ftr="0" dt="0"/>
 </p:sldLayout>
 </file>
 
@@ -2696,8 +2268,8 @@
         </p:nvSpPr>
         <p:spPr>
           <a:xfrm>
-            <a:off x="2382" y="4800600"/>
-            <a:ext cx="9141619" cy="342900"/>
+            <a:off x="3175" y="6400800"/>
+            <a:ext cx="12188825" cy="457200"/>
           </a:xfrm>
           <a:prstGeom prst="rect">
             <a:avLst/>
@@ -2734,8 +2306,8 @@
         </p:nvSpPr>
         <p:spPr>
           <a:xfrm>
-            <a:off x="12" y="4750737"/>
-            <a:ext cx="9141619" cy="48006"/>
+            <a:off x="15" y="6334316"/>
+            <a:ext cx="12188825" cy="64008"/>
           </a:xfrm>
           <a:prstGeom prst="rect">
             <a:avLst/>
@@ -2776,8 +2348,8 @@
         </p:nvSpPr>
         <p:spPr>
           <a:xfrm>
-            <a:off x="822960" y="569214"/>
-            <a:ext cx="7543800" cy="2674620"/>
+            <a:off x="1097280" y="758952"/>
+            <a:ext cx="10058400" cy="3566160"/>
           </a:xfrm>
         </p:spPr>
         <p:txBody>
@@ -2789,7 +2361,7 @@
               <a:lnSpc>
                 <a:spcPct val="85000"/>
               </a:lnSpc>
-              <a:defRPr sz="6000" b="0">
+              <a:defRPr sz="8000" b="0">
                 <a:solidFill>
                   <a:schemeClr val="tx1">
                     <a:lumMod val="85000"/>
@@ -2820,8 +2392,8 @@
         </p:nvSpPr>
         <p:spPr>
           <a:xfrm>
-            <a:off x="822960" y="3339846"/>
-            <a:ext cx="7543800" cy="857250"/>
+            <a:off x="1097280" y="4453128"/>
+            <a:ext cx="10058400" cy="1143000"/>
           </a:xfrm>
         </p:spPr>
         <p:txBody>
@@ -2831,16 +2403,16 @@
           <a:lstStyle>
             <a:lvl1pPr marL="0" indent="0">
               <a:buNone/>
-              <a:defRPr sz="1800" cap="all" spc="150" baseline="0">
+              <a:defRPr sz="2400" cap="all" spc="200" baseline="0">
                 <a:solidFill>
                   <a:schemeClr val="tx2"/>
                 </a:solidFill>
                 <a:latin typeface="+mj-lt"/>
               </a:defRPr>
             </a:lvl1pPr>
-            <a:lvl2pPr marL="342900" indent="0">
-              <a:buNone/>
-              <a:defRPr sz="1350">
+            <a:lvl2pPr marL="457200" indent="0">
+              <a:buNone/>
+              <a:defRPr sz="1800">
                 <a:solidFill>
                   <a:schemeClr val="tx1">
                     <a:tint val="75000"/>
@@ -2848,9 +2420,9 @@
                 </a:solidFill>
               </a:defRPr>
             </a:lvl2pPr>
-            <a:lvl3pPr marL="685800" indent="0">
-              <a:buNone/>
-              <a:defRPr sz="1200">
+            <a:lvl3pPr marL="914400" indent="0">
+              <a:buNone/>
+              <a:defRPr sz="1600">
                 <a:solidFill>
                   <a:schemeClr val="tx1">
                     <a:tint val="75000"/>
@@ -2858,9 +2430,9 @@
                 </a:solidFill>
               </a:defRPr>
             </a:lvl3pPr>
-            <a:lvl4pPr marL="1028700" indent="0">
-              <a:buNone/>
-              <a:defRPr sz="1050">
+            <a:lvl4pPr marL="1371600" indent="0">
+              <a:buNone/>
+              <a:defRPr sz="1400">
                 <a:solidFill>
                   <a:schemeClr val="tx1">
                     <a:tint val="75000"/>
@@ -2868,9 +2440,9 @@
                 </a:solidFill>
               </a:defRPr>
             </a:lvl4pPr>
-            <a:lvl5pPr marL="1371600" indent="0">
-              <a:buNone/>
-              <a:defRPr sz="1050">
+            <a:lvl5pPr marL="1828800" indent="0">
+              <a:buNone/>
+              <a:defRPr sz="1400">
                 <a:solidFill>
                   <a:schemeClr val="tx1">
                     <a:tint val="75000"/>
@@ -2878,9 +2450,9 @@
                 </a:solidFill>
               </a:defRPr>
             </a:lvl5pPr>
-            <a:lvl6pPr marL="1714500" indent="0">
-              <a:buNone/>
-              <a:defRPr sz="1050">
+            <a:lvl6pPr marL="2286000" indent="0">
+              <a:buNone/>
+              <a:defRPr sz="1400">
                 <a:solidFill>
                   <a:schemeClr val="tx1">
                     <a:tint val="75000"/>
@@ -2888,9 +2460,9 @@
                 </a:solidFill>
               </a:defRPr>
             </a:lvl6pPr>
-            <a:lvl7pPr marL="2057400" indent="0">
-              <a:buNone/>
-              <a:defRPr sz="1050">
+            <a:lvl7pPr marL="2743200" indent="0">
+              <a:buNone/>
+              <a:defRPr sz="1400">
                 <a:solidFill>
                   <a:schemeClr val="tx1">
                     <a:tint val="75000"/>
@@ -2898,9 +2470,9 @@
                 </a:solidFill>
               </a:defRPr>
             </a:lvl7pPr>
-            <a:lvl8pPr marL="2400300" indent="0">
-              <a:buNone/>
-              <a:defRPr sz="1050">
+            <a:lvl8pPr marL="3200400" indent="0">
+              <a:buNone/>
+              <a:defRPr sz="1400">
                 <a:solidFill>
                   <a:schemeClr val="tx1">
                     <a:tint val="75000"/>
@@ -2908,9 +2480,9 @@
                 </a:solidFill>
               </a:defRPr>
             </a:lvl8pPr>
-            <a:lvl9pPr marL="2743200" indent="0">
-              <a:buNone/>
-              <a:defRPr sz="1050">
+            <a:lvl9pPr marL="3657600" indent="0">
+              <a:buNone/>
+              <a:defRPr sz="1400">
                 <a:solidFill>
                   <a:schemeClr val="tx1">
                     <a:tint val="75000"/>
@@ -2943,11 +2515,11 @@
           <a:bodyPr/>
           <a:lstStyle/>
           <a:p>
-            <a:fld id="{20EBB0C4-6273-4C6E-B9BD-2EDC30F1CD52}" type="datetimeFigureOut">
-              <a:rPr lang="en-US" dirty="0"/>
-              <a:t>7/22/2019</a:t>
+            <a:fld id="{809CEF2D-C839-41A0-817E-03595D1CB546}" type="datetimeFigureOut">
+              <a:rPr lang="en-US" smtClean="0"/>
+              <a:t>7/25/2019</a:t>
             </a:fld>
-            <a:endParaRPr lang="en-US" dirty="0"/>
+            <a:endParaRPr lang="en-US"/>
           </a:p>
         </p:txBody>
       </p:sp>
@@ -2966,7 +2538,7 @@
           <a:bodyPr/>
           <a:lstStyle/>
           <a:p>
-            <a:endParaRPr lang="en-US" dirty="0"/>
+            <a:endParaRPr lang="en-US"/>
           </a:p>
         </p:txBody>
       </p:sp>
@@ -2985,20 +2557,11 @@
           <a:bodyPr/>
           <a:lstStyle/>
           <a:p>
-            <a:pPr marL="0" lvl="0" indent="0" algn="r" rtl="0">
-              <a:spcBef>
-                <a:spcPts val="0"/>
-              </a:spcBef>
-              <a:spcAft>
-                <a:spcPts val="0"/>
-              </a:spcAft>
-              <a:buNone/>
-            </a:pPr>
-            <a:fld id="{00000000-1234-1234-1234-123412341234}" type="slidenum">
-              <a:rPr lang="en" smtClean="0"/>
+            <a:fld id="{8F1AC9B5-9543-4447-B896-CFFB2C6D7835}" type="slidenum">
+              <a:rPr lang="en-US" smtClean="0"/>
               <a:t>‹#›</a:t>
             </a:fld>
-            <a:endParaRPr lang="en"/>
+            <a:endParaRPr lang="en-US"/>
           </a:p>
         </p:txBody>
       </p:sp>
@@ -3010,8 +2573,8 @@
         </p:nvCxnSpPr>
         <p:spPr>
           <a:xfrm>
-            <a:off x="905744" y="3257550"/>
-            <a:ext cx="7406640" cy="0"/>
+            <a:off x="1207658" y="4343400"/>
+            <a:ext cx="9875520" cy="0"/>
           </a:xfrm>
           <a:prstGeom prst="line">
             <a:avLst/>
@@ -3043,14 +2606,13 @@
     </p:spTree>
     <p:extLst>
       <p:ext uri="{BB962C8B-B14F-4D97-AF65-F5344CB8AC3E}">
-        <p14:creationId xmlns:p14="http://schemas.microsoft.com/office/powerpoint/2010/main" val="1665266135"/>
+        <p14:creationId xmlns:p14="http://schemas.microsoft.com/office/powerpoint/2010/main" val="1157185136"/>
       </p:ext>
     </p:extLst>
   </p:cSld>
   <p:clrMapOvr>
     <a:masterClrMapping/>
   </p:clrMapOvr>
-  <p:hf sldNum="0" hdr="0" ftr="0" dt="0"/>
 </p:sldLayout>
 </file>
 
@@ -3083,8 +2645,8 @@
         </p:nvSpPr>
         <p:spPr>
           <a:xfrm>
-            <a:off x="822960" y="214953"/>
-            <a:ext cx="7543800" cy="1088068"/>
+            <a:off x="1097280" y="286603"/>
+            <a:ext cx="10058400" cy="1450757"/>
           </a:xfrm>
         </p:spPr>
         <p:txBody>
@@ -3111,8 +2673,8 @@
         </p:nvSpPr>
         <p:spPr>
           <a:xfrm>
-            <a:off x="822959" y="1384301"/>
-            <a:ext cx="3703320" cy="3017520"/>
+            <a:off x="1097279" y="1845734"/>
+            <a:ext cx="4937760" cy="4023360"/>
           </a:xfrm>
         </p:spPr>
         <p:txBody>
@@ -3168,8 +2730,8 @@
         </p:nvSpPr>
         <p:spPr>
           <a:xfrm>
-            <a:off x="4663440" y="1384301"/>
-            <a:ext cx="3703320" cy="3017520"/>
+            <a:off x="6217920" y="1845735"/>
+            <a:ext cx="4937760" cy="4023360"/>
           </a:xfrm>
         </p:spPr>
         <p:txBody>
@@ -3228,11 +2790,11 @@
           <a:bodyPr/>
           <a:lstStyle/>
           <a:p>
-            <a:fld id="{19AB4D41-86C1-4908-B66A-0B50CEB3BF29}" type="datetimeFigureOut">
-              <a:rPr lang="en-US" dirty="0"/>
-              <a:t>7/22/2019</a:t>
+            <a:fld id="{809CEF2D-C839-41A0-817E-03595D1CB546}" type="datetimeFigureOut">
+              <a:rPr lang="en-US" smtClean="0"/>
+              <a:t>7/25/2019</a:t>
             </a:fld>
-            <a:endParaRPr lang="en-US" dirty="0"/>
+            <a:endParaRPr lang="en-US"/>
           </a:p>
         </p:txBody>
       </p:sp>
@@ -3251,7 +2813,7 @@
           <a:bodyPr/>
           <a:lstStyle/>
           <a:p>
-            <a:endParaRPr lang="en-US" dirty="0"/>
+            <a:endParaRPr lang="en-US"/>
           </a:p>
         </p:txBody>
       </p:sp>
@@ -3270,34 +2832,24 @@
           <a:bodyPr/>
           <a:lstStyle/>
           <a:p>
-            <a:pPr marL="0" lvl="0" indent="0" algn="r" rtl="0">
-              <a:spcBef>
-                <a:spcPts val="0"/>
-              </a:spcBef>
-              <a:spcAft>
-                <a:spcPts val="0"/>
-              </a:spcAft>
-              <a:buNone/>
-            </a:pPr>
-            <a:fld id="{00000000-1234-1234-1234-123412341234}" type="slidenum">
-              <a:rPr lang="en" smtClean="0"/>
+            <a:fld id="{8F1AC9B5-9543-4447-B896-CFFB2C6D7835}" type="slidenum">
+              <a:rPr lang="en-US" smtClean="0"/>
               <a:t>‹#›</a:t>
             </a:fld>
-            <a:endParaRPr lang="en"/>
+            <a:endParaRPr lang="en-US"/>
           </a:p>
         </p:txBody>
       </p:sp>
     </p:spTree>
     <p:extLst>
       <p:ext uri="{BB962C8B-B14F-4D97-AF65-F5344CB8AC3E}">
-        <p14:creationId xmlns:p14="http://schemas.microsoft.com/office/powerpoint/2010/main" val="316381665"/>
+        <p14:creationId xmlns:p14="http://schemas.microsoft.com/office/powerpoint/2010/main" val="132313304"/>
       </p:ext>
     </p:extLst>
   </p:cSld>
   <p:clrMapOvr>
     <a:masterClrMapping/>
   </p:clrMapOvr>
-  <p:hf sldNum="0" hdr="0" ftr="0" dt="0"/>
 </p:sldLayout>
 </file>
 
@@ -3330,8 +2882,8 @@
         </p:nvSpPr>
         <p:spPr>
           <a:xfrm>
-            <a:off x="822960" y="214953"/>
-            <a:ext cx="7543800" cy="1088068"/>
+            <a:off x="1097280" y="286603"/>
+            <a:ext cx="10058400" cy="1450757"/>
           </a:xfrm>
         </p:spPr>
         <p:txBody>
@@ -3358,8 +2910,8 @@
         </p:nvSpPr>
         <p:spPr>
           <a:xfrm>
-            <a:off x="822960" y="1384539"/>
-            <a:ext cx="3703320" cy="552212"/>
+            <a:off x="1097280" y="1846052"/>
+            <a:ext cx="4937760" cy="736282"/>
           </a:xfrm>
         </p:spPr>
         <p:txBody>
@@ -3369,43 +2921,43 @@
           <a:lstStyle>
             <a:lvl1pPr marL="0" indent="0">
               <a:buNone/>
-              <a:defRPr sz="1500" b="0" cap="all" baseline="0">
+              <a:defRPr sz="2000" b="0" cap="all" baseline="0">
                 <a:solidFill>
                   <a:schemeClr val="tx2"/>
                 </a:solidFill>
               </a:defRPr>
             </a:lvl1pPr>
-            <a:lvl2pPr marL="342900" indent="0">
-              <a:buNone/>
-              <a:defRPr sz="1500" b="1"/>
+            <a:lvl2pPr marL="457200" indent="0">
+              <a:buNone/>
+              <a:defRPr sz="2000" b="1"/>
             </a:lvl2pPr>
-            <a:lvl3pPr marL="685800" indent="0">
-              <a:buNone/>
-              <a:defRPr sz="1350" b="1"/>
+            <a:lvl3pPr marL="914400" indent="0">
+              <a:buNone/>
+              <a:defRPr sz="1800" b="1"/>
             </a:lvl3pPr>
-            <a:lvl4pPr marL="1028700" indent="0">
-              <a:buNone/>
-              <a:defRPr sz="1200" b="1"/>
+            <a:lvl4pPr marL="1371600" indent="0">
+              <a:buNone/>
+              <a:defRPr sz="1600" b="1"/>
             </a:lvl4pPr>
-            <a:lvl5pPr marL="1371600" indent="0">
-              <a:buNone/>
-              <a:defRPr sz="1200" b="1"/>
+            <a:lvl5pPr marL="1828800" indent="0">
+              <a:buNone/>
+              <a:defRPr sz="1600" b="1"/>
             </a:lvl5pPr>
-            <a:lvl6pPr marL="1714500" indent="0">
-              <a:buNone/>
-              <a:defRPr sz="1200" b="1"/>
+            <a:lvl6pPr marL="2286000" indent="0">
+              <a:buNone/>
+              <a:defRPr sz="1600" b="1"/>
             </a:lvl6pPr>
-            <a:lvl7pPr marL="2057400" indent="0">
-              <a:buNone/>
-              <a:defRPr sz="1200" b="1"/>
+            <a:lvl7pPr marL="2743200" indent="0">
+              <a:buNone/>
+              <a:defRPr sz="1600" b="1"/>
             </a:lvl7pPr>
-            <a:lvl8pPr marL="2400300" indent="0">
-              <a:buNone/>
-              <a:defRPr sz="1200" b="1"/>
+            <a:lvl8pPr marL="3200400" indent="0">
+              <a:buNone/>
+              <a:defRPr sz="1600" b="1"/>
             </a:lvl8pPr>
-            <a:lvl9pPr marL="2743200" indent="0">
-              <a:buNone/>
-              <a:defRPr sz="1200" b="1"/>
+            <a:lvl9pPr marL="3657600" indent="0">
+              <a:buNone/>
+              <a:defRPr sz="1600" b="1"/>
             </a:lvl9pPr>
           </a:lstStyle>
           <a:p>
@@ -3429,8 +2981,8 @@
         </p:nvSpPr>
         <p:spPr>
           <a:xfrm>
-            <a:off x="822960" y="1936751"/>
-            <a:ext cx="3703320" cy="2533650"/>
+            <a:off x="1097280" y="2582334"/>
+            <a:ext cx="4937760" cy="3378200"/>
           </a:xfrm>
         </p:spPr>
         <p:txBody>
@@ -3486,8 +3038,8 @@
         </p:nvSpPr>
         <p:spPr>
           <a:xfrm>
-            <a:off x="4663440" y="1384539"/>
-            <a:ext cx="3703320" cy="552212"/>
+            <a:off x="6217920" y="1846052"/>
+            <a:ext cx="4937760" cy="736282"/>
           </a:xfrm>
         </p:spPr>
         <p:txBody>
@@ -3497,43 +3049,43 @@
           <a:lstStyle>
             <a:lvl1pPr marL="0" indent="0">
               <a:buNone/>
-              <a:defRPr sz="1500" b="0" cap="all" baseline="0">
+              <a:defRPr sz="2000" b="0" cap="all" baseline="0">
                 <a:solidFill>
                   <a:schemeClr val="tx2"/>
                 </a:solidFill>
               </a:defRPr>
             </a:lvl1pPr>
-            <a:lvl2pPr marL="342900" indent="0">
-              <a:buNone/>
-              <a:defRPr sz="1500" b="1"/>
+            <a:lvl2pPr marL="457200" indent="0">
+              <a:buNone/>
+              <a:defRPr sz="2000" b="1"/>
             </a:lvl2pPr>
-            <a:lvl3pPr marL="685800" indent="0">
-              <a:buNone/>
-              <a:defRPr sz="1350" b="1"/>
+            <a:lvl3pPr marL="914400" indent="0">
+              <a:buNone/>
+              <a:defRPr sz="1800" b="1"/>
             </a:lvl3pPr>
-            <a:lvl4pPr marL="1028700" indent="0">
-              <a:buNone/>
-              <a:defRPr sz="1200" b="1"/>
+            <a:lvl4pPr marL="1371600" indent="0">
+              <a:buNone/>
+              <a:defRPr sz="1600" b="1"/>
             </a:lvl4pPr>
-            <a:lvl5pPr marL="1371600" indent="0">
-              <a:buNone/>
-              <a:defRPr sz="1200" b="1"/>
+            <a:lvl5pPr marL="1828800" indent="0">
+              <a:buNone/>
+              <a:defRPr sz="1600" b="1"/>
             </a:lvl5pPr>
-            <a:lvl6pPr marL="1714500" indent="0">
-              <a:buNone/>
-              <a:defRPr sz="1200" b="1"/>
+            <a:lvl6pPr marL="2286000" indent="0">
+              <a:buNone/>
+              <a:defRPr sz="1600" b="1"/>
             </a:lvl6pPr>
-            <a:lvl7pPr marL="2057400" indent="0">
-              <a:buNone/>
-              <a:defRPr sz="1200" b="1"/>
+            <a:lvl7pPr marL="2743200" indent="0">
+              <a:buNone/>
+              <a:defRPr sz="1600" b="1"/>
             </a:lvl7pPr>
-            <a:lvl8pPr marL="2400300" indent="0">
-              <a:buNone/>
-              <a:defRPr sz="1200" b="1"/>
+            <a:lvl8pPr marL="3200400" indent="0">
+              <a:buNone/>
+              <a:defRPr sz="1600" b="1"/>
             </a:lvl8pPr>
-            <a:lvl9pPr marL="2743200" indent="0">
-              <a:buNone/>
-              <a:defRPr sz="1200" b="1"/>
+            <a:lvl9pPr marL="3657600" indent="0">
+              <a:buNone/>
+              <a:defRPr sz="1600" b="1"/>
             </a:lvl9pPr>
           </a:lstStyle>
           <a:p>
@@ -3557,8 +3109,8 @@
         </p:nvSpPr>
         <p:spPr>
           <a:xfrm>
-            <a:off x="4663440" y="1936751"/>
-            <a:ext cx="3703320" cy="2533650"/>
+            <a:off x="6217920" y="2582334"/>
+            <a:ext cx="4937760" cy="3378200"/>
           </a:xfrm>
         </p:spPr>
         <p:txBody>
@@ -3617,11 +3169,11 @@
           <a:bodyPr/>
           <a:lstStyle/>
           <a:p>
-            <a:fld id="{E6426E2C-56C1-4E0D-A793-0088A7FDD37E}" type="datetimeFigureOut">
-              <a:rPr lang="en-US" dirty="0"/>
-              <a:t>7/22/2019</a:t>
+            <a:fld id="{809CEF2D-C839-41A0-817E-03595D1CB546}" type="datetimeFigureOut">
+              <a:rPr lang="en-US" smtClean="0"/>
+              <a:t>7/25/2019</a:t>
             </a:fld>
-            <a:endParaRPr lang="en-US" dirty="0"/>
+            <a:endParaRPr lang="en-US"/>
           </a:p>
         </p:txBody>
       </p:sp>
@@ -3640,7 +3192,7 @@
           <a:bodyPr/>
           <a:lstStyle/>
           <a:p>
-            <a:endParaRPr lang="en-US" dirty="0"/>
+            <a:endParaRPr lang="en-US"/>
           </a:p>
         </p:txBody>
       </p:sp>
@@ -3659,34 +3211,24 @@
           <a:bodyPr/>
           <a:lstStyle/>
           <a:p>
-            <a:pPr marL="0" lvl="0" indent="0" algn="r" rtl="0">
-              <a:spcBef>
-                <a:spcPts val="0"/>
-              </a:spcBef>
-              <a:spcAft>
-                <a:spcPts val="0"/>
-              </a:spcAft>
-              <a:buNone/>
-            </a:pPr>
-            <a:fld id="{00000000-1234-1234-1234-123412341234}" type="slidenum">
-              <a:rPr lang="en" smtClean="0"/>
+            <a:fld id="{8F1AC9B5-9543-4447-B896-CFFB2C6D7835}" type="slidenum">
+              <a:rPr lang="en-US" smtClean="0"/>
               <a:t>‹#›</a:t>
             </a:fld>
-            <a:endParaRPr lang="en"/>
+            <a:endParaRPr lang="en-US"/>
           </a:p>
         </p:txBody>
       </p:sp>
     </p:spTree>
     <p:extLst>
       <p:ext uri="{BB962C8B-B14F-4D97-AF65-F5344CB8AC3E}">
-        <p14:creationId xmlns:p14="http://schemas.microsoft.com/office/powerpoint/2010/main" val="213800899"/>
+        <p14:creationId xmlns:p14="http://schemas.microsoft.com/office/powerpoint/2010/main" val="2545333683"/>
       </p:ext>
     </p:extLst>
   </p:cSld>
   <p:clrMapOvr>
     <a:masterClrMapping/>
   </p:clrMapOvr>
-  <p:hf sldNum="0" hdr="0" ftr="0" dt="0"/>
 </p:sldLayout>
 </file>
 
@@ -3745,11 +3287,11 @@
           <a:bodyPr/>
           <a:lstStyle/>
           <a:p>
-            <a:fld id="{C8C39B41-D8B5-4052-B551-9B5525EAA8B6}" type="datetimeFigureOut">
-              <a:rPr lang="en-US" dirty="0"/>
-              <a:t>7/22/2019</a:t>
+            <a:fld id="{809CEF2D-C839-41A0-817E-03595D1CB546}" type="datetimeFigureOut">
+              <a:rPr lang="en-US" smtClean="0"/>
+              <a:t>7/25/2019</a:t>
             </a:fld>
-            <a:endParaRPr lang="en-US" dirty="0"/>
+            <a:endParaRPr lang="en-US"/>
           </a:p>
         </p:txBody>
       </p:sp>
@@ -3768,7 +3310,7 @@
           <a:bodyPr/>
           <a:lstStyle/>
           <a:p>
-            <a:endParaRPr lang="en-US" dirty="0"/>
+            <a:endParaRPr lang="en-US"/>
           </a:p>
         </p:txBody>
       </p:sp>
@@ -3787,34 +3329,24 @@
           <a:bodyPr/>
           <a:lstStyle/>
           <a:p>
-            <a:pPr marL="0" lvl="0" indent="0" algn="r" rtl="0">
-              <a:spcBef>
-                <a:spcPts val="0"/>
-              </a:spcBef>
-              <a:spcAft>
-                <a:spcPts val="0"/>
-              </a:spcAft>
-              <a:buNone/>
-            </a:pPr>
-            <a:fld id="{00000000-1234-1234-1234-123412341234}" type="slidenum">
-              <a:rPr lang="en" smtClean="0"/>
+            <a:fld id="{8F1AC9B5-9543-4447-B896-CFFB2C6D7835}" type="slidenum">
+              <a:rPr lang="en-US" smtClean="0"/>
               <a:t>‹#›</a:t>
             </a:fld>
-            <a:endParaRPr lang="en"/>
+            <a:endParaRPr lang="en-US"/>
           </a:p>
         </p:txBody>
       </p:sp>
     </p:spTree>
     <p:extLst>
       <p:ext uri="{BB962C8B-B14F-4D97-AF65-F5344CB8AC3E}">
-        <p14:creationId xmlns:p14="http://schemas.microsoft.com/office/powerpoint/2010/main" val="3690300626"/>
+        <p14:creationId xmlns:p14="http://schemas.microsoft.com/office/powerpoint/2010/main" val="3421323615"/>
       </p:ext>
     </p:extLst>
   </p:cSld>
   <p:clrMapOvr>
     <a:masterClrMapping/>
   </p:clrMapOvr>
-  <p:hf sldNum="0" hdr="0" ftr="0" dt="0"/>
 </p:sldLayout>
 </file>
 
@@ -3843,8 +3375,8 @@
         </p:nvSpPr>
         <p:spPr>
           <a:xfrm>
-            <a:off x="2382" y="4800600"/>
-            <a:ext cx="9141619" cy="342900"/>
+            <a:off x="3175" y="6400800"/>
+            <a:ext cx="12188825" cy="457200"/>
           </a:xfrm>
           <a:prstGeom prst="rect">
             <a:avLst/>
@@ -3881,8 +3413,8 @@
         </p:nvSpPr>
         <p:spPr>
           <a:xfrm>
-            <a:off x="12" y="4750737"/>
-            <a:ext cx="9141619" cy="48006"/>
+            <a:off x="15" y="6334316"/>
+            <a:ext cx="12188825" cy="64008"/>
           </a:xfrm>
           <a:prstGeom prst="rect">
             <a:avLst/>
@@ -3926,11 +3458,11 @@
           <a:bodyPr/>
           <a:lstStyle/>
           <a:p>
-            <a:fld id="{4D94136C-8742-45B2-AF27-D93DF72833A9}" type="datetimeFigureOut">
-              <a:rPr lang="en-US" dirty="0"/>
-              <a:t>7/22/2019</a:t>
+            <a:fld id="{809CEF2D-C839-41A0-817E-03595D1CB546}" type="datetimeFigureOut">
+              <a:rPr lang="en-US" smtClean="0"/>
+              <a:t>7/25/2019</a:t>
             </a:fld>
-            <a:endParaRPr lang="en-US" dirty="0"/>
+            <a:endParaRPr lang="en-US"/>
           </a:p>
         </p:txBody>
       </p:sp>
@@ -3957,7 +3489,7 @@
             </a:lvl1pPr>
           </a:lstStyle>
           <a:p>
-            <a:endParaRPr lang="en-US" dirty="0"/>
+            <a:endParaRPr lang="en-US"/>
           </a:p>
         </p:txBody>
       </p:sp>
@@ -3976,27 +3508,18 @@
           <a:bodyPr/>
           <a:lstStyle/>
           <a:p>
-            <a:pPr marL="0" lvl="0" indent="0" algn="r" rtl="0">
-              <a:spcBef>
-                <a:spcPts val="0"/>
-              </a:spcBef>
-              <a:spcAft>
-                <a:spcPts val="0"/>
-              </a:spcAft>
-              <a:buNone/>
-            </a:pPr>
-            <a:fld id="{00000000-1234-1234-1234-123412341234}" type="slidenum">
-              <a:rPr lang="en" smtClean="0"/>
+            <a:fld id="{8F1AC9B5-9543-4447-B896-CFFB2C6D7835}" type="slidenum">
+              <a:rPr lang="en-US" smtClean="0"/>
               <a:t>‹#›</a:t>
             </a:fld>
-            <a:endParaRPr lang="en"/>
+            <a:endParaRPr lang="en-US"/>
           </a:p>
         </p:txBody>
       </p:sp>
     </p:spTree>
     <p:extLst>
       <p:ext uri="{BB962C8B-B14F-4D97-AF65-F5344CB8AC3E}">
-        <p14:creationId xmlns:p14="http://schemas.microsoft.com/office/powerpoint/2010/main" val="2238345668"/>
+        <p14:creationId xmlns:p14="http://schemas.microsoft.com/office/powerpoint/2010/main" val="2479614545"/>
       </p:ext>
     </p:extLst>
   </p:cSld>
@@ -4031,8 +3554,8 @@
         </p:nvSpPr>
         <p:spPr>
           <a:xfrm>
-            <a:off x="13" y="0"/>
-            <a:ext cx="3038093" cy="5143500"/>
+            <a:off x="16" y="0"/>
+            <a:ext cx="4050791" cy="6858000"/>
           </a:xfrm>
           <a:prstGeom prst="rect">
             <a:avLst/>
@@ -4069,8 +3592,8 @@
         </p:nvSpPr>
         <p:spPr>
           <a:xfrm>
-            <a:off x="3030053" y="0"/>
-            <a:ext cx="48006" cy="5143500"/>
+            <a:off x="4040071" y="0"/>
+            <a:ext cx="64008" cy="6858000"/>
           </a:xfrm>
           <a:prstGeom prst="rect">
             <a:avLst/>
@@ -4111,8 +3634,8 @@
         </p:nvSpPr>
         <p:spPr>
           <a:xfrm>
-            <a:off x="342900" y="445769"/>
-            <a:ext cx="2400300" cy="1714500"/>
+            <a:off x="457200" y="594359"/>
+            <a:ext cx="3200400" cy="2286000"/>
           </a:xfrm>
         </p:spPr>
         <p:txBody>
@@ -4121,7 +3644,7 @@
           </a:bodyPr>
           <a:lstStyle>
             <a:lvl1pPr>
-              <a:defRPr sz="2700" b="0">
+              <a:defRPr sz="3600" b="0">
                 <a:solidFill>
                   <a:srgbClr val="FFFFFF"/>
                 </a:solidFill>
@@ -4149,8 +3672,8 @@
         </p:nvSpPr>
         <p:spPr>
           <a:xfrm>
-            <a:off x="3600450" y="548640"/>
-            <a:ext cx="4869180" cy="3943350"/>
+            <a:off x="4800600" y="731520"/>
+            <a:ext cx="6492240" cy="5257800"/>
           </a:xfrm>
         </p:spPr>
         <p:txBody>
@@ -4206,8 +3729,8 @@
         </p:nvSpPr>
         <p:spPr>
           <a:xfrm>
-            <a:off x="342900" y="2194560"/>
-            <a:ext cx="2400300" cy="2534343"/>
+            <a:off x="457200" y="2926080"/>
+            <a:ext cx="3200400" cy="3379124"/>
           </a:xfrm>
         </p:spPr>
         <p:txBody>
@@ -4217,43 +3740,43 @@
           <a:lstStyle>
             <a:lvl1pPr marL="0" indent="0">
               <a:buNone/>
-              <a:defRPr sz="1125">
+              <a:defRPr sz="1500">
                 <a:solidFill>
                   <a:srgbClr val="FFFFFF"/>
                 </a:solidFill>
               </a:defRPr>
             </a:lvl1pPr>
-            <a:lvl2pPr marL="342900" indent="0">
+            <a:lvl2pPr marL="457200" indent="0">
+              <a:buNone/>
+              <a:defRPr sz="1200"/>
+            </a:lvl2pPr>
+            <a:lvl3pPr marL="914400" indent="0">
+              <a:buNone/>
+              <a:defRPr sz="1000"/>
+            </a:lvl3pPr>
+            <a:lvl4pPr marL="1371600" indent="0">
               <a:buNone/>
               <a:defRPr sz="900"/>
-            </a:lvl2pPr>
-            <a:lvl3pPr marL="685800" indent="0">
-              <a:buNone/>
-              <a:defRPr sz="750"/>
-            </a:lvl3pPr>
-            <a:lvl4pPr marL="1028700" indent="0">
-              <a:buNone/>
-              <a:defRPr sz="675"/>
             </a:lvl4pPr>
-            <a:lvl5pPr marL="1371600" indent="0">
-              <a:buNone/>
-              <a:defRPr sz="675"/>
+            <a:lvl5pPr marL="1828800" indent="0">
+              <a:buNone/>
+              <a:defRPr sz="900"/>
             </a:lvl5pPr>
-            <a:lvl6pPr marL="1714500" indent="0">
-              <a:buNone/>
-              <a:defRPr sz="675"/>
+            <a:lvl6pPr marL="2286000" indent="0">
+              <a:buNone/>
+              <a:defRPr sz="900"/>
             </a:lvl6pPr>
-            <a:lvl7pPr marL="2057400" indent="0">
-              <a:buNone/>
-              <a:defRPr sz="675"/>
+            <a:lvl7pPr marL="2743200" indent="0">
+              <a:buNone/>
+              <a:defRPr sz="900"/>
             </a:lvl7pPr>
-            <a:lvl8pPr marL="2400300" indent="0">
-              <a:buNone/>
-              <a:defRPr sz="675"/>
+            <a:lvl8pPr marL="3200400" indent="0">
+              <a:buNone/>
+              <a:defRPr sz="900"/>
             </a:lvl8pPr>
-            <a:lvl9pPr marL="2743200" indent="0">
-              <a:buNone/>
-              <a:defRPr sz="675"/>
+            <a:lvl9pPr marL="3657600" indent="0">
+              <a:buNone/>
+              <a:defRPr sz="900"/>
             </a:lvl9pPr>
           </a:lstStyle>
           <a:p>
@@ -4277,8 +3800,8 @@
         </p:nvSpPr>
         <p:spPr>
           <a:xfrm>
-            <a:off x="349134" y="4844839"/>
-            <a:ext cx="1963883" cy="273844"/>
+            <a:off x="465512" y="6459785"/>
+            <a:ext cx="2618510" cy="365125"/>
           </a:xfrm>
         </p:spPr>
         <p:txBody>
@@ -4289,11 +3812,11 @@
             </a:lvl1pPr>
           </a:lstStyle>
           <a:p>
-            <a:fld id="{32ABBEA6-7C60-4B02-AE87-00D78D8422AF}" type="datetimeFigureOut">
-              <a:rPr lang="en-US" dirty="0"/>
-              <a:t>7/22/2019</a:t>
+            <a:fld id="{809CEF2D-C839-41A0-817E-03595D1CB546}" type="datetimeFigureOut">
+              <a:rPr lang="en-US" smtClean="0"/>
+              <a:t>7/25/2019</a:t>
             </a:fld>
-            <a:endParaRPr lang="en-US" dirty="0"/>
+            <a:endParaRPr lang="en-US"/>
           </a:p>
         </p:txBody>
       </p:sp>
@@ -4309,8 +3832,8 @@
         </p:nvSpPr>
         <p:spPr>
           <a:xfrm>
-            <a:off x="3600450" y="4844839"/>
-            <a:ext cx="3486150" cy="273844"/>
+            <a:off x="4800600" y="6459785"/>
+            <a:ext cx="4648200" cy="365125"/>
           </a:xfrm>
         </p:spPr>
         <p:txBody>
@@ -4325,7 +3848,7 @@
             </a:lvl1pPr>
           </a:lstStyle>
           <a:p>
-            <a:endParaRPr lang="en-US" dirty="0"/>
+            <a:endParaRPr lang="en-US"/>
           </a:p>
         </p:txBody>
       </p:sp>
@@ -4352,34 +3875,24 @@
             </a:lvl1pPr>
           </a:lstStyle>
           <a:p>
-            <a:pPr marL="0" lvl="0" indent="0" algn="r" rtl="0">
-              <a:spcBef>
-                <a:spcPts val="0"/>
-              </a:spcBef>
-              <a:spcAft>
-                <a:spcPts val="0"/>
-              </a:spcAft>
-              <a:buNone/>
-            </a:pPr>
-            <a:fld id="{00000000-1234-1234-1234-123412341234}" type="slidenum">
-              <a:rPr lang="en" smtClean="0"/>
+            <a:fld id="{8F1AC9B5-9543-4447-B896-CFFB2C6D7835}" type="slidenum">
+              <a:rPr lang="en-US" smtClean="0"/>
               <a:t>‹#›</a:t>
             </a:fld>
-            <a:endParaRPr lang="en"/>
+            <a:endParaRPr lang="en-US"/>
           </a:p>
         </p:txBody>
       </p:sp>
     </p:spTree>
     <p:extLst>
       <p:ext uri="{BB962C8B-B14F-4D97-AF65-F5344CB8AC3E}">
-        <p14:creationId xmlns:p14="http://schemas.microsoft.com/office/powerpoint/2010/main" val="1415898673"/>
+        <p14:creationId xmlns:p14="http://schemas.microsoft.com/office/powerpoint/2010/main" val="4009663413"/>
       </p:ext>
     </p:extLst>
   </p:cSld>
   <p:clrMapOvr>
     <a:masterClrMapping/>
   </p:clrMapOvr>
-  <p:hf sldNum="0" hdr="0" ftr="0" dt="0"/>
 </p:sldLayout>
 </file>
 
@@ -4408,8 +3921,8 @@
         </p:nvSpPr>
         <p:spPr>
           <a:xfrm>
-            <a:off x="0" y="3714750"/>
-            <a:ext cx="9141619" cy="1428750"/>
+            <a:off x="0" y="4953000"/>
+            <a:ext cx="12188825" cy="1905000"/>
           </a:xfrm>
           <a:prstGeom prst="rect">
             <a:avLst/>
@@ -4446,8 +3959,8 @@
         </p:nvSpPr>
         <p:spPr>
           <a:xfrm>
-            <a:off x="12" y="3686307"/>
-            <a:ext cx="9141619" cy="48006"/>
+            <a:off x="15" y="4915076"/>
+            <a:ext cx="12188825" cy="64008"/>
           </a:xfrm>
           <a:prstGeom prst="rect">
             <a:avLst/>
@@ -4488,8 +4001,8 @@
         </p:nvSpPr>
         <p:spPr>
           <a:xfrm>
-            <a:off x="822960" y="3806190"/>
-            <a:ext cx="7584948" cy="617220"/>
+            <a:off x="1097280" y="5074920"/>
+            <a:ext cx="10113264" cy="822960"/>
           </a:xfrm>
         </p:spPr>
         <p:txBody>
@@ -4498,7 +4011,7 @@
           </a:bodyPr>
           <a:lstStyle>
             <a:lvl1pPr>
-              <a:defRPr sz="2700" b="0">
+              <a:defRPr sz="3600" b="0">
                 <a:solidFill>
                   <a:srgbClr val="FFFFFF"/>
                 </a:solidFill>
@@ -4526,8 +4039,8 @@
         </p:nvSpPr>
         <p:spPr>
           <a:xfrm>
-            <a:off x="12" y="0"/>
-            <a:ext cx="9143989" cy="3686307"/>
+            <a:off x="15" y="0"/>
+            <a:ext cx="12191985" cy="4915076"/>
           </a:xfrm>
           <a:blipFill>
             <a:blip r:embed="rId2"/>
@@ -4541,43 +4054,43 @@
           <a:lstStyle>
             <a:lvl1pPr marL="0" indent="0">
               <a:buNone/>
-              <a:defRPr sz="2400">
+              <a:defRPr sz="3200">
                 <a:solidFill>
                   <a:schemeClr val="bg1"/>
                 </a:solidFill>
               </a:defRPr>
             </a:lvl1pPr>
-            <a:lvl2pPr marL="342900" indent="0">
-              <a:buNone/>
-              <a:defRPr sz="2100"/>
+            <a:lvl2pPr marL="457200" indent="0">
+              <a:buNone/>
+              <a:defRPr sz="2800"/>
             </a:lvl2pPr>
-            <a:lvl3pPr marL="685800" indent="0">
-              <a:buNone/>
-              <a:defRPr sz="1800"/>
+            <a:lvl3pPr marL="914400" indent="0">
+              <a:buNone/>
+              <a:defRPr sz="2400"/>
             </a:lvl3pPr>
-            <a:lvl4pPr marL="1028700" indent="0">
-              <a:buNone/>
-              <a:defRPr sz="1500"/>
+            <a:lvl4pPr marL="1371600" indent="0">
+              <a:buNone/>
+              <a:defRPr sz="2000"/>
             </a:lvl4pPr>
-            <a:lvl5pPr marL="1371600" indent="0">
-              <a:buNone/>
-              <a:defRPr sz="1500"/>
+            <a:lvl5pPr marL="1828800" indent="0">
+              <a:buNone/>
+              <a:defRPr sz="2000"/>
             </a:lvl5pPr>
-            <a:lvl6pPr marL="1714500" indent="0">
-              <a:buNone/>
-              <a:defRPr sz="1500"/>
+            <a:lvl6pPr marL="2286000" indent="0">
+              <a:buNone/>
+              <a:defRPr sz="2000"/>
             </a:lvl6pPr>
-            <a:lvl7pPr marL="2057400" indent="0">
-              <a:buNone/>
-              <a:defRPr sz="1500"/>
+            <a:lvl7pPr marL="2743200" indent="0">
+              <a:buNone/>
+              <a:defRPr sz="2000"/>
             </a:lvl7pPr>
-            <a:lvl8pPr marL="2400300" indent="0">
-              <a:buNone/>
-              <a:defRPr sz="1500"/>
+            <a:lvl8pPr marL="3200400" indent="0">
+              <a:buNone/>
+              <a:defRPr sz="2000"/>
             </a:lvl8pPr>
-            <a:lvl9pPr marL="2743200" indent="0">
-              <a:buNone/>
-              <a:defRPr sz="1500"/>
+            <a:lvl9pPr marL="3657600" indent="0">
+              <a:buNone/>
+              <a:defRPr sz="2000"/>
             </a:lvl9pPr>
           </a:lstStyle>
           <a:p>
@@ -4601,8 +4114,8 @@
         </p:nvSpPr>
         <p:spPr>
           <a:xfrm>
-            <a:off x="822960" y="4430267"/>
-            <a:ext cx="7584948" cy="445770"/>
+            <a:off x="1097280" y="5907023"/>
+            <a:ext cx="10113264" cy="594360"/>
           </a:xfrm>
         </p:spPr>
         <p:txBody>
@@ -4615,46 +4128,46 @@
                 <a:spcPts val="0"/>
               </a:spcBef>
               <a:spcAft>
-                <a:spcPts val="450"/>
+                <a:spcPts val="600"/>
               </a:spcAft>
               <a:buNone/>
-              <a:defRPr sz="1125">
+              <a:defRPr sz="1500">
                 <a:solidFill>
                   <a:srgbClr val="FFFFFF"/>
                 </a:solidFill>
               </a:defRPr>
             </a:lvl1pPr>
-            <a:lvl2pPr marL="342900" indent="0">
+            <a:lvl2pPr marL="457200" indent="0">
+              <a:buNone/>
+              <a:defRPr sz="1200"/>
+            </a:lvl2pPr>
+            <a:lvl3pPr marL="914400" indent="0">
+              <a:buNone/>
+              <a:defRPr sz="1000"/>
+            </a:lvl3pPr>
+            <a:lvl4pPr marL="1371600" indent="0">
               <a:buNone/>
               <a:defRPr sz="900"/>
-            </a:lvl2pPr>
-            <a:lvl3pPr marL="685800" indent="0">
-              <a:buNone/>
-              <a:defRPr sz="750"/>
-            </a:lvl3pPr>
-            <a:lvl4pPr marL="1028700" indent="0">
-              <a:buNone/>
-              <a:defRPr sz="675"/>
             </a:lvl4pPr>
-            <a:lvl5pPr marL="1371600" indent="0">
-              <a:buNone/>
-              <a:defRPr sz="675"/>
+            <a:lvl5pPr marL="1828800" indent="0">
+              <a:buNone/>
+              <a:defRPr sz="900"/>
             </a:lvl5pPr>
-            <a:lvl6pPr marL="1714500" indent="0">
-              <a:buNone/>
-              <a:defRPr sz="675"/>
+            <a:lvl6pPr marL="2286000" indent="0">
+              <a:buNone/>
+              <a:defRPr sz="900"/>
             </a:lvl6pPr>
-            <a:lvl7pPr marL="2057400" indent="0">
-              <a:buNone/>
-              <a:defRPr sz="675"/>
+            <a:lvl7pPr marL="2743200" indent="0">
+              <a:buNone/>
+              <a:defRPr sz="900"/>
             </a:lvl7pPr>
-            <a:lvl8pPr marL="2400300" indent="0">
-              <a:buNone/>
-              <a:defRPr sz="675"/>
+            <a:lvl8pPr marL="3200400" indent="0">
+              <a:buNone/>
+              <a:defRPr sz="900"/>
             </a:lvl8pPr>
-            <a:lvl9pPr marL="2743200" indent="0">
-              <a:buNone/>
-              <a:defRPr sz="675"/>
+            <a:lvl9pPr marL="3657600" indent="0">
+              <a:buNone/>
+              <a:defRPr sz="900"/>
             </a:lvl9pPr>
           </a:lstStyle>
           <a:p>
@@ -4681,11 +4194,11 @@
           <a:bodyPr/>
           <a:lstStyle/>
           <a:p>
-            <a:fld id="{C9CAD897-D46E-4AD2-BD9B-49DD3E640873}" type="datetimeFigureOut">
-              <a:rPr lang="en-US" dirty="0"/>
-              <a:t>7/22/2019</a:t>
+            <a:fld id="{809CEF2D-C839-41A0-817E-03595D1CB546}" type="datetimeFigureOut">
+              <a:rPr lang="en-US" smtClean="0"/>
+              <a:t>7/25/2019</a:t>
             </a:fld>
-            <a:endParaRPr lang="en-US" dirty="0"/>
+            <a:endParaRPr lang="en-US"/>
           </a:p>
         </p:txBody>
       </p:sp>
@@ -4704,7 +4217,7 @@
           <a:bodyPr/>
           <a:lstStyle/>
           <a:p>
-            <a:endParaRPr lang="en-US" dirty="0"/>
+            <a:endParaRPr lang="en-US"/>
           </a:p>
         </p:txBody>
       </p:sp>
@@ -4723,34 +4236,24 @@
           <a:bodyPr/>
           <a:lstStyle/>
           <a:p>
-            <a:pPr marL="0" lvl="0" indent="0" algn="r" rtl="0">
-              <a:spcBef>
-                <a:spcPts val="0"/>
-              </a:spcBef>
-              <a:spcAft>
-                <a:spcPts val="0"/>
-              </a:spcAft>
-              <a:buNone/>
-            </a:pPr>
-            <a:fld id="{00000000-1234-1234-1234-123412341234}" type="slidenum">
-              <a:rPr lang="en" smtClean="0"/>
+            <a:fld id="{8F1AC9B5-9543-4447-B896-CFFB2C6D7835}" type="slidenum">
+              <a:rPr lang="en-US" smtClean="0"/>
               <a:t>‹#›</a:t>
             </a:fld>
-            <a:endParaRPr lang="en"/>
+            <a:endParaRPr lang="en-US"/>
           </a:p>
         </p:txBody>
       </p:sp>
     </p:spTree>
     <p:extLst>
       <p:ext uri="{BB962C8B-B14F-4D97-AF65-F5344CB8AC3E}">
-        <p14:creationId xmlns:p14="http://schemas.microsoft.com/office/powerpoint/2010/main" val="210072282"/>
+        <p14:creationId xmlns:p14="http://schemas.microsoft.com/office/powerpoint/2010/main" val="3568296279"/>
       </p:ext>
     </p:extLst>
   </p:cSld>
   <p:clrMapOvr>
     <a:masterClrMapping/>
   </p:clrMapOvr>
-  <p:hf sldNum="0" hdr="0" ftr="0" dt="0"/>
 </p:sldLayout>
 </file>
 
@@ -4784,8 +4287,8 @@
         </p:nvSpPr>
         <p:spPr>
           <a:xfrm>
-            <a:off x="1" y="4800600"/>
-            <a:ext cx="9144000" cy="342900"/>
+            <a:off x="1" y="6400800"/>
+            <a:ext cx="12192000" cy="457200"/>
           </a:xfrm>
           <a:prstGeom prst="rect">
             <a:avLst/>
@@ -4822,8 +4325,8 @@
         </p:nvSpPr>
         <p:spPr>
           <a:xfrm>
-            <a:off x="0" y="4750737"/>
-            <a:ext cx="9144001" cy="49499"/>
+            <a:off x="0" y="6334316"/>
+            <a:ext cx="12192001" cy="65998"/>
           </a:xfrm>
           <a:prstGeom prst="rect">
             <a:avLst/>
@@ -4864,8 +4367,8 @@
         </p:nvSpPr>
         <p:spPr>
           <a:xfrm>
-            <a:off x="822960" y="214953"/>
-            <a:ext cx="7543800" cy="1088068"/>
+            <a:off x="1097280" y="286603"/>
+            <a:ext cx="10058400" cy="1450757"/>
           </a:xfrm>
           <a:prstGeom prst="rect">
             <a:avLst/>
@@ -4897,8 +4400,8 @@
         </p:nvSpPr>
         <p:spPr>
           <a:xfrm>
-            <a:off x="822960" y="1384301"/>
-            <a:ext cx="7543800" cy="3017520"/>
+            <a:off x="1097280" y="1845734"/>
+            <a:ext cx="10058400" cy="4023360"/>
           </a:xfrm>
           <a:prstGeom prst="rect">
             <a:avLst/>
@@ -4959,8 +4462,8 @@
         </p:nvSpPr>
         <p:spPr>
           <a:xfrm>
-            <a:off x="822961" y="4844839"/>
-            <a:ext cx="1854203" cy="273844"/>
+            <a:off x="1097280" y="6459785"/>
+            <a:ext cx="2472271" cy="365125"/>
           </a:xfrm>
           <a:prstGeom prst="rect">
             <a:avLst/>
@@ -4970,7 +4473,7 @@
           <a:bodyPr vert="horz" lIns="91440" tIns="45720" rIns="91440" bIns="45720" rtlCol="0" anchor="ctr"/>
           <a:lstStyle>
             <a:lvl1pPr algn="l">
-              <a:defRPr sz="675">
+              <a:defRPr sz="900">
                 <a:solidFill>
                   <a:srgbClr val="FFFFFF"/>
                 </a:solidFill>
@@ -4978,11 +4481,11 @@
             </a:lvl1pPr>
           </a:lstStyle>
           <a:p>
-            <a:fld id="{98624D31-43A5-475A-80CF-332C9F6DCF35}" type="datetimeFigureOut">
-              <a:rPr lang="en-US" dirty="0"/>
-              <a:t>7/22/2019</a:t>
+            <a:fld id="{809CEF2D-C839-41A0-817E-03595D1CB546}" type="datetimeFigureOut">
+              <a:rPr lang="en-US" smtClean="0"/>
+              <a:t>7/25/2019</a:t>
             </a:fld>
-            <a:endParaRPr lang="en-US" dirty="0"/>
+            <a:endParaRPr lang="en-US"/>
           </a:p>
         </p:txBody>
       </p:sp>
@@ -4998,8 +4501,8 @@
         </p:nvSpPr>
         <p:spPr>
           <a:xfrm>
-            <a:off x="2764639" y="4844839"/>
-            <a:ext cx="3617103" cy="273844"/>
+            <a:off x="3686185" y="6459785"/>
+            <a:ext cx="4822804" cy="365125"/>
           </a:xfrm>
           <a:prstGeom prst="rect">
             <a:avLst/>
@@ -5009,7 +4512,7 @@
           <a:bodyPr vert="horz" lIns="91440" tIns="45720" rIns="91440" bIns="45720" rtlCol="0" anchor="ctr"/>
           <a:lstStyle>
             <a:lvl1pPr algn="ctr">
-              <a:defRPr sz="675" cap="all" baseline="0">
+              <a:defRPr sz="900" cap="all" baseline="0">
                 <a:solidFill>
                   <a:srgbClr val="FFFFFF"/>
                 </a:solidFill>
@@ -5017,7 +4520,7 @@
             </a:lvl1pPr>
           </a:lstStyle>
           <a:p>
-            <a:endParaRPr lang="en-US" dirty="0"/>
+            <a:endParaRPr lang="en-US"/>
           </a:p>
         </p:txBody>
       </p:sp>
@@ -5033,8 +4536,8 @@
         </p:nvSpPr>
         <p:spPr>
           <a:xfrm>
-            <a:off x="7425344" y="4844839"/>
-            <a:ext cx="984019" cy="273844"/>
+            <a:off x="9900458" y="6459785"/>
+            <a:ext cx="1312025" cy="365125"/>
           </a:xfrm>
           <a:prstGeom prst="rect">
             <a:avLst/>
@@ -5044,7 +4547,7 @@
           <a:bodyPr vert="horz" lIns="91440" tIns="45720" rIns="91440" bIns="45720" rtlCol="0" anchor="ctr"/>
           <a:lstStyle>
             <a:lvl1pPr algn="r">
-              <a:defRPr sz="788">
+              <a:defRPr sz="1050">
                 <a:solidFill>
                   <a:srgbClr val="FFFFFF"/>
                 </a:solidFill>
@@ -5052,20 +4555,11 @@
             </a:lvl1pPr>
           </a:lstStyle>
           <a:p>
-            <a:pPr marL="0" lvl="0" indent="0" algn="r" rtl="0">
-              <a:spcBef>
-                <a:spcPts val="0"/>
-              </a:spcBef>
-              <a:spcAft>
-                <a:spcPts val="0"/>
-              </a:spcAft>
-              <a:buNone/>
-            </a:pPr>
-            <a:fld id="{00000000-1234-1234-1234-123412341234}" type="slidenum">
-              <a:rPr lang="en" smtClean="0"/>
+            <a:fld id="{8F1AC9B5-9543-4447-B896-CFFB2C6D7835}" type="slidenum">
+              <a:rPr lang="en-US" smtClean="0"/>
               <a:t>‹#›</a:t>
             </a:fld>
-            <a:endParaRPr lang="en"/>
+            <a:endParaRPr lang="en-US"/>
           </a:p>
         </p:txBody>
       </p:sp>
@@ -5077,8 +4571,8 @@
         </p:nvCxnSpPr>
         <p:spPr>
           <a:xfrm>
-            <a:off x="895149" y="1303384"/>
-            <a:ext cx="7475220" cy="0"/>
+            <a:off x="1193532" y="1737845"/>
+            <a:ext cx="9966960" cy="0"/>
           </a:xfrm>
           <a:prstGeom prst="line">
             <a:avLst/>
@@ -5110,7 +4604,7 @@
     </p:spTree>
     <p:extLst>
       <p:ext uri="{BB962C8B-B14F-4D97-AF65-F5344CB8AC3E}">
-        <p14:creationId xmlns:p14="http://schemas.microsoft.com/office/powerpoint/2010/main" val="934311237"/>
+        <p14:creationId xmlns:p14="http://schemas.microsoft.com/office/powerpoint/2010/main" val="1181836964"/>
       </p:ext>
     </p:extLst>
   </p:cSld>
@@ -5129,10 +4623,9 @@
     <p:sldLayoutId id="2147483671" r:id="rId11"/>
     <p:sldLayoutId id="2147483672" r:id="rId12"/>
   </p:sldLayoutIdLst>
-  <p:hf sldNum="0" hdr="0" ftr="0" dt="0"/>
   <p:txStyles>
     <p:titleStyle>
-      <a:lvl1pPr algn="l" defTabSz="685800" rtl="0" eaLnBrk="1" latinLnBrk="0" hangingPunct="1">
+      <a:lvl1pPr algn="l" defTabSz="914400" rtl="0" eaLnBrk="1" latinLnBrk="0" hangingPunct="1">
         <a:lnSpc>
           <a:spcPct val="85000"/>
         </a:lnSpc>
@@ -5140,7 +4633,7 @@
           <a:spcPct val="0"/>
         </a:spcBef>
         <a:buNone/>
-        <a:defRPr sz="3600" kern="1200" spc="-38" baseline="0">
+        <a:defRPr sz="4800" kern="1200" spc="-50" baseline="0">
           <a:solidFill>
             <a:schemeClr val="tx1">
               <a:lumMod val="75000"/>
@@ -5154,15 +4647,15 @@
       </a:lvl1pPr>
     </p:titleStyle>
     <p:bodyStyle>
-      <a:lvl1pPr marL="68580" indent="-68580" algn="l" defTabSz="685800" rtl="0" eaLnBrk="1" latinLnBrk="0" hangingPunct="1">
+      <a:lvl1pPr marL="91440" indent="-91440" algn="l" defTabSz="914400" rtl="0" eaLnBrk="1" latinLnBrk="0" hangingPunct="1">
         <a:lnSpc>
           <a:spcPct val="90000"/>
         </a:lnSpc>
         <a:spcBef>
-          <a:spcPts val="900"/>
+          <a:spcPts val="1200"/>
         </a:spcBef>
         <a:spcAft>
-          <a:spcPts val="150"/>
+          <a:spcPts val="200"/>
         </a:spcAft>
         <a:buClr>
           <a:schemeClr val="accent1"/>
@@ -5170,7 +4663,7 @@
         <a:buSzPct val="100000"/>
         <a:buFont typeface="Calibri" panose="020F0502020204030204" pitchFamily="34" charset="0"/>
         <a:buChar char=" "/>
-        <a:defRPr sz="1500" kern="1200">
+        <a:defRPr sz="2000" kern="1200">
           <a:solidFill>
             <a:schemeClr val="tx1">
               <a:lumMod val="75000"/>
@@ -5182,22 +4675,22 @@
           <a:cs typeface="+mn-cs"/>
         </a:defRPr>
       </a:lvl1pPr>
-      <a:lvl2pPr marL="288036" indent="-137160" algn="l" defTabSz="685800" rtl="0" eaLnBrk="1" latinLnBrk="0" hangingPunct="1">
+      <a:lvl2pPr marL="384048" indent="-182880" algn="l" defTabSz="914400" rtl="0" eaLnBrk="1" latinLnBrk="0" hangingPunct="1">
         <a:lnSpc>
           <a:spcPct val="90000"/>
         </a:lnSpc>
         <a:spcBef>
-          <a:spcPts val="150"/>
+          <a:spcPts val="200"/>
         </a:spcBef>
         <a:spcAft>
-          <a:spcPts val="300"/>
+          <a:spcPts val="400"/>
         </a:spcAft>
         <a:buClr>
           <a:schemeClr val="accent1"/>
         </a:buClr>
         <a:buFont typeface="Calibri" pitchFamily="34" charset="0"/>
         <a:buChar char="◦"/>
-        <a:defRPr sz="1350" kern="1200">
+        <a:defRPr sz="1800" kern="1200">
           <a:solidFill>
             <a:schemeClr val="tx1">
               <a:lumMod val="75000"/>
@@ -5209,22 +4702,22 @@
           <a:cs typeface="+mn-cs"/>
         </a:defRPr>
       </a:lvl2pPr>
-      <a:lvl3pPr marL="425196" indent="-137160" algn="l" defTabSz="685800" rtl="0" eaLnBrk="1" latinLnBrk="0" hangingPunct="1">
+      <a:lvl3pPr marL="566928" indent="-182880" algn="l" defTabSz="914400" rtl="0" eaLnBrk="1" latinLnBrk="0" hangingPunct="1">
         <a:lnSpc>
           <a:spcPct val="90000"/>
         </a:lnSpc>
         <a:spcBef>
-          <a:spcPts val="150"/>
+          <a:spcPts val="200"/>
         </a:spcBef>
         <a:spcAft>
-          <a:spcPts val="300"/>
+          <a:spcPts val="400"/>
         </a:spcAft>
         <a:buClr>
           <a:schemeClr val="accent1"/>
         </a:buClr>
         <a:buFont typeface="Calibri" pitchFamily="34" charset="0"/>
         <a:buChar char="◦"/>
-        <a:defRPr sz="1050" kern="1200">
+        <a:defRPr sz="1400" kern="1200">
           <a:solidFill>
             <a:schemeClr val="tx1">
               <a:lumMod val="75000"/>
@@ -5236,22 +4729,22 @@
           <a:cs typeface="+mn-cs"/>
         </a:defRPr>
       </a:lvl3pPr>
-      <a:lvl4pPr marL="562356" indent="-137160" algn="l" defTabSz="685800" rtl="0" eaLnBrk="1" latinLnBrk="0" hangingPunct="1">
+      <a:lvl4pPr marL="749808" indent="-182880" algn="l" defTabSz="914400" rtl="0" eaLnBrk="1" latinLnBrk="0" hangingPunct="1">
         <a:lnSpc>
           <a:spcPct val="90000"/>
         </a:lnSpc>
         <a:spcBef>
-          <a:spcPts val="150"/>
+          <a:spcPts val="200"/>
         </a:spcBef>
         <a:spcAft>
-          <a:spcPts val="300"/>
+          <a:spcPts val="400"/>
         </a:spcAft>
         <a:buClr>
           <a:schemeClr val="accent1"/>
         </a:buClr>
         <a:buFont typeface="Calibri" pitchFamily="34" charset="0"/>
         <a:buChar char="◦"/>
-        <a:defRPr sz="1050" kern="1200">
+        <a:defRPr sz="1400" kern="1200">
           <a:solidFill>
             <a:schemeClr val="tx1">
               <a:lumMod val="75000"/>
@@ -5263,22 +4756,22 @@
           <a:cs typeface="+mn-cs"/>
         </a:defRPr>
       </a:lvl4pPr>
-      <a:lvl5pPr marL="699516" indent="-137160" algn="l" defTabSz="685800" rtl="0" eaLnBrk="1" latinLnBrk="0" hangingPunct="1">
+      <a:lvl5pPr marL="932688" indent="-182880" algn="l" defTabSz="914400" rtl="0" eaLnBrk="1" latinLnBrk="0" hangingPunct="1">
         <a:lnSpc>
           <a:spcPct val="90000"/>
         </a:lnSpc>
         <a:spcBef>
-          <a:spcPts val="150"/>
+          <a:spcPts val="200"/>
         </a:spcBef>
         <a:spcAft>
-          <a:spcPts val="300"/>
+          <a:spcPts val="400"/>
         </a:spcAft>
         <a:buClr>
           <a:schemeClr val="accent1"/>
         </a:buClr>
         <a:buFont typeface="Calibri" pitchFamily="34" charset="0"/>
         <a:buChar char="◦"/>
-        <a:defRPr sz="1050" kern="1200">
+        <a:defRPr sz="1400" kern="1200">
           <a:solidFill>
             <a:schemeClr val="tx1">
               <a:lumMod val="75000"/>
@@ -5290,22 +4783,22 @@
           <a:cs typeface="+mn-cs"/>
         </a:defRPr>
       </a:lvl5pPr>
-      <a:lvl6pPr marL="825000" indent="-171450" algn="l" defTabSz="685800" rtl="0" eaLnBrk="1" latinLnBrk="0" hangingPunct="1">
+      <a:lvl6pPr marL="1100000" indent="-228600" algn="l" defTabSz="914400" rtl="0" eaLnBrk="1" latinLnBrk="0" hangingPunct="1">
         <a:lnSpc>
           <a:spcPct val="90000"/>
         </a:lnSpc>
         <a:spcBef>
-          <a:spcPts val="150"/>
+          <a:spcPts val="200"/>
         </a:spcBef>
         <a:spcAft>
-          <a:spcPts val="300"/>
+          <a:spcPts val="400"/>
         </a:spcAft>
         <a:buClr>
           <a:schemeClr val="accent1"/>
         </a:buClr>
         <a:buFont typeface="Calibri" pitchFamily="34" charset="0"/>
         <a:buChar char="◦"/>
-        <a:defRPr sz="1050" kern="1200">
+        <a:defRPr sz="1400" kern="1200">
           <a:solidFill>
             <a:schemeClr val="tx1">
               <a:lumMod val="75000"/>
@@ -5317,22 +4810,22 @@
           <a:cs typeface="+mn-cs"/>
         </a:defRPr>
       </a:lvl6pPr>
-      <a:lvl7pPr marL="975000" indent="-171450" algn="l" defTabSz="685800" rtl="0" eaLnBrk="1" latinLnBrk="0" hangingPunct="1">
+      <a:lvl7pPr marL="1300000" indent="-228600" algn="l" defTabSz="914400" rtl="0" eaLnBrk="1" latinLnBrk="0" hangingPunct="1">
         <a:lnSpc>
           <a:spcPct val="90000"/>
         </a:lnSpc>
         <a:spcBef>
-          <a:spcPts val="150"/>
+          <a:spcPts val="200"/>
         </a:spcBef>
         <a:spcAft>
-          <a:spcPts val="300"/>
+          <a:spcPts val="400"/>
         </a:spcAft>
         <a:buClr>
           <a:schemeClr val="accent1"/>
         </a:buClr>
         <a:buFont typeface="Calibri" pitchFamily="34" charset="0"/>
         <a:buChar char="◦"/>
-        <a:defRPr sz="1050" kern="1200">
+        <a:defRPr sz="1400" kern="1200">
           <a:solidFill>
             <a:schemeClr val="tx1">
               <a:lumMod val="75000"/>
@@ -5344,22 +4837,22 @@
           <a:cs typeface="+mn-cs"/>
         </a:defRPr>
       </a:lvl7pPr>
-      <a:lvl8pPr marL="1125000" indent="-171450" algn="l" defTabSz="685800" rtl="0" eaLnBrk="1" latinLnBrk="0" hangingPunct="1">
+      <a:lvl8pPr marL="1500000" indent="-228600" algn="l" defTabSz="914400" rtl="0" eaLnBrk="1" latinLnBrk="0" hangingPunct="1">
         <a:lnSpc>
           <a:spcPct val="90000"/>
         </a:lnSpc>
         <a:spcBef>
-          <a:spcPts val="150"/>
+          <a:spcPts val="200"/>
         </a:spcBef>
         <a:spcAft>
-          <a:spcPts val="300"/>
+          <a:spcPts val="400"/>
         </a:spcAft>
         <a:buClr>
           <a:schemeClr val="accent1"/>
         </a:buClr>
         <a:buFont typeface="Calibri" pitchFamily="34" charset="0"/>
         <a:buChar char="◦"/>
-        <a:defRPr sz="1050" kern="1200">
+        <a:defRPr sz="1400" kern="1200">
           <a:solidFill>
             <a:schemeClr val="tx1">
               <a:lumMod val="75000"/>
@@ -5371,22 +4864,22 @@
           <a:cs typeface="+mn-cs"/>
         </a:defRPr>
       </a:lvl8pPr>
-      <a:lvl9pPr marL="1275000" indent="-171450" algn="l" defTabSz="685800" rtl="0" eaLnBrk="1" latinLnBrk="0" hangingPunct="1">
+      <a:lvl9pPr marL="1700000" indent="-228600" algn="l" defTabSz="914400" rtl="0" eaLnBrk="1" latinLnBrk="0" hangingPunct="1">
         <a:lnSpc>
           <a:spcPct val="90000"/>
         </a:lnSpc>
         <a:spcBef>
-          <a:spcPts val="150"/>
+          <a:spcPts val="200"/>
         </a:spcBef>
         <a:spcAft>
-          <a:spcPts val="300"/>
+          <a:spcPts val="400"/>
         </a:spcAft>
         <a:buClr>
           <a:schemeClr val="accent1"/>
         </a:buClr>
         <a:buFont typeface="Calibri" pitchFamily="34" charset="0"/>
         <a:buChar char="◦"/>
-        <a:defRPr sz="1050" kern="1200">
+        <a:defRPr sz="1400" kern="1200">
           <a:solidFill>
             <a:schemeClr val="tx1">
               <a:lumMod val="75000"/>
@@ -5403,8 +4896,8 @@
       <a:defPPr>
         <a:defRPr lang="en-US"/>
       </a:defPPr>
-      <a:lvl1pPr marL="0" algn="l" defTabSz="685800" rtl="0" eaLnBrk="1" latinLnBrk="0" hangingPunct="1">
-        <a:defRPr sz="1350" kern="1200">
+      <a:lvl1pPr marL="0" algn="l" defTabSz="914400" rtl="0" eaLnBrk="1" latinLnBrk="0" hangingPunct="1">
+        <a:defRPr sz="1800" kern="1200">
           <a:solidFill>
             <a:schemeClr val="tx1"/>
           </a:solidFill>
@@ -5413,8 +4906,8 @@
           <a:cs typeface="+mn-cs"/>
         </a:defRPr>
       </a:lvl1pPr>
-      <a:lvl2pPr marL="342900" algn="l" defTabSz="685800" rtl="0" eaLnBrk="1" latinLnBrk="0" hangingPunct="1">
-        <a:defRPr sz="1350" kern="1200">
+      <a:lvl2pPr marL="457200" algn="l" defTabSz="914400" rtl="0" eaLnBrk="1" latinLnBrk="0" hangingPunct="1">
+        <a:defRPr sz="1800" kern="1200">
           <a:solidFill>
             <a:schemeClr val="tx1"/>
           </a:solidFill>
@@ -5423,8 +4916,8 @@
           <a:cs typeface="+mn-cs"/>
         </a:defRPr>
       </a:lvl2pPr>
-      <a:lvl3pPr marL="685800" algn="l" defTabSz="685800" rtl="0" eaLnBrk="1" latinLnBrk="0" hangingPunct="1">
-        <a:defRPr sz="1350" kern="1200">
+      <a:lvl3pPr marL="914400" algn="l" defTabSz="914400" rtl="0" eaLnBrk="1" latinLnBrk="0" hangingPunct="1">
+        <a:defRPr sz="1800" kern="1200">
           <a:solidFill>
             <a:schemeClr val="tx1"/>
           </a:solidFill>
@@ -5433,8 +4926,8 @@
           <a:cs typeface="+mn-cs"/>
         </a:defRPr>
       </a:lvl3pPr>
-      <a:lvl4pPr marL="1028700" algn="l" defTabSz="685800" rtl="0" eaLnBrk="1" latinLnBrk="0" hangingPunct="1">
-        <a:defRPr sz="1350" kern="1200">
+      <a:lvl4pPr marL="1371600" algn="l" defTabSz="914400" rtl="0" eaLnBrk="1" latinLnBrk="0" hangingPunct="1">
+        <a:defRPr sz="1800" kern="1200">
           <a:solidFill>
             <a:schemeClr val="tx1"/>
           </a:solidFill>
@@ -5443,8 +4936,8 @@
           <a:cs typeface="+mn-cs"/>
         </a:defRPr>
       </a:lvl4pPr>
-      <a:lvl5pPr marL="1371600" algn="l" defTabSz="685800" rtl="0" eaLnBrk="1" latinLnBrk="0" hangingPunct="1">
-        <a:defRPr sz="1350" kern="1200">
+      <a:lvl5pPr marL="1828800" algn="l" defTabSz="914400" rtl="0" eaLnBrk="1" latinLnBrk="0" hangingPunct="1">
+        <a:defRPr sz="1800" kern="1200">
           <a:solidFill>
             <a:schemeClr val="tx1"/>
           </a:solidFill>
@@ -5453,8 +4946,8 @@
           <a:cs typeface="+mn-cs"/>
         </a:defRPr>
       </a:lvl5pPr>
-      <a:lvl6pPr marL="1714500" algn="l" defTabSz="685800" rtl="0" eaLnBrk="1" latinLnBrk="0" hangingPunct="1">
-        <a:defRPr sz="1350" kern="1200">
+      <a:lvl6pPr marL="2286000" algn="l" defTabSz="914400" rtl="0" eaLnBrk="1" latinLnBrk="0" hangingPunct="1">
+        <a:defRPr sz="1800" kern="1200">
           <a:solidFill>
             <a:schemeClr val="tx1"/>
           </a:solidFill>
@@ -5463,8 +4956,8 @@
           <a:cs typeface="+mn-cs"/>
         </a:defRPr>
       </a:lvl6pPr>
-      <a:lvl7pPr marL="2057400" algn="l" defTabSz="685800" rtl="0" eaLnBrk="1" latinLnBrk="0" hangingPunct="1">
-        <a:defRPr sz="1350" kern="1200">
+      <a:lvl7pPr marL="2743200" algn="l" defTabSz="914400" rtl="0" eaLnBrk="1" latinLnBrk="0" hangingPunct="1">
+        <a:defRPr sz="1800" kern="1200">
           <a:solidFill>
             <a:schemeClr val="tx1"/>
           </a:solidFill>
@@ -5473,8 +4966,8 @@
           <a:cs typeface="+mn-cs"/>
         </a:defRPr>
       </a:lvl7pPr>
-      <a:lvl8pPr marL="2400300" algn="l" defTabSz="685800" rtl="0" eaLnBrk="1" latinLnBrk="0" hangingPunct="1">
-        <a:defRPr sz="1350" kern="1200">
+      <a:lvl8pPr marL="3200400" algn="l" defTabSz="914400" rtl="0" eaLnBrk="1" latinLnBrk="0" hangingPunct="1">
+        <a:defRPr sz="1800" kern="1200">
           <a:solidFill>
             <a:schemeClr val="tx1"/>
           </a:solidFill>
@@ -5483,8 +4976,8 @@
           <a:cs typeface="+mn-cs"/>
         </a:defRPr>
       </a:lvl8pPr>
-      <a:lvl9pPr marL="2743200" algn="l" defTabSz="685800" rtl="0" eaLnBrk="1" latinLnBrk="0" hangingPunct="1">
-        <a:defRPr sz="1350" kern="1200">
+      <a:lvl9pPr marL="3657600" algn="l" defTabSz="914400" rtl="0" eaLnBrk="1" latinLnBrk="0" hangingPunct="1">
+        <a:defRPr sz="1800" kern="1200">
           <a:solidFill>
             <a:schemeClr val="tx1"/>
           </a:solidFill>
@@ -5531,63 +5024,63 @@
           </a:prstGeom>
         </p:spPr>
         <p:txBody>
-          <a:bodyPr spcFirstLastPara="1" wrap="square" lIns="91425" tIns="91425" rIns="91425" bIns="91425" anchor="b" anchorCtr="0">
+          <a:bodyPr spcFirstLastPara="1" vert="horz" wrap="square" lIns="121900" tIns="121900" rIns="121900" bIns="121900" rtlCol="0" anchor="b" anchorCtr="0">
             <a:noAutofit/>
           </a:bodyPr>
           <a:lstStyle/>
           <a:p>
-            <a:pPr marL="0" lvl="0" indent="0" algn="ctr" rtl="0">
+            <a:pPr algn="ctr">
+              <a:spcBef>
+                <a:spcPts val="0"/>
+              </a:spcBef>
+            </a:pPr>
+            <a:r>
+              <a:rPr lang="en" sz="4800" dirty="0" smtClean="0"/>
+              <a:t>Cataract</a:t>
+            </a:r>
+            <a:endParaRPr sz="4800" dirty="0"/>
+          </a:p>
+        </p:txBody>
+      </p:sp>
+      <p:sp>
+        <p:nvSpPr>
+          <p:cNvPr id="55" name="Google Shape;55;p13"/>
+          <p:cNvSpPr txBox="1">
+            <a:spLocks noGrp="1"/>
+          </p:cNvSpPr>
+          <p:nvPr>
+            <p:ph type="subTitle" idx="1"/>
+          </p:nvPr>
+        </p:nvSpPr>
+        <p:spPr>
+          <a:prstGeom prst="rect">
+            <a:avLst/>
+          </a:prstGeom>
+        </p:spPr>
+        <p:txBody>
+          <a:bodyPr spcFirstLastPara="1" vert="horz" wrap="square" lIns="121900" tIns="121900" rIns="121900" bIns="121900" rtlCol="0" anchor="t" anchorCtr="0">
+            <a:noAutofit/>
+          </a:bodyPr>
+          <a:lstStyle/>
+          <a:p>
+            <a:pPr algn="ctr">
               <a:spcBef>
                 <a:spcPts val="0"/>
               </a:spcBef>
               <a:spcAft>
                 <a:spcPts val="0"/>
               </a:spcAft>
-              <a:buNone/>
-            </a:pPr>
-            <a:r>
-              <a:rPr lang="en" sz="3600" dirty="0"/>
-              <a:t>Age-Related Cataract</a:t>
-            </a:r>
-            <a:endParaRPr sz="3600" dirty="0"/>
-          </a:p>
-        </p:txBody>
-      </p:sp>
-      <p:sp>
-        <p:nvSpPr>
-          <p:cNvPr id="55" name="Google Shape;55;p13"/>
-          <p:cNvSpPr txBox="1">
-            <a:spLocks noGrp="1"/>
-          </p:cNvSpPr>
-          <p:nvPr>
-            <p:ph type="subTitle" idx="1"/>
-          </p:nvPr>
-        </p:nvSpPr>
-        <p:spPr>
-          <a:prstGeom prst="rect">
-            <a:avLst/>
-          </a:prstGeom>
-        </p:spPr>
-        <p:txBody>
-          <a:bodyPr spcFirstLastPara="1" wrap="square" lIns="91425" tIns="91425" rIns="91425" bIns="91425" anchor="t" anchorCtr="0">
-            <a:noAutofit/>
-          </a:bodyPr>
-          <a:lstStyle/>
-          <a:p>
-            <a:pPr marL="0" lvl="0" indent="0" algn="ctr" rtl="0">
-              <a:spcBef>
-                <a:spcPts val="0"/>
-              </a:spcBef>
-              <a:spcAft>
-                <a:spcPts val="0"/>
-              </a:spcAft>
-              <a:buNone/>
             </a:pPr>
             <a:endParaRPr dirty="0"/>
           </a:p>
         </p:txBody>
       </p:sp>
     </p:spTree>
+    <p:extLst>
+      <p:ext uri="{BB962C8B-B14F-4D97-AF65-F5344CB8AC3E}">
+        <p14:creationId xmlns:p14="http://schemas.microsoft.com/office/powerpoint/2010/main" val="3753254932"/>
+      </p:ext>
+    </p:extLst>
   </p:cSld>
   <p:clrMapOvr>
     <a:masterClrMapping/>
@@ -5596,6 +5089,59 @@
 </file>
 
 <file path=ppt/slides/slide2.xml><?xml version="1.0" encoding="utf-8"?>
+<p:sld xmlns:a="http://schemas.openxmlformats.org/drawingml/2006/main" xmlns:r="http://schemas.openxmlformats.org/officeDocument/2006/relationships" xmlns:p="http://schemas.openxmlformats.org/presentationml/2006/main">
+  <p:cSld>
+    <p:spTree>
+      <p:nvGrpSpPr>
+        <p:cNvPr id="1" name=""/>
+        <p:cNvGrpSpPr/>
+        <p:nvPr/>
+      </p:nvGrpSpPr>
+      <p:grpSpPr>
+        <a:xfrm>
+          <a:off x="0" y="0"/>
+          <a:ext cx="0" cy="0"/>
+          <a:chOff x="0" y="0"/>
+          <a:chExt cx="0" cy="0"/>
+        </a:xfrm>
+      </p:grpSpPr>
+      <p:sp>
+        <p:nvSpPr>
+          <p:cNvPr id="3" name="Text Placeholder 2"/>
+          <p:cNvSpPr>
+            <a:spLocks noGrp="1"/>
+          </p:cNvSpPr>
+          <p:nvPr>
+            <p:ph type="body" idx="1"/>
+          </p:nvPr>
+        </p:nvSpPr>
+        <p:spPr/>
+        <p:txBody>
+          <a:bodyPr/>
+          <a:lstStyle/>
+          <a:p>
+            <a:r>
+              <a:rPr lang="en-US" dirty="0" smtClean="0"/>
+              <a:t>Introduction</a:t>
+            </a:r>
+            <a:endParaRPr lang="en-US" dirty="0"/>
+          </a:p>
+        </p:txBody>
+      </p:sp>
+    </p:spTree>
+    <p:extLst>
+      <p:ext uri="{BB962C8B-B14F-4D97-AF65-F5344CB8AC3E}">
+        <p14:creationId xmlns:p14="http://schemas.microsoft.com/office/powerpoint/2010/main" val="939011183"/>
+      </p:ext>
+    </p:extLst>
+  </p:cSld>
+  <p:clrMapOvr>
+    <a:masterClrMapping/>
+  </p:clrMapOvr>
+</p:sld>
+</file>
+
+<file path=ppt/slides/slide3.xml><?xml version="1.0" encoding="utf-8"?>
 <p:sld xmlns:a="http://schemas.openxmlformats.org/drawingml/2006/main" xmlns:r="http://schemas.openxmlformats.org/officeDocument/2006/relationships" xmlns:p="http://schemas.openxmlformats.org/presentationml/2006/main">
   <p:cSld>
     <p:spTree>
@@ -5620,8 +5166,8 @@
         </p:nvSpPr>
         <p:spPr>
           <a:xfrm>
-            <a:off x="7349577" y="1304624"/>
-            <a:ext cx="1238330" cy="1177319"/>
+            <a:off x="9799436" y="1739499"/>
+            <a:ext cx="1651107" cy="1569759"/>
           </a:xfrm>
           <a:prstGeom prst="ellipse">
             <a:avLst/>
@@ -5636,21 +5182,12 @@
           </a:ln>
         </p:spPr>
         <p:txBody>
-          <a:bodyPr spcFirstLastPara="1" wrap="square" lIns="91425" tIns="91425" rIns="91425" bIns="91425" anchor="ctr" anchorCtr="0">
+          <a:bodyPr spcFirstLastPara="1" wrap="square" lIns="121900" tIns="121900" rIns="121900" bIns="121900" anchor="ctr" anchorCtr="0">
             <a:noAutofit/>
           </a:bodyPr>
           <a:lstStyle/>
           <a:p>
-            <a:pPr marL="0" lvl="0" indent="0" algn="l" rtl="0">
-              <a:spcBef>
-                <a:spcPts val="0"/>
-              </a:spcBef>
-              <a:spcAft>
-                <a:spcPts val="0"/>
-              </a:spcAft>
-              <a:buNone/>
-            </a:pPr>
-            <a:endParaRPr/>
+            <a:endParaRPr sz="2400"/>
           </a:p>
         </p:txBody>
       </p:sp>
@@ -5662,8 +5199,8 @@
         </p:nvSpPr>
         <p:spPr>
           <a:xfrm>
-            <a:off x="7262191" y="1570383"/>
-            <a:ext cx="439252" cy="642730"/>
+            <a:off x="9682922" y="2093844"/>
+            <a:ext cx="585669" cy="856973"/>
           </a:xfrm>
           <a:prstGeom prst="ellipse">
             <a:avLst/>
@@ -5678,21 +5215,12 @@
           </a:ln>
         </p:spPr>
         <p:txBody>
-          <a:bodyPr spcFirstLastPara="1" wrap="square" lIns="91425" tIns="91425" rIns="91425" bIns="91425" anchor="ctr" anchorCtr="0">
+          <a:bodyPr spcFirstLastPara="1" wrap="square" lIns="121900" tIns="121900" rIns="121900" bIns="121900" anchor="ctr" anchorCtr="0">
             <a:noAutofit/>
           </a:bodyPr>
           <a:lstStyle/>
           <a:p>
-            <a:pPr marL="0" lvl="0" indent="0" algn="l" rtl="0">
-              <a:spcBef>
-                <a:spcPts val="0"/>
-              </a:spcBef>
-              <a:spcAft>
-                <a:spcPts val="0"/>
-              </a:spcAft>
-              <a:buNone/>
-            </a:pPr>
-            <a:endParaRPr/>
+            <a:endParaRPr sz="2400"/>
           </a:p>
         </p:txBody>
       </p:sp>
@@ -5712,20 +5240,11 @@
           </a:prstGeom>
         </p:spPr>
         <p:txBody>
-          <a:bodyPr spcFirstLastPara="1" wrap="square" lIns="91425" tIns="91425" rIns="91425" bIns="91425" anchor="t" anchorCtr="0">
+          <a:bodyPr spcFirstLastPara="1" vert="horz" wrap="square" lIns="121900" tIns="121900" rIns="121900" bIns="121900" rtlCol="0" anchor="t" anchorCtr="0">
             <a:noAutofit/>
           </a:bodyPr>
           <a:lstStyle/>
           <a:p>
-            <a:pPr marL="0" lvl="0" indent="0" algn="l" rtl="0">
-              <a:spcBef>
-                <a:spcPts val="0"/>
-              </a:spcBef>
-              <a:spcAft>
-                <a:spcPts val="0"/>
-              </a:spcAft>
-              <a:buNone/>
-            </a:pPr>
             <a:r>
               <a:rPr lang="en"/>
               <a:t>Eye and Lens</a:t>
@@ -5746,72 +5265,42 @@
         </p:nvSpPr>
         <p:spPr>
           <a:xfrm>
-            <a:off x="311700" y="1311499"/>
-            <a:ext cx="6099600" cy="3416400"/>
+            <a:off x="415600" y="1748665"/>
+            <a:ext cx="8132800" cy="4555200"/>
           </a:xfrm>
           <a:prstGeom prst="rect">
             <a:avLst/>
           </a:prstGeom>
         </p:spPr>
         <p:txBody>
-          <a:bodyPr spcFirstLastPara="1" wrap="square" lIns="91425" tIns="91425" rIns="91425" bIns="91425" anchor="t" anchorCtr="0">
+          <a:bodyPr spcFirstLastPara="1" vert="horz" wrap="square" lIns="121900" tIns="121900" rIns="121900" bIns="121900" rtlCol="0" anchor="t" anchorCtr="0">
             <a:noAutofit/>
           </a:bodyPr>
           <a:lstStyle/>
           <a:p>
-            <a:pPr marL="457200" lvl="0" indent="-342900" algn="l" rtl="0">
-              <a:spcBef>
-                <a:spcPts val="0"/>
-              </a:spcBef>
-              <a:spcAft>
-                <a:spcPts val="0"/>
-              </a:spcAft>
-              <a:buSzPts val="1800"/>
-              <a:buChar char="●"/>
-            </a:pPr>
-            <a:r>
-              <a:rPr lang="en" sz="1800" dirty="0"/>
+            <a:r>
+              <a:rPr lang="en" sz="2400" dirty="0"/>
               <a:t>Lens is located in front of eye. Focuses light on back of eye.</a:t>
             </a:r>
-            <a:endParaRPr sz="1800" dirty="0"/>
-          </a:p>
-          <a:p>
-            <a:pPr marL="457200" lvl="0" indent="-342900" algn="l" rtl="0">
-              <a:spcBef>
-                <a:spcPts val="0"/>
-              </a:spcBef>
-              <a:spcAft>
-                <a:spcPts val="0"/>
-              </a:spcAft>
-              <a:buSzPts val="1800"/>
-              <a:buChar char="●"/>
-            </a:pPr>
-            <a:r>
-              <a:rPr lang="en" sz="1800" dirty="0"/>
+            <a:endParaRPr sz="2400" dirty="0"/>
+          </a:p>
+          <a:p>
+            <a:r>
+              <a:rPr lang="en" sz="2400" dirty="0"/>
               <a:t>To focus, we change the curvature of the lens (more or less spherical) </a:t>
             </a:r>
-            <a:endParaRPr sz="1800" dirty="0"/>
-          </a:p>
-          <a:p>
-            <a:pPr marL="457200" lvl="0" indent="-342900" algn="l" rtl="0">
-              <a:spcBef>
-                <a:spcPts val="0"/>
-              </a:spcBef>
-              <a:spcAft>
-                <a:spcPts val="0"/>
-              </a:spcAft>
-              <a:buSzPts val="1800"/>
-              <a:buChar char="●"/>
-            </a:pPr>
-            <a:r>
-              <a:rPr lang="en" sz="1800" dirty="0"/>
+            <a:endParaRPr sz="2400" dirty="0"/>
+          </a:p>
+          <a:p>
+            <a:r>
+              <a:rPr lang="en" sz="2400" dirty="0"/>
               <a:t>Three parts: capsule (outer elastic layer of cells), epithelium (cells that divide to produce fiber cells), fiber cells (clear, organelle-free cells</a:t>
             </a:r>
             <a:r>
-              <a:rPr lang="en" sz="1800" dirty="0" smtClean="0"/>
+              <a:rPr lang="en" sz="2400" dirty="0"/>
               <a:t>)</a:t>
             </a:r>
-            <a:endParaRPr sz="1800" dirty="0"/>
+            <a:endParaRPr sz="2400" dirty="0"/>
           </a:p>
         </p:txBody>
       </p:sp>
@@ -5831,8 +5320,8 @@
         </p:blipFill>
         <p:spPr>
           <a:xfrm>
-            <a:off x="6411300" y="2743842"/>
-            <a:ext cx="2646549" cy="1984950"/>
+            <a:off x="8548401" y="3658456"/>
+            <a:ext cx="3528732" cy="2646600"/>
           </a:xfrm>
           <a:prstGeom prst="rect">
             <a:avLst/>
@@ -5851,8 +5340,8 @@
         </p:nvGrpSpPr>
         <p:grpSpPr>
           <a:xfrm>
-            <a:off x="7137706" y="1152427"/>
-            <a:ext cx="1857039" cy="1476327"/>
+            <a:off x="9516942" y="1536570"/>
+            <a:ext cx="2476052" cy="1968436"/>
             <a:chOff x="5974024" y="1152475"/>
             <a:chExt cx="3021050" cy="2358350"/>
           </a:xfrm>
@@ -5908,26 +5397,22 @@
             </a:ln>
           </p:spPr>
           <p:txBody>
-            <a:bodyPr spcFirstLastPara="1" wrap="square" lIns="91425" tIns="91425" rIns="91425" bIns="91425" anchor="ctr" anchorCtr="0">
+            <a:bodyPr spcFirstLastPara="1" wrap="square" lIns="121900" tIns="121900" rIns="121900" bIns="121900" anchor="ctr" anchorCtr="0">
               <a:noAutofit/>
             </a:bodyPr>
             <a:lstStyle/>
             <a:p>
-              <a:pPr marL="0" lvl="0" indent="0" algn="l" rtl="0">
-                <a:spcBef>
-                  <a:spcPts val="0"/>
-                </a:spcBef>
-                <a:spcAft>
-                  <a:spcPts val="0"/>
-                </a:spcAft>
-                <a:buNone/>
-              </a:pPr>
-              <a:endParaRPr/>
+              <a:endParaRPr sz="2400"/>
             </a:p>
           </p:txBody>
         </p:sp>
       </p:grpSp>
     </p:spTree>
+    <p:extLst>
+      <p:ext uri="{BB962C8B-B14F-4D97-AF65-F5344CB8AC3E}">
+        <p14:creationId xmlns:p14="http://schemas.microsoft.com/office/powerpoint/2010/main" val="3560484768"/>
+      </p:ext>
+    </p:extLst>
   </p:cSld>
   <p:clrMapOvr>
     <a:masterClrMapping/>
@@ -5935,7 +5420,7 @@
 </p:sld>
 </file>
 
-<file path=ppt/slides/slide3.xml><?xml version="1.0" encoding="utf-8"?>
+<file path=ppt/slides/slide4.xml><?xml version="1.0" encoding="utf-8"?>
 <p:sld xmlns:a="http://schemas.openxmlformats.org/drawingml/2006/main" xmlns:r="http://schemas.openxmlformats.org/officeDocument/2006/relationships" xmlns:p="http://schemas.openxmlformats.org/presentationml/2006/main">
   <p:cSld>
     <p:spTree>
@@ -5968,103 +5453,69 @@
           </a:prstGeom>
         </p:spPr>
         <p:txBody>
-          <a:bodyPr spcFirstLastPara="1" wrap="square" lIns="91425" tIns="91425" rIns="91425" bIns="91425" anchor="t" anchorCtr="0">
+          <a:bodyPr spcFirstLastPara="1" vert="horz" wrap="square" lIns="121900" tIns="121900" rIns="121900" bIns="121900" rtlCol="0" anchor="t" anchorCtr="0">
             <a:noAutofit/>
           </a:bodyPr>
           <a:lstStyle/>
           <a:p>
-            <a:pPr marL="0" lvl="0" indent="0" algn="l" rtl="0">
+            <a:r>
+              <a:rPr lang="en"/>
+              <a:t>Fiber Cells and Crystallin</a:t>
+            </a:r>
+            <a:endParaRPr/>
+          </a:p>
+        </p:txBody>
+      </p:sp>
+      <p:sp>
+        <p:nvSpPr>
+          <p:cNvPr id="70" name="Google Shape;70;p15"/>
+          <p:cNvSpPr txBox="1">
+            <a:spLocks noGrp="1"/>
+          </p:cNvSpPr>
+          <p:nvPr>
+            <p:ph type="body" idx="1"/>
+          </p:nvPr>
+        </p:nvSpPr>
+        <p:spPr>
+          <a:xfrm>
+            <a:off x="415600" y="1748668"/>
+            <a:ext cx="7668433" cy="4555200"/>
+          </a:xfrm>
+          <a:prstGeom prst="rect">
+            <a:avLst/>
+          </a:prstGeom>
+        </p:spPr>
+        <p:txBody>
+          <a:bodyPr spcFirstLastPara="1" vert="horz" wrap="square" lIns="121900" tIns="121900" rIns="121900" bIns="121900" rtlCol="0" anchor="t" anchorCtr="0">
+            <a:noAutofit/>
+          </a:bodyPr>
+          <a:lstStyle/>
+          <a:p>
+            <a:r>
+              <a:rPr lang="en" sz="2400" dirty="0"/>
+              <a:t>Fiber cells' protein: 90% crystallin</a:t>
+            </a:r>
+            <a:endParaRPr sz="2400" dirty="0"/>
+          </a:p>
+          <a:p>
+            <a:r>
+              <a:rPr lang="en" sz="2400" dirty="0"/>
+              <a:t>Three types:</a:t>
+            </a:r>
+            <a:endParaRPr sz="2400" dirty="0"/>
+          </a:p>
+          <a:p>
+            <a:pPr lvl="1">
               <a:spcBef>
                 <a:spcPts val="0"/>
               </a:spcBef>
-              <a:spcAft>
-                <a:spcPts val="0"/>
-              </a:spcAft>
-              <a:buNone/>
             </a:pPr>
             <a:r>
-              <a:rPr lang="en"/>
-              <a:t>Fiber Cells and Crystallin</a:t>
-            </a:r>
-            <a:endParaRPr/>
-          </a:p>
-        </p:txBody>
-      </p:sp>
-      <p:sp>
-        <p:nvSpPr>
-          <p:cNvPr id="70" name="Google Shape;70;p15"/>
-          <p:cNvSpPr txBox="1">
-            <a:spLocks noGrp="1"/>
-          </p:cNvSpPr>
-          <p:nvPr>
-            <p:ph type="body" idx="1"/>
-          </p:nvPr>
-        </p:nvSpPr>
-        <p:spPr>
-          <a:xfrm>
-            <a:off x="311699" y="1311501"/>
-            <a:ext cx="5751325" cy="3416400"/>
-          </a:xfrm>
-          <a:prstGeom prst="rect">
-            <a:avLst/>
-          </a:prstGeom>
-        </p:spPr>
-        <p:txBody>
-          <a:bodyPr spcFirstLastPara="1" wrap="square" lIns="91425" tIns="91425" rIns="91425" bIns="91425" anchor="t" anchorCtr="0">
-            <a:noAutofit/>
-          </a:bodyPr>
-          <a:lstStyle/>
-          <a:p>
-            <a:pPr marL="457200" lvl="0" indent="-342900" algn="l" rtl="0">
-              <a:spcBef>
-                <a:spcPts val="0"/>
-              </a:spcBef>
-              <a:spcAft>
-                <a:spcPts val="0"/>
-              </a:spcAft>
-              <a:buSzPts val="1800"/>
-              <a:buChar char="●"/>
-            </a:pPr>
-            <a:r>
-              <a:rPr lang="en" sz="1800" dirty="0"/>
-              <a:t>Fiber cells' protein: 90% crystallin</a:t>
-            </a:r>
-            <a:endParaRPr sz="1800" dirty="0"/>
-          </a:p>
-          <a:p>
-            <a:pPr marL="457200" lvl="0" indent="-342900" algn="l" rtl="0">
-              <a:spcBef>
-                <a:spcPts val="0"/>
-              </a:spcBef>
-              <a:spcAft>
-                <a:spcPts val="0"/>
-              </a:spcAft>
-              <a:buSzPts val="1800"/>
-              <a:buChar char="●"/>
-            </a:pPr>
-            <a:r>
-              <a:rPr lang="en" sz="1800" dirty="0"/>
-              <a:t>Three types:</a:t>
-            </a:r>
-            <a:endParaRPr sz="1800" dirty="0"/>
-          </a:p>
-          <a:p>
-            <a:pPr marL="914400" lvl="1" indent="-317500" algn="l" rtl="0">
-              <a:spcBef>
-                <a:spcPts val="0"/>
-              </a:spcBef>
-              <a:spcAft>
-                <a:spcPts val="0"/>
-              </a:spcAft>
-              <a:buSzPts val="1400"/>
-              <a:buChar char="○"/>
-            </a:pPr>
-            <a:r>
-              <a:rPr lang="en" sz="1650" dirty="0"/>
+              <a:rPr lang="en" sz="2200" dirty="0"/>
               <a:t>α-crystallin: Structural protein and "chaperone" (binds to proteins to stabilize and prevent aggregation, but doesn't refold them). Two units: αA, </a:t>
             </a:r>
             <a:r>
-              <a:rPr lang="en" sz="1650" dirty="0" smtClean="0"/>
+              <a:rPr lang="en" sz="2200" dirty="0"/>
               <a:t>αB</a:t>
             </a:r>
           </a:p>
@@ -6075,28 +5526,23 @@
               </a:spcBef>
             </a:pPr>
             <a:r>
-              <a:rPr lang="en" sz="1350" dirty="0" smtClean="0"/>
+              <a:rPr lang="en" sz="1800" dirty="0"/>
               <a:t>Encoded by CRYAA, CRYAB genes</a:t>
             </a:r>
-            <a:endParaRPr sz="1350" dirty="0"/>
-          </a:p>
-          <a:p>
-            <a:pPr marL="914400" lvl="1" indent="-317500" algn="l" rtl="0">
+            <a:endParaRPr sz="1800" dirty="0"/>
+          </a:p>
+          <a:p>
+            <a:pPr lvl="1">
               <a:spcBef>
                 <a:spcPts val="0"/>
               </a:spcBef>
-              <a:spcAft>
-                <a:spcPts val="0"/>
-              </a:spcAft>
-              <a:buSzPts val="1400"/>
-              <a:buChar char="○"/>
             </a:pPr>
             <a:r>
-              <a:rPr lang="en" sz="1650" dirty="0"/>
+              <a:rPr lang="en" sz="2200" dirty="0"/>
               <a:t>β- and γ-crystallin: Structural protein, but otherwise no significant </a:t>
             </a:r>
             <a:r>
-              <a:rPr lang="en" sz="1650" dirty="0" smtClean="0"/>
+              <a:rPr lang="en" sz="2200" dirty="0"/>
               <a:t>function</a:t>
             </a:r>
           </a:p>
@@ -6107,53 +5553,33 @@
               </a:spcBef>
             </a:pPr>
             <a:r>
-              <a:rPr lang="en" sz="1350" dirty="0" smtClean="0"/>
+              <a:rPr lang="en" sz="1800" dirty="0"/>
               <a:t>Encoded by CRYB*, CRYG* genes</a:t>
             </a:r>
           </a:p>
           <a:p>
-            <a:pPr marL="457200" lvl="0" indent="-342900" algn="l" rtl="0">
-              <a:spcBef>
-                <a:spcPts val="0"/>
-              </a:spcBef>
-              <a:spcAft>
-                <a:spcPts val="0"/>
-              </a:spcAft>
-              <a:buSzPts val="1800"/>
-              <a:buChar char="●"/>
-            </a:pPr>
-            <a:r>
-              <a:rPr lang="en" sz="1800" dirty="0" smtClean="0"/>
+            <a:r>
+              <a:rPr lang="en" sz="2400" dirty="0"/>
               <a:t>Fiber cells are organelle-free; proteins are permanent.</a:t>
             </a:r>
-            <a:endParaRPr sz="1800" dirty="0" smtClean="0"/>
-          </a:p>
-          <a:p>
-            <a:pPr marL="457200" lvl="0" indent="-342900" algn="l" rtl="0">
-              <a:spcBef>
-                <a:spcPts val="0"/>
-              </a:spcBef>
-              <a:spcAft>
-                <a:spcPts val="0"/>
-              </a:spcAft>
-              <a:buSzPts val="1800"/>
-              <a:buChar char="●"/>
-            </a:pPr>
-            <a:r>
-              <a:rPr lang="en" sz="1800" dirty="0" smtClean="0"/>
+            <a:endParaRPr sz="2400" dirty="0"/>
+          </a:p>
+          <a:p>
+            <a:r>
+              <a:rPr lang="en" sz="2400" dirty="0"/>
               <a:t>Glutathione </a:t>
             </a:r>
             <a:r>
-              <a:rPr lang="en" sz="1800" dirty="0"/>
+              <a:rPr lang="en" sz="2400" dirty="0"/>
               <a:t>(GSH): Anti-oxidant, prevents oxidation of the crystallins</a:t>
             </a:r>
             <a:r>
-              <a:rPr lang="en" sz="1800" dirty="0" smtClean="0"/>
+              <a:rPr lang="en" sz="2400" dirty="0"/>
               <a:t>.</a:t>
             </a:r>
           </a:p>
           <a:p>
-            <a:pPr lvl="1" indent="-342900">
+            <a:pPr lvl="1" indent="-457189">
               <a:spcBef>
                 <a:spcPts val="0"/>
               </a:spcBef>
@@ -6164,17 +5590,16 @@
               <a:rPr lang="en" dirty="0" smtClean="0"/>
               <a:t>Encoded by GSTM1, GSTT1 genes</a:t>
             </a:r>
-            <a:endParaRPr lang="en" dirty="0" smtClean="0"/>
-          </a:p>
-          <a:p>
-            <a:pPr lvl="1" indent="-342900">
+          </a:p>
+          <a:p>
+            <a:pPr lvl="1" indent="-457189">
               <a:spcBef>
                 <a:spcPts val="0"/>
               </a:spcBef>
               <a:buSzPts val="1800"/>
               <a:buChar char="●"/>
             </a:pPr>
-            <a:endParaRPr sz="1650" dirty="0"/>
+            <a:endParaRPr sz="2200" dirty="0"/>
           </a:p>
         </p:txBody>
       </p:sp>
@@ -6194,8 +5619,8 @@
         </p:blipFill>
         <p:spPr>
           <a:xfrm>
-            <a:off x="6063025" y="1695371"/>
-            <a:ext cx="2111950" cy="2111950"/>
+            <a:off x="8084034" y="2260495"/>
+            <a:ext cx="2815933" cy="2815933"/>
           </a:xfrm>
           <a:prstGeom prst="rect">
             <a:avLst/>
@@ -6221,8 +5646,8 @@
         </p:blipFill>
         <p:spPr>
           <a:xfrm>
-            <a:off x="6763175" y="155475"/>
-            <a:ext cx="2111950" cy="1808950"/>
+            <a:off x="9017567" y="207300"/>
+            <a:ext cx="2815933" cy="2411933"/>
           </a:xfrm>
           <a:prstGeom prst="rect">
             <a:avLst/>
@@ -6249,8 +5674,8 @@
         </p:blipFill>
         <p:spPr>
           <a:xfrm>
-            <a:off x="6732239" y="3456154"/>
-            <a:ext cx="2186200" cy="1344525"/>
+            <a:off x="8976319" y="4608206"/>
+            <a:ext cx="2914933" cy="1792700"/>
           </a:xfrm>
           <a:prstGeom prst="rect">
             <a:avLst/>
@@ -6262,319 +5687,9 @@
         </p:spPr>
       </p:pic>
     </p:spTree>
-  </p:cSld>
-  <p:clrMapOvr>
-    <a:masterClrMapping/>
-  </p:clrMapOvr>
-</p:sld>
-</file>
-
-<file path=ppt/slides/slide4.xml><?xml version="1.0" encoding="utf-8"?>
-<p:sld xmlns:a="http://schemas.openxmlformats.org/drawingml/2006/main" xmlns:r="http://schemas.openxmlformats.org/officeDocument/2006/relationships" xmlns:p="http://schemas.openxmlformats.org/presentationml/2006/main">
-  <p:cSld>
-    <p:spTree>
-      <p:nvGrpSpPr>
-        <p:cNvPr id="1" name="Shape 78"/>
-        <p:cNvGrpSpPr/>
-        <p:nvPr/>
-      </p:nvGrpSpPr>
-      <p:grpSpPr>
-        <a:xfrm>
-          <a:off x="0" y="0"/>
-          <a:ext cx="0" cy="0"/>
-          <a:chOff x="0" y="0"/>
-          <a:chExt cx="0" cy="0"/>
-        </a:xfrm>
-      </p:grpSpPr>
-      <p:sp>
-        <p:nvSpPr>
-          <p:cNvPr id="79" name="Google Shape;79;p16"/>
-          <p:cNvSpPr txBox="1">
-            <a:spLocks noGrp="1"/>
-          </p:cNvSpPr>
-          <p:nvPr>
-            <p:ph type="title"/>
-          </p:nvPr>
-        </p:nvSpPr>
-        <p:spPr>
-          <a:prstGeom prst="rect">
-            <a:avLst/>
-          </a:prstGeom>
-        </p:spPr>
-        <p:txBody>
-          <a:bodyPr spcFirstLastPara="1" wrap="square" lIns="91425" tIns="91425" rIns="91425" bIns="91425" anchor="t" anchorCtr="0">
-            <a:noAutofit/>
-          </a:bodyPr>
-          <a:lstStyle/>
-          <a:p>
-            <a:pPr marL="0" lvl="0" indent="0" algn="l" rtl="0">
-              <a:spcBef>
-                <a:spcPts val="0"/>
-              </a:spcBef>
-              <a:spcAft>
-                <a:spcPts val="0"/>
-              </a:spcAft>
-              <a:buNone/>
-            </a:pPr>
-            <a:r>
-              <a:rPr lang="en" dirty="0" smtClean="0"/>
-              <a:t>Cataract</a:t>
-            </a:r>
-            <a:endParaRPr dirty="0"/>
-          </a:p>
-        </p:txBody>
-      </p:sp>
-      <p:sp>
-        <p:nvSpPr>
-          <p:cNvPr id="80" name="Google Shape;80;p16"/>
-          <p:cNvSpPr txBox="1">
-            <a:spLocks noGrp="1"/>
-          </p:cNvSpPr>
-          <p:nvPr>
-            <p:ph type="body" idx="1"/>
-          </p:nvPr>
-        </p:nvSpPr>
-        <p:spPr>
-          <a:xfrm>
-            <a:off x="311700" y="1311501"/>
-            <a:ext cx="8520600" cy="3416400"/>
-          </a:xfrm>
-          <a:prstGeom prst="rect">
-            <a:avLst/>
-          </a:prstGeom>
-        </p:spPr>
-        <p:txBody>
-          <a:bodyPr spcFirstLastPara="1" wrap="square" lIns="91425" tIns="91425" rIns="91425" bIns="91425" anchor="t" anchorCtr="0">
-            <a:noAutofit/>
-          </a:bodyPr>
-          <a:lstStyle/>
-          <a:p>
-            <a:pPr marL="457200" lvl="0" indent="-342900" algn="l" rtl="0">
-              <a:lnSpc>
-                <a:spcPct val="100000"/>
-              </a:lnSpc>
-              <a:spcBef>
-                <a:spcPts val="0"/>
-              </a:spcBef>
-              <a:spcAft>
-                <a:spcPts val="0"/>
-              </a:spcAft>
-              <a:buSzPts val="1800"/>
-              <a:buChar char="●"/>
-            </a:pPr>
-            <a:r>
-              <a:rPr lang="en-US" sz="1800" dirty="0" smtClean="0"/>
-              <a:t>There are 2 main factors that lead to cataract:</a:t>
-            </a:r>
-          </a:p>
-          <a:p>
-            <a:pPr lvl="1" indent="-342900">
-              <a:lnSpc>
-                <a:spcPct val="100000"/>
-              </a:lnSpc>
-              <a:spcBef>
-                <a:spcPts val="0"/>
-              </a:spcBef>
-              <a:buSzPts val="1800"/>
-              <a:buChar char="●"/>
-            </a:pPr>
-            <a:r>
-              <a:rPr lang="en-US" sz="1650" dirty="0" smtClean="0"/>
-              <a:t>1: Depletion of glutathione within the lens</a:t>
-            </a:r>
-          </a:p>
-          <a:p>
-            <a:pPr lvl="1" indent="-342900">
-              <a:lnSpc>
-                <a:spcPct val="100000"/>
-              </a:lnSpc>
-              <a:spcBef>
-                <a:spcPts val="0"/>
-              </a:spcBef>
-              <a:buSzPts val="1800"/>
-              <a:buChar char="●"/>
-            </a:pPr>
-            <a:endParaRPr lang="en-US" sz="1650" dirty="0" smtClean="0"/>
-          </a:p>
-          <a:p>
-            <a:pPr lvl="1" indent="-342900">
-              <a:lnSpc>
-                <a:spcPct val="100000"/>
-              </a:lnSpc>
-              <a:spcBef>
-                <a:spcPts val="0"/>
-              </a:spcBef>
-              <a:buSzPts val="1800"/>
-              <a:buChar char="●"/>
-            </a:pPr>
-            <a:r>
-              <a:rPr lang="en-US" sz="1650" dirty="0" smtClean="0"/>
-              <a:t>Glutathione levels decrease for two reasons:</a:t>
-            </a:r>
-          </a:p>
-          <a:p>
-            <a:pPr lvl="2" indent="-342900">
-              <a:lnSpc>
-                <a:spcPct val="100000"/>
-              </a:lnSpc>
-              <a:spcBef>
-                <a:spcPts val="0"/>
-              </a:spcBef>
-              <a:buSzPts val="1800"/>
-              <a:buChar char="●"/>
-            </a:pPr>
-            <a:r>
-              <a:rPr lang="en-US" sz="1350" dirty="0" smtClean="0"/>
-              <a:t>Formation of a lens barrier: </a:t>
-            </a:r>
-          </a:p>
-          <a:p>
-            <a:pPr lvl="3" indent="-342900">
-              <a:lnSpc>
-                <a:spcPct val="100000"/>
-              </a:lnSpc>
-              <a:spcBef>
-                <a:spcPts val="0"/>
-              </a:spcBef>
-              <a:buSzPts val="1800"/>
-            </a:pPr>
-            <a:r>
-              <a:rPr lang="en-US" sz="1350" dirty="0" smtClean="0"/>
-              <a:t>At around age 30-50, the nucleus/cortex barrier becomes impermeable to larger molecules.</a:t>
-            </a:r>
-          </a:p>
-          <a:p>
-            <a:pPr lvl="3" indent="-342900">
-              <a:lnSpc>
-                <a:spcPct val="100000"/>
-              </a:lnSpc>
-              <a:spcBef>
-                <a:spcPts val="0"/>
-              </a:spcBef>
-              <a:buSzPts val="1800"/>
-            </a:pPr>
-            <a:r>
-              <a:rPr lang="en-US" sz="1350" dirty="0" smtClean="0"/>
-              <a:t>Glutathione is blocked from the nucleus, and unstable molecules (ROS) are locked inside.</a:t>
-            </a:r>
-          </a:p>
-          <a:p>
-            <a:pPr lvl="2" indent="-342900">
-              <a:lnSpc>
-                <a:spcPct val="100000"/>
-              </a:lnSpc>
-              <a:spcBef>
-                <a:spcPts val="0"/>
-              </a:spcBef>
-              <a:buSzPts val="1800"/>
-              <a:buChar char="●"/>
-            </a:pPr>
-            <a:r>
-              <a:rPr lang="en-US" sz="1350" dirty="0" smtClean="0"/>
-              <a:t>Decreased recycling efficiency:</a:t>
-            </a:r>
-          </a:p>
-          <a:p>
-            <a:pPr lvl="3" indent="-342900">
-              <a:lnSpc>
-                <a:spcPct val="100000"/>
-              </a:lnSpc>
-              <a:spcBef>
-                <a:spcPts val="0"/>
-              </a:spcBef>
-              <a:buSzPts val="1800"/>
-            </a:pPr>
-            <a:r>
-              <a:rPr lang="en-US" sz="1350" dirty="0" smtClean="0"/>
-              <a:t>Glutathione can be reduced (GSH) or oxidized (GSSG); GSH is responsible for antioxidant properties (electron donor)</a:t>
-            </a:r>
-          </a:p>
-          <a:p>
-            <a:pPr lvl="3" indent="-342900">
-              <a:lnSpc>
-                <a:spcPct val="100000"/>
-              </a:lnSpc>
-              <a:spcBef>
-                <a:spcPts val="0"/>
-              </a:spcBef>
-              <a:buSzPts val="1800"/>
-            </a:pPr>
-            <a:r>
-              <a:rPr lang="en-US" sz="1350" dirty="0" smtClean="0"/>
-              <a:t>GSSG is converted to GSH in the presence of glutathione reductase (GR) and NADPH</a:t>
-            </a:r>
-          </a:p>
-          <a:p>
-            <a:pPr lvl="3" indent="-342900">
-              <a:lnSpc>
-                <a:spcPct val="100000"/>
-              </a:lnSpc>
-              <a:spcBef>
-                <a:spcPts val="0"/>
-              </a:spcBef>
-              <a:buSzPts val="1800"/>
-            </a:pPr>
-            <a:r>
-              <a:rPr lang="en-US" sz="1350" dirty="0" smtClean="0"/>
-              <a:t>With age, GR activity decreases, resulting in buildup of GSSG and decrease of GSH.</a:t>
-            </a:r>
-          </a:p>
-          <a:p>
-            <a:pPr lvl="3" indent="-342900">
-              <a:lnSpc>
-                <a:spcPct val="100000"/>
-              </a:lnSpc>
-              <a:spcBef>
-                <a:spcPts val="0"/>
-              </a:spcBef>
-              <a:buSzPts val="1800"/>
-            </a:pPr>
-            <a:endParaRPr lang="en-US" sz="1350" dirty="0" smtClean="0"/>
-          </a:p>
-          <a:p>
-            <a:pPr lvl="3" indent="-342900">
-              <a:lnSpc>
-                <a:spcPct val="100000"/>
-              </a:lnSpc>
-              <a:spcBef>
-                <a:spcPts val="0"/>
-              </a:spcBef>
-              <a:buSzPts val="1800"/>
-            </a:pPr>
-            <a:endParaRPr lang="en-US" sz="1350" dirty="0" smtClean="0"/>
-          </a:p>
-          <a:p>
-            <a:pPr lvl="1" indent="-342900">
-              <a:lnSpc>
-                <a:spcPct val="100000"/>
-              </a:lnSpc>
-              <a:spcBef>
-                <a:spcPts val="0"/>
-              </a:spcBef>
-              <a:buSzPts val="1800"/>
-              <a:buChar char="●"/>
-            </a:pPr>
-            <a:endParaRPr lang="en-US" sz="1650" dirty="0" smtClean="0"/>
-          </a:p>
-          <a:p>
-            <a:pPr marL="1028700" lvl="2" indent="0">
-              <a:lnSpc>
-                <a:spcPct val="100000"/>
-              </a:lnSpc>
-              <a:spcBef>
-                <a:spcPts val="0"/>
-              </a:spcBef>
-              <a:buSzPts val="1800"/>
-              <a:buNone/>
-            </a:pPr>
-            <a:endParaRPr sz="1350" dirty="0"/>
-          </a:p>
-        </p:txBody>
-      </p:sp>
-    </p:spTree>
     <p:extLst>
       <p:ext uri="{BB962C8B-B14F-4D97-AF65-F5344CB8AC3E}">
-        <p14:creationId xmlns:p14="http://schemas.microsoft.com/office/powerpoint/2010/main" val="1564613521"/>
+        <p14:creationId xmlns:p14="http://schemas.microsoft.com/office/powerpoint/2010/main" val="1694882426"/>
       </p:ext>
     </p:extLst>
   </p:cSld>
@@ -6589,7 +5704,7 @@
   <p:cSld>
     <p:spTree>
       <p:nvGrpSpPr>
-        <p:cNvPr id="1" name="Shape 78"/>
+        <p:cNvPr id="1" name="Shape 69"/>
         <p:cNvGrpSpPr/>
         <p:nvPr/>
       </p:nvGrpSpPr>
@@ -6603,7 +5718,7 @@
       </p:grpSpPr>
       <p:sp>
         <p:nvSpPr>
-          <p:cNvPr id="79" name="Google Shape;79;p16"/>
+          <p:cNvPr id="71" name="Google Shape;71;p15"/>
           <p:cNvSpPr txBox="1">
             <a:spLocks noGrp="1"/>
           </p:cNvSpPr>
@@ -6617,22 +5732,13 @@
           </a:prstGeom>
         </p:spPr>
         <p:txBody>
-          <a:bodyPr spcFirstLastPara="1" wrap="square" lIns="91425" tIns="91425" rIns="91425" bIns="91425" anchor="t" anchorCtr="0">
+          <a:bodyPr spcFirstLastPara="1" vert="horz" wrap="square" lIns="121900" tIns="121900" rIns="121900" bIns="121900" rtlCol="0" anchor="t" anchorCtr="0">
             <a:noAutofit/>
           </a:bodyPr>
           <a:lstStyle/>
           <a:p>
-            <a:pPr marL="0" lvl="0" indent="0" algn="l" rtl="0">
-              <a:spcBef>
-                <a:spcPts val="0"/>
-              </a:spcBef>
-              <a:spcAft>
-                <a:spcPts val="0"/>
-              </a:spcAft>
-              <a:buNone/>
-            </a:pPr>
-            <a:r>
-              <a:rPr lang="en" dirty="0" smtClean="0"/>
+            <a:r>
+              <a:rPr lang="en-US" dirty="0" smtClean="0"/>
               <a:t>Cataract</a:t>
             </a:r>
             <a:endParaRPr dirty="0"/>
@@ -6641,7 +5747,7 @@
       </p:sp>
       <p:sp>
         <p:nvSpPr>
-          <p:cNvPr id="80" name="Google Shape;80;p16"/>
+          <p:cNvPr id="70" name="Google Shape;70;p15"/>
           <p:cNvSpPr txBox="1">
             <a:spLocks noGrp="1"/>
           </p:cNvSpPr>
@@ -6651,227 +5757,61 @@
         </p:nvSpPr>
         <p:spPr>
           <a:xfrm>
-            <a:off x="311700" y="1311501"/>
-            <a:ext cx="8520600" cy="3416400"/>
+            <a:off x="415600" y="1748668"/>
+            <a:ext cx="11360800" cy="4555200"/>
           </a:xfrm>
           <a:prstGeom prst="rect">
             <a:avLst/>
           </a:prstGeom>
         </p:spPr>
         <p:txBody>
-          <a:bodyPr spcFirstLastPara="1" wrap="square" lIns="91425" tIns="91425" rIns="91425" bIns="91425" anchor="t" anchorCtr="0">
+          <a:bodyPr spcFirstLastPara="1" vert="horz" wrap="square" lIns="121900" tIns="121900" rIns="121900" bIns="121900" rtlCol="0" anchor="t" anchorCtr="0">
             <a:noAutofit/>
           </a:bodyPr>
           <a:lstStyle/>
           <a:p>
-            <a:pPr marL="457200" lvl="0" indent="-342900" algn="l" rtl="0">
-              <a:lnSpc>
-                <a:spcPct val="100000"/>
-              </a:lnSpc>
-              <a:spcBef>
-                <a:spcPts val="0"/>
-              </a:spcBef>
-              <a:spcAft>
-                <a:spcPts val="0"/>
-              </a:spcAft>
-              <a:buSzPts val="1800"/>
-              <a:buChar char="●"/>
-            </a:pPr>
-            <a:r>
-              <a:rPr lang="en-US" sz="1800" dirty="0" smtClean="0"/>
-              <a:t>There are 2 main factors that lead to cataract:</a:t>
-            </a:r>
-          </a:p>
-          <a:p>
-            <a:pPr lvl="1" indent="-342900">
-              <a:lnSpc>
-                <a:spcPct val="100000"/>
-              </a:lnSpc>
-              <a:spcBef>
-                <a:spcPts val="0"/>
-              </a:spcBef>
-              <a:buSzPts val="1800"/>
-              <a:buChar char="●"/>
-            </a:pPr>
-            <a:r>
-              <a:rPr lang="en-US" sz="1650" dirty="0" smtClean="0"/>
-              <a:t>2: </a:t>
-            </a:r>
-            <a:r>
-              <a:rPr lang="en-US" sz="1650" dirty="0" err="1" smtClean="0"/>
-              <a:t>Desolubilization</a:t>
-            </a:r>
-            <a:r>
-              <a:rPr lang="en-US" sz="1650" dirty="0" smtClean="0"/>
-              <a:t> of </a:t>
-            </a:r>
-            <a:r>
-              <a:rPr lang="en-US" sz="1650" dirty="0" err="1" smtClean="0"/>
+            <a:r>
+              <a:rPr lang="en-US" sz="2400" dirty="0" smtClean="0"/>
+              <a:t>Cataract is opacification of the lens; when the lens becomes cloudy and blocks vision</a:t>
+            </a:r>
+          </a:p>
+          <a:p>
+            <a:r>
+              <a:rPr lang="en-US" sz="2400" dirty="0" smtClean="0"/>
+              <a:t>Opaque areas are aggregates of </a:t>
+            </a:r>
+            <a:r>
+              <a:rPr lang="en-US" sz="2400" dirty="0" err="1" smtClean="0"/>
+              <a:t>desolubilized</a:t>
+            </a:r>
+            <a:r>
+              <a:rPr lang="en-US" sz="2400" dirty="0" smtClean="0"/>
+              <a:t> </a:t>
+            </a:r>
+            <a:r>
+              <a:rPr lang="en-US" sz="2400" dirty="0" err="1" smtClean="0"/>
               <a:t>crystallin</a:t>
             </a:r>
             <a:r>
-              <a:rPr lang="en-US" sz="1650" dirty="0" smtClean="0"/>
-              <a:t> </a:t>
-            </a:r>
-            <a:r>
-              <a:rPr lang="en-US" sz="1650" dirty="0" smtClean="0"/>
-              <a:t>proteins</a:t>
-            </a:r>
-          </a:p>
-          <a:p>
-            <a:pPr marL="571500" lvl="1" indent="0">
-              <a:lnSpc>
-                <a:spcPct val="100000"/>
-              </a:lnSpc>
-              <a:spcBef>
-                <a:spcPts val="0"/>
-              </a:spcBef>
-              <a:buSzPts val="1800"/>
-              <a:buNone/>
-            </a:pPr>
-            <a:endParaRPr lang="en-US" sz="1650" dirty="0" smtClean="0"/>
-          </a:p>
-          <a:p>
-            <a:pPr lvl="2" indent="-342900">
-              <a:lnSpc>
-                <a:spcPct val="100000"/>
-              </a:lnSpc>
-              <a:spcBef>
-                <a:spcPts val="0"/>
-              </a:spcBef>
-              <a:buSzPts val="1800"/>
-              <a:buChar char="●"/>
-            </a:pPr>
-            <a:r>
-              <a:rPr lang="en-US" sz="1350" dirty="0" smtClean="0"/>
-              <a:t>Cells have limited supply of proteins; eventually, </a:t>
-            </a:r>
-            <a:r>
-              <a:rPr lang="en" sz="1400" dirty="0" smtClean="0"/>
-              <a:t>α-crystallin runs out</a:t>
-            </a:r>
-          </a:p>
-          <a:p>
-            <a:pPr lvl="3" indent="-342900">
-              <a:lnSpc>
-                <a:spcPct val="100000"/>
-              </a:lnSpc>
-              <a:spcBef>
-                <a:spcPts val="0"/>
-              </a:spcBef>
-              <a:buSzPts val="1800"/>
-            </a:pPr>
-            <a:r>
-              <a:rPr lang="en" sz="1400" dirty="0" smtClean="0"/>
-              <a:t>No active </a:t>
-            </a:r>
-            <a:r>
-              <a:rPr lang="en" sz="1400" dirty="0"/>
-              <a:t>α-crystallin </a:t>
-            </a:r>
-            <a:r>
-              <a:rPr lang="en" sz="1400" dirty="0" smtClean="0"/>
-              <a:t>remains by age 40.</a:t>
-            </a:r>
-          </a:p>
-          <a:p>
-            <a:pPr lvl="2" indent="-342900">
-              <a:lnSpc>
-                <a:spcPct val="100000"/>
-              </a:lnSpc>
-              <a:spcBef>
-                <a:spcPts val="0"/>
-              </a:spcBef>
-              <a:buSzPts val="1800"/>
-              <a:buChar char="●"/>
-            </a:pPr>
-            <a:r>
-              <a:rPr lang="en" sz="1400" dirty="0"/>
-              <a:t>Without </a:t>
-            </a:r>
-            <a:r>
-              <a:rPr lang="en" sz="1400" dirty="0" smtClean="0"/>
-              <a:t>α-crystallin, oxidized βγ-crystallins aggregate and desolubilize</a:t>
-            </a:r>
-          </a:p>
-          <a:p>
-            <a:pPr lvl="3" indent="-342900">
-              <a:lnSpc>
-                <a:spcPct val="100000"/>
-              </a:lnSpc>
-              <a:spcBef>
-                <a:spcPts val="0"/>
-              </a:spcBef>
-              <a:buSzPts val="1800"/>
-            </a:pPr>
-            <a:r>
-              <a:rPr lang="en" sz="1400" dirty="0" smtClean="0"/>
-              <a:t>Damage from reactive oxygen species, which is no longer prevented by antioxidants.</a:t>
-            </a:r>
-          </a:p>
-          <a:p>
-            <a:pPr lvl="3" indent="-342900">
-              <a:lnSpc>
-                <a:spcPct val="100000"/>
-              </a:lnSpc>
-              <a:spcBef>
-                <a:spcPts val="0"/>
-              </a:spcBef>
-              <a:buSzPts val="1800"/>
-            </a:pPr>
-            <a:r>
-              <a:rPr lang="en" sz="1400" dirty="0" smtClean="0"/>
-              <a:t>Protein-protein interactions, especially crosslinking</a:t>
-            </a:r>
-          </a:p>
-          <a:p>
-            <a:pPr lvl="3" indent="-342900">
-              <a:lnSpc>
-                <a:spcPct val="100000"/>
-              </a:lnSpc>
-              <a:spcBef>
-                <a:spcPts val="0"/>
-              </a:spcBef>
-              <a:buSzPts val="1800"/>
-            </a:pPr>
-            <a:r>
-              <a:rPr lang="en" sz="1400" dirty="0" smtClean="0"/>
-              <a:t>Desolubilized aggregates are opaque, forming cataracts.</a:t>
-            </a:r>
-            <a:endParaRPr lang="en" sz="1400" b="1" dirty="0" smtClean="0"/>
-          </a:p>
-          <a:p>
-            <a:pPr lvl="2" indent="-342900">
-              <a:lnSpc>
-                <a:spcPct val="100000"/>
-              </a:lnSpc>
-              <a:spcBef>
-                <a:spcPts val="0"/>
-              </a:spcBef>
-              <a:buSzPts val="1800"/>
-              <a:buChar char="●"/>
-            </a:pPr>
-            <a:endParaRPr lang="en" sz="1400" dirty="0" smtClean="0"/>
-          </a:p>
-          <a:p>
-            <a:pPr lvl="2" indent="-342900">
-              <a:lnSpc>
-                <a:spcPct val="100000"/>
-              </a:lnSpc>
-              <a:spcBef>
-                <a:spcPts val="0"/>
-              </a:spcBef>
-              <a:buSzPts val="1800"/>
-              <a:buChar char="●"/>
-            </a:pPr>
-            <a:endParaRPr sz="1350" dirty="0"/>
+              <a:rPr lang="en-US" sz="2400" dirty="0" smtClean="0"/>
+              <a:t> proteins</a:t>
+            </a:r>
+          </a:p>
+          <a:p>
+            <a:endParaRPr lang="en-US" sz="2400" dirty="0"/>
+          </a:p>
+          <a:p>
+            <a:endParaRPr lang="en-US" sz="2400" dirty="0" smtClean="0"/>
+          </a:p>
+          <a:p>
+            <a:endParaRPr sz="2400" dirty="0"/>
           </a:p>
         </p:txBody>
       </p:sp>
     </p:spTree>
     <p:extLst>
       <p:ext uri="{BB962C8B-B14F-4D97-AF65-F5344CB8AC3E}">
-        <p14:creationId xmlns:p14="http://schemas.microsoft.com/office/powerpoint/2010/main" val="2549590270"/>
+        <p14:creationId xmlns:p14="http://schemas.microsoft.com/office/powerpoint/2010/main" val="1688379018"/>
       </p:ext>
     </p:extLst>
   </p:cSld>
@@ -6886,7 +5826,7 @@
   <p:cSld>
     <p:spTree>
       <p:nvGrpSpPr>
-        <p:cNvPr id="1" name="Shape 84"/>
+        <p:cNvPr id="1" name=""/>
         <p:cNvGrpSpPr/>
         <p:nvPr/>
       </p:nvGrpSpPr>
@@ -6900,117 +5840,33 @@
       </p:grpSpPr>
       <p:sp>
         <p:nvSpPr>
-          <p:cNvPr id="85" name="Google Shape;85;p17"/>
-          <p:cNvSpPr txBox="1">
-            <a:spLocks noGrp="1"/>
-          </p:cNvSpPr>
-          <p:nvPr>
-            <p:ph type="title"/>
-          </p:nvPr>
-        </p:nvSpPr>
-        <p:spPr>
-          <a:prstGeom prst="rect">
-            <a:avLst/>
-          </a:prstGeom>
-        </p:spPr>
-        <p:txBody>
-          <a:bodyPr spcFirstLastPara="1" wrap="square" lIns="91425" tIns="91425" rIns="91425" bIns="91425" anchor="t" anchorCtr="0">
-            <a:noAutofit/>
-          </a:bodyPr>
+          <p:cNvPr id="3" name="Text Placeholder 2"/>
+          <p:cNvSpPr>
+            <a:spLocks noGrp="1"/>
+          </p:cNvSpPr>
+          <p:nvPr>
+            <p:ph type="body" idx="1"/>
+          </p:nvPr>
+        </p:nvSpPr>
+        <p:spPr/>
+        <p:txBody>
+          <a:bodyPr/>
           <a:lstStyle/>
           <a:p>
-            <a:pPr marL="0" lvl="0" indent="0" algn="l" rtl="0">
-              <a:spcBef>
-                <a:spcPts val="0"/>
-              </a:spcBef>
-              <a:spcAft>
-                <a:spcPts val="0"/>
-              </a:spcAft>
-              <a:buNone/>
-            </a:pPr>
-            <a:r>
-              <a:rPr lang="en"/>
-              <a:t>Hypotheses</a:t>
-            </a:r>
-            <a:endParaRPr/>
-          </a:p>
-        </p:txBody>
-      </p:sp>
-      <p:sp>
-        <p:nvSpPr>
-          <p:cNvPr id="86" name="Google Shape;86;p17"/>
-          <p:cNvSpPr txBox="1">
-            <a:spLocks noGrp="1"/>
-          </p:cNvSpPr>
-          <p:nvPr>
-            <p:ph type="body" idx="1"/>
-          </p:nvPr>
-        </p:nvSpPr>
-        <p:spPr>
-          <a:xfrm>
-            <a:off x="311700" y="1311499"/>
-            <a:ext cx="8520600" cy="3416400"/>
-          </a:xfrm>
-          <a:prstGeom prst="rect">
-            <a:avLst/>
-          </a:prstGeom>
-        </p:spPr>
-        <p:txBody>
-          <a:bodyPr spcFirstLastPara="1" wrap="square" lIns="91425" tIns="91425" rIns="91425" bIns="91425" anchor="t" anchorCtr="0">
-            <a:noAutofit/>
-          </a:bodyPr>
-          <a:lstStyle/>
-          <a:p>
-            <a:pPr marL="0" lvl="0" indent="0" algn="l" rtl="0">
-              <a:spcBef>
-                <a:spcPts val="0"/>
-              </a:spcBef>
-              <a:spcAft>
-                <a:spcPts val="0"/>
-              </a:spcAft>
-              <a:buNone/>
-            </a:pPr>
-            <a:r>
-              <a:rPr lang="en" sz="1800" dirty="0"/>
-              <a:t>Hypothesis: Cataracts are a result of a combination of genetic factors and environmental stresses.</a:t>
-            </a:r>
-            <a:endParaRPr sz="1800" dirty="0"/>
-          </a:p>
-          <a:p>
-            <a:pPr marL="0" lvl="0" indent="0" algn="l" rtl="0">
-              <a:spcBef>
-                <a:spcPts val="1600"/>
-              </a:spcBef>
-              <a:spcAft>
-                <a:spcPts val="0"/>
-              </a:spcAft>
-              <a:buNone/>
-            </a:pPr>
-            <a:r>
-              <a:rPr lang="en" sz="1800" dirty="0"/>
-              <a:t>Hypothesis: By increasing the concentration of α-crystallin and antioxidants, the development of cataracts can be mitigated.</a:t>
-            </a:r>
-            <a:endParaRPr sz="1800" dirty="0"/>
-          </a:p>
-          <a:p>
-            <a:pPr marL="0" lvl="0" indent="0" algn="l" rtl="0">
-              <a:spcBef>
-                <a:spcPts val="1600"/>
-              </a:spcBef>
-              <a:spcAft>
-                <a:spcPts val="1600"/>
-              </a:spcAft>
-              <a:buNone/>
-            </a:pPr>
-            <a:r>
-              <a:rPr lang="en" sz="1800" dirty="0"/>
-              <a:t>Hypothesis: A pre-existing cataract may be treatable by dissolving the protein aggregate, then binding the free proteins with α-crystallin.</a:t>
-            </a:r>
-            <a:endParaRPr sz="1800" dirty="0"/>
+            <a:r>
+              <a:rPr lang="en-US" dirty="0" smtClean="0"/>
+              <a:t>Methods</a:t>
+            </a:r>
+            <a:endParaRPr lang="en-US" dirty="0"/>
           </a:p>
         </p:txBody>
       </p:sp>
     </p:spTree>
+    <p:extLst>
+      <p:ext uri="{BB962C8B-B14F-4D97-AF65-F5344CB8AC3E}">
+        <p14:creationId xmlns:p14="http://schemas.microsoft.com/office/powerpoint/2010/main" val="2335030857"/>
+      </p:ext>
+    </p:extLst>
   </p:cSld>
   <p:clrMapOvr>
     <a:masterClrMapping/>
@@ -7023,7 +5879,7 @@
   <p:cSld>
     <p:spTree>
       <p:nvGrpSpPr>
-        <p:cNvPr id="1" name="Shape 90"/>
+        <p:cNvPr id="1" name=""/>
         <p:cNvGrpSpPr/>
         <p:nvPr/>
       </p:nvGrpSpPr>
@@ -7037,616 +5893,33 @@
       </p:grpSpPr>
       <p:sp>
         <p:nvSpPr>
-          <p:cNvPr id="91" name="Google Shape;91;p18"/>
-          <p:cNvSpPr txBox="1">
-            <a:spLocks noGrp="1"/>
-          </p:cNvSpPr>
-          <p:nvPr>
-            <p:ph type="title"/>
-          </p:nvPr>
-        </p:nvSpPr>
-        <p:spPr>
-          <a:prstGeom prst="rect">
-            <a:avLst/>
-          </a:prstGeom>
-        </p:spPr>
-        <p:txBody>
-          <a:bodyPr spcFirstLastPara="1" wrap="square" lIns="91425" tIns="91425" rIns="91425" bIns="91425" anchor="t" anchorCtr="0">
-            <a:noAutofit/>
-          </a:bodyPr>
+          <p:cNvPr id="3" name="Text Placeholder 2"/>
+          <p:cNvSpPr>
+            <a:spLocks noGrp="1"/>
+          </p:cNvSpPr>
+          <p:nvPr>
+            <p:ph type="body" idx="1"/>
+          </p:nvPr>
+        </p:nvSpPr>
+        <p:spPr/>
+        <p:txBody>
+          <a:bodyPr/>
           <a:lstStyle/>
           <a:p>
-            <a:pPr marL="0" lvl="0" indent="0" algn="l" rtl="0">
-              <a:spcBef>
-                <a:spcPts val="0"/>
-              </a:spcBef>
-              <a:spcAft>
-                <a:spcPts val="0"/>
-              </a:spcAft>
-              <a:buNone/>
-            </a:pPr>
-            <a:r>
-              <a:rPr lang="en"/>
-              <a:t>Works Cited</a:t>
-            </a:r>
-            <a:endParaRPr/>
-          </a:p>
-        </p:txBody>
-      </p:sp>
-      <p:sp>
-        <p:nvSpPr>
-          <p:cNvPr id="92" name="Google Shape;92;p18"/>
-          <p:cNvSpPr txBox="1">
-            <a:spLocks noGrp="1"/>
-          </p:cNvSpPr>
-          <p:nvPr>
-            <p:ph type="body" idx="1"/>
-          </p:nvPr>
-        </p:nvSpPr>
-        <p:spPr>
-          <a:xfrm>
-            <a:off x="311700" y="1311499"/>
-            <a:ext cx="8520600" cy="3416400"/>
-          </a:xfrm>
-          <a:prstGeom prst="rect">
-            <a:avLst/>
-          </a:prstGeom>
-        </p:spPr>
-        <p:txBody>
-          <a:bodyPr spcFirstLastPara="1" wrap="square" lIns="91425" tIns="91425" rIns="91425" bIns="91425" anchor="t" anchorCtr="0">
-            <a:noAutofit/>
-          </a:bodyPr>
-          <a:lstStyle/>
-          <a:p>
-            <a:pPr marL="228600" lvl="0" indent="-228600" algn="l" rtl="0">
-              <a:spcBef>
-                <a:spcPts val="0"/>
-              </a:spcBef>
-              <a:spcAft>
-                <a:spcPts val="0"/>
-              </a:spcAft>
-              <a:buClr>
-                <a:schemeClr val="dk1"/>
-              </a:buClr>
-              <a:buSzPts val="1100"/>
-              <a:buFont typeface="Arial"/>
-              <a:buNone/>
-            </a:pPr>
-            <a:r>
-              <a:rPr lang="en" sz="1100" dirty="0">
-                <a:solidFill>
-                  <a:schemeClr val="dk1"/>
-                </a:solidFill>
-              </a:rPr>
-              <a:t>Basha, Eman, et al. “Small Heat Shock Proteins and α-Crystallins: Dynamic Proteins with Flexible Functions.” </a:t>
-            </a:r>
-            <a:r>
-              <a:rPr lang="en" sz="1100" i="1" dirty="0">
-                <a:solidFill>
-                  <a:schemeClr val="dk1"/>
-                </a:solidFill>
-              </a:rPr>
-              <a:t>Trends in Biochemical Sciences</a:t>
-            </a:r>
-            <a:r>
-              <a:rPr lang="en" sz="1100" dirty="0">
-                <a:solidFill>
-                  <a:schemeClr val="dk1"/>
-                </a:solidFill>
-              </a:rPr>
-              <a:t>, vol. 37, no. 3, Mar. 2012, pp. 106–117., doi:10.1016/j.tibs.2011.11.005.</a:t>
-            </a:r>
-            <a:endParaRPr sz="1100" dirty="0">
-              <a:solidFill>
-                <a:schemeClr val="dk1"/>
-              </a:solidFill>
-            </a:endParaRPr>
-          </a:p>
-          <a:p>
-            <a:pPr marL="228600" lvl="0" indent="-228600" algn="l" rtl="0">
-              <a:spcBef>
-                <a:spcPts val="0"/>
-              </a:spcBef>
-              <a:spcAft>
-                <a:spcPts val="0"/>
-              </a:spcAft>
-              <a:buClr>
-                <a:schemeClr val="dk1"/>
-              </a:buClr>
-              <a:buSzPts val="1100"/>
-              <a:buFont typeface="Arial"/>
-              <a:buNone/>
-            </a:pPr>
-            <a:r>
-              <a:rPr lang="en" sz="1100" dirty="0">
-                <a:solidFill>
-                  <a:schemeClr val="dk1"/>
-                </a:solidFill>
-              </a:rPr>
-              <a:t>Hejtmancik, J Fielding, and Marc Kantorow. “Molecular genetics of age-related cataract.” </a:t>
-            </a:r>
-            <a:r>
-              <a:rPr lang="en" sz="1100" i="1" dirty="0">
-                <a:solidFill>
-                  <a:schemeClr val="dk1"/>
-                </a:solidFill>
-              </a:rPr>
-              <a:t>Experimental eye research</a:t>
-            </a:r>
-            <a:r>
-              <a:rPr lang="en" sz="1100" dirty="0">
-                <a:solidFill>
-                  <a:schemeClr val="dk1"/>
-                </a:solidFill>
-              </a:rPr>
-              <a:t> vol. 79,1 (2004): 3-9. doi:10.1016/j.exer.2004.03.014</a:t>
-            </a:r>
-            <a:endParaRPr sz="1100" dirty="0">
-              <a:solidFill>
-                <a:schemeClr val="dk1"/>
-              </a:solidFill>
-            </a:endParaRPr>
-          </a:p>
-          <a:p>
-            <a:pPr marL="228600" lvl="0" indent="-228600" algn="l" rtl="0">
-              <a:spcBef>
-                <a:spcPts val="0"/>
-              </a:spcBef>
-              <a:spcAft>
-                <a:spcPts val="0"/>
-              </a:spcAft>
-              <a:buClr>
-                <a:schemeClr val="dk1"/>
-              </a:buClr>
-              <a:buSzPts val="1100"/>
-              <a:buFont typeface="Arial"/>
-              <a:buNone/>
-            </a:pPr>
-            <a:r>
-              <a:rPr lang="en" sz="1100" dirty="0">
-                <a:solidFill>
-                  <a:schemeClr val="dk1"/>
-                </a:solidFill>
-              </a:rPr>
-              <a:t>Ho, Min-Chieh, et al. “Senile Cataracts and Oxidative Stress.” </a:t>
-            </a:r>
-            <a:r>
-              <a:rPr lang="en" sz="1100" i="1" dirty="0">
-                <a:solidFill>
-                  <a:schemeClr val="dk1"/>
-                </a:solidFill>
-              </a:rPr>
-              <a:t>Journal of Clinical Gerontology and Geriatrics</a:t>
-            </a:r>
-            <a:r>
-              <a:rPr lang="en" sz="1100" dirty="0">
-                <a:solidFill>
-                  <a:schemeClr val="dk1"/>
-                </a:solidFill>
-              </a:rPr>
-              <a:t>, vol. 1, no. 1, 29 July 2010, pp. 17–21., doi:10.1016/j.jcgg.2010.10.006.</a:t>
-            </a:r>
-            <a:endParaRPr sz="1100" dirty="0">
-              <a:solidFill>
-                <a:schemeClr val="dk1"/>
-              </a:solidFill>
-            </a:endParaRPr>
-          </a:p>
-          <a:p>
-            <a:pPr marL="228600" lvl="0" indent="-228600" algn="l" rtl="0">
-              <a:spcBef>
-                <a:spcPts val="0"/>
-              </a:spcBef>
-              <a:spcAft>
-                <a:spcPts val="0"/>
-              </a:spcAft>
-              <a:buClr>
-                <a:schemeClr val="dk1"/>
-              </a:buClr>
-              <a:buSzPts val="1100"/>
-              <a:buFont typeface="Arial"/>
-              <a:buNone/>
-            </a:pPr>
-            <a:r>
-              <a:rPr lang="en" sz="1100" dirty="0">
-                <a:solidFill>
-                  <a:schemeClr val="dk1"/>
-                </a:solidFill>
-              </a:rPr>
-              <a:t>Horwitz, Joseph, et al. “Lens α-Crystallin: Function and Structure.” </a:t>
-            </a:r>
-            <a:r>
-              <a:rPr lang="en" sz="1100" i="1" dirty="0">
-                <a:solidFill>
-                  <a:schemeClr val="dk1"/>
-                </a:solidFill>
-              </a:rPr>
-              <a:t>Eye</a:t>
-            </a:r>
-            <a:r>
-              <a:rPr lang="en" sz="1100" dirty="0">
-                <a:solidFill>
-                  <a:schemeClr val="dk1"/>
-                </a:solidFill>
-              </a:rPr>
-              <a:t>, vol. 13, no. 3, 1999, pp. 403–408., doi:10.1038/eye.1999.114.</a:t>
-            </a:r>
-            <a:endParaRPr sz="1100" dirty="0">
-              <a:solidFill>
-                <a:schemeClr val="dk1"/>
-              </a:solidFill>
-            </a:endParaRPr>
-          </a:p>
-          <a:p>
-            <a:pPr marL="228600" lvl="0" indent="-228600" algn="l" rtl="0">
-              <a:spcBef>
-                <a:spcPts val="0"/>
-              </a:spcBef>
-              <a:spcAft>
-                <a:spcPts val="0"/>
-              </a:spcAft>
-              <a:buClr>
-                <a:schemeClr val="dk1"/>
-              </a:buClr>
-              <a:buSzPts val="1100"/>
-              <a:buFont typeface="Arial"/>
-              <a:buNone/>
-            </a:pPr>
-            <a:r>
-              <a:rPr lang="en" sz="1100" dirty="0">
-                <a:solidFill>
-                  <a:schemeClr val="dk1"/>
-                </a:solidFill>
-              </a:rPr>
-              <a:t>Laganowsky, Arthur, et al. “Crystal Structures of Truncated AlphaA and AlphaB Crystallins Reveal Structural Mechanisms of Polydispersity Important for Eye Lens Function.” </a:t>
-            </a:r>
-            <a:r>
-              <a:rPr lang="en" sz="1100" i="1" dirty="0">
-                <a:solidFill>
-                  <a:schemeClr val="dk1"/>
-                </a:solidFill>
-              </a:rPr>
-              <a:t>Protein Science</a:t>
-            </a:r>
-            <a:r>
-              <a:rPr lang="en" sz="1100" dirty="0">
-                <a:solidFill>
-                  <a:schemeClr val="dk1"/>
-                </a:solidFill>
-              </a:rPr>
-              <a:t>, vol. 19, no. 5, 29 Mar. 2010, pp. 1031–1043., doi:10.1002/pro.380.</a:t>
-            </a:r>
-            <a:endParaRPr sz="1100" dirty="0">
-              <a:solidFill>
-                <a:schemeClr val="dk1"/>
-              </a:solidFill>
-            </a:endParaRPr>
-          </a:p>
-          <a:p>
-            <a:pPr marL="228600" lvl="0" indent="-228600" algn="l" rtl="0">
-              <a:spcBef>
-                <a:spcPts val="0"/>
-              </a:spcBef>
-              <a:spcAft>
-                <a:spcPts val="0"/>
-              </a:spcAft>
-              <a:buClr>
-                <a:schemeClr val="dk1"/>
-              </a:buClr>
-              <a:buSzPts val="1100"/>
-              <a:buFont typeface="Arial"/>
-              <a:buNone/>
-            </a:pPr>
-            <a:r>
-              <a:rPr lang="en" sz="1100" dirty="0">
-                <a:solidFill>
-                  <a:schemeClr val="dk1"/>
-                </a:solidFill>
-              </a:rPr>
-              <a:t>Maulucci, Giuseppe, et al. “The Thermal Structural Transition of α-Crystallin Inhibits the Heat Induced Self-Aggregation.” </a:t>
-            </a:r>
-            <a:r>
-              <a:rPr lang="en" sz="1100" i="1" dirty="0">
-                <a:solidFill>
-                  <a:schemeClr val="dk1"/>
-                </a:solidFill>
-              </a:rPr>
-              <a:t>PLoS ONE</a:t>
-            </a:r>
-            <a:r>
-              <a:rPr lang="en" sz="1100" dirty="0">
-                <a:solidFill>
-                  <a:schemeClr val="dk1"/>
-                </a:solidFill>
-              </a:rPr>
-              <a:t>, vol. 6, no. 5, 9 May 2011, doi:10.1371/journal.pone.0018906.</a:t>
-            </a:r>
-            <a:endParaRPr sz="1100" dirty="0">
-              <a:solidFill>
-                <a:schemeClr val="dk1"/>
-              </a:solidFill>
-            </a:endParaRPr>
-          </a:p>
-          <a:p>
-            <a:pPr marL="228600" lvl="0" indent="-228600" algn="l" rtl="0">
-              <a:spcBef>
-                <a:spcPts val="0"/>
-              </a:spcBef>
-              <a:spcAft>
-                <a:spcPts val="0"/>
-              </a:spcAft>
-              <a:buClr>
-                <a:schemeClr val="dk1"/>
-              </a:buClr>
-              <a:buSzPts val="1100"/>
-              <a:buFont typeface="Arial"/>
-              <a:buNone/>
-            </a:pPr>
-            <a:r>
-              <a:rPr lang="en" sz="1100" dirty="0">
-                <a:solidFill>
-                  <a:schemeClr val="dk1"/>
-                </a:solidFill>
-              </a:rPr>
-              <a:t>Michael, R., and A. J. Bron. “The Ageing Lens and Cataract: a Model of Normal and Pathological Ageing.” </a:t>
-            </a:r>
-            <a:r>
-              <a:rPr lang="en" sz="1100" i="1" dirty="0">
-                <a:solidFill>
-                  <a:schemeClr val="dk1"/>
-                </a:solidFill>
-              </a:rPr>
-              <a:t>Philosophical Transactions of the Royal Society B: Biological Sciences</a:t>
-            </a:r>
-            <a:r>
-              <a:rPr lang="en" sz="1100" dirty="0">
-                <a:solidFill>
-                  <a:schemeClr val="dk1"/>
-                </a:solidFill>
-              </a:rPr>
-              <a:t>, vol. 366, no. 1568, 27 Apr. 2011, pp. 1278–1292., doi:10.1098/rstb.2010.0300.</a:t>
-            </a:r>
-            <a:endParaRPr sz="1100" dirty="0">
-              <a:solidFill>
-                <a:schemeClr val="dk1"/>
-              </a:solidFill>
-            </a:endParaRPr>
-          </a:p>
-          <a:p>
-            <a:pPr marL="228600" lvl="0" indent="-228600" algn="l" rtl="0">
-              <a:spcBef>
-                <a:spcPts val="0"/>
-              </a:spcBef>
-              <a:spcAft>
-                <a:spcPts val="0"/>
-              </a:spcAft>
-              <a:buNone/>
-            </a:pPr>
-            <a:r>
-              <a:rPr lang="en" sz="1100" dirty="0">
-                <a:solidFill>
-                  <a:schemeClr val="dk1"/>
-                </a:solidFill>
-              </a:rPr>
-              <a:t>Moreau, Kate L., and Jonathan A. King. “Protein Misfolding and Aggregation in Cataract Disease and Prospects for Prevention.” </a:t>
-            </a:r>
-            <a:r>
-              <a:rPr lang="en" sz="1100" i="1" dirty="0">
-                <a:solidFill>
-                  <a:schemeClr val="dk1"/>
-                </a:solidFill>
-              </a:rPr>
-              <a:t>Trends in Molecular Medicine</a:t>
-            </a:r>
-            <a:r>
-              <a:rPr lang="en" sz="1100" dirty="0">
-                <a:solidFill>
-                  <a:schemeClr val="dk1"/>
-                </a:solidFill>
-              </a:rPr>
-              <a:t>, vol. 18, no. 5, 1 May 2012, pp. 273–282., doi:10.1016/j.molmed.2012.03.005.</a:t>
-            </a:r>
-            <a:endParaRPr sz="1100" dirty="0">
-              <a:solidFill>
-                <a:schemeClr val="dk1"/>
-              </a:solidFill>
-            </a:endParaRPr>
-          </a:p>
-          <a:p>
-            <a:pPr marL="228600" lvl="0" indent="-228600" algn="l" rtl="0">
-              <a:spcBef>
-                <a:spcPts val="0"/>
-              </a:spcBef>
-              <a:spcAft>
-                <a:spcPts val="0"/>
-              </a:spcAft>
-              <a:buClr>
-                <a:schemeClr val="dk1"/>
-              </a:buClr>
-              <a:buSzPts val="1100"/>
-              <a:buFont typeface="Arial"/>
-              <a:buNone/>
-            </a:pPr>
-            <a:r>
-              <a:rPr lang="en" sz="1100" dirty="0">
-                <a:solidFill>
-                  <a:schemeClr val="dk1"/>
-                </a:solidFill>
-              </a:rPr>
-              <a:t>Pizzorno, Joseph. “Glutathione!.” </a:t>
-            </a:r>
-            <a:r>
-              <a:rPr lang="en" sz="1100" i="1" dirty="0">
-                <a:solidFill>
-                  <a:schemeClr val="dk1"/>
-                </a:solidFill>
-              </a:rPr>
-              <a:t>Integrative medicine (Encinitas, Calif.)</a:t>
-            </a:r>
-            <a:r>
-              <a:rPr lang="en" sz="1100" dirty="0">
-                <a:solidFill>
-                  <a:schemeClr val="dk1"/>
-                </a:solidFill>
-              </a:rPr>
-              <a:t> vol. 13,1 (2014): 8-12. </a:t>
-            </a:r>
-            <a:endParaRPr sz="1100" dirty="0">
-              <a:solidFill>
-                <a:schemeClr val="dk1"/>
-              </a:solidFill>
-            </a:endParaRPr>
-          </a:p>
-          <a:p>
-            <a:pPr marL="228600" lvl="0" indent="-228600" algn="l" rtl="0">
-              <a:spcBef>
-                <a:spcPts val="0"/>
-              </a:spcBef>
-              <a:spcAft>
-                <a:spcPts val="0"/>
-              </a:spcAft>
-              <a:buClr>
-                <a:schemeClr val="dk1"/>
-              </a:buClr>
-              <a:buSzPts val="1100"/>
-              <a:buFont typeface="Arial"/>
-              <a:buNone/>
-            </a:pPr>
-            <a:r>
-              <a:rPr lang="en" sz="1100" dirty="0">
-                <a:solidFill>
-                  <a:schemeClr val="dk1"/>
-                </a:solidFill>
-              </a:rPr>
-              <a:t>Sharma, K. Krishna, and Puttur Santhoshkumar. “Lens Aging: Effects of Crystallins.” </a:t>
-            </a:r>
-            <a:r>
-              <a:rPr lang="en" sz="1100" i="1" dirty="0">
-                <a:solidFill>
-                  <a:schemeClr val="dk1"/>
-                </a:solidFill>
-              </a:rPr>
-              <a:t>Biochimica Et Biophysica Acta (BBA) - General Subjects</a:t>
-            </a:r>
-            <a:r>
-              <a:rPr lang="en" sz="1100" dirty="0">
-                <a:solidFill>
-                  <a:schemeClr val="dk1"/>
-                </a:solidFill>
-              </a:rPr>
-              <a:t>, vol. 1790, no. 10, Oct. 2009, pp. 1095–1108., doi:10.1016/j.bbagen.2009.05.008.</a:t>
-            </a:r>
-            <a:endParaRPr sz="1100" dirty="0">
-              <a:solidFill>
-                <a:schemeClr val="dk1"/>
-              </a:solidFill>
-            </a:endParaRPr>
-          </a:p>
-          <a:p>
-            <a:pPr marL="228600" lvl="0" indent="-228600" algn="l" rtl="0">
-              <a:spcBef>
-                <a:spcPts val="0"/>
-              </a:spcBef>
-              <a:spcAft>
-                <a:spcPts val="0"/>
-              </a:spcAft>
-              <a:buClr>
-                <a:schemeClr val="dk1"/>
-              </a:buClr>
-              <a:buSzPts val="1100"/>
-              <a:buFont typeface="Arial"/>
-              <a:buNone/>
-            </a:pPr>
-            <a:r>
-              <a:rPr lang="en" sz="1100" dirty="0">
-                <a:solidFill>
-                  <a:schemeClr val="dk1"/>
-                </a:solidFill>
-              </a:rPr>
-              <a:t>Sweeney, Matthew H.j., and Roger J.w. Truscott. “An Impediment to Glutathione Diffusion in Older Normal Human Lenses: a Possible Precondition for Nuclear Cataract.” </a:t>
-            </a:r>
-            <a:r>
-              <a:rPr lang="en" sz="1100" i="1" dirty="0">
-                <a:solidFill>
-                  <a:schemeClr val="dk1"/>
-                </a:solidFill>
-              </a:rPr>
-              <a:t>Experimental Eye Research</a:t>
-            </a:r>
-            <a:r>
-              <a:rPr lang="en" sz="1100" dirty="0">
-                <a:solidFill>
-                  <a:schemeClr val="dk1"/>
-                </a:solidFill>
-              </a:rPr>
-              <a:t>, vol. 67, no. 5, 25 June 1998, pp. 587–595., doi:10.1006/exer.1998.0549.</a:t>
-            </a:r>
-            <a:endParaRPr sz="1100" dirty="0">
-              <a:solidFill>
-                <a:schemeClr val="dk1"/>
-              </a:solidFill>
-            </a:endParaRPr>
-          </a:p>
-          <a:p>
-            <a:pPr marL="228600" lvl="0" indent="-228600" algn="l" rtl="0">
-              <a:spcBef>
-                <a:spcPts val="0"/>
-              </a:spcBef>
-              <a:spcAft>
-                <a:spcPts val="0"/>
-              </a:spcAft>
-              <a:buClr>
-                <a:schemeClr val="dk1"/>
-              </a:buClr>
-              <a:buSzPts val="1100"/>
-              <a:buFont typeface="Arial"/>
-              <a:buNone/>
-            </a:pPr>
-            <a:r>
-              <a:rPr lang="en" sz="1100" dirty="0">
-                <a:solidFill>
-                  <a:schemeClr val="dk1"/>
-                </a:solidFill>
-              </a:rPr>
-              <a:t>Truscott, Roger J.w. “Age-Related Nuclear Cataract—Oxidation Is the Key.” </a:t>
-            </a:r>
-            <a:r>
-              <a:rPr lang="en" sz="1100" i="1" dirty="0">
-                <a:solidFill>
-                  <a:schemeClr val="dk1"/>
-                </a:solidFill>
-              </a:rPr>
-              <a:t>Experimental Eye Research</a:t>
-            </a:r>
-            <a:r>
-              <a:rPr lang="en" sz="1100" dirty="0">
-                <a:solidFill>
-                  <a:schemeClr val="dk1"/>
-                </a:solidFill>
-              </a:rPr>
-              <a:t>, vol. 80, no. 5, 26 Feb. 2005, pp. 709–725., doi:10.1016/j.exer.2004.12.007.</a:t>
-            </a:r>
-            <a:endParaRPr sz="1100" dirty="0">
-              <a:solidFill>
-                <a:schemeClr val="dk1"/>
-              </a:solidFill>
-            </a:endParaRPr>
-          </a:p>
-          <a:p>
-            <a:pPr marL="228600" lvl="0" indent="-228600" algn="l" rtl="0">
-              <a:spcBef>
-                <a:spcPts val="0"/>
-              </a:spcBef>
-              <a:spcAft>
-                <a:spcPts val="0"/>
-              </a:spcAft>
-              <a:buNone/>
-            </a:pPr>
-            <a:endParaRPr sz="1100" dirty="0"/>
+            <a:r>
+              <a:rPr lang="en-US" dirty="0" smtClean="0"/>
+              <a:t>Results</a:t>
+            </a:r>
+            <a:endParaRPr lang="en-US" dirty="0"/>
           </a:p>
         </p:txBody>
       </p:sp>
     </p:spTree>
+    <p:extLst>
+      <p:ext uri="{BB962C8B-B14F-4D97-AF65-F5344CB8AC3E}">
+        <p14:creationId xmlns:p14="http://schemas.microsoft.com/office/powerpoint/2010/main" val="1132801665"/>
+      </p:ext>
+    </p:extLst>
   </p:cSld>
   <p:clrMapOvr>
     <a:masterClrMapping/>
@@ -7938,54 +6211,54 @@
 </file>
 
 <file path=ppt/theme/theme2.xml><?xml version="1.0" encoding="utf-8"?>
-<a:theme xmlns:a="http://schemas.openxmlformats.org/drawingml/2006/main">
+<a:theme xmlns:a="http://schemas.openxmlformats.org/drawingml/2006/main" name="Office Theme">
   <a:themeElements>
-    <a:clrScheme name="Default">
+    <a:clrScheme name="Office">
       <a:dk1>
-        <a:srgbClr val="000000"/>
+        <a:sysClr val="windowText" lastClr="000000"/>
       </a:dk1>
       <a:lt1>
-        <a:srgbClr val="FFFFFF"/>
+        <a:sysClr val="window" lastClr="FFFFFF"/>
       </a:lt1>
       <a:dk2>
-        <a:srgbClr val="158158"/>
+        <a:srgbClr val="44546A"/>
       </a:dk2>
       <a:lt2>
-        <a:srgbClr val="F3F3F3"/>
+        <a:srgbClr val="E7E6E6"/>
       </a:lt2>
       <a:accent1>
-        <a:srgbClr val="058DC7"/>
+        <a:srgbClr val="5B9BD5"/>
       </a:accent1>
       <a:accent2>
-        <a:srgbClr val="50B432"/>
+        <a:srgbClr val="ED7D31"/>
       </a:accent2>
       <a:accent3>
-        <a:srgbClr val="ED561B"/>
+        <a:srgbClr val="A5A5A5"/>
       </a:accent3>
       <a:accent4>
-        <a:srgbClr val="EDEF00"/>
+        <a:srgbClr val="FFC000"/>
       </a:accent4>
       <a:accent5>
-        <a:srgbClr val="24CBE5"/>
+        <a:srgbClr val="4472C4"/>
       </a:accent5>
       <a:accent6>
-        <a:srgbClr val="64E572"/>
+        <a:srgbClr val="70AD47"/>
       </a:accent6>
       <a:hlink>
-        <a:srgbClr val="2200CC"/>
+        <a:srgbClr val="0563C1"/>
       </a:hlink>
       <a:folHlink>
-        <a:srgbClr val="551A8B"/>
+        <a:srgbClr val="954F72"/>
       </a:folHlink>
     </a:clrScheme>
     <a:fontScheme name="Office">
       <a:majorFont>
-        <a:latin typeface="Arial"/>
+        <a:latin typeface="Calibri Light" panose="020F0302020204030204"/>
         <a:ea typeface=""/>
         <a:cs typeface=""/>
-        <a:font script="Jpan" typeface="ＭＳ Ｐゴシック"/>
+        <a:font script="Jpan" typeface="游ゴシック Light"/>
         <a:font script="Hang" typeface="맑은 고딕"/>
-        <a:font script="Hans" typeface="宋体"/>
+        <a:font script="Hans" typeface="等线 Light"/>
         <a:font script="Hant" typeface="新細明體"/>
         <a:font script="Arab" typeface="Times New Roman"/>
         <a:font script="Hebr" typeface="Times New Roman"/>
@@ -8015,12 +6288,12 @@
         <a:font script="Geor" typeface="Sylfaen"/>
       </a:majorFont>
       <a:minorFont>
-        <a:latin typeface="Arial"/>
+        <a:latin typeface="Calibri" panose="020F0502020204030204"/>
         <a:ea typeface=""/>
         <a:cs typeface=""/>
-        <a:font script="Jpan" typeface="ＭＳ Ｐゴシック"/>
+        <a:font script="Jpan" typeface="游ゴシック"/>
         <a:font script="Hang" typeface="맑은 고딕"/>
-        <a:font script="Hans" typeface="宋体"/>
+        <a:font script="Hans" typeface="等线"/>
         <a:font script="Hant" typeface="新細明體"/>
         <a:font script="Arab" typeface="Arial"/>
         <a:font script="Hebr" typeface="Arial"/>
@@ -8059,161 +6332,141 @@
           <a:gsLst>
             <a:gs pos="0">
               <a:schemeClr val="phClr">
-                <a:tint val="50000"/>
-                <a:satMod val="300000"/>
+                <a:lumMod val="110000"/>
+                <a:satMod val="105000"/>
+                <a:tint val="67000"/>
               </a:schemeClr>
             </a:gs>
-            <a:gs pos="35000">
+            <a:gs pos="50000">
               <a:schemeClr val="phClr">
-                <a:tint val="37000"/>
-                <a:satMod val="300000"/>
+                <a:lumMod val="105000"/>
+                <a:satMod val="103000"/>
+                <a:tint val="73000"/>
               </a:schemeClr>
             </a:gs>
             <a:gs pos="100000">
               <a:schemeClr val="phClr">
-                <a:tint val="15000"/>
-                <a:satMod val="350000"/>
+                <a:lumMod val="105000"/>
+                <a:satMod val="109000"/>
+                <a:tint val="81000"/>
               </a:schemeClr>
             </a:gs>
           </a:gsLst>
-          <a:lin ang="16200000" scaled="1"/>
+          <a:lin ang="5400000" scaled="0"/>
         </a:gradFill>
         <a:gradFill rotWithShape="1">
           <a:gsLst>
             <a:gs pos="0">
               <a:schemeClr val="phClr">
-                <a:tint val="100000"/>
+                <a:satMod val="103000"/>
+                <a:lumMod val="102000"/>
+                <a:tint val="94000"/>
+              </a:schemeClr>
+            </a:gs>
+            <a:gs pos="50000">
+              <a:schemeClr val="phClr">
+                <a:satMod val="110000"/>
+                <a:lumMod val="100000"/>
                 <a:shade val="100000"/>
-                <a:satMod val="130000"/>
               </a:schemeClr>
             </a:gs>
             <a:gs pos="100000">
               <a:schemeClr val="phClr">
-                <a:tint val="50000"/>
-                <a:shade val="100000"/>
-                <a:satMod val="350000"/>
+                <a:lumMod val="99000"/>
+                <a:satMod val="120000"/>
+                <a:shade val="78000"/>
               </a:schemeClr>
             </a:gs>
           </a:gsLst>
-          <a:lin ang="16200000" scaled="0"/>
+          <a:lin ang="5400000" scaled="0"/>
         </a:gradFill>
       </a:fillStyleLst>
       <a:lnStyleLst>
-        <a:ln w="9525" cap="flat" cmpd="sng" algn="ctr">
-          <a:solidFill>
-            <a:schemeClr val="phClr">
-              <a:shade val="95000"/>
-              <a:satMod val="105000"/>
-            </a:schemeClr>
-          </a:solidFill>
-          <a:prstDash val="solid"/>
-        </a:ln>
-        <a:ln w="25400" cap="flat" cmpd="sng" algn="ctr">
+        <a:ln w="6350" cap="flat" cmpd="sng" algn="ctr">
           <a:solidFill>
             <a:schemeClr val="phClr"/>
           </a:solidFill>
           <a:prstDash val="solid"/>
+          <a:miter lim="800000"/>
         </a:ln>
-        <a:ln w="38100" cap="flat" cmpd="sng" algn="ctr">
+        <a:ln w="12700" cap="flat" cmpd="sng" algn="ctr">
           <a:solidFill>
             <a:schemeClr val="phClr"/>
           </a:solidFill>
           <a:prstDash val="solid"/>
+          <a:miter lim="800000"/>
+        </a:ln>
+        <a:ln w="19050" cap="flat" cmpd="sng" algn="ctr">
+          <a:solidFill>
+            <a:schemeClr val="phClr"/>
+          </a:solidFill>
+          <a:prstDash val="solid"/>
+          <a:miter lim="800000"/>
         </a:ln>
       </a:lnStyleLst>
       <a:effectStyleLst>
         <a:effectStyle>
+          <a:effectLst/>
+        </a:effectStyle>
+        <a:effectStyle>
+          <a:effectLst/>
+        </a:effectStyle>
+        <a:effectStyle>
           <a:effectLst>
-            <a:outerShdw blurRad="40000" dist="20000" dir="5400000" rotWithShape="0">
+            <a:outerShdw blurRad="57150" dist="19050" dir="5400000" algn="ctr" rotWithShape="0">
               <a:srgbClr val="000000">
-                <a:alpha val="38000"/>
+                <a:alpha val="63000"/>
               </a:srgbClr>
             </a:outerShdw>
           </a:effectLst>
-        </a:effectStyle>
-        <a:effectStyle>
-          <a:effectLst>
-            <a:outerShdw blurRad="40000" dist="23000" dir="5400000" rotWithShape="0">
-              <a:srgbClr val="000000">
-                <a:alpha val="35000"/>
-              </a:srgbClr>
-            </a:outerShdw>
-          </a:effectLst>
-        </a:effectStyle>
-        <a:effectStyle>
-          <a:effectLst>
-            <a:outerShdw blurRad="40000" dist="23000" dir="5400000" rotWithShape="0">
-              <a:srgbClr val="000000">
-                <a:alpha val="35000"/>
-              </a:srgbClr>
-            </a:outerShdw>
-          </a:effectLst>
-          <a:scene3d>
-            <a:camera prst="orthographicFront">
-              <a:rot lat="0" lon="0" rev="0"/>
-            </a:camera>
-            <a:lightRig rig="threePt" dir="t">
-              <a:rot lat="0" lon="0" rev="1200000"/>
-            </a:lightRig>
-          </a:scene3d>
-          <a:sp3d>
-            <a:bevelT w="63500" h="25400"/>
-          </a:sp3d>
         </a:effectStyle>
       </a:effectStyleLst>
       <a:bgFillStyleLst>
         <a:solidFill>
           <a:schemeClr val="phClr"/>
         </a:solidFill>
+        <a:solidFill>
+          <a:schemeClr val="phClr">
+            <a:tint val="95000"/>
+            <a:satMod val="170000"/>
+          </a:schemeClr>
+        </a:solidFill>
         <a:gradFill rotWithShape="1">
           <a:gsLst>
             <a:gs pos="0">
               <a:schemeClr val="phClr">
-                <a:tint val="40000"/>
-                <a:satMod val="350000"/>
+                <a:tint val="93000"/>
+                <a:satMod val="150000"/>
+                <a:shade val="98000"/>
+                <a:lumMod val="102000"/>
               </a:schemeClr>
             </a:gs>
-            <a:gs pos="40000">
+            <a:gs pos="50000">
               <a:schemeClr val="phClr">
-                <a:tint val="45000"/>
-                <a:shade val="99000"/>
-                <a:satMod val="350000"/>
+                <a:tint val="98000"/>
+                <a:satMod val="130000"/>
+                <a:shade val="90000"/>
+                <a:lumMod val="103000"/>
               </a:schemeClr>
             </a:gs>
             <a:gs pos="100000">
               <a:schemeClr val="phClr">
-                <a:shade val="20000"/>
-                <a:satMod val="255000"/>
+                <a:shade val="63000"/>
+                <a:satMod val="120000"/>
               </a:schemeClr>
             </a:gs>
           </a:gsLst>
-          <a:path path="circle">
-            <a:fillToRect l="50000" t="-80000" r="50000" b="180000"/>
-          </a:path>
-        </a:gradFill>
-        <a:gradFill rotWithShape="1">
-          <a:gsLst>
-            <a:gs pos="0">
-              <a:schemeClr val="phClr">
-                <a:tint val="80000"/>
-                <a:satMod val="300000"/>
-              </a:schemeClr>
-            </a:gs>
-            <a:gs pos="100000">
-              <a:schemeClr val="phClr">
-                <a:shade val="30000"/>
-                <a:satMod val="200000"/>
-              </a:schemeClr>
-            </a:gs>
-          </a:gsLst>
-          <a:path path="circle">
-            <a:fillToRect l="50000" t="50000" r="50000" b="50000"/>
-          </a:path>
+          <a:lin ang="5400000" scaled="0"/>
         </a:gradFill>
       </a:bgFillStyleLst>
     </a:fmtScheme>
   </a:themeElements>
   <a:objectDefaults/>
   <a:extraClrSchemeLst/>
+  <a:extLst>
+    <a:ext uri="{05A4C25C-085E-4340-85A3-A5531E510DB2}">
+      <thm15:themeFamily xmlns:thm15="http://schemas.microsoft.com/office/thememl/2012/main" name="Office Theme" id="{62F939B6-93AF-4DB8-9C6B-D6C7DFDC589F}" vid="{4A3C46E8-61CC-4603-A589-7422A47A8E4A}"/>
+    </a:ext>
+  </a:extLst>
 </a:theme>
 </file>
--- a/Cataract.pptx
+++ b/Cataract.pptx
@@ -140,6 +140,9 @@
           </p14:sldIdLst>
         </p14:section>
       </p14:sectionLst>
+    </p:ext>
+    <p:ext uri="{EFAFB233-063F-42B5-8137-9DF3F51BA10A}">
+      <p15:sldGuideLst xmlns:p15="http://schemas.microsoft.com/office/powerpoint/2012/main"/>
     </p:ext>
   </p:extLst>
 </p:presentation>
@@ -5294,11 +5297,7 @@
           <a:p>
             <a:r>
               <a:rPr lang="en" sz="2400" dirty="0"/>
-              <a:t>Three parts: capsule (outer elastic layer of cells), epithelium (cells that divide to produce fiber cells), fiber cells (clear, organelle-free cells</a:t>
-            </a:r>
-            <a:r>
-              <a:rPr lang="en" sz="2400" dirty="0"/>
-              <a:t>)</a:t>
+              <a:t>Three parts: capsule (outer elastic layer of cells), epithelium (cells that divide to produce fiber cells), fiber cells (clear, organelle-free cells)</a:t>
             </a:r>
             <a:endParaRPr sz="2400" dirty="0"/>
           </a:p>
@@ -5512,11 +5511,7 @@
             </a:pPr>
             <a:r>
               <a:rPr lang="en" sz="2200" dirty="0"/>
-              <a:t>α-crystallin: Structural protein and "chaperone" (binds to proteins to stabilize and prevent aggregation, but doesn't refold them). Two units: αA, </a:t>
-            </a:r>
-            <a:r>
-              <a:rPr lang="en" sz="2200" dirty="0"/>
-              <a:t>αB</a:t>
+              <a:t>α-crystallin: Structural protein and "chaperone" (binds to proteins to stabilize and prevent aggregation, but doesn't refold them). Two units: αA, αB</a:t>
             </a:r>
           </a:p>
           <a:p>
@@ -5539,11 +5534,7 @@
             </a:pPr>
             <a:r>
               <a:rPr lang="en" sz="2200" dirty="0"/>
-              <a:t>β- and γ-crystallin: Structural protein, but otherwise no significant </a:t>
-            </a:r>
-            <a:r>
-              <a:rPr lang="en" sz="2200" dirty="0"/>
-              <a:t>function</a:t>
+              <a:t>β- and γ-crystallin: Structural protein, but otherwise no significant function</a:t>
             </a:r>
           </a:p>
           <a:p>
@@ -5567,15 +5558,7 @@
           <a:p>
             <a:r>
               <a:rPr lang="en" sz="2400" dirty="0"/>
-              <a:t>Glutathione </a:t>
-            </a:r>
-            <a:r>
-              <a:rPr lang="en" sz="2400" dirty="0"/>
-              <a:t>(GSH): Anti-oxidant, prevents oxidation of the crystallins</a:t>
-            </a:r>
-            <a:r>
-              <a:rPr lang="en" sz="2400" dirty="0"/>
-              <a:t>.</a:t>
+              <a:t>Glutathione (GSH): Anti-oxidant, prevents oxidation of the crystallins.</a:t>
             </a:r>
           </a:p>
           <a:p>
@@ -5770,12 +5753,22 @@
           </a:bodyPr>
           <a:lstStyle/>
           <a:p>
+            <a:pPr algn="just">
+              <a:lnSpc>
+                <a:spcPct val="120000"/>
+              </a:lnSpc>
+            </a:pPr>
             <a:r>
               <a:rPr lang="en-US" sz="2400" dirty="0" smtClean="0"/>
               <a:t>Cataract is opacification of the lens; when the lens becomes cloudy and blocks vision</a:t>
             </a:r>
           </a:p>
           <a:p>
+            <a:pPr algn="just">
+              <a:lnSpc>
+                <a:spcPct val="120000"/>
+              </a:lnSpc>
+            </a:pPr>
             <a:r>
               <a:rPr lang="en-US" sz="2400" dirty="0" smtClean="0"/>
               <a:t>Opaque areas are aggregates of </a:t>
@@ -5794,16 +5787,148 @@
             </a:r>
             <a:r>
               <a:rPr lang="en-US" sz="2400" dirty="0" smtClean="0"/>
-              <a:t> proteins</a:t>
-            </a:r>
-          </a:p>
-          <a:p>
+              <a:t> </a:t>
+            </a:r>
+            <a:r>
+              <a:rPr lang="en-US" sz="2400" dirty="0" smtClean="0"/>
+              <a:t>proteins</a:t>
+            </a:r>
+          </a:p>
+          <a:p>
+            <a:pPr algn="just">
+              <a:lnSpc>
+                <a:spcPct val="120000"/>
+              </a:lnSpc>
+            </a:pPr>
+            <a:r>
+              <a:rPr lang="en-US" sz="2400" dirty="0" smtClean="0"/>
+              <a:t>Cataract is an immediate result of two factors:</a:t>
+            </a:r>
+          </a:p>
+          <a:p>
+            <a:pPr lvl="1" algn="just">
+              <a:lnSpc>
+                <a:spcPct val="120000"/>
+              </a:lnSpc>
+              <a:spcBef>
+                <a:spcPts val="0"/>
+              </a:spcBef>
+            </a:pPr>
+            <a:r>
+              <a:rPr lang="en-US" sz="2200" dirty="0" smtClean="0"/>
+              <a:t>Decrease of glutathione levels</a:t>
+            </a:r>
+          </a:p>
+          <a:p>
+            <a:pPr lvl="2" algn="just">
+              <a:lnSpc>
+                <a:spcPct val="120000"/>
+              </a:lnSpc>
+              <a:spcBef>
+                <a:spcPts val="0"/>
+              </a:spcBef>
+            </a:pPr>
+            <a:r>
+              <a:rPr lang="en-US" sz="1800" dirty="0" smtClean="0"/>
+              <a:t>Formation of lens barrier</a:t>
+            </a:r>
+          </a:p>
+          <a:p>
+            <a:pPr lvl="2" algn="just">
+              <a:lnSpc>
+                <a:spcPct val="120000"/>
+              </a:lnSpc>
+              <a:spcBef>
+                <a:spcPts val="0"/>
+              </a:spcBef>
+            </a:pPr>
+            <a:r>
+              <a:rPr lang="en-US" sz="1800" dirty="0" smtClean="0"/>
+              <a:t>Decreased recycling efficiency</a:t>
+            </a:r>
+          </a:p>
+          <a:p>
+            <a:pPr lvl="1" algn="just">
+              <a:lnSpc>
+                <a:spcPct val="120000"/>
+              </a:lnSpc>
+              <a:spcBef>
+                <a:spcPts val="0"/>
+              </a:spcBef>
+            </a:pPr>
+            <a:r>
+              <a:rPr lang="en-US" sz="2200" dirty="0" smtClean="0"/>
+              <a:t>Usage of </a:t>
+            </a:r>
+            <a:r>
+              <a:rPr lang="el-GR" sz="2200" dirty="0"/>
+              <a:t>α-</a:t>
+            </a:r>
+            <a:r>
+              <a:rPr lang="en-US" sz="2200" dirty="0" err="1" smtClean="0"/>
+              <a:t>crystallin</a:t>
+            </a:r>
+            <a:endParaRPr lang="en-US" sz="2200" dirty="0" smtClean="0"/>
+          </a:p>
+          <a:p>
+            <a:pPr lvl="2" algn="just">
+              <a:lnSpc>
+                <a:spcPct val="120000"/>
+              </a:lnSpc>
+              <a:spcBef>
+                <a:spcPts val="0"/>
+              </a:spcBef>
+            </a:pPr>
+            <a:r>
+              <a:rPr lang="en-US" sz="1800" dirty="0" smtClean="0"/>
+              <a:t>Limited supply; by age 40, no </a:t>
+            </a:r>
+            <a:r>
+              <a:rPr lang="en" sz="1800" dirty="0" smtClean="0"/>
+              <a:t>α-crystallin remains</a:t>
+            </a:r>
+          </a:p>
+          <a:p>
+            <a:pPr lvl="2" algn="just">
+              <a:lnSpc>
+                <a:spcPct val="120000"/>
+              </a:lnSpc>
+              <a:spcBef>
+                <a:spcPts val="0"/>
+              </a:spcBef>
+            </a:pPr>
+            <a:r>
+              <a:rPr lang="en" sz="1800" dirty="0"/>
+              <a:t>Mutations in crystallin genes can result in nonfunctional α-crystallin</a:t>
+            </a:r>
+            <a:endParaRPr lang="en-US" sz="1800" dirty="0" smtClean="0"/>
+          </a:p>
+          <a:p>
+            <a:pPr algn="just">
+              <a:lnSpc>
+                <a:spcPct val="120000"/>
+              </a:lnSpc>
+            </a:pPr>
+            <a:r>
+              <a:rPr lang="en-US" sz="2400" dirty="0" smtClean="0"/>
+              <a:t>Currently, only approved treatment is surgical replacement of the lens</a:t>
+            </a:r>
             <a:endParaRPr lang="en-US" sz="2400" dirty="0"/>
           </a:p>
           <a:p>
+            <a:pPr algn="just">
+              <a:lnSpc>
+                <a:spcPct val="120000"/>
+              </a:lnSpc>
+            </a:pPr>
             <a:endParaRPr lang="en-US" sz="2400" dirty="0" smtClean="0"/>
           </a:p>
           <a:p>
+            <a:pPr algn="just">
+              <a:lnSpc>
+                <a:spcPct val="120000"/>
+              </a:lnSpc>
+            </a:pPr>
             <a:endParaRPr sz="2400" dirty="0"/>
           </a:p>
         </p:txBody>

--- a/Cataract.pptx
+++ b/Cataract.pptx
@@ -5,7 +5,7 @@
     <p:sldMasterId id="2147483660" r:id="rId1"/>
   </p:sldMasterIdLst>
   <p:notesMasterIdLst>
-    <p:notesMasterId r:id="rId9"/>
+    <p:notesMasterId r:id="rId12"/>
   </p:notesMasterIdLst>
   <p:sldIdLst>
     <p:sldId id="257" r:id="rId2"/>
@@ -14,7 +14,10 @@
     <p:sldId id="259" r:id="rId5"/>
     <p:sldId id="263" r:id="rId6"/>
     <p:sldId id="261" r:id="rId7"/>
-    <p:sldId id="262" r:id="rId8"/>
+    <p:sldId id="266" r:id="rId8"/>
+    <p:sldId id="267" r:id="rId9"/>
+    <p:sldId id="262" r:id="rId10"/>
+    <p:sldId id="268" r:id="rId11"/>
   </p:sldIdLst>
   <p:sldSz cx="12192000" cy="6858000"/>
   <p:notesSz cx="6858000" cy="9144000"/>
@@ -132,11 +135,14 @@
         <p14:section name="Methods" id="{2B02DADB-1D05-47E6-8432-8628A2D759C9}">
           <p14:sldIdLst>
             <p14:sldId id="261"/>
+            <p14:sldId id="266"/>
+            <p14:sldId id="267"/>
           </p14:sldIdLst>
         </p14:section>
         <p14:section name="Results" id="{6F96C0F7-2CBF-41E1-A440-B68F9DBAA433}">
           <p14:sldIdLst>
             <p14:sldId id="262"/>
+            <p14:sldId id="268"/>
           </p14:sldIdLst>
         </p14:section>
       </p14:sectionLst>
@@ -230,7 +236,7 @@
           <a:p>
             <a:fld id="{5AB92EA7-858F-4B44-B015-877BFE5925AB}" type="datetimeFigureOut">
               <a:rPr lang="en-US" smtClean="0"/>
-              <a:t>7/25/2019</a:t>
+              <a:t>7/26/2019</a:t>
             </a:fld>
             <a:endParaRPr lang="en-US"/>
           </a:p>
@@ -1180,7 +1186,7 @@
           <a:p>
             <a:fld id="{809CEF2D-C839-41A0-817E-03595D1CB546}" type="datetimeFigureOut">
               <a:rPr lang="en-US" smtClean="0"/>
-              <a:t>7/25/2019</a:t>
+              <a:t>7/26/2019</a:t>
             </a:fld>
             <a:endParaRPr lang="en-US"/>
           </a:p>
@@ -1388,7 +1394,7 @@
           <a:p>
             <a:fld id="{809CEF2D-C839-41A0-817E-03595D1CB546}" type="datetimeFigureOut">
               <a:rPr lang="en-US" smtClean="0"/>
-              <a:t>7/25/2019</a:t>
+              <a:t>7/26/2019</a:t>
             </a:fld>
             <a:endParaRPr lang="en-US"/>
           </a:p>
@@ -1644,7 +1650,7 @@
           <a:p>
             <a:fld id="{809CEF2D-C839-41A0-817E-03595D1CB546}" type="datetimeFigureOut">
               <a:rPr lang="en-US" smtClean="0"/>
-              <a:t>7/25/2019</a:t>
+              <a:t>7/26/2019</a:t>
             </a:fld>
             <a:endParaRPr lang="en-US"/>
           </a:p>
@@ -2064,6 +2070,187 @@
 </p:sldLayout>
 </file>
 
+<file path=ppt/slideLayouts/slideLayout13.xml><?xml version="1.0" encoding="utf-8"?>
+<p:sldLayout xmlns:a="http://schemas.openxmlformats.org/drawingml/2006/main" xmlns:r="http://schemas.openxmlformats.org/officeDocument/2006/relationships" xmlns:p="http://schemas.openxmlformats.org/presentationml/2006/main" preserve="1" userDrawn="1">
+  <p:cSld name="Custom Layout">
+    <p:spTree>
+      <p:nvGrpSpPr>
+        <p:cNvPr id="1" name=""/>
+        <p:cNvGrpSpPr/>
+        <p:nvPr/>
+      </p:nvGrpSpPr>
+      <p:grpSpPr>
+        <a:xfrm>
+          <a:off x="0" y="0"/>
+          <a:ext cx="0" cy="0"/>
+          <a:chOff x="0" y="0"/>
+          <a:chExt cx="0" cy="0"/>
+        </a:xfrm>
+      </p:grpSpPr>
+      <p:sp>
+        <p:nvSpPr>
+          <p:cNvPr id="3" name="Date Placeholder 2"/>
+          <p:cNvSpPr>
+            <a:spLocks noGrp="1"/>
+          </p:cNvSpPr>
+          <p:nvPr>
+            <p:ph type="dt" sz="half" idx="10"/>
+          </p:nvPr>
+        </p:nvSpPr>
+        <p:spPr/>
+        <p:txBody>
+          <a:bodyPr/>
+          <a:lstStyle/>
+          <a:p>
+            <a:fld id="{809CEF2D-C839-41A0-817E-03595D1CB546}" type="datetimeFigureOut">
+              <a:rPr lang="en-US" smtClean="0"/>
+              <a:t>7/26/2019</a:t>
+            </a:fld>
+            <a:endParaRPr lang="en-US"/>
+          </a:p>
+        </p:txBody>
+      </p:sp>
+      <p:sp>
+        <p:nvSpPr>
+          <p:cNvPr id="4" name="Footer Placeholder 3"/>
+          <p:cNvSpPr>
+            <a:spLocks noGrp="1"/>
+          </p:cNvSpPr>
+          <p:nvPr>
+            <p:ph type="ftr" sz="quarter" idx="11"/>
+          </p:nvPr>
+        </p:nvSpPr>
+        <p:spPr/>
+        <p:txBody>
+          <a:bodyPr/>
+          <a:lstStyle/>
+          <a:p>
+            <a:endParaRPr lang="en-US"/>
+          </a:p>
+        </p:txBody>
+      </p:sp>
+      <p:sp>
+        <p:nvSpPr>
+          <p:cNvPr id="5" name="Slide Number Placeholder 4"/>
+          <p:cNvSpPr>
+            <a:spLocks noGrp="1"/>
+          </p:cNvSpPr>
+          <p:nvPr>
+            <p:ph type="sldNum" sz="quarter" idx="12"/>
+          </p:nvPr>
+        </p:nvSpPr>
+        <p:spPr/>
+        <p:txBody>
+          <a:bodyPr/>
+          <a:lstStyle/>
+          <a:p>
+            <a:fld id="{8F1AC9B5-9543-4447-B896-CFFB2C6D7835}" type="slidenum">
+              <a:rPr lang="en-US" smtClean="0"/>
+              <a:t>‹#›</a:t>
+            </a:fld>
+            <a:endParaRPr lang="en-US"/>
+          </a:p>
+        </p:txBody>
+      </p:sp>
+      <p:sp>
+        <p:nvSpPr>
+          <p:cNvPr id="6" name="Google Shape;71;p15"/>
+          <p:cNvSpPr txBox="1">
+            <a:spLocks noGrp="1"/>
+          </p:cNvSpPr>
+          <p:nvPr>
+            <p:ph type="title"/>
+          </p:nvPr>
+        </p:nvSpPr>
+        <p:spPr>
+          <a:xfrm>
+            <a:off x="1097280" y="593367"/>
+            <a:ext cx="10058400" cy="763600"/>
+          </a:xfrm>
+          <a:prstGeom prst="rect">
+            <a:avLst/>
+          </a:prstGeom>
+        </p:spPr>
+        <p:txBody>
+          <a:bodyPr spcFirstLastPara="1" vert="horz" wrap="square" lIns="121900" tIns="121900" rIns="121900" bIns="121900" rtlCol="0" anchor="t" anchorCtr="0">
+            <a:noAutofit/>
+          </a:bodyPr>
+          <a:lstStyle/>
+          <a:p>
+            <a:endParaRPr dirty="0"/>
+          </a:p>
+        </p:txBody>
+      </p:sp>
+      <p:sp>
+        <p:nvSpPr>
+          <p:cNvPr id="8" name="Content Placeholder 2"/>
+          <p:cNvSpPr>
+            <a:spLocks noGrp="1"/>
+          </p:cNvSpPr>
+          <p:nvPr>
+            <p:ph idx="13"/>
+          </p:nvPr>
+        </p:nvSpPr>
+        <p:spPr>
+          <a:xfrm>
+            <a:off x="1097280" y="1845734"/>
+            <a:ext cx="10058400" cy="4023360"/>
+          </a:xfrm>
+        </p:spPr>
+        <p:txBody>
+          <a:bodyPr/>
+          <a:lstStyle/>
+          <a:p>
+            <a:pPr lvl="0"/>
+            <a:r>
+              <a:rPr lang="en-US" dirty="0" smtClean="0"/>
+              <a:t>Edit Master text styles</a:t>
+            </a:r>
+          </a:p>
+          <a:p>
+            <a:pPr lvl="1"/>
+            <a:r>
+              <a:rPr lang="en-US" dirty="0" smtClean="0"/>
+              <a:t>Second level</a:t>
+            </a:r>
+          </a:p>
+          <a:p>
+            <a:pPr lvl="2"/>
+            <a:r>
+              <a:rPr lang="en-US" dirty="0" smtClean="0"/>
+              <a:t>Third level</a:t>
+            </a:r>
+          </a:p>
+          <a:p>
+            <a:pPr lvl="3"/>
+            <a:r>
+              <a:rPr lang="en-US" dirty="0" smtClean="0"/>
+              <a:t>Fourth level</a:t>
+            </a:r>
+          </a:p>
+          <a:p>
+            <a:pPr lvl="4"/>
+            <a:r>
+              <a:rPr lang="en-US" dirty="0" smtClean="0"/>
+              <a:t>Fifth level</a:t>
+            </a:r>
+            <a:endParaRPr lang="en-US" dirty="0"/>
+          </a:p>
+        </p:txBody>
+      </p:sp>
+    </p:spTree>
+    <p:extLst>
+      <p:ext uri="{BB962C8B-B14F-4D97-AF65-F5344CB8AC3E}">
+        <p14:creationId xmlns:p14="http://schemas.microsoft.com/office/powerpoint/2010/main" val="2003063239"/>
+      </p:ext>
+    </p:extLst>
+  </p:cSld>
+  <p:clrMapOvr>
+    <a:masterClrMapping/>
+  </p:clrMapOvr>
+</p:sldLayout>
+</file>
+
 <file path=ppt/slideLayouts/slideLayout2.xml><?xml version="1.0" encoding="utf-8"?>
 <p:sldLayout xmlns:a="http://schemas.openxmlformats.org/drawingml/2006/main" xmlns:r="http://schemas.openxmlformats.org/officeDocument/2006/relationships" xmlns:p="http://schemas.openxmlformats.org/presentationml/2006/main" type="obj" preserve="1">
   <p:cSld name="Title and Content">
@@ -2125,35 +2312,35 @@
           <a:p>
             <a:pPr lvl="0"/>
             <a:r>
-              <a:rPr lang="en-US" smtClean="0"/>
+              <a:rPr lang="en-US" dirty="0" smtClean="0"/>
               <a:t>Edit Master text styles</a:t>
             </a:r>
           </a:p>
           <a:p>
             <a:pPr lvl="1"/>
             <a:r>
-              <a:rPr lang="en-US" smtClean="0"/>
+              <a:rPr lang="en-US" dirty="0" smtClean="0"/>
               <a:t>Second level</a:t>
             </a:r>
           </a:p>
           <a:p>
             <a:pPr lvl="2"/>
             <a:r>
-              <a:rPr lang="en-US" smtClean="0"/>
+              <a:rPr lang="en-US" dirty="0" smtClean="0"/>
               <a:t>Third level</a:t>
             </a:r>
           </a:p>
           <a:p>
             <a:pPr lvl="3"/>
             <a:r>
-              <a:rPr lang="en-US" smtClean="0"/>
+              <a:rPr lang="en-US" dirty="0" smtClean="0"/>
               <a:t>Fourth level</a:t>
             </a:r>
           </a:p>
           <a:p>
             <a:pPr lvl="4"/>
             <a:r>
-              <a:rPr lang="en-US" smtClean="0"/>
+              <a:rPr lang="en-US" dirty="0" smtClean="0"/>
               <a:t>Fifth level</a:t>
             </a:r>
             <a:endParaRPr lang="en-US" dirty="0"/>
@@ -2177,7 +2364,7 @@
           <a:p>
             <a:fld id="{809CEF2D-C839-41A0-817E-03595D1CB546}" type="datetimeFigureOut">
               <a:rPr lang="en-US" smtClean="0"/>
-              <a:t>7/25/2019</a:t>
+              <a:t>7/26/2019</a:t>
             </a:fld>
             <a:endParaRPr lang="en-US"/>
           </a:p>
@@ -2520,7 +2707,7 @@
           <a:p>
             <a:fld id="{809CEF2D-C839-41A0-817E-03595D1CB546}" type="datetimeFigureOut">
               <a:rPr lang="en-US" smtClean="0"/>
-              <a:t>7/25/2019</a:t>
+              <a:t>7/26/2019</a:t>
             </a:fld>
             <a:endParaRPr lang="en-US"/>
           </a:p>
@@ -2795,7 +2982,7 @@
           <a:p>
             <a:fld id="{809CEF2D-C839-41A0-817E-03595D1CB546}" type="datetimeFigureOut">
               <a:rPr lang="en-US" smtClean="0"/>
-              <a:t>7/25/2019</a:t>
+              <a:t>7/26/2019</a:t>
             </a:fld>
             <a:endParaRPr lang="en-US"/>
           </a:p>
@@ -3174,7 +3361,7 @@
           <a:p>
             <a:fld id="{809CEF2D-C839-41A0-817E-03595D1CB546}" type="datetimeFigureOut">
               <a:rPr lang="en-US" smtClean="0"/>
-              <a:t>7/25/2019</a:t>
+              <a:t>7/26/2019</a:t>
             </a:fld>
             <a:endParaRPr lang="en-US"/>
           </a:p>
@@ -3292,7 +3479,7 @@
           <a:p>
             <a:fld id="{809CEF2D-C839-41A0-817E-03595D1CB546}" type="datetimeFigureOut">
               <a:rPr lang="en-US" smtClean="0"/>
-              <a:t>7/25/2019</a:t>
+              <a:t>7/26/2019</a:t>
             </a:fld>
             <a:endParaRPr lang="en-US"/>
           </a:p>
@@ -3463,7 +3650,7 @@
           <a:p>
             <a:fld id="{809CEF2D-C839-41A0-817E-03595D1CB546}" type="datetimeFigureOut">
               <a:rPr lang="en-US" smtClean="0"/>
-              <a:t>7/25/2019</a:t>
+              <a:t>7/26/2019</a:t>
             </a:fld>
             <a:endParaRPr lang="en-US"/>
           </a:p>
@@ -3685,35 +3872,35 @@
           <a:p>
             <a:pPr lvl="0"/>
             <a:r>
-              <a:rPr lang="en-US" smtClean="0"/>
+              <a:rPr lang="en-US" dirty="0" smtClean="0"/>
               <a:t>Edit Master text styles</a:t>
             </a:r>
           </a:p>
           <a:p>
             <a:pPr lvl="1"/>
             <a:r>
-              <a:rPr lang="en-US" smtClean="0"/>
+              <a:rPr lang="en-US" dirty="0" smtClean="0"/>
               <a:t>Second level</a:t>
             </a:r>
           </a:p>
           <a:p>
             <a:pPr lvl="2"/>
             <a:r>
-              <a:rPr lang="en-US" smtClean="0"/>
+              <a:rPr lang="en-US" dirty="0" smtClean="0"/>
               <a:t>Third level</a:t>
             </a:r>
           </a:p>
           <a:p>
             <a:pPr lvl="3"/>
             <a:r>
-              <a:rPr lang="en-US" smtClean="0"/>
+              <a:rPr lang="en-US" dirty="0" smtClean="0"/>
               <a:t>Fourth level</a:t>
             </a:r>
           </a:p>
           <a:p>
             <a:pPr lvl="4"/>
             <a:r>
-              <a:rPr lang="en-US" smtClean="0"/>
+              <a:rPr lang="en-US" dirty="0" smtClean="0"/>
               <a:t>Fifth level</a:t>
             </a:r>
             <a:endParaRPr lang="en-US" dirty="0"/>
@@ -3817,7 +4004,7 @@
           <a:p>
             <a:fld id="{809CEF2D-C839-41A0-817E-03595D1CB546}" type="datetimeFigureOut">
               <a:rPr lang="en-US" smtClean="0"/>
-              <a:t>7/25/2019</a:t>
+              <a:t>7/26/2019</a:t>
             </a:fld>
             <a:endParaRPr lang="en-US"/>
           </a:p>
@@ -4199,7 +4386,7 @@
           <a:p>
             <a:fld id="{809CEF2D-C839-41A0-817E-03595D1CB546}" type="datetimeFigureOut">
               <a:rPr lang="en-US" smtClean="0"/>
-              <a:t>7/25/2019</a:t>
+              <a:t>7/26/2019</a:t>
             </a:fld>
             <a:endParaRPr lang="en-US"/>
           </a:p>
@@ -4486,7 +4673,7 @@
           <a:p>
             <a:fld id="{809CEF2D-C839-41A0-817E-03595D1CB546}" type="datetimeFigureOut">
               <a:rPr lang="en-US" smtClean="0"/>
-              <a:t>7/25/2019</a:t>
+              <a:t>7/26/2019</a:t>
             </a:fld>
             <a:endParaRPr lang="en-US"/>
           </a:p>
@@ -4625,6 +4812,7 @@
     <p:sldLayoutId id="2147483670" r:id="rId10"/>
     <p:sldLayoutId id="2147483671" r:id="rId11"/>
     <p:sldLayoutId id="2147483672" r:id="rId12"/>
+    <p:sldLayoutId id="2147483673" r:id="rId13"/>
   </p:sldLayoutIdLst>
   <p:txStyles>
     <p:titleStyle>
@@ -5088,6 +5276,117 @@
   <p:clrMapOvr>
     <a:masterClrMapping/>
   </p:clrMapOvr>
+  <p:timing>
+    <p:tnLst>
+      <p:par>
+        <p:cTn id="1" dur="indefinite" restart="never" nodeType="tmRoot"/>
+      </p:par>
+    </p:tnLst>
+  </p:timing>
+</p:sld>
+</file>
+
+<file path=ppt/slides/slide10.xml><?xml version="1.0" encoding="utf-8"?>
+<p:sld xmlns:a="http://schemas.openxmlformats.org/drawingml/2006/main" xmlns:r="http://schemas.openxmlformats.org/officeDocument/2006/relationships" xmlns:p="http://schemas.openxmlformats.org/presentationml/2006/main">
+  <p:cSld>
+    <p:spTree>
+      <p:nvGrpSpPr>
+        <p:cNvPr id="1" name=""/>
+        <p:cNvGrpSpPr/>
+        <p:nvPr/>
+      </p:nvGrpSpPr>
+      <p:grpSpPr>
+        <a:xfrm>
+          <a:off x="0" y="0"/>
+          <a:ext cx="0" cy="0"/>
+          <a:chOff x="0" y="0"/>
+          <a:chExt cx="0" cy="0"/>
+        </a:xfrm>
+      </p:grpSpPr>
+      <p:sp>
+        <p:nvSpPr>
+          <p:cNvPr id="2" name="Title 1"/>
+          <p:cNvSpPr>
+            <a:spLocks noGrp="1"/>
+          </p:cNvSpPr>
+          <p:nvPr>
+            <p:ph type="title"/>
+          </p:nvPr>
+        </p:nvSpPr>
+        <p:spPr/>
+        <p:txBody>
+          <a:bodyPr/>
+          <a:lstStyle/>
+          <a:p>
+            <a:r>
+              <a:rPr lang="en-US" dirty="0" smtClean="0"/>
+              <a:t>Results</a:t>
+            </a:r>
+            <a:endParaRPr lang="en-US" dirty="0"/>
+          </a:p>
+        </p:txBody>
+      </p:sp>
+      <p:sp>
+        <p:nvSpPr>
+          <p:cNvPr id="3" name="Content Placeholder 2"/>
+          <p:cNvSpPr>
+            <a:spLocks noGrp="1"/>
+          </p:cNvSpPr>
+          <p:nvPr>
+            <p:ph idx="1"/>
+          </p:nvPr>
+        </p:nvSpPr>
+        <p:spPr/>
+        <p:txBody>
+          <a:bodyPr/>
+          <a:lstStyle/>
+          <a:p>
+            <a:r>
+              <a:rPr lang="en-US" dirty="0" smtClean="0"/>
+              <a:t>219+162 genes</a:t>
+            </a:r>
+          </a:p>
+          <a:p>
+            <a:r>
+              <a:rPr lang="en-US" dirty="0" smtClean="0"/>
+              <a:t>6995+5712 </a:t>
+            </a:r>
+            <a:r>
+              <a:rPr lang="en-US" dirty="0" err="1" smtClean="0"/>
+              <a:t>coexpression</a:t>
+            </a:r>
+            <a:r>
+              <a:rPr lang="en-US" dirty="0" smtClean="0"/>
+              <a:t> results</a:t>
+            </a:r>
+          </a:p>
+          <a:p>
+            <a:r>
+              <a:rPr lang="en-US" dirty="0" smtClean="0"/>
+              <a:t>4 significant clusters</a:t>
+            </a:r>
+          </a:p>
+          <a:p>
+            <a:r>
+              <a:rPr lang="en-US" dirty="0" smtClean="0"/>
+              <a:t>1 significant pathway</a:t>
+            </a:r>
+          </a:p>
+          <a:p>
+            <a:endParaRPr lang="en-US" dirty="0"/>
+          </a:p>
+        </p:txBody>
+      </p:sp>
+    </p:spTree>
+    <p:extLst>
+      <p:ext uri="{BB962C8B-B14F-4D97-AF65-F5344CB8AC3E}">
+        <p14:creationId xmlns:p14="http://schemas.microsoft.com/office/powerpoint/2010/main" val="3603035915"/>
+      </p:ext>
+    </p:extLst>
+  </p:cSld>
+  <p:clrMapOvr>
+    <a:masterClrMapping/>
+  </p:clrMapOvr>
 </p:sld>
 </file>
 
@@ -5141,6 +5440,13 @@
   <p:clrMapOvr>
     <a:masterClrMapping/>
   </p:clrMapOvr>
+  <p:timing>
+    <p:tnLst>
+      <p:par>
+        <p:cTn id="1" dur="indefinite" restart="never" nodeType="tmRoot"/>
+      </p:par>
+    </p:tnLst>
+  </p:timing>
 </p:sld>
 </file>
 
@@ -5224,35 +5530,6 @@
           <a:lstStyle/>
           <a:p>
             <a:endParaRPr sz="2400"/>
-          </a:p>
-        </p:txBody>
-      </p:sp>
-      <p:sp>
-        <p:nvSpPr>
-          <p:cNvPr id="60" name="Google Shape;60;p14"/>
-          <p:cNvSpPr txBox="1">
-            <a:spLocks noGrp="1"/>
-          </p:cNvSpPr>
-          <p:nvPr>
-            <p:ph type="title"/>
-          </p:nvPr>
-        </p:nvSpPr>
-        <p:spPr>
-          <a:prstGeom prst="rect">
-            <a:avLst/>
-          </a:prstGeom>
-        </p:spPr>
-        <p:txBody>
-          <a:bodyPr spcFirstLastPara="1" vert="horz" wrap="square" lIns="121900" tIns="121900" rIns="121900" bIns="121900" rtlCol="0" anchor="t" anchorCtr="0">
-            <a:noAutofit/>
-          </a:bodyPr>
-          <a:lstStyle/>
-          <a:p>
-            <a:r>
-              <a:rPr lang="en"/>
-              <a:t>Eye and Lens</a:t>
-            </a:r>
-            <a:endParaRPr/>
           </a:p>
         </p:txBody>
       </p:sp>
@@ -5406,6 +5683,150 @@
           </p:txBody>
         </p:sp>
       </p:grpSp>
+      <p:sp>
+        <p:nvSpPr>
+          <p:cNvPr id="11" name="Title 7"/>
+          <p:cNvSpPr txBox="1">
+            <a:spLocks/>
+          </p:cNvSpPr>
+          <p:nvPr/>
+        </p:nvSpPr>
+        <p:spPr>
+          <a:xfrm>
+            <a:off x="1097280" y="286603"/>
+            <a:ext cx="10058400" cy="1450757"/>
+          </a:xfrm>
+          <a:prstGeom prst="rect">
+            <a:avLst/>
+          </a:prstGeom>
+        </p:spPr>
+        <p:txBody>
+          <a:bodyPr spcFirstLastPara="1" vert="horz" wrap="square" lIns="91425" tIns="91425" rIns="91425" bIns="91425" rtlCol="0" anchor="b" anchorCtr="0">
+            <a:noAutofit/>
+          </a:bodyPr>
+          <a:lstStyle>
+            <a:lvl1pPr lvl="0" algn="l" defTabSz="914400" rtl="0" eaLnBrk="1" latinLnBrk="0" hangingPunct="1">
+              <a:lnSpc>
+                <a:spcPct val="85000"/>
+              </a:lnSpc>
+              <a:spcBef>
+                <a:spcPts val="0"/>
+              </a:spcBef>
+              <a:spcAft>
+                <a:spcPts val="0"/>
+              </a:spcAft>
+              <a:buSzPts val="2800"/>
+              <a:buNone/>
+              <a:defRPr sz="4800" kern="1200" spc="-50" baseline="0">
+                <a:solidFill>
+                  <a:schemeClr val="tx1">
+                    <a:lumMod val="75000"/>
+                    <a:lumOff val="25000"/>
+                  </a:schemeClr>
+                </a:solidFill>
+                <a:latin typeface="+mj-lt"/>
+                <a:ea typeface="+mj-ea"/>
+                <a:cs typeface="+mj-cs"/>
+              </a:defRPr>
+            </a:lvl1pPr>
+            <a:lvl2pPr lvl="1">
+              <a:spcBef>
+                <a:spcPts val="0"/>
+              </a:spcBef>
+              <a:spcAft>
+                <a:spcPts val="0"/>
+              </a:spcAft>
+              <a:buSzPts val="2800"/>
+              <a:buNone/>
+              <a:defRPr/>
+            </a:lvl2pPr>
+            <a:lvl3pPr lvl="2">
+              <a:spcBef>
+                <a:spcPts val="0"/>
+              </a:spcBef>
+              <a:spcAft>
+                <a:spcPts val="0"/>
+              </a:spcAft>
+              <a:buSzPts val="2800"/>
+              <a:buNone/>
+              <a:defRPr/>
+            </a:lvl3pPr>
+            <a:lvl4pPr lvl="3">
+              <a:spcBef>
+                <a:spcPts val="0"/>
+              </a:spcBef>
+              <a:spcAft>
+                <a:spcPts val="0"/>
+              </a:spcAft>
+              <a:buSzPts val="2800"/>
+              <a:buNone/>
+              <a:defRPr/>
+            </a:lvl4pPr>
+            <a:lvl5pPr lvl="4">
+              <a:spcBef>
+                <a:spcPts val="0"/>
+              </a:spcBef>
+              <a:spcAft>
+                <a:spcPts val="0"/>
+              </a:spcAft>
+              <a:buSzPts val="2800"/>
+              <a:buNone/>
+              <a:defRPr/>
+            </a:lvl5pPr>
+            <a:lvl6pPr lvl="5">
+              <a:spcBef>
+                <a:spcPts val="0"/>
+              </a:spcBef>
+              <a:spcAft>
+                <a:spcPts val="0"/>
+              </a:spcAft>
+              <a:buSzPts val="2800"/>
+              <a:buNone/>
+              <a:defRPr/>
+            </a:lvl6pPr>
+            <a:lvl7pPr lvl="6">
+              <a:spcBef>
+                <a:spcPts val="0"/>
+              </a:spcBef>
+              <a:spcAft>
+                <a:spcPts val="0"/>
+              </a:spcAft>
+              <a:buSzPts val="2800"/>
+              <a:buNone/>
+              <a:defRPr/>
+            </a:lvl7pPr>
+            <a:lvl8pPr lvl="7">
+              <a:spcBef>
+                <a:spcPts val="0"/>
+              </a:spcBef>
+              <a:spcAft>
+                <a:spcPts val="0"/>
+              </a:spcAft>
+              <a:buSzPts val="2800"/>
+              <a:buNone/>
+              <a:defRPr/>
+            </a:lvl8pPr>
+            <a:lvl9pPr lvl="8">
+              <a:spcBef>
+                <a:spcPts val="0"/>
+              </a:spcBef>
+              <a:spcAft>
+                <a:spcPts val="0"/>
+              </a:spcAft>
+              <a:buSzPts val="2800"/>
+              <a:buNone/>
+              <a:defRPr/>
+            </a:lvl9pPr>
+          </a:lstStyle>
+          <a:p>
+            <a:r>
+              <a:rPr lang="en-US" dirty="0" smtClean="0"/>
+              <a:t>Eye and Lens</a:t>
+            </a:r>
+            <a:endParaRPr lang="en-US" dirty="0"/>
+          </a:p>
+        </p:txBody>
+      </p:sp>
     </p:spTree>
     <p:extLst>
       <p:ext uri="{BB962C8B-B14F-4D97-AF65-F5344CB8AC3E}">
@@ -5416,6 +5837,13 @@
   <p:clrMapOvr>
     <a:masterClrMapping/>
   </p:clrMapOvr>
+  <p:timing>
+    <p:tnLst>
+      <p:par>
+        <p:cTn id="1" dur="indefinite" restart="never" nodeType="tmRoot"/>
+      </p:par>
+    </p:tnLst>
+  </p:timing>
 </p:sld>
 </file>
 
@@ -5436,35 +5864,6 @@
           <a:chExt cx="0" cy="0"/>
         </a:xfrm>
       </p:grpSpPr>
-      <p:sp>
-        <p:nvSpPr>
-          <p:cNvPr id="71" name="Google Shape;71;p15"/>
-          <p:cNvSpPr txBox="1">
-            <a:spLocks noGrp="1"/>
-          </p:cNvSpPr>
-          <p:nvPr>
-            <p:ph type="title"/>
-          </p:nvPr>
-        </p:nvSpPr>
-        <p:spPr>
-          <a:prstGeom prst="rect">
-            <a:avLst/>
-          </a:prstGeom>
-        </p:spPr>
-        <p:txBody>
-          <a:bodyPr spcFirstLastPara="1" vert="horz" wrap="square" lIns="121900" tIns="121900" rIns="121900" bIns="121900" rtlCol="0" anchor="t" anchorCtr="0">
-            <a:noAutofit/>
-          </a:bodyPr>
-          <a:lstStyle/>
-          <a:p>
-            <a:r>
-              <a:rPr lang="en"/>
-              <a:t>Fiber Cells and Crystallin</a:t>
-            </a:r>
-            <a:endParaRPr/>
-          </a:p>
-        </p:txBody>
-      </p:sp>
       <p:sp>
         <p:nvSpPr>
           <p:cNvPr id="70" name="Google Shape;70;p15"/>
@@ -5669,6 +6068,154 @@
           </a:ln>
         </p:spPr>
       </p:pic>
+      <p:sp>
+        <p:nvSpPr>
+          <p:cNvPr id="8" name="Title 7"/>
+          <p:cNvSpPr txBox="1">
+            <a:spLocks/>
+          </p:cNvSpPr>
+          <p:nvPr/>
+        </p:nvSpPr>
+        <p:spPr>
+          <a:xfrm>
+            <a:off x="1097280" y="286603"/>
+            <a:ext cx="10058400" cy="1450757"/>
+          </a:xfrm>
+          <a:prstGeom prst="rect">
+            <a:avLst/>
+          </a:prstGeom>
+        </p:spPr>
+        <p:txBody>
+          <a:bodyPr spcFirstLastPara="1" vert="horz" wrap="square" lIns="91425" tIns="91425" rIns="91425" bIns="91425" rtlCol="0" anchor="b" anchorCtr="0">
+            <a:noAutofit/>
+          </a:bodyPr>
+          <a:lstStyle>
+            <a:lvl1pPr lvl="0" algn="l" defTabSz="914400" rtl="0" eaLnBrk="1" latinLnBrk="0" hangingPunct="1">
+              <a:lnSpc>
+                <a:spcPct val="85000"/>
+              </a:lnSpc>
+              <a:spcBef>
+                <a:spcPts val="0"/>
+              </a:spcBef>
+              <a:spcAft>
+                <a:spcPts val="0"/>
+              </a:spcAft>
+              <a:buSzPts val="2800"/>
+              <a:buNone/>
+              <a:defRPr sz="4800" kern="1200" spc="-50" baseline="0">
+                <a:solidFill>
+                  <a:schemeClr val="tx1">
+                    <a:lumMod val="75000"/>
+                    <a:lumOff val="25000"/>
+                  </a:schemeClr>
+                </a:solidFill>
+                <a:latin typeface="+mj-lt"/>
+                <a:ea typeface="+mj-ea"/>
+                <a:cs typeface="+mj-cs"/>
+              </a:defRPr>
+            </a:lvl1pPr>
+            <a:lvl2pPr lvl="1">
+              <a:spcBef>
+                <a:spcPts val="0"/>
+              </a:spcBef>
+              <a:spcAft>
+                <a:spcPts val="0"/>
+              </a:spcAft>
+              <a:buSzPts val="2800"/>
+              <a:buNone/>
+              <a:defRPr/>
+            </a:lvl2pPr>
+            <a:lvl3pPr lvl="2">
+              <a:spcBef>
+                <a:spcPts val="0"/>
+              </a:spcBef>
+              <a:spcAft>
+                <a:spcPts val="0"/>
+              </a:spcAft>
+              <a:buSzPts val="2800"/>
+              <a:buNone/>
+              <a:defRPr/>
+            </a:lvl3pPr>
+            <a:lvl4pPr lvl="3">
+              <a:spcBef>
+                <a:spcPts val="0"/>
+              </a:spcBef>
+              <a:spcAft>
+                <a:spcPts val="0"/>
+              </a:spcAft>
+              <a:buSzPts val="2800"/>
+              <a:buNone/>
+              <a:defRPr/>
+            </a:lvl4pPr>
+            <a:lvl5pPr lvl="4">
+              <a:spcBef>
+                <a:spcPts val="0"/>
+              </a:spcBef>
+              <a:spcAft>
+                <a:spcPts val="0"/>
+              </a:spcAft>
+              <a:buSzPts val="2800"/>
+              <a:buNone/>
+              <a:defRPr/>
+            </a:lvl5pPr>
+            <a:lvl6pPr lvl="5">
+              <a:spcBef>
+                <a:spcPts val="0"/>
+              </a:spcBef>
+              <a:spcAft>
+                <a:spcPts val="0"/>
+              </a:spcAft>
+              <a:buSzPts val="2800"/>
+              <a:buNone/>
+              <a:defRPr/>
+            </a:lvl6pPr>
+            <a:lvl7pPr lvl="6">
+              <a:spcBef>
+                <a:spcPts val="0"/>
+              </a:spcBef>
+              <a:spcAft>
+                <a:spcPts val="0"/>
+              </a:spcAft>
+              <a:buSzPts val="2800"/>
+              <a:buNone/>
+              <a:defRPr/>
+            </a:lvl7pPr>
+            <a:lvl8pPr lvl="7">
+              <a:spcBef>
+                <a:spcPts val="0"/>
+              </a:spcBef>
+              <a:spcAft>
+                <a:spcPts val="0"/>
+              </a:spcAft>
+              <a:buSzPts val="2800"/>
+              <a:buNone/>
+              <a:defRPr/>
+            </a:lvl8pPr>
+            <a:lvl9pPr lvl="8">
+              <a:spcBef>
+                <a:spcPts val="0"/>
+              </a:spcBef>
+              <a:spcAft>
+                <a:spcPts val="0"/>
+              </a:spcAft>
+              <a:buSzPts val="2800"/>
+              <a:buNone/>
+              <a:defRPr/>
+            </a:lvl9pPr>
+          </a:lstStyle>
+          <a:p>
+            <a:r>
+              <a:rPr lang="en-US" dirty="0" smtClean="0"/>
+              <a:t>Fiber Cells and </a:t>
+            </a:r>
+            <a:r>
+              <a:rPr lang="en-US" dirty="0" err="1" smtClean="0"/>
+              <a:t>Crystallin</a:t>
+            </a:r>
+            <a:endParaRPr lang="en-US" dirty="0"/>
+          </a:p>
+        </p:txBody>
+      </p:sp>
     </p:spTree>
     <p:extLst>
       <p:ext uri="{BB962C8B-B14F-4D97-AF65-F5344CB8AC3E}">
@@ -5679,6 +6226,13 @@
   <p:clrMapOvr>
     <a:masterClrMapping/>
   </p:clrMapOvr>
+  <p:timing>
+    <p:tnLst>
+      <p:par>
+        <p:cTn id="1" dur="indefinite" restart="never" nodeType="tmRoot"/>
+      </p:par>
+    </p:tnLst>
+  </p:timing>
 </p:sld>
 </file>
 
@@ -5701,35 +6255,6 @@
       </p:grpSpPr>
       <p:sp>
         <p:nvSpPr>
-          <p:cNvPr id="71" name="Google Shape;71;p15"/>
-          <p:cNvSpPr txBox="1">
-            <a:spLocks noGrp="1"/>
-          </p:cNvSpPr>
-          <p:nvPr>
-            <p:ph type="title"/>
-          </p:nvPr>
-        </p:nvSpPr>
-        <p:spPr>
-          <a:prstGeom prst="rect">
-            <a:avLst/>
-          </a:prstGeom>
-        </p:spPr>
-        <p:txBody>
-          <a:bodyPr spcFirstLastPara="1" vert="horz" wrap="square" lIns="121900" tIns="121900" rIns="121900" bIns="121900" rtlCol="0" anchor="t" anchorCtr="0">
-            <a:noAutofit/>
-          </a:bodyPr>
-          <a:lstStyle/>
-          <a:p>
-            <a:r>
-              <a:rPr lang="en-US" dirty="0" smtClean="0"/>
-              <a:t>Cataract</a:t>
-            </a:r>
-            <a:endParaRPr dirty="0"/>
-          </a:p>
-        </p:txBody>
-      </p:sp>
-      <p:sp>
-        <p:nvSpPr>
           <p:cNvPr id="70" name="Google Shape;70;p15"/>
           <p:cNvSpPr txBox="1">
             <a:spLocks noGrp="1"/>
@@ -5787,11 +6312,7 @@
             </a:r>
             <a:r>
               <a:rPr lang="en-US" sz="2400" dirty="0" smtClean="0"/>
-              <a:t> </a:t>
-            </a:r>
-            <a:r>
-              <a:rPr lang="en-US" sz="2400" dirty="0" smtClean="0"/>
-              <a:t>proteins</a:t>
+              <a:t> proteins</a:t>
             </a:r>
           </a:p>
           <a:p>
@@ -5930,6 +6451,34 @@
               </a:lnSpc>
             </a:pPr>
             <a:endParaRPr sz="2400" dirty="0"/>
+          </a:p>
+        </p:txBody>
+      </p:sp>
+      <p:sp>
+        <p:nvSpPr>
+          <p:cNvPr id="6" name="Title 7"/>
+          <p:cNvSpPr>
+            <a:spLocks noGrp="1"/>
+          </p:cNvSpPr>
+          <p:nvPr>
+            <p:ph type="title"/>
+          </p:nvPr>
+        </p:nvSpPr>
+        <p:spPr>
+          <a:xfrm>
+            <a:off x="1097280" y="286603"/>
+            <a:ext cx="10058400" cy="1450757"/>
+          </a:xfrm>
+        </p:spPr>
+        <p:txBody>
+          <a:bodyPr anchor="b"/>
+          <a:lstStyle/>
+          <a:p>
+            <a:r>
+              <a:rPr lang="en-US" dirty="0" smtClean="0"/>
+              <a:t>Cataract</a:t>
+            </a:r>
+            <a:endParaRPr lang="en-US" dirty="0"/>
           </a:p>
         </p:txBody>
       </p:sp>
@@ -5943,6 +6492,13 @@
   <p:clrMapOvr>
     <a:masterClrMapping/>
   </p:clrMapOvr>
+  <p:timing>
+    <p:tnLst>
+      <p:par>
+        <p:cTn id="1" dur="indefinite" restart="never" nodeType="tmRoot"/>
+      </p:par>
+    </p:tnLst>
+  </p:timing>
 </p:sld>
 </file>
 
@@ -5996,6 +6552,13 @@
   <p:clrMapOvr>
     <a:masterClrMapping/>
   </p:clrMapOvr>
+  <p:timing>
+    <p:tnLst>
+      <p:par>
+        <p:cTn id="1" dur="indefinite" restart="never" nodeType="tmRoot"/>
+      </p:par>
+    </p:tnLst>
+  </p:timing>
 </p:sld>
 </file>
 
@@ -6033,6 +6596,447 @@
           <a:p>
             <a:r>
               <a:rPr lang="en-US" dirty="0" smtClean="0"/>
+              <a:t>Gene Collection</a:t>
+            </a:r>
+            <a:endParaRPr lang="en-US" dirty="0"/>
+          </a:p>
+        </p:txBody>
+      </p:sp>
+      <p:sp>
+        <p:nvSpPr>
+          <p:cNvPr id="4" name="Content Placeholder 3"/>
+          <p:cNvSpPr>
+            <a:spLocks noGrp="1"/>
+          </p:cNvSpPr>
+          <p:nvPr>
+            <p:ph sz="half" idx="2"/>
+          </p:nvPr>
+        </p:nvSpPr>
+        <p:spPr/>
+        <p:txBody>
+          <a:bodyPr/>
+          <a:lstStyle/>
+          <a:p>
+            <a:r>
+              <a:rPr lang="en-US" dirty="0" smtClean="0"/>
+              <a:t>Cataract-related genes were collected from:</a:t>
+            </a:r>
+          </a:p>
+          <a:p>
+            <a:pPr lvl="1">
+              <a:buFont typeface="Arial" panose="020B0604020202020204" pitchFamily="34" charset="0"/>
+              <a:buChar char="•"/>
+            </a:pPr>
+            <a:r>
+              <a:rPr lang="en-US" dirty="0" smtClean="0"/>
+              <a:t>PubMed Gene</a:t>
+            </a:r>
+          </a:p>
+          <a:p>
+            <a:pPr lvl="2">
+              <a:buFont typeface="Arial" panose="020B0604020202020204" pitchFamily="34" charset="0"/>
+              <a:buChar char="•"/>
+            </a:pPr>
+            <a:r>
+              <a:rPr lang="en-US" dirty="0" smtClean="0"/>
+              <a:t>Using query “cataract &amp; “homo sapiens”[Organism]”</a:t>
+            </a:r>
+          </a:p>
+          <a:p>
+            <a:pPr lvl="1">
+              <a:buFont typeface="Arial" panose="020B0604020202020204" pitchFamily="34" charset="0"/>
+              <a:buChar char="•"/>
+            </a:pPr>
+            <a:r>
+              <a:rPr lang="en-US" dirty="0" err="1" smtClean="0"/>
+              <a:t>Phenopedia</a:t>
+            </a:r>
+            <a:endParaRPr lang="en-US" dirty="0" smtClean="0"/>
+          </a:p>
+          <a:p>
+            <a:pPr lvl="2">
+              <a:buFont typeface="Arial" panose="020B0604020202020204" pitchFamily="34" charset="0"/>
+              <a:buChar char="•"/>
+            </a:pPr>
+            <a:r>
+              <a:rPr lang="en-US" dirty="0" smtClean="0"/>
+              <a:t>Genes found in Cataract category</a:t>
+            </a:r>
+            <a:endParaRPr lang="en-US" dirty="0"/>
+          </a:p>
+          <a:p>
+            <a:pPr lvl="2">
+              <a:buFont typeface="Arial" panose="020B0604020202020204" pitchFamily="34" charset="0"/>
+              <a:buChar char="•"/>
+            </a:pPr>
+            <a:endParaRPr lang="en-US" dirty="0"/>
+          </a:p>
+        </p:txBody>
+      </p:sp>
+      <p:sp>
+        <p:nvSpPr>
+          <p:cNvPr id="5" name="Text Placeholder 4"/>
+          <p:cNvSpPr>
+            <a:spLocks noGrp="1"/>
+          </p:cNvSpPr>
+          <p:nvPr>
+            <p:ph type="body" sz="quarter" idx="3"/>
+          </p:nvPr>
+        </p:nvSpPr>
+        <p:spPr/>
+        <p:txBody>
+          <a:bodyPr/>
+          <a:lstStyle/>
+          <a:p>
+            <a:r>
+              <a:rPr lang="en-US" dirty="0" smtClean="0"/>
+              <a:t>Gene Clustering</a:t>
+            </a:r>
+            <a:endParaRPr lang="en-US" dirty="0"/>
+          </a:p>
+        </p:txBody>
+      </p:sp>
+      <p:sp>
+        <p:nvSpPr>
+          <p:cNvPr id="6" name="Content Placeholder 5"/>
+          <p:cNvSpPr>
+            <a:spLocks noGrp="1"/>
+          </p:cNvSpPr>
+          <p:nvPr>
+            <p:ph sz="quarter" idx="4"/>
+          </p:nvPr>
+        </p:nvSpPr>
+        <p:spPr/>
+        <p:txBody>
+          <a:bodyPr/>
+          <a:lstStyle/>
+          <a:p>
+            <a:r>
+              <a:rPr lang="en-US" dirty="0" smtClean="0"/>
+              <a:t>Gene collections were submitted separately to </a:t>
+            </a:r>
+            <a:r>
+              <a:rPr lang="en-US" dirty="0" err="1" smtClean="0"/>
+              <a:t>GeneFriends:RNASeq</a:t>
+            </a:r>
+            <a:endParaRPr lang="en-US" dirty="0" smtClean="0"/>
+          </a:p>
+          <a:p>
+            <a:r>
+              <a:rPr lang="en-US" dirty="0" err="1" smtClean="0"/>
+              <a:t>GeneFriends</a:t>
+            </a:r>
+            <a:r>
+              <a:rPr lang="en-US" dirty="0" smtClean="0"/>
+              <a:t>-generated networks were mapped in </a:t>
+            </a:r>
+            <a:r>
+              <a:rPr lang="en-US" dirty="0" err="1" smtClean="0"/>
+              <a:t>Cytoscape</a:t>
+            </a:r>
+            <a:endParaRPr lang="en-US" dirty="0" smtClean="0"/>
+          </a:p>
+          <a:p>
+            <a:r>
+              <a:rPr lang="en-US" dirty="0" smtClean="0"/>
+              <a:t>Clusters were identified via </a:t>
+            </a:r>
+            <a:r>
+              <a:rPr lang="en-US" dirty="0" err="1" smtClean="0"/>
+              <a:t>ClusterONE</a:t>
+            </a:r>
+            <a:r>
+              <a:rPr lang="en-US" dirty="0" smtClean="0"/>
+              <a:t> app with parameter “Haircut threshold” set to 0.05, all others left as default</a:t>
+            </a:r>
+            <a:endParaRPr lang="en-US" dirty="0"/>
+          </a:p>
+        </p:txBody>
+      </p:sp>
+      <p:sp>
+        <p:nvSpPr>
+          <p:cNvPr id="8" name="Title 7"/>
+          <p:cNvSpPr>
+            <a:spLocks noGrp="1"/>
+          </p:cNvSpPr>
+          <p:nvPr>
+            <p:ph type="title"/>
+          </p:nvPr>
+        </p:nvSpPr>
+        <p:spPr/>
+        <p:txBody>
+          <a:bodyPr/>
+          <a:lstStyle/>
+          <a:p>
+            <a:r>
+              <a:rPr lang="en-US" dirty="0" smtClean="0"/>
+              <a:t>Methods</a:t>
+            </a:r>
+            <a:endParaRPr lang="en-US" dirty="0"/>
+          </a:p>
+        </p:txBody>
+      </p:sp>
+    </p:spTree>
+    <p:extLst>
+      <p:ext uri="{BB962C8B-B14F-4D97-AF65-F5344CB8AC3E}">
+        <p14:creationId xmlns:p14="http://schemas.microsoft.com/office/powerpoint/2010/main" val="606958025"/>
+      </p:ext>
+    </p:extLst>
+  </p:cSld>
+  <p:clrMapOvr>
+    <a:masterClrMapping/>
+  </p:clrMapOvr>
+  <p:timing>
+    <p:tnLst>
+      <p:par>
+        <p:cTn id="1" dur="indefinite" restart="never" nodeType="tmRoot"/>
+      </p:par>
+    </p:tnLst>
+  </p:timing>
+</p:sld>
+</file>
+
+<file path=ppt/slides/slide8.xml><?xml version="1.0" encoding="utf-8"?>
+<p:sld xmlns:a="http://schemas.openxmlformats.org/drawingml/2006/main" xmlns:r="http://schemas.openxmlformats.org/officeDocument/2006/relationships" xmlns:p="http://schemas.openxmlformats.org/presentationml/2006/main">
+  <p:cSld>
+    <p:spTree>
+      <p:nvGrpSpPr>
+        <p:cNvPr id="1" name=""/>
+        <p:cNvGrpSpPr/>
+        <p:nvPr/>
+      </p:nvGrpSpPr>
+      <p:grpSpPr>
+        <a:xfrm>
+          <a:off x="0" y="0"/>
+          <a:ext cx="0" cy="0"/>
+          <a:chOff x="0" y="0"/>
+          <a:chExt cx="0" cy="0"/>
+        </a:xfrm>
+      </p:grpSpPr>
+      <p:sp>
+        <p:nvSpPr>
+          <p:cNvPr id="2" name="Title 1"/>
+          <p:cNvSpPr>
+            <a:spLocks noGrp="1"/>
+          </p:cNvSpPr>
+          <p:nvPr>
+            <p:ph type="title"/>
+          </p:nvPr>
+        </p:nvSpPr>
+        <p:spPr/>
+        <p:txBody>
+          <a:bodyPr/>
+          <a:lstStyle/>
+          <a:p>
+            <a:r>
+              <a:rPr lang="en-US" dirty="0" smtClean="0"/>
+              <a:t>Methods</a:t>
+            </a:r>
+            <a:endParaRPr lang="en-US" dirty="0"/>
+          </a:p>
+        </p:txBody>
+      </p:sp>
+      <p:sp>
+        <p:nvSpPr>
+          <p:cNvPr id="3" name="Text Placeholder 2"/>
+          <p:cNvSpPr>
+            <a:spLocks noGrp="1"/>
+          </p:cNvSpPr>
+          <p:nvPr>
+            <p:ph type="body" idx="1"/>
+          </p:nvPr>
+        </p:nvSpPr>
+        <p:spPr/>
+        <p:txBody>
+          <a:bodyPr/>
+          <a:lstStyle/>
+          <a:p>
+            <a:r>
+              <a:rPr lang="en-US" dirty="0" smtClean="0"/>
+              <a:t>Function Analysis</a:t>
+            </a:r>
+            <a:endParaRPr lang="en-US" dirty="0"/>
+          </a:p>
+        </p:txBody>
+      </p:sp>
+      <p:sp>
+        <p:nvSpPr>
+          <p:cNvPr id="4" name="Content Placeholder 3"/>
+          <p:cNvSpPr>
+            <a:spLocks noGrp="1"/>
+          </p:cNvSpPr>
+          <p:nvPr>
+            <p:ph sz="half" idx="2"/>
+          </p:nvPr>
+        </p:nvSpPr>
+        <p:spPr/>
+        <p:txBody>
+          <a:bodyPr/>
+          <a:lstStyle/>
+          <a:p>
+            <a:r>
+              <a:rPr lang="en-US" dirty="0" smtClean="0"/>
+              <a:t>Clusters were analyzed within </a:t>
+            </a:r>
+            <a:r>
+              <a:rPr lang="en-US" dirty="0" err="1" smtClean="0"/>
+              <a:t>Cytoscape</a:t>
+            </a:r>
+            <a:r>
+              <a:rPr lang="en-US" dirty="0" smtClean="0"/>
+              <a:t> using </a:t>
+            </a:r>
+            <a:r>
+              <a:rPr lang="en-US" dirty="0" err="1" smtClean="0"/>
+              <a:t>BinGO</a:t>
+            </a:r>
+            <a:r>
+              <a:rPr lang="en-US" dirty="0" smtClean="0"/>
+              <a:t> app</a:t>
+            </a:r>
+          </a:p>
+          <a:p>
+            <a:pPr lvl="1"/>
+            <a:r>
+              <a:rPr lang="en-US" dirty="0" smtClean="0"/>
+              <a:t>Yielded function results</a:t>
+            </a:r>
+            <a:endParaRPr lang="en-US" dirty="0"/>
+          </a:p>
+          <a:p>
+            <a:r>
+              <a:rPr lang="en-US" dirty="0" smtClean="0"/>
+              <a:t>Clusters were extracted from </a:t>
+            </a:r>
+            <a:r>
+              <a:rPr lang="en-US" dirty="0" err="1" smtClean="0"/>
+              <a:t>Cytoscape</a:t>
+            </a:r>
+            <a:r>
+              <a:rPr lang="en-US" dirty="0" smtClean="0"/>
+              <a:t> and processed in </a:t>
+            </a:r>
+            <a:r>
+              <a:rPr lang="en-US" dirty="0" err="1" smtClean="0"/>
+              <a:t>GeneOntology</a:t>
+            </a:r>
+            <a:r>
+              <a:rPr lang="en-US" dirty="0" smtClean="0"/>
+              <a:t> and Ingenuity</a:t>
+            </a:r>
+          </a:p>
+          <a:p>
+            <a:pPr lvl="1"/>
+            <a:r>
+              <a:rPr lang="en-US" dirty="0" smtClean="0"/>
+              <a:t>Yielded function and disease connections</a:t>
+            </a:r>
+          </a:p>
+          <a:p>
+            <a:endParaRPr lang="en-US" dirty="0" smtClean="0"/>
+          </a:p>
+        </p:txBody>
+      </p:sp>
+      <p:sp>
+        <p:nvSpPr>
+          <p:cNvPr id="5" name="Text Placeholder 4"/>
+          <p:cNvSpPr>
+            <a:spLocks noGrp="1"/>
+          </p:cNvSpPr>
+          <p:nvPr>
+            <p:ph type="body" sz="quarter" idx="3"/>
+          </p:nvPr>
+        </p:nvSpPr>
+        <p:spPr/>
+        <p:txBody>
+          <a:bodyPr/>
+          <a:lstStyle/>
+          <a:p>
+            <a:r>
+              <a:rPr lang="en-US" dirty="0" smtClean="0"/>
+              <a:t>Pathway Analysis</a:t>
+            </a:r>
+            <a:endParaRPr lang="en-US" dirty="0"/>
+          </a:p>
+        </p:txBody>
+      </p:sp>
+      <p:sp>
+        <p:nvSpPr>
+          <p:cNvPr id="6" name="Content Placeholder 5"/>
+          <p:cNvSpPr>
+            <a:spLocks noGrp="1"/>
+          </p:cNvSpPr>
+          <p:nvPr>
+            <p:ph sz="quarter" idx="4"/>
+          </p:nvPr>
+        </p:nvSpPr>
+        <p:spPr/>
+        <p:txBody>
+          <a:bodyPr/>
+          <a:lstStyle/>
+          <a:p>
+            <a:r>
+              <a:rPr lang="en-US" dirty="0" smtClean="0"/>
+              <a:t>Clusters were processed in DAVID to search for pathways</a:t>
+            </a:r>
+            <a:endParaRPr lang="en-US" dirty="0"/>
+          </a:p>
+        </p:txBody>
+      </p:sp>
+    </p:spTree>
+    <p:extLst>
+      <p:ext uri="{BB962C8B-B14F-4D97-AF65-F5344CB8AC3E}">
+        <p14:creationId xmlns:p14="http://schemas.microsoft.com/office/powerpoint/2010/main" val="2821775083"/>
+      </p:ext>
+    </p:extLst>
+  </p:cSld>
+  <p:clrMapOvr>
+    <a:masterClrMapping/>
+  </p:clrMapOvr>
+  <p:timing>
+    <p:tnLst>
+      <p:par>
+        <p:cTn id="1" dur="indefinite" restart="never" nodeType="tmRoot"/>
+      </p:par>
+    </p:tnLst>
+  </p:timing>
+</p:sld>
+</file>
+
+<file path=ppt/slides/slide9.xml><?xml version="1.0" encoding="utf-8"?>
+<p:sld xmlns:a="http://schemas.openxmlformats.org/drawingml/2006/main" xmlns:r="http://schemas.openxmlformats.org/officeDocument/2006/relationships" xmlns:p="http://schemas.openxmlformats.org/presentationml/2006/main">
+  <p:cSld>
+    <p:spTree>
+      <p:nvGrpSpPr>
+        <p:cNvPr id="1" name=""/>
+        <p:cNvGrpSpPr/>
+        <p:nvPr/>
+      </p:nvGrpSpPr>
+      <p:grpSpPr>
+        <a:xfrm>
+          <a:off x="0" y="0"/>
+          <a:ext cx="0" cy="0"/>
+          <a:chOff x="0" y="0"/>
+          <a:chExt cx="0" cy="0"/>
+        </a:xfrm>
+      </p:grpSpPr>
+      <p:sp>
+        <p:nvSpPr>
+          <p:cNvPr id="3" name="Text Placeholder 2"/>
+          <p:cNvSpPr>
+            <a:spLocks noGrp="1"/>
+          </p:cNvSpPr>
+          <p:nvPr>
+            <p:ph type="body" idx="1"/>
+          </p:nvPr>
+        </p:nvSpPr>
+        <p:spPr/>
+        <p:txBody>
+          <a:bodyPr/>
+          <a:lstStyle/>
+          <a:p>
+            <a:r>
+              <a:rPr lang="en-US" dirty="0" smtClean="0"/>
               <a:t>Results</a:t>
             </a:r>
             <a:endParaRPr lang="en-US" dirty="0"/>
@@ -6049,6 +7053,13 @@
   <p:clrMapOvr>
     <a:masterClrMapping/>
   </p:clrMapOvr>
+  <p:timing>
+    <p:tnLst>
+      <p:par>
+        <p:cTn id="1" dur="indefinite" restart="never" nodeType="tmRoot"/>
+      </p:par>
+    </p:tnLst>
+  </p:timing>
 </p:sld>
 </file>
 

--- a/Cataract.pptx
+++ b/Cataract.pptx
@@ -5,7 +5,7 @@
     <p:sldMasterId id="2147483660" r:id="rId1"/>
   </p:sldMasterIdLst>
   <p:notesMasterIdLst>
-    <p:notesMasterId r:id="rId12"/>
+    <p:notesMasterId r:id="rId21"/>
   </p:notesMasterIdLst>
   <p:sldIdLst>
     <p:sldId id="257" r:id="rId2"/>
@@ -13,11 +13,20 @@
     <p:sldId id="258" r:id="rId4"/>
     <p:sldId id="259" r:id="rId5"/>
     <p:sldId id="263" r:id="rId6"/>
-    <p:sldId id="261" r:id="rId7"/>
-    <p:sldId id="266" r:id="rId8"/>
-    <p:sldId id="267" r:id="rId9"/>
-    <p:sldId id="262" r:id="rId10"/>
-    <p:sldId id="268" r:id="rId11"/>
+    <p:sldId id="269" r:id="rId7"/>
+    <p:sldId id="261" r:id="rId8"/>
+    <p:sldId id="266" r:id="rId9"/>
+    <p:sldId id="267" r:id="rId10"/>
+    <p:sldId id="262" r:id="rId11"/>
+    <p:sldId id="268" r:id="rId12"/>
+    <p:sldId id="271" r:id="rId13"/>
+    <p:sldId id="270" r:id="rId14"/>
+    <p:sldId id="272" r:id="rId15"/>
+    <p:sldId id="273" r:id="rId16"/>
+    <p:sldId id="274" r:id="rId17"/>
+    <p:sldId id="275" r:id="rId18"/>
+    <p:sldId id="276" r:id="rId19"/>
+    <p:sldId id="277" r:id="rId20"/>
   </p:sldIdLst>
   <p:sldSz cx="12192000" cy="6858000"/>
   <p:notesSz cx="6858000" cy="9144000"/>
@@ -130,6 +139,7 @@
             <p14:sldId id="258"/>
             <p14:sldId id="259"/>
             <p14:sldId id="263"/>
+            <p14:sldId id="269"/>
           </p14:sldIdLst>
         </p14:section>
         <p14:section name="Methods" id="{2B02DADB-1D05-47E6-8432-8628A2D759C9}">
@@ -143,6 +153,14 @@
           <p14:sldIdLst>
             <p14:sldId id="262"/>
             <p14:sldId id="268"/>
+            <p14:sldId id="271"/>
+            <p14:sldId id="270"/>
+            <p14:sldId id="272"/>
+            <p14:sldId id="273"/>
+            <p14:sldId id="274"/>
+            <p14:sldId id="275"/>
+            <p14:sldId id="276"/>
+            <p14:sldId id="277"/>
           </p14:sldIdLst>
         </p14:section>
       </p14:sectionLst>
@@ -236,7 +254,7 @@
           <a:p>
             <a:fld id="{5AB92EA7-858F-4B44-B015-877BFE5925AB}" type="datetimeFigureOut">
               <a:rPr lang="en-US" smtClean="0"/>
-              <a:t>7/26/2019</a:t>
+              <a:t>7/29/2019</a:t>
             </a:fld>
             <a:endParaRPr lang="en-US"/>
           </a:p>
@@ -1186,7 +1204,7 @@
           <a:p>
             <a:fld id="{809CEF2D-C839-41A0-817E-03595D1CB546}" type="datetimeFigureOut">
               <a:rPr lang="en-US" smtClean="0"/>
-              <a:t>7/26/2019</a:t>
+              <a:t>7/29/2019</a:t>
             </a:fld>
             <a:endParaRPr lang="en-US"/>
           </a:p>
@@ -1286,6 +1304,215 @@
 </file>
 
 <file path=ppt/slideLayouts/slideLayout10.xml><?xml version="1.0" encoding="utf-8"?>
+<p:sldLayout xmlns:a="http://schemas.openxmlformats.org/drawingml/2006/main" xmlns:r="http://schemas.openxmlformats.org/officeDocument/2006/relationships" xmlns:p="http://schemas.openxmlformats.org/presentationml/2006/main" showMasterSp="0" preserve="1" userDrawn="1">
+  <p:cSld name="Picture with Caption">
+    <p:spTree>
+      <p:nvGrpSpPr>
+        <p:cNvPr id="1" name=""/>
+        <p:cNvGrpSpPr/>
+        <p:nvPr/>
+      </p:nvGrpSpPr>
+      <p:grpSpPr>
+        <a:xfrm>
+          <a:off x="0" y="0"/>
+          <a:ext cx="0" cy="0"/>
+          <a:chOff x="0" y="0"/>
+          <a:chExt cx="0" cy="0"/>
+        </a:xfrm>
+      </p:grpSpPr>
+      <p:sp>
+        <p:nvSpPr>
+          <p:cNvPr id="8" name="Rectangle 7"/>
+          <p:cNvSpPr/>
+          <p:nvPr/>
+        </p:nvSpPr>
+        <p:spPr>
+          <a:xfrm>
+            <a:off x="0" y="5486400"/>
+            <a:ext cx="12188825" cy="1371600"/>
+          </a:xfrm>
+          <a:prstGeom prst="rect">
+            <a:avLst/>
+          </a:prstGeom>
+          <a:solidFill>
+            <a:schemeClr val="accent2"/>
+          </a:solidFill>
+          <a:ln>
+            <a:noFill/>
+          </a:ln>
+        </p:spPr>
+        <p:style>
+          <a:lnRef idx="2">
+            <a:schemeClr val="accent1">
+              <a:shade val="50000"/>
+            </a:schemeClr>
+          </a:lnRef>
+          <a:fillRef idx="1">
+            <a:schemeClr val="accent1"/>
+          </a:fillRef>
+          <a:effectRef idx="0">
+            <a:schemeClr val="accent1"/>
+          </a:effectRef>
+          <a:fontRef idx="minor">
+            <a:schemeClr val="lt1"/>
+          </a:fontRef>
+        </p:style>
+      </p:sp>
+      <p:sp>
+        <p:nvSpPr>
+          <p:cNvPr id="9" name="Rectangle 8"/>
+          <p:cNvSpPr/>
+          <p:nvPr/>
+        </p:nvSpPr>
+        <p:spPr>
+          <a:xfrm>
+            <a:off x="-1" y="5454396"/>
+            <a:ext cx="12188825" cy="64008"/>
+          </a:xfrm>
+          <a:prstGeom prst="rect">
+            <a:avLst/>
+          </a:prstGeom>
+          <a:solidFill>
+            <a:schemeClr val="accent1"/>
+          </a:solidFill>
+          <a:ln>
+            <a:noFill/>
+          </a:ln>
+        </p:spPr>
+        <p:style>
+          <a:lnRef idx="2">
+            <a:schemeClr val="accent1">
+              <a:shade val="50000"/>
+            </a:schemeClr>
+          </a:lnRef>
+          <a:fillRef idx="1">
+            <a:schemeClr val="accent1"/>
+          </a:fillRef>
+          <a:effectRef idx="0">
+            <a:schemeClr val="accent1"/>
+          </a:effectRef>
+          <a:fontRef idx="minor">
+            <a:schemeClr val="lt1"/>
+          </a:fontRef>
+        </p:style>
+      </p:sp>
+      <p:sp>
+        <p:nvSpPr>
+          <p:cNvPr id="2" name="Title 1"/>
+          <p:cNvSpPr>
+            <a:spLocks noGrp="1"/>
+          </p:cNvSpPr>
+          <p:nvPr>
+            <p:ph type="title"/>
+          </p:nvPr>
+        </p:nvSpPr>
+        <p:spPr>
+          <a:xfrm>
+            <a:off x="1097280" y="5593904"/>
+            <a:ext cx="10113264" cy="822960"/>
+          </a:xfrm>
+        </p:spPr>
+        <p:txBody>
+          <a:bodyPr lIns="91440" tIns="0" rIns="91440" bIns="0" anchor="b">
+            <a:noAutofit/>
+          </a:bodyPr>
+          <a:lstStyle>
+            <a:lvl1pPr>
+              <a:defRPr sz="3600" b="0">
+                <a:solidFill>
+                  <a:srgbClr val="FFFFFF"/>
+                </a:solidFill>
+              </a:defRPr>
+            </a:lvl1pPr>
+          </a:lstStyle>
+          <a:p>
+            <a:r>
+              <a:rPr lang="en-US" smtClean="0"/>
+              <a:t>Click to edit Master title style</a:t>
+            </a:r>
+            <a:endParaRPr lang="en-US" dirty="0"/>
+          </a:p>
+        </p:txBody>
+      </p:sp>
+      <p:sp>
+        <p:nvSpPr>
+          <p:cNvPr id="5" name="Date Placeholder 4"/>
+          <p:cNvSpPr>
+            <a:spLocks noGrp="1"/>
+          </p:cNvSpPr>
+          <p:nvPr>
+            <p:ph type="dt" sz="half" idx="10"/>
+          </p:nvPr>
+        </p:nvSpPr>
+        <p:spPr/>
+        <p:txBody>
+          <a:bodyPr/>
+          <a:lstStyle/>
+          <a:p>
+            <a:fld id="{809CEF2D-C839-41A0-817E-03595D1CB546}" type="datetimeFigureOut">
+              <a:rPr lang="en-US" smtClean="0"/>
+              <a:t>7/29/2019</a:t>
+            </a:fld>
+            <a:endParaRPr lang="en-US"/>
+          </a:p>
+        </p:txBody>
+      </p:sp>
+      <p:sp>
+        <p:nvSpPr>
+          <p:cNvPr id="6" name="Footer Placeholder 5"/>
+          <p:cNvSpPr>
+            <a:spLocks noGrp="1"/>
+          </p:cNvSpPr>
+          <p:nvPr>
+            <p:ph type="ftr" sz="quarter" idx="11"/>
+          </p:nvPr>
+        </p:nvSpPr>
+        <p:spPr/>
+        <p:txBody>
+          <a:bodyPr/>
+          <a:lstStyle/>
+          <a:p>
+            <a:endParaRPr lang="en-US"/>
+          </a:p>
+        </p:txBody>
+      </p:sp>
+      <p:sp>
+        <p:nvSpPr>
+          <p:cNvPr id="7" name="Slide Number Placeholder 6"/>
+          <p:cNvSpPr>
+            <a:spLocks noGrp="1"/>
+          </p:cNvSpPr>
+          <p:nvPr>
+            <p:ph type="sldNum" sz="quarter" idx="12"/>
+          </p:nvPr>
+        </p:nvSpPr>
+        <p:spPr/>
+        <p:txBody>
+          <a:bodyPr/>
+          <a:lstStyle/>
+          <a:p>
+            <a:fld id="{8F1AC9B5-9543-4447-B896-CFFB2C6D7835}" type="slidenum">
+              <a:rPr lang="en-US" smtClean="0"/>
+              <a:t>‹#›</a:t>
+            </a:fld>
+            <a:endParaRPr lang="en-US"/>
+          </a:p>
+        </p:txBody>
+      </p:sp>
+    </p:spTree>
+    <p:extLst>
+      <p:ext uri="{BB962C8B-B14F-4D97-AF65-F5344CB8AC3E}">
+        <p14:creationId xmlns:p14="http://schemas.microsoft.com/office/powerpoint/2010/main" val="3568296279"/>
+      </p:ext>
+    </p:extLst>
+  </p:cSld>
+  <p:clrMapOvr>
+    <a:masterClrMapping/>
+  </p:clrMapOvr>
+</p:sldLayout>
+</file>
+
+<file path=ppt/slideLayouts/slideLayout11.xml><?xml version="1.0" encoding="utf-8"?>
 <p:sldLayout xmlns:a="http://schemas.openxmlformats.org/drawingml/2006/main" xmlns:r="http://schemas.openxmlformats.org/officeDocument/2006/relationships" xmlns:p="http://schemas.openxmlformats.org/presentationml/2006/main" type="vertTx" preserve="1">
   <p:cSld name="Title and Vertical Text">
     <p:spTree>
@@ -1394,7 +1621,7 @@
           <a:p>
             <a:fld id="{809CEF2D-C839-41A0-817E-03595D1CB546}" type="datetimeFigureOut">
               <a:rPr lang="en-US" smtClean="0"/>
-              <a:t>7/26/2019</a:t>
+              <a:t>7/29/2019</a:t>
             </a:fld>
             <a:endParaRPr lang="en-US"/>
           </a:p>
@@ -1455,7 +1682,7 @@
 </p:sldLayout>
 </file>
 
-<file path=ppt/slideLayouts/slideLayout11.xml><?xml version="1.0" encoding="utf-8"?>
+<file path=ppt/slideLayouts/slideLayout12.xml><?xml version="1.0" encoding="utf-8"?>
 <p:sldLayout xmlns:a="http://schemas.openxmlformats.org/drawingml/2006/main" xmlns:r="http://schemas.openxmlformats.org/officeDocument/2006/relationships" xmlns:p="http://schemas.openxmlformats.org/presentationml/2006/main" showMasterSp="0" type="vertTitleAndTx" preserve="1">
   <p:cSld name="Vertical Title and Text">
     <p:spTree>
@@ -1650,7 +1877,7 @@
           <a:p>
             <a:fld id="{809CEF2D-C839-41A0-817E-03595D1CB546}" type="datetimeFigureOut">
               <a:rPr lang="en-US" smtClean="0"/>
-              <a:t>7/26/2019</a:t>
+              <a:t>7/29/2019</a:t>
             </a:fld>
             <a:endParaRPr lang="en-US"/>
           </a:p>
@@ -1711,7 +1938,7 @@
 </p:sldLayout>
 </file>
 
-<file path=ppt/slideLayouts/slideLayout12.xml><?xml version="1.0" encoding="utf-8"?>
+<file path=ppt/slideLayouts/slideLayout13.xml><?xml version="1.0" encoding="utf-8"?>
 <p:sldLayout xmlns:a="http://schemas.openxmlformats.org/drawingml/2006/main" xmlns:r="http://schemas.openxmlformats.org/officeDocument/2006/relationships" xmlns:p="http://schemas.openxmlformats.org/presentationml/2006/main" matchingName="Title and body" type="tx">
   <p:cSld name="Title and body">
     <p:spTree>
@@ -2070,7 +2297,7 @@
 </p:sldLayout>
 </file>
 
-<file path=ppt/slideLayouts/slideLayout13.xml><?xml version="1.0" encoding="utf-8"?>
+<file path=ppt/slideLayouts/slideLayout14.xml><?xml version="1.0" encoding="utf-8"?>
 <p:sldLayout xmlns:a="http://schemas.openxmlformats.org/drawingml/2006/main" xmlns:r="http://schemas.openxmlformats.org/officeDocument/2006/relationships" xmlns:p="http://schemas.openxmlformats.org/presentationml/2006/main" preserve="1" userDrawn="1">
   <p:cSld name="Custom Layout">
     <p:spTree>
@@ -2104,7 +2331,7 @@
           <a:p>
             <a:fld id="{809CEF2D-C839-41A0-817E-03595D1CB546}" type="datetimeFigureOut">
               <a:rPr lang="en-US" smtClean="0"/>
-              <a:t>7/26/2019</a:t>
+              <a:t>7/29/2019</a:t>
             </a:fld>
             <a:endParaRPr lang="en-US"/>
           </a:p>
@@ -2364,7 +2591,7 @@
           <a:p>
             <a:fld id="{809CEF2D-C839-41A0-817E-03595D1CB546}" type="datetimeFigureOut">
               <a:rPr lang="en-US" smtClean="0"/>
-              <a:t>7/26/2019</a:t>
+              <a:t>7/29/2019</a:t>
             </a:fld>
             <a:endParaRPr lang="en-US"/>
           </a:p>
@@ -2707,7 +2934,7 @@
           <a:p>
             <a:fld id="{809CEF2D-C839-41A0-817E-03595D1CB546}" type="datetimeFigureOut">
               <a:rPr lang="en-US" smtClean="0"/>
-              <a:t>7/26/2019</a:t>
+              <a:t>7/29/2019</a:t>
             </a:fld>
             <a:endParaRPr lang="en-US"/>
           </a:p>
@@ -2982,7 +3209,7 @@
           <a:p>
             <a:fld id="{809CEF2D-C839-41A0-817E-03595D1CB546}" type="datetimeFigureOut">
               <a:rPr lang="en-US" smtClean="0"/>
-              <a:t>7/26/2019</a:t>
+              <a:t>7/29/2019</a:t>
             </a:fld>
             <a:endParaRPr lang="en-US"/>
           </a:p>
@@ -3361,7 +3588,7 @@
           <a:p>
             <a:fld id="{809CEF2D-C839-41A0-817E-03595D1CB546}" type="datetimeFigureOut">
               <a:rPr lang="en-US" smtClean="0"/>
-              <a:t>7/26/2019</a:t>
+              <a:t>7/29/2019</a:t>
             </a:fld>
             <a:endParaRPr lang="en-US"/>
           </a:p>
@@ -3479,7 +3706,7 @@
           <a:p>
             <a:fld id="{809CEF2D-C839-41A0-817E-03595D1CB546}" type="datetimeFigureOut">
               <a:rPr lang="en-US" smtClean="0"/>
-              <a:t>7/26/2019</a:t>
+              <a:t>7/29/2019</a:t>
             </a:fld>
             <a:endParaRPr lang="en-US"/>
           </a:p>
@@ -3650,7 +3877,7 @@
           <a:p>
             <a:fld id="{809CEF2D-C839-41A0-817E-03595D1CB546}" type="datetimeFigureOut">
               <a:rPr lang="en-US" smtClean="0"/>
-              <a:t>7/26/2019</a:t>
+              <a:t>7/29/2019</a:t>
             </a:fld>
             <a:endParaRPr lang="en-US"/>
           </a:p>
@@ -3825,7 +4052,7 @@
         <p:spPr>
           <a:xfrm>
             <a:off x="457200" y="594359"/>
-            <a:ext cx="3200400" cy="2286000"/>
+            <a:ext cx="3200400" cy="1110873"/>
           </a:xfrm>
         </p:spPr>
         <p:txBody>
@@ -3843,7 +4070,7 @@
           </a:lstStyle>
           <a:p>
             <a:r>
-              <a:rPr lang="en-US" smtClean="0"/>
+              <a:rPr lang="en-US" dirty="0" smtClean="0"/>
               <a:t>Click to edit Master title style</a:t>
             </a:r>
             <a:endParaRPr lang="en-US" dirty="0"/>
@@ -3919,8 +4146,8 @@
         </p:nvSpPr>
         <p:spPr>
           <a:xfrm>
-            <a:off x="457200" y="2926080"/>
-            <a:ext cx="3200400" cy="3379124"/>
+            <a:off x="457200" y="1787611"/>
+            <a:ext cx="3200400" cy="4517593"/>
           </a:xfrm>
         </p:spPr>
         <p:txBody>
@@ -4004,7 +4231,7 @@
           <a:p>
             <a:fld id="{809CEF2D-C839-41A0-817E-03595D1CB546}" type="datetimeFigureOut">
               <a:rPr lang="en-US" smtClean="0"/>
-              <a:t>7/26/2019</a:t>
+              <a:t>7/29/2019</a:t>
             </a:fld>
             <a:endParaRPr lang="en-US"/>
           </a:p>
@@ -4087,8 +4314,8 @@
 </file>
 
 <file path=ppt/slideLayouts/slideLayout9.xml><?xml version="1.0" encoding="utf-8"?>
-<p:sldLayout xmlns:a="http://schemas.openxmlformats.org/drawingml/2006/main" xmlns:r="http://schemas.openxmlformats.org/officeDocument/2006/relationships" xmlns:p="http://schemas.openxmlformats.org/presentationml/2006/main" showMasterSp="0" type="picTx" preserve="1">
-  <p:cSld name="Picture with Caption">
+<p:sldLayout xmlns:a="http://schemas.openxmlformats.org/drawingml/2006/main" xmlns:r="http://schemas.openxmlformats.org/officeDocument/2006/relationships" xmlns:p="http://schemas.openxmlformats.org/presentationml/2006/main" showMasterSp="0" type="objTx" preserve="1">
+  <p:cSld name="Content with Caption (Right)">
     <p:spTree>
       <p:nvGrpSpPr>
         <p:cNvPr id="1" name=""/>
@@ -4111,8 +4338,8 @@
         </p:nvSpPr>
         <p:spPr>
           <a:xfrm>
-            <a:off x="0" y="4953000"/>
-            <a:ext cx="12188825" cy="1905000"/>
+            <a:off x="8141209" y="0"/>
+            <a:ext cx="4050791" cy="6858000"/>
           </a:xfrm>
           <a:prstGeom prst="rect">
             <a:avLst/>
@@ -4149,8 +4376,8 @@
         </p:nvSpPr>
         <p:spPr>
           <a:xfrm>
-            <a:off x="15" y="4915076"/>
-            <a:ext cx="12188825" cy="64008"/>
+            <a:off x="8109205" y="0"/>
+            <a:ext cx="64008" cy="6858000"/>
           </a:xfrm>
           <a:prstGeom prst="rect">
             <a:avLst/>
@@ -4191,13 +4418,13 @@
         </p:nvSpPr>
         <p:spPr>
           <a:xfrm>
-            <a:off x="1097280" y="5074920"/>
-            <a:ext cx="10113264" cy="822960"/>
-          </a:xfrm>
-        </p:spPr>
-        <p:txBody>
-          <a:bodyPr lIns="91440" tIns="0" rIns="91440" bIns="0" anchor="b">
-            <a:noAutofit/>
+            <a:off x="8542020" y="594359"/>
+            <a:ext cx="3200400" cy="1110873"/>
+          </a:xfrm>
+        </p:spPr>
+        <p:txBody>
+          <a:bodyPr anchor="b">
+            <a:normAutofit/>
           </a:bodyPr>
           <a:lstStyle>
             <a:lvl1pPr>
@@ -4210,7 +4437,7 @@
           </a:lstStyle>
           <a:p>
             <a:r>
-              <a:rPr lang="en-US" smtClean="0"/>
+              <a:rPr lang="en-US" dirty="0" smtClean="0"/>
               <a:t>Click to edit Master title style</a:t>
             </a:r>
             <a:endParaRPr lang="en-US" dirty="0"/>
@@ -4219,74 +4446,56 @@
       </p:sp>
       <p:sp>
         <p:nvSpPr>
-          <p:cNvPr id="3" name="Picture Placeholder 2"/>
-          <p:cNvSpPr>
-            <a:spLocks noGrp="1" noChangeAspect="1"/>
-          </p:cNvSpPr>
-          <p:nvPr>
-            <p:ph type="pic" idx="1"/>
-          </p:nvPr>
-        </p:nvSpPr>
-        <p:spPr>
-          <a:xfrm>
-            <a:off x="15" y="0"/>
-            <a:ext cx="12191985" cy="4915076"/>
-          </a:xfrm>
-          <a:blipFill>
-            <a:blip r:embed="rId2"/>
-            <a:stretch>
-              <a:fillRect/>
-            </a:stretch>
-          </a:blipFill>
-        </p:spPr>
-        <p:txBody>
-          <a:bodyPr lIns="457200" tIns="457200" anchor="t"/>
-          <a:lstStyle>
-            <a:lvl1pPr marL="0" indent="0">
-              <a:buNone/>
-              <a:defRPr sz="3200">
-                <a:solidFill>
-                  <a:schemeClr val="bg1"/>
-                </a:solidFill>
-              </a:defRPr>
-            </a:lvl1pPr>
-            <a:lvl2pPr marL="457200" indent="0">
-              <a:buNone/>
-              <a:defRPr sz="2800"/>
-            </a:lvl2pPr>
-            <a:lvl3pPr marL="914400" indent="0">
-              <a:buNone/>
-              <a:defRPr sz="2400"/>
-            </a:lvl3pPr>
-            <a:lvl4pPr marL="1371600" indent="0">
-              <a:buNone/>
-              <a:defRPr sz="2000"/>
-            </a:lvl4pPr>
-            <a:lvl5pPr marL="1828800" indent="0">
-              <a:buNone/>
-              <a:defRPr sz="2000"/>
-            </a:lvl5pPr>
-            <a:lvl6pPr marL="2286000" indent="0">
-              <a:buNone/>
-              <a:defRPr sz="2000"/>
-            </a:lvl6pPr>
-            <a:lvl7pPr marL="2743200" indent="0">
-              <a:buNone/>
-              <a:defRPr sz="2000"/>
-            </a:lvl7pPr>
-            <a:lvl8pPr marL="3200400" indent="0">
-              <a:buNone/>
-              <a:defRPr sz="2000"/>
-            </a:lvl8pPr>
-            <a:lvl9pPr marL="3657600" indent="0">
-              <a:buNone/>
-              <a:defRPr sz="2000"/>
-            </a:lvl9pPr>
-          </a:lstStyle>
-          <a:p>
-            <a:r>
-              <a:rPr lang="en-US" smtClean="0"/>
-              <a:t>Click icon to add picture</a:t>
+          <p:cNvPr id="3" name="Content Placeholder 2"/>
+          <p:cNvSpPr>
+            <a:spLocks noGrp="1"/>
+          </p:cNvSpPr>
+          <p:nvPr>
+            <p:ph idx="1"/>
+          </p:nvPr>
+        </p:nvSpPr>
+        <p:spPr>
+          <a:xfrm>
+            <a:off x="889686" y="731520"/>
+            <a:ext cx="6492240" cy="5257800"/>
+          </a:xfrm>
+        </p:spPr>
+        <p:txBody>
+          <a:bodyPr/>
+          <a:lstStyle/>
+          <a:p>
+            <a:pPr lvl="0"/>
+            <a:r>
+              <a:rPr lang="en-US" dirty="0" smtClean="0"/>
+              <a:t>Edit Master text styles</a:t>
+            </a:r>
+          </a:p>
+          <a:p>
+            <a:pPr lvl="1"/>
+            <a:r>
+              <a:rPr lang="en-US" dirty="0" smtClean="0"/>
+              <a:t>Second level</a:t>
+            </a:r>
+          </a:p>
+          <a:p>
+            <a:pPr lvl="2"/>
+            <a:r>
+              <a:rPr lang="en-US" dirty="0" smtClean="0"/>
+              <a:t>Third level</a:t>
+            </a:r>
+          </a:p>
+          <a:p>
+            <a:pPr lvl="3"/>
+            <a:r>
+              <a:rPr lang="en-US" dirty="0" smtClean="0"/>
+              <a:t>Fourth level</a:t>
+            </a:r>
+          </a:p>
+          <a:p>
+            <a:pPr lvl="4"/>
+            <a:r>
+              <a:rPr lang="en-US" dirty="0" smtClean="0"/>
+              <a:t>Fifth level</a:t>
             </a:r>
             <a:endParaRPr lang="en-US" dirty="0"/>
           </a:p>
@@ -4304,22 +4513,16 @@
         </p:nvSpPr>
         <p:spPr>
           <a:xfrm>
-            <a:off x="1097280" y="5907023"/>
-            <a:ext cx="10113264" cy="594360"/>
-          </a:xfrm>
-        </p:spPr>
-        <p:txBody>
-          <a:bodyPr lIns="91440" tIns="0" rIns="91440" bIns="0">
+            <a:off x="8542020" y="1779373"/>
+            <a:ext cx="3200400" cy="4517593"/>
+          </a:xfrm>
+        </p:spPr>
+        <p:txBody>
+          <a:bodyPr lIns="91440" rIns="91440">
             <a:normAutofit/>
           </a:bodyPr>
           <a:lstStyle>
             <a:lvl1pPr marL="0" indent="0">
-              <a:spcBef>
-                <a:spcPts val="0"/>
-              </a:spcBef>
-              <a:spcAft>
-                <a:spcPts val="600"/>
-              </a:spcAft>
               <a:buNone/>
               <a:defRPr sz="1500">
                 <a:solidFill>
@@ -4379,14 +4582,23 @@
             <p:ph type="dt" sz="half" idx="10"/>
           </p:nvPr>
         </p:nvSpPr>
-        <p:spPr/>
+        <p:spPr>
+          <a:xfrm>
+            <a:off x="8542020" y="6461105"/>
+            <a:ext cx="1771753" cy="365125"/>
+          </a:xfrm>
+        </p:spPr>
         <p:txBody>
           <a:bodyPr/>
-          <a:lstStyle/>
+          <a:lstStyle>
+            <a:lvl1pPr algn="l">
+              <a:defRPr/>
+            </a:lvl1pPr>
+          </a:lstStyle>
           <a:p>
             <a:fld id="{809CEF2D-C839-41A0-817E-03595D1CB546}" type="datetimeFigureOut">
               <a:rPr lang="en-US" smtClean="0"/>
-              <a:t>7/26/2019</a:t>
+              <a:t>7/29/2019</a:t>
             </a:fld>
             <a:endParaRPr lang="en-US"/>
           </a:p>
@@ -4402,12 +4614,25 @@
             <p:ph type="ftr" sz="quarter" idx="11"/>
           </p:nvPr>
         </p:nvSpPr>
-        <p:spPr/>
+        <p:spPr>
+          <a:xfrm>
+            <a:off x="889686" y="6461104"/>
+            <a:ext cx="4648200" cy="365125"/>
+          </a:xfrm>
+        </p:spPr>
         <p:txBody>
           <a:bodyPr/>
-          <a:lstStyle/>
-          <a:p>
-            <a:endParaRPr lang="en-US"/>
+          <a:lstStyle>
+            <a:lvl1pPr algn="l">
+              <a:defRPr>
+                <a:solidFill>
+                  <a:schemeClr val="tx2"/>
+                </a:solidFill>
+              </a:defRPr>
+            </a:lvl1pPr>
+          </a:lstStyle>
+          <a:p>
+            <a:endParaRPr lang="en-US" dirty="0"/>
           </a:p>
         </p:txBody>
       </p:sp>
@@ -4421,10 +4646,23 @@
             <p:ph type="sldNum" sz="quarter" idx="12"/>
           </p:nvPr>
         </p:nvSpPr>
-        <p:spPr/>
+        <p:spPr>
+          <a:xfrm>
+            <a:off x="10430395" y="6461105"/>
+            <a:ext cx="1312025" cy="365125"/>
+          </a:xfrm>
+        </p:spPr>
         <p:txBody>
           <a:bodyPr/>
-          <a:lstStyle/>
+          <a:lstStyle>
+            <a:lvl1pPr>
+              <a:defRPr>
+                <a:solidFill>
+                  <a:schemeClr val="tx2"/>
+                </a:solidFill>
+              </a:defRPr>
+            </a:lvl1pPr>
+          </a:lstStyle>
           <a:p>
             <a:fld id="{8F1AC9B5-9543-4447-B896-CFFB2C6D7835}" type="slidenum">
               <a:rPr lang="en-US" smtClean="0"/>
@@ -4437,7 +4675,7 @@
     </p:spTree>
     <p:extLst>
       <p:ext uri="{BB962C8B-B14F-4D97-AF65-F5344CB8AC3E}">
-        <p14:creationId xmlns:p14="http://schemas.microsoft.com/office/powerpoint/2010/main" val="3568296279"/>
+        <p14:creationId xmlns:p14="http://schemas.microsoft.com/office/powerpoint/2010/main" val="1575140811"/>
       </p:ext>
     </p:extLst>
   </p:cSld>
@@ -4673,7 +4911,7 @@
           <a:p>
             <a:fld id="{809CEF2D-C839-41A0-817E-03595D1CB546}" type="datetimeFigureOut">
               <a:rPr lang="en-US" smtClean="0"/>
-              <a:t>7/26/2019</a:t>
+              <a:t>7/29/2019</a:t>
             </a:fld>
             <a:endParaRPr lang="en-US"/>
           </a:p>
@@ -4808,11 +5046,12 @@
     <p:sldLayoutId id="2147483666" r:id="rId6"/>
     <p:sldLayoutId id="2147483667" r:id="rId7"/>
     <p:sldLayoutId id="2147483668" r:id="rId8"/>
-    <p:sldLayoutId id="2147483669" r:id="rId9"/>
-    <p:sldLayoutId id="2147483670" r:id="rId10"/>
-    <p:sldLayoutId id="2147483671" r:id="rId11"/>
-    <p:sldLayoutId id="2147483672" r:id="rId12"/>
-    <p:sldLayoutId id="2147483673" r:id="rId13"/>
+    <p:sldLayoutId id="2147483674" r:id="rId9"/>
+    <p:sldLayoutId id="2147483669" r:id="rId10"/>
+    <p:sldLayoutId id="2147483670" r:id="rId11"/>
+    <p:sldLayoutId id="2147483671" r:id="rId12"/>
+    <p:sldLayoutId id="2147483672" r:id="rId13"/>
+    <p:sldLayoutId id="2147483673" r:id="rId14"/>
   </p:sldLayoutIdLst>
   <p:txStyles>
     <p:titleStyle>
@@ -5305,12 +5544,12 @@
       </p:grpSpPr>
       <p:sp>
         <p:nvSpPr>
-          <p:cNvPr id="2" name="Title 1"/>
-          <p:cNvSpPr>
-            <a:spLocks noGrp="1"/>
-          </p:cNvSpPr>
-          <p:nvPr>
-            <p:ph type="title"/>
+          <p:cNvPr id="3" name="Text Placeholder 2"/>
+          <p:cNvSpPr>
+            <a:spLocks noGrp="1"/>
+          </p:cNvSpPr>
+          <p:nvPr>
+            <p:ph type="body" idx="1"/>
           </p:nvPr>
         </p:nvSpPr>
         <p:spPr/>
@@ -5326,6 +5565,66 @@
           </a:p>
         </p:txBody>
       </p:sp>
+    </p:spTree>
+    <p:extLst>
+      <p:ext uri="{BB962C8B-B14F-4D97-AF65-F5344CB8AC3E}">
+        <p14:creationId xmlns:p14="http://schemas.microsoft.com/office/powerpoint/2010/main" val="1132801665"/>
+      </p:ext>
+    </p:extLst>
+  </p:cSld>
+  <p:clrMapOvr>
+    <a:masterClrMapping/>
+  </p:clrMapOvr>
+  <p:timing>
+    <p:tnLst>
+      <p:par>
+        <p:cTn id="1" dur="indefinite" restart="never" nodeType="tmRoot"/>
+      </p:par>
+    </p:tnLst>
+  </p:timing>
+</p:sld>
+</file>
+
+<file path=ppt/slides/slide11.xml><?xml version="1.0" encoding="utf-8"?>
+<p:sld xmlns:a="http://schemas.openxmlformats.org/drawingml/2006/main" xmlns:r="http://schemas.openxmlformats.org/officeDocument/2006/relationships" xmlns:p="http://schemas.openxmlformats.org/presentationml/2006/main">
+  <p:cSld>
+    <p:spTree>
+      <p:nvGrpSpPr>
+        <p:cNvPr id="1" name=""/>
+        <p:cNvGrpSpPr/>
+        <p:nvPr/>
+      </p:nvGrpSpPr>
+      <p:grpSpPr>
+        <a:xfrm>
+          <a:off x="0" y="0"/>
+          <a:ext cx="0" cy="0"/>
+          <a:chOff x="0" y="0"/>
+          <a:chExt cx="0" cy="0"/>
+        </a:xfrm>
+      </p:grpSpPr>
+      <p:sp>
+        <p:nvSpPr>
+          <p:cNvPr id="2" name="Title 1"/>
+          <p:cNvSpPr>
+            <a:spLocks noGrp="1"/>
+          </p:cNvSpPr>
+          <p:nvPr>
+            <p:ph type="title"/>
+          </p:nvPr>
+        </p:nvSpPr>
+        <p:spPr/>
+        <p:txBody>
+          <a:bodyPr/>
+          <a:lstStyle/>
+          <a:p>
+            <a:r>
+              <a:rPr lang="en-US" dirty="0" smtClean="0"/>
+              <a:t>Results</a:t>
+            </a:r>
+            <a:endParaRPr lang="en-US" dirty="0"/>
+          </a:p>
+        </p:txBody>
+      </p:sp>
       <p:sp>
         <p:nvSpPr>
           <p:cNvPr id="3" name="Content Placeholder 2"/>
@@ -5363,16 +5662,18 @@
           <a:p>
             <a:r>
               <a:rPr lang="en-US" dirty="0" smtClean="0"/>
-              <a:t>4 significant clusters</a:t>
-            </a:r>
-          </a:p>
-          <a:p>
+              <a:t>4 significant </a:t>
+            </a:r>
             <a:r>
               <a:rPr lang="en-US" dirty="0" smtClean="0"/>
-              <a:t>1 significant pathway</a:t>
-            </a:r>
-          </a:p>
-          <a:p>
+              <a:t>clusters</a:t>
+            </a:r>
+          </a:p>
+          <a:p>
+            <a:r>
+              <a:rPr lang="en-US" dirty="0" smtClean="0"/>
+              <a:t>6 significant networks</a:t>
+            </a:r>
             <a:endParaRPr lang="en-US" dirty="0"/>
           </a:p>
         </p:txBody>
@@ -5381,6 +5682,980 @@
     <p:extLst>
       <p:ext uri="{BB962C8B-B14F-4D97-AF65-F5344CB8AC3E}">
         <p14:creationId xmlns:p14="http://schemas.microsoft.com/office/powerpoint/2010/main" val="3603035915"/>
+      </p:ext>
+    </p:extLst>
+  </p:cSld>
+  <p:clrMapOvr>
+    <a:masterClrMapping/>
+  </p:clrMapOvr>
+</p:sld>
+</file>
+
+<file path=ppt/slides/slide12.xml><?xml version="1.0" encoding="utf-8"?>
+<p:sld xmlns:a="http://schemas.openxmlformats.org/drawingml/2006/main" xmlns:r="http://schemas.openxmlformats.org/officeDocument/2006/relationships" xmlns:p="http://schemas.openxmlformats.org/presentationml/2006/main">
+  <p:cSld>
+    <p:spTree>
+      <p:nvGrpSpPr>
+        <p:cNvPr id="1" name=""/>
+        <p:cNvGrpSpPr/>
+        <p:nvPr/>
+      </p:nvGrpSpPr>
+      <p:grpSpPr>
+        <a:xfrm>
+          <a:off x="0" y="0"/>
+          <a:ext cx="0" cy="0"/>
+          <a:chOff x="0" y="0"/>
+          <a:chExt cx="0" cy="0"/>
+        </a:xfrm>
+      </p:grpSpPr>
+      <p:pic>
+        <p:nvPicPr>
+          <p:cNvPr id="7" name="Picture 6"/>
+          <p:cNvPicPr>
+            <a:picLocks noChangeAspect="1"/>
+          </p:cNvPicPr>
+          <p:nvPr/>
+        </p:nvPicPr>
+        <p:blipFill>
+          <a:blip r:embed="rId2"/>
+          <a:stretch>
+            <a:fillRect/>
+          </a:stretch>
+        </p:blipFill>
+        <p:spPr>
+          <a:xfrm>
+            <a:off x="3626229" y="1941943"/>
+            <a:ext cx="3454478" cy="3299348"/>
+          </a:xfrm>
+          <a:prstGeom prst="rect">
+            <a:avLst/>
+          </a:prstGeom>
+        </p:spPr>
+      </p:pic>
+      <p:pic>
+        <p:nvPicPr>
+          <p:cNvPr id="6" name="Picture 5"/>
+          <p:cNvPicPr>
+            <a:picLocks noChangeAspect="1"/>
+          </p:cNvPicPr>
+          <p:nvPr/>
+        </p:nvPicPr>
+        <p:blipFill>
+          <a:blip r:embed="rId3"/>
+          <a:stretch>
+            <a:fillRect/>
+          </a:stretch>
+        </p:blipFill>
+        <p:spPr>
+          <a:xfrm>
+            <a:off x="414704" y="193431"/>
+            <a:ext cx="3723772" cy="2725615"/>
+          </a:xfrm>
+          <a:prstGeom prst="rect">
+            <a:avLst/>
+          </a:prstGeom>
+        </p:spPr>
+      </p:pic>
+      <p:sp>
+        <p:nvSpPr>
+          <p:cNvPr id="2" name="Title 1"/>
+          <p:cNvSpPr>
+            <a:spLocks noGrp="1"/>
+          </p:cNvSpPr>
+          <p:nvPr>
+            <p:ph type="title"/>
+          </p:nvPr>
+        </p:nvSpPr>
+        <p:spPr/>
+        <p:txBody>
+          <a:bodyPr/>
+          <a:lstStyle/>
+          <a:p>
+            <a:r>
+              <a:rPr lang="en-US" dirty="0" smtClean="0"/>
+              <a:t>Clusters</a:t>
+            </a:r>
+            <a:endParaRPr lang="en-US" dirty="0"/>
+          </a:p>
+        </p:txBody>
+      </p:sp>
+      <p:sp>
+        <p:nvSpPr>
+          <p:cNvPr id="5" name="TextBox 4"/>
+          <p:cNvSpPr txBox="1"/>
+          <p:nvPr/>
+        </p:nvSpPr>
+        <p:spPr>
+          <a:xfrm>
+            <a:off x="1012015" y="1172088"/>
+            <a:ext cx="2127738" cy="553998"/>
+          </a:xfrm>
+          <a:prstGeom prst="rect">
+            <a:avLst/>
+          </a:prstGeom>
+          <a:noFill/>
+        </p:spPr>
+        <p:txBody>
+          <a:bodyPr wrap="square" rtlCol="0">
+            <a:spAutoFit/>
+          </a:bodyPr>
+          <a:lstStyle/>
+          <a:p>
+            <a:r>
+              <a:rPr lang="en-US" dirty="0" smtClean="0"/>
+              <a:t>Cluster 7</a:t>
+            </a:r>
+          </a:p>
+          <a:p>
+            <a:r>
+              <a:rPr lang="en-US" sz="1200" dirty="0" smtClean="0"/>
+              <a:t>p=2.896e-4</a:t>
+            </a:r>
+            <a:endParaRPr lang="en-US" sz="1200" dirty="0"/>
+          </a:p>
+        </p:txBody>
+      </p:sp>
+      <p:sp>
+        <p:nvSpPr>
+          <p:cNvPr id="8" name="TextBox 7"/>
+          <p:cNvSpPr txBox="1"/>
+          <p:nvPr/>
+        </p:nvSpPr>
+        <p:spPr>
+          <a:xfrm>
+            <a:off x="4094657" y="2541355"/>
+            <a:ext cx="1009956" cy="553998"/>
+          </a:xfrm>
+          <a:prstGeom prst="rect">
+            <a:avLst/>
+          </a:prstGeom>
+          <a:noFill/>
+        </p:spPr>
+        <p:txBody>
+          <a:bodyPr wrap="none" rtlCol="0">
+            <a:spAutoFit/>
+          </a:bodyPr>
+          <a:lstStyle/>
+          <a:p>
+            <a:r>
+              <a:rPr lang="en-US" dirty="0" smtClean="0"/>
+              <a:t>Cluster 8</a:t>
+            </a:r>
+          </a:p>
+          <a:p>
+            <a:r>
+              <a:rPr lang="en-US" sz="1200" dirty="0" smtClean="0"/>
+              <a:t>p=7.329e-7</a:t>
+            </a:r>
+          </a:p>
+        </p:txBody>
+      </p:sp>
+      <p:pic>
+        <p:nvPicPr>
+          <p:cNvPr id="9" name="Picture 8"/>
+          <p:cNvPicPr>
+            <a:picLocks noChangeAspect="1"/>
+          </p:cNvPicPr>
+          <p:nvPr/>
+        </p:nvPicPr>
+        <p:blipFill>
+          <a:blip r:embed="rId4"/>
+          <a:stretch>
+            <a:fillRect/>
+          </a:stretch>
+        </p:blipFill>
+        <p:spPr>
+          <a:xfrm>
+            <a:off x="6878453" y="618090"/>
+            <a:ext cx="1687790" cy="1691630"/>
+          </a:xfrm>
+          <a:prstGeom prst="rect">
+            <a:avLst/>
+          </a:prstGeom>
+        </p:spPr>
+      </p:pic>
+      <p:sp>
+        <p:nvSpPr>
+          <p:cNvPr id="10" name="TextBox 9"/>
+          <p:cNvSpPr txBox="1"/>
+          <p:nvPr/>
+        </p:nvSpPr>
+        <p:spPr>
+          <a:xfrm>
+            <a:off x="6427177" y="618090"/>
+            <a:ext cx="1126975" cy="553998"/>
+          </a:xfrm>
+          <a:prstGeom prst="rect">
+            <a:avLst/>
+          </a:prstGeom>
+          <a:noFill/>
+        </p:spPr>
+        <p:txBody>
+          <a:bodyPr wrap="none" rtlCol="0">
+            <a:spAutoFit/>
+          </a:bodyPr>
+          <a:lstStyle/>
+          <a:p>
+            <a:r>
+              <a:rPr lang="en-US" dirty="0" smtClean="0"/>
+              <a:t>Cluster 20</a:t>
+            </a:r>
+          </a:p>
+          <a:p>
+            <a:r>
+              <a:rPr lang="en-US" sz="1200" dirty="0" smtClean="0"/>
+              <a:t>p=0.010</a:t>
+            </a:r>
+          </a:p>
+        </p:txBody>
+      </p:sp>
+      <p:pic>
+        <p:nvPicPr>
+          <p:cNvPr id="11" name="Picture 10"/>
+          <p:cNvPicPr>
+            <a:picLocks noChangeAspect="1"/>
+          </p:cNvPicPr>
+          <p:nvPr/>
+        </p:nvPicPr>
+        <p:blipFill>
+          <a:blip r:embed="rId5"/>
+          <a:stretch>
+            <a:fillRect/>
+          </a:stretch>
+        </p:blipFill>
+        <p:spPr>
+          <a:xfrm>
+            <a:off x="9626420" y="3528403"/>
+            <a:ext cx="1584123" cy="1460363"/>
+          </a:xfrm>
+          <a:prstGeom prst="rect">
+            <a:avLst/>
+          </a:prstGeom>
+        </p:spPr>
+      </p:pic>
+      <p:sp>
+        <p:nvSpPr>
+          <p:cNvPr id="12" name="TextBox 11"/>
+          <p:cNvSpPr txBox="1"/>
+          <p:nvPr/>
+        </p:nvSpPr>
+        <p:spPr>
+          <a:xfrm>
+            <a:off x="9177229" y="3208737"/>
+            <a:ext cx="1126975" cy="553998"/>
+          </a:xfrm>
+          <a:prstGeom prst="rect">
+            <a:avLst/>
+          </a:prstGeom>
+          <a:noFill/>
+        </p:spPr>
+        <p:txBody>
+          <a:bodyPr wrap="none" rtlCol="0">
+            <a:spAutoFit/>
+          </a:bodyPr>
+          <a:lstStyle/>
+          <a:p>
+            <a:r>
+              <a:rPr lang="en-US" dirty="0" smtClean="0"/>
+              <a:t>Cluster 21</a:t>
+            </a:r>
+          </a:p>
+          <a:p>
+            <a:r>
+              <a:rPr lang="en-US" sz="1200" dirty="0" smtClean="0"/>
+              <a:t>p=0.021</a:t>
+            </a:r>
+          </a:p>
+        </p:txBody>
+      </p:sp>
+    </p:spTree>
+    <p:extLst>
+      <p:ext uri="{BB962C8B-B14F-4D97-AF65-F5344CB8AC3E}">
+        <p14:creationId xmlns:p14="http://schemas.microsoft.com/office/powerpoint/2010/main" val="3722865200"/>
+      </p:ext>
+    </p:extLst>
+  </p:cSld>
+  <p:clrMapOvr>
+    <a:masterClrMapping/>
+  </p:clrMapOvr>
+</p:sld>
+</file>
+
+<file path=ppt/slides/slide13.xml><?xml version="1.0" encoding="utf-8"?>
+<p:sld xmlns:a="http://schemas.openxmlformats.org/drawingml/2006/main" xmlns:r="http://schemas.openxmlformats.org/officeDocument/2006/relationships" xmlns:p="http://schemas.openxmlformats.org/presentationml/2006/main">
+  <p:cSld>
+    <p:spTree>
+      <p:nvGrpSpPr>
+        <p:cNvPr id="1" name=""/>
+        <p:cNvGrpSpPr/>
+        <p:nvPr/>
+      </p:nvGrpSpPr>
+      <p:grpSpPr>
+        <a:xfrm>
+          <a:off x="0" y="0"/>
+          <a:ext cx="0" cy="0"/>
+          <a:chOff x="0" y="0"/>
+          <a:chExt cx="0" cy="0"/>
+        </a:xfrm>
+      </p:grpSpPr>
+      <p:sp>
+        <p:nvSpPr>
+          <p:cNvPr id="2" name="Title 1"/>
+          <p:cNvSpPr>
+            <a:spLocks noGrp="1"/>
+          </p:cNvSpPr>
+          <p:nvPr>
+            <p:ph type="title"/>
+          </p:nvPr>
+        </p:nvSpPr>
+        <p:spPr/>
+        <p:txBody>
+          <a:bodyPr/>
+          <a:lstStyle/>
+          <a:p>
+            <a:r>
+              <a:rPr lang="en-US" dirty="0" smtClean="0"/>
+              <a:t>Network 7-1</a:t>
+            </a:r>
+            <a:endParaRPr lang="en-US" dirty="0"/>
+          </a:p>
+        </p:txBody>
+      </p:sp>
+      <p:sp>
+        <p:nvSpPr>
+          <p:cNvPr id="4" name="Text Placeholder 3"/>
+          <p:cNvSpPr>
+            <a:spLocks noGrp="1"/>
+          </p:cNvSpPr>
+          <p:nvPr>
+            <p:ph type="body" sz="half" idx="2"/>
+          </p:nvPr>
+        </p:nvSpPr>
+        <p:spPr/>
+        <p:txBody>
+          <a:bodyPr/>
+          <a:lstStyle/>
+          <a:p>
+            <a:endParaRPr lang="en-US"/>
+          </a:p>
+        </p:txBody>
+      </p:sp>
+      <p:pic>
+        <p:nvPicPr>
+          <p:cNvPr id="8" name="Content Placeholder 7"/>
+          <p:cNvPicPr>
+            <a:picLocks noGrp="1" noChangeAspect="1"/>
+          </p:cNvPicPr>
+          <p:nvPr>
+            <p:ph idx="1"/>
+          </p:nvPr>
+        </p:nvPicPr>
+        <p:blipFill>
+          <a:blip r:embed="rId2" cstate="print">
+            <a:extLst>
+              <a:ext uri="{28A0092B-C50C-407E-A947-70E740481C1C}">
+                <a14:useLocalDpi xmlns:a14="http://schemas.microsoft.com/office/drawing/2010/main" val="0"/>
+              </a:ext>
+            </a:extLst>
+          </a:blip>
+          <a:stretch>
+            <a:fillRect/>
+          </a:stretch>
+        </p:blipFill>
+        <p:spPr>
+          <a:xfrm>
+            <a:off x="5058224" y="731838"/>
+            <a:ext cx="5977627" cy="5257800"/>
+          </a:xfrm>
+        </p:spPr>
+      </p:pic>
+    </p:spTree>
+    <p:extLst>
+      <p:ext uri="{BB962C8B-B14F-4D97-AF65-F5344CB8AC3E}">
+        <p14:creationId xmlns:p14="http://schemas.microsoft.com/office/powerpoint/2010/main" val="4180889026"/>
+      </p:ext>
+    </p:extLst>
+  </p:cSld>
+  <p:clrMapOvr>
+    <a:masterClrMapping/>
+  </p:clrMapOvr>
+</p:sld>
+</file>
+
+<file path=ppt/slides/slide14.xml><?xml version="1.0" encoding="utf-8"?>
+<p:sld xmlns:a="http://schemas.openxmlformats.org/drawingml/2006/main" xmlns:r="http://schemas.openxmlformats.org/officeDocument/2006/relationships" xmlns:p="http://schemas.openxmlformats.org/presentationml/2006/main">
+  <p:cSld>
+    <p:spTree>
+      <p:nvGrpSpPr>
+        <p:cNvPr id="1" name=""/>
+        <p:cNvGrpSpPr/>
+        <p:nvPr/>
+      </p:nvGrpSpPr>
+      <p:grpSpPr>
+        <a:xfrm>
+          <a:off x="0" y="0"/>
+          <a:ext cx="0" cy="0"/>
+          <a:chOff x="0" y="0"/>
+          <a:chExt cx="0" cy="0"/>
+        </a:xfrm>
+      </p:grpSpPr>
+      <p:sp>
+        <p:nvSpPr>
+          <p:cNvPr id="2" name="Title 1"/>
+          <p:cNvSpPr>
+            <a:spLocks noGrp="1"/>
+          </p:cNvSpPr>
+          <p:nvPr>
+            <p:ph type="title"/>
+          </p:nvPr>
+        </p:nvSpPr>
+        <p:spPr/>
+        <p:txBody>
+          <a:bodyPr/>
+          <a:lstStyle/>
+          <a:p>
+            <a:r>
+              <a:rPr lang="en-US" dirty="0" smtClean="0"/>
+              <a:t>Network 7-2</a:t>
+            </a:r>
+            <a:endParaRPr lang="en-US" dirty="0"/>
+          </a:p>
+        </p:txBody>
+      </p:sp>
+      <p:sp>
+        <p:nvSpPr>
+          <p:cNvPr id="4" name="Text Placeholder 3"/>
+          <p:cNvSpPr>
+            <a:spLocks noGrp="1"/>
+          </p:cNvSpPr>
+          <p:nvPr>
+            <p:ph type="body" sz="half" idx="2"/>
+          </p:nvPr>
+        </p:nvSpPr>
+        <p:spPr/>
+        <p:txBody>
+          <a:bodyPr/>
+          <a:lstStyle/>
+          <a:p>
+            <a:endParaRPr lang="en-US"/>
+          </a:p>
+        </p:txBody>
+      </p:sp>
+      <p:pic>
+        <p:nvPicPr>
+          <p:cNvPr id="7" name="Content Placeholder 6"/>
+          <p:cNvPicPr>
+            <a:picLocks noGrp="1" noChangeAspect="1"/>
+          </p:cNvPicPr>
+          <p:nvPr>
+            <p:ph idx="1"/>
+          </p:nvPr>
+        </p:nvPicPr>
+        <p:blipFill>
+          <a:blip r:embed="rId2" cstate="print">
+            <a:extLst>
+              <a:ext uri="{28A0092B-C50C-407E-A947-70E740481C1C}">
+                <a14:useLocalDpi xmlns:a14="http://schemas.microsoft.com/office/drawing/2010/main" val="0"/>
+              </a:ext>
+            </a:extLst>
+          </a:blip>
+          <a:stretch>
+            <a:fillRect/>
+          </a:stretch>
+        </p:blipFill>
+        <p:spPr>
+          <a:xfrm>
+            <a:off x="1652468" y="731838"/>
+            <a:ext cx="4965938" cy="5257800"/>
+          </a:xfrm>
+        </p:spPr>
+      </p:pic>
+    </p:spTree>
+    <p:extLst>
+      <p:ext uri="{BB962C8B-B14F-4D97-AF65-F5344CB8AC3E}">
+        <p14:creationId xmlns:p14="http://schemas.microsoft.com/office/powerpoint/2010/main" val="2213459273"/>
+      </p:ext>
+    </p:extLst>
+  </p:cSld>
+  <p:clrMapOvr>
+    <a:masterClrMapping/>
+  </p:clrMapOvr>
+</p:sld>
+</file>
+
+<file path=ppt/slides/slide15.xml><?xml version="1.0" encoding="utf-8"?>
+<p:sld xmlns:a="http://schemas.openxmlformats.org/drawingml/2006/main" xmlns:r="http://schemas.openxmlformats.org/officeDocument/2006/relationships" xmlns:p="http://schemas.openxmlformats.org/presentationml/2006/main">
+  <p:cSld>
+    <p:spTree>
+      <p:nvGrpSpPr>
+        <p:cNvPr id="1" name=""/>
+        <p:cNvGrpSpPr/>
+        <p:nvPr/>
+      </p:nvGrpSpPr>
+      <p:grpSpPr>
+        <a:xfrm>
+          <a:off x="0" y="0"/>
+          <a:ext cx="0" cy="0"/>
+          <a:chOff x="0" y="0"/>
+          <a:chExt cx="0" cy="0"/>
+        </a:xfrm>
+      </p:grpSpPr>
+      <p:sp>
+        <p:nvSpPr>
+          <p:cNvPr id="2" name="Title 1"/>
+          <p:cNvSpPr>
+            <a:spLocks noGrp="1"/>
+          </p:cNvSpPr>
+          <p:nvPr>
+            <p:ph type="title"/>
+          </p:nvPr>
+        </p:nvSpPr>
+        <p:spPr/>
+        <p:txBody>
+          <a:bodyPr/>
+          <a:lstStyle/>
+          <a:p>
+            <a:r>
+              <a:rPr lang="en-US" dirty="0" smtClean="0"/>
+              <a:t>Network 8-1</a:t>
+            </a:r>
+            <a:endParaRPr lang="en-US" dirty="0"/>
+          </a:p>
+        </p:txBody>
+      </p:sp>
+      <p:sp>
+        <p:nvSpPr>
+          <p:cNvPr id="4" name="Text Placeholder 3"/>
+          <p:cNvSpPr>
+            <a:spLocks noGrp="1"/>
+          </p:cNvSpPr>
+          <p:nvPr>
+            <p:ph type="body" sz="half" idx="2"/>
+          </p:nvPr>
+        </p:nvSpPr>
+        <p:spPr/>
+        <p:txBody>
+          <a:bodyPr/>
+          <a:lstStyle/>
+          <a:p>
+            <a:endParaRPr lang="en-US"/>
+          </a:p>
+        </p:txBody>
+      </p:sp>
+      <p:pic>
+        <p:nvPicPr>
+          <p:cNvPr id="8" name="Content Placeholder 7"/>
+          <p:cNvPicPr>
+            <a:picLocks noGrp="1" noChangeAspect="1"/>
+          </p:cNvPicPr>
+          <p:nvPr>
+            <p:ph idx="1"/>
+          </p:nvPr>
+        </p:nvPicPr>
+        <p:blipFill>
+          <a:blip r:embed="rId2" cstate="print">
+            <a:extLst>
+              <a:ext uri="{28A0092B-C50C-407E-A947-70E740481C1C}">
+                <a14:useLocalDpi xmlns:a14="http://schemas.microsoft.com/office/drawing/2010/main" val="0"/>
+              </a:ext>
+            </a:extLst>
+          </a:blip>
+          <a:stretch>
+            <a:fillRect/>
+          </a:stretch>
+        </p:blipFill>
+        <p:spPr>
+          <a:xfrm>
+            <a:off x="4800600" y="797347"/>
+            <a:ext cx="6492875" cy="5126782"/>
+          </a:xfrm>
+        </p:spPr>
+      </p:pic>
+    </p:spTree>
+    <p:extLst>
+      <p:ext uri="{BB962C8B-B14F-4D97-AF65-F5344CB8AC3E}">
+        <p14:creationId xmlns:p14="http://schemas.microsoft.com/office/powerpoint/2010/main" val="2712752138"/>
+      </p:ext>
+    </p:extLst>
+  </p:cSld>
+  <p:clrMapOvr>
+    <a:masterClrMapping/>
+  </p:clrMapOvr>
+</p:sld>
+</file>
+
+<file path=ppt/slides/slide16.xml><?xml version="1.0" encoding="utf-8"?>
+<p:sld xmlns:a="http://schemas.openxmlformats.org/drawingml/2006/main" xmlns:r="http://schemas.openxmlformats.org/officeDocument/2006/relationships" xmlns:p="http://schemas.openxmlformats.org/presentationml/2006/main">
+  <p:cSld>
+    <p:spTree>
+      <p:nvGrpSpPr>
+        <p:cNvPr id="1" name=""/>
+        <p:cNvGrpSpPr/>
+        <p:nvPr/>
+      </p:nvGrpSpPr>
+      <p:grpSpPr>
+        <a:xfrm>
+          <a:off x="0" y="0"/>
+          <a:ext cx="0" cy="0"/>
+          <a:chOff x="0" y="0"/>
+          <a:chExt cx="0" cy="0"/>
+        </a:xfrm>
+      </p:grpSpPr>
+      <p:sp>
+        <p:nvSpPr>
+          <p:cNvPr id="2" name="Title 1"/>
+          <p:cNvSpPr>
+            <a:spLocks noGrp="1"/>
+          </p:cNvSpPr>
+          <p:nvPr>
+            <p:ph type="title"/>
+          </p:nvPr>
+        </p:nvSpPr>
+        <p:spPr/>
+        <p:txBody>
+          <a:bodyPr/>
+          <a:lstStyle/>
+          <a:p>
+            <a:r>
+              <a:rPr lang="en-US" dirty="0" smtClean="0"/>
+              <a:t>Network 8-2</a:t>
+            </a:r>
+            <a:endParaRPr lang="en-US" dirty="0"/>
+          </a:p>
+        </p:txBody>
+      </p:sp>
+      <p:sp>
+        <p:nvSpPr>
+          <p:cNvPr id="4" name="Text Placeholder 3"/>
+          <p:cNvSpPr>
+            <a:spLocks noGrp="1"/>
+          </p:cNvSpPr>
+          <p:nvPr>
+            <p:ph type="body" sz="half" idx="2"/>
+          </p:nvPr>
+        </p:nvSpPr>
+        <p:spPr/>
+        <p:txBody>
+          <a:bodyPr/>
+          <a:lstStyle/>
+          <a:p>
+            <a:endParaRPr lang="en-US"/>
+          </a:p>
+        </p:txBody>
+      </p:sp>
+      <p:pic>
+        <p:nvPicPr>
+          <p:cNvPr id="7" name="Content Placeholder 6"/>
+          <p:cNvPicPr>
+            <a:picLocks noGrp="1" noChangeAspect="1"/>
+          </p:cNvPicPr>
+          <p:nvPr>
+            <p:ph idx="1"/>
+          </p:nvPr>
+        </p:nvPicPr>
+        <p:blipFill>
+          <a:blip r:embed="rId2" cstate="print">
+            <a:extLst>
+              <a:ext uri="{28A0092B-C50C-407E-A947-70E740481C1C}">
+                <a14:useLocalDpi xmlns:a14="http://schemas.microsoft.com/office/drawing/2010/main" val="0"/>
+              </a:ext>
+            </a:extLst>
+          </a:blip>
+          <a:stretch>
+            <a:fillRect/>
+          </a:stretch>
+        </p:blipFill>
+        <p:spPr>
+          <a:xfrm>
+            <a:off x="889000" y="868184"/>
+            <a:ext cx="6492875" cy="4985108"/>
+          </a:xfrm>
+        </p:spPr>
+      </p:pic>
+    </p:spTree>
+    <p:extLst>
+      <p:ext uri="{BB962C8B-B14F-4D97-AF65-F5344CB8AC3E}">
+        <p14:creationId xmlns:p14="http://schemas.microsoft.com/office/powerpoint/2010/main" val="1475227174"/>
+      </p:ext>
+    </p:extLst>
+  </p:cSld>
+  <p:clrMapOvr>
+    <a:masterClrMapping/>
+  </p:clrMapOvr>
+</p:sld>
+</file>
+
+<file path=ppt/slides/slide17.xml><?xml version="1.0" encoding="utf-8"?>
+<p:sld xmlns:a="http://schemas.openxmlformats.org/drawingml/2006/main" xmlns:r="http://schemas.openxmlformats.org/officeDocument/2006/relationships" xmlns:p="http://schemas.openxmlformats.org/presentationml/2006/main">
+  <p:cSld>
+    <p:spTree>
+      <p:nvGrpSpPr>
+        <p:cNvPr id="1" name=""/>
+        <p:cNvGrpSpPr/>
+        <p:nvPr/>
+      </p:nvGrpSpPr>
+      <p:grpSpPr>
+        <a:xfrm>
+          <a:off x="0" y="0"/>
+          <a:ext cx="0" cy="0"/>
+          <a:chOff x="0" y="0"/>
+          <a:chExt cx="0" cy="0"/>
+        </a:xfrm>
+      </p:grpSpPr>
+      <p:sp>
+        <p:nvSpPr>
+          <p:cNvPr id="2" name="Title 1"/>
+          <p:cNvSpPr>
+            <a:spLocks noGrp="1"/>
+          </p:cNvSpPr>
+          <p:nvPr>
+            <p:ph type="title"/>
+          </p:nvPr>
+        </p:nvSpPr>
+        <p:spPr/>
+        <p:txBody>
+          <a:bodyPr/>
+          <a:lstStyle/>
+          <a:p>
+            <a:r>
+              <a:rPr lang="en-US" dirty="0" smtClean="0"/>
+              <a:t>Network 20-1</a:t>
+            </a:r>
+            <a:endParaRPr lang="en-US" dirty="0"/>
+          </a:p>
+        </p:txBody>
+      </p:sp>
+      <p:sp>
+        <p:nvSpPr>
+          <p:cNvPr id="4" name="Text Placeholder 3"/>
+          <p:cNvSpPr>
+            <a:spLocks noGrp="1"/>
+          </p:cNvSpPr>
+          <p:nvPr>
+            <p:ph type="body" sz="half" idx="2"/>
+          </p:nvPr>
+        </p:nvSpPr>
+        <p:spPr/>
+        <p:txBody>
+          <a:bodyPr/>
+          <a:lstStyle/>
+          <a:p>
+            <a:endParaRPr lang="en-US"/>
+          </a:p>
+        </p:txBody>
+      </p:sp>
+      <p:pic>
+        <p:nvPicPr>
+          <p:cNvPr id="7" name="Content Placeholder 6"/>
+          <p:cNvPicPr>
+            <a:picLocks noGrp="1" noChangeAspect="1"/>
+          </p:cNvPicPr>
+          <p:nvPr>
+            <p:ph idx="1"/>
+          </p:nvPr>
+        </p:nvPicPr>
+        <p:blipFill>
+          <a:blip r:embed="rId2">
+            <a:extLst>
+              <a:ext uri="{28A0092B-C50C-407E-A947-70E740481C1C}">
+                <a14:useLocalDpi xmlns:a14="http://schemas.microsoft.com/office/drawing/2010/main" val="0"/>
+              </a:ext>
+            </a:extLst>
+          </a:blip>
+          <a:stretch>
+            <a:fillRect/>
+          </a:stretch>
+        </p:blipFill>
+        <p:spPr>
+          <a:xfrm>
+            <a:off x="5704674" y="731838"/>
+            <a:ext cx="4684727" cy="5257800"/>
+          </a:xfrm>
+        </p:spPr>
+      </p:pic>
+    </p:spTree>
+    <p:extLst>
+      <p:ext uri="{BB962C8B-B14F-4D97-AF65-F5344CB8AC3E}">
+        <p14:creationId xmlns:p14="http://schemas.microsoft.com/office/powerpoint/2010/main" val="2012370489"/>
+      </p:ext>
+    </p:extLst>
+  </p:cSld>
+  <p:clrMapOvr>
+    <a:masterClrMapping/>
+  </p:clrMapOvr>
+</p:sld>
+</file>
+
+<file path=ppt/slides/slide18.xml><?xml version="1.0" encoding="utf-8"?>
+<p:sld xmlns:a="http://schemas.openxmlformats.org/drawingml/2006/main" xmlns:r="http://schemas.openxmlformats.org/officeDocument/2006/relationships" xmlns:p="http://schemas.openxmlformats.org/presentationml/2006/main">
+  <p:cSld>
+    <p:spTree>
+      <p:nvGrpSpPr>
+        <p:cNvPr id="1" name=""/>
+        <p:cNvGrpSpPr/>
+        <p:nvPr/>
+      </p:nvGrpSpPr>
+      <p:grpSpPr>
+        <a:xfrm>
+          <a:off x="0" y="0"/>
+          <a:ext cx="0" cy="0"/>
+          <a:chOff x="0" y="0"/>
+          <a:chExt cx="0" cy="0"/>
+        </a:xfrm>
+      </p:grpSpPr>
+      <p:sp>
+        <p:nvSpPr>
+          <p:cNvPr id="2" name="Title 1"/>
+          <p:cNvSpPr>
+            <a:spLocks noGrp="1"/>
+          </p:cNvSpPr>
+          <p:nvPr>
+            <p:ph type="title"/>
+          </p:nvPr>
+        </p:nvSpPr>
+        <p:spPr/>
+        <p:txBody>
+          <a:bodyPr/>
+          <a:lstStyle/>
+          <a:p>
+            <a:r>
+              <a:rPr lang="en-US" dirty="0" smtClean="0"/>
+              <a:t>Network 21-1</a:t>
+            </a:r>
+            <a:endParaRPr lang="en-US" dirty="0"/>
+          </a:p>
+        </p:txBody>
+      </p:sp>
+      <p:sp>
+        <p:nvSpPr>
+          <p:cNvPr id="4" name="Text Placeholder 3"/>
+          <p:cNvSpPr>
+            <a:spLocks noGrp="1"/>
+          </p:cNvSpPr>
+          <p:nvPr>
+            <p:ph type="body" sz="half" idx="2"/>
+          </p:nvPr>
+        </p:nvSpPr>
+        <p:spPr/>
+        <p:txBody>
+          <a:bodyPr/>
+          <a:lstStyle/>
+          <a:p>
+            <a:endParaRPr lang="en-US"/>
+          </a:p>
+        </p:txBody>
+      </p:sp>
+      <p:pic>
+        <p:nvPicPr>
+          <p:cNvPr id="7" name="Content Placeholder 6"/>
+          <p:cNvPicPr>
+            <a:picLocks noGrp="1" noChangeAspect="1"/>
+          </p:cNvPicPr>
+          <p:nvPr>
+            <p:ph idx="1"/>
+          </p:nvPr>
+        </p:nvPicPr>
+        <p:blipFill>
+          <a:blip r:embed="rId2" cstate="print">
+            <a:extLst>
+              <a:ext uri="{28A0092B-C50C-407E-A947-70E740481C1C}">
+                <a14:useLocalDpi xmlns:a14="http://schemas.microsoft.com/office/drawing/2010/main" val="0"/>
+              </a:ext>
+            </a:extLst>
+          </a:blip>
+          <a:stretch>
+            <a:fillRect/>
+          </a:stretch>
+        </p:blipFill>
+        <p:spPr>
+          <a:xfrm>
+            <a:off x="1017483" y="731838"/>
+            <a:ext cx="6235908" cy="5257800"/>
+          </a:xfrm>
+        </p:spPr>
+      </p:pic>
+    </p:spTree>
+    <p:extLst>
+      <p:ext uri="{BB962C8B-B14F-4D97-AF65-F5344CB8AC3E}">
+        <p14:creationId xmlns:p14="http://schemas.microsoft.com/office/powerpoint/2010/main" val="2042388585"/>
+      </p:ext>
+    </p:extLst>
+  </p:cSld>
+  <p:clrMapOvr>
+    <a:masterClrMapping/>
+  </p:clrMapOvr>
+</p:sld>
+</file>
+
+<file path=ppt/slides/slide19.xml><?xml version="1.0" encoding="utf-8"?>
+<p:sld xmlns:a="http://schemas.openxmlformats.org/drawingml/2006/main" xmlns:r="http://schemas.openxmlformats.org/officeDocument/2006/relationships" xmlns:p="http://schemas.openxmlformats.org/presentationml/2006/main">
+  <p:cSld>
+    <p:spTree>
+      <p:nvGrpSpPr>
+        <p:cNvPr id="1" name=""/>
+        <p:cNvGrpSpPr/>
+        <p:nvPr/>
+      </p:nvGrpSpPr>
+      <p:grpSpPr>
+        <a:xfrm>
+          <a:off x="0" y="0"/>
+          <a:ext cx="0" cy="0"/>
+          <a:chOff x="0" y="0"/>
+          <a:chExt cx="0" cy="0"/>
+        </a:xfrm>
+      </p:grpSpPr>
+      <p:sp>
+        <p:nvSpPr>
+          <p:cNvPr id="2" name="Title 1"/>
+          <p:cNvSpPr>
+            <a:spLocks noGrp="1"/>
+          </p:cNvSpPr>
+          <p:nvPr>
+            <p:ph type="title"/>
+          </p:nvPr>
+        </p:nvSpPr>
+        <p:spPr/>
+        <p:txBody>
+          <a:bodyPr/>
+          <a:lstStyle/>
+          <a:p>
+            <a:endParaRPr lang="en-US"/>
+          </a:p>
+        </p:txBody>
+      </p:sp>
+      <p:pic>
+        <p:nvPicPr>
+          <p:cNvPr id="4" name="Content Placeholder 3"/>
+          <p:cNvPicPr>
+            <a:picLocks noGrp="1" noChangeAspect="1"/>
+          </p:cNvPicPr>
+          <p:nvPr>
+            <p:ph idx="1"/>
+          </p:nvPr>
+        </p:nvPicPr>
+        <p:blipFill>
+          <a:blip r:embed="rId2" cstate="print">
+            <a:extLst>
+              <a:ext uri="{28A0092B-C50C-407E-A947-70E740481C1C}">
+                <a14:useLocalDpi xmlns:a14="http://schemas.microsoft.com/office/drawing/2010/main" val="0"/>
+              </a:ext>
+            </a:extLst>
+          </a:blip>
+          <a:stretch>
+            <a:fillRect/>
+          </a:stretch>
+        </p:blipFill>
+        <p:spPr>
+          <a:xfrm>
+            <a:off x="3941309" y="1846263"/>
+            <a:ext cx="4369708" cy="4022725"/>
+          </a:xfrm>
+        </p:spPr>
+      </p:pic>
+    </p:spTree>
+    <p:extLst>
+      <p:ext uri="{BB962C8B-B14F-4D97-AF65-F5344CB8AC3E}">
+        <p14:creationId xmlns:p14="http://schemas.microsoft.com/office/powerpoint/2010/main" val="1318042560"/>
       </p:ext>
     </p:extLst>
   </p:cSld>
@@ -6521,12 +7796,12 @@
       </p:grpSpPr>
       <p:sp>
         <p:nvSpPr>
-          <p:cNvPr id="3" name="Text Placeholder 2"/>
-          <p:cNvSpPr>
-            <a:spLocks noGrp="1"/>
-          </p:cNvSpPr>
-          <p:nvPr>
-            <p:ph type="body" idx="1"/>
+          <p:cNvPr id="2" name="Title 1"/>
+          <p:cNvSpPr>
+            <a:spLocks noGrp="1"/>
+          </p:cNvSpPr>
+          <p:nvPr>
+            <p:ph type="title"/>
           </p:nvPr>
         </p:nvSpPr>
         <p:spPr/>
@@ -6536,29 +7811,76 @@
           <a:p>
             <a:r>
               <a:rPr lang="en-US" dirty="0" smtClean="0"/>
-              <a:t>Methods</a:t>
+              <a:t>Goals</a:t>
             </a:r>
             <a:endParaRPr lang="en-US" dirty="0"/>
+          </a:p>
+        </p:txBody>
+      </p:sp>
+      <p:sp>
+        <p:nvSpPr>
+          <p:cNvPr id="3" name="Content Placeholder 2"/>
+          <p:cNvSpPr>
+            <a:spLocks noGrp="1"/>
+          </p:cNvSpPr>
+          <p:nvPr>
+            <p:ph idx="1"/>
+          </p:nvPr>
+        </p:nvSpPr>
+        <p:spPr/>
+        <p:txBody>
+          <a:bodyPr>
+            <a:normAutofit/>
+          </a:bodyPr>
+          <a:lstStyle/>
+          <a:p>
+            <a:pPr lvl="1"/>
+            <a:r>
+              <a:rPr lang="en-US" sz="2400" dirty="0" smtClean="0"/>
+              <a:t>Goal:</a:t>
+            </a:r>
+          </a:p>
+          <a:p>
+            <a:pPr lvl="2"/>
+            <a:r>
+              <a:rPr lang="en-US" sz="2000" dirty="0" smtClean="0"/>
+              <a:t>Identify genetic pathways related to cataract formation</a:t>
+            </a:r>
+          </a:p>
+          <a:p>
+            <a:pPr lvl="2"/>
+            <a:r>
+              <a:rPr lang="en-US" sz="2000" dirty="0" smtClean="0"/>
+              <a:t>Pathways can be targeted by drugs to prevent or treat cataract (non-surgically)</a:t>
+            </a:r>
+          </a:p>
+          <a:p>
+            <a:pPr lvl="2"/>
+            <a:endParaRPr lang="en-US" sz="2000" dirty="0"/>
+          </a:p>
+          <a:p>
+            <a:pPr lvl="1"/>
+            <a:r>
+              <a:rPr lang="en-US" sz="2400" dirty="0" smtClean="0"/>
+              <a:t>Hypothesis:</a:t>
+            </a:r>
+          </a:p>
+          <a:p>
+            <a:pPr lvl="2"/>
+            <a:endParaRPr lang="en-US" sz="2000" dirty="0"/>
           </a:p>
         </p:txBody>
       </p:sp>
     </p:spTree>
     <p:extLst>
       <p:ext uri="{BB962C8B-B14F-4D97-AF65-F5344CB8AC3E}">
-        <p14:creationId xmlns:p14="http://schemas.microsoft.com/office/powerpoint/2010/main" val="2335030857"/>
+        <p14:creationId xmlns:p14="http://schemas.microsoft.com/office/powerpoint/2010/main" val="2728350306"/>
       </p:ext>
     </p:extLst>
   </p:cSld>
   <p:clrMapOvr>
     <a:masterClrMapping/>
   </p:clrMapOvr>
-  <p:timing>
-    <p:tnLst>
-      <p:par>
-        <p:cTn id="1" dur="indefinite" restart="never" nodeType="tmRoot"/>
-      </p:par>
-    </p:tnLst>
-  </p:timing>
 </p:sld>
 </file>
 
@@ -6596,180 +7918,6 @@
           <a:p>
             <a:r>
               <a:rPr lang="en-US" dirty="0" smtClean="0"/>
-              <a:t>Gene Collection</a:t>
-            </a:r>
-            <a:endParaRPr lang="en-US" dirty="0"/>
-          </a:p>
-        </p:txBody>
-      </p:sp>
-      <p:sp>
-        <p:nvSpPr>
-          <p:cNvPr id="4" name="Content Placeholder 3"/>
-          <p:cNvSpPr>
-            <a:spLocks noGrp="1"/>
-          </p:cNvSpPr>
-          <p:nvPr>
-            <p:ph sz="half" idx="2"/>
-          </p:nvPr>
-        </p:nvSpPr>
-        <p:spPr/>
-        <p:txBody>
-          <a:bodyPr/>
-          <a:lstStyle/>
-          <a:p>
-            <a:r>
-              <a:rPr lang="en-US" dirty="0" smtClean="0"/>
-              <a:t>Cataract-related genes were collected from:</a:t>
-            </a:r>
-          </a:p>
-          <a:p>
-            <a:pPr lvl="1">
-              <a:buFont typeface="Arial" panose="020B0604020202020204" pitchFamily="34" charset="0"/>
-              <a:buChar char="•"/>
-            </a:pPr>
-            <a:r>
-              <a:rPr lang="en-US" dirty="0" smtClean="0"/>
-              <a:t>PubMed Gene</a:t>
-            </a:r>
-          </a:p>
-          <a:p>
-            <a:pPr lvl="2">
-              <a:buFont typeface="Arial" panose="020B0604020202020204" pitchFamily="34" charset="0"/>
-              <a:buChar char="•"/>
-            </a:pPr>
-            <a:r>
-              <a:rPr lang="en-US" dirty="0" smtClean="0"/>
-              <a:t>Using query “cataract &amp; “homo sapiens”[Organism]”</a:t>
-            </a:r>
-          </a:p>
-          <a:p>
-            <a:pPr lvl="1">
-              <a:buFont typeface="Arial" panose="020B0604020202020204" pitchFamily="34" charset="0"/>
-              <a:buChar char="•"/>
-            </a:pPr>
-            <a:r>
-              <a:rPr lang="en-US" dirty="0" err="1" smtClean="0"/>
-              <a:t>Phenopedia</a:t>
-            </a:r>
-            <a:endParaRPr lang="en-US" dirty="0" smtClean="0"/>
-          </a:p>
-          <a:p>
-            <a:pPr lvl="2">
-              <a:buFont typeface="Arial" panose="020B0604020202020204" pitchFamily="34" charset="0"/>
-              <a:buChar char="•"/>
-            </a:pPr>
-            <a:r>
-              <a:rPr lang="en-US" dirty="0" smtClean="0"/>
-              <a:t>Genes found in Cataract category</a:t>
-            </a:r>
-            <a:endParaRPr lang="en-US" dirty="0"/>
-          </a:p>
-          <a:p>
-            <a:pPr lvl="2">
-              <a:buFont typeface="Arial" panose="020B0604020202020204" pitchFamily="34" charset="0"/>
-              <a:buChar char="•"/>
-            </a:pPr>
-            <a:endParaRPr lang="en-US" dirty="0"/>
-          </a:p>
-        </p:txBody>
-      </p:sp>
-      <p:sp>
-        <p:nvSpPr>
-          <p:cNvPr id="5" name="Text Placeholder 4"/>
-          <p:cNvSpPr>
-            <a:spLocks noGrp="1"/>
-          </p:cNvSpPr>
-          <p:nvPr>
-            <p:ph type="body" sz="quarter" idx="3"/>
-          </p:nvPr>
-        </p:nvSpPr>
-        <p:spPr/>
-        <p:txBody>
-          <a:bodyPr/>
-          <a:lstStyle/>
-          <a:p>
-            <a:r>
-              <a:rPr lang="en-US" dirty="0" smtClean="0"/>
-              <a:t>Gene Clustering</a:t>
-            </a:r>
-            <a:endParaRPr lang="en-US" dirty="0"/>
-          </a:p>
-        </p:txBody>
-      </p:sp>
-      <p:sp>
-        <p:nvSpPr>
-          <p:cNvPr id="6" name="Content Placeholder 5"/>
-          <p:cNvSpPr>
-            <a:spLocks noGrp="1"/>
-          </p:cNvSpPr>
-          <p:nvPr>
-            <p:ph sz="quarter" idx="4"/>
-          </p:nvPr>
-        </p:nvSpPr>
-        <p:spPr/>
-        <p:txBody>
-          <a:bodyPr/>
-          <a:lstStyle/>
-          <a:p>
-            <a:r>
-              <a:rPr lang="en-US" dirty="0" smtClean="0"/>
-              <a:t>Gene collections were submitted separately to </a:t>
-            </a:r>
-            <a:r>
-              <a:rPr lang="en-US" dirty="0" err="1" smtClean="0"/>
-              <a:t>GeneFriends:RNASeq</a:t>
-            </a:r>
-            <a:endParaRPr lang="en-US" dirty="0" smtClean="0"/>
-          </a:p>
-          <a:p>
-            <a:r>
-              <a:rPr lang="en-US" dirty="0" err="1" smtClean="0"/>
-              <a:t>GeneFriends</a:t>
-            </a:r>
-            <a:r>
-              <a:rPr lang="en-US" dirty="0" smtClean="0"/>
-              <a:t>-generated networks were mapped in </a:t>
-            </a:r>
-            <a:r>
-              <a:rPr lang="en-US" dirty="0" err="1" smtClean="0"/>
-              <a:t>Cytoscape</a:t>
-            </a:r>
-            <a:endParaRPr lang="en-US" dirty="0" smtClean="0"/>
-          </a:p>
-          <a:p>
-            <a:r>
-              <a:rPr lang="en-US" dirty="0" smtClean="0"/>
-              <a:t>Clusters were identified via </a:t>
-            </a:r>
-            <a:r>
-              <a:rPr lang="en-US" dirty="0" err="1" smtClean="0"/>
-              <a:t>ClusterONE</a:t>
-            </a:r>
-            <a:r>
-              <a:rPr lang="en-US" dirty="0" smtClean="0"/>
-              <a:t> app with parameter “Haircut threshold” set to 0.05, all others left as default</a:t>
-            </a:r>
-            <a:endParaRPr lang="en-US" dirty="0"/>
-          </a:p>
-        </p:txBody>
-      </p:sp>
-      <p:sp>
-        <p:nvSpPr>
-          <p:cNvPr id="8" name="Title 7"/>
-          <p:cNvSpPr>
-            <a:spLocks noGrp="1"/>
-          </p:cNvSpPr>
-          <p:nvPr>
-            <p:ph type="title"/>
-          </p:nvPr>
-        </p:nvSpPr>
-        <p:spPr/>
-        <p:txBody>
-          <a:bodyPr/>
-          <a:lstStyle/>
-          <a:p>
-            <a:r>
-              <a:rPr lang="en-US" dirty="0" smtClean="0"/>
               <a:t>Methods</a:t>
             </a:r>
             <a:endParaRPr lang="en-US" dirty="0"/>
@@ -6779,7 +7927,7 @@
     </p:spTree>
     <p:extLst>
       <p:ext uri="{BB962C8B-B14F-4D97-AF65-F5344CB8AC3E}">
-        <p14:creationId xmlns:p14="http://schemas.microsoft.com/office/powerpoint/2010/main" val="606958025"/>
+        <p14:creationId xmlns:p14="http://schemas.microsoft.com/office/powerpoint/2010/main" val="2335030857"/>
       </p:ext>
     </p:extLst>
   </p:cSld>
@@ -6815,7 +7963,181 @@
       </p:grpSpPr>
       <p:sp>
         <p:nvSpPr>
-          <p:cNvPr id="2" name="Title 1"/>
+          <p:cNvPr id="3" name="Text Placeholder 2"/>
+          <p:cNvSpPr>
+            <a:spLocks noGrp="1"/>
+          </p:cNvSpPr>
+          <p:nvPr>
+            <p:ph type="body" idx="1"/>
+          </p:nvPr>
+        </p:nvSpPr>
+        <p:spPr/>
+        <p:txBody>
+          <a:bodyPr/>
+          <a:lstStyle/>
+          <a:p>
+            <a:r>
+              <a:rPr lang="en-US" dirty="0" smtClean="0"/>
+              <a:t>Gene Collection</a:t>
+            </a:r>
+            <a:endParaRPr lang="en-US" dirty="0"/>
+          </a:p>
+        </p:txBody>
+      </p:sp>
+      <p:sp>
+        <p:nvSpPr>
+          <p:cNvPr id="4" name="Content Placeholder 3"/>
+          <p:cNvSpPr>
+            <a:spLocks noGrp="1"/>
+          </p:cNvSpPr>
+          <p:nvPr>
+            <p:ph sz="half" idx="2"/>
+          </p:nvPr>
+        </p:nvSpPr>
+        <p:spPr/>
+        <p:txBody>
+          <a:bodyPr/>
+          <a:lstStyle/>
+          <a:p>
+            <a:r>
+              <a:rPr lang="en-US" dirty="0" smtClean="0"/>
+              <a:t>Cataract-related genes were collected from:</a:t>
+            </a:r>
+          </a:p>
+          <a:p>
+            <a:pPr lvl="1">
+              <a:buFont typeface="Arial" panose="020B0604020202020204" pitchFamily="34" charset="0"/>
+              <a:buChar char="•"/>
+            </a:pPr>
+            <a:r>
+              <a:rPr lang="en-US" dirty="0" smtClean="0"/>
+              <a:t>PubMed Gene</a:t>
+            </a:r>
+          </a:p>
+          <a:p>
+            <a:pPr lvl="2">
+              <a:buFont typeface="Arial" panose="020B0604020202020204" pitchFamily="34" charset="0"/>
+              <a:buChar char="•"/>
+            </a:pPr>
+            <a:r>
+              <a:rPr lang="en-US" dirty="0" smtClean="0"/>
+              <a:t>Using query “cataract &amp; “homo sapiens”[Organism]”</a:t>
+            </a:r>
+          </a:p>
+          <a:p>
+            <a:pPr lvl="1">
+              <a:buFont typeface="Arial" panose="020B0604020202020204" pitchFamily="34" charset="0"/>
+              <a:buChar char="•"/>
+            </a:pPr>
+            <a:r>
+              <a:rPr lang="en-US" dirty="0" err="1" smtClean="0"/>
+              <a:t>Phenopedia</a:t>
+            </a:r>
+            <a:endParaRPr lang="en-US" dirty="0" smtClean="0"/>
+          </a:p>
+          <a:p>
+            <a:pPr lvl="2">
+              <a:buFont typeface="Arial" panose="020B0604020202020204" pitchFamily="34" charset="0"/>
+              <a:buChar char="•"/>
+            </a:pPr>
+            <a:r>
+              <a:rPr lang="en-US" dirty="0" smtClean="0"/>
+              <a:t>Genes found in Cataract category</a:t>
+            </a:r>
+            <a:endParaRPr lang="en-US" dirty="0"/>
+          </a:p>
+          <a:p>
+            <a:pPr lvl="2">
+              <a:buFont typeface="Arial" panose="020B0604020202020204" pitchFamily="34" charset="0"/>
+              <a:buChar char="•"/>
+            </a:pPr>
+            <a:endParaRPr lang="en-US" dirty="0"/>
+          </a:p>
+        </p:txBody>
+      </p:sp>
+      <p:sp>
+        <p:nvSpPr>
+          <p:cNvPr id="5" name="Text Placeholder 4"/>
+          <p:cNvSpPr>
+            <a:spLocks noGrp="1"/>
+          </p:cNvSpPr>
+          <p:nvPr>
+            <p:ph type="body" sz="quarter" idx="3"/>
+          </p:nvPr>
+        </p:nvSpPr>
+        <p:spPr/>
+        <p:txBody>
+          <a:bodyPr/>
+          <a:lstStyle/>
+          <a:p>
+            <a:r>
+              <a:rPr lang="en-US" dirty="0" smtClean="0"/>
+              <a:t>Gene Clustering</a:t>
+            </a:r>
+            <a:endParaRPr lang="en-US" dirty="0"/>
+          </a:p>
+        </p:txBody>
+      </p:sp>
+      <p:sp>
+        <p:nvSpPr>
+          <p:cNvPr id="6" name="Content Placeholder 5"/>
+          <p:cNvSpPr>
+            <a:spLocks noGrp="1"/>
+          </p:cNvSpPr>
+          <p:nvPr>
+            <p:ph sz="quarter" idx="4"/>
+          </p:nvPr>
+        </p:nvSpPr>
+        <p:spPr/>
+        <p:txBody>
+          <a:bodyPr/>
+          <a:lstStyle/>
+          <a:p>
+            <a:r>
+              <a:rPr lang="en-US" dirty="0" smtClean="0"/>
+              <a:t>Gene collections were submitted separately to </a:t>
+            </a:r>
+            <a:r>
+              <a:rPr lang="en-US" dirty="0" err="1" smtClean="0"/>
+              <a:t>GeneFriends:RNASeq</a:t>
+            </a:r>
+            <a:endParaRPr lang="en-US" dirty="0" smtClean="0"/>
+          </a:p>
+          <a:p>
+            <a:r>
+              <a:rPr lang="en-US" dirty="0" err="1" smtClean="0"/>
+              <a:t>GeneFriends</a:t>
+            </a:r>
+            <a:r>
+              <a:rPr lang="en-US" dirty="0" smtClean="0"/>
+              <a:t>-generated networks were mapped in </a:t>
+            </a:r>
+            <a:r>
+              <a:rPr lang="en-US" dirty="0" err="1" smtClean="0"/>
+              <a:t>Cytoscape</a:t>
+            </a:r>
+            <a:endParaRPr lang="en-US" dirty="0" smtClean="0"/>
+          </a:p>
+          <a:p>
+            <a:r>
+              <a:rPr lang="en-US" dirty="0" smtClean="0"/>
+              <a:t>Clusters were identified via </a:t>
+            </a:r>
+            <a:r>
+              <a:rPr lang="en-US" dirty="0" err="1" smtClean="0"/>
+              <a:t>ClusterONE</a:t>
+            </a:r>
+            <a:r>
+              <a:rPr lang="en-US" dirty="0" smtClean="0"/>
+              <a:t> app with parameter “Haircut threshold” set to 0.05, all others left as default</a:t>
+            </a:r>
+            <a:endParaRPr lang="en-US" dirty="0"/>
+          </a:p>
+        </p:txBody>
+      </p:sp>
+      <p:sp>
+        <p:nvSpPr>
+          <p:cNvPr id="8" name="Title 7"/>
           <p:cNvSpPr>
             <a:spLocks noGrp="1"/>
           </p:cNvSpPr>
@@ -6831,153 +8153,6 @@
             <a:r>
               <a:rPr lang="en-US" dirty="0" smtClean="0"/>
               <a:t>Methods</a:t>
-            </a:r>
-            <a:endParaRPr lang="en-US" dirty="0"/>
-          </a:p>
-        </p:txBody>
-      </p:sp>
-      <p:sp>
-        <p:nvSpPr>
-          <p:cNvPr id="3" name="Text Placeholder 2"/>
-          <p:cNvSpPr>
-            <a:spLocks noGrp="1"/>
-          </p:cNvSpPr>
-          <p:nvPr>
-            <p:ph type="body" idx="1"/>
-          </p:nvPr>
-        </p:nvSpPr>
-        <p:spPr/>
-        <p:txBody>
-          <a:bodyPr/>
-          <a:lstStyle/>
-          <a:p>
-            <a:r>
-              <a:rPr lang="en-US" dirty="0" smtClean="0"/>
-              <a:t>Function Analysis</a:t>
-            </a:r>
-            <a:endParaRPr lang="en-US" dirty="0"/>
-          </a:p>
-        </p:txBody>
-      </p:sp>
-      <p:sp>
-        <p:nvSpPr>
-          <p:cNvPr id="4" name="Content Placeholder 3"/>
-          <p:cNvSpPr>
-            <a:spLocks noGrp="1"/>
-          </p:cNvSpPr>
-          <p:nvPr>
-            <p:ph sz="half" idx="2"/>
-          </p:nvPr>
-        </p:nvSpPr>
-        <p:spPr/>
-        <p:txBody>
-          <a:bodyPr/>
-          <a:lstStyle/>
-          <a:p>
-            <a:r>
-              <a:rPr lang="en-US" dirty="0" smtClean="0"/>
-              <a:t>Clusters were analyzed within </a:t>
-            </a:r>
-            <a:r>
-              <a:rPr lang="en-US" dirty="0" err="1" smtClean="0"/>
-              <a:t>Cytoscape</a:t>
-            </a:r>
-            <a:r>
-              <a:rPr lang="en-US" dirty="0" smtClean="0"/>
-              <a:t> using </a:t>
-            </a:r>
-            <a:r>
-              <a:rPr lang="en-US" dirty="0" err="1" smtClean="0"/>
-              <a:t>BinGO</a:t>
-            </a:r>
-            <a:r>
-              <a:rPr lang="en-US" dirty="0" smtClean="0"/>
-              <a:t> app</a:t>
-            </a:r>
-          </a:p>
-          <a:p>
-            <a:pPr lvl="1"/>
-            <a:r>
-              <a:rPr lang="en-US" dirty="0" smtClean="0"/>
-              <a:t>Yielded function results</a:t>
-            </a:r>
-            <a:endParaRPr lang="en-US" dirty="0"/>
-          </a:p>
-          <a:p>
-            <a:r>
-              <a:rPr lang="en-US" dirty="0" smtClean="0"/>
-              <a:t>Clusters were extracted from </a:t>
-            </a:r>
-            <a:r>
-              <a:rPr lang="en-US" dirty="0" err="1" smtClean="0"/>
-              <a:t>Cytoscape</a:t>
-            </a:r>
-            <a:r>
-              <a:rPr lang="en-US" dirty="0" smtClean="0"/>
-              <a:t> and processed in </a:t>
-            </a:r>
-            <a:r>
-              <a:rPr lang="en-US" dirty="0" err="1" smtClean="0"/>
-              <a:t>GeneOntology</a:t>
-            </a:r>
-            <a:r>
-              <a:rPr lang="en-US" dirty="0" smtClean="0"/>
-              <a:t> and Ingenuity</a:t>
-            </a:r>
-          </a:p>
-          <a:p>
-            <a:pPr lvl="1"/>
-            <a:r>
-              <a:rPr lang="en-US" dirty="0" smtClean="0"/>
-              <a:t>Yielded function and disease connections</a:t>
-            </a:r>
-          </a:p>
-          <a:p>
-            <a:endParaRPr lang="en-US" dirty="0" smtClean="0"/>
-          </a:p>
-        </p:txBody>
-      </p:sp>
-      <p:sp>
-        <p:nvSpPr>
-          <p:cNvPr id="5" name="Text Placeholder 4"/>
-          <p:cNvSpPr>
-            <a:spLocks noGrp="1"/>
-          </p:cNvSpPr>
-          <p:nvPr>
-            <p:ph type="body" sz="quarter" idx="3"/>
-          </p:nvPr>
-        </p:nvSpPr>
-        <p:spPr/>
-        <p:txBody>
-          <a:bodyPr/>
-          <a:lstStyle/>
-          <a:p>
-            <a:r>
-              <a:rPr lang="en-US" dirty="0" smtClean="0"/>
-              <a:t>Pathway Analysis</a:t>
-            </a:r>
-            <a:endParaRPr lang="en-US" dirty="0"/>
-          </a:p>
-        </p:txBody>
-      </p:sp>
-      <p:sp>
-        <p:nvSpPr>
-          <p:cNvPr id="6" name="Content Placeholder 5"/>
-          <p:cNvSpPr>
-            <a:spLocks noGrp="1"/>
-          </p:cNvSpPr>
-          <p:nvPr>
-            <p:ph sz="quarter" idx="4"/>
-          </p:nvPr>
-        </p:nvSpPr>
-        <p:spPr/>
-        <p:txBody>
-          <a:bodyPr/>
-          <a:lstStyle/>
-          <a:p>
-            <a:r>
-              <a:rPr lang="en-US" dirty="0" smtClean="0"/>
-              <a:t>Clusters were processed in DAVID to search for pathways</a:t>
             </a:r>
             <a:endParaRPr lang="en-US" dirty="0"/>
           </a:p>
@@ -6986,7 +8161,7 @@
     </p:spTree>
     <p:extLst>
       <p:ext uri="{BB962C8B-B14F-4D97-AF65-F5344CB8AC3E}">
-        <p14:creationId xmlns:p14="http://schemas.microsoft.com/office/powerpoint/2010/main" val="2821775083"/>
+        <p14:creationId xmlns:p14="http://schemas.microsoft.com/office/powerpoint/2010/main" val="606958025"/>
       </p:ext>
     </p:extLst>
   </p:cSld>
@@ -7022,6 +8197,29 @@
       </p:grpSpPr>
       <p:sp>
         <p:nvSpPr>
+          <p:cNvPr id="2" name="Title 1"/>
+          <p:cNvSpPr>
+            <a:spLocks noGrp="1"/>
+          </p:cNvSpPr>
+          <p:nvPr>
+            <p:ph type="title"/>
+          </p:nvPr>
+        </p:nvSpPr>
+        <p:spPr/>
+        <p:txBody>
+          <a:bodyPr/>
+          <a:lstStyle/>
+          <a:p>
+            <a:r>
+              <a:rPr lang="en-US" dirty="0" smtClean="0"/>
+              <a:t>Methods</a:t>
+            </a:r>
+            <a:endParaRPr lang="en-US" dirty="0"/>
+          </a:p>
+        </p:txBody>
+      </p:sp>
+      <p:sp>
+        <p:nvSpPr>
           <p:cNvPr id="3" name="Text Placeholder 2"/>
           <p:cNvSpPr>
             <a:spLocks noGrp="1"/>
@@ -7037,7 +8235,144 @@
           <a:p>
             <a:r>
               <a:rPr lang="en-US" dirty="0" smtClean="0"/>
-              <a:t>Results</a:t>
+              <a:t>Function Analysis</a:t>
+            </a:r>
+            <a:endParaRPr lang="en-US" dirty="0"/>
+          </a:p>
+        </p:txBody>
+      </p:sp>
+      <p:sp>
+        <p:nvSpPr>
+          <p:cNvPr id="4" name="Content Placeholder 3"/>
+          <p:cNvSpPr>
+            <a:spLocks noGrp="1"/>
+          </p:cNvSpPr>
+          <p:nvPr>
+            <p:ph sz="half" idx="2"/>
+          </p:nvPr>
+        </p:nvSpPr>
+        <p:spPr/>
+        <p:txBody>
+          <a:bodyPr/>
+          <a:lstStyle/>
+          <a:p>
+            <a:r>
+              <a:rPr lang="en-US" dirty="0" smtClean="0"/>
+              <a:t>Clusters were analyzed within </a:t>
+            </a:r>
+            <a:r>
+              <a:rPr lang="en-US" dirty="0" err="1" smtClean="0"/>
+              <a:t>Cytoscape</a:t>
+            </a:r>
+            <a:r>
+              <a:rPr lang="en-US" dirty="0" smtClean="0"/>
+              <a:t> using </a:t>
+            </a:r>
+            <a:r>
+              <a:rPr lang="en-US" dirty="0" err="1" smtClean="0"/>
+              <a:t>BinGO</a:t>
+            </a:r>
+            <a:r>
+              <a:rPr lang="en-US" dirty="0" smtClean="0"/>
+              <a:t> app</a:t>
+            </a:r>
+          </a:p>
+          <a:p>
+            <a:pPr lvl="1"/>
+            <a:r>
+              <a:rPr lang="en-US" dirty="0" smtClean="0"/>
+              <a:t>Yielded function results</a:t>
+            </a:r>
+            <a:endParaRPr lang="en-US" dirty="0"/>
+          </a:p>
+          <a:p>
+            <a:r>
+              <a:rPr lang="en-US" dirty="0" smtClean="0"/>
+              <a:t>Clusters were extracted from </a:t>
+            </a:r>
+            <a:r>
+              <a:rPr lang="en-US" dirty="0" err="1" smtClean="0"/>
+              <a:t>Cytoscape</a:t>
+            </a:r>
+            <a:r>
+              <a:rPr lang="en-US" dirty="0" smtClean="0"/>
+              <a:t> and processed in </a:t>
+            </a:r>
+            <a:r>
+              <a:rPr lang="en-US" dirty="0" err="1" smtClean="0"/>
+              <a:t>GeneOntology</a:t>
+            </a:r>
+            <a:endParaRPr lang="en-US" dirty="0" smtClean="0"/>
+          </a:p>
+          <a:p>
+            <a:pPr lvl="1"/>
+            <a:r>
+              <a:rPr lang="en-US" dirty="0" smtClean="0"/>
+              <a:t>Yielded function and disease connections</a:t>
+            </a:r>
+          </a:p>
+          <a:p>
+            <a:endParaRPr lang="en-US" dirty="0" smtClean="0"/>
+          </a:p>
+        </p:txBody>
+      </p:sp>
+      <p:sp>
+        <p:nvSpPr>
+          <p:cNvPr id="5" name="Text Placeholder 4"/>
+          <p:cNvSpPr>
+            <a:spLocks noGrp="1"/>
+          </p:cNvSpPr>
+          <p:nvPr>
+            <p:ph type="body" sz="quarter" idx="3"/>
+          </p:nvPr>
+        </p:nvSpPr>
+        <p:spPr/>
+        <p:txBody>
+          <a:bodyPr/>
+          <a:lstStyle/>
+          <a:p>
+            <a:r>
+              <a:rPr lang="en-US" dirty="0" smtClean="0"/>
+              <a:t>Pathway Analysis</a:t>
+            </a:r>
+            <a:endParaRPr lang="en-US" dirty="0"/>
+          </a:p>
+        </p:txBody>
+      </p:sp>
+      <p:sp>
+        <p:nvSpPr>
+          <p:cNvPr id="6" name="Content Placeholder 5"/>
+          <p:cNvSpPr>
+            <a:spLocks noGrp="1"/>
+          </p:cNvSpPr>
+          <p:nvPr>
+            <p:ph sz="quarter" idx="4"/>
+          </p:nvPr>
+        </p:nvSpPr>
+        <p:spPr/>
+        <p:txBody>
+          <a:bodyPr/>
+          <a:lstStyle/>
+          <a:p>
+            <a:r>
+              <a:rPr lang="en-US" dirty="0" smtClean="0"/>
+              <a:t>Clusters were processed in DAVID </a:t>
+            </a:r>
+            <a:r>
+              <a:rPr lang="en-US" dirty="0" smtClean="0"/>
+              <a:t>and </a:t>
+            </a:r>
+            <a:r>
+              <a:rPr lang="en-US" dirty="0" smtClean="0"/>
+              <a:t>Ingenuity </a:t>
+            </a:r>
+            <a:r>
+              <a:rPr lang="en-US" dirty="0" smtClean="0"/>
+              <a:t>to </a:t>
+            </a:r>
+            <a:r>
+              <a:rPr lang="en-US" dirty="0" smtClean="0"/>
+              <a:t>search for pathways</a:t>
             </a:r>
             <a:endParaRPr lang="en-US" dirty="0"/>
           </a:p>
@@ -7046,7 +8381,7 @@
     </p:spTree>
     <p:extLst>
       <p:ext uri="{BB962C8B-B14F-4D97-AF65-F5344CB8AC3E}">
-        <p14:creationId xmlns:p14="http://schemas.microsoft.com/office/powerpoint/2010/main" val="1132801665"/>
+        <p14:creationId xmlns:p14="http://schemas.microsoft.com/office/powerpoint/2010/main" val="2821775083"/>
       </p:ext>
     </p:extLst>
   </p:cSld>

--- a/Cataract.pptx
+++ b/Cataract.pptx
@@ -254,7 +254,7 @@
           <a:p>
             <a:fld id="{5AB92EA7-858F-4B44-B015-877BFE5925AB}" type="datetimeFigureOut">
               <a:rPr lang="en-US" smtClean="0"/>
-              <a:t>7/29/2019</a:t>
+              <a:t>7/30/2019</a:t>
             </a:fld>
             <a:endParaRPr lang="en-US"/>
           </a:p>
@@ -1204,7 +1204,7 @@
           <a:p>
             <a:fld id="{809CEF2D-C839-41A0-817E-03595D1CB546}" type="datetimeFigureOut">
               <a:rPr lang="en-US" smtClean="0"/>
-              <a:t>7/29/2019</a:t>
+              <a:t>7/30/2019</a:t>
             </a:fld>
             <a:endParaRPr lang="en-US"/>
           </a:p>
@@ -1451,7 +1451,7 @@
           <a:p>
             <a:fld id="{809CEF2D-C839-41A0-817E-03595D1CB546}" type="datetimeFigureOut">
               <a:rPr lang="en-US" smtClean="0"/>
-              <a:t>7/29/2019</a:t>
+              <a:t>7/30/2019</a:t>
             </a:fld>
             <a:endParaRPr lang="en-US"/>
           </a:p>
@@ -1621,7 +1621,7 @@
           <a:p>
             <a:fld id="{809CEF2D-C839-41A0-817E-03595D1CB546}" type="datetimeFigureOut">
               <a:rPr lang="en-US" smtClean="0"/>
-              <a:t>7/29/2019</a:t>
+              <a:t>7/30/2019</a:t>
             </a:fld>
             <a:endParaRPr lang="en-US"/>
           </a:p>
@@ -1877,7 +1877,7 @@
           <a:p>
             <a:fld id="{809CEF2D-C839-41A0-817E-03595D1CB546}" type="datetimeFigureOut">
               <a:rPr lang="en-US" smtClean="0"/>
-              <a:t>7/29/2019</a:t>
+              <a:t>7/30/2019</a:t>
             </a:fld>
             <a:endParaRPr lang="en-US"/>
           </a:p>
@@ -2331,7 +2331,7 @@
           <a:p>
             <a:fld id="{809CEF2D-C839-41A0-817E-03595D1CB546}" type="datetimeFigureOut">
               <a:rPr lang="en-US" smtClean="0"/>
-              <a:t>7/29/2019</a:t>
+              <a:t>7/30/2019</a:t>
             </a:fld>
             <a:endParaRPr lang="en-US"/>
           </a:p>
@@ -2591,7 +2591,7 @@
           <a:p>
             <a:fld id="{809CEF2D-C839-41A0-817E-03595D1CB546}" type="datetimeFigureOut">
               <a:rPr lang="en-US" smtClean="0"/>
-              <a:t>7/29/2019</a:t>
+              <a:t>7/30/2019</a:t>
             </a:fld>
             <a:endParaRPr lang="en-US"/>
           </a:p>
@@ -2934,7 +2934,7 @@
           <a:p>
             <a:fld id="{809CEF2D-C839-41A0-817E-03595D1CB546}" type="datetimeFigureOut">
               <a:rPr lang="en-US" smtClean="0"/>
-              <a:t>7/29/2019</a:t>
+              <a:t>7/30/2019</a:t>
             </a:fld>
             <a:endParaRPr lang="en-US"/>
           </a:p>
@@ -3209,7 +3209,7 @@
           <a:p>
             <a:fld id="{809CEF2D-C839-41A0-817E-03595D1CB546}" type="datetimeFigureOut">
               <a:rPr lang="en-US" smtClean="0"/>
-              <a:t>7/29/2019</a:t>
+              <a:t>7/30/2019</a:t>
             </a:fld>
             <a:endParaRPr lang="en-US"/>
           </a:p>
@@ -3588,7 +3588,7 @@
           <a:p>
             <a:fld id="{809CEF2D-C839-41A0-817E-03595D1CB546}" type="datetimeFigureOut">
               <a:rPr lang="en-US" smtClean="0"/>
-              <a:t>7/29/2019</a:t>
+              <a:t>7/30/2019</a:t>
             </a:fld>
             <a:endParaRPr lang="en-US"/>
           </a:p>
@@ -3706,7 +3706,7 @@
           <a:p>
             <a:fld id="{809CEF2D-C839-41A0-817E-03595D1CB546}" type="datetimeFigureOut">
               <a:rPr lang="en-US" smtClean="0"/>
-              <a:t>7/29/2019</a:t>
+              <a:t>7/30/2019</a:t>
             </a:fld>
             <a:endParaRPr lang="en-US"/>
           </a:p>
@@ -3877,7 +3877,7 @@
           <a:p>
             <a:fld id="{809CEF2D-C839-41A0-817E-03595D1CB546}" type="datetimeFigureOut">
               <a:rPr lang="en-US" smtClean="0"/>
-              <a:t>7/29/2019</a:t>
+              <a:t>7/30/2019</a:t>
             </a:fld>
             <a:endParaRPr lang="en-US"/>
           </a:p>
@@ -4231,7 +4231,7 @@
           <a:p>
             <a:fld id="{809CEF2D-C839-41A0-817E-03595D1CB546}" type="datetimeFigureOut">
               <a:rPr lang="en-US" smtClean="0"/>
-              <a:t>7/29/2019</a:t>
+              <a:t>7/30/2019</a:t>
             </a:fld>
             <a:endParaRPr lang="en-US"/>
           </a:p>
@@ -4598,7 +4598,7 @@
           <a:p>
             <a:fld id="{809CEF2D-C839-41A0-817E-03595D1CB546}" type="datetimeFigureOut">
               <a:rPr lang="en-US" smtClean="0"/>
-              <a:t>7/29/2019</a:t>
+              <a:t>7/30/2019</a:t>
             </a:fld>
             <a:endParaRPr lang="en-US"/>
           </a:p>
@@ -4911,7 +4911,7 @@
           <a:p>
             <a:fld id="{809CEF2D-C839-41A0-817E-03595D1CB546}" type="datetimeFigureOut">
               <a:rPr lang="en-US" smtClean="0"/>
-              <a:t>7/29/2019</a:t>
+              <a:t>7/30/2019</a:t>
             </a:fld>
             <a:endParaRPr lang="en-US"/>
           </a:p>
@@ -5662,11 +5662,7 @@
           <a:p>
             <a:r>
               <a:rPr lang="en-US" dirty="0" smtClean="0"/>
-              <a:t>4 significant </a:t>
-            </a:r>
-            <a:r>
-              <a:rPr lang="en-US" dirty="0" smtClean="0"/>
-              <a:t>clusters</a:t>
+              <a:t>4 significant clusters</a:t>
             </a:r>
           </a:p>
           <a:p>
@@ -6036,7 +6032,7 @@
           <a:bodyPr/>
           <a:lstStyle/>
           <a:p>
-            <a:endParaRPr lang="en-US"/>
+            <a:endParaRPr lang="en-US" dirty="0"/>
           </a:p>
         </p:txBody>
       </p:sp>
@@ -6137,7 +6133,11 @@
           <a:bodyPr/>
           <a:lstStyle/>
           <a:p>
-            <a:endParaRPr lang="en-US"/>
+            <a:r>
+              <a:rPr lang="en-US" dirty="0" smtClean="0"/>
+              <a:t>This network is </a:t>
+            </a:r>
+            <a:endParaRPr lang="en-US" dirty="0"/>
           </a:p>
         </p:txBody>
       </p:sp>
@@ -6619,7 +6619,7 @@
           <a:bodyPr/>
           <a:lstStyle/>
           <a:p>
-            <a:endParaRPr lang="en-US"/>
+            <a:endParaRPr lang="en-US" dirty="0"/>
           </a:p>
         </p:txBody>
       </p:sp>
@@ -7587,7 +7587,11 @@
             </a:r>
             <a:r>
               <a:rPr lang="en-US" sz="2400" dirty="0" smtClean="0"/>
-              <a:t> proteins</a:t>
+              <a:t> </a:t>
+            </a:r>
+            <a:r>
+              <a:rPr lang="en-US" sz="2400" dirty="0" smtClean="0"/>
+              <a:t>proteins</a:t>
             </a:r>
           </a:p>
           <a:p>
@@ -7598,7 +7602,7 @@
             </a:pPr>
             <a:r>
               <a:rPr lang="en-US" sz="2400" dirty="0" smtClean="0"/>
-              <a:t>Cataract is an immediate result of two factors:</a:t>
+              <a:t>Protein aggregation is caused by oxidation</a:t>
             </a:r>
           </a:p>
           <a:p>
@@ -7612,35 +7616,7 @@
             </a:pPr>
             <a:r>
               <a:rPr lang="en-US" sz="2200" dirty="0" smtClean="0"/>
-              <a:t>Decrease of glutathione levels</a:t>
-            </a:r>
-          </a:p>
-          <a:p>
-            <a:pPr lvl="2" algn="just">
-              <a:lnSpc>
-                <a:spcPct val="120000"/>
-              </a:lnSpc>
-              <a:spcBef>
-                <a:spcPts val="0"/>
-              </a:spcBef>
-            </a:pPr>
-            <a:r>
-              <a:rPr lang="en-US" sz="1800" dirty="0" smtClean="0"/>
-              <a:t>Formation of lens barrier</a:t>
-            </a:r>
-          </a:p>
-          <a:p>
-            <a:pPr lvl="2" algn="just">
-              <a:lnSpc>
-                <a:spcPct val="120000"/>
-              </a:lnSpc>
-              <a:spcBef>
-                <a:spcPts val="0"/>
-              </a:spcBef>
-            </a:pPr>
-            <a:r>
-              <a:rPr lang="en-US" sz="1800" dirty="0" smtClean="0"/>
-              <a:t>Decreased recycling efficiency</a:t>
+              <a:t>Naturally over time: age-related cataract</a:t>
             </a:r>
           </a:p>
           <a:p>
@@ -7654,20 +7630,11 @@
             </a:pPr>
             <a:r>
               <a:rPr lang="en-US" sz="2200" dirty="0" smtClean="0"/>
-              <a:t>Usage of </a:t>
-            </a:r>
-            <a:r>
-              <a:rPr lang="el-GR" sz="2200" dirty="0"/>
-              <a:t>α-</a:t>
-            </a:r>
-            <a:r>
-              <a:rPr lang="en-US" sz="2200" dirty="0" err="1" smtClean="0"/>
-              <a:t>crystallin</a:t>
-            </a:r>
-            <a:endParaRPr lang="en-US" sz="2200" dirty="0" smtClean="0"/>
-          </a:p>
-          <a:p>
-            <a:pPr lvl="2" algn="just">
+              <a:t>As a result of high sugar concentration in the eye: diabetic cataract (or similar)</a:t>
+            </a:r>
+          </a:p>
+          <a:p>
+            <a:pPr lvl="1" algn="just">
               <a:lnSpc>
                 <a:spcPct val="120000"/>
               </a:lnSpc>
@@ -7676,28 +7643,10 @@
               </a:spcBef>
             </a:pPr>
             <a:r>
-              <a:rPr lang="en-US" sz="1800" dirty="0" smtClean="0"/>
-              <a:t>Limited supply; by age 40, no </a:t>
-            </a:r>
-            <a:r>
-              <a:rPr lang="en" sz="1800" dirty="0" smtClean="0"/>
-              <a:t>α-crystallin remains</a:t>
-            </a:r>
-          </a:p>
-          <a:p>
-            <a:pPr lvl="2" algn="just">
-              <a:lnSpc>
-                <a:spcPct val="120000"/>
-              </a:lnSpc>
-              <a:spcBef>
-                <a:spcPts val="0"/>
-              </a:spcBef>
-            </a:pPr>
-            <a:r>
-              <a:rPr lang="en" sz="1800" dirty="0"/>
-              <a:t>Mutations in crystallin genes can result in nonfunctional α-crystallin</a:t>
-            </a:r>
-            <a:endParaRPr lang="en-US" sz="1800" dirty="0" smtClean="0"/>
+              <a:rPr lang="en-US" sz="2200" dirty="0" smtClean="0"/>
+              <a:t>Through genetic mutations</a:t>
+            </a:r>
+            <a:endParaRPr lang="en-US" sz="2200" dirty="0" smtClean="0"/>
           </a:p>
           <a:p>
             <a:pPr algn="just">
@@ -7707,7 +7656,11 @@
             </a:pPr>
             <a:r>
               <a:rPr lang="en-US" sz="2400" dirty="0" smtClean="0"/>
-              <a:t>Currently, only approved treatment is surgical replacement of the lens</a:t>
+              <a:t>Currently</a:t>
+            </a:r>
+            <a:r>
+              <a:rPr lang="en-US" sz="2400" dirty="0" smtClean="0"/>
+              <a:t>, only approved treatment is surgical replacement of the lens</a:t>
             </a:r>
             <a:endParaRPr lang="en-US" sz="2400" dirty="0"/>
           </a:p>
@@ -7830,14 +7783,135 @@
         <p:spPr/>
         <p:txBody>
           <a:bodyPr>
-            <a:normAutofit/>
+            <a:normAutofit fontScale="92500" lnSpcReduction="10000"/>
           </a:bodyPr>
           <a:lstStyle/>
           <a:p>
+            <a:pPr algn="just">
+              <a:lnSpc>
+                <a:spcPct val="120000"/>
+              </a:lnSpc>
+            </a:pPr>
+            <a:r>
+              <a:rPr lang="en-US" sz="2400" dirty="0"/>
+              <a:t>Cataract is an immediate result of two factors:</a:t>
+            </a:r>
+          </a:p>
+          <a:p>
+            <a:pPr lvl="1" algn="just">
+              <a:lnSpc>
+                <a:spcPct val="120000"/>
+              </a:lnSpc>
+              <a:spcBef>
+                <a:spcPts val="0"/>
+              </a:spcBef>
+            </a:pPr>
+            <a:r>
+              <a:rPr lang="en-US" sz="2200" dirty="0"/>
+              <a:t>Decrease of glutathione levels</a:t>
+            </a:r>
+          </a:p>
+          <a:p>
+            <a:pPr lvl="2" algn="just">
+              <a:lnSpc>
+                <a:spcPct val="120000"/>
+              </a:lnSpc>
+              <a:spcBef>
+                <a:spcPts val="0"/>
+              </a:spcBef>
+            </a:pPr>
+            <a:r>
+              <a:rPr lang="en-US" sz="1800" dirty="0"/>
+              <a:t>Formation of lens barrier</a:t>
+            </a:r>
+          </a:p>
+          <a:p>
+            <a:pPr lvl="2" algn="just">
+              <a:lnSpc>
+                <a:spcPct val="120000"/>
+              </a:lnSpc>
+              <a:spcBef>
+                <a:spcPts val="0"/>
+              </a:spcBef>
+            </a:pPr>
+            <a:r>
+              <a:rPr lang="en-US" sz="1800" dirty="0"/>
+              <a:t>Decreased recycling efficiency</a:t>
+            </a:r>
+          </a:p>
+          <a:p>
+            <a:pPr lvl="1" algn="just">
+              <a:lnSpc>
+                <a:spcPct val="120000"/>
+              </a:lnSpc>
+              <a:spcBef>
+                <a:spcPts val="0"/>
+              </a:spcBef>
+            </a:pPr>
+            <a:r>
+              <a:rPr lang="en-US" sz="2200" dirty="0"/>
+              <a:t>Usage of </a:t>
+            </a:r>
+            <a:r>
+              <a:rPr lang="el-GR" sz="2200" dirty="0"/>
+              <a:t>α-</a:t>
+            </a:r>
+            <a:r>
+              <a:rPr lang="en-US" sz="2200" dirty="0" err="1"/>
+              <a:t>crystallin</a:t>
+            </a:r>
+            <a:endParaRPr lang="en-US" sz="2200" dirty="0"/>
+          </a:p>
+          <a:p>
+            <a:pPr lvl="2" algn="just">
+              <a:lnSpc>
+                <a:spcPct val="120000"/>
+              </a:lnSpc>
+              <a:spcBef>
+                <a:spcPts val="0"/>
+              </a:spcBef>
+            </a:pPr>
+            <a:r>
+              <a:rPr lang="en-US" sz="1800" dirty="0"/>
+              <a:t>Limited supply; by age 40, no </a:t>
+            </a:r>
+            <a:r>
+              <a:rPr lang="en" sz="1800" dirty="0"/>
+              <a:t>α-crystallin remains</a:t>
+            </a:r>
+          </a:p>
+          <a:p>
+            <a:pPr lvl="2" algn="just">
+              <a:lnSpc>
+                <a:spcPct val="120000"/>
+              </a:lnSpc>
+              <a:spcBef>
+                <a:spcPts val="0"/>
+              </a:spcBef>
+            </a:pPr>
+            <a:r>
+              <a:rPr lang="en" sz="1800" dirty="0"/>
+              <a:t>Mutations in crystallin genes can result in nonfunctional </a:t>
+            </a:r>
+            <a:r>
+              <a:rPr lang="en" sz="1800" dirty="0" smtClean="0"/>
+              <a:t>α-crystallin</a:t>
+            </a:r>
+            <a:endParaRPr lang="en-US" sz="2400" dirty="0" smtClean="0"/>
+          </a:p>
+          <a:p>
             <a:pPr lvl="1"/>
+            <a:endParaRPr lang="en-US" sz="2400" dirty="0"/>
+          </a:p>
+          <a:p>
+            <a:pPr lvl="1"/>
             <a:r>
               <a:rPr lang="en-US" sz="2400" dirty="0" smtClean="0"/>
-              <a:t>Goal:</a:t>
+              <a:t>Goal</a:t>
+            </a:r>
+            <a:r>
+              <a:rPr lang="en-US" sz="2400" dirty="0" smtClean="0"/>
+              <a:t>:</a:t>
             </a:r>
           </a:p>
           <a:p>
@@ -7851,22 +7925,12 @@
             <a:pPr lvl="2"/>
             <a:r>
               <a:rPr lang="en-US" sz="2000" dirty="0" smtClean="0"/>
-              <a:t>Pathways can be targeted by drugs to prevent or treat cataract (non-surgically)</a:t>
-            </a:r>
-          </a:p>
-          <a:p>
-            <a:pPr lvl="2"/>
-            <a:endParaRPr lang="en-US" sz="2000" dirty="0"/>
-          </a:p>
-          <a:p>
-            <a:pPr lvl="1"/>
-            <a:r>
-              <a:rPr lang="en-US" sz="2400" dirty="0" smtClean="0"/>
-              <a:t>Hypothesis:</a:t>
-            </a:r>
-          </a:p>
-          <a:p>
-            <a:pPr lvl="2"/>
+              <a:t>Pathways can be targeted by drugs to prevent or treat cataract (non-surgically</a:t>
+            </a:r>
+            <a:r>
+              <a:rPr lang="en-US" sz="2000" dirty="0" smtClean="0"/>
+              <a:t>)</a:t>
+            </a:r>
             <a:endParaRPr lang="en-US" sz="2000" dirty="0"/>
           </a:p>
         </p:txBody>
@@ -8042,7 +8106,11 @@
             </a:pPr>
             <a:r>
               <a:rPr lang="en-US" dirty="0" smtClean="0"/>
-              <a:t>Genes found in Cataract category</a:t>
+              <a:t>Genes found </a:t>
+            </a:r>
+            <a:r>
+              <a:rPr lang="en-US" dirty="0" smtClean="0"/>
+              <a:t>under Cataract disease</a:t>
             </a:r>
             <a:endParaRPr lang="en-US" dirty="0"/>
           </a:p>
@@ -8356,23 +8424,7 @@
           <a:p>
             <a:r>
               <a:rPr lang="en-US" dirty="0" smtClean="0"/>
-              <a:t>Clusters were processed in DAVID </a:t>
-            </a:r>
-            <a:r>
-              <a:rPr lang="en-US" dirty="0" smtClean="0"/>
-              <a:t>and </a:t>
-            </a:r>
-            <a:r>
-              <a:rPr lang="en-US" dirty="0" smtClean="0"/>
-              <a:t>Ingenuity </a:t>
-            </a:r>
-            <a:r>
-              <a:rPr lang="en-US" dirty="0" smtClean="0"/>
-              <a:t>to </a:t>
-            </a:r>
-            <a:r>
-              <a:rPr lang="en-US" dirty="0" smtClean="0"/>
-              <a:t>search for pathways</a:t>
+              <a:t>Clusters were processed in DAVID and Ingenuity to search for pathways</a:t>
             </a:r>
             <a:endParaRPr lang="en-US" dirty="0"/>
           </a:p>

--- a/Cataract.pptx
+++ b/Cataract.pptx
@@ -5,7 +5,7 @@
     <p:sldMasterId id="2147483660" r:id="rId1"/>
   </p:sldMasterIdLst>
   <p:notesMasterIdLst>
-    <p:notesMasterId r:id="rId21"/>
+    <p:notesMasterId r:id="rId22"/>
   </p:notesMasterIdLst>
   <p:sldIdLst>
     <p:sldId id="257" r:id="rId2"/>
@@ -18,15 +18,16 @@
     <p:sldId id="266" r:id="rId9"/>
     <p:sldId id="267" r:id="rId10"/>
     <p:sldId id="262" r:id="rId11"/>
-    <p:sldId id="268" r:id="rId12"/>
-    <p:sldId id="271" r:id="rId13"/>
-    <p:sldId id="270" r:id="rId14"/>
-    <p:sldId id="272" r:id="rId15"/>
-    <p:sldId id="273" r:id="rId16"/>
-    <p:sldId id="274" r:id="rId17"/>
-    <p:sldId id="275" r:id="rId18"/>
-    <p:sldId id="276" r:id="rId19"/>
-    <p:sldId id="277" r:id="rId20"/>
+    <p:sldId id="271" r:id="rId12"/>
+    <p:sldId id="270" r:id="rId13"/>
+    <p:sldId id="272" r:id="rId14"/>
+    <p:sldId id="273" r:id="rId15"/>
+    <p:sldId id="274" r:id="rId16"/>
+    <p:sldId id="275" r:id="rId17"/>
+    <p:sldId id="276" r:id="rId18"/>
+    <p:sldId id="277" r:id="rId19"/>
+    <p:sldId id="279" r:id="rId20"/>
+    <p:sldId id="278" r:id="rId21"/>
   </p:sldIdLst>
   <p:sldSz cx="12192000" cy="6858000"/>
   <p:notesSz cx="6858000" cy="9144000"/>
@@ -152,7 +153,6 @@
         <p14:section name="Results" id="{6F96C0F7-2CBF-41E1-A440-B68F9DBAA433}">
           <p14:sldIdLst>
             <p14:sldId id="262"/>
-            <p14:sldId id="268"/>
             <p14:sldId id="271"/>
             <p14:sldId id="270"/>
             <p14:sldId id="272"/>
@@ -161,6 +161,12 @@
             <p14:sldId id="275"/>
             <p14:sldId id="276"/>
             <p14:sldId id="277"/>
+            <p14:sldId id="279"/>
+          </p14:sldIdLst>
+        </p14:section>
+        <p14:section name="Discussion" id="{E912D6C5-E59D-4C4B-AFC3-D4EB802A759C}">
+          <p14:sldIdLst>
+            <p14:sldId id="278"/>
           </p14:sldIdLst>
         </p14:section>
       </p14:sectionLst>
@@ -5602,6 +5608,54 @@
           <a:chExt cx="0" cy="0"/>
         </a:xfrm>
       </p:grpSpPr>
+      <p:pic>
+        <p:nvPicPr>
+          <p:cNvPr id="7" name="Picture 6"/>
+          <p:cNvPicPr>
+            <a:picLocks noChangeAspect="1"/>
+          </p:cNvPicPr>
+          <p:nvPr/>
+        </p:nvPicPr>
+        <p:blipFill>
+          <a:blip r:embed="rId2"/>
+          <a:stretch>
+            <a:fillRect/>
+          </a:stretch>
+        </p:blipFill>
+        <p:spPr>
+          <a:xfrm>
+            <a:off x="3626229" y="1941943"/>
+            <a:ext cx="3454478" cy="3299348"/>
+          </a:xfrm>
+          <a:prstGeom prst="rect">
+            <a:avLst/>
+          </a:prstGeom>
+        </p:spPr>
+      </p:pic>
+      <p:pic>
+        <p:nvPicPr>
+          <p:cNvPr id="6" name="Picture 5"/>
+          <p:cNvPicPr>
+            <a:picLocks noChangeAspect="1"/>
+          </p:cNvPicPr>
+          <p:nvPr/>
+        </p:nvPicPr>
+        <p:blipFill>
+          <a:blip r:embed="rId3"/>
+          <a:stretch>
+            <a:fillRect/>
+          </a:stretch>
+        </p:blipFill>
+        <p:spPr>
+          <a:xfrm>
+            <a:off x="414704" y="193431"/>
+            <a:ext cx="3723772" cy="2725615"/>
+          </a:xfrm>
+          <a:prstGeom prst="rect">
+            <a:avLst/>
+          </a:prstGeom>
+        </p:spPr>
+      </p:pic>
       <p:sp>
         <p:nvSpPr>
           <p:cNvPr id="2" name="Title 1"/>
@@ -5619,7 +5673,7 @@
           <a:p>
             <a:r>
               <a:rPr lang="en-US" dirty="0" smtClean="0"/>
-              <a:t>Results</a:t>
+              <a:t>Clusters</a:t>
             </a:r>
             <a:endParaRPr lang="en-US" dirty="0"/>
           </a:p>
@@ -5627,57 +5681,197 @@
       </p:sp>
       <p:sp>
         <p:nvSpPr>
-          <p:cNvPr id="3" name="Content Placeholder 2"/>
-          <p:cNvSpPr>
-            <a:spLocks noGrp="1"/>
-          </p:cNvSpPr>
-          <p:nvPr>
-            <p:ph idx="1"/>
-          </p:nvPr>
-        </p:nvSpPr>
-        <p:spPr/>
-        <p:txBody>
-          <a:bodyPr/>
+          <p:cNvPr id="5" name="TextBox 4"/>
+          <p:cNvSpPr txBox="1"/>
+          <p:nvPr/>
+        </p:nvSpPr>
+        <p:spPr>
+          <a:xfrm>
+            <a:off x="1012015" y="1172088"/>
+            <a:ext cx="2127738" cy="553998"/>
+          </a:xfrm>
+          <a:prstGeom prst="rect">
+            <a:avLst/>
+          </a:prstGeom>
+          <a:noFill/>
+        </p:spPr>
+        <p:txBody>
+          <a:bodyPr wrap="square" rtlCol="0">
+            <a:spAutoFit/>
+          </a:bodyPr>
           <a:lstStyle/>
           <a:p>
             <a:r>
               <a:rPr lang="en-US" dirty="0" smtClean="0"/>
-              <a:t>219+162 genes</a:t>
-            </a:r>
-          </a:p>
+              <a:t>Cluster 7</a:t>
+            </a:r>
+          </a:p>
+          <a:p>
+            <a:r>
+              <a:rPr lang="en-US" sz="1200" dirty="0" smtClean="0"/>
+              <a:t>p=2.896e-4</a:t>
+            </a:r>
+            <a:endParaRPr lang="en-US" sz="1200" dirty="0"/>
+          </a:p>
+        </p:txBody>
+      </p:sp>
+      <p:sp>
+        <p:nvSpPr>
+          <p:cNvPr id="8" name="TextBox 7"/>
+          <p:cNvSpPr txBox="1"/>
+          <p:nvPr/>
+        </p:nvSpPr>
+        <p:spPr>
+          <a:xfrm>
+            <a:off x="4094657" y="2541355"/>
+            <a:ext cx="1009956" cy="553998"/>
+          </a:xfrm>
+          <a:prstGeom prst="rect">
+            <a:avLst/>
+          </a:prstGeom>
+          <a:noFill/>
+        </p:spPr>
+        <p:txBody>
+          <a:bodyPr wrap="none" rtlCol="0">
+            <a:spAutoFit/>
+          </a:bodyPr>
+          <a:lstStyle/>
           <a:p>
             <a:r>
               <a:rPr lang="en-US" dirty="0" smtClean="0"/>
-              <a:t>6995+5712 </a:t>
-            </a:r>
-            <a:r>
-              <a:rPr lang="en-US" dirty="0" err="1" smtClean="0"/>
-              <a:t>coexpression</a:t>
-            </a:r>
+              <a:t>Cluster 8</a:t>
+            </a:r>
+          </a:p>
+          <a:p>
+            <a:r>
+              <a:rPr lang="en-US" sz="1200" dirty="0" smtClean="0"/>
+              <a:t>p=7.329e-7</a:t>
+            </a:r>
+          </a:p>
+        </p:txBody>
+      </p:sp>
+      <p:pic>
+        <p:nvPicPr>
+          <p:cNvPr id="9" name="Picture 8"/>
+          <p:cNvPicPr>
+            <a:picLocks noChangeAspect="1"/>
+          </p:cNvPicPr>
+          <p:nvPr/>
+        </p:nvPicPr>
+        <p:blipFill>
+          <a:blip r:embed="rId4"/>
+          <a:stretch>
+            <a:fillRect/>
+          </a:stretch>
+        </p:blipFill>
+        <p:spPr>
+          <a:xfrm>
+            <a:off x="6878453" y="618090"/>
+            <a:ext cx="1687790" cy="1691630"/>
+          </a:xfrm>
+          <a:prstGeom prst="rect">
+            <a:avLst/>
+          </a:prstGeom>
+        </p:spPr>
+      </p:pic>
+      <p:sp>
+        <p:nvSpPr>
+          <p:cNvPr id="10" name="TextBox 9"/>
+          <p:cNvSpPr txBox="1"/>
+          <p:nvPr/>
+        </p:nvSpPr>
+        <p:spPr>
+          <a:xfrm>
+            <a:off x="6427177" y="618090"/>
+            <a:ext cx="1126975" cy="553998"/>
+          </a:xfrm>
+          <a:prstGeom prst="rect">
+            <a:avLst/>
+          </a:prstGeom>
+          <a:noFill/>
+        </p:spPr>
+        <p:txBody>
+          <a:bodyPr wrap="none" rtlCol="0">
+            <a:spAutoFit/>
+          </a:bodyPr>
+          <a:lstStyle/>
+          <a:p>
             <a:r>
               <a:rPr lang="en-US" dirty="0" smtClean="0"/>
-              <a:t> results</a:t>
-            </a:r>
-          </a:p>
+              <a:t>Cluster 20</a:t>
+            </a:r>
+          </a:p>
+          <a:p>
+            <a:r>
+              <a:rPr lang="en-US" sz="1200" dirty="0" smtClean="0"/>
+              <a:t>p=0.010</a:t>
+            </a:r>
+          </a:p>
+        </p:txBody>
+      </p:sp>
+      <p:pic>
+        <p:nvPicPr>
+          <p:cNvPr id="11" name="Picture 10"/>
+          <p:cNvPicPr>
+            <a:picLocks noChangeAspect="1"/>
+          </p:cNvPicPr>
+          <p:nvPr/>
+        </p:nvPicPr>
+        <p:blipFill>
+          <a:blip r:embed="rId5"/>
+          <a:stretch>
+            <a:fillRect/>
+          </a:stretch>
+        </p:blipFill>
+        <p:spPr>
+          <a:xfrm>
+            <a:off x="9626420" y="3528403"/>
+            <a:ext cx="1584123" cy="1460363"/>
+          </a:xfrm>
+          <a:prstGeom prst="rect">
+            <a:avLst/>
+          </a:prstGeom>
+        </p:spPr>
+      </p:pic>
+      <p:sp>
+        <p:nvSpPr>
+          <p:cNvPr id="12" name="TextBox 11"/>
+          <p:cNvSpPr txBox="1"/>
+          <p:nvPr/>
+        </p:nvSpPr>
+        <p:spPr>
+          <a:xfrm>
+            <a:off x="9177229" y="3208737"/>
+            <a:ext cx="1126975" cy="553998"/>
+          </a:xfrm>
+          <a:prstGeom prst="rect">
+            <a:avLst/>
+          </a:prstGeom>
+          <a:noFill/>
+        </p:spPr>
+        <p:txBody>
+          <a:bodyPr wrap="none" rtlCol="0">
+            <a:spAutoFit/>
+          </a:bodyPr>
+          <a:lstStyle/>
           <a:p>
             <a:r>
               <a:rPr lang="en-US" dirty="0" smtClean="0"/>
-              <a:t>4 significant clusters</a:t>
-            </a:r>
-          </a:p>
-          <a:p>
-            <a:r>
-              <a:rPr lang="en-US" dirty="0" smtClean="0"/>
-              <a:t>6 significant networks</a:t>
-            </a:r>
-            <a:endParaRPr lang="en-US" dirty="0"/>
+              <a:t>Cluster 21</a:t>
+            </a:r>
+          </a:p>
+          <a:p>
+            <a:r>
+              <a:rPr lang="en-US" sz="1200" dirty="0" smtClean="0"/>
+              <a:t>p=0.021</a:t>
+            </a:r>
           </a:p>
         </p:txBody>
       </p:sp>
     </p:spTree>
     <p:extLst>
       <p:ext uri="{BB962C8B-B14F-4D97-AF65-F5344CB8AC3E}">
-        <p14:creationId xmlns:p14="http://schemas.microsoft.com/office/powerpoint/2010/main" val="3603035915"/>
+        <p14:creationId xmlns:p14="http://schemas.microsoft.com/office/powerpoint/2010/main" val="3722865200"/>
       </p:ext>
     </p:extLst>
   </p:cSld>
@@ -5704,33 +5898,84 @@
           <a:chExt cx="0" cy="0"/>
         </a:xfrm>
       </p:grpSpPr>
+      <p:sp>
+        <p:nvSpPr>
+          <p:cNvPr id="2" name="Title 1"/>
+          <p:cNvSpPr>
+            <a:spLocks noGrp="1"/>
+          </p:cNvSpPr>
+          <p:nvPr>
+            <p:ph type="title"/>
+          </p:nvPr>
+        </p:nvSpPr>
+        <p:spPr/>
+        <p:txBody>
+          <a:bodyPr/>
+          <a:lstStyle/>
+          <a:p>
+            <a:r>
+              <a:rPr lang="en-US" dirty="0" smtClean="0"/>
+              <a:t>Network 7-1</a:t>
+            </a:r>
+            <a:endParaRPr lang="en-US" dirty="0"/>
+          </a:p>
+        </p:txBody>
+      </p:sp>
+      <p:sp>
+        <p:nvSpPr>
+          <p:cNvPr id="4" name="Text Placeholder 3"/>
+          <p:cNvSpPr>
+            <a:spLocks noGrp="1"/>
+          </p:cNvSpPr>
+          <p:nvPr>
+            <p:ph type="body" sz="half" idx="2"/>
+          </p:nvPr>
+        </p:nvSpPr>
+        <p:spPr/>
+        <p:txBody>
+          <a:bodyPr/>
+          <a:lstStyle/>
+          <a:p>
+            <a:r>
+              <a:rPr lang="en-US" dirty="0" smtClean="0"/>
+              <a:t>A standard cataract-related network</a:t>
+            </a:r>
+            <a:endParaRPr lang="en-US" dirty="0"/>
+          </a:p>
+        </p:txBody>
+      </p:sp>
       <p:pic>
         <p:nvPicPr>
-          <p:cNvPr id="7" name="Picture 6"/>
+          <p:cNvPr id="8" name="Content Placeholder 7"/>
           <p:cNvPicPr>
-            <a:picLocks noChangeAspect="1"/>
+            <a:picLocks noGrp="1" noChangeAspect="1"/>
           </p:cNvPicPr>
-          <p:nvPr/>
+          <p:nvPr>
+            <p:ph idx="1"/>
+          </p:nvPr>
         </p:nvPicPr>
         <p:blipFill>
-          <a:blip r:embed="rId2"/>
+          <a:blip r:embed="rId2" cstate="print">
+            <a:extLst>
+              <a:ext uri="{28A0092B-C50C-407E-A947-70E740481C1C}">
+                <a14:useLocalDpi xmlns:a14="http://schemas.microsoft.com/office/drawing/2010/main" val="0"/>
+              </a:ext>
+            </a:extLst>
+          </a:blip>
           <a:stretch>
             <a:fillRect/>
           </a:stretch>
         </p:blipFill>
         <p:spPr>
           <a:xfrm>
-            <a:off x="3626229" y="1941943"/>
-            <a:ext cx="3454478" cy="3299348"/>
-          </a:xfrm>
-          <a:prstGeom prst="rect">
-            <a:avLst/>
-          </a:prstGeom>
+            <a:off x="5058224" y="731838"/>
+            <a:ext cx="5977627" cy="5257800"/>
+          </a:xfrm>
         </p:spPr>
       </p:pic>
       <p:pic>
         <p:nvPicPr>
-          <p:cNvPr id="6" name="Picture 5"/>
+          <p:cNvPr id="9" name="Picture 8"/>
           <p:cNvPicPr>
             <a:picLocks noChangeAspect="1"/>
           </p:cNvPicPr>
@@ -5744,230 +5989,18 @@
         </p:blipFill>
         <p:spPr>
           <a:xfrm>
-            <a:off x="414704" y="193431"/>
-            <a:ext cx="3723772" cy="2725615"/>
+            <a:off x="321307" y="2039726"/>
+            <a:ext cx="3472185" cy="2642023"/>
           </a:xfrm>
           <a:prstGeom prst="rect">
             <a:avLst/>
           </a:prstGeom>
         </p:spPr>
       </p:pic>
-      <p:sp>
-        <p:nvSpPr>
-          <p:cNvPr id="2" name="Title 1"/>
-          <p:cNvSpPr>
-            <a:spLocks noGrp="1"/>
-          </p:cNvSpPr>
-          <p:nvPr>
-            <p:ph type="title"/>
-          </p:nvPr>
-        </p:nvSpPr>
-        <p:spPr/>
-        <p:txBody>
-          <a:bodyPr/>
-          <a:lstStyle/>
-          <a:p>
-            <a:r>
-              <a:rPr lang="en-US" dirty="0" smtClean="0"/>
-              <a:t>Clusters</a:t>
-            </a:r>
-            <a:endParaRPr lang="en-US" dirty="0"/>
-          </a:p>
-        </p:txBody>
-      </p:sp>
-      <p:sp>
-        <p:nvSpPr>
-          <p:cNvPr id="5" name="TextBox 4"/>
-          <p:cNvSpPr txBox="1"/>
-          <p:nvPr/>
-        </p:nvSpPr>
-        <p:spPr>
-          <a:xfrm>
-            <a:off x="1012015" y="1172088"/>
-            <a:ext cx="2127738" cy="553998"/>
-          </a:xfrm>
-          <a:prstGeom prst="rect">
-            <a:avLst/>
-          </a:prstGeom>
-          <a:noFill/>
-        </p:spPr>
-        <p:txBody>
-          <a:bodyPr wrap="square" rtlCol="0">
-            <a:spAutoFit/>
-          </a:bodyPr>
-          <a:lstStyle/>
-          <a:p>
-            <a:r>
-              <a:rPr lang="en-US" dirty="0" smtClean="0"/>
-              <a:t>Cluster 7</a:t>
-            </a:r>
-          </a:p>
-          <a:p>
-            <a:r>
-              <a:rPr lang="en-US" sz="1200" dirty="0" smtClean="0"/>
-              <a:t>p=2.896e-4</a:t>
-            </a:r>
-            <a:endParaRPr lang="en-US" sz="1200" dirty="0"/>
-          </a:p>
-        </p:txBody>
-      </p:sp>
-      <p:sp>
-        <p:nvSpPr>
-          <p:cNvPr id="8" name="TextBox 7"/>
-          <p:cNvSpPr txBox="1"/>
-          <p:nvPr/>
-        </p:nvSpPr>
-        <p:spPr>
-          <a:xfrm>
-            <a:off x="4094657" y="2541355"/>
-            <a:ext cx="1009956" cy="553998"/>
-          </a:xfrm>
-          <a:prstGeom prst="rect">
-            <a:avLst/>
-          </a:prstGeom>
-          <a:noFill/>
-        </p:spPr>
-        <p:txBody>
-          <a:bodyPr wrap="none" rtlCol="0">
-            <a:spAutoFit/>
-          </a:bodyPr>
-          <a:lstStyle/>
-          <a:p>
-            <a:r>
-              <a:rPr lang="en-US" dirty="0" smtClean="0"/>
-              <a:t>Cluster 8</a:t>
-            </a:r>
-          </a:p>
-          <a:p>
-            <a:r>
-              <a:rPr lang="en-US" sz="1200" dirty="0" smtClean="0"/>
-              <a:t>p=7.329e-7</a:t>
-            </a:r>
-          </a:p>
-        </p:txBody>
-      </p:sp>
-      <p:pic>
-        <p:nvPicPr>
-          <p:cNvPr id="9" name="Picture 8"/>
-          <p:cNvPicPr>
-            <a:picLocks noChangeAspect="1"/>
-          </p:cNvPicPr>
-          <p:nvPr/>
-        </p:nvPicPr>
-        <p:blipFill>
-          <a:blip r:embed="rId4"/>
-          <a:stretch>
-            <a:fillRect/>
-          </a:stretch>
-        </p:blipFill>
-        <p:spPr>
-          <a:xfrm>
-            <a:off x="6878453" y="618090"/>
-            <a:ext cx="1687790" cy="1691630"/>
-          </a:xfrm>
-          <a:prstGeom prst="rect">
-            <a:avLst/>
-          </a:prstGeom>
-        </p:spPr>
-      </p:pic>
-      <p:sp>
-        <p:nvSpPr>
-          <p:cNvPr id="10" name="TextBox 9"/>
-          <p:cNvSpPr txBox="1"/>
-          <p:nvPr/>
-        </p:nvSpPr>
-        <p:spPr>
-          <a:xfrm>
-            <a:off x="6427177" y="618090"/>
-            <a:ext cx="1126975" cy="553998"/>
-          </a:xfrm>
-          <a:prstGeom prst="rect">
-            <a:avLst/>
-          </a:prstGeom>
-          <a:noFill/>
-        </p:spPr>
-        <p:txBody>
-          <a:bodyPr wrap="none" rtlCol="0">
-            <a:spAutoFit/>
-          </a:bodyPr>
-          <a:lstStyle/>
-          <a:p>
-            <a:r>
-              <a:rPr lang="en-US" dirty="0" smtClean="0"/>
-              <a:t>Cluster 20</a:t>
-            </a:r>
-          </a:p>
-          <a:p>
-            <a:r>
-              <a:rPr lang="en-US" sz="1200" dirty="0" smtClean="0"/>
-              <a:t>p=0.010</a:t>
-            </a:r>
-          </a:p>
-        </p:txBody>
-      </p:sp>
-      <p:pic>
-        <p:nvPicPr>
-          <p:cNvPr id="11" name="Picture 10"/>
-          <p:cNvPicPr>
-            <a:picLocks noChangeAspect="1"/>
-          </p:cNvPicPr>
-          <p:nvPr/>
-        </p:nvPicPr>
-        <p:blipFill>
-          <a:blip r:embed="rId5"/>
-          <a:stretch>
-            <a:fillRect/>
-          </a:stretch>
-        </p:blipFill>
-        <p:spPr>
-          <a:xfrm>
-            <a:off x="9626420" y="3528403"/>
-            <a:ext cx="1584123" cy="1460363"/>
-          </a:xfrm>
-          <a:prstGeom prst="rect">
-            <a:avLst/>
-          </a:prstGeom>
-        </p:spPr>
-      </p:pic>
-      <p:sp>
-        <p:nvSpPr>
-          <p:cNvPr id="12" name="TextBox 11"/>
-          <p:cNvSpPr txBox="1"/>
-          <p:nvPr/>
-        </p:nvSpPr>
-        <p:spPr>
-          <a:xfrm>
-            <a:off x="9177229" y="3208737"/>
-            <a:ext cx="1126975" cy="553998"/>
-          </a:xfrm>
-          <a:prstGeom prst="rect">
-            <a:avLst/>
-          </a:prstGeom>
-          <a:noFill/>
-        </p:spPr>
-        <p:txBody>
-          <a:bodyPr wrap="none" rtlCol="0">
-            <a:spAutoFit/>
-          </a:bodyPr>
-          <a:lstStyle/>
-          <a:p>
-            <a:r>
-              <a:rPr lang="en-US" dirty="0" smtClean="0"/>
-              <a:t>Cluster 21</a:t>
-            </a:r>
-          </a:p>
-          <a:p>
-            <a:r>
-              <a:rPr lang="en-US" sz="1200" dirty="0" smtClean="0"/>
-              <a:t>p=0.021</a:t>
-            </a:r>
-          </a:p>
-        </p:txBody>
-      </p:sp>
     </p:spTree>
     <p:extLst>
       <p:ext uri="{BB962C8B-B14F-4D97-AF65-F5344CB8AC3E}">
-        <p14:creationId xmlns:p14="http://schemas.microsoft.com/office/powerpoint/2010/main" val="3722865200"/>
+        <p14:creationId xmlns:p14="http://schemas.microsoft.com/office/powerpoint/2010/main" val="4180889026"/>
       </p:ext>
     </p:extLst>
   </p:cSld>
@@ -6011,7 +6044,7 @@
           <a:p>
             <a:r>
               <a:rPr lang="en-US" dirty="0" smtClean="0"/>
-              <a:t>Network 7-1</a:t>
+              <a:t>Network 7-2</a:t>
             </a:r>
             <a:endParaRPr lang="en-US" dirty="0"/>
           </a:p>
@@ -6032,13 +6065,38 @@
           <a:bodyPr/>
           <a:lstStyle/>
           <a:p>
+            <a:endParaRPr lang="en-US" dirty="0" smtClean="0"/>
+          </a:p>
+          <a:p>
+            <a:endParaRPr lang="en-US" dirty="0"/>
+          </a:p>
+          <a:p>
+            <a:endParaRPr lang="en-US" dirty="0" smtClean="0"/>
+          </a:p>
+          <a:p>
+            <a:endParaRPr lang="en-US" dirty="0"/>
+          </a:p>
+          <a:p>
+            <a:endParaRPr lang="en-US" dirty="0" smtClean="0"/>
+          </a:p>
+          <a:p>
+            <a:endParaRPr lang="en-US" dirty="0"/>
+          </a:p>
+          <a:p>
+            <a:endParaRPr lang="en-US" dirty="0" smtClean="0"/>
+          </a:p>
+          <a:p>
+            <a:r>
+              <a:rPr lang="en-US" dirty="0" smtClean="0"/>
+              <a:t>This network shows many functions related to keratinization (insertion of keratin into skin/hair cells)</a:t>
+            </a:r>
             <a:endParaRPr lang="en-US" dirty="0"/>
           </a:p>
         </p:txBody>
       </p:sp>
       <p:pic>
         <p:nvPicPr>
-          <p:cNvPr id="8" name="Content Placeholder 7"/>
+          <p:cNvPr id="7" name="Content Placeholder 6"/>
           <p:cNvPicPr>
             <a:picLocks noGrp="1" noChangeAspect="1"/>
           </p:cNvPicPr>
@@ -6060,15 +6118,39 @@
         </p:blipFill>
         <p:spPr>
           <a:xfrm>
-            <a:off x="5058224" y="731838"/>
-            <a:ext cx="5977627" cy="5257800"/>
-          </a:xfrm>
+            <a:off x="1652468" y="731838"/>
+            <a:ext cx="4965938" cy="5257800"/>
+          </a:xfrm>
+        </p:spPr>
+      </p:pic>
+      <p:pic>
+        <p:nvPicPr>
+          <p:cNvPr id="3" name="Picture 2"/>
+          <p:cNvPicPr>
+            <a:picLocks noChangeAspect="1"/>
+          </p:cNvPicPr>
+          <p:nvPr/>
+        </p:nvPicPr>
+        <p:blipFill>
+          <a:blip r:embed="rId3"/>
+          <a:stretch>
+            <a:fillRect/>
+          </a:stretch>
+        </p:blipFill>
+        <p:spPr>
+          <a:xfrm>
+            <a:off x="8406127" y="1705232"/>
+            <a:ext cx="3472185" cy="2642023"/>
+          </a:xfrm>
+          <a:prstGeom prst="rect">
+            <a:avLst/>
+          </a:prstGeom>
         </p:spPr>
       </p:pic>
     </p:spTree>
     <p:extLst>
       <p:ext uri="{BB962C8B-B14F-4D97-AF65-F5344CB8AC3E}">
-        <p14:creationId xmlns:p14="http://schemas.microsoft.com/office/powerpoint/2010/main" val="4180889026"/>
+        <p14:creationId xmlns:p14="http://schemas.microsoft.com/office/powerpoint/2010/main" val="2213459273"/>
       </p:ext>
     </p:extLst>
   </p:cSld>
@@ -6112,7 +6194,7 @@
           <a:p>
             <a:r>
               <a:rPr lang="en-US" dirty="0" smtClean="0"/>
-              <a:t>Network 7-2</a:t>
+              <a:t>Network 8-1</a:t>
             </a:r>
             <a:endParaRPr lang="en-US" dirty="0"/>
           </a:p>
@@ -6135,7 +6217,7 @@
           <a:p>
             <a:r>
               <a:rPr lang="en-US" dirty="0" smtClean="0"/>
-              <a:t>This network is </a:t>
+              <a:t>Another cataract-focused network.</a:t>
             </a:r>
             <a:endParaRPr lang="en-US" dirty="0"/>
           </a:p>
@@ -6143,7 +6225,7 @@
       </p:sp>
       <p:pic>
         <p:nvPicPr>
-          <p:cNvPr id="7" name="Content Placeholder 6"/>
+          <p:cNvPr id="8" name="Content Placeholder 7"/>
           <p:cNvPicPr>
             <a:picLocks noGrp="1" noChangeAspect="1"/>
           </p:cNvPicPr>
@@ -6165,15 +6247,39 @@
         </p:blipFill>
         <p:spPr>
           <a:xfrm>
-            <a:off x="1652468" y="731838"/>
-            <a:ext cx="4965938" cy="5257800"/>
-          </a:xfrm>
+            <a:off x="4800600" y="797347"/>
+            <a:ext cx="6492875" cy="5126782"/>
+          </a:xfrm>
+        </p:spPr>
+      </p:pic>
+      <p:pic>
+        <p:nvPicPr>
+          <p:cNvPr id="7" name="Picture 6"/>
+          <p:cNvPicPr>
+            <a:picLocks noChangeAspect="1"/>
+          </p:cNvPicPr>
+          <p:nvPr/>
+        </p:nvPicPr>
+        <p:blipFill>
+          <a:blip r:embed="rId3"/>
+          <a:stretch>
+            <a:fillRect/>
+          </a:stretch>
+        </p:blipFill>
+        <p:spPr>
+          <a:xfrm>
+            <a:off x="321307" y="2039726"/>
+            <a:ext cx="3472185" cy="2642023"/>
+          </a:xfrm>
+          <a:prstGeom prst="rect">
+            <a:avLst/>
+          </a:prstGeom>
         </p:spPr>
       </p:pic>
     </p:spTree>
     <p:extLst>
       <p:ext uri="{BB962C8B-B14F-4D97-AF65-F5344CB8AC3E}">
-        <p14:creationId xmlns:p14="http://schemas.microsoft.com/office/powerpoint/2010/main" val="2213459273"/>
+        <p14:creationId xmlns:p14="http://schemas.microsoft.com/office/powerpoint/2010/main" val="2712752138"/>
       </p:ext>
     </p:extLst>
   </p:cSld>
@@ -6217,7 +6323,7 @@
           <a:p>
             <a:r>
               <a:rPr lang="en-US" dirty="0" smtClean="0"/>
-              <a:t>Network 8-1</a:t>
+              <a:t>Network 8-2</a:t>
             </a:r>
             <a:endParaRPr lang="en-US" dirty="0"/>
           </a:p>
@@ -6244,7 +6350,7 @@
       </p:sp>
       <p:pic>
         <p:nvPicPr>
-          <p:cNvPr id="8" name="Content Placeholder 7"/>
+          <p:cNvPr id="7" name="Content Placeholder 6"/>
           <p:cNvPicPr>
             <a:picLocks noGrp="1" noChangeAspect="1"/>
           </p:cNvPicPr>
@@ -6266,15 +6372,39 @@
         </p:blipFill>
         <p:spPr>
           <a:xfrm>
-            <a:off x="4800600" y="797347"/>
-            <a:ext cx="6492875" cy="5126782"/>
-          </a:xfrm>
+            <a:off x="889000" y="868184"/>
+            <a:ext cx="6492875" cy="4985108"/>
+          </a:xfrm>
+        </p:spPr>
+      </p:pic>
+      <p:pic>
+        <p:nvPicPr>
+          <p:cNvPr id="8" name="Picture 7"/>
+          <p:cNvPicPr>
+            <a:picLocks noChangeAspect="1"/>
+          </p:cNvPicPr>
+          <p:nvPr/>
+        </p:nvPicPr>
+        <p:blipFill>
+          <a:blip r:embed="rId3"/>
+          <a:stretch>
+            <a:fillRect/>
+          </a:stretch>
+        </p:blipFill>
+        <p:spPr>
+          <a:xfrm>
+            <a:off x="8406127" y="2039726"/>
+            <a:ext cx="3472185" cy="2642023"/>
+          </a:xfrm>
+          <a:prstGeom prst="rect">
+            <a:avLst/>
+          </a:prstGeom>
         </p:spPr>
       </p:pic>
     </p:spTree>
     <p:extLst>
       <p:ext uri="{BB962C8B-B14F-4D97-AF65-F5344CB8AC3E}">
-        <p14:creationId xmlns:p14="http://schemas.microsoft.com/office/powerpoint/2010/main" val="2712752138"/>
+        <p14:creationId xmlns:p14="http://schemas.microsoft.com/office/powerpoint/2010/main" val="1475227174"/>
       </p:ext>
     </p:extLst>
   </p:cSld>
@@ -6318,7 +6448,7 @@
           <a:p>
             <a:r>
               <a:rPr lang="en-US" dirty="0" smtClean="0"/>
-              <a:t>Network 8-2</a:t>
+              <a:t>Network 20-1</a:t>
             </a:r>
             <a:endParaRPr lang="en-US" dirty="0"/>
           </a:p>
@@ -6339,7 +6469,11 @@
           <a:bodyPr/>
           <a:lstStyle/>
           <a:p>
-            <a:endParaRPr lang="en-US"/>
+            <a:r>
+              <a:rPr lang="en-US" dirty="0" smtClean="0"/>
+              <a:t>A network related to metabolism, especially of sugars.</a:t>
+            </a:r>
+            <a:endParaRPr lang="en-US" dirty="0"/>
           </a:p>
         </p:txBody>
       </p:sp>
@@ -6354,7 +6488,7 @@
           </p:nvPr>
         </p:nvPicPr>
         <p:blipFill>
-          <a:blip r:embed="rId2" cstate="print">
+          <a:blip r:embed="rId2">
             <a:extLst>
               <a:ext uri="{28A0092B-C50C-407E-A947-70E740481C1C}">
                 <a14:useLocalDpi xmlns:a14="http://schemas.microsoft.com/office/drawing/2010/main" val="0"/>
@@ -6367,15 +6501,39 @@
         </p:blipFill>
         <p:spPr>
           <a:xfrm>
-            <a:off x="889000" y="868184"/>
-            <a:ext cx="6492875" cy="4985108"/>
-          </a:xfrm>
+            <a:off x="5704674" y="731838"/>
+            <a:ext cx="4684727" cy="5257800"/>
+          </a:xfrm>
+        </p:spPr>
+      </p:pic>
+      <p:pic>
+        <p:nvPicPr>
+          <p:cNvPr id="5" name="Picture 4"/>
+          <p:cNvPicPr>
+            <a:picLocks noChangeAspect="1"/>
+          </p:cNvPicPr>
+          <p:nvPr/>
+        </p:nvPicPr>
+        <p:blipFill>
+          <a:blip r:embed="rId3"/>
+          <a:stretch>
+            <a:fillRect/>
+          </a:stretch>
+        </p:blipFill>
+        <p:spPr>
+          <a:xfrm>
+            <a:off x="317392" y="2318101"/>
+            <a:ext cx="3480016" cy="2647982"/>
+          </a:xfrm>
+          <a:prstGeom prst="rect">
+            <a:avLst/>
+          </a:prstGeom>
         </p:spPr>
       </p:pic>
     </p:spTree>
     <p:extLst>
       <p:ext uri="{BB962C8B-B14F-4D97-AF65-F5344CB8AC3E}">
-        <p14:creationId xmlns:p14="http://schemas.microsoft.com/office/powerpoint/2010/main" val="1475227174"/>
+        <p14:creationId xmlns:p14="http://schemas.microsoft.com/office/powerpoint/2010/main" val="2012370489"/>
       </p:ext>
     </p:extLst>
   </p:cSld>
@@ -6419,7 +6577,7 @@
           <a:p>
             <a:r>
               <a:rPr lang="en-US" dirty="0" smtClean="0"/>
-              <a:t>Network 20-1</a:t>
+              <a:t>Network 21-1</a:t>
             </a:r>
             <a:endParaRPr lang="en-US" dirty="0"/>
           </a:p>
@@ -6455,7 +6613,7 @@
           </p:nvPr>
         </p:nvPicPr>
         <p:blipFill>
-          <a:blip r:embed="rId2">
+          <a:blip r:embed="rId2" cstate="print">
             <a:extLst>
               <a:ext uri="{28A0092B-C50C-407E-A947-70E740481C1C}">
                 <a14:useLocalDpi xmlns:a14="http://schemas.microsoft.com/office/drawing/2010/main" val="0"/>
@@ -6468,15 +6626,39 @@
         </p:blipFill>
         <p:spPr>
           <a:xfrm>
-            <a:off x="5704674" y="731838"/>
-            <a:ext cx="4684727" cy="5257800"/>
-          </a:xfrm>
+            <a:off x="1017483" y="731838"/>
+            <a:ext cx="6235908" cy="5257800"/>
+          </a:xfrm>
+        </p:spPr>
+      </p:pic>
+      <p:pic>
+        <p:nvPicPr>
+          <p:cNvPr id="6" name="Picture 5"/>
+          <p:cNvPicPr>
+            <a:picLocks noChangeAspect="1"/>
+          </p:cNvPicPr>
+          <p:nvPr/>
+        </p:nvPicPr>
+        <p:blipFill>
+          <a:blip r:embed="rId3"/>
+          <a:stretch>
+            <a:fillRect/>
+          </a:stretch>
+        </p:blipFill>
+        <p:spPr>
+          <a:xfrm>
+            <a:off x="8402212" y="2036747"/>
+            <a:ext cx="3480016" cy="2647982"/>
+          </a:xfrm>
+          <a:prstGeom prst="rect">
+            <a:avLst/>
+          </a:prstGeom>
         </p:spPr>
       </p:pic>
     </p:spTree>
     <p:extLst>
       <p:ext uri="{BB962C8B-B14F-4D97-AF65-F5344CB8AC3E}">
-        <p14:creationId xmlns:p14="http://schemas.microsoft.com/office/powerpoint/2010/main" val="2012370489"/>
+        <p14:creationId xmlns:p14="http://schemas.microsoft.com/office/powerpoint/2010/main" val="2042388585"/>
       </p:ext>
     </p:extLst>
   </p:cSld>
@@ -6515,39 +6697,22 @@
         </p:nvSpPr>
         <p:spPr/>
         <p:txBody>
-          <a:bodyPr/>
-          <a:lstStyle/>
-          <a:p>
-            <a:r>
-              <a:rPr lang="en-US" dirty="0" smtClean="0"/>
-              <a:t>Network 21-1</a:t>
-            </a:r>
-            <a:endParaRPr lang="en-US" dirty="0"/>
-          </a:p>
-        </p:txBody>
-      </p:sp>
-      <p:sp>
-        <p:nvSpPr>
-          <p:cNvPr id="4" name="Text Placeholder 3"/>
-          <p:cNvSpPr>
-            <a:spLocks noGrp="1"/>
-          </p:cNvSpPr>
-          <p:nvPr>
-            <p:ph type="body" sz="half" idx="2"/>
-          </p:nvPr>
-        </p:nvSpPr>
-        <p:spPr/>
-        <p:txBody>
-          <a:bodyPr/>
-          <a:lstStyle/>
-          <a:p>
-            <a:endParaRPr lang="en-US"/>
+          <a:bodyPr>
+            <a:normAutofit/>
+          </a:bodyPr>
+          <a:lstStyle/>
+          <a:p>
+            <a:r>
+              <a:rPr lang="en-US" sz="4000" dirty="0" smtClean="0"/>
+              <a:t>Cluster 20 – fructose metabolism pathway</a:t>
+            </a:r>
+            <a:endParaRPr lang="en-US" sz="4000" dirty="0"/>
           </a:p>
         </p:txBody>
       </p:sp>
       <p:pic>
         <p:nvPicPr>
-          <p:cNvPr id="7" name="Content Placeholder 6"/>
+          <p:cNvPr id="4" name="Content Placeholder 3"/>
           <p:cNvPicPr>
             <a:picLocks noGrp="1" noChangeAspect="1"/>
           </p:cNvPicPr>
@@ -6569,15 +6734,15 @@
         </p:blipFill>
         <p:spPr>
           <a:xfrm>
-            <a:off x="1017483" y="731838"/>
-            <a:ext cx="6235908" cy="5257800"/>
+            <a:off x="3941309" y="1846263"/>
+            <a:ext cx="4369708" cy="4022725"/>
           </a:xfrm>
         </p:spPr>
       </p:pic>
     </p:spTree>
     <p:extLst>
       <p:ext uri="{BB962C8B-B14F-4D97-AF65-F5344CB8AC3E}">
-        <p14:creationId xmlns:p14="http://schemas.microsoft.com/office/powerpoint/2010/main" val="2042388585"/>
+        <p14:creationId xmlns:p14="http://schemas.microsoft.com/office/powerpoint/2010/main" val="1318042560"/>
       </p:ext>
     </p:extLst>
   </p:cSld>
@@ -6604,37 +6769,16 @@
           <a:chExt cx="0" cy="0"/>
         </a:xfrm>
       </p:grpSpPr>
-      <p:sp>
-        <p:nvSpPr>
-          <p:cNvPr id="2" name="Title 1"/>
-          <p:cNvSpPr>
-            <a:spLocks noGrp="1"/>
-          </p:cNvSpPr>
-          <p:nvPr>
-            <p:ph type="title"/>
-          </p:nvPr>
-        </p:nvSpPr>
-        <p:spPr/>
-        <p:txBody>
-          <a:bodyPr/>
-          <a:lstStyle/>
-          <a:p>
-            <a:endParaRPr lang="en-US" dirty="0"/>
-          </a:p>
-        </p:txBody>
-      </p:sp>
       <p:pic>
         <p:nvPicPr>
-          <p:cNvPr id="4" name="Content Placeholder 3"/>
+          <p:cNvPr id="2" name="Picture 1"/>
           <p:cNvPicPr>
-            <a:picLocks noGrp="1" noChangeAspect="1"/>
+            <a:picLocks noChangeAspect="1"/>
           </p:cNvPicPr>
-          <p:nvPr>
-            <p:ph idx="1"/>
-          </p:nvPr>
+          <p:nvPr/>
         </p:nvPicPr>
         <p:blipFill>
-          <a:blip r:embed="rId2" cstate="print">
+          <a:blip r:embed="rId2">
             <a:extLst>
               <a:ext uri="{28A0092B-C50C-407E-A947-70E740481C1C}">
                 <a14:useLocalDpi xmlns:a14="http://schemas.microsoft.com/office/drawing/2010/main" val="0"/>
@@ -6647,15 +6791,348 @@
         </p:blipFill>
         <p:spPr>
           <a:xfrm>
-            <a:off x="3941309" y="1846263"/>
-            <a:ext cx="4369708" cy="4022725"/>
-          </a:xfrm>
+            <a:off x="101112" y="477715"/>
+            <a:ext cx="4634280" cy="2291862"/>
+          </a:xfrm>
+          <a:prstGeom prst="rect">
+            <a:avLst/>
+          </a:prstGeom>
+        </p:spPr>
+      </p:pic>
+      <p:pic>
+        <p:nvPicPr>
+          <p:cNvPr id="3" name="Picture 2"/>
+          <p:cNvPicPr>
+            <a:picLocks noChangeAspect="1"/>
+          </p:cNvPicPr>
+          <p:nvPr/>
+        </p:nvPicPr>
+        <p:blipFill>
+          <a:blip r:embed="rId3">
+            <a:extLst>
+              <a:ext uri="{28A0092B-C50C-407E-A947-70E740481C1C}">
+                <a14:useLocalDpi xmlns:a14="http://schemas.microsoft.com/office/drawing/2010/main" val="0"/>
+              </a:ext>
+            </a:extLst>
+          </a:blip>
+          <a:stretch>
+            <a:fillRect/>
+          </a:stretch>
+        </p:blipFill>
+        <p:spPr>
+          <a:xfrm>
+            <a:off x="6375685" y="482477"/>
+            <a:ext cx="4641592" cy="2287100"/>
+          </a:xfrm>
+          <a:prstGeom prst="rect">
+            <a:avLst/>
+          </a:prstGeom>
+        </p:spPr>
+      </p:pic>
+      <p:pic>
+        <p:nvPicPr>
+          <p:cNvPr id="4" name="Picture 3"/>
+          <p:cNvPicPr>
+            <a:picLocks noChangeAspect="1"/>
+          </p:cNvPicPr>
+          <p:nvPr/>
+        </p:nvPicPr>
+        <p:blipFill>
+          <a:blip r:embed="rId4">
+            <a:extLst>
+              <a:ext uri="{28A0092B-C50C-407E-A947-70E740481C1C}">
+                <a14:useLocalDpi xmlns:a14="http://schemas.microsoft.com/office/drawing/2010/main" val="0"/>
+              </a:ext>
+            </a:extLst>
+          </a:blip>
+          <a:stretch>
+            <a:fillRect/>
+          </a:stretch>
+        </p:blipFill>
+        <p:spPr>
+          <a:xfrm>
+            <a:off x="110834" y="3625362"/>
+            <a:ext cx="4624558" cy="2287100"/>
+          </a:xfrm>
+          <a:prstGeom prst="rect">
+            <a:avLst/>
+          </a:prstGeom>
+        </p:spPr>
+      </p:pic>
+      <p:pic>
+        <p:nvPicPr>
+          <p:cNvPr id="5" name="Picture 4"/>
+          <p:cNvPicPr>
+            <a:picLocks noChangeAspect="1"/>
+          </p:cNvPicPr>
+          <p:nvPr/>
+        </p:nvPicPr>
+        <p:blipFill>
+          <a:blip r:embed="rId5">
+            <a:extLst>
+              <a:ext uri="{28A0092B-C50C-407E-A947-70E740481C1C}">
+                <a14:useLocalDpi xmlns:a14="http://schemas.microsoft.com/office/drawing/2010/main" val="0"/>
+              </a:ext>
+            </a:extLst>
+          </a:blip>
+          <a:stretch>
+            <a:fillRect/>
+          </a:stretch>
+        </p:blipFill>
+        <p:spPr>
+          <a:xfrm>
+            <a:off x="6369294" y="3625362"/>
+            <a:ext cx="4654375" cy="2287100"/>
+          </a:xfrm>
+          <a:prstGeom prst="rect">
+            <a:avLst/>
+          </a:prstGeom>
+        </p:spPr>
+      </p:pic>
+      <p:pic>
+        <p:nvPicPr>
+          <p:cNvPr id="6" name="Picture 5"/>
+          <p:cNvPicPr>
+            <a:picLocks noChangeAspect="1"/>
+          </p:cNvPicPr>
+          <p:nvPr/>
+        </p:nvPicPr>
+        <p:blipFill>
+          <a:blip r:embed="rId6" cstate="print">
+            <a:extLst>
+              <a:ext uri="{28A0092B-C50C-407E-A947-70E740481C1C}">
+                <a14:useLocalDpi xmlns:a14="http://schemas.microsoft.com/office/drawing/2010/main" val="0"/>
+              </a:ext>
+            </a:extLst>
+          </a:blip>
+          <a:stretch>
+            <a:fillRect/>
+          </a:stretch>
+        </p:blipFill>
+        <p:spPr>
+          <a:xfrm>
+            <a:off x="4823315" y="477715"/>
+            <a:ext cx="1016376" cy="500796"/>
+          </a:xfrm>
+          <a:prstGeom prst="rect">
+            <a:avLst/>
+          </a:prstGeom>
+        </p:spPr>
+      </p:pic>
+      <p:pic>
+        <p:nvPicPr>
+          <p:cNvPr id="7" name="Picture 6"/>
+          <p:cNvPicPr>
+            <a:picLocks noChangeAspect="1"/>
+          </p:cNvPicPr>
+          <p:nvPr/>
+        </p:nvPicPr>
+        <p:blipFill>
+          <a:blip r:embed="rId7" cstate="print">
+            <a:extLst>
+              <a:ext uri="{28A0092B-C50C-407E-A947-70E740481C1C}">
+                <a14:useLocalDpi xmlns:a14="http://schemas.microsoft.com/office/drawing/2010/main" val="0"/>
+              </a:ext>
+            </a:extLst>
+          </a:blip>
+          <a:stretch>
+            <a:fillRect/>
+          </a:stretch>
+        </p:blipFill>
+        <p:spPr>
+          <a:xfrm>
+            <a:off x="4822420" y="1122850"/>
+            <a:ext cx="1017271" cy="500796"/>
+          </a:xfrm>
+          <a:prstGeom prst="rect">
+            <a:avLst/>
+          </a:prstGeom>
+        </p:spPr>
+      </p:pic>
+      <p:pic>
+        <p:nvPicPr>
+          <p:cNvPr id="8" name="Picture 7"/>
+          <p:cNvPicPr>
+            <a:picLocks noChangeAspect="1"/>
+          </p:cNvPicPr>
+          <p:nvPr/>
+        </p:nvPicPr>
+        <p:blipFill>
+          <a:blip r:embed="rId8" cstate="print">
+            <a:extLst>
+              <a:ext uri="{28A0092B-C50C-407E-A947-70E740481C1C}">
+                <a14:useLocalDpi xmlns:a14="http://schemas.microsoft.com/office/drawing/2010/main" val="0"/>
+              </a:ext>
+            </a:extLst>
+          </a:blip>
+          <a:stretch>
+            <a:fillRect/>
+          </a:stretch>
+        </p:blipFill>
+        <p:spPr>
+          <a:xfrm>
+            <a:off x="11144090" y="477715"/>
+            <a:ext cx="977228" cy="301504"/>
+          </a:xfrm>
+          <a:prstGeom prst="rect">
+            <a:avLst/>
+          </a:prstGeom>
+        </p:spPr>
+      </p:pic>
+      <p:pic>
+        <p:nvPicPr>
+          <p:cNvPr id="9" name="Picture 8"/>
+          <p:cNvPicPr>
+            <a:picLocks noChangeAspect="1"/>
+          </p:cNvPicPr>
+          <p:nvPr/>
+        </p:nvPicPr>
+        <p:blipFill>
+          <a:blip r:embed="rId9" cstate="print">
+            <a:extLst>
+              <a:ext uri="{28A0092B-C50C-407E-A947-70E740481C1C}">
+                <a14:useLocalDpi xmlns:a14="http://schemas.microsoft.com/office/drawing/2010/main" val="0"/>
+              </a:ext>
+            </a:extLst>
+          </a:blip>
+          <a:stretch>
+            <a:fillRect/>
+          </a:stretch>
+        </p:blipFill>
+        <p:spPr>
+          <a:xfrm>
+            <a:off x="11144090" y="978511"/>
+            <a:ext cx="1018193" cy="500796"/>
+          </a:xfrm>
+          <a:prstGeom prst="rect">
+            <a:avLst/>
+          </a:prstGeom>
+        </p:spPr>
+      </p:pic>
+      <p:pic>
+        <p:nvPicPr>
+          <p:cNvPr id="10" name="Picture 9"/>
+          <p:cNvPicPr>
+            <a:picLocks noChangeAspect="1"/>
+          </p:cNvPicPr>
+          <p:nvPr/>
+        </p:nvPicPr>
+        <p:blipFill>
+          <a:blip r:embed="rId10" cstate="print">
+            <a:extLst>
+              <a:ext uri="{28A0092B-C50C-407E-A947-70E740481C1C}">
+                <a14:useLocalDpi xmlns:a14="http://schemas.microsoft.com/office/drawing/2010/main" val="0"/>
+              </a:ext>
+            </a:extLst>
+          </a:blip>
+          <a:stretch>
+            <a:fillRect/>
+          </a:stretch>
+        </p:blipFill>
+        <p:spPr>
+          <a:xfrm>
+            <a:off x="4822420" y="3625362"/>
+            <a:ext cx="1017271" cy="501719"/>
+          </a:xfrm>
+          <a:prstGeom prst="rect">
+            <a:avLst/>
+          </a:prstGeom>
+        </p:spPr>
+      </p:pic>
+      <p:pic>
+        <p:nvPicPr>
+          <p:cNvPr id="11" name="Picture 10"/>
+          <p:cNvPicPr>
+            <a:picLocks noChangeAspect="1"/>
+          </p:cNvPicPr>
+          <p:nvPr/>
+        </p:nvPicPr>
+        <p:blipFill>
+          <a:blip r:embed="rId11" cstate="print">
+            <a:extLst>
+              <a:ext uri="{28A0092B-C50C-407E-A947-70E740481C1C}">
+                <a14:useLocalDpi xmlns:a14="http://schemas.microsoft.com/office/drawing/2010/main" val="0"/>
+              </a:ext>
+            </a:extLst>
+          </a:blip>
+          <a:stretch>
+            <a:fillRect/>
+          </a:stretch>
+        </p:blipFill>
+        <p:spPr>
+          <a:xfrm>
+            <a:off x="11104020" y="3625361"/>
+            <a:ext cx="1017298" cy="501719"/>
+          </a:xfrm>
+          <a:prstGeom prst="rect">
+            <a:avLst/>
+          </a:prstGeom>
+        </p:spPr>
+      </p:pic>
+      <p:pic>
+        <p:nvPicPr>
+          <p:cNvPr id="12" name="Picture 11"/>
+          <p:cNvPicPr>
+            <a:picLocks noChangeAspect="1"/>
+          </p:cNvPicPr>
+          <p:nvPr/>
+        </p:nvPicPr>
+        <p:blipFill>
+          <a:blip r:embed="rId12" cstate="print">
+            <a:extLst>
+              <a:ext uri="{28A0092B-C50C-407E-A947-70E740481C1C}">
+                <a14:useLocalDpi xmlns:a14="http://schemas.microsoft.com/office/drawing/2010/main" val="0"/>
+              </a:ext>
+            </a:extLst>
+          </a:blip>
+          <a:stretch>
+            <a:fillRect/>
+          </a:stretch>
+        </p:blipFill>
+        <p:spPr>
+          <a:xfrm>
+            <a:off x="11102171" y="4325449"/>
+            <a:ext cx="1019147" cy="500796"/>
+          </a:xfrm>
+          <a:prstGeom prst="rect">
+            <a:avLst/>
+          </a:prstGeom>
+        </p:spPr>
+      </p:pic>
+      <p:pic>
+        <p:nvPicPr>
+          <p:cNvPr id="13" name="Picture 12"/>
+          <p:cNvPicPr>
+            <a:picLocks noChangeAspect="1"/>
+          </p:cNvPicPr>
+          <p:nvPr/>
+        </p:nvPicPr>
+        <p:blipFill>
+          <a:blip r:embed="rId13" cstate="print">
+            <a:extLst>
+              <a:ext uri="{28A0092B-C50C-407E-A947-70E740481C1C}">
+                <a14:useLocalDpi xmlns:a14="http://schemas.microsoft.com/office/drawing/2010/main" val="0"/>
+              </a:ext>
+            </a:extLst>
+          </a:blip>
+          <a:stretch>
+            <a:fillRect/>
+          </a:stretch>
+        </p:blipFill>
+        <p:spPr>
+          <a:xfrm>
+            <a:off x="11102171" y="5024614"/>
+            <a:ext cx="1017271" cy="501706"/>
+          </a:xfrm>
+          <a:prstGeom prst="rect">
+            <a:avLst/>
+          </a:prstGeom>
         </p:spPr>
       </p:pic>
     </p:spTree>
     <p:extLst>
       <p:ext uri="{BB962C8B-B14F-4D97-AF65-F5344CB8AC3E}">
-        <p14:creationId xmlns:p14="http://schemas.microsoft.com/office/powerpoint/2010/main" val="1318042560"/>
+        <p14:creationId xmlns:p14="http://schemas.microsoft.com/office/powerpoint/2010/main" val="412148268"/>
       </p:ext>
     </p:extLst>
   </p:cSld>
@@ -6722,6 +7199,59 @@
       </p:par>
     </p:tnLst>
   </p:timing>
+</p:sld>
+</file>
+
+<file path=ppt/slides/slide20.xml><?xml version="1.0" encoding="utf-8"?>
+<p:sld xmlns:a="http://schemas.openxmlformats.org/drawingml/2006/main" xmlns:r="http://schemas.openxmlformats.org/officeDocument/2006/relationships" xmlns:p="http://schemas.openxmlformats.org/presentationml/2006/main">
+  <p:cSld>
+    <p:spTree>
+      <p:nvGrpSpPr>
+        <p:cNvPr id="1" name=""/>
+        <p:cNvGrpSpPr/>
+        <p:nvPr/>
+      </p:nvGrpSpPr>
+      <p:grpSpPr>
+        <a:xfrm>
+          <a:off x="0" y="0"/>
+          <a:ext cx="0" cy="0"/>
+          <a:chOff x="0" y="0"/>
+          <a:chExt cx="0" cy="0"/>
+        </a:xfrm>
+      </p:grpSpPr>
+      <p:sp>
+        <p:nvSpPr>
+          <p:cNvPr id="3" name="Text Placeholder 2"/>
+          <p:cNvSpPr>
+            <a:spLocks noGrp="1"/>
+          </p:cNvSpPr>
+          <p:nvPr>
+            <p:ph type="body" idx="1"/>
+          </p:nvPr>
+        </p:nvSpPr>
+        <p:spPr/>
+        <p:txBody>
+          <a:bodyPr/>
+          <a:lstStyle/>
+          <a:p>
+            <a:r>
+              <a:rPr lang="en-US" dirty="0" smtClean="0"/>
+              <a:t>Discussion</a:t>
+            </a:r>
+            <a:endParaRPr lang="en-US" dirty="0"/>
+          </a:p>
+        </p:txBody>
+      </p:sp>
+    </p:spTree>
+    <p:extLst>
+      <p:ext uri="{BB962C8B-B14F-4D97-AF65-F5344CB8AC3E}">
+        <p14:creationId xmlns:p14="http://schemas.microsoft.com/office/powerpoint/2010/main" val="2471942181"/>
+      </p:ext>
+    </p:extLst>
+  </p:cSld>
+  <p:clrMapOvr>
+    <a:masterClrMapping/>
+  </p:clrMapOvr>
 </p:sld>
 </file>
 
@@ -7587,11 +8117,7 @@
             </a:r>
             <a:r>
               <a:rPr lang="en-US" sz="2400" dirty="0" smtClean="0"/>
-              <a:t> </a:t>
-            </a:r>
-            <a:r>
-              <a:rPr lang="en-US" sz="2400" dirty="0" smtClean="0"/>
-              <a:t>proteins</a:t>
+              <a:t> proteins</a:t>
             </a:r>
           </a:p>
           <a:p>
@@ -7646,7 +8172,6 @@
               <a:rPr lang="en-US" sz="2200" dirty="0" smtClean="0"/>
               <a:t>Through genetic mutations</a:t>
             </a:r>
-            <a:endParaRPr lang="en-US" sz="2200" dirty="0" smtClean="0"/>
           </a:p>
           <a:p>
             <a:pPr algn="just">
@@ -7656,13 +8181,27 @@
             </a:pPr>
             <a:r>
               <a:rPr lang="en-US" sz="2400" dirty="0" smtClean="0"/>
-              <a:t>Currently</a:t>
+              <a:t>Currently, only approved treatment is surgical replacement of the </a:t>
             </a:r>
             <a:r>
               <a:rPr lang="en-US" sz="2400" dirty="0" smtClean="0"/>
-              <a:t>, only approved treatment is surgical replacement of the lens</a:t>
-            </a:r>
-            <a:endParaRPr lang="en-US" sz="2400" dirty="0"/>
+              <a:t>lens</a:t>
+            </a:r>
+          </a:p>
+          <a:p>
+            <a:pPr lvl="1" algn="just">
+              <a:lnSpc>
+                <a:spcPct val="120000"/>
+              </a:lnSpc>
+              <a:spcBef>
+                <a:spcPts val="0"/>
+              </a:spcBef>
+            </a:pPr>
+            <a:r>
+              <a:rPr lang="en-US" sz="2200" dirty="0" smtClean="0"/>
+              <a:t>Presents complications in areas with poor healthcare and/or low wealth</a:t>
+            </a:r>
+            <a:endParaRPr lang="en-US" sz="2200" dirty="0"/>
           </a:p>
           <a:p>
             <a:pPr algn="just">
@@ -7787,7 +8326,7 @@
           </a:bodyPr>
           <a:lstStyle/>
           <a:p>
-            <a:pPr algn="just">
+            <a:pPr lvl="1" algn="just">
               <a:lnSpc>
                 <a:spcPct val="120000"/>
               </a:lnSpc>
@@ -7795,20 +8334,6 @@
             <a:r>
               <a:rPr lang="en-US" sz="2400" dirty="0"/>
               <a:t>Cataract is an immediate result of two factors:</a:t>
-            </a:r>
-          </a:p>
-          <a:p>
-            <a:pPr lvl="1" algn="just">
-              <a:lnSpc>
-                <a:spcPct val="120000"/>
-              </a:lnSpc>
-              <a:spcBef>
-                <a:spcPts val="0"/>
-              </a:spcBef>
-            </a:pPr>
-            <a:r>
-              <a:rPr lang="en-US" sz="2200" dirty="0"/>
-              <a:t>Decrease of glutathione levels</a:t>
             </a:r>
           </a:p>
           <a:p>
@@ -7821,8 +8346,36 @@
               </a:spcBef>
             </a:pPr>
             <a:r>
+              <a:rPr lang="en-US" sz="2100" dirty="0"/>
+              <a:t>Decrease of glutathione levels</a:t>
+            </a:r>
+          </a:p>
+          <a:p>
+            <a:pPr lvl="3" algn="just">
+              <a:lnSpc>
+                <a:spcPct val="120000"/>
+              </a:lnSpc>
+              <a:spcBef>
+                <a:spcPts val="0"/>
+              </a:spcBef>
+            </a:pPr>
+            <a:r>
               <a:rPr lang="en-US" sz="1800" dirty="0"/>
               <a:t>Formation of lens barrier</a:t>
+            </a:r>
+          </a:p>
+          <a:p>
+            <a:pPr lvl="3" algn="just">
+              <a:lnSpc>
+                <a:spcPct val="120000"/>
+              </a:lnSpc>
+              <a:spcBef>
+                <a:spcPts val="0"/>
+              </a:spcBef>
+            </a:pPr>
+            <a:r>
+              <a:rPr lang="en-US" sz="1800" dirty="0"/>
+              <a:t>Decreased recycling efficiency</a:t>
             </a:r>
           </a:p>
           <a:p>
@@ -7835,12 +8388,21 @@
               </a:spcBef>
             </a:pPr>
             <a:r>
-              <a:rPr lang="en-US" sz="1800" dirty="0"/>
-              <a:t>Decreased recycling efficiency</a:t>
-            </a:r>
-          </a:p>
-          <a:p>
-            <a:pPr lvl="1" algn="just">
+              <a:rPr lang="en-US" sz="2100" dirty="0"/>
+              <a:t>Usage of </a:t>
+            </a:r>
+            <a:r>
+              <a:rPr lang="el-GR" sz="2100" dirty="0"/>
+              <a:t>α-</a:t>
+            </a:r>
+            <a:r>
+              <a:rPr lang="en-US" sz="2100" dirty="0" err="1"/>
+              <a:t>crystallin</a:t>
+            </a:r>
+            <a:endParaRPr lang="en-US" sz="2100" dirty="0"/>
+          </a:p>
+          <a:p>
+            <a:pPr lvl="3" algn="just">
               <a:lnSpc>
                 <a:spcPct val="120000"/>
               </a:lnSpc>
@@ -7849,21 +8411,16 @@
               </a:spcBef>
             </a:pPr>
             <a:r>
-              <a:rPr lang="en-US" sz="2200" dirty="0"/>
-              <a:t>Usage of </a:t>
-            </a:r>
-            <a:r>
-              <a:rPr lang="el-GR" sz="2200" dirty="0"/>
-              <a:t>α-</a:t>
-            </a:r>
-            <a:r>
-              <a:rPr lang="en-US" sz="2200" dirty="0" err="1"/>
-              <a:t>crystallin</a:t>
-            </a:r>
-            <a:endParaRPr lang="en-US" sz="2200" dirty="0"/>
-          </a:p>
-          <a:p>
-            <a:pPr lvl="2" algn="just">
+              <a:rPr lang="en-US" sz="1800" dirty="0"/>
+              <a:t>Limited supply; by age 40, no </a:t>
+            </a:r>
+            <a:r>
+              <a:rPr lang="en" sz="1800" dirty="0"/>
+              <a:t>α-crystallin remains</a:t>
+            </a:r>
+          </a:p>
+          <a:p>
+            <a:pPr lvl="3" algn="just">
               <a:lnSpc>
                 <a:spcPct val="120000"/>
               </a:lnSpc>
@@ -7872,24 +8429,6 @@
               </a:spcBef>
             </a:pPr>
             <a:r>
-              <a:rPr lang="en-US" sz="1800" dirty="0"/>
-              <a:t>Limited supply; by age 40, no </a:t>
-            </a:r>
-            <a:r>
-              <a:rPr lang="en" sz="1800" dirty="0"/>
-              <a:t>α-crystallin remains</a:t>
-            </a:r>
-          </a:p>
-          <a:p>
-            <a:pPr lvl="2" algn="just">
-              <a:lnSpc>
-                <a:spcPct val="120000"/>
-              </a:lnSpc>
-              <a:spcBef>
-                <a:spcPts val="0"/>
-              </a:spcBef>
-            </a:pPr>
-            <a:r>
               <a:rPr lang="en" sz="1800" dirty="0"/>
               <a:t>Mutations in crystallin genes can result in nonfunctional </a:t>
             </a:r>
@@ -7900,8 +8439,10 @@
             <a:endParaRPr lang="en-US" sz="2400" dirty="0" smtClean="0"/>
           </a:p>
           <a:p>
-            <a:pPr lvl="1"/>
-            <a:endParaRPr lang="en-US" sz="2400" dirty="0"/>
+            <a:pPr marL="201168" lvl="1" indent="0">
+              <a:buNone/>
+            </a:pPr>
+            <a:endParaRPr lang="en-US" sz="2400" dirty="0" smtClean="0"/>
           </a:p>
           <a:p>
             <a:pPr lvl="1"/>
@@ -7925,11 +8466,7 @@
             <a:pPr lvl="2"/>
             <a:r>
               <a:rPr lang="en-US" sz="2000" dirty="0" smtClean="0"/>
-              <a:t>Pathways can be targeted by drugs to prevent or treat cataract (non-surgically</a:t>
-            </a:r>
-            <a:r>
-              <a:rPr lang="en-US" sz="2000" dirty="0" smtClean="0"/>
-              <a:t>)</a:t>
+              <a:t>Pathways can be targeted by drugs to prevent or treat cataract (non-surgically)</a:t>
             </a:r>
             <a:endParaRPr lang="en-US" sz="2000" dirty="0"/>
           </a:p>
@@ -8106,11 +8643,7 @@
             </a:pPr>
             <a:r>
               <a:rPr lang="en-US" dirty="0" smtClean="0"/>
-              <a:t>Genes found </a:t>
-            </a:r>
-            <a:r>
-              <a:rPr lang="en-US" dirty="0" smtClean="0"/>
-              <a:t>under Cataract disease</a:t>
+              <a:t>Genes found under Cataract disease</a:t>
             </a:r>
             <a:endParaRPr lang="en-US" dirty="0"/>
           </a:p>

--- a/Cataract.pptx
+++ b/Cataract.pptx
@@ -5,7 +5,7 @@
     <p:sldMasterId id="2147483660" r:id="rId1"/>
   </p:sldMasterIdLst>
   <p:notesMasterIdLst>
-    <p:notesMasterId r:id="rId22"/>
+    <p:notesMasterId r:id="rId23"/>
   </p:notesMasterIdLst>
   <p:sldIdLst>
     <p:sldId id="257" r:id="rId2"/>
@@ -28,6 +28,7 @@
     <p:sldId id="277" r:id="rId19"/>
     <p:sldId id="279" r:id="rId20"/>
     <p:sldId id="278" r:id="rId21"/>
+    <p:sldId id="280" r:id="rId22"/>
   </p:sldIdLst>
   <p:sldSz cx="12192000" cy="6858000"/>
   <p:notesSz cx="6858000" cy="9144000"/>
@@ -169,6 +170,11 @@
             <p14:sldId id="278"/>
           </p14:sldIdLst>
         </p14:section>
+        <p14:section name="Citations" id="{48A66E72-CCBB-4540-B802-D3E3C20AD7D7}">
+          <p14:sldIdLst>
+            <p14:sldId id="280"/>
+          </p14:sldIdLst>
+        </p14:section>
       </p14:sectionLst>
     </p:ext>
     <p:ext uri="{EFAFB233-063F-42B5-8137-9DF3F51BA10A}">
@@ -260,7 +266,7 @@
           <a:p>
             <a:fld id="{5AB92EA7-858F-4B44-B015-877BFE5925AB}" type="datetimeFigureOut">
               <a:rPr lang="en-US" smtClean="0"/>
-              <a:t>7/30/2019</a:t>
+              <a:t>8/1/2019</a:t>
             </a:fld>
             <a:endParaRPr lang="en-US"/>
           </a:p>
@@ -324,38 +330,37 @@
           <a:p>
             <a:pPr lvl="0"/>
             <a:r>
-              <a:rPr lang="en-US" smtClean="0"/>
+              <a:rPr lang="en-US"/>
               <a:t>Edit Master text styles</a:t>
             </a:r>
           </a:p>
           <a:p>
             <a:pPr lvl="1"/>
             <a:r>
-              <a:rPr lang="en-US" smtClean="0"/>
+              <a:rPr lang="en-US"/>
               <a:t>Second level</a:t>
             </a:r>
           </a:p>
           <a:p>
             <a:pPr lvl="2"/>
             <a:r>
-              <a:rPr lang="en-US" smtClean="0"/>
+              <a:rPr lang="en-US"/>
               <a:t>Third level</a:t>
             </a:r>
           </a:p>
           <a:p>
             <a:pPr lvl="3"/>
             <a:r>
-              <a:rPr lang="en-US" smtClean="0"/>
+              <a:rPr lang="en-US"/>
               <a:t>Fourth level</a:t>
             </a:r>
           </a:p>
           <a:p>
             <a:pPr lvl="4"/>
             <a:r>
-              <a:rPr lang="en-US" smtClean="0"/>
+              <a:rPr lang="en-US"/>
               <a:t>Fifth level</a:t>
             </a:r>
-            <a:endParaRPr lang="en-US"/>
           </a:p>
         </p:txBody>
       </p:sp>
@@ -839,23 +844,23 @@
               <a:buNone/>
             </a:pPr>
             <a:r>
-              <a:rPr lang="en-US" sz="800" dirty="0" smtClean="0"/>
+              <a:rPr lang="en-US" sz="800" dirty="0"/>
               <a:t>CRYBA1 CRYBA4 </a:t>
             </a:r>
             <a:r>
-              <a:rPr lang="en-US" sz="800" dirty="0" err="1" smtClean="0"/>
+              <a:rPr lang="en-US" sz="800" dirty="0" err="1"/>
               <a:t>CRYBA4</a:t>
             </a:r>
             <a:r>
-              <a:rPr lang="en-US" sz="800" dirty="0" smtClean="0"/>
+              <a:rPr lang="en-US" sz="800" dirty="0"/>
               <a:t> CRYBB1 CRYBB2 CRYBB3 </a:t>
             </a:r>
             <a:r>
-              <a:rPr lang="en-US" sz="800" dirty="0" err="1" smtClean="0"/>
+              <a:rPr lang="en-US" sz="800" dirty="0" err="1"/>
               <a:t>CRYBB3</a:t>
             </a:r>
             <a:r>
-              <a:rPr lang="en-US" sz="800" dirty="0" smtClean="0"/>
+              <a:rPr lang="en-US" sz="800" dirty="0"/>
               <a:t> CRYGA CRYGB </a:t>
             </a:r>
             <a:endParaRPr dirty="0"/>
@@ -1114,7 +1119,7 @@
           </a:lstStyle>
           <a:p>
             <a:r>
-              <a:rPr lang="en-US" smtClean="0"/>
+              <a:rPr lang="en-US"/>
               <a:t>Click to edit Master title style</a:t>
             </a:r>
             <a:endParaRPr lang="en-US" dirty="0"/>
@@ -1186,7 +1191,7 @@
           </a:lstStyle>
           <a:p>
             <a:r>
-              <a:rPr lang="en-US" smtClean="0"/>
+              <a:rPr lang="en-US"/>
               <a:t>Click to edit Master subtitle style</a:t>
             </a:r>
             <a:endParaRPr lang="en-US" dirty="0"/>
@@ -1210,7 +1215,7 @@
           <a:p>
             <a:fld id="{809CEF2D-C839-41A0-817E-03595D1CB546}" type="datetimeFigureOut">
               <a:rPr lang="en-US" smtClean="0"/>
-              <a:t>7/30/2019</a:t>
+              <a:t>8/1/2019</a:t>
             </a:fld>
             <a:endParaRPr lang="en-US"/>
           </a:p>
@@ -1433,7 +1438,7 @@
           </a:lstStyle>
           <a:p>
             <a:r>
-              <a:rPr lang="en-US" smtClean="0"/>
+              <a:rPr lang="en-US"/>
               <a:t>Click to edit Master title style</a:t>
             </a:r>
             <a:endParaRPr lang="en-US" dirty="0"/>
@@ -1457,7 +1462,7 @@
           <a:p>
             <a:fld id="{809CEF2D-C839-41A0-817E-03595D1CB546}" type="datetimeFigureOut">
               <a:rPr lang="en-US" smtClean="0"/>
-              <a:t>7/30/2019</a:t>
+              <a:t>8/1/2019</a:t>
             </a:fld>
             <a:endParaRPr lang="en-US"/>
           </a:p>
@@ -1551,7 +1556,7 @@
           <a:lstStyle/>
           <a:p>
             <a:r>
-              <a:rPr lang="en-US" smtClean="0"/>
+              <a:rPr lang="en-US"/>
               <a:t>Click to edit Master title style</a:t>
             </a:r>
             <a:endParaRPr lang="en-US" dirty="0"/>
@@ -1575,35 +1580,35 @@
           <a:p>
             <a:pPr lvl="0"/>
             <a:r>
-              <a:rPr lang="en-US" smtClean="0"/>
+              <a:rPr lang="en-US"/>
               <a:t>Edit Master text styles</a:t>
             </a:r>
           </a:p>
           <a:p>
             <a:pPr lvl="1"/>
             <a:r>
-              <a:rPr lang="en-US" smtClean="0"/>
+              <a:rPr lang="en-US"/>
               <a:t>Second level</a:t>
             </a:r>
           </a:p>
           <a:p>
             <a:pPr lvl="2"/>
             <a:r>
-              <a:rPr lang="en-US" smtClean="0"/>
+              <a:rPr lang="en-US"/>
               <a:t>Third level</a:t>
             </a:r>
           </a:p>
           <a:p>
             <a:pPr lvl="3"/>
             <a:r>
-              <a:rPr lang="en-US" smtClean="0"/>
+              <a:rPr lang="en-US"/>
               <a:t>Fourth level</a:t>
             </a:r>
           </a:p>
           <a:p>
             <a:pPr lvl="4"/>
             <a:r>
-              <a:rPr lang="en-US" smtClean="0"/>
+              <a:rPr lang="en-US"/>
               <a:t>Fifth level</a:t>
             </a:r>
             <a:endParaRPr lang="en-US" dirty="0"/>
@@ -1627,7 +1632,7 @@
           <a:p>
             <a:fld id="{809CEF2D-C839-41A0-817E-03595D1CB546}" type="datetimeFigureOut">
               <a:rPr lang="en-US" smtClean="0"/>
-              <a:t>7/30/2019</a:t>
+              <a:t>8/1/2019</a:t>
             </a:fld>
             <a:endParaRPr lang="en-US"/>
           </a:p>
@@ -1802,7 +1807,7 @@
           <a:lstStyle/>
           <a:p>
             <a:r>
-              <a:rPr lang="en-US" smtClean="0"/>
+              <a:rPr lang="en-US"/>
               <a:t>Click to edit Master title style</a:t>
             </a:r>
             <a:endParaRPr lang="en-US" dirty="0"/>
@@ -1831,35 +1836,35 @@
           <a:p>
             <a:pPr lvl="0"/>
             <a:r>
-              <a:rPr lang="en-US" smtClean="0"/>
+              <a:rPr lang="en-US"/>
               <a:t>Edit Master text styles</a:t>
             </a:r>
           </a:p>
           <a:p>
             <a:pPr lvl="1"/>
             <a:r>
-              <a:rPr lang="en-US" smtClean="0"/>
+              <a:rPr lang="en-US"/>
               <a:t>Second level</a:t>
             </a:r>
           </a:p>
           <a:p>
             <a:pPr lvl="2"/>
             <a:r>
-              <a:rPr lang="en-US" smtClean="0"/>
+              <a:rPr lang="en-US"/>
               <a:t>Third level</a:t>
             </a:r>
           </a:p>
           <a:p>
             <a:pPr lvl="3"/>
             <a:r>
-              <a:rPr lang="en-US" smtClean="0"/>
+              <a:rPr lang="en-US"/>
               <a:t>Fourth level</a:t>
             </a:r>
           </a:p>
           <a:p>
             <a:pPr lvl="4"/>
             <a:r>
-              <a:rPr lang="en-US" smtClean="0"/>
+              <a:rPr lang="en-US"/>
               <a:t>Fifth level</a:t>
             </a:r>
             <a:endParaRPr lang="en-US" dirty="0"/>
@@ -1883,7 +1888,7 @@
           <a:p>
             <a:fld id="{809CEF2D-C839-41A0-817E-03595D1CB546}" type="datetimeFigureOut">
               <a:rPr lang="en-US" smtClean="0"/>
-              <a:t>7/30/2019</a:t>
+              <a:t>8/1/2019</a:t>
             </a:fld>
             <a:endParaRPr lang="en-US"/>
           </a:p>
@@ -2337,7 +2342,7 @@
           <a:p>
             <a:fld id="{809CEF2D-C839-41A0-817E-03595D1CB546}" type="datetimeFigureOut">
               <a:rPr lang="en-US" smtClean="0"/>
-              <a:t>7/30/2019</a:t>
+              <a:t>8/1/2019</a:t>
             </a:fld>
             <a:endParaRPr lang="en-US"/>
           </a:p>
@@ -2436,38 +2441,37 @@
           <a:p>
             <a:pPr lvl="0"/>
             <a:r>
-              <a:rPr lang="en-US" dirty="0" smtClean="0"/>
+              <a:rPr lang="en-US" dirty="0"/>
               <a:t>Edit Master text styles</a:t>
             </a:r>
           </a:p>
           <a:p>
             <a:pPr lvl="1"/>
             <a:r>
-              <a:rPr lang="en-US" dirty="0" smtClean="0"/>
+              <a:rPr lang="en-US" dirty="0"/>
               <a:t>Second level</a:t>
             </a:r>
           </a:p>
           <a:p>
             <a:pPr lvl="2"/>
             <a:r>
-              <a:rPr lang="en-US" dirty="0" smtClean="0"/>
+              <a:rPr lang="en-US" dirty="0"/>
               <a:t>Third level</a:t>
             </a:r>
           </a:p>
           <a:p>
             <a:pPr lvl="3"/>
             <a:r>
-              <a:rPr lang="en-US" dirty="0" smtClean="0"/>
+              <a:rPr lang="en-US" dirty="0"/>
               <a:t>Fourth level</a:t>
             </a:r>
           </a:p>
           <a:p>
             <a:pPr lvl="4"/>
             <a:r>
-              <a:rPr lang="en-US" dirty="0" smtClean="0"/>
+              <a:rPr lang="en-US" dirty="0"/>
               <a:t>Fifth level</a:t>
             </a:r>
-            <a:endParaRPr lang="en-US" dirty="0"/>
           </a:p>
         </p:txBody>
       </p:sp>
@@ -2521,7 +2525,7 @@
           </a:lstStyle>
           <a:p>
             <a:r>
-              <a:rPr lang="en-US" smtClean="0"/>
+              <a:rPr lang="en-US"/>
               <a:t>Click to edit Master title style</a:t>
             </a:r>
             <a:endParaRPr lang="en-US" dirty="0"/>
@@ -2545,38 +2549,37 @@
           <a:p>
             <a:pPr lvl="0"/>
             <a:r>
-              <a:rPr lang="en-US" dirty="0" smtClean="0"/>
+              <a:rPr lang="en-US" dirty="0"/>
               <a:t>Edit Master text styles</a:t>
             </a:r>
           </a:p>
           <a:p>
             <a:pPr lvl="1"/>
             <a:r>
-              <a:rPr lang="en-US" dirty="0" smtClean="0"/>
+              <a:rPr lang="en-US" dirty="0"/>
               <a:t>Second level</a:t>
             </a:r>
           </a:p>
           <a:p>
             <a:pPr lvl="2"/>
             <a:r>
-              <a:rPr lang="en-US" dirty="0" smtClean="0"/>
+              <a:rPr lang="en-US" dirty="0"/>
               <a:t>Third level</a:t>
             </a:r>
           </a:p>
           <a:p>
             <a:pPr lvl="3"/>
             <a:r>
-              <a:rPr lang="en-US" dirty="0" smtClean="0"/>
+              <a:rPr lang="en-US" dirty="0"/>
               <a:t>Fourth level</a:t>
             </a:r>
           </a:p>
           <a:p>
             <a:pPr lvl="4"/>
             <a:r>
-              <a:rPr lang="en-US" dirty="0" smtClean="0"/>
+              <a:rPr lang="en-US" dirty="0"/>
               <a:t>Fifth level</a:t>
             </a:r>
-            <a:endParaRPr lang="en-US" dirty="0"/>
           </a:p>
         </p:txBody>
       </p:sp>
@@ -2597,7 +2600,7 @@
           <a:p>
             <a:fld id="{809CEF2D-C839-41A0-817E-03595D1CB546}" type="datetimeFigureOut">
               <a:rPr lang="en-US" smtClean="0"/>
-              <a:t>7/30/2019</a:t>
+              <a:t>8/1/2019</a:t>
             </a:fld>
             <a:endParaRPr lang="en-US"/>
           </a:p>
@@ -2796,7 +2799,7 @@
           </a:lstStyle>
           <a:p>
             <a:r>
-              <a:rPr lang="en-US" smtClean="0"/>
+              <a:rPr lang="en-US"/>
               <a:t>Click to edit Master title style</a:t>
             </a:r>
             <a:endParaRPr lang="en-US" dirty="0"/>
@@ -2917,7 +2920,7 @@
           <a:p>
             <a:pPr lvl="0"/>
             <a:r>
-              <a:rPr lang="en-US" smtClean="0"/>
+              <a:rPr lang="en-US"/>
               <a:t>Edit Master text styles</a:t>
             </a:r>
           </a:p>
@@ -2940,7 +2943,7 @@
           <a:p>
             <a:fld id="{809CEF2D-C839-41A0-817E-03595D1CB546}" type="datetimeFigureOut">
               <a:rPr lang="en-US" smtClean="0"/>
-              <a:t>7/30/2019</a:t>
+              <a:t>8/1/2019</a:t>
             </a:fld>
             <a:endParaRPr lang="en-US"/>
           </a:p>
@@ -3077,7 +3080,7 @@
           <a:lstStyle/>
           <a:p>
             <a:r>
-              <a:rPr lang="en-US" smtClean="0"/>
+              <a:rPr lang="en-US"/>
               <a:t>Click to edit Master title style</a:t>
             </a:r>
             <a:endParaRPr lang="en-US" dirty="0"/>
@@ -3106,35 +3109,35 @@
           <a:p>
             <a:pPr lvl="0"/>
             <a:r>
-              <a:rPr lang="en-US" smtClean="0"/>
+              <a:rPr lang="en-US"/>
               <a:t>Edit Master text styles</a:t>
             </a:r>
           </a:p>
           <a:p>
             <a:pPr lvl="1"/>
             <a:r>
-              <a:rPr lang="en-US" smtClean="0"/>
+              <a:rPr lang="en-US"/>
               <a:t>Second level</a:t>
             </a:r>
           </a:p>
           <a:p>
             <a:pPr lvl="2"/>
             <a:r>
-              <a:rPr lang="en-US" smtClean="0"/>
+              <a:rPr lang="en-US"/>
               <a:t>Third level</a:t>
             </a:r>
           </a:p>
           <a:p>
             <a:pPr lvl="3"/>
             <a:r>
-              <a:rPr lang="en-US" smtClean="0"/>
+              <a:rPr lang="en-US"/>
               <a:t>Fourth level</a:t>
             </a:r>
           </a:p>
           <a:p>
             <a:pPr lvl="4"/>
             <a:r>
-              <a:rPr lang="en-US" smtClean="0"/>
+              <a:rPr lang="en-US"/>
               <a:t>Fifth level</a:t>
             </a:r>
             <a:endParaRPr lang="en-US" dirty="0"/>
@@ -3163,35 +3166,35 @@
           <a:p>
             <a:pPr lvl="0"/>
             <a:r>
-              <a:rPr lang="en-US" smtClean="0"/>
+              <a:rPr lang="en-US"/>
               <a:t>Edit Master text styles</a:t>
             </a:r>
           </a:p>
           <a:p>
             <a:pPr lvl="1"/>
             <a:r>
-              <a:rPr lang="en-US" smtClean="0"/>
+              <a:rPr lang="en-US"/>
               <a:t>Second level</a:t>
             </a:r>
           </a:p>
           <a:p>
             <a:pPr lvl="2"/>
             <a:r>
-              <a:rPr lang="en-US" smtClean="0"/>
+              <a:rPr lang="en-US"/>
               <a:t>Third level</a:t>
             </a:r>
           </a:p>
           <a:p>
             <a:pPr lvl="3"/>
             <a:r>
-              <a:rPr lang="en-US" smtClean="0"/>
+              <a:rPr lang="en-US"/>
               <a:t>Fourth level</a:t>
             </a:r>
           </a:p>
           <a:p>
             <a:pPr lvl="4"/>
             <a:r>
-              <a:rPr lang="en-US" smtClean="0"/>
+              <a:rPr lang="en-US"/>
               <a:t>Fifth level</a:t>
             </a:r>
             <a:endParaRPr lang="en-US" dirty="0"/>
@@ -3215,7 +3218,7 @@
           <a:p>
             <a:fld id="{809CEF2D-C839-41A0-817E-03595D1CB546}" type="datetimeFigureOut">
               <a:rPr lang="en-US" smtClean="0"/>
-              <a:t>7/30/2019</a:t>
+              <a:t>8/1/2019</a:t>
             </a:fld>
             <a:endParaRPr lang="en-US"/>
           </a:p>
@@ -3314,7 +3317,7 @@
           <a:lstStyle/>
           <a:p>
             <a:r>
-              <a:rPr lang="en-US" smtClean="0"/>
+              <a:rPr lang="en-US"/>
               <a:t>Click to edit Master title style</a:t>
             </a:r>
             <a:endParaRPr lang="en-US" dirty="0"/>
@@ -3386,7 +3389,7 @@
           <a:p>
             <a:pPr lvl="0"/>
             <a:r>
-              <a:rPr lang="en-US" smtClean="0"/>
+              <a:rPr lang="en-US"/>
               <a:t>Edit Master text styles</a:t>
             </a:r>
           </a:p>
@@ -3414,35 +3417,35 @@
           <a:p>
             <a:pPr lvl="0"/>
             <a:r>
-              <a:rPr lang="en-US" smtClean="0"/>
+              <a:rPr lang="en-US"/>
               <a:t>Edit Master text styles</a:t>
             </a:r>
           </a:p>
           <a:p>
             <a:pPr lvl="1"/>
             <a:r>
-              <a:rPr lang="en-US" smtClean="0"/>
+              <a:rPr lang="en-US"/>
               <a:t>Second level</a:t>
             </a:r>
           </a:p>
           <a:p>
             <a:pPr lvl="2"/>
             <a:r>
-              <a:rPr lang="en-US" smtClean="0"/>
+              <a:rPr lang="en-US"/>
               <a:t>Third level</a:t>
             </a:r>
           </a:p>
           <a:p>
             <a:pPr lvl="3"/>
             <a:r>
-              <a:rPr lang="en-US" smtClean="0"/>
+              <a:rPr lang="en-US"/>
               <a:t>Fourth level</a:t>
             </a:r>
           </a:p>
           <a:p>
             <a:pPr lvl="4"/>
             <a:r>
-              <a:rPr lang="en-US" smtClean="0"/>
+              <a:rPr lang="en-US"/>
               <a:t>Fifth level</a:t>
             </a:r>
             <a:endParaRPr lang="en-US" dirty="0"/>
@@ -3514,7 +3517,7 @@
           <a:p>
             <a:pPr lvl="0"/>
             <a:r>
-              <a:rPr lang="en-US" smtClean="0"/>
+              <a:rPr lang="en-US"/>
               <a:t>Edit Master text styles</a:t>
             </a:r>
           </a:p>
@@ -3542,35 +3545,35 @@
           <a:p>
             <a:pPr lvl="0"/>
             <a:r>
-              <a:rPr lang="en-US" smtClean="0"/>
+              <a:rPr lang="en-US"/>
               <a:t>Edit Master text styles</a:t>
             </a:r>
           </a:p>
           <a:p>
             <a:pPr lvl="1"/>
             <a:r>
-              <a:rPr lang="en-US" smtClean="0"/>
+              <a:rPr lang="en-US"/>
               <a:t>Second level</a:t>
             </a:r>
           </a:p>
           <a:p>
             <a:pPr lvl="2"/>
             <a:r>
-              <a:rPr lang="en-US" smtClean="0"/>
+              <a:rPr lang="en-US"/>
               <a:t>Third level</a:t>
             </a:r>
           </a:p>
           <a:p>
             <a:pPr lvl="3"/>
             <a:r>
-              <a:rPr lang="en-US" smtClean="0"/>
+              <a:rPr lang="en-US"/>
               <a:t>Fourth level</a:t>
             </a:r>
           </a:p>
           <a:p>
             <a:pPr lvl="4"/>
             <a:r>
-              <a:rPr lang="en-US" smtClean="0"/>
+              <a:rPr lang="en-US"/>
               <a:t>Fifth level</a:t>
             </a:r>
             <a:endParaRPr lang="en-US" dirty="0"/>
@@ -3594,7 +3597,7 @@
           <a:p>
             <a:fld id="{809CEF2D-C839-41A0-817E-03595D1CB546}" type="datetimeFigureOut">
               <a:rPr lang="en-US" smtClean="0"/>
-              <a:t>7/30/2019</a:t>
+              <a:t>8/1/2019</a:t>
             </a:fld>
             <a:endParaRPr lang="en-US"/>
           </a:p>
@@ -3688,7 +3691,7 @@
           <a:lstStyle/>
           <a:p>
             <a:r>
-              <a:rPr lang="en-US" smtClean="0"/>
+              <a:rPr lang="en-US"/>
               <a:t>Click to edit Master title style</a:t>
             </a:r>
             <a:endParaRPr lang="en-US" dirty="0"/>
@@ -3712,7 +3715,7 @@
           <a:p>
             <a:fld id="{809CEF2D-C839-41A0-817E-03595D1CB546}" type="datetimeFigureOut">
               <a:rPr lang="en-US" smtClean="0"/>
-              <a:t>7/30/2019</a:t>
+              <a:t>8/1/2019</a:t>
             </a:fld>
             <a:endParaRPr lang="en-US"/>
           </a:p>
@@ -3883,7 +3886,7 @@
           <a:p>
             <a:fld id="{809CEF2D-C839-41A0-817E-03595D1CB546}" type="datetimeFigureOut">
               <a:rPr lang="en-US" smtClean="0"/>
-              <a:t>7/30/2019</a:t>
+              <a:t>8/1/2019</a:t>
             </a:fld>
             <a:endParaRPr lang="en-US"/>
           </a:p>
@@ -4057,8 +4060,8 @@
         </p:nvSpPr>
         <p:spPr>
           <a:xfrm>
-            <a:off x="457200" y="594359"/>
-            <a:ext cx="3200400" cy="1110873"/>
+            <a:off x="457200" y="594360"/>
+            <a:ext cx="3200400" cy="640456"/>
           </a:xfrm>
         </p:spPr>
         <p:txBody>
@@ -4076,10 +4079,9 @@
           </a:lstStyle>
           <a:p>
             <a:r>
-              <a:rPr lang="en-US" dirty="0" smtClean="0"/>
+              <a:rPr lang="en-US" dirty="0"/>
               <a:t>Click to edit Master title style</a:t>
             </a:r>
-            <a:endParaRPr lang="en-US" dirty="0"/>
           </a:p>
         </p:txBody>
       </p:sp>
@@ -4105,38 +4107,37 @@
           <a:p>
             <a:pPr lvl="0"/>
             <a:r>
-              <a:rPr lang="en-US" dirty="0" smtClean="0"/>
+              <a:rPr lang="en-US" dirty="0"/>
               <a:t>Edit Master text styles</a:t>
             </a:r>
           </a:p>
           <a:p>
             <a:pPr lvl="1"/>
             <a:r>
-              <a:rPr lang="en-US" dirty="0" smtClean="0"/>
+              <a:rPr lang="en-US" dirty="0"/>
               <a:t>Second level</a:t>
             </a:r>
           </a:p>
           <a:p>
             <a:pPr lvl="2"/>
             <a:r>
-              <a:rPr lang="en-US" dirty="0" smtClean="0"/>
+              <a:rPr lang="en-US" dirty="0"/>
               <a:t>Third level</a:t>
             </a:r>
           </a:p>
           <a:p>
             <a:pPr lvl="3"/>
             <a:r>
-              <a:rPr lang="en-US" dirty="0" smtClean="0"/>
+              <a:rPr lang="en-US" dirty="0"/>
               <a:t>Fourth level</a:t>
             </a:r>
           </a:p>
           <a:p>
             <a:pPr lvl="4"/>
             <a:r>
-              <a:rPr lang="en-US" dirty="0" smtClean="0"/>
+              <a:rPr lang="en-US" dirty="0"/>
               <a:t>Fifth level</a:t>
             </a:r>
-            <a:endParaRPr lang="en-US" dirty="0"/>
           </a:p>
         </p:txBody>
       </p:sp>
@@ -4152,8 +4153,8 @@
         </p:nvSpPr>
         <p:spPr>
           <a:xfrm>
-            <a:off x="457200" y="1787611"/>
-            <a:ext cx="3200400" cy="4517593"/>
+            <a:off x="457200" y="1234816"/>
+            <a:ext cx="3200400" cy="5070389"/>
           </a:xfrm>
         </p:spPr>
         <p:txBody>
@@ -4205,7 +4206,7 @@
           <a:p>
             <a:pPr lvl="0"/>
             <a:r>
-              <a:rPr lang="en-US" smtClean="0"/>
+              <a:rPr lang="en-US" dirty="0"/>
               <a:t>Edit Master text styles</a:t>
             </a:r>
           </a:p>
@@ -4237,7 +4238,7 @@
           <a:p>
             <a:fld id="{809CEF2D-C839-41A0-817E-03595D1CB546}" type="datetimeFigureOut">
               <a:rPr lang="en-US" smtClean="0"/>
-              <a:t>7/30/2019</a:t>
+              <a:t>8/1/2019</a:t>
             </a:fld>
             <a:endParaRPr lang="en-US"/>
           </a:p>
@@ -4424,8 +4425,8 @@
         </p:nvSpPr>
         <p:spPr>
           <a:xfrm>
-            <a:off x="8542020" y="594359"/>
-            <a:ext cx="3200400" cy="1110873"/>
+            <a:off x="8542020" y="594360"/>
+            <a:ext cx="3200400" cy="623980"/>
           </a:xfrm>
         </p:spPr>
         <p:txBody>
@@ -4443,10 +4444,9 @@
           </a:lstStyle>
           <a:p>
             <a:r>
-              <a:rPr lang="en-US" dirty="0" smtClean="0"/>
+              <a:rPr lang="en-US" dirty="0"/>
               <a:t>Click to edit Master title style</a:t>
             </a:r>
-            <a:endParaRPr lang="en-US" dirty="0"/>
           </a:p>
         </p:txBody>
       </p:sp>
@@ -4472,38 +4472,37 @@
           <a:p>
             <a:pPr lvl="0"/>
             <a:r>
-              <a:rPr lang="en-US" dirty="0" smtClean="0"/>
+              <a:rPr lang="en-US" dirty="0"/>
               <a:t>Edit Master text styles</a:t>
             </a:r>
           </a:p>
           <a:p>
             <a:pPr lvl="1"/>
             <a:r>
-              <a:rPr lang="en-US" dirty="0" smtClean="0"/>
+              <a:rPr lang="en-US" dirty="0"/>
               <a:t>Second level</a:t>
             </a:r>
           </a:p>
           <a:p>
             <a:pPr lvl="2"/>
             <a:r>
-              <a:rPr lang="en-US" dirty="0" smtClean="0"/>
+              <a:rPr lang="en-US" dirty="0"/>
               <a:t>Third level</a:t>
             </a:r>
           </a:p>
           <a:p>
             <a:pPr lvl="3"/>
             <a:r>
-              <a:rPr lang="en-US" dirty="0" smtClean="0"/>
+              <a:rPr lang="en-US" dirty="0"/>
               <a:t>Fourth level</a:t>
             </a:r>
           </a:p>
           <a:p>
             <a:pPr lvl="4"/>
             <a:r>
-              <a:rPr lang="en-US" dirty="0" smtClean="0"/>
+              <a:rPr lang="en-US" dirty="0"/>
               <a:t>Fifth level</a:t>
             </a:r>
-            <a:endParaRPr lang="en-US" dirty="0"/>
           </a:p>
         </p:txBody>
       </p:sp>
@@ -4519,8 +4518,8 @@
         </p:nvSpPr>
         <p:spPr>
           <a:xfrm>
-            <a:off x="8542020" y="1779373"/>
-            <a:ext cx="3200400" cy="4517593"/>
+            <a:off x="8542020" y="1218341"/>
+            <a:ext cx="3200400" cy="5078626"/>
           </a:xfrm>
         </p:spPr>
         <p:txBody>
@@ -4572,7 +4571,7 @@
           <a:p>
             <a:pPr lvl="0"/>
             <a:r>
-              <a:rPr lang="en-US" smtClean="0"/>
+              <a:rPr lang="en-US"/>
               <a:t>Edit Master text styles</a:t>
             </a:r>
           </a:p>
@@ -4604,7 +4603,7 @@
           <a:p>
             <a:fld id="{809CEF2D-C839-41A0-817E-03595D1CB546}" type="datetimeFigureOut">
               <a:rPr lang="en-US" smtClean="0"/>
-              <a:t>7/30/2019</a:t>
+              <a:t>8/1/2019</a:t>
             </a:fld>
             <a:endParaRPr lang="en-US"/>
           </a:p>
@@ -4815,7 +4814,7 @@
           <a:lstStyle/>
           <a:p>
             <a:r>
-              <a:rPr lang="en-US" smtClean="0"/>
+              <a:rPr lang="en-US"/>
               <a:t>Click to edit Master title style</a:t>
             </a:r>
             <a:endParaRPr lang="en-US" dirty="0"/>
@@ -4849,35 +4848,35 @@
           <a:p>
             <a:pPr lvl="0"/>
             <a:r>
-              <a:rPr lang="en-US" smtClean="0"/>
+              <a:rPr lang="en-US"/>
               <a:t>Edit Master text styles</a:t>
             </a:r>
           </a:p>
           <a:p>
             <a:pPr lvl="1"/>
             <a:r>
-              <a:rPr lang="en-US" smtClean="0"/>
+              <a:rPr lang="en-US"/>
               <a:t>Second level</a:t>
             </a:r>
           </a:p>
           <a:p>
             <a:pPr lvl="2"/>
             <a:r>
-              <a:rPr lang="en-US" smtClean="0"/>
+              <a:rPr lang="en-US"/>
               <a:t>Third level</a:t>
             </a:r>
           </a:p>
           <a:p>
             <a:pPr lvl="3"/>
             <a:r>
-              <a:rPr lang="en-US" smtClean="0"/>
+              <a:rPr lang="en-US"/>
               <a:t>Fourth level</a:t>
             </a:r>
           </a:p>
           <a:p>
             <a:pPr lvl="4"/>
             <a:r>
-              <a:rPr lang="en-US" smtClean="0"/>
+              <a:rPr lang="en-US"/>
               <a:t>Fifth level</a:t>
             </a:r>
             <a:endParaRPr lang="en-US" dirty="0"/>
@@ -4917,7 +4916,7 @@
           <a:p>
             <a:fld id="{809CEF2D-C839-41A0-817E-03595D1CB546}" type="datetimeFigureOut">
               <a:rPr lang="en-US" smtClean="0"/>
-              <a:t>7/30/2019</a:t>
+              <a:t>8/1/2019</a:t>
             </a:fld>
             <a:endParaRPr lang="en-US"/>
           </a:p>
@@ -5471,7 +5470,7 @@
               </a:spcBef>
             </a:pPr>
             <a:r>
-              <a:rPr lang="en" sz="4800" dirty="0" smtClean="0"/>
+              <a:rPr lang="en" sz="4800" dirty="0"/>
               <a:t>Cataract</a:t>
             </a:r>
             <a:endParaRPr sz="4800" dirty="0"/>
@@ -5521,13 +5520,6 @@
   <p:clrMapOvr>
     <a:masterClrMapping/>
   </p:clrMapOvr>
-  <p:timing>
-    <p:tnLst>
-      <p:par>
-        <p:cTn id="1" dur="indefinite" restart="never" nodeType="tmRoot"/>
-      </p:par>
-    </p:tnLst>
-  </p:timing>
 </p:sld>
 </file>
 
@@ -5564,10 +5556,9 @@
           <a:lstStyle/>
           <a:p>
             <a:r>
-              <a:rPr lang="en-US" dirty="0" smtClean="0"/>
+              <a:rPr lang="en-US" dirty="0"/>
               <a:t>Results</a:t>
             </a:r>
-            <a:endParaRPr lang="en-US" dirty="0"/>
           </a:p>
         </p:txBody>
       </p:sp>
@@ -5581,13 +5572,6 @@
   <p:clrMapOvr>
     <a:masterClrMapping/>
   </p:clrMapOvr>
-  <p:timing>
-    <p:tnLst>
-      <p:par>
-        <p:cTn id="1" dur="indefinite" restart="never" nodeType="tmRoot"/>
-      </p:par>
-    </p:tnLst>
-  </p:timing>
 </p:sld>
 </file>
 
@@ -5672,10 +5656,9 @@
           <a:lstStyle/>
           <a:p>
             <a:r>
-              <a:rPr lang="en-US" dirty="0" smtClean="0"/>
+              <a:rPr lang="en-US" dirty="0"/>
               <a:t>Clusters</a:t>
             </a:r>
-            <a:endParaRPr lang="en-US" dirty="0"/>
           </a:p>
         </p:txBody>
       </p:sp>
@@ -5702,16 +5685,15 @@
           <a:lstStyle/>
           <a:p>
             <a:r>
-              <a:rPr lang="en-US" dirty="0" smtClean="0"/>
+              <a:rPr lang="en-US" dirty="0"/>
               <a:t>Cluster 7</a:t>
             </a:r>
           </a:p>
           <a:p>
             <a:r>
-              <a:rPr lang="en-US" sz="1200" dirty="0" smtClean="0"/>
+              <a:rPr lang="en-US" sz="1200" dirty="0"/>
               <a:t>p=2.896e-4</a:t>
             </a:r>
-            <a:endParaRPr lang="en-US" sz="1200" dirty="0"/>
           </a:p>
         </p:txBody>
       </p:sp>
@@ -5738,13 +5720,13 @@
           <a:lstStyle/>
           <a:p>
             <a:r>
-              <a:rPr lang="en-US" dirty="0" smtClean="0"/>
+              <a:rPr lang="en-US" dirty="0"/>
               <a:t>Cluster 8</a:t>
             </a:r>
           </a:p>
           <a:p>
             <a:r>
-              <a:rPr lang="en-US" sz="1200" dirty="0" smtClean="0"/>
+              <a:rPr lang="en-US" sz="1200" dirty="0"/>
               <a:t>p=7.329e-7</a:t>
             </a:r>
           </a:p>
@@ -5797,13 +5779,13 @@
           <a:lstStyle/>
           <a:p>
             <a:r>
-              <a:rPr lang="en-US" dirty="0" smtClean="0"/>
+              <a:rPr lang="en-US" dirty="0"/>
               <a:t>Cluster 20</a:t>
             </a:r>
           </a:p>
           <a:p>
             <a:r>
-              <a:rPr lang="en-US" sz="1200" dirty="0" smtClean="0"/>
+              <a:rPr lang="en-US" sz="1200" dirty="0"/>
               <a:t>p=0.010</a:t>
             </a:r>
           </a:p>
@@ -5856,13 +5838,13 @@
           <a:lstStyle/>
           <a:p>
             <a:r>
-              <a:rPr lang="en-US" dirty="0" smtClean="0"/>
+              <a:rPr lang="en-US" dirty="0"/>
               <a:t>Cluster 21</a:t>
             </a:r>
           </a:p>
           <a:p>
             <a:r>
-              <a:rPr lang="en-US" sz="1200" dirty="0" smtClean="0"/>
+              <a:rPr lang="en-US" sz="1200" dirty="0"/>
               <a:t>p=0.021</a:t>
             </a:r>
           </a:p>
@@ -5914,33 +5896,57 @@
           <a:lstStyle/>
           <a:p>
             <a:r>
-              <a:rPr lang="en-US" dirty="0" smtClean="0"/>
+              <a:rPr lang="en-US" dirty="0"/>
               <a:t>Network 7-1</a:t>
             </a:r>
+          </a:p>
+        </p:txBody>
+      </p:sp>
+      <p:sp>
+        <p:nvSpPr>
+          <p:cNvPr id="4" name="Text Placeholder 3"/>
+          <p:cNvSpPr>
+            <a:spLocks noGrp="1"/>
+          </p:cNvSpPr>
+          <p:nvPr>
+            <p:ph type="body" sz="half" idx="2"/>
+          </p:nvPr>
+        </p:nvSpPr>
+        <p:spPr>
+          <a:xfrm>
+            <a:off x="457200" y="1234816"/>
+            <a:ext cx="3200400" cy="5070389"/>
+          </a:xfrm>
+        </p:spPr>
+        <p:txBody>
+          <a:bodyPr/>
+          <a:lstStyle/>
+          <a:p>
             <a:endParaRPr lang="en-US" dirty="0"/>
           </a:p>
-        </p:txBody>
-      </p:sp>
-      <p:sp>
-        <p:nvSpPr>
-          <p:cNvPr id="4" name="Text Placeholder 3"/>
-          <p:cNvSpPr>
-            <a:spLocks noGrp="1"/>
-          </p:cNvSpPr>
-          <p:nvPr>
-            <p:ph type="body" sz="half" idx="2"/>
-          </p:nvPr>
-        </p:nvSpPr>
-        <p:spPr/>
-        <p:txBody>
-          <a:bodyPr/>
-          <a:lstStyle/>
-          <a:p>
-            <a:r>
-              <a:rPr lang="en-US" dirty="0" smtClean="0"/>
-              <a:t>A standard cataract-related network</a:t>
-            </a:r>
+          <a:p>
             <a:endParaRPr lang="en-US" dirty="0"/>
+          </a:p>
+          <a:p>
+            <a:endParaRPr lang="en-US" dirty="0"/>
+          </a:p>
+          <a:p>
+            <a:endParaRPr lang="en-US" dirty="0"/>
+          </a:p>
+          <a:p>
+            <a:endParaRPr lang="en-US" dirty="0"/>
+          </a:p>
+          <a:p>
+            <a:endParaRPr lang="en-US" dirty="0"/>
+          </a:p>
+          <a:p>
+            <a:endParaRPr lang="en-US" dirty="0"/>
+          </a:p>
+          <a:p>
+            <a:r>
+              <a:rPr lang="en-US" dirty="0"/>
+              <a:t>A standard cataract-related network. </a:t>
+            </a:r>
           </a:p>
         </p:txBody>
       </p:sp>
@@ -5989,7 +5995,7 @@
         </p:blipFill>
         <p:spPr>
           <a:xfrm>
-            <a:off x="321307" y="2039726"/>
+            <a:off x="321307" y="1127987"/>
             <a:ext cx="3472185" cy="2642023"/>
           </a:xfrm>
           <a:prstGeom prst="rect">
@@ -6043,54 +6049,58 @@
           <a:lstStyle/>
           <a:p>
             <a:r>
-              <a:rPr lang="en-US" dirty="0" smtClean="0"/>
+              <a:rPr lang="en-US" dirty="0"/>
               <a:t>Network 7-2</a:t>
             </a:r>
+          </a:p>
+        </p:txBody>
+      </p:sp>
+      <p:sp>
+        <p:nvSpPr>
+          <p:cNvPr id="4" name="Text Placeholder 3"/>
+          <p:cNvSpPr>
+            <a:spLocks noGrp="1"/>
+          </p:cNvSpPr>
+          <p:nvPr>
+            <p:ph type="body" sz="half" idx="2"/>
+          </p:nvPr>
+        </p:nvSpPr>
+        <p:spPr/>
+        <p:txBody>
+          <a:bodyPr/>
+          <a:lstStyle/>
+          <a:p>
             <a:endParaRPr lang="en-US" dirty="0"/>
           </a:p>
-        </p:txBody>
-      </p:sp>
-      <p:sp>
-        <p:nvSpPr>
-          <p:cNvPr id="4" name="Text Placeholder 3"/>
-          <p:cNvSpPr>
-            <a:spLocks noGrp="1"/>
-          </p:cNvSpPr>
-          <p:nvPr>
-            <p:ph type="body" sz="half" idx="2"/>
-          </p:nvPr>
-        </p:nvSpPr>
-        <p:spPr/>
-        <p:txBody>
-          <a:bodyPr/>
-          <a:lstStyle/>
-          <a:p>
-            <a:endParaRPr lang="en-US" dirty="0" smtClean="0"/>
-          </a:p>
           <a:p>
             <a:endParaRPr lang="en-US" dirty="0"/>
           </a:p>
           <a:p>
-            <a:endParaRPr lang="en-US" dirty="0" smtClean="0"/>
-          </a:p>
-          <a:p>
             <a:endParaRPr lang="en-US" dirty="0"/>
           </a:p>
           <a:p>
-            <a:endParaRPr lang="en-US" dirty="0" smtClean="0"/>
-          </a:p>
-          <a:p>
             <a:endParaRPr lang="en-US" dirty="0"/>
           </a:p>
           <a:p>
-            <a:endParaRPr lang="en-US" dirty="0" smtClean="0"/>
-          </a:p>
-          <a:p>
-            <a:r>
-              <a:rPr lang="en-US" dirty="0" smtClean="0"/>
-              <a:t>This network shows many functions related to keratinization (insertion of keratin into skin/hair cells)</a:t>
-            </a:r>
             <a:endParaRPr lang="en-US" dirty="0"/>
+          </a:p>
+          <a:p>
+            <a:endParaRPr lang="en-US" dirty="0"/>
+          </a:p>
+          <a:p>
+            <a:endParaRPr lang="en-US" dirty="0"/>
+          </a:p>
+          <a:p>
+            <a:r>
+              <a:rPr lang="en-US" dirty="0"/>
+              <a:t>This network shows many functions related to keratinization (insertion of keratin into skin/hair cells).</a:t>
+            </a:r>
+          </a:p>
+          <a:p>
+            <a:r>
+              <a:rPr lang="en-US" dirty="0"/>
+              <a:t>Keratin is present in the lens epithelium, and forms a significant part of its structural integrity (Quinlan et al, 1999). This network may imply that keratin in the epithelial and early fiber cells plays a role in later cataract formation.</a:t>
+            </a:r>
           </a:p>
         </p:txBody>
       </p:sp>
@@ -6139,7 +6149,7 @@
         </p:blipFill>
         <p:spPr>
           <a:xfrm>
-            <a:off x="8406127" y="1705232"/>
+            <a:off x="8406127" y="1115631"/>
             <a:ext cx="3472185" cy="2642023"/>
           </a:xfrm>
           <a:prstGeom prst="rect">
@@ -6193,33 +6203,52 @@
           <a:lstStyle/>
           <a:p>
             <a:r>
-              <a:rPr lang="en-US" dirty="0" smtClean="0"/>
+              <a:rPr lang="en-US" dirty="0"/>
               <a:t>Network 8-1</a:t>
             </a:r>
+          </a:p>
+        </p:txBody>
+      </p:sp>
+      <p:sp>
+        <p:nvSpPr>
+          <p:cNvPr id="4" name="Text Placeholder 3"/>
+          <p:cNvSpPr>
+            <a:spLocks noGrp="1"/>
+          </p:cNvSpPr>
+          <p:nvPr>
+            <p:ph type="body" sz="half" idx="2"/>
+          </p:nvPr>
+        </p:nvSpPr>
+        <p:spPr/>
+        <p:txBody>
+          <a:bodyPr/>
+          <a:lstStyle/>
+          <a:p>
             <a:endParaRPr lang="en-US" dirty="0"/>
           </a:p>
-        </p:txBody>
-      </p:sp>
-      <p:sp>
-        <p:nvSpPr>
-          <p:cNvPr id="4" name="Text Placeholder 3"/>
-          <p:cNvSpPr>
-            <a:spLocks noGrp="1"/>
-          </p:cNvSpPr>
-          <p:nvPr>
-            <p:ph type="body" sz="half" idx="2"/>
-          </p:nvPr>
-        </p:nvSpPr>
-        <p:spPr/>
-        <p:txBody>
-          <a:bodyPr/>
-          <a:lstStyle/>
-          <a:p>
-            <a:r>
-              <a:rPr lang="en-US" dirty="0" smtClean="0"/>
+          <a:p>
+            <a:endParaRPr lang="en-US" dirty="0"/>
+          </a:p>
+          <a:p>
+            <a:endParaRPr lang="en-US" dirty="0"/>
+          </a:p>
+          <a:p>
+            <a:endParaRPr lang="en-US" dirty="0"/>
+          </a:p>
+          <a:p>
+            <a:endParaRPr lang="en-US" dirty="0"/>
+          </a:p>
+          <a:p>
+            <a:endParaRPr lang="en-US" dirty="0"/>
+          </a:p>
+          <a:p>
+            <a:endParaRPr lang="en-US" dirty="0"/>
+          </a:p>
+          <a:p>
+            <a:r>
+              <a:rPr lang="en-US" dirty="0"/>
               <a:t>Another cataract-focused network.</a:t>
             </a:r>
-            <a:endParaRPr lang="en-US" dirty="0"/>
           </a:p>
         </p:txBody>
       </p:sp>
@@ -6268,7 +6297,7 @@
         </p:blipFill>
         <p:spPr>
           <a:xfrm>
-            <a:off x="321307" y="2039726"/>
+            <a:off x="321307" y="1234816"/>
             <a:ext cx="3472185" cy="2642023"/>
           </a:xfrm>
           <a:prstGeom prst="rect">
@@ -6322,10 +6351,9 @@
           <a:lstStyle/>
           <a:p>
             <a:r>
-              <a:rPr lang="en-US" dirty="0" smtClean="0"/>
+              <a:rPr lang="en-US" dirty="0"/>
               <a:t>Network 8-2</a:t>
             </a:r>
-            <a:endParaRPr lang="en-US" dirty="0"/>
           </a:p>
         </p:txBody>
       </p:sp>
@@ -6393,7 +6421,7 @@
         </p:blipFill>
         <p:spPr>
           <a:xfrm>
-            <a:off x="8406127" y="2039726"/>
+            <a:off x="8406127" y="1218340"/>
             <a:ext cx="3472185" cy="2642023"/>
           </a:xfrm>
           <a:prstGeom prst="rect">
@@ -6447,33 +6475,84 @@
           <a:lstStyle/>
           <a:p>
             <a:r>
-              <a:rPr lang="en-US" dirty="0" smtClean="0"/>
+              <a:rPr lang="en-US" dirty="0"/>
               <a:t>Network 20-1</a:t>
             </a:r>
+          </a:p>
+        </p:txBody>
+      </p:sp>
+      <p:sp>
+        <p:nvSpPr>
+          <p:cNvPr id="4" name="Text Placeholder 3"/>
+          <p:cNvSpPr>
+            <a:spLocks noGrp="1"/>
+          </p:cNvSpPr>
+          <p:nvPr>
+            <p:ph type="body" sz="half" idx="2"/>
+          </p:nvPr>
+        </p:nvSpPr>
+        <p:spPr/>
+        <p:txBody>
+          <a:bodyPr/>
+          <a:lstStyle/>
+          <a:p>
             <a:endParaRPr lang="en-US" dirty="0"/>
           </a:p>
-        </p:txBody>
-      </p:sp>
-      <p:sp>
-        <p:nvSpPr>
-          <p:cNvPr id="4" name="Text Placeholder 3"/>
-          <p:cNvSpPr>
-            <a:spLocks noGrp="1"/>
-          </p:cNvSpPr>
-          <p:nvPr>
-            <p:ph type="body" sz="half" idx="2"/>
-          </p:nvPr>
-        </p:nvSpPr>
-        <p:spPr/>
-        <p:txBody>
-          <a:bodyPr/>
-          <a:lstStyle/>
-          <a:p>
-            <a:r>
-              <a:rPr lang="en-US" dirty="0" smtClean="0"/>
-              <a:t>A network related to metabolism, especially of sugars.</a:t>
-            </a:r>
+          <a:p>
             <a:endParaRPr lang="en-US" dirty="0"/>
+          </a:p>
+          <a:p>
+            <a:endParaRPr lang="en-US" dirty="0"/>
+          </a:p>
+          <a:p>
+            <a:endParaRPr lang="en-US" dirty="0"/>
+          </a:p>
+          <a:p>
+            <a:endParaRPr lang="en-US" dirty="0"/>
+          </a:p>
+          <a:p>
+            <a:endParaRPr lang="en-US" dirty="0"/>
+          </a:p>
+          <a:p>
+            <a:endParaRPr lang="en-US" dirty="0"/>
+          </a:p>
+          <a:p>
+            <a:r>
+              <a:rPr lang="en-US" dirty="0"/>
+              <a:t>A network related to metabolism, especially of sugars and fats. Fatty acids affect the expression of lutein, which is shown to prevent cataract formation (</a:t>
+            </a:r>
+            <a:r>
+              <a:rPr lang="en-US" dirty="0" err="1"/>
+              <a:t>Padmanabha</a:t>
+            </a:r>
+            <a:r>
+              <a:rPr lang="en-US" dirty="0"/>
+              <a:t> &amp; </a:t>
+            </a:r>
+            <a:r>
+              <a:rPr lang="en-US" dirty="0" err="1"/>
+              <a:t>Vallikannan</a:t>
+            </a:r>
+            <a:r>
+              <a:rPr lang="en-US" dirty="0"/>
+              <a:t>, 2018); sugars are known to cause cataract, since an increased blood sugar concentration affects the concentration of the fiber cell cytoplasm (</a:t>
+            </a:r>
+            <a:r>
+              <a:rPr lang="en-US" dirty="0" err="1"/>
+              <a:t>Pollreisz</a:t>
+            </a:r>
+            <a:r>
+              <a:rPr lang="en-US" dirty="0"/>
+              <a:t> &amp; Schmidt-</a:t>
+            </a:r>
+            <a:r>
+              <a:rPr lang="en-US" dirty="0" err="1"/>
+              <a:t>Erfurth</a:t>
+            </a:r>
+            <a:r>
+              <a:rPr lang="en-US" dirty="0"/>
+              <a:t>, 2010)</a:t>
+            </a:r>
           </a:p>
         </p:txBody>
       </p:sp>
@@ -6522,7 +6601,7 @@
         </p:blipFill>
         <p:spPr>
           <a:xfrm>
-            <a:off x="317392" y="2318101"/>
+            <a:off x="317392" y="1122028"/>
             <a:ext cx="3480016" cy="2647982"/>
           </a:xfrm>
           <a:prstGeom prst="rect">
@@ -6576,10 +6655,9 @@
           <a:lstStyle/>
           <a:p>
             <a:r>
-              <a:rPr lang="en-US" dirty="0" smtClean="0"/>
+              <a:rPr lang="en-US" dirty="0"/>
               <a:t>Network 21-1</a:t>
             </a:r>
-            <a:endParaRPr lang="en-US" dirty="0"/>
           </a:p>
         </p:txBody>
       </p:sp>
@@ -6647,7 +6725,7 @@
         </p:blipFill>
         <p:spPr>
           <a:xfrm>
-            <a:off x="8402212" y="2036747"/>
+            <a:off x="8402212" y="1109672"/>
             <a:ext cx="3480016" cy="2647982"/>
           </a:xfrm>
           <a:prstGeom prst="rect">
@@ -6703,10 +6781,9 @@
           <a:lstStyle/>
           <a:p>
             <a:r>
-              <a:rPr lang="en-US" sz="4000" dirty="0" smtClean="0"/>
+              <a:rPr lang="en-US" sz="4000" dirty="0"/>
               <a:t>Cluster 20 – fructose metabolism pathway</a:t>
             </a:r>
-            <a:endParaRPr lang="en-US" sz="4000" dirty="0"/>
           </a:p>
         </p:txBody>
       </p:sp>
@@ -7175,10 +7252,9 @@
           <a:lstStyle/>
           <a:p>
             <a:r>
-              <a:rPr lang="en-US" dirty="0" smtClean="0"/>
+              <a:rPr lang="en-US" dirty="0"/>
               <a:t>Introduction</a:t>
             </a:r>
-            <a:endParaRPr lang="en-US" dirty="0"/>
           </a:p>
         </p:txBody>
       </p:sp>
@@ -7192,17 +7268,62 @@
   <p:clrMapOvr>
     <a:masterClrMapping/>
   </p:clrMapOvr>
-  <p:timing>
-    <p:tnLst>
-      <p:par>
-        <p:cTn id="1" dur="indefinite" restart="never" nodeType="tmRoot"/>
-      </p:par>
-    </p:tnLst>
-  </p:timing>
 </p:sld>
 </file>
 
 <file path=ppt/slides/slide20.xml><?xml version="1.0" encoding="utf-8"?>
+<p:sld xmlns:a="http://schemas.openxmlformats.org/drawingml/2006/main" xmlns:r="http://schemas.openxmlformats.org/officeDocument/2006/relationships" xmlns:p="http://schemas.openxmlformats.org/presentationml/2006/main" show="0">
+  <p:cSld>
+    <p:spTree>
+      <p:nvGrpSpPr>
+        <p:cNvPr id="1" name=""/>
+        <p:cNvGrpSpPr/>
+        <p:nvPr/>
+      </p:nvGrpSpPr>
+      <p:grpSpPr>
+        <a:xfrm>
+          <a:off x="0" y="0"/>
+          <a:ext cx="0" cy="0"/>
+          <a:chOff x="0" y="0"/>
+          <a:chExt cx="0" cy="0"/>
+        </a:xfrm>
+      </p:grpSpPr>
+      <p:sp>
+        <p:nvSpPr>
+          <p:cNvPr id="3" name="Text Placeholder 2"/>
+          <p:cNvSpPr>
+            <a:spLocks noGrp="1"/>
+          </p:cNvSpPr>
+          <p:nvPr>
+            <p:ph type="body" idx="1"/>
+          </p:nvPr>
+        </p:nvSpPr>
+        <p:spPr/>
+        <p:txBody>
+          <a:bodyPr/>
+          <a:lstStyle/>
+          <a:p>
+            <a:r>
+              <a:rPr lang="en-US" dirty="0"/>
+              <a:t>Discussion</a:t>
+            </a:r>
+          </a:p>
+        </p:txBody>
+      </p:sp>
+    </p:spTree>
+    <p:extLst>
+      <p:ext uri="{BB962C8B-B14F-4D97-AF65-F5344CB8AC3E}">
+        <p14:creationId xmlns:p14="http://schemas.microsoft.com/office/powerpoint/2010/main" val="2471942181"/>
+      </p:ext>
+    </p:extLst>
+  </p:cSld>
+  <p:clrMapOvr>
+    <a:masterClrMapping/>
+  </p:clrMapOvr>
+</p:sld>
+</file>
+
+<file path=ppt/slides/slide21.xml><?xml version="1.0" encoding="utf-8"?>
 <p:sld xmlns:a="http://schemas.openxmlformats.org/drawingml/2006/main" xmlns:r="http://schemas.openxmlformats.org/officeDocument/2006/relationships" xmlns:p="http://schemas.openxmlformats.org/presentationml/2006/main">
   <p:cSld>
     <p:spTree>
@@ -7221,12 +7342,18 @@
       </p:grpSpPr>
       <p:sp>
         <p:nvSpPr>
-          <p:cNvPr id="3" name="Text Placeholder 2"/>
-          <p:cNvSpPr>
-            <a:spLocks noGrp="1"/>
-          </p:cNvSpPr>
-          <p:nvPr>
-            <p:ph type="body" idx="1"/>
+          <p:cNvPr id="2" name="Title 1">
+            <a:extLst>
+              <a:ext uri="{FF2B5EF4-FFF2-40B4-BE49-F238E27FC236}">
+                <a16:creationId xmlns:a16="http://schemas.microsoft.com/office/drawing/2014/main" id="{31524436-7470-4F18-B985-FED8070CCDCC}"/>
+              </a:ext>
+            </a:extLst>
+          </p:cNvPr>
+          <p:cNvSpPr>
+            <a:spLocks noGrp="1"/>
+          </p:cNvSpPr>
+          <p:nvPr>
+            <p:ph type="title"/>
           </p:nvPr>
         </p:nvSpPr>
         <p:spPr/>
@@ -7235,9 +7362,111 @@
           <a:lstStyle/>
           <a:p>
             <a:r>
-              <a:rPr lang="en-US" dirty="0" smtClean="0"/>
-              <a:t>Discussion</a:t>
-            </a:r>
+              <a:rPr lang="en-US" dirty="0"/>
+              <a:t>Citations</a:t>
+            </a:r>
+          </a:p>
+        </p:txBody>
+      </p:sp>
+      <p:sp>
+        <p:nvSpPr>
+          <p:cNvPr id="3" name="Content Placeholder 2">
+            <a:extLst>
+              <a:ext uri="{FF2B5EF4-FFF2-40B4-BE49-F238E27FC236}">
+                <a16:creationId xmlns:a16="http://schemas.microsoft.com/office/drawing/2014/main" id="{B6F7846E-4044-4E95-A59F-046DB07DADDD}"/>
+              </a:ext>
+            </a:extLst>
+          </p:cNvPr>
+          <p:cNvSpPr>
+            <a:spLocks noGrp="1"/>
+          </p:cNvSpPr>
+          <p:nvPr>
+            <p:ph idx="1"/>
+          </p:nvPr>
+        </p:nvSpPr>
+        <p:spPr/>
+        <p:txBody>
+          <a:bodyPr/>
+          <a:lstStyle/>
+          <a:p>
+            <a:pPr marL="574675" indent="-457200">
+              <a:buNone/>
+            </a:pPr>
+            <a:r>
+              <a:rPr lang="en-US" dirty="0" err="1"/>
+              <a:t>Padmanabha</a:t>
+            </a:r>
+            <a:r>
+              <a:rPr lang="en-US" dirty="0"/>
+              <a:t>, Smitha, and Baskaran </a:t>
+            </a:r>
+            <a:r>
+              <a:rPr lang="en-US" dirty="0" err="1"/>
+              <a:t>Vallikannan</a:t>
+            </a:r>
+            <a:r>
+              <a:rPr lang="en-US" dirty="0"/>
+              <a:t>. “Fatty Acids Modulate the Efficacy of Lutein in Cataract Prevention: Assessment of Oxidative and Inflammatory Parameters in Rats.” </a:t>
+            </a:r>
+            <a:r>
+              <a:rPr lang="en-US" i="1" dirty="0"/>
+              <a:t>Biochemical and Biophysical Research Communications</a:t>
+            </a:r>
+            <a:r>
+              <a:rPr lang="en-US" dirty="0"/>
+              <a:t>, vol. 500, no. 2, 2 June 2018, pp. 435–442., doi:10.1016/j.bbrc.2018.04.098.</a:t>
+            </a:r>
+          </a:p>
+          <a:p>
+            <a:pPr marL="574675" indent="-457200">
+              <a:buNone/>
+            </a:pPr>
+            <a:r>
+              <a:rPr lang="en-US" dirty="0" err="1"/>
+              <a:t>Pollreisz</a:t>
+            </a:r>
+            <a:r>
+              <a:rPr lang="en-US" dirty="0"/>
+              <a:t>, Andreas, and Ursula Schmidt-</a:t>
+            </a:r>
+            <a:r>
+              <a:rPr lang="en-US" dirty="0" err="1"/>
+              <a:t>Erfurth</a:t>
+            </a:r>
+            <a:r>
+              <a:rPr lang="en-US" dirty="0"/>
+              <a:t>. “Diabetic Cataract—Pathogenesis, Epidemiology and Treatment.” </a:t>
+            </a:r>
+            <a:r>
+              <a:rPr lang="en-US" i="1" dirty="0"/>
+              <a:t>Journal of Ophthalmology</a:t>
+            </a:r>
+            <a:r>
+              <a:rPr lang="en-US" dirty="0"/>
+              <a:t>, vol. 2010, 2 Apr. 2010, pp. 1–8., doi:10.1155/2010/608751.</a:t>
+            </a:r>
+          </a:p>
+          <a:p>
+            <a:pPr marL="574675" indent="-457200">
+              <a:buNone/>
+            </a:pPr>
+            <a:r>
+              <a:rPr lang="en-US" dirty="0"/>
+              <a:t>Quinlan, R A, et al. “The Eye Lens Cytoskeleton.” </a:t>
+            </a:r>
+            <a:r>
+              <a:rPr lang="en-US" i="1" dirty="0"/>
+              <a:t>Eye</a:t>
+            </a:r>
+            <a:r>
+              <a:rPr lang="en-US" dirty="0"/>
+              <a:t>, vol. 13, no. 3, May 1999, pp. 409–416., doi:10.1038/eye.1999.115.</a:t>
+            </a:r>
+          </a:p>
+          <a:p>
+            <a:pPr marL="574675" indent="-457200">
+              <a:buNone/>
+            </a:pPr>
             <a:endParaRPr lang="en-US" dirty="0"/>
           </a:p>
         </p:txBody>
@@ -7245,7 +7474,7 @@
     </p:spTree>
     <p:extLst>
       <p:ext uri="{BB962C8B-B14F-4D97-AF65-F5344CB8AC3E}">
-        <p14:creationId xmlns:p14="http://schemas.microsoft.com/office/powerpoint/2010/main" val="2471942181"/>
+        <p14:creationId xmlns:p14="http://schemas.microsoft.com/office/powerpoint/2010/main" val="1500102872"/>
       </p:ext>
     </p:extLst>
   </p:cSld>
@@ -7625,10 +7854,9 @@
           </a:lstStyle>
           <a:p>
             <a:r>
-              <a:rPr lang="en-US" dirty="0" smtClean="0"/>
+              <a:rPr lang="en-US" dirty="0"/>
               <a:t>Eye and Lens</a:t>
             </a:r>
-            <a:endParaRPr lang="en-US" dirty="0"/>
           </a:p>
         </p:txBody>
       </p:sp>
@@ -7642,13 +7870,6 @@
   <p:clrMapOvr>
     <a:masterClrMapping/>
   </p:clrMapOvr>
-  <p:timing>
-    <p:tnLst>
-      <p:par>
-        <p:cTn id="1" dur="indefinite" restart="never" nodeType="tmRoot"/>
-      </p:par>
-    </p:tnLst>
-  </p:timing>
 </p:sld>
 </file>
 
@@ -7774,7 +7995,7 @@
               <a:buChar char="●"/>
             </a:pPr>
             <a:r>
-              <a:rPr lang="en" dirty="0" smtClean="0"/>
+              <a:rPr lang="en" dirty="0"/>
               <a:t>Encoded by GSTM1, GSTT1 genes</a:t>
             </a:r>
           </a:p>
@@ -8010,11 +8231,11 @@
           </a:lstStyle>
           <a:p>
             <a:r>
-              <a:rPr lang="en-US" dirty="0" smtClean="0"/>
+              <a:rPr lang="en-US" dirty="0"/>
               <a:t>Fiber Cells and </a:t>
             </a:r>
             <a:r>
-              <a:rPr lang="en-US" dirty="0" err="1" smtClean="0"/>
+              <a:rPr lang="en-US" dirty="0" err="1"/>
               <a:t>Crystallin</a:t>
             </a:r>
             <a:endParaRPr lang="en-US" dirty="0"/>
@@ -8031,13 +8252,6 @@
   <p:clrMapOvr>
     <a:masterClrMapping/>
   </p:clrMapOvr>
-  <p:timing>
-    <p:tnLst>
-      <p:par>
-        <p:cTn id="1" dur="indefinite" restart="never" nodeType="tmRoot"/>
-      </p:par>
-    </p:tnLst>
-  </p:timing>
 </p:sld>
 </file>
 
@@ -8089,7 +8303,7 @@
               </a:lnSpc>
             </a:pPr>
             <a:r>
-              <a:rPr lang="en-US" sz="2400" dirty="0" smtClean="0"/>
+              <a:rPr lang="en-US" sz="2400" dirty="0"/>
               <a:t>Cataract is opacification of the lens; when the lens becomes cloudy and blocks vision</a:t>
             </a:r>
           </a:p>
@@ -8100,23 +8314,23 @@
               </a:lnSpc>
             </a:pPr>
             <a:r>
-              <a:rPr lang="en-US" sz="2400" dirty="0" smtClean="0"/>
+              <a:rPr lang="en-US" sz="2400" dirty="0"/>
               <a:t>Opaque areas are aggregates of </a:t>
             </a:r>
             <a:r>
-              <a:rPr lang="en-US" sz="2400" dirty="0" err="1" smtClean="0"/>
+              <a:rPr lang="en-US" sz="2400" dirty="0" err="1"/>
               <a:t>desolubilized</a:t>
             </a:r>
             <a:r>
-              <a:rPr lang="en-US" sz="2400" dirty="0" smtClean="0"/>
+              <a:rPr lang="en-US" sz="2400" dirty="0"/>
               <a:t> </a:t>
             </a:r>
             <a:r>
-              <a:rPr lang="en-US" sz="2400" dirty="0" err="1" smtClean="0"/>
+              <a:rPr lang="en-US" sz="2400" dirty="0" err="1"/>
               <a:t>crystallin</a:t>
             </a:r>
             <a:r>
-              <a:rPr lang="en-US" sz="2400" dirty="0" smtClean="0"/>
+              <a:rPr lang="en-US" sz="2400" dirty="0"/>
               <a:t> proteins</a:t>
             </a:r>
           </a:p>
@@ -8127,7 +8341,7 @@
               </a:lnSpc>
             </a:pPr>
             <a:r>
-              <a:rPr lang="en-US" sz="2400" dirty="0" smtClean="0"/>
+              <a:rPr lang="en-US" sz="2400" dirty="0"/>
               <a:t>Protein aggregation is caused by oxidation</a:t>
             </a:r>
           </a:p>
@@ -8141,7 +8355,7 @@
               </a:spcBef>
             </a:pPr>
             <a:r>
-              <a:rPr lang="en-US" sz="2200" dirty="0" smtClean="0"/>
+              <a:rPr lang="en-US" sz="2200" dirty="0"/>
               <a:t>Naturally over time: age-related cataract</a:t>
             </a:r>
           </a:p>
@@ -8155,7 +8369,7 @@
               </a:spcBef>
             </a:pPr>
             <a:r>
-              <a:rPr lang="en-US" sz="2200" dirty="0" smtClean="0"/>
+              <a:rPr lang="en-US" sz="2200" dirty="0"/>
               <a:t>As a result of high sugar concentration in the eye: diabetic cataract (or similar)</a:t>
             </a:r>
           </a:p>
@@ -8169,7 +8383,7 @@
               </a:spcBef>
             </a:pPr>
             <a:r>
-              <a:rPr lang="en-US" sz="2200" dirty="0" smtClean="0"/>
+              <a:rPr lang="en-US" sz="2200" dirty="0"/>
               <a:t>Through genetic mutations</a:t>
             </a:r>
           </a:p>
@@ -8180,12 +8394,8 @@
               </a:lnSpc>
             </a:pPr>
             <a:r>
-              <a:rPr lang="en-US" sz="2400" dirty="0" smtClean="0"/>
-              <a:t>Currently, only approved treatment is surgical replacement of the </a:t>
-            </a:r>
-            <a:r>
-              <a:rPr lang="en-US" sz="2400" dirty="0" smtClean="0"/>
-              <a:t>lens</a:t>
+              <a:rPr lang="en-US" sz="2400" dirty="0"/>
+              <a:t>Currently, only approved treatment is surgical replacement of the lens</a:t>
             </a:r>
           </a:p>
           <a:p>
@@ -8198,10 +8408,9 @@
               </a:spcBef>
             </a:pPr>
             <a:r>
-              <a:rPr lang="en-US" sz="2200" dirty="0" smtClean="0"/>
+              <a:rPr lang="en-US" sz="2200" dirty="0"/>
               <a:t>Presents complications in areas with poor healthcare and/or low wealth</a:t>
             </a:r>
-            <a:endParaRPr lang="en-US" sz="2200" dirty="0"/>
           </a:p>
           <a:p>
             <a:pPr algn="just">
@@ -8209,7 +8418,7 @@
                 <a:spcPct val="120000"/>
               </a:lnSpc>
             </a:pPr>
-            <a:endParaRPr lang="en-US" sz="2400" dirty="0" smtClean="0"/>
+            <a:endParaRPr lang="en-US" sz="2400" dirty="0"/>
           </a:p>
           <a:p>
             <a:pPr algn="just">
@@ -8242,10 +8451,9 @@
           <a:lstStyle/>
           <a:p>
             <a:r>
-              <a:rPr lang="en-US" dirty="0" smtClean="0"/>
+              <a:rPr lang="en-US" dirty="0"/>
               <a:t>Cataract</a:t>
             </a:r>
-            <a:endParaRPr lang="en-US" dirty="0"/>
           </a:p>
         </p:txBody>
       </p:sp>
@@ -8259,13 +8467,6 @@
   <p:clrMapOvr>
     <a:masterClrMapping/>
   </p:clrMapOvr>
-  <p:timing>
-    <p:tnLst>
-      <p:par>
-        <p:cTn id="1" dur="indefinite" restart="never" nodeType="tmRoot"/>
-      </p:par>
-    </p:tnLst>
-  </p:timing>
 </p:sld>
 </file>
 
@@ -8302,10 +8503,9 @@
           <a:lstStyle/>
           <a:p>
             <a:r>
-              <a:rPr lang="en-US" dirty="0" smtClean="0"/>
+              <a:rPr lang="en-US" dirty="0"/>
               <a:t>Goals</a:t>
             </a:r>
-            <a:endParaRPr lang="en-US" dirty="0"/>
           </a:p>
         </p:txBody>
       </p:sp>
@@ -8430,45 +8630,36 @@
             </a:pPr>
             <a:r>
               <a:rPr lang="en" sz="1800" dirty="0"/>
-              <a:t>Mutations in crystallin genes can result in nonfunctional </a:t>
-            </a:r>
-            <a:r>
-              <a:rPr lang="en" sz="1800" dirty="0" smtClean="0"/>
-              <a:t>α-crystallin</a:t>
-            </a:r>
-            <a:endParaRPr lang="en-US" sz="2400" dirty="0" smtClean="0"/>
+              <a:t>Mutations in crystallin genes can result in nonfunctional α-crystallin</a:t>
+            </a:r>
+            <a:endParaRPr lang="en-US" sz="2400" dirty="0"/>
           </a:p>
           <a:p>
             <a:pPr marL="201168" lvl="1" indent="0">
               <a:buNone/>
             </a:pPr>
-            <a:endParaRPr lang="en-US" sz="2400" dirty="0" smtClean="0"/>
+            <a:endParaRPr lang="en-US" sz="2400" dirty="0"/>
           </a:p>
           <a:p>
             <a:pPr lvl="1"/>
             <a:r>
-              <a:rPr lang="en-US" sz="2400" dirty="0" smtClean="0"/>
-              <a:t>Goal</a:t>
-            </a:r>
-            <a:r>
-              <a:rPr lang="en-US" sz="2400" dirty="0" smtClean="0"/>
-              <a:t>:</a:t>
+              <a:rPr lang="en-US" sz="2400" dirty="0"/>
+              <a:t>Goal:</a:t>
             </a:r>
           </a:p>
           <a:p>
             <a:pPr lvl="2"/>
             <a:r>
-              <a:rPr lang="en-US" sz="2000" dirty="0" smtClean="0"/>
+              <a:rPr lang="en-US" sz="2000" dirty="0"/>
               <a:t>Identify genetic pathways related to cataract formation</a:t>
             </a:r>
           </a:p>
           <a:p>
             <a:pPr lvl="2"/>
             <a:r>
-              <a:rPr lang="en-US" sz="2000" dirty="0" smtClean="0"/>
+              <a:rPr lang="en-US" sz="2000" dirty="0"/>
               <a:t>Pathways can be targeted by drugs to prevent or treat cataract (non-surgically)</a:t>
             </a:r>
-            <a:endParaRPr lang="en-US" sz="2000" dirty="0"/>
           </a:p>
         </p:txBody>
       </p:sp>
@@ -8518,10 +8709,9 @@
           <a:lstStyle/>
           <a:p>
             <a:r>
-              <a:rPr lang="en-US" dirty="0" smtClean="0"/>
+              <a:rPr lang="en-US" dirty="0"/>
               <a:t>Methods</a:t>
             </a:r>
-            <a:endParaRPr lang="en-US" dirty="0"/>
           </a:p>
         </p:txBody>
       </p:sp>
@@ -8535,13 +8725,6 @@
   <p:clrMapOvr>
     <a:masterClrMapping/>
   </p:clrMapOvr>
-  <p:timing>
-    <p:tnLst>
-      <p:par>
-        <p:cTn id="1" dur="indefinite" restart="never" nodeType="tmRoot"/>
-      </p:par>
-    </p:tnLst>
-  </p:timing>
 </p:sld>
 </file>
 
@@ -8578,10 +8761,9 @@
           <a:lstStyle/>
           <a:p>
             <a:r>
-              <a:rPr lang="en-US" dirty="0" smtClean="0"/>
+              <a:rPr lang="en-US" dirty="0"/>
               <a:t>Gene Collection</a:t>
             </a:r>
-            <a:endParaRPr lang="en-US" dirty="0"/>
           </a:p>
         </p:txBody>
       </p:sp>
@@ -8601,7 +8783,7 @@
           <a:lstStyle/>
           <a:p>
             <a:r>
-              <a:rPr lang="en-US" dirty="0" smtClean="0"/>
+              <a:rPr lang="en-US" dirty="0"/>
               <a:t>Cataract-related genes were collected from:</a:t>
             </a:r>
           </a:p>
@@ -8611,7 +8793,7 @@
               <a:buChar char="•"/>
             </a:pPr>
             <a:r>
-              <a:rPr lang="en-US" dirty="0" smtClean="0"/>
+              <a:rPr lang="en-US" dirty="0"/>
               <a:t>PubMed Gene</a:t>
             </a:r>
           </a:p>
@@ -8621,7 +8803,7 @@
               <a:buChar char="•"/>
             </a:pPr>
             <a:r>
-              <a:rPr lang="en-US" dirty="0" smtClean="0"/>
+              <a:rPr lang="en-US" dirty="0"/>
               <a:t>Using query “cataract &amp; “homo sapiens”[Organism]”</a:t>
             </a:r>
           </a:p>
@@ -8631,10 +8813,10 @@
               <a:buChar char="•"/>
             </a:pPr>
             <a:r>
-              <a:rPr lang="en-US" dirty="0" err="1" smtClean="0"/>
+              <a:rPr lang="en-US" dirty="0" err="1"/>
               <a:t>Phenopedia</a:t>
             </a:r>
-            <a:endParaRPr lang="en-US" dirty="0" smtClean="0"/>
+            <a:endParaRPr lang="en-US" dirty="0"/>
           </a:p>
           <a:p>
             <a:pPr lvl="2">
@@ -8642,10 +8824,9 @@
               <a:buChar char="•"/>
             </a:pPr>
             <a:r>
-              <a:rPr lang="en-US" dirty="0" smtClean="0"/>
+              <a:rPr lang="en-US" dirty="0"/>
               <a:t>Genes found under Cataract disease</a:t>
             </a:r>
-            <a:endParaRPr lang="en-US" dirty="0"/>
           </a:p>
           <a:p>
             <a:pPr lvl="2">
@@ -8672,21 +8853,76 @@
           <a:lstStyle/>
           <a:p>
             <a:r>
-              <a:rPr lang="en-US" dirty="0" smtClean="0"/>
+              <a:rPr lang="en-US" dirty="0"/>
               <a:t>Gene Clustering</a:t>
             </a:r>
+          </a:p>
+        </p:txBody>
+      </p:sp>
+      <p:sp>
+        <p:nvSpPr>
+          <p:cNvPr id="6" name="Content Placeholder 5"/>
+          <p:cNvSpPr>
+            <a:spLocks noGrp="1"/>
+          </p:cNvSpPr>
+          <p:nvPr>
+            <p:ph sz="quarter" idx="4"/>
+          </p:nvPr>
+        </p:nvSpPr>
+        <p:spPr/>
+        <p:txBody>
+          <a:bodyPr/>
+          <a:lstStyle/>
+          <a:p>
+            <a:r>
+              <a:rPr lang="en-US" dirty="0"/>
+              <a:t>Gene collections were submitted separately to </a:t>
+            </a:r>
+            <a:r>
+              <a:rPr lang="en-US" dirty="0" err="1"/>
+              <a:t>GeneFriends:RNASeq</a:t>
+            </a:r>
             <a:endParaRPr lang="en-US" dirty="0"/>
           </a:p>
-        </p:txBody>
-      </p:sp>
-      <p:sp>
-        <p:nvSpPr>
-          <p:cNvPr id="6" name="Content Placeholder 5"/>
-          <p:cNvSpPr>
-            <a:spLocks noGrp="1"/>
-          </p:cNvSpPr>
-          <p:nvPr>
-            <p:ph sz="quarter" idx="4"/>
+          <a:p>
+            <a:r>
+              <a:rPr lang="en-US" dirty="0" err="1"/>
+              <a:t>GeneFriends</a:t>
+            </a:r>
+            <a:r>
+              <a:rPr lang="en-US" dirty="0"/>
+              <a:t>-generated networks were mapped in </a:t>
+            </a:r>
+            <a:r>
+              <a:rPr lang="en-US" dirty="0" err="1"/>
+              <a:t>Cytoscape</a:t>
+            </a:r>
+            <a:endParaRPr lang="en-US" dirty="0"/>
+          </a:p>
+          <a:p>
+            <a:r>
+              <a:rPr lang="en-US" dirty="0"/>
+              <a:t>Clusters were identified via </a:t>
+            </a:r>
+            <a:r>
+              <a:rPr lang="en-US" dirty="0" err="1"/>
+              <a:t>ClusterONE</a:t>
+            </a:r>
+            <a:r>
+              <a:rPr lang="en-US" dirty="0"/>
+              <a:t> app with parameter “Haircut threshold” set to 0.05, all others left as default</a:t>
+            </a:r>
+          </a:p>
+        </p:txBody>
+      </p:sp>
+      <p:sp>
+        <p:nvSpPr>
+          <p:cNvPr id="8" name="Title 7"/>
+          <p:cNvSpPr>
+            <a:spLocks noGrp="1"/>
+          </p:cNvSpPr>
+          <p:nvPr>
+            <p:ph type="title"/>
           </p:nvPr>
         </p:nvSpPr>
         <p:spPr/>
@@ -8695,67 +8931,9 @@
           <a:lstStyle/>
           <a:p>
             <a:r>
-              <a:rPr lang="en-US" dirty="0" smtClean="0"/>
-              <a:t>Gene collections were submitted separately to </a:t>
-            </a:r>
-            <a:r>
-              <a:rPr lang="en-US" dirty="0" err="1" smtClean="0"/>
-              <a:t>GeneFriends:RNASeq</a:t>
-            </a:r>
-            <a:endParaRPr lang="en-US" dirty="0" smtClean="0"/>
-          </a:p>
-          <a:p>
-            <a:r>
-              <a:rPr lang="en-US" dirty="0" err="1" smtClean="0"/>
-              <a:t>GeneFriends</a:t>
-            </a:r>
-            <a:r>
-              <a:rPr lang="en-US" dirty="0" smtClean="0"/>
-              <a:t>-generated networks were mapped in </a:t>
-            </a:r>
-            <a:r>
-              <a:rPr lang="en-US" dirty="0" err="1" smtClean="0"/>
-              <a:t>Cytoscape</a:t>
-            </a:r>
-            <a:endParaRPr lang="en-US" dirty="0" smtClean="0"/>
-          </a:p>
-          <a:p>
-            <a:r>
-              <a:rPr lang="en-US" dirty="0" smtClean="0"/>
-              <a:t>Clusters were identified via </a:t>
-            </a:r>
-            <a:r>
-              <a:rPr lang="en-US" dirty="0" err="1" smtClean="0"/>
-              <a:t>ClusterONE</a:t>
-            </a:r>
-            <a:r>
-              <a:rPr lang="en-US" dirty="0" smtClean="0"/>
-              <a:t> app with parameter “Haircut threshold” set to 0.05, all others left as default</a:t>
-            </a:r>
-            <a:endParaRPr lang="en-US" dirty="0"/>
-          </a:p>
-        </p:txBody>
-      </p:sp>
-      <p:sp>
-        <p:nvSpPr>
-          <p:cNvPr id="8" name="Title 7"/>
-          <p:cNvSpPr>
-            <a:spLocks noGrp="1"/>
-          </p:cNvSpPr>
-          <p:nvPr>
-            <p:ph type="title"/>
-          </p:nvPr>
-        </p:nvSpPr>
-        <p:spPr/>
-        <p:txBody>
-          <a:bodyPr/>
-          <a:lstStyle/>
-          <a:p>
-            <a:r>
-              <a:rPr lang="en-US" dirty="0" smtClean="0"/>
+              <a:rPr lang="en-US" dirty="0"/>
               <a:t>Methods</a:t>
             </a:r>
-            <a:endParaRPr lang="en-US" dirty="0"/>
           </a:p>
         </p:txBody>
       </p:sp>
@@ -8769,13 +8947,6 @@
   <p:clrMapOvr>
     <a:masterClrMapping/>
   </p:clrMapOvr>
-  <p:timing>
-    <p:tnLst>
-      <p:par>
-        <p:cTn id="1" dur="indefinite" restart="never" nodeType="tmRoot"/>
-      </p:par>
-    </p:tnLst>
-  </p:timing>
 </p:sld>
 </file>
 
@@ -8812,21 +8983,116 @@
           <a:lstStyle/>
           <a:p>
             <a:r>
-              <a:rPr lang="en-US" dirty="0" smtClean="0"/>
+              <a:rPr lang="en-US" dirty="0"/>
               <a:t>Methods</a:t>
             </a:r>
+          </a:p>
+        </p:txBody>
+      </p:sp>
+      <p:sp>
+        <p:nvSpPr>
+          <p:cNvPr id="3" name="Text Placeholder 2"/>
+          <p:cNvSpPr>
+            <a:spLocks noGrp="1"/>
+          </p:cNvSpPr>
+          <p:nvPr>
+            <p:ph type="body" idx="1"/>
+          </p:nvPr>
+        </p:nvSpPr>
+        <p:spPr/>
+        <p:txBody>
+          <a:bodyPr/>
+          <a:lstStyle/>
+          <a:p>
+            <a:r>
+              <a:rPr lang="en-US" dirty="0"/>
+              <a:t>Function Analysis</a:t>
+            </a:r>
+          </a:p>
+        </p:txBody>
+      </p:sp>
+      <p:sp>
+        <p:nvSpPr>
+          <p:cNvPr id="4" name="Content Placeholder 3"/>
+          <p:cNvSpPr>
+            <a:spLocks noGrp="1"/>
+          </p:cNvSpPr>
+          <p:nvPr>
+            <p:ph sz="half" idx="2"/>
+          </p:nvPr>
+        </p:nvSpPr>
+        <p:spPr/>
+        <p:txBody>
+          <a:bodyPr/>
+          <a:lstStyle/>
+          <a:p>
+            <a:r>
+              <a:rPr lang="en-US" dirty="0"/>
+              <a:t>Clusters were analyzed within </a:t>
+            </a:r>
+            <a:r>
+              <a:rPr lang="en-US" dirty="0" err="1"/>
+              <a:t>Cytoscape</a:t>
+            </a:r>
+            <a:r>
+              <a:rPr lang="en-US" dirty="0"/>
+              <a:t> using </a:t>
+            </a:r>
+            <a:r>
+              <a:rPr lang="en-US" dirty="0" err="1"/>
+              <a:t>BinGO</a:t>
+            </a:r>
+            <a:r>
+              <a:rPr lang="en-US" dirty="0"/>
+              <a:t> app</a:t>
+            </a:r>
+          </a:p>
+          <a:p>
+            <a:pPr lvl="1"/>
+            <a:r>
+              <a:rPr lang="en-US" dirty="0"/>
+              <a:t>Yielded function results</a:t>
+            </a:r>
+          </a:p>
+          <a:p>
+            <a:r>
+              <a:rPr lang="en-US" dirty="0"/>
+              <a:t>Clusters were extracted from </a:t>
+            </a:r>
+            <a:r>
+              <a:rPr lang="en-US" dirty="0" err="1"/>
+              <a:t>Cytoscape</a:t>
+            </a:r>
+            <a:r>
+              <a:rPr lang="en-US" dirty="0"/>
+              <a:t> and processed in </a:t>
+            </a:r>
+            <a:r>
+              <a:rPr lang="en-US" dirty="0" err="1"/>
+              <a:t>GeneOntology</a:t>
+            </a:r>
             <a:endParaRPr lang="en-US" dirty="0"/>
           </a:p>
-        </p:txBody>
-      </p:sp>
-      <p:sp>
-        <p:nvSpPr>
-          <p:cNvPr id="3" name="Text Placeholder 2"/>
-          <p:cNvSpPr>
-            <a:spLocks noGrp="1"/>
-          </p:cNvSpPr>
-          <p:nvPr>
-            <p:ph type="body" idx="1"/>
+          <a:p>
+            <a:pPr lvl="1"/>
+            <a:r>
+              <a:rPr lang="en-US" dirty="0"/>
+              <a:t>Yielded function and disease connections</a:t>
+            </a:r>
+          </a:p>
+          <a:p>
+            <a:endParaRPr lang="en-US" dirty="0"/>
+          </a:p>
+        </p:txBody>
+      </p:sp>
+      <p:sp>
+        <p:nvSpPr>
+          <p:cNvPr id="5" name="Text Placeholder 4"/>
+          <p:cNvSpPr>
+            <a:spLocks noGrp="1"/>
+          </p:cNvSpPr>
+          <p:nvPr>
+            <p:ph type="body" sz="quarter" idx="3"/>
           </p:nvPr>
         </p:nvSpPr>
         <p:spPr/>
@@ -8835,21 +9101,20 @@
           <a:lstStyle/>
           <a:p>
             <a:r>
-              <a:rPr lang="en-US" dirty="0" smtClean="0"/>
-              <a:t>Function Analysis</a:t>
-            </a:r>
-            <a:endParaRPr lang="en-US" dirty="0"/>
-          </a:p>
-        </p:txBody>
-      </p:sp>
-      <p:sp>
-        <p:nvSpPr>
-          <p:cNvPr id="4" name="Content Placeholder 3"/>
-          <p:cNvSpPr>
-            <a:spLocks noGrp="1"/>
-          </p:cNvSpPr>
-          <p:nvPr>
-            <p:ph sz="half" idx="2"/>
+              <a:rPr lang="en-US" dirty="0"/>
+              <a:t>Pathway Analysis</a:t>
+            </a:r>
+          </a:p>
+        </p:txBody>
+      </p:sp>
+      <p:sp>
+        <p:nvSpPr>
+          <p:cNvPr id="6" name="Content Placeholder 5"/>
+          <p:cNvSpPr>
+            <a:spLocks noGrp="1"/>
+          </p:cNvSpPr>
+          <p:nvPr>
+            <p:ph sz="quarter" idx="4"/>
           </p:nvPr>
         </p:nvSpPr>
         <p:spPr/>
@@ -8858,108 +9123,9 @@
           <a:lstStyle/>
           <a:p>
             <a:r>
-              <a:rPr lang="en-US" dirty="0" smtClean="0"/>
-              <a:t>Clusters were analyzed within </a:t>
-            </a:r>
-            <a:r>
-              <a:rPr lang="en-US" dirty="0" err="1" smtClean="0"/>
-              <a:t>Cytoscape</a:t>
-            </a:r>
-            <a:r>
-              <a:rPr lang="en-US" dirty="0" smtClean="0"/>
-              <a:t> using </a:t>
-            </a:r>
-            <a:r>
-              <a:rPr lang="en-US" dirty="0" err="1" smtClean="0"/>
-              <a:t>BinGO</a:t>
-            </a:r>
-            <a:r>
-              <a:rPr lang="en-US" dirty="0" smtClean="0"/>
-              <a:t> app</a:t>
-            </a:r>
-          </a:p>
-          <a:p>
-            <a:pPr lvl="1"/>
-            <a:r>
-              <a:rPr lang="en-US" dirty="0" smtClean="0"/>
-              <a:t>Yielded function results</a:t>
-            </a:r>
-            <a:endParaRPr lang="en-US" dirty="0"/>
-          </a:p>
-          <a:p>
-            <a:r>
-              <a:rPr lang="en-US" dirty="0" smtClean="0"/>
-              <a:t>Clusters were extracted from </a:t>
-            </a:r>
-            <a:r>
-              <a:rPr lang="en-US" dirty="0" err="1" smtClean="0"/>
-              <a:t>Cytoscape</a:t>
-            </a:r>
-            <a:r>
-              <a:rPr lang="en-US" dirty="0" smtClean="0"/>
-              <a:t> and processed in </a:t>
-            </a:r>
-            <a:r>
-              <a:rPr lang="en-US" dirty="0" err="1" smtClean="0"/>
-              <a:t>GeneOntology</a:t>
-            </a:r>
-            <a:endParaRPr lang="en-US" dirty="0" smtClean="0"/>
-          </a:p>
-          <a:p>
-            <a:pPr lvl="1"/>
-            <a:r>
-              <a:rPr lang="en-US" dirty="0" smtClean="0"/>
-              <a:t>Yielded function and disease connections</a:t>
-            </a:r>
-          </a:p>
-          <a:p>
-            <a:endParaRPr lang="en-US" dirty="0" smtClean="0"/>
-          </a:p>
-        </p:txBody>
-      </p:sp>
-      <p:sp>
-        <p:nvSpPr>
-          <p:cNvPr id="5" name="Text Placeholder 4"/>
-          <p:cNvSpPr>
-            <a:spLocks noGrp="1"/>
-          </p:cNvSpPr>
-          <p:nvPr>
-            <p:ph type="body" sz="quarter" idx="3"/>
-          </p:nvPr>
-        </p:nvSpPr>
-        <p:spPr/>
-        <p:txBody>
-          <a:bodyPr/>
-          <a:lstStyle/>
-          <a:p>
-            <a:r>
-              <a:rPr lang="en-US" dirty="0" smtClean="0"/>
-              <a:t>Pathway Analysis</a:t>
-            </a:r>
-            <a:endParaRPr lang="en-US" dirty="0"/>
-          </a:p>
-        </p:txBody>
-      </p:sp>
-      <p:sp>
-        <p:nvSpPr>
-          <p:cNvPr id="6" name="Content Placeholder 5"/>
-          <p:cNvSpPr>
-            <a:spLocks noGrp="1"/>
-          </p:cNvSpPr>
-          <p:nvPr>
-            <p:ph sz="quarter" idx="4"/>
-          </p:nvPr>
-        </p:nvSpPr>
-        <p:spPr/>
-        <p:txBody>
-          <a:bodyPr/>
-          <a:lstStyle/>
-          <a:p>
-            <a:r>
-              <a:rPr lang="en-US" dirty="0" smtClean="0"/>
+              <a:rPr lang="en-US" dirty="0"/>
               <a:t>Clusters were processed in DAVID and Ingenuity to search for pathways</a:t>
             </a:r>
-            <a:endParaRPr lang="en-US" dirty="0"/>
           </a:p>
         </p:txBody>
       </p:sp>
@@ -8973,13 +9139,6 @@
   <p:clrMapOvr>
     <a:masterClrMapping/>
   </p:clrMapOvr>
-  <p:timing>
-    <p:tnLst>
-      <p:par>
-        <p:cTn id="1" dur="indefinite" restart="never" nodeType="tmRoot"/>
-      </p:par>
-    </p:tnLst>
-  </p:timing>
 </p:sld>
 </file>
 

--- a/Cataract.pptx
+++ b/Cataract.pptx
@@ -5,7 +5,7 @@
     <p:sldMasterId id="2147483660" r:id="rId1"/>
   </p:sldMasterIdLst>
   <p:notesMasterIdLst>
-    <p:notesMasterId r:id="rId23"/>
+    <p:notesMasterId r:id="rId25"/>
   </p:notesMasterIdLst>
   <p:sldIdLst>
     <p:sldId id="257" r:id="rId2"/>
@@ -28,7 +28,9 @@
     <p:sldId id="277" r:id="rId19"/>
     <p:sldId id="279" r:id="rId20"/>
     <p:sldId id="278" r:id="rId21"/>
-    <p:sldId id="280" r:id="rId22"/>
+    <p:sldId id="281" r:id="rId22"/>
+    <p:sldId id="282" r:id="rId23"/>
+    <p:sldId id="280" r:id="rId24"/>
   </p:sldIdLst>
   <p:sldSz cx="12192000" cy="6858000"/>
   <p:notesSz cx="6858000" cy="9144000"/>
@@ -168,6 +170,8 @@
         <p14:section name="Discussion" id="{E912D6C5-E59D-4C4B-AFC3-D4EB802A759C}">
           <p14:sldIdLst>
             <p14:sldId id="278"/>
+            <p14:sldId id="281"/>
+            <p14:sldId id="282"/>
           </p14:sldIdLst>
         </p14:section>
         <p14:section name="Citations" id="{48A66E72-CCBB-4540-B802-D3E3C20AD7D7}">
@@ -5520,6 +5524,13 @@
   <p:clrMapOvr>
     <a:masterClrMapping/>
   </p:clrMapOvr>
+  <p:timing>
+    <p:tnLst>
+      <p:par>
+        <p:cTn id="1" dur="indefinite" restart="never" nodeType="tmRoot"/>
+      </p:par>
+    </p:tnLst>
+  </p:timing>
 </p:sld>
 </file>
 
@@ -5572,6 +5583,13 @@
   <p:clrMapOvr>
     <a:masterClrMapping/>
   </p:clrMapOvr>
+  <p:timing>
+    <p:tnLst>
+      <p:par>
+        <p:cTn id="1" dur="indefinite" restart="never" nodeType="tmRoot"/>
+      </p:par>
+    </p:tnLst>
+  </p:timing>
 </p:sld>
 </file>
 
@@ -5860,6 +5878,13 @@
   <p:clrMapOvr>
     <a:masterClrMapping/>
   </p:clrMapOvr>
+  <p:timing>
+    <p:tnLst>
+      <p:par>
+        <p:cTn id="1" dur="indefinite" restart="never" nodeType="tmRoot"/>
+      </p:par>
+    </p:tnLst>
+  </p:timing>
 </p:sld>
 </file>
 
@@ -6013,6 +6038,13 @@
   <p:clrMapOvr>
     <a:masterClrMapping/>
   </p:clrMapOvr>
+  <p:timing>
+    <p:tnLst>
+      <p:par>
+        <p:cTn id="1" dur="indefinite" restart="never" nodeType="tmRoot"/>
+      </p:par>
+    </p:tnLst>
+  </p:timing>
 </p:sld>
 </file>
 
@@ -6167,6 +6199,13 @@
   <p:clrMapOvr>
     <a:masterClrMapping/>
   </p:clrMapOvr>
+  <p:timing>
+    <p:tnLst>
+      <p:par>
+        <p:cTn id="1" dur="indefinite" restart="never" nodeType="tmRoot"/>
+      </p:par>
+    </p:tnLst>
+  </p:timing>
 </p:sld>
 </file>
 
@@ -6315,6 +6354,13 @@
   <p:clrMapOvr>
     <a:masterClrMapping/>
   </p:clrMapOvr>
+  <p:timing>
+    <p:tnLst>
+      <p:par>
+        <p:cTn id="1" dur="indefinite" restart="never" nodeType="tmRoot"/>
+      </p:par>
+    </p:tnLst>
+  </p:timing>
 </p:sld>
 </file>
 
@@ -6400,8 +6446,8 @@
         </p:blipFill>
         <p:spPr>
           <a:xfrm>
-            <a:off x="889000" y="868184"/>
-            <a:ext cx="6492875" cy="4985108"/>
+            <a:off x="1259208" y="868184"/>
+            <a:ext cx="5752458" cy="4985108"/>
           </a:xfrm>
         </p:spPr>
       </p:pic>
@@ -6439,6 +6485,13 @@
   <p:clrMapOvr>
     <a:masterClrMapping/>
   </p:clrMapOvr>
+  <p:timing>
+    <p:tnLst>
+      <p:par>
+        <p:cTn id="1" dur="indefinite" restart="never" nodeType="tmRoot"/>
+      </p:par>
+    </p:tnLst>
+  </p:timing>
 </p:sld>
 </file>
 
@@ -6519,7 +6572,15 @@
           <a:p>
             <a:r>
               <a:rPr lang="en-US" dirty="0"/>
-              <a:t>A network related to metabolism, especially of sugars and fats. Fatty acids affect the expression of lutein, which is shown to prevent cataract formation (</a:t>
+              <a:t>A network related to metabolism, especially of </a:t>
+            </a:r>
+            <a:r>
+              <a:rPr lang="en-US" dirty="0" smtClean="0"/>
+              <a:t>sugars, fats, and amino acids. </a:t>
+            </a:r>
+            <a:r>
+              <a:rPr lang="en-US" dirty="0"/>
+              <a:t>Fatty acids affect the expression of lutein, which is shown to prevent cataract formation (</a:t>
             </a:r>
             <a:r>
               <a:rPr lang="en-US" dirty="0" err="1"/>
@@ -6619,6 +6680,13 @@
   <p:clrMapOvr>
     <a:masterClrMapping/>
   </p:clrMapOvr>
+  <p:timing>
+    <p:tnLst>
+      <p:par>
+        <p:cTn id="1" dur="indefinite" restart="never" nodeType="tmRoot"/>
+      </p:par>
+    </p:tnLst>
+  </p:timing>
 </p:sld>
 </file>
 
@@ -6676,7 +6744,40 @@
           <a:bodyPr/>
           <a:lstStyle/>
           <a:p>
-            <a:endParaRPr lang="en-US"/>
+            <a:endParaRPr lang="en-US" dirty="0" smtClean="0"/>
+          </a:p>
+          <a:p>
+            <a:endParaRPr lang="en-US" dirty="0"/>
+          </a:p>
+          <a:p>
+            <a:endParaRPr lang="en-US" dirty="0" smtClean="0"/>
+          </a:p>
+          <a:p>
+            <a:endParaRPr lang="en-US" dirty="0"/>
+          </a:p>
+          <a:p>
+            <a:endParaRPr lang="en-US" dirty="0" smtClean="0"/>
+          </a:p>
+          <a:p>
+            <a:endParaRPr lang="en-US" dirty="0"/>
+          </a:p>
+          <a:p>
+            <a:endParaRPr lang="en-US" dirty="0" smtClean="0"/>
+          </a:p>
+          <a:p>
+            <a:r>
+              <a:rPr lang="en-US" dirty="0" smtClean="0"/>
+              <a:t>This network is heavily centered around the TNF (tumor necrosis factor) gene, which has many functions varying from tissue regeneration to apoptosis (</a:t>
+            </a:r>
+            <a:r>
+              <a:rPr lang="en-US" dirty="0" err="1" smtClean="0"/>
+              <a:t>Wajant</a:t>
+            </a:r>
+            <a:r>
+              <a:rPr lang="en-US" dirty="0" smtClean="0"/>
+              <a:t>, et al). </a:t>
+            </a:r>
+            <a:endParaRPr lang="en-US" dirty="0"/>
           </a:p>
         </p:txBody>
       </p:sp>
@@ -6743,6 +6844,13 @@
   <p:clrMapOvr>
     <a:masterClrMapping/>
   </p:clrMapOvr>
+  <p:timing>
+    <p:tnLst>
+      <p:par>
+        <p:cTn id="1" dur="indefinite" restart="never" nodeType="tmRoot"/>
+      </p:par>
+    </p:tnLst>
+  </p:timing>
 </p:sld>
 </file>
 
@@ -6826,6 +6934,13 @@
   <p:clrMapOvr>
     <a:masterClrMapping/>
   </p:clrMapOvr>
+  <p:timing>
+    <p:tnLst>
+      <p:par>
+        <p:cTn id="1" dur="indefinite" restart="never" nodeType="tmRoot"/>
+      </p:par>
+    </p:tnLst>
+  </p:timing>
 </p:sld>
 </file>
 
@@ -7216,6 +7331,13 @@
   <p:clrMapOvr>
     <a:masterClrMapping/>
   </p:clrMapOvr>
+  <p:timing>
+    <p:tnLst>
+      <p:par>
+        <p:cTn id="1" dur="indefinite" restart="never" nodeType="tmRoot"/>
+      </p:par>
+    </p:tnLst>
+  </p:timing>
 </p:sld>
 </file>
 
@@ -7268,11 +7390,18 @@
   <p:clrMapOvr>
     <a:masterClrMapping/>
   </p:clrMapOvr>
+  <p:timing>
+    <p:tnLst>
+      <p:par>
+        <p:cTn id="1" dur="indefinite" restart="never" nodeType="tmRoot"/>
+      </p:par>
+    </p:tnLst>
+  </p:timing>
 </p:sld>
 </file>
 
 <file path=ppt/slides/slide20.xml><?xml version="1.0" encoding="utf-8"?>
-<p:sld xmlns:a="http://schemas.openxmlformats.org/drawingml/2006/main" xmlns:r="http://schemas.openxmlformats.org/officeDocument/2006/relationships" xmlns:p="http://schemas.openxmlformats.org/presentationml/2006/main" show="0">
+<p:sld xmlns:a="http://schemas.openxmlformats.org/drawingml/2006/main" xmlns:r="http://schemas.openxmlformats.org/officeDocument/2006/relationships" xmlns:p="http://schemas.openxmlformats.org/presentationml/2006/main">
   <p:cSld>
     <p:spTree>
       <p:nvGrpSpPr>
@@ -7320,6 +7449,21 @@
   <p:clrMapOvr>
     <a:masterClrMapping/>
   </p:clrMapOvr>
+  <mc:AlternateContent xmlns:mc="http://schemas.openxmlformats.org/markup-compatibility/2006">
+    <mc:Choice xmlns:p14="http://schemas.microsoft.com/office/powerpoint/2010/main" Requires="p14">
+      <p:transition spd="slow" p14:dur="2000"/>
+    </mc:Choice>
+    <mc:Fallback>
+      <p:transition spd="slow"/>
+    </mc:Fallback>
+  </mc:AlternateContent>
+  <p:timing>
+    <p:tnLst>
+      <p:par>
+        <p:cTn id="1" dur="indefinite" restart="never" nodeType="tmRoot"/>
+      </p:par>
+    </p:tnLst>
+  </p:timing>
 </p:sld>
 </file>
 
@@ -7342,6 +7486,344 @@
       </p:grpSpPr>
       <p:sp>
         <p:nvSpPr>
+          <p:cNvPr id="2" name="Title 1"/>
+          <p:cNvSpPr>
+            <a:spLocks noGrp="1"/>
+          </p:cNvSpPr>
+          <p:nvPr>
+            <p:ph type="title"/>
+          </p:nvPr>
+        </p:nvSpPr>
+        <p:spPr/>
+        <p:txBody>
+          <a:bodyPr/>
+          <a:lstStyle/>
+          <a:p>
+            <a:r>
+              <a:rPr lang="en-US" dirty="0" smtClean="0"/>
+              <a:t>Networks</a:t>
+            </a:r>
+            <a:endParaRPr lang="en-US" dirty="0"/>
+          </a:p>
+        </p:txBody>
+      </p:sp>
+      <p:sp>
+        <p:nvSpPr>
+          <p:cNvPr id="3" name="Content Placeholder 2"/>
+          <p:cNvSpPr>
+            <a:spLocks noGrp="1"/>
+          </p:cNvSpPr>
+          <p:nvPr>
+            <p:ph idx="1"/>
+          </p:nvPr>
+        </p:nvSpPr>
+        <p:spPr>
+          <a:xfrm>
+            <a:off x="4081548" y="1845734"/>
+            <a:ext cx="7074131" cy="4023360"/>
+          </a:xfrm>
+        </p:spPr>
+        <p:txBody>
+          <a:bodyPr/>
+          <a:lstStyle/>
+          <a:p>
+            <a:r>
+              <a:rPr lang="en-US" dirty="0" smtClean="0"/>
+              <a:t>The prevalence of keratin genes and keratin-related functions within this network implies that keratin genes play a role in </a:t>
+            </a:r>
+            <a:r>
+              <a:rPr lang="en-US" dirty="0" err="1" smtClean="0"/>
+              <a:t>cataractogenesis</a:t>
+            </a:r>
+            <a:r>
+              <a:rPr lang="en-US" dirty="0" smtClean="0"/>
+              <a:t>. As previously stated, keratin is found in lens epithelial and young fiber cells, and this presence may leave structural and/or chemical remnants that lead to development of cataract.</a:t>
+            </a:r>
+          </a:p>
+          <a:p>
+            <a:endParaRPr lang="en-US" dirty="0"/>
+          </a:p>
+          <a:p>
+            <a:r>
+              <a:rPr lang="en-US" dirty="0" smtClean="0"/>
+              <a:t>Other genes here (LIM2, BFSP1, BFSP2) also encode lens structural proteins, reinforcing the hypothesis that the structural protein keratin is associated with cataract.</a:t>
+            </a:r>
+            <a:endParaRPr lang="en-US" dirty="0"/>
+          </a:p>
+        </p:txBody>
+      </p:sp>
+      <p:pic>
+        <p:nvPicPr>
+          <p:cNvPr id="4" name="Content Placeholder 6"/>
+          <p:cNvPicPr>
+            <a:picLocks noChangeAspect="1"/>
+          </p:cNvPicPr>
+          <p:nvPr/>
+        </p:nvPicPr>
+        <p:blipFill>
+          <a:blip r:embed="rId2" cstate="print">
+            <a:extLst>
+              <a:ext uri="{28A0092B-C50C-407E-A947-70E740481C1C}">
+                <a14:useLocalDpi xmlns:a14="http://schemas.microsoft.com/office/drawing/2010/main" val="0"/>
+              </a:ext>
+            </a:extLst>
+          </a:blip>
+          <a:stretch>
+            <a:fillRect/>
+          </a:stretch>
+        </p:blipFill>
+        <p:spPr>
+          <a:xfrm>
+            <a:off x="979137" y="1845734"/>
+            <a:ext cx="2952783" cy="3126326"/>
+          </a:xfrm>
+          <a:prstGeom prst="rect">
+            <a:avLst/>
+          </a:prstGeom>
+        </p:spPr>
+      </p:pic>
+      <p:sp>
+        <p:nvSpPr>
+          <p:cNvPr id="5" name="TextBox 4"/>
+          <p:cNvSpPr txBox="1"/>
+          <p:nvPr/>
+        </p:nvSpPr>
+        <p:spPr>
+          <a:xfrm>
+            <a:off x="979137" y="5080434"/>
+            <a:ext cx="2119746" cy="338554"/>
+          </a:xfrm>
+          <a:prstGeom prst="rect">
+            <a:avLst/>
+          </a:prstGeom>
+          <a:noFill/>
+        </p:spPr>
+        <p:txBody>
+          <a:bodyPr wrap="square" rtlCol="0">
+            <a:spAutoFit/>
+          </a:bodyPr>
+          <a:lstStyle/>
+          <a:p>
+            <a:r>
+              <a:rPr lang="en-US" sz="1600" dirty="0" smtClean="0"/>
+              <a:t>Network 7-2</a:t>
+            </a:r>
+            <a:endParaRPr lang="en-US" sz="1600" dirty="0"/>
+          </a:p>
+        </p:txBody>
+      </p:sp>
+    </p:spTree>
+    <p:extLst>
+      <p:ext uri="{BB962C8B-B14F-4D97-AF65-F5344CB8AC3E}">
+        <p14:creationId xmlns:p14="http://schemas.microsoft.com/office/powerpoint/2010/main" val="1773326951"/>
+      </p:ext>
+    </p:extLst>
+  </p:cSld>
+  <p:clrMapOvr>
+    <a:masterClrMapping/>
+  </p:clrMapOvr>
+  <p:timing>
+    <p:tnLst>
+      <p:par>
+        <p:cTn id="1" dur="indefinite" restart="never" nodeType="tmRoot"/>
+      </p:par>
+    </p:tnLst>
+  </p:timing>
+</p:sld>
+</file>
+
+<file path=ppt/slides/slide22.xml><?xml version="1.0" encoding="utf-8"?>
+<p:sld xmlns:a="http://schemas.openxmlformats.org/drawingml/2006/main" xmlns:r="http://schemas.openxmlformats.org/officeDocument/2006/relationships" xmlns:p="http://schemas.openxmlformats.org/presentationml/2006/main">
+  <p:cSld>
+    <p:spTree>
+      <p:nvGrpSpPr>
+        <p:cNvPr id="1" name=""/>
+        <p:cNvGrpSpPr/>
+        <p:nvPr/>
+      </p:nvGrpSpPr>
+      <p:grpSpPr>
+        <a:xfrm>
+          <a:off x="0" y="0"/>
+          <a:ext cx="0" cy="0"/>
+          <a:chOff x="0" y="0"/>
+          <a:chExt cx="0" cy="0"/>
+        </a:xfrm>
+      </p:grpSpPr>
+      <p:sp>
+        <p:nvSpPr>
+          <p:cNvPr id="2" name="Title 1"/>
+          <p:cNvSpPr>
+            <a:spLocks noGrp="1"/>
+          </p:cNvSpPr>
+          <p:nvPr>
+            <p:ph type="title"/>
+          </p:nvPr>
+        </p:nvSpPr>
+        <p:spPr/>
+        <p:txBody>
+          <a:bodyPr/>
+          <a:lstStyle/>
+          <a:p>
+            <a:r>
+              <a:rPr lang="en-US" dirty="0" smtClean="0"/>
+              <a:t>Networks</a:t>
+            </a:r>
+            <a:endParaRPr lang="en-US" dirty="0"/>
+          </a:p>
+        </p:txBody>
+      </p:sp>
+      <p:sp>
+        <p:nvSpPr>
+          <p:cNvPr id="3" name="Content Placeholder 2"/>
+          <p:cNvSpPr>
+            <a:spLocks noGrp="1"/>
+          </p:cNvSpPr>
+          <p:nvPr>
+            <p:ph idx="1"/>
+          </p:nvPr>
+        </p:nvSpPr>
+        <p:spPr>
+          <a:xfrm>
+            <a:off x="4081548" y="1845734"/>
+            <a:ext cx="7074131" cy="4023360"/>
+          </a:xfrm>
+        </p:spPr>
+        <p:txBody>
+          <a:bodyPr/>
+          <a:lstStyle/>
+          <a:p>
+            <a:r>
+              <a:rPr lang="en-US" dirty="0" smtClean="0"/>
+              <a:t>TNF affects many of the genes in this network; it causes an increase in DEFB4A/DEFB4B and CHI3L1 genes, and it and CRYBA4/CRYBB2 are both impacted by D-galactose. </a:t>
+            </a:r>
+          </a:p>
+          <a:p>
+            <a:endParaRPr lang="en-US" dirty="0" smtClean="0"/>
+          </a:p>
+          <a:p>
+            <a:r>
+              <a:rPr lang="en-US" dirty="0" smtClean="0"/>
+              <a:t>The DEFB4 genes encode </a:t>
+            </a:r>
+            <a:r>
+              <a:rPr lang="en-US" dirty="0" err="1" smtClean="0"/>
+              <a:t>defensin</a:t>
+            </a:r>
+            <a:r>
+              <a:rPr lang="en-US" dirty="0" smtClean="0"/>
+              <a:t> antimicrobial protein, and CHI3L1 encodes a chitin-</a:t>
+            </a:r>
+            <a:r>
+              <a:rPr lang="en-US" dirty="0" err="1" smtClean="0"/>
+              <a:t>hydrolysing</a:t>
+            </a:r>
+            <a:r>
+              <a:rPr lang="en-US" dirty="0" smtClean="0"/>
+              <a:t> enzyme; this may mean that antimicrobial pathways play a role in cataract, and may even imply that cataract is affected by microbial factors.</a:t>
+            </a:r>
+            <a:endParaRPr lang="en-US" dirty="0"/>
+          </a:p>
+        </p:txBody>
+      </p:sp>
+      <p:pic>
+        <p:nvPicPr>
+          <p:cNvPr id="4" name="Content Placeholder 6"/>
+          <p:cNvPicPr>
+            <a:picLocks noChangeAspect="1"/>
+          </p:cNvPicPr>
+          <p:nvPr/>
+        </p:nvPicPr>
+        <p:blipFill>
+          <a:blip r:embed="rId2" cstate="print">
+            <a:extLst>
+              <a:ext uri="{28A0092B-C50C-407E-A947-70E740481C1C}">
+                <a14:useLocalDpi xmlns:a14="http://schemas.microsoft.com/office/drawing/2010/main" val="0"/>
+              </a:ext>
+            </a:extLst>
+          </a:blip>
+          <a:stretch>
+            <a:fillRect/>
+          </a:stretch>
+        </p:blipFill>
+        <p:spPr>
+          <a:xfrm>
+            <a:off x="979137" y="2164079"/>
+            <a:ext cx="2952783" cy="2489636"/>
+          </a:xfrm>
+          <a:prstGeom prst="rect">
+            <a:avLst/>
+          </a:prstGeom>
+        </p:spPr>
+      </p:pic>
+      <p:sp>
+        <p:nvSpPr>
+          <p:cNvPr id="5" name="TextBox 4"/>
+          <p:cNvSpPr txBox="1"/>
+          <p:nvPr/>
+        </p:nvSpPr>
+        <p:spPr>
+          <a:xfrm>
+            <a:off x="979137" y="5080434"/>
+            <a:ext cx="2119746" cy="338554"/>
+          </a:xfrm>
+          <a:prstGeom prst="rect">
+            <a:avLst/>
+          </a:prstGeom>
+          <a:noFill/>
+        </p:spPr>
+        <p:txBody>
+          <a:bodyPr wrap="square" rtlCol="0">
+            <a:spAutoFit/>
+          </a:bodyPr>
+          <a:lstStyle/>
+          <a:p>
+            <a:r>
+              <a:rPr lang="en-US" sz="1600" dirty="0" smtClean="0"/>
+              <a:t>Network 21-1</a:t>
+            </a:r>
+            <a:endParaRPr lang="en-US" sz="1600" dirty="0"/>
+          </a:p>
+        </p:txBody>
+      </p:sp>
+    </p:spTree>
+    <p:extLst>
+      <p:ext uri="{BB962C8B-B14F-4D97-AF65-F5344CB8AC3E}">
+        <p14:creationId xmlns:p14="http://schemas.microsoft.com/office/powerpoint/2010/main" val="308099246"/>
+      </p:ext>
+    </p:extLst>
+  </p:cSld>
+  <p:clrMapOvr>
+    <a:masterClrMapping/>
+  </p:clrMapOvr>
+  <p:timing>
+    <p:tnLst>
+      <p:par>
+        <p:cTn id="1" dur="indefinite" restart="never" nodeType="tmRoot"/>
+      </p:par>
+    </p:tnLst>
+  </p:timing>
+</p:sld>
+</file>
+
+<file path=ppt/slides/slide23.xml><?xml version="1.0" encoding="utf-8"?>
+<p:sld xmlns:a="http://schemas.openxmlformats.org/drawingml/2006/main" xmlns:r="http://schemas.openxmlformats.org/officeDocument/2006/relationships" xmlns:p="http://schemas.openxmlformats.org/presentationml/2006/main">
+  <p:cSld>
+    <p:spTree>
+      <p:nvGrpSpPr>
+        <p:cNvPr id="1" name=""/>
+        <p:cNvGrpSpPr/>
+        <p:nvPr/>
+      </p:nvGrpSpPr>
+      <p:grpSpPr>
+        <a:xfrm>
+          <a:off x="0" y="0"/>
+          <a:ext cx="0" cy="0"/>
+          <a:chOff x="0" y="0"/>
+          <a:chExt cx="0" cy="0"/>
+        </a:xfrm>
+      </p:grpSpPr>
+      <p:sp>
+        <p:nvSpPr>
           <p:cNvPr id="2" name="Title 1">
             <a:extLst>
               <a:ext uri="{FF2B5EF4-FFF2-40B4-BE49-F238E27FC236}">
@@ -7460,8 +7942,39 @@
             </a:r>
             <a:r>
               <a:rPr lang="en-US" dirty="0"/>
-              <a:t>, vol. 13, no. 3, May 1999, pp. 409–416., doi:10.1038/eye.1999.115.</a:t>
-            </a:r>
+              <a:t>, vol. 13, no. 3, May 1999, pp. 409–416., doi:10.1038/eye.1999.115</a:t>
+            </a:r>
+            <a:r>
+              <a:rPr lang="en-US" dirty="0" smtClean="0"/>
+              <a:t>.</a:t>
+            </a:r>
+          </a:p>
+          <a:p>
+            <a:pPr marL="574675" indent="-457200">
+              <a:buNone/>
+            </a:pPr>
+            <a:r>
+              <a:rPr lang="en-US" dirty="0" err="1"/>
+              <a:t>Wajant</a:t>
+            </a:r>
+            <a:r>
+              <a:rPr lang="en-US" dirty="0"/>
+              <a:t>, H, et al. “Tumor Necrosis Factor Signaling.” </a:t>
+            </a:r>
+            <a:r>
+              <a:rPr lang="en-US" i="1" dirty="0"/>
+              <a:t>Cell Death &amp; Differentiation</a:t>
+            </a:r>
+            <a:r>
+              <a:rPr lang="en-US" dirty="0"/>
+              <a:t>, vol. 10, no. 1, 2003, pp. 45–65., doi:10.1038/sj.cdd.4401189.</a:t>
+            </a:r>
+          </a:p>
+          <a:p>
+            <a:pPr marL="574675" indent="-457200">
+              <a:buNone/>
+            </a:pPr>
+            <a:endParaRPr lang="en-US" dirty="0"/>
           </a:p>
           <a:p>
             <a:pPr marL="574675" indent="-457200">
@@ -7870,6 +8383,13 @@
   <p:clrMapOvr>
     <a:masterClrMapping/>
   </p:clrMapOvr>
+  <p:timing>
+    <p:tnLst>
+      <p:par>
+        <p:cTn id="1" dur="indefinite" restart="never" nodeType="tmRoot"/>
+      </p:par>
+    </p:tnLst>
+  </p:timing>
 </p:sld>
 </file>
 
@@ -8252,6 +8772,13 @@
   <p:clrMapOvr>
     <a:masterClrMapping/>
   </p:clrMapOvr>
+  <p:timing>
+    <p:tnLst>
+      <p:par>
+        <p:cTn id="1" dur="indefinite" restart="never" nodeType="tmRoot"/>
+      </p:par>
+    </p:tnLst>
+  </p:timing>
 </p:sld>
 </file>
 
@@ -8467,6 +8994,13 @@
   <p:clrMapOvr>
     <a:masterClrMapping/>
   </p:clrMapOvr>
+  <p:timing>
+    <p:tnLst>
+      <p:par>
+        <p:cTn id="1" dur="indefinite" restart="never" nodeType="tmRoot"/>
+      </p:par>
+    </p:tnLst>
+  </p:timing>
 </p:sld>
 </file>
 
@@ -8673,6 +9207,13 @@
   <p:clrMapOvr>
     <a:masterClrMapping/>
   </p:clrMapOvr>
+  <p:timing>
+    <p:tnLst>
+      <p:par>
+        <p:cTn id="1" dur="indefinite" restart="never" nodeType="tmRoot"/>
+      </p:par>
+    </p:tnLst>
+  </p:timing>
 </p:sld>
 </file>
 
@@ -8715,6 +9256,842 @@
           </a:p>
         </p:txBody>
       </p:sp>
+      <p:grpSp>
+        <p:nvGrpSpPr>
+          <p:cNvPr id="28" name="Group 27"/>
+          <p:cNvGrpSpPr/>
+          <p:nvPr/>
+        </p:nvGrpSpPr>
+        <p:grpSpPr>
+          <a:xfrm>
+            <a:off x="2601884" y="806332"/>
+            <a:ext cx="6365150" cy="3389076"/>
+            <a:chOff x="2601884" y="806332"/>
+            <a:chExt cx="6365150" cy="3389076"/>
+          </a:xfrm>
+        </p:grpSpPr>
+        <p:grpSp>
+          <p:nvGrpSpPr>
+            <p:cNvPr id="7" name="Group 6"/>
+            <p:cNvGrpSpPr/>
+            <p:nvPr/>
+          </p:nvGrpSpPr>
+          <p:grpSpPr>
+            <a:xfrm>
+              <a:off x="2601884" y="806333"/>
+              <a:ext cx="1737360" cy="2086495"/>
+              <a:chOff x="1371600" y="1296785"/>
+              <a:chExt cx="1280160" cy="1571106"/>
+            </a:xfrm>
+          </p:grpSpPr>
+          <p:sp>
+            <p:nvSpPr>
+              <p:cNvPr id="2" name="Rounded Rectangle 1"/>
+              <p:cNvSpPr/>
+              <p:nvPr/>
+            </p:nvSpPr>
+            <p:spPr>
+              <a:xfrm>
+                <a:off x="1371600" y="1296785"/>
+                <a:ext cx="1280160" cy="1571106"/>
+              </a:xfrm>
+              <a:prstGeom prst="roundRect">
+                <a:avLst/>
+              </a:prstGeom>
+              <a:solidFill>
+                <a:schemeClr val="bg1"/>
+              </a:solidFill>
+            </p:spPr>
+            <p:style>
+              <a:lnRef idx="2">
+                <a:schemeClr val="accent1">
+                  <a:shade val="50000"/>
+                </a:schemeClr>
+              </a:lnRef>
+              <a:fillRef idx="1">
+                <a:schemeClr val="accent1"/>
+              </a:fillRef>
+              <a:effectRef idx="0">
+                <a:schemeClr val="accent1"/>
+              </a:effectRef>
+              <a:fontRef idx="minor">
+                <a:schemeClr val="lt1"/>
+              </a:fontRef>
+            </p:style>
+            <p:txBody>
+              <a:bodyPr rtlCol="0" anchor="ctr"/>
+              <a:lstStyle/>
+              <a:p>
+                <a:pPr algn="ctr"/>
+                <a:endParaRPr lang="en-US" dirty="0" smtClean="0"/>
+              </a:p>
+              <a:p>
+                <a:pPr algn="ctr"/>
+                <a:endParaRPr lang="en-US" dirty="0" smtClean="0"/>
+              </a:p>
+              <a:p>
+                <a:pPr algn="ctr"/>
+                <a:endParaRPr lang="en-US" sz="1100" dirty="0" smtClean="0">
+                  <a:solidFill>
+                    <a:sysClr val="windowText" lastClr="000000"/>
+                  </a:solidFill>
+                </a:endParaRPr>
+              </a:p>
+              <a:p>
+                <a:pPr algn="ctr"/>
+                <a:endParaRPr lang="en-US" sz="1100" dirty="0">
+                  <a:solidFill>
+                    <a:sysClr val="windowText" lastClr="000000"/>
+                  </a:solidFill>
+                </a:endParaRPr>
+              </a:p>
+              <a:p>
+                <a:pPr algn="ctr"/>
+                <a:endParaRPr lang="en-US" sz="1100" dirty="0" smtClean="0">
+                  <a:solidFill>
+                    <a:sysClr val="windowText" lastClr="000000"/>
+                  </a:solidFill>
+                </a:endParaRPr>
+              </a:p>
+              <a:p>
+                <a:pPr algn="ctr"/>
+                <a:endParaRPr lang="en-US" sz="1100" dirty="0" smtClean="0">
+                  <a:solidFill>
+                    <a:sysClr val="windowText" lastClr="000000"/>
+                  </a:solidFill>
+                </a:endParaRPr>
+              </a:p>
+              <a:p>
+                <a:pPr algn="ctr"/>
+                <a:endParaRPr lang="en-US" sz="1100" dirty="0">
+                  <a:solidFill>
+                    <a:sysClr val="windowText" lastClr="000000"/>
+                  </a:solidFill>
+                </a:endParaRPr>
+              </a:p>
+              <a:p>
+                <a:pPr algn="ctr"/>
+                <a:r>
+                  <a:rPr lang="en-US" sz="1100" dirty="0" smtClean="0">
+                    <a:solidFill>
+                      <a:sysClr val="windowText" lastClr="000000"/>
+                    </a:solidFill>
+                  </a:rPr>
+                  <a:t>Gene Collection</a:t>
+                </a:r>
+                <a:endParaRPr lang="en-US" sz="1100" dirty="0">
+                  <a:solidFill>
+                    <a:sysClr val="windowText" lastClr="000000"/>
+                  </a:solidFill>
+                </a:endParaRPr>
+              </a:p>
+            </p:txBody>
+          </p:sp>
+          <p:pic>
+            <p:nvPicPr>
+              <p:cNvPr id="5" name="Picture 4"/>
+              <p:cNvPicPr>
+                <a:picLocks noChangeAspect="1"/>
+              </p:cNvPicPr>
+              <p:nvPr/>
+            </p:nvPicPr>
+            <p:blipFill>
+              <a:blip r:embed="rId2">
+                <a:extLst>
+                  <a:ext uri="{28A0092B-C50C-407E-A947-70E740481C1C}">
+                    <a14:useLocalDpi xmlns:a14="http://schemas.microsoft.com/office/drawing/2010/main" val="0"/>
+                  </a:ext>
+                </a:extLst>
+              </a:blip>
+              <a:stretch>
+                <a:fillRect/>
+              </a:stretch>
+            </p:blipFill>
+            <p:spPr>
+              <a:xfrm>
+                <a:off x="1904481" y="1709922"/>
+                <a:ext cx="563534" cy="563534"/>
+              </a:xfrm>
+              <a:prstGeom prst="rect">
+                <a:avLst/>
+              </a:prstGeom>
+            </p:spPr>
+          </p:pic>
+          <p:pic>
+            <p:nvPicPr>
+              <p:cNvPr id="4" name="Picture 3"/>
+              <p:cNvPicPr>
+                <a:picLocks noChangeAspect="1"/>
+              </p:cNvPicPr>
+              <p:nvPr/>
+            </p:nvPicPr>
+            <p:blipFill>
+              <a:blip r:embed="rId3">
+                <a:extLst>
+                  <a:ext uri="{28A0092B-C50C-407E-A947-70E740481C1C}">
+                    <a14:useLocalDpi xmlns:a14="http://schemas.microsoft.com/office/drawing/2010/main" val="0"/>
+                  </a:ext>
+                </a:extLst>
+              </a:blip>
+              <a:stretch>
+                <a:fillRect/>
+              </a:stretch>
+            </p:blipFill>
+            <p:spPr>
+              <a:xfrm>
+                <a:off x="1479666" y="1492740"/>
+                <a:ext cx="606829" cy="365653"/>
+              </a:xfrm>
+              <a:prstGeom prst="rect">
+                <a:avLst/>
+              </a:prstGeom>
+            </p:spPr>
+          </p:pic>
+        </p:grpSp>
+        <p:grpSp>
+          <p:nvGrpSpPr>
+            <p:cNvPr id="14" name="Group 13"/>
+            <p:cNvGrpSpPr/>
+            <p:nvPr/>
+          </p:nvGrpSpPr>
+          <p:grpSpPr>
+            <a:xfrm>
+              <a:off x="4915779" y="806332"/>
+              <a:ext cx="1737360" cy="2086495"/>
+              <a:chOff x="4458579" y="656703"/>
+              <a:chExt cx="1737360" cy="2086495"/>
+            </a:xfrm>
+          </p:grpSpPr>
+          <p:sp>
+            <p:nvSpPr>
+              <p:cNvPr id="10" name="Rounded Rectangle 9"/>
+              <p:cNvSpPr/>
+              <p:nvPr/>
+            </p:nvSpPr>
+            <p:spPr>
+              <a:xfrm>
+                <a:off x="4458579" y="656703"/>
+                <a:ext cx="1737360" cy="2086495"/>
+              </a:xfrm>
+              <a:prstGeom prst="roundRect">
+                <a:avLst/>
+              </a:prstGeom>
+              <a:solidFill>
+                <a:schemeClr val="bg1"/>
+              </a:solidFill>
+            </p:spPr>
+            <p:style>
+              <a:lnRef idx="2">
+                <a:schemeClr val="accent1">
+                  <a:shade val="50000"/>
+                </a:schemeClr>
+              </a:lnRef>
+              <a:fillRef idx="1">
+                <a:schemeClr val="accent1"/>
+              </a:fillRef>
+              <a:effectRef idx="0">
+                <a:schemeClr val="accent1"/>
+              </a:effectRef>
+              <a:fontRef idx="minor">
+                <a:schemeClr val="lt1"/>
+              </a:fontRef>
+            </p:style>
+            <p:txBody>
+              <a:bodyPr rtlCol="0" anchor="ctr"/>
+              <a:lstStyle/>
+              <a:p>
+                <a:pPr algn="ctr"/>
+                <a:endParaRPr lang="en-US" dirty="0" smtClean="0"/>
+              </a:p>
+              <a:p>
+                <a:pPr algn="ctr"/>
+                <a:endParaRPr lang="en-US" dirty="0" smtClean="0"/>
+              </a:p>
+              <a:p>
+                <a:pPr algn="ctr"/>
+                <a:endParaRPr lang="en-US" sz="1100" dirty="0" smtClean="0">
+                  <a:solidFill>
+                    <a:sysClr val="windowText" lastClr="000000"/>
+                  </a:solidFill>
+                </a:endParaRPr>
+              </a:p>
+              <a:p>
+                <a:pPr algn="ctr"/>
+                <a:endParaRPr lang="en-US" sz="1100" dirty="0">
+                  <a:solidFill>
+                    <a:sysClr val="windowText" lastClr="000000"/>
+                  </a:solidFill>
+                </a:endParaRPr>
+              </a:p>
+              <a:p>
+                <a:pPr algn="ctr"/>
+                <a:endParaRPr lang="en-US" sz="1100" dirty="0" smtClean="0">
+                  <a:solidFill>
+                    <a:sysClr val="windowText" lastClr="000000"/>
+                  </a:solidFill>
+                </a:endParaRPr>
+              </a:p>
+              <a:p>
+                <a:pPr algn="ctr"/>
+                <a:endParaRPr lang="en-US" sz="1100" dirty="0" smtClean="0">
+                  <a:solidFill>
+                    <a:sysClr val="windowText" lastClr="000000"/>
+                  </a:solidFill>
+                </a:endParaRPr>
+              </a:p>
+              <a:p>
+                <a:pPr algn="ctr"/>
+                <a:endParaRPr lang="en-US" sz="1100" dirty="0">
+                  <a:solidFill>
+                    <a:sysClr val="windowText" lastClr="000000"/>
+                  </a:solidFill>
+                </a:endParaRPr>
+              </a:p>
+              <a:p>
+                <a:pPr algn="ctr"/>
+                <a:r>
+                  <a:rPr lang="en-US" sz="1100" dirty="0" smtClean="0">
+                    <a:solidFill>
+                      <a:sysClr val="windowText" lastClr="000000"/>
+                    </a:solidFill>
+                  </a:rPr>
+                  <a:t>Gene Clustering</a:t>
+                </a:r>
+                <a:endParaRPr lang="en-US" sz="1100" dirty="0">
+                  <a:solidFill>
+                    <a:sysClr val="windowText" lastClr="000000"/>
+                  </a:solidFill>
+                </a:endParaRPr>
+              </a:p>
+            </p:txBody>
+          </p:sp>
+          <p:pic>
+            <p:nvPicPr>
+              <p:cNvPr id="9" name="Picture 8"/>
+              <p:cNvPicPr>
+                <a:picLocks noChangeAspect="1"/>
+              </p:cNvPicPr>
+              <p:nvPr/>
+            </p:nvPicPr>
+            <p:blipFill>
+              <a:blip r:embed="rId4" cstate="print">
+                <a:extLst>
+                  <a:ext uri="{28A0092B-C50C-407E-A947-70E740481C1C}">
+                    <a14:useLocalDpi xmlns:a14="http://schemas.microsoft.com/office/drawing/2010/main" val="0"/>
+                  </a:ext>
+                </a:extLst>
+              </a:blip>
+              <a:stretch>
+                <a:fillRect/>
+              </a:stretch>
+            </p:blipFill>
+            <p:spPr>
+              <a:xfrm>
+                <a:off x="4605240" y="861170"/>
+                <a:ext cx="589608" cy="485940"/>
+              </a:xfrm>
+              <a:prstGeom prst="rect">
+                <a:avLst/>
+              </a:prstGeom>
+            </p:spPr>
+          </p:pic>
+          <p:pic>
+            <p:nvPicPr>
+              <p:cNvPr id="11" name="Picture 10"/>
+              <p:cNvPicPr>
+                <a:picLocks noChangeAspect="1"/>
+              </p:cNvPicPr>
+              <p:nvPr/>
+            </p:nvPicPr>
+            <p:blipFill>
+              <a:blip r:embed="rId5" cstate="print">
+                <a:extLst>
+                  <a:ext uri="{28A0092B-C50C-407E-A947-70E740481C1C}">
+                    <a14:useLocalDpi xmlns:a14="http://schemas.microsoft.com/office/drawing/2010/main" val="0"/>
+                  </a:ext>
+                </a:extLst>
+              </a:blip>
+              <a:stretch>
+                <a:fillRect/>
+              </a:stretch>
+            </p:blipFill>
+            <p:spPr>
+              <a:xfrm>
+                <a:off x="5270400" y="1110146"/>
+                <a:ext cx="731826" cy="731826"/>
+              </a:xfrm>
+              <a:prstGeom prst="rect">
+                <a:avLst/>
+              </a:prstGeom>
+            </p:spPr>
+          </p:pic>
+          <p:pic>
+            <p:nvPicPr>
+              <p:cNvPr id="12" name="Picture 11"/>
+              <p:cNvPicPr>
+                <a:picLocks noChangeAspect="1"/>
+              </p:cNvPicPr>
+              <p:nvPr/>
+            </p:nvPicPr>
+            <p:blipFill>
+              <a:blip r:embed="rId6">
+                <a:extLst>
+                  <a:ext uri="{28A0092B-C50C-407E-A947-70E740481C1C}">
+                    <a14:useLocalDpi xmlns:a14="http://schemas.microsoft.com/office/drawing/2010/main" val="0"/>
+                  </a:ext>
+                </a:extLst>
+              </a:blip>
+              <a:stretch>
+                <a:fillRect/>
+              </a:stretch>
+            </p:blipFill>
+            <p:spPr>
+              <a:xfrm>
+                <a:off x="4900044" y="1833815"/>
+                <a:ext cx="421629" cy="416610"/>
+              </a:xfrm>
+              <a:prstGeom prst="rect">
+                <a:avLst/>
+              </a:prstGeom>
+            </p:spPr>
+          </p:pic>
+        </p:grpSp>
+        <p:grpSp>
+          <p:nvGrpSpPr>
+            <p:cNvPr id="18" name="Group 17"/>
+            <p:cNvGrpSpPr/>
+            <p:nvPr/>
+          </p:nvGrpSpPr>
+          <p:grpSpPr>
+            <a:xfrm>
+              <a:off x="7229674" y="806332"/>
+              <a:ext cx="1737360" cy="2086495"/>
+              <a:chOff x="7007760" y="656702"/>
+              <a:chExt cx="1737360" cy="2086495"/>
+            </a:xfrm>
+          </p:grpSpPr>
+          <p:sp>
+            <p:nvSpPr>
+              <p:cNvPr id="13" name="Rounded Rectangle 12"/>
+              <p:cNvSpPr/>
+              <p:nvPr/>
+            </p:nvSpPr>
+            <p:spPr>
+              <a:xfrm>
+                <a:off x="7007760" y="656702"/>
+                <a:ext cx="1737360" cy="2086495"/>
+              </a:xfrm>
+              <a:prstGeom prst="roundRect">
+                <a:avLst/>
+              </a:prstGeom>
+              <a:solidFill>
+                <a:schemeClr val="bg1"/>
+              </a:solidFill>
+            </p:spPr>
+            <p:style>
+              <a:lnRef idx="2">
+                <a:schemeClr val="accent1">
+                  <a:shade val="50000"/>
+                </a:schemeClr>
+              </a:lnRef>
+              <a:fillRef idx="1">
+                <a:schemeClr val="accent1"/>
+              </a:fillRef>
+              <a:effectRef idx="0">
+                <a:schemeClr val="accent1"/>
+              </a:effectRef>
+              <a:fontRef idx="minor">
+                <a:schemeClr val="lt1"/>
+              </a:fontRef>
+            </p:style>
+            <p:txBody>
+              <a:bodyPr rtlCol="0" anchor="ctr"/>
+              <a:lstStyle/>
+              <a:p>
+                <a:pPr algn="ctr"/>
+                <a:endParaRPr lang="en-US" dirty="0" smtClean="0"/>
+              </a:p>
+              <a:p>
+                <a:pPr algn="ctr"/>
+                <a:endParaRPr lang="en-US" dirty="0" smtClean="0"/>
+              </a:p>
+              <a:p>
+                <a:pPr algn="ctr"/>
+                <a:endParaRPr lang="en-US" sz="1100" dirty="0" smtClean="0">
+                  <a:solidFill>
+                    <a:sysClr val="windowText" lastClr="000000"/>
+                  </a:solidFill>
+                </a:endParaRPr>
+              </a:p>
+              <a:p>
+                <a:pPr algn="ctr"/>
+                <a:endParaRPr lang="en-US" sz="1100" dirty="0">
+                  <a:solidFill>
+                    <a:sysClr val="windowText" lastClr="000000"/>
+                  </a:solidFill>
+                </a:endParaRPr>
+              </a:p>
+              <a:p>
+                <a:pPr algn="ctr"/>
+                <a:endParaRPr lang="en-US" sz="1100" dirty="0" smtClean="0">
+                  <a:solidFill>
+                    <a:sysClr val="windowText" lastClr="000000"/>
+                  </a:solidFill>
+                </a:endParaRPr>
+              </a:p>
+              <a:p>
+                <a:pPr algn="ctr"/>
+                <a:endParaRPr lang="en-US" sz="1100" dirty="0" smtClean="0">
+                  <a:solidFill>
+                    <a:sysClr val="windowText" lastClr="000000"/>
+                  </a:solidFill>
+                </a:endParaRPr>
+              </a:p>
+              <a:p>
+                <a:pPr algn="ctr"/>
+                <a:endParaRPr lang="en-US" sz="1100" dirty="0">
+                  <a:solidFill>
+                    <a:sysClr val="windowText" lastClr="000000"/>
+                  </a:solidFill>
+                </a:endParaRPr>
+              </a:p>
+              <a:p>
+                <a:pPr algn="ctr"/>
+                <a:r>
+                  <a:rPr lang="en-US" sz="1100" dirty="0" smtClean="0">
+                    <a:solidFill>
+                      <a:sysClr val="windowText" lastClr="000000"/>
+                    </a:solidFill>
+                  </a:rPr>
+                  <a:t>Function Analysis</a:t>
+                </a:r>
+                <a:endParaRPr lang="en-US" sz="1100" dirty="0">
+                  <a:solidFill>
+                    <a:sysClr val="windowText" lastClr="000000"/>
+                  </a:solidFill>
+                </a:endParaRPr>
+              </a:p>
+            </p:txBody>
+          </p:sp>
+          <p:pic>
+            <p:nvPicPr>
+              <p:cNvPr id="15" name="Picture 14"/>
+              <p:cNvPicPr>
+                <a:picLocks noChangeAspect="1"/>
+              </p:cNvPicPr>
+              <p:nvPr/>
+            </p:nvPicPr>
+            <p:blipFill>
+              <a:blip r:embed="rId7" cstate="print">
+                <a:extLst>
+                  <a:ext uri="{28A0092B-C50C-407E-A947-70E740481C1C}">
+                    <a14:useLocalDpi xmlns:a14="http://schemas.microsoft.com/office/drawing/2010/main" val="0"/>
+                  </a:ext>
+                </a:extLst>
+              </a:blip>
+              <a:stretch>
+                <a:fillRect/>
+              </a:stretch>
+            </p:blipFill>
+            <p:spPr>
+              <a:xfrm>
+                <a:off x="7146868" y="784221"/>
+                <a:ext cx="421146" cy="421146"/>
+              </a:xfrm>
+              <a:prstGeom prst="rect">
+                <a:avLst/>
+              </a:prstGeom>
+            </p:spPr>
+          </p:pic>
+          <p:pic>
+            <p:nvPicPr>
+              <p:cNvPr id="16" name="Picture 15"/>
+              <p:cNvPicPr>
+                <a:picLocks noChangeAspect="1"/>
+              </p:cNvPicPr>
+              <p:nvPr/>
+            </p:nvPicPr>
+            <p:blipFill>
+              <a:blip r:embed="rId8">
+                <a:extLst>
+                  <a:ext uri="{28A0092B-C50C-407E-A947-70E740481C1C}">
+                    <a14:useLocalDpi xmlns:a14="http://schemas.microsoft.com/office/drawing/2010/main" val="0"/>
+                  </a:ext>
+                </a:extLst>
+              </a:blip>
+              <a:stretch>
+                <a:fillRect/>
+              </a:stretch>
+            </p:blipFill>
+            <p:spPr>
+              <a:xfrm>
+                <a:off x="7820111" y="916941"/>
+                <a:ext cx="609600" cy="609600"/>
+              </a:xfrm>
+              <a:prstGeom prst="rect">
+                <a:avLst/>
+              </a:prstGeom>
+            </p:spPr>
+          </p:pic>
+          <p:pic>
+            <p:nvPicPr>
+              <p:cNvPr id="17" name="Picture 16"/>
+              <p:cNvPicPr>
+                <a:picLocks noChangeAspect="1"/>
+              </p:cNvPicPr>
+              <p:nvPr/>
+            </p:nvPicPr>
+            <p:blipFill>
+              <a:blip r:embed="rId9" cstate="print">
+                <a:extLst>
+                  <a:ext uri="{28A0092B-C50C-407E-A947-70E740481C1C}">
+                    <a14:useLocalDpi xmlns:a14="http://schemas.microsoft.com/office/drawing/2010/main" val="0"/>
+                  </a:ext>
+                </a:extLst>
+              </a:blip>
+              <a:stretch>
+                <a:fillRect/>
+              </a:stretch>
+            </p:blipFill>
+            <p:spPr>
+              <a:xfrm>
+                <a:off x="7146868" y="1420695"/>
+                <a:ext cx="1220079" cy="640541"/>
+              </a:xfrm>
+              <a:prstGeom prst="rect">
+                <a:avLst/>
+              </a:prstGeom>
+            </p:spPr>
+          </p:pic>
+        </p:grpSp>
+        <p:grpSp>
+          <p:nvGrpSpPr>
+            <p:cNvPr id="21" name="Group 20"/>
+            <p:cNvGrpSpPr/>
+            <p:nvPr/>
+          </p:nvGrpSpPr>
+          <p:grpSpPr>
+            <a:xfrm>
+              <a:off x="6459426" y="3150547"/>
+              <a:ext cx="1044861" cy="1044861"/>
+              <a:chOff x="7238321" y="3153066"/>
+              <a:chExt cx="1044861" cy="1044861"/>
+            </a:xfrm>
+          </p:grpSpPr>
+          <p:sp>
+            <p:nvSpPr>
+              <p:cNvPr id="19" name="Oval 18"/>
+              <p:cNvSpPr/>
+              <p:nvPr/>
+            </p:nvSpPr>
+            <p:spPr>
+              <a:xfrm>
+                <a:off x="7238321" y="3153066"/>
+                <a:ext cx="1044861" cy="1044861"/>
+              </a:xfrm>
+              <a:prstGeom prst="ellipse">
+                <a:avLst/>
+              </a:prstGeom>
+              <a:solidFill>
+                <a:schemeClr val="bg1"/>
+              </a:solidFill>
+              <a:ln>
+                <a:solidFill>
+                  <a:srgbClr val="FF0000"/>
+                </a:solidFill>
+              </a:ln>
+            </p:spPr>
+            <p:style>
+              <a:lnRef idx="2">
+                <a:schemeClr val="accent1">
+                  <a:shade val="50000"/>
+                </a:schemeClr>
+              </a:lnRef>
+              <a:fillRef idx="1">
+                <a:schemeClr val="accent1"/>
+              </a:fillRef>
+              <a:effectRef idx="0">
+                <a:schemeClr val="accent1"/>
+              </a:effectRef>
+              <a:fontRef idx="minor">
+                <a:schemeClr val="lt1"/>
+              </a:fontRef>
+            </p:style>
+            <p:txBody>
+              <a:bodyPr rtlCol="0" anchor="ctr"/>
+              <a:lstStyle/>
+              <a:p>
+                <a:pPr algn="ctr"/>
+                <a:endParaRPr lang="en-US" sz="1100" dirty="0" smtClean="0"/>
+              </a:p>
+              <a:p>
+                <a:pPr algn="ctr"/>
+                <a:endParaRPr lang="en-US" sz="1100" dirty="0"/>
+              </a:p>
+              <a:p>
+                <a:pPr algn="ctr"/>
+                <a:r>
+                  <a:rPr lang="en-US" sz="1100" dirty="0" smtClean="0">
+                    <a:solidFill>
+                      <a:schemeClr val="tx1"/>
+                    </a:solidFill>
+                  </a:rPr>
+                  <a:t>Pathway Analysis</a:t>
+                </a:r>
+                <a:endParaRPr lang="en-US" sz="1100" dirty="0">
+                  <a:solidFill>
+                    <a:schemeClr val="tx1"/>
+                  </a:solidFill>
+                </a:endParaRPr>
+              </a:p>
+            </p:txBody>
+          </p:sp>
+          <p:pic>
+            <p:nvPicPr>
+              <p:cNvPr id="20" name="Picture 19"/>
+              <p:cNvPicPr>
+                <a:picLocks noChangeAspect="1"/>
+              </p:cNvPicPr>
+              <p:nvPr/>
+            </p:nvPicPr>
+            <p:blipFill>
+              <a:blip r:embed="rId10" cstate="print">
+                <a:extLst>
+                  <a:ext uri="{28A0092B-C50C-407E-A947-70E740481C1C}">
+                    <a14:useLocalDpi xmlns:a14="http://schemas.microsoft.com/office/drawing/2010/main" val="0"/>
+                  </a:ext>
+                </a:extLst>
+              </a:blip>
+              <a:stretch>
+                <a:fillRect/>
+              </a:stretch>
+            </p:blipFill>
+            <p:spPr>
+              <a:xfrm>
+                <a:off x="7439887" y="3396581"/>
+                <a:ext cx="641728" cy="163788"/>
+              </a:xfrm>
+              <a:prstGeom prst="rect">
+                <a:avLst/>
+              </a:prstGeom>
+              <a:ln>
+                <a:noFill/>
+              </a:ln>
+            </p:spPr>
+          </p:pic>
+        </p:grpSp>
+        <p:cxnSp>
+          <p:nvCxnSpPr>
+            <p:cNvPr id="23" name="Straight Arrow Connector 22"/>
+            <p:cNvCxnSpPr>
+              <a:stCxn id="2" idx="3"/>
+              <a:endCxn id="10" idx="1"/>
+            </p:cNvCxnSpPr>
+            <p:nvPr/>
+          </p:nvCxnSpPr>
+          <p:spPr>
+            <a:xfrm flipV="1">
+              <a:off x="4339244" y="1849580"/>
+              <a:ext cx="576535" cy="1"/>
+            </a:xfrm>
+            <a:prstGeom prst="straightConnector1">
+              <a:avLst/>
+            </a:prstGeom>
+            <a:ln>
+              <a:tailEnd type="triangle"/>
+            </a:ln>
+          </p:spPr>
+          <p:style>
+            <a:lnRef idx="1">
+              <a:schemeClr val="accent1"/>
+            </a:lnRef>
+            <a:fillRef idx="0">
+              <a:schemeClr val="accent1"/>
+            </a:fillRef>
+            <a:effectRef idx="0">
+              <a:schemeClr val="accent1"/>
+            </a:effectRef>
+            <a:fontRef idx="minor">
+              <a:schemeClr val="tx1"/>
+            </a:fontRef>
+          </p:style>
+        </p:cxnSp>
+        <p:cxnSp>
+          <p:nvCxnSpPr>
+            <p:cNvPr id="25" name="Straight Arrow Connector 24"/>
+            <p:cNvCxnSpPr>
+              <a:stCxn id="10" idx="3"/>
+              <a:endCxn id="13" idx="1"/>
+            </p:cNvCxnSpPr>
+            <p:nvPr/>
+          </p:nvCxnSpPr>
+          <p:spPr>
+            <a:xfrm>
+              <a:off x="6653139" y="1849580"/>
+              <a:ext cx="576535" cy="0"/>
+            </a:xfrm>
+            <a:prstGeom prst="straightConnector1">
+              <a:avLst/>
+            </a:prstGeom>
+            <a:ln>
+              <a:tailEnd type="triangle"/>
+            </a:ln>
+          </p:spPr>
+          <p:style>
+            <a:lnRef idx="1">
+              <a:schemeClr val="accent1"/>
+            </a:lnRef>
+            <a:fillRef idx="0">
+              <a:schemeClr val="accent1"/>
+            </a:fillRef>
+            <a:effectRef idx="0">
+              <a:schemeClr val="accent1"/>
+            </a:effectRef>
+            <a:fontRef idx="minor">
+              <a:schemeClr val="tx1"/>
+            </a:fontRef>
+          </p:style>
+        </p:cxnSp>
+        <p:cxnSp>
+          <p:nvCxnSpPr>
+            <p:cNvPr id="27" name="Elbow Connector 26"/>
+            <p:cNvCxnSpPr>
+              <a:stCxn id="10" idx="2"/>
+              <a:endCxn id="19" idx="2"/>
+            </p:cNvCxnSpPr>
+            <p:nvPr/>
+          </p:nvCxnSpPr>
+          <p:spPr>
+            <a:xfrm rot="16200000" flipH="1">
+              <a:off x="5731867" y="2945418"/>
+              <a:ext cx="780151" cy="674967"/>
+            </a:xfrm>
+            <a:prstGeom prst="bentConnector2">
+              <a:avLst/>
+            </a:prstGeom>
+            <a:ln>
+              <a:solidFill>
+                <a:srgbClr val="FF0000"/>
+              </a:solidFill>
+              <a:tailEnd type="triangle"/>
+            </a:ln>
+          </p:spPr>
+          <p:style>
+            <a:lnRef idx="1">
+              <a:schemeClr val="accent1"/>
+            </a:lnRef>
+            <a:fillRef idx="0">
+              <a:schemeClr val="accent1"/>
+            </a:fillRef>
+            <a:effectRef idx="0">
+              <a:schemeClr val="accent1"/>
+            </a:effectRef>
+            <a:fontRef idx="minor">
+              <a:schemeClr val="tx1"/>
+            </a:fontRef>
+          </p:style>
+        </p:cxnSp>
+      </p:grpSp>
     </p:spTree>
     <p:extLst>
       <p:ext uri="{BB962C8B-B14F-4D97-AF65-F5344CB8AC3E}">
@@ -8725,6 +10102,13 @@
   <p:clrMapOvr>
     <a:masterClrMapping/>
   </p:clrMapOvr>
+  <p:timing>
+    <p:tnLst>
+      <p:par>
+        <p:cTn id="1" dur="indefinite" restart="never" nodeType="tmRoot"/>
+      </p:par>
+    </p:tnLst>
+  </p:timing>
 </p:sld>
 </file>
 
@@ -8937,6 +10321,333 @@
           </a:p>
         </p:txBody>
       </p:sp>
+      <p:grpSp>
+        <p:nvGrpSpPr>
+          <p:cNvPr id="28" name="Group 27"/>
+          <p:cNvGrpSpPr/>
+          <p:nvPr/>
+        </p:nvGrpSpPr>
+        <p:grpSpPr>
+          <a:xfrm>
+            <a:off x="10341032" y="613849"/>
+            <a:ext cx="1138843" cy="606368"/>
+            <a:chOff x="2601884" y="806332"/>
+            <a:chExt cx="6365150" cy="3389076"/>
+          </a:xfrm>
+        </p:grpSpPr>
+        <p:sp>
+          <p:nvSpPr>
+            <p:cNvPr id="46" name="Rounded Rectangle 45"/>
+            <p:cNvSpPr/>
+            <p:nvPr/>
+          </p:nvSpPr>
+          <p:spPr>
+            <a:xfrm>
+              <a:off x="2601884" y="806332"/>
+              <a:ext cx="1737359" cy="2086496"/>
+            </a:xfrm>
+            <a:prstGeom prst="roundRect">
+              <a:avLst/>
+            </a:prstGeom>
+            <a:solidFill>
+              <a:srgbClr val="FF0000"/>
+            </a:solidFill>
+            <a:ln>
+              <a:solidFill>
+                <a:srgbClr val="A75F0A"/>
+              </a:solidFill>
+            </a:ln>
+          </p:spPr>
+          <p:style>
+            <a:lnRef idx="2">
+              <a:schemeClr val="accent1">
+                <a:shade val="50000"/>
+              </a:schemeClr>
+            </a:lnRef>
+            <a:fillRef idx="1">
+              <a:schemeClr val="accent1"/>
+            </a:fillRef>
+            <a:effectRef idx="0">
+              <a:schemeClr val="accent1"/>
+            </a:effectRef>
+            <a:fontRef idx="minor">
+              <a:schemeClr val="lt1"/>
+            </a:fontRef>
+          </p:style>
+          <p:txBody>
+            <a:bodyPr rtlCol="0" anchor="ctr"/>
+            <a:lstStyle/>
+            <a:p>
+              <a:pPr algn="ctr"/>
+              <a:endParaRPr lang="en-US" sz="1100" dirty="0">
+                <a:solidFill>
+                  <a:sysClr val="windowText" lastClr="000000"/>
+                </a:solidFill>
+              </a:endParaRPr>
+            </a:p>
+          </p:txBody>
+        </p:sp>
+        <p:sp>
+          <p:nvSpPr>
+            <p:cNvPr id="42" name="Rounded Rectangle 41"/>
+            <p:cNvSpPr/>
+            <p:nvPr/>
+          </p:nvSpPr>
+          <p:spPr>
+            <a:xfrm>
+              <a:off x="4915780" y="806332"/>
+              <a:ext cx="1737359" cy="2086496"/>
+            </a:xfrm>
+            <a:prstGeom prst="roundRect">
+              <a:avLst/>
+            </a:prstGeom>
+            <a:solidFill>
+              <a:srgbClr val="FF0000"/>
+            </a:solidFill>
+          </p:spPr>
+          <p:style>
+            <a:lnRef idx="2">
+              <a:schemeClr val="accent1">
+                <a:shade val="50000"/>
+              </a:schemeClr>
+            </a:lnRef>
+            <a:fillRef idx="1">
+              <a:schemeClr val="accent1"/>
+            </a:fillRef>
+            <a:effectRef idx="0">
+              <a:schemeClr val="accent1"/>
+            </a:effectRef>
+            <a:fontRef idx="minor">
+              <a:schemeClr val="lt1"/>
+            </a:fontRef>
+          </p:style>
+          <p:txBody>
+            <a:bodyPr rtlCol="0" anchor="ctr"/>
+            <a:lstStyle/>
+            <a:p>
+              <a:pPr algn="ctr"/>
+              <a:endParaRPr lang="en-US" sz="1100" dirty="0">
+                <a:solidFill>
+                  <a:sysClr val="windowText" lastClr="000000"/>
+                </a:solidFill>
+              </a:endParaRPr>
+            </a:p>
+          </p:txBody>
+        </p:sp>
+        <p:sp>
+          <p:nvSpPr>
+            <p:cNvPr id="38" name="Rounded Rectangle 37"/>
+            <p:cNvSpPr/>
+            <p:nvPr/>
+          </p:nvSpPr>
+          <p:spPr>
+            <a:xfrm>
+              <a:off x="7229675" y="806332"/>
+              <a:ext cx="1737359" cy="2086496"/>
+            </a:xfrm>
+            <a:prstGeom prst="roundRect">
+              <a:avLst/>
+            </a:prstGeom>
+            <a:solidFill>
+              <a:schemeClr val="bg1"/>
+            </a:solidFill>
+          </p:spPr>
+          <p:style>
+            <a:lnRef idx="2">
+              <a:schemeClr val="accent1">
+                <a:shade val="50000"/>
+              </a:schemeClr>
+            </a:lnRef>
+            <a:fillRef idx="1">
+              <a:schemeClr val="accent1"/>
+            </a:fillRef>
+            <a:effectRef idx="0">
+              <a:schemeClr val="accent1"/>
+            </a:effectRef>
+            <a:fontRef idx="minor">
+              <a:schemeClr val="lt1"/>
+            </a:fontRef>
+          </p:style>
+          <p:txBody>
+            <a:bodyPr rtlCol="0" anchor="ctr"/>
+            <a:lstStyle/>
+            <a:p>
+              <a:pPr algn="ctr"/>
+              <a:endParaRPr lang="en-US" sz="1100" dirty="0">
+                <a:solidFill>
+                  <a:sysClr val="windowText" lastClr="000000"/>
+                </a:solidFill>
+              </a:endParaRPr>
+            </a:p>
+          </p:txBody>
+        </p:sp>
+        <p:sp>
+          <p:nvSpPr>
+            <p:cNvPr id="36" name="Oval 35"/>
+            <p:cNvSpPr/>
+            <p:nvPr/>
+          </p:nvSpPr>
+          <p:spPr>
+            <a:xfrm>
+              <a:off x="6459427" y="3150547"/>
+              <a:ext cx="1044861" cy="1044861"/>
+            </a:xfrm>
+            <a:prstGeom prst="ellipse">
+              <a:avLst/>
+            </a:prstGeom>
+            <a:solidFill>
+              <a:schemeClr val="bg1"/>
+            </a:solidFill>
+            <a:ln>
+              <a:solidFill>
+                <a:srgbClr val="A75F0A"/>
+              </a:solidFill>
+            </a:ln>
+          </p:spPr>
+          <p:style>
+            <a:lnRef idx="2">
+              <a:schemeClr val="accent1">
+                <a:shade val="50000"/>
+              </a:schemeClr>
+            </a:lnRef>
+            <a:fillRef idx="1">
+              <a:schemeClr val="accent1"/>
+            </a:fillRef>
+            <a:effectRef idx="0">
+              <a:schemeClr val="accent1"/>
+            </a:effectRef>
+            <a:fontRef idx="minor">
+              <a:schemeClr val="lt1"/>
+            </a:fontRef>
+          </p:style>
+          <p:txBody>
+            <a:bodyPr rtlCol="0" anchor="ctr"/>
+            <a:lstStyle/>
+            <a:p>
+              <a:pPr algn="ctr"/>
+              <a:endParaRPr lang="en-US" sz="1100" dirty="0">
+                <a:solidFill>
+                  <a:schemeClr val="tx1"/>
+                </a:solidFill>
+              </a:endParaRPr>
+            </a:p>
+          </p:txBody>
+        </p:sp>
+        <p:cxnSp>
+          <p:nvCxnSpPr>
+            <p:cNvPr id="33" name="Straight Arrow Connector 32"/>
+            <p:cNvCxnSpPr>
+              <a:stCxn id="46" idx="3"/>
+              <a:endCxn id="42" idx="1"/>
+            </p:cNvCxnSpPr>
+            <p:nvPr/>
+          </p:nvCxnSpPr>
+          <p:spPr>
+            <a:xfrm flipV="1">
+              <a:off x="4339244" y="1849580"/>
+              <a:ext cx="576535" cy="1"/>
+            </a:xfrm>
+            <a:prstGeom prst="straightConnector1">
+              <a:avLst/>
+            </a:prstGeom>
+            <a:ln>
+              <a:solidFill>
+                <a:srgbClr val="E48312"/>
+              </a:solidFill>
+              <a:tailEnd type="triangle"/>
+            </a:ln>
+          </p:spPr>
+          <p:style>
+            <a:lnRef idx="1">
+              <a:schemeClr val="accent1"/>
+            </a:lnRef>
+            <a:fillRef idx="0">
+              <a:schemeClr val="accent1"/>
+            </a:fillRef>
+            <a:effectRef idx="0">
+              <a:schemeClr val="accent1"/>
+            </a:effectRef>
+            <a:fontRef idx="minor">
+              <a:schemeClr val="tx1"/>
+            </a:fontRef>
+          </p:style>
+        </p:cxnSp>
+        <p:cxnSp>
+          <p:nvCxnSpPr>
+            <p:cNvPr id="34" name="Straight Arrow Connector 33"/>
+            <p:cNvCxnSpPr>
+              <a:stCxn id="42" idx="3"/>
+              <a:endCxn id="38" idx="1"/>
+            </p:cNvCxnSpPr>
+            <p:nvPr/>
+          </p:nvCxnSpPr>
+          <p:spPr>
+            <a:xfrm>
+              <a:off x="6653139" y="1849580"/>
+              <a:ext cx="576535" cy="0"/>
+            </a:xfrm>
+            <a:prstGeom prst="straightConnector1">
+              <a:avLst/>
+            </a:prstGeom>
+            <a:ln>
+              <a:tailEnd type="triangle"/>
+            </a:ln>
+          </p:spPr>
+          <p:style>
+            <a:lnRef idx="1">
+              <a:schemeClr val="accent1"/>
+            </a:lnRef>
+            <a:fillRef idx="0">
+              <a:schemeClr val="accent1"/>
+            </a:fillRef>
+            <a:effectRef idx="0">
+              <a:schemeClr val="accent1"/>
+            </a:effectRef>
+            <a:fontRef idx="minor">
+              <a:schemeClr val="tx1"/>
+            </a:fontRef>
+          </p:style>
+        </p:cxnSp>
+        <p:cxnSp>
+          <p:nvCxnSpPr>
+            <p:cNvPr id="35" name="Elbow Connector 34"/>
+            <p:cNvCxnSpPr>
+              <a:stCxn id="42" idx="2"/>
+              <a:endCxn id="36" idx="2"/>
+            </p:cNvCxnSpPr>
+            <p:nvPr/>
+          </p:nvCxnSpPr>
+          <p:spPr>
+            <a:xfrm rot="16200000" flipH="1">
+              <a:off x="5731867" y="2945418"/>
+              <a:ext cx="780151" cy="674967"/>
+            </a:xfrm>
+            <a:prstGeom prst="bentConnector2">
+              <a:avLst/>
+            </a:prstGeom>
+            <a:ln>
+              <a:solidFill>
+                <a:srgbClr val="E48312"/>
+              </a:solidFill>
+              <a:tailEnd type="triangle"/>
+            </a:ln>
+          </p:spPr>
+          <p:style>
+            <a:lnRef idx="1">
+              <a:schemeClr val="accent1"/>
+            </a:lnRef>
+            <a:fillRef idx="0">
+              <a:schemeClr val="accent1"/>
+            </a:fillRef>
+            <a:effectRef idx="0">
+              <a:schemeClr val="accent1"/>
+            </a:effectRef>
+            <a:fontRef idx="minor">
+              <a:schemeClr val="tx1"/>
+            </a:fontRef>
+          </p:style>
+        </p:cxnSp>
+      </p:grpSp>
     </p:spTree>
     <p:extLst>
       <p:ext uri="{BB962C8B-B14F-4D97-AF65-F5344CB8AC3E}">
@@ -8947,6 +10658,13 @@
   <p:clrMapOvr>
     <a:masterClrMapping/>
   </p:clrMapOvr>
+  <p:timing>
+    <p:tnLst>
+      <p:par>
+        <p:cTn id="1" dur="indefinite" restart="never" nodeType="tmRoot"/>
+      </p:par>
+    </p:tnLst>
+  </p:timing>
 </p:sld>
 </file>
 
@@ -9129,6 +10847,333 @@
           </a:p>
         </p:txBody>
       </p:sp>
+      <p:grpSp>
+        <p:nvGrpSpPr>
+          <p:cNvPr id="7" name="Group 6"/>
+          <p:cNvGrpSpPr/>
+          <p:nvPr/>
+        </p:nvGrpSpPr>
+        <p:grpSpPr>
+          <a:xfrm>
+            <a:off x="10341032" y="613849"/>
+            <a:ext cx="1138843" cy="606368"/>
+            <a:chOff x="2601884" y="806332"/>
+            <a:chExt cx="6365150" cy="3389076"/>
+          </a:xfrm>
+        </p:grpSpPr>
+        <p:sp>
+          <p:nvSpPr>
+            <p:cNvPr id="8" name="Rounded Rectangle 7"/>
+            <p:cNvSpPr/>
+            <p:nvPr/>
+          </p:nvSpPr>
+          <p:spPr>
+            <a:xfrm>
+              <a:off x="2601884" y="806332"/>
+              <a:ext cx="1737359" cy="2086496"/>
+            </a:xfrm>
+            <a:prstGeom prst="roundRect">
+              <a:avLst/>
+            </a:prstGeom>
+            <a:solidFill>
+              <a:schemeClr val="bg1"/>
+            </a:solidFill>
+            <a:ln>
+              <a:solidFill>
+                <a:srgbClr val="A75F0A"/>
+              </a:solidFill>
+            </a:ln>
+          </p:spPr>
+          <p:style>
+            <a:lnRef idx="2">
+              <a:schemeClr val="accent1">
+                <a:shade val="50000"/>
+              </a:schemeClr>
+            </a:lnRef>
+            <a:fillRef idx="1">
+              <a:schemeClr val="accent1"/>
+            </a:fillRef>
+            <a:effectRef idx="0">
+              <a:schemeClr val="accent1"/>
+            </a:effectRef>
+            <a:fontRef idx="minor">
+              <a:schemeClr val="lt1"/>
+            </a:fontRef>
+          </p:style>
+          <p:txBody>
+            <a:bodyPr rtlCol="0" anchor="ctr"/>
+            <a:lstStyle/>
+            <a:p>
+              <a:pPr algn="ctr"/>
+              <a:endParaRPr lang="en-US" sz="1100" dirty="0">
+                <a:solidFill>
+                  <a:sysClr val="windowText" lastClr="000000"/>
+                </a:solidFill>
+              </a:endParaRPr>
+            </a:p>
+          </p:txBody>
+        </p:sp>
+        <p:sp>
+          <p:nvSpPr>
+            <p:cNvPr id="9" name="Rounded Rectangle 8"/>
+            <p:cNvSpPr/>
+            <p:nvPr/>
+          </p:nvSpPr>
+          <p:spPr>
+            <a:xfrm>
+              <a:off x="4915780" y="806332"/>
+              <a:ext cx="1737359" cy="2086496"/>
+            </a:xfrm>
+            <a:prstGeom prst="roundRect">
+              <a:avLst/>
+            </a:prstGeom>
+            <a:solidFill>
+              <a:schemeClr val="bg1"/>
+            </a:solidFill>
+          </p:spPr>
+          <p:style>
+            <a:lnRef idx="2">
+              <a:schemeClr val="accent1">
+                <a:shade val="50000"/>
+              </a:schemeClr>
+            </a:lnRef>
+            <a:fillRef idx="1">
+              <a:schemeClr val="accent1"/>
+            </a:fillRef>
+            <a:effectRef idx="0">
+              <a:schemeClr val="accent1"/>
+            </a:effectRef>
+            <a:fontRef idx="minor">
+              <a:schemeClr val="lt1"/>
+            </a:fontRef>
+          </p:style>
+          <p:txBody>
+            <a:bodyPr rtlCol="0" anchor="ctr"/>
+            <a:lstStyle/>
+            <a:p>
+              <a:pPr algn="ctr"/>
+              <a:endParaRPr lang="en-US" sz="1100" dirty="0">
+                <a:solidFill>
+                  <a:sysClr val="windowText" lastClr="000000"/>
+                </a:solidFill>
+              </a:endParaRPr>
+            </a:p>
+          </p:txBody>
+        </p:sp>
+        <p:sp>
+          <p:nvSpPr>
+            <p:cNvPr id="10" name="Rounded Rectangle 9"/>
+            <p:cNvSpPr/>
+            <p:nvPr/>
+          </p:nvSpPr>
+          <p:spPr>
+            <a:xfrm>
+              <a:off x="7229675" y="806332"/>
+              <a:ext cx="1737359" cy="2086496"/>
+            </a:xfrm>
+            <a:prstGeom prst="roundRect">
+              <a:avLst/>
+            </a:prstGeom>
+            <a:solidFill>
+              <a:srgbClr val="FF0000"/>
+            </a:solidFill>
+          </p:spPr>
+          <p:style>
+            <a:lnRef idx="2">
+              <a:schemeClr val="accent1">
+                <a:shade val="50000"/>
+              </a:schemeClr>
+            </a:lnRef>
+            <a:fillRef idx="1">
+              <a:schemeClr val="accent1"/>
+            </a:fillRef>
+            <a:effectRef idx="0">
+              <a:schemeClr val="accent1"/>
+            </a:effectRef>
+            <a:fontRef idx="minor">
+              <a:schemeClr val="lt1"/>
+            </a:fontRef>
+          </p:style>
+          <p:txBody>
+            <a:bodyPr rtlCol="0" anchor="ctr"/>
+            <a:lstStyle/>
+            <a:p>
+              <a:pPr algn="ctr"/>
+              <a:endParaRPr lang="en-US" sz="1100" dirty="0">
+                <a:solidFill>
+                  <a:sysClr val="windowText" lastClr="000000"/>
+                </a:solidFill>
+              </a:endParaRPr>
+            </a:p>
+          </p:txBody>
+        </p:sp>
+        <p:sp>
+          <p:nvSpPr>
+            <p:cNvPr id="11" name="Oval 10"/>
+            <p:cNvSpPr/>
+            <p:nvPr/>
+          </p:nvSpPr>
+          <p:spPr>
+            <a:xfrm>
+              <a:off x="6459427" y="3150547"/>
+              <a:ext cx="1044861" cy="1044861"/>
+            </a:xfrm>
+            <a:prstGeom prst="ellipse">
+              <a:avLst/>
+            </a:prstGeom>
+            <a:solidFill>
+              <a:srgbClr val="FF0000"/>
+            </a:solidFill>
+            <a:ln>
+              <a:solidFill>
+                <a:srgbClr val="A75F0A"/>
+              </a:solidFill>
+            </a:ln>
+          </p:spPr>
+          <p:style>
+            <a:lnRef idx="2">
+              <a:schemeClr val="accent1">
+                <a:shade val="50000"/>
+              </a:schemeClr>
+            </a:lnRef>
+            <a:fillRef idx="1">
+              <a:schemeClr val="accent1"/>
+            </a:fillRef>
+            <a:effectRef idx="0">
+              <a:schemeClr val="accent1"/>
+            </a:effectRef>
+            <a:fontRef idx="minor">
+              <a:schemeClr val="lt1"/>
+            </a:fontRef>
+          </p:style>
+          <p:txBody>
+            <a:bodyPr rtlCol="0" anchor="ctr"/>
+            <a:lstStyle/>
+            <a:p>
+              <a:pPr algn="ctr"/>
+              <a:endParaRPr lang="en-US" sz="1100" dirty="0">
+                <a:solidFill>
+                  <a:schemeClr val="tx1"/>
+                </a:solidFill>
+              </a:endParaRPr>
+            </a:p>
+          </p:txBody>
+        </p:sp>
+        <p:cxnSp>
+          <p:nvCxnSpPr>
+            <p:cNvPr id="12" name="Straight Arrow Connector 11"/>
+            <p:cNvCxnSpPr>
+              <a:stCxn id="8" idx="3"/>
+              <a:endCxn id="9" idx="1"/>
+            </p:cNvCxnSpPr>
+            <p:nvPr/>
+          </p:nvCxnSpPr>
+          <p:spPr>
+            <a:xfrm flipV="1">
+              <a:off x="4339244" y="1849580"/>
+              <a:ext cx="576535" cy="1"/>
+            </a:xfrm>
+            <a:prstGeom prst="straightConnector1">
+              <a:avLst/>
+            </a:prstGeom>
+            <a:ln>
+              <a:solidFill>
+                <a:srgbClr val="E48312"/>
+              </a:solidFill>
+              <a:tailEnd type="triangle"/>
+            </a:ln>
+          </p:spPr>
+          <p:style>
+            <a:lnRef idx="1">
+              <a:schemeClr val="accent1"/>
+            </a:lnRef>
+            <a:fillRef idx="0">
+              <a:schemeClr val="accent1"/>
+            </a:fillRef>
+            <a:effectRef idx="0">
+              <a:schemeClr val="accent1"/>
+            </a:effectRef>
+            <a:fontRef idx="minor">
+              <a:schemeClr val="tx1"/>
+            </a:fontRef>
+          </p:style>
+        </p:cxnSp>
+        <p:cxnSp>
+          <p:nvCxnSpPr>
+            <p:cNvPr id="13" name="Straight Arrow Connector 12"/>
+            <p:cNvCxnSpPr>
+              <a:stCxn id="9" idx="3"/>
+              <a:endCxn id="10" idx="1"/>
+            </p:cNvCxnSpPr>
+            <p:nvPr/>
+          </p:nvCxnSpPr>
+          <p:spPr>
+            <a:xfrm>
+              <a:off x="6653139" y="1849580"/>
+              <a:ext cx="576535" cy="0"/>
+            </a:xfrm>
+            <a:prstGeom prst="straightConnector1">
+              <a:avLst/>
+            </a:prstGeom>
+            <a:ln>
+              <a:tailEnd type="triangle"/>
+            </a:ln>
+          </p:spPr>
+          <p:style>
+            <a:lnRef idx="1">
+              <a:schemeClr val="accent1"/>
+            </a:lnRef>
+            <a:fillRef idx="0">
+              <a:schemeClr val="accent1"/>
+            </a:fillRef>
+            <a:effectRef idx="0">
+              <a:schemeClr val="accent1"/>
+            </a:effectRef>
+            <a:fontRef idx="minor">
+              <a:schemeClr val="tx1"/>
+            </a:fontRef>
+          </p:style>
+        </p:cxnSp>
+        <p:cxnSp>
+          <p:nvCxnSpPr>
+            <p:cNvPr id="14" name="Elbow Connector 13"/>
+            <p:cNvCxnSpPr>
+              <a:stCxn id="9" idx="2"/>
+              <a:endCxn id="11" idx="2"/>
+            </p:cNvCxnSpPr>
+            <p:nvPr/>
+          </p:nvCxnSpPr>
+          <p:spPr>
+            <a:xfrm rot="16200000" flipH="1">
+              <a:off x="5731867" y="2945418"/>
+              <a:ext cx="780151" cy="674967"/>
+            </a:xfrm>
+            <a:prstGeom prst="bentConnector2">
+              <a:avLst/>
+            </a:prstGeom>
+            <a:ln>
+              <a:solidFill>
+                <a:srgbClr val="E48312"/>
+              </a:solidFill>
+              <a:tailEnd type="triangle"/>
+            </a:ln>
+          </p:spPr>
+          <p:style>
+            <a:lnRef idx="1">
+              <a:schemeClr val="accent1"/>
+            </a:lnRef>
+            <a:fillRef idx="0">
+              <a:schemeClr val="accent1"/>
+            </a:fillRef>
+            <a:effectRef idx="0">
+              <a:schemeClr val="accent1"/>
+            </a:effectRef>
+            <a:fontRef idx="minor">
+              <a:schemeClr val="tx1"/>
+            </a:fontRef>
+          </p:style>
+        </p:cxnSp>
+      </p:grpSp>
     </p:spTree>
     <p:extLst>
       <p:ext uri="{BB962C8B-B14F-4D97-AF65-F5344CB8AC3E}">
@@ -9139,6 +11184,13 @@
   <p:clrMapOvr>
     <a:masterClrMapping/>
   </p:clrMapOvr>
+  <p:timing>
+    <p:tnLst>
+      <p:par>
+        <p:cTn id="1" dur="indefinite" restart="never" nodeType="tmRoot"/>
+      </p:par>
+    </p:tnLst>
+  </p:timing>
 </p:sld>
 </file>
 

--- a/Cataract.pptx
+++ b/Cataract.pptx
@@ -5,32 +5,34 @@
     <p:sldMasterId id="2147483660" r:id="rId1"/>
   </p:sldMasterIdLst>
   <p:notesMasterIdLst>
-    <p:notesMasterId r:id="rId25"/>
+    <p:notesMasterId r:id="rId27"/>
   </p:notesMasterIdLst>
   <p:sldIdLst>
     <p:sldId id="257" r:id="rId2"/>
-    <p:sldId id="260" r:id="rId3"/>
-    <p:sldId id="258" r:id="rId4"/>
-    <p:sldId id="259" r:id="rId5"/>
-    <p:sldId id="263" r:id="rId6"/>
-    <p:sldId id="269" r:id="rId7"/>
-    <p:sldId id="261" r:id="rId8"/>
-    <p:sldId id="266" r:id="rId9"/>
-    <p:sldId id="267" r:id="rId10"/>
-    <p:sldId id="262" r:id="rId11"/>
-    <p:sldId id="271" r:id="rId12"/>
-    <p:sldId id="270" r:id="rId13"/>
-    <p:sldId id="272" r:id="rId14"/>
-    <p:sldId id="273" r:id="rId15"/>
-    <p:sldId id="274" r:id="rId16"/>
-    <p:sldId id="275" r:id="rId17"/>
-    <p:sldId id="276" r:id="rId18"/>
-    <p:sldId id="277" r:id="rId19"/>
-    <p:sldId id="279" r:id="rId20"/>
-    <p:sldId id="278" r:id="rId21"/>
-    <p:sldId id="281" r:id="rId22"/>
-    <p:sldId id="282" r:id="rId23"/>
-    <p:sldId id="280" r:id="rId24"/>
+    <p:sldId id="284" r:id="rId3"/>
+    <p:sldId id="260" r:id="rId4"/>
+    <p:sldId id="258" r:id="rId5"/>
+    <p:sldId id="259" r:id="rId6"/>
+    <p:sldId id="263" r:id="rId7"/>
+    <p:sldId id="269" r:id="rId8"/>
+    <p:sldId id="261" r:id="rId9"/>
+    <p:sldId id="266" r:id="rId10"/>
+    <p:sldId id="267" r:id="rId11"/>
+    <p:sldId id="262" r:id="rId12"/>
+    <p:sldId id="271" r:id="rId13"/>
+    <p:sldId id="270" r:id="rId14"/>
+    <p:sldId id="272" r:id="rId15"/>
+    <p:sldId id="273" r:id="rId16"/>
+    <p:sldId id="274" r:id="rId17"/>
+    <p:sldId id="275" r:id="rId18"/>
+    <p:sldId id="276" r:id="rId19"/>
+    <p:sldId id="277" r:id="rId20"/>
+    <p:sldId id="279" r:id="rId21"/>
+    <p:sldId id="278" r:id="rId22"/>
+    <p:sldId id="281" r:id="rId23"/>
+    <p:sldId id="282" r:id="rId24"/>
+    <p:sldId id="283" r:id="rId25"/>
+    <p:sldId id="280" r:id="rId26"/>
   </p:sldIdLst>
   <p:sldSz cx="12192000" cy="6858000"/>
   <p:notesSz cx="6858000" cy="9144000"/>
@@ -137,6 +139,11 @@
             <p14:sldId id="257"/>
           </p14:sldIdLst>
         </p14:section>
+        <p14:section name="Abstract" id="{2F293969-CF29-4C1F-A699-A6E2A36C3BA6}">
+          <p14:sldIdLst>
+            <p14:sldId id="284"/>
+          </p14:sldIdLst>
+        </p14:section>
         <p14:section name="Introduction" id="{90C9E4BA-0B35-4BF2-A78F-54C38B422968}">
           <p14:sldIdLst>
             <p14:sldId id="260"/>
@@ -172,6 +179,11 @@
             <p14:sldId id="278"/>
             <p14:sldId id="281"/>
             <p14:sldId id="282"/>
+          </p14:sldIdLst>
+        </p14:section>
+        <p14:section name="Conclusion" id="{1DB5F7E9-625E-4E03-9055-13C7EE2C33B7}">
+          <p14:sldIdLst>
+            <p14:sldId id="283"/>
           </p14:sldIdLst>
         </p14:section>
         <p14:section name="Citations" id="{48A66E72-CCBB-4540-B802-D3E3C20AD7D7}">
@@ -984,6 +996,452 @@
     <p:extLst>
       <p:ext uri="{BB962C8B-B14F-4D97-AF65-F5344CB8AC3E}">
         <p14:creationId xmlns:p14="http://schemas.microsoft.com/office/powerpoint/2010/main" val="4242698555"/>
+      </p:ext>
+    </p:extLst>
+  </p:cSld>
+  <p:clrMapOvr>
+    <a:masterClrMapping/>
+  </p:clrMapOvr>
+</p:notes>
+</file>
+
+<file path=ppt/notesSlides/notesSlide5.xml><?xml version="1.0" encoding="utf-8"?>
+<p:notes xmlns:a="http://schemas.openxmlformats.org/drawingml/2006/main" xmlns:r="http://schemas.openxmlformats.org/officeDocument/2006/relationships" xmlns:p="http://schemas.openxmlformats.org/presentationml/2006/main">
+  <p:cSld>
+    <p:spTree>
+      <p:nvGrpSpPr>
+        <p:cNvPr id="1" name=""/>
+        <p:cNvGrpSpPr/>
+        <p:nvPr/>
+      </p:nvGrpSpPr>
+      <p:grpSpPr>
+        <a:xfrm>
+          <a:off x="0" y="0"/>
+          <a:ext cx="0" cy="0"/>
+          <a:chOff x="0" y="0"/>
+          <a:chExt cx="0" cy="0"/>
+        </a:xfrm>
+      </p:grpSpPr>
+      <p:sp>
+        <p:nvSpPr>
+          <p:cNvPr id="2" name="Slide Image Placeholder 1"/>
+          <p:cNvSpPr>
+            <a:spLocks noGrp="1" noRot="1" noChangeAspect="1"/>
+          </p:cNvSpPr>
+          <p:nvPr>
+            <p:ph type="sldImg"/>
+          </p:nvPr>
+        </p:nvSpPr>
+        <p:spPr/>
+      </p:sp>
+      <p:sp>
+        <p:nvSpPr>
+          <p:cNvPr id="3" name="Notes Placeholder 2"/>
+          <p:cNvSpPr>
+            <a:spLocks noGrp="1"/>
+          </p:cNvSpPr>
+          <p:nvPr>
+            <p:ph type="body" idx="1"/>
+          </p:nvPr>
+        </p:nvSpPr>
+        <p:spPr/>
+        <p:txBody>
+          <a:bodyPr/>
+          <a:lstStyle/>
+          <a:p>
+            <a:r>
+              <a:rPr lang="en-US" dirty="0"/>
+              <a:t>Show the entire big fat </a:t>
+            </a:r>
+            <a:r>
+              <a:rPr lang="en-US" dirty="0" err="1"/>
+              <a:t>cytoscape</a:t>
+            </a:r>
+            <a:r>
+              <a:rPr lang="en-US" dirty="0"/>
+              <a:t> network</a:t>
+            </a:r>
+          </a:p>
+          <a:p>
+            <a:r>
+              <a:rPr lang="en-US" dirty="0"/>
+              <a:t>shock and awe tactics</a:t>
+            </a:r>
+          </a:p>
+        </p:txBody>
+      </p:sp>
+      <p:sp>
+        <p:nvSpPr>
+          <p:cNvPr id="4" name="Slide Number Placeholder 3"/>
+          <p:cNvSpPr>
+            <a:spLocks noGrp="1"/>
+          </p:cNvSpPr>
+          <p:nvPr>
+            <p:ph type="sldNum" sz="quarter" idx="5"/>
+          </p:nvPr>
+        </p:nvSpPr>
+        <p:spPr/>
+        <p:txBody>
+          <a:bodyPr/>
+          <a:lstStyle/>
+          <a:p>
+            <a:fld id="{DEA2FB39-1398-40D8-9A7E-B2F7B9CEAD5C}" type="slidenum">
+              <a:rPr lang="en-US" smtClean="0"/>
+              <a:t>12</a:t>
+            </a:fld>
+            <a:endParaRPr lang="en-US"/>
+          </a:p>
+        </p:txBody>
+      </p:sp>
+    </p:spTree>
+    <p:extLst>
+      <p:ext uri="{BB962C8B-B14F-4D97-AF65-F5344CB8AC3E}">
+        <p14:creationId xmlns:p14="http://schemas.microsoft.com/office/powerpoint/2010/main" val="3099366027"/>
+      </p:ext>
+    </p:extLst>
+  </p:cSld>
+  <p:clrMapOvr>
+    <a:masterClrMapping/>
+  </p:clrMapOvr>
+</p:notes>
+</file>
+
+<file path=ppt/notesSlides/notesSlide6.xml><?xml version="1.0" encoding="utf-8"?>
+<p:notes xmlns:a="http://schemas.openxmlformats.org/drawingml/2006/main" xmlns:r="http://schemas.openxmlformats.org/officeDocument/2006/relationships" xmlns:p="http://schemas.openxmlformats.org/presentationml/2006/main">
+  <p:cSld>
+    <p:spTree>
+      <p:nvGrpSpPr>
+        <p:cNvPr id="1" name=""/>
+        <p:cNvGrpSpPr/>
+        <p:nvPr/>
+      </p:nvGrpSpPr>
+      <p:grpSpPr>
+        <a:xfrm>
+          <a:off x="0" y="0"/>
+          <a:ext cx="0" cy="0"/>
+          <a:chOff x="0" y="0"/>
+          <a:chExt cx="0" cy="0"/>
+        </a:xfrm>
+      </p:grpSpPr>
+      <p:sp>
+        <p:nvSpPr>
+          <p:cNvPr id="2" name="Slide Image Placeholder 1"/>
+          <p:cNvSpPr>
+            <a:spLocks noGrp="1" noRot="1" noChangeAspect="1"/>
+          </p:cNvSpPr>
+          <p:nvPr>
+            <p:ph type="sldImg"/>
+          </p:nvPr>
+        </p:nvSpPr>
+        <p:spPr/>
+      </p:sp>
+      <p:sp>
+        <p:nvSpPr>
+          <p:cNvPr id="3" name="Notes Placeholder 2"/>
+          <p:cNvSpPr>
+            <a:spLocks noGrp="1"/>
+          </p:cNvSpPr>
+          <p:nvPr>
+            <p:ph type="body" idx="1"/>
+          </p:nvPr>
+        </p:nvSpPr>
+        <p:spPr/>
+        <p:txBody>
+          <a:bodyPr/>
+          <a:lstStyle/>
+          <a:p>
+            <a:r>
+              <a:rPr lang="en-US" dirty="0"/>
+              <a:t>Organ development; overall, developmental functions</a:t>
+            </a:r>
+          </a:p>
+        </p:txBody>
+      </p:sp>
+      <p:sp>
+        <p:nvSpPr>
+          <p:cNvPr id="4" name="Slide Number Placeholder 3"/>
+          <p:cNvSpPr>
+            <a:spLocks noGrp="1"/>
+          </p:cNvSpPr>
+          <p:nvPr>
+            <p:ph type="sldNum" sz="quarter" idx="5"/>
+          </p:nvPr>
+        </p:nvSpPr>
+        <p:spPr/>
+        <p:txBody>
+          <a:bodyPr/>
+          <a:lstStyle/>
+          <a:p>
+            <a:fld id="{DEA2FB39-1398-40D8-9A7E-B2F7B9CEAD5C}" type="slidenum">
+              <a:rPr lang="en-US" smtClean="0"/>
+              <a:t>16</a:t>
+            </a:fld>
+            <a:endParaRPr lang="en-US"/>
+          </a:p>
+        </p:txBody>
+      </p:sp>
+    </p:spTree>
+    <p:extLst>
+      <p:ext uri="{BB962C8B-B14F-4D97-AF65-F5344CB8AC3E}">
+        <p14:creationId xmlns:p14="http://schemas.microsoft.com/office/powerpoint/2010/main" val="108062794"/>
+      </p:ext>
+    </p:extLst>
+  </p:cSld>
+  <p:clrMapOvr>
+    <a:masterClrMapping/>
+  </p:clrMapOvr>
+</p:notes>
+</file>
+
+<file path=ppt/notesSlides/notesSlide7.xml><?xml version="1.0" encoding="utf-8"?>
+<p:notes xmlns:a="http://schemas.openxmlformats.org/drawingml/2006/main" xmlns:r="http://schemas.openxmlformats.org/officeDocument/2006/relationships" xmlns:p="http://schemas.openxmlformats.org/presentationml/2006/main">
+  <p:cSld>
+    <p:spTree>
+      <p:nvGrpSpPr>
+        <p:cNvPr id="1" name=""/>
+        <p:cNvGrpSpPr/>
+        <p:nvPr/>
+      </p:nvGrpSpPr>
+      <p:grpSpPr>
+        <a:xfrm>
+          <a:off x="0" y="0"/>
+          <a:ext cx="0" cy="0"/>
+          <a:chOff x="0" y="0"/>
+          <a:chExt cx="0" cy="0"/>
+        </a:xfrm>
+      </p:grpSpPr>
+      <p:sp>
+        <p:nvSpPr>
+          <p:cNvPr id="2" name="Slide Image Placeholder 1"/>
+          <p:cNvSpPr>
+            <a:spLocks noGrp="1" noRot="1" noChangeAspect="1"/>
+          </p:cNvSpPr>
+          <p:nvPr>
+            <p:ph type="sldImg"/>
+          </p:nvPr>
+        </p:nvSpPr>
+        <p:spPr/>
+      </p:sp>
+      <p:sp>
+        <p:nvSpPr>
+          <p:cNvPr id="3" name="Notes Placeholder 2"/>
+          <p:cNvSpPr>
+            <a:spLocks noGrp="1"/>
+          </p:cNvSpPr>
+          <p:nvPr>
+            <p:ph type="body" idx="1"/>
+          </p:nvPr>
+        </p:nvSpPr>
+        <p:spPr/>
+        <p:txBody>
+          <a:bodyPr/>
+          <a:lstStyle/>
+          <a:p>
+            <a:endParaRPr lang="en-US" dirty="0"/>
+          </a:p>
+        </p:txBody>
+      </p:sp>
+      <p:sp>
+        <p:nvSpPr>
+          <p:cNvPr id="4" name="Slide Number Placeholder 3"/>
+          <p:cNvSpPr>
+            <a:spLocks noGrp="1"/>
+          </p:cNvSpPr>
+          <p:nvPr>
+            <p:ph type="sldNum" sz="quarter" idx="5"/>
+          </p:nvPr>
+        </p:nvSpPr>
+        <p:spPr/>
+        <p:txBody>
+          <a:bodyPr/>
+          <a:lstStyle/>
+          <a:p>
+            <a:fld id="{DEA2FB39-1398-40D8-9A7E-B2F7B9CEAD5C}" type="slidenum">
+              <a:rPr lang="en-US" smtClean="0"/>
+              <a:t>17</a:t>
+            </a:fld>
+            <a:endParaRPr lang="en-US"/>
+          </a:p>
+        </p:txBody>
+      </p:sp>
+    </p:spTree>
+    <p:extLst>
+      <p:ext uri="{BB962C8B-B14F-4D97-AF65-F5344CB8AC3E}">
+        <p14:creationId xmlns:p14="http://schemas.microsoft.com/office/powerpoint/2010/main" val="2909068006"/>
+      </p:ext>
+    </p:extLst>
+  </p:cSld>
+  <p:clrMapOvr>
+    <a:masterClrMapping/>
+  </p:clrMapOvr>
+</p:notes>
+</file>
+
+<file path=ppt/notesSlides/notesSlide8.xml><?xml version="1.0" encoding="utf-8"?>
+<p:notes xmlns:a="http://schemas.openxmlformats.org/drawingml/2006/main" xmlns:r="http://schemas.openxmlformats.org/officeDocument/2006/relationships" xmlns:p="http://schemas.openxmlformats.org/presentationml/2006/main">
+  <p:cSld>
+    <p:spTree>
+      <p:nvGrpSpPr>
+        <p:cNvPr id="1" name=""/>
+        <p:cNvGrpSpPr/>
+        <p:nvPr/>
+      </p:nvGrpSpPr>
+      <p:grpSpPr>
+        <a:xfrm>
+          <a:off x="0" y="0"/>
+          <a:ext cx="0" cy="0"/>
+          <a:chOff x="0" y="0"/>
+          <a:chExt cx="0" cy="0"/>
+        </a:xfrm>
+      </p:grpSpPr>
+      <p:sp>
+        <p:nvSpPr>
+          <p:cNvPr id="2" name="Slide Image Placeholder 1"/>
+          <p:cNvSpPr>
+            <a:spLocks noGrp="1" noRot="1" noChangeAspect="1"/>
+          </p:cNvSpPr>
+          <p:nvPr>
+            <p:ph type="sldImg"/>
+          </p:nvPr>
+        </p:nvSpPr>
+        <p:spPr/>
+      </p:sp>
+      <p:sp>
+        <p:nvSpPr>
+          <p:cNvPr id="3" name="Notes Placeholder 2"/>
+          <p:cNvSpPr>
+            <a:spLocks noGrp="1"/>
+          </p:cNvSpPr>
+          <p:nvPr>
+            <p:ph type="body" idx="1"/>
+          </p:nvPr>
+        </p:nvSpPr>
+        <p:spPr/>
+        <p:txBody>
+          <a:bodyPr/>
+          <a:lstStyle/>
+          <a:p>
+            <a:r>
+              <a:rPr lang="en-US" dirty="0"/>
+              <a:t>Fructose = sugar = related; emphasize more and downplay the fact that there’s only three (two) genes</a:t>
+            </a:r>
+          </a:p>
+        </p:txBody>
+      </p:sp>
+      <p:sp>
+        <p:nvSpPr>
+          <p:cNvPr id="4" name="Slide Number Placeholder 3"/>
+          <p:cNvSpPr>
+            <a:spLocks noGrp="1"/>
+          </p:cNvSpPr>
+          <p:nvPr>
+            <p:ph type="sldNum" sz="quarter" idx="5"/>
+          </p:nvPr>
+        </p:nvSpPr>
+        <p:spPr/>
+        <p:txBody>
+          <a:bodyPr/>
+          <a:lstStyle/>
+          <a:p>
+            <a:fld id="{DEA2FB39-1398-40D8-9A7E-B2F7B9CEAD5C}" type="slidenum">
+              <a:rPr lang="en-US" smtClean="0"/>
+              <a:t>19</a:t>
+            </a:fld>
+            <a:endParaRPr lang="en-US"/>
+          </a:p>
+        </p:txBody>
+      </p:sp>
+    </p:spTree>
+    <p:extLst>
+      <p:ext uri="{BB962C8B-B14F-4D97-AF65-F5344CB8AC3E}">
+        <p14:creationId xmlns:p14="http://schemas.microsoft.com/office/powerpoint/2010/main" val="3818715673"/>
+      </p:ext>
+    </p:extLst>
+  </p:cSld>
+  <p:clrMapOvr>
+    <a:masterClrMapping/>
+  </p:clrMapOvr>
+</p:notes>
+</file>
+
+<file path=ppt/notesSlides/notesSlide9.xml><?xml version="1.0" encoding="utf-8"?>
+<p:notes xmlns:a="http://schemas.openxmlformats.org/drawingml/2006/main" xmlns:r="http://schemas.openxmlformats.org/officeDocument/2006/relationships" xmlns:p="http://schemas.openxmlformats.org/presentationml/2006/main">
+  <p:cSld>
+    <p:spTree>
+      <p:nvGrpSpPr>
+        <p:cNvPr id="1" name=""/>
+        <p:cNvGrpSpPr/>
+        <p:nvPr/>
+      </p:nvGrpSpPr>
+      <p:grpSpPr>
+        <a:xfrm>
+          <a:off x="0" y="0"/>
+          <a:ext cx="0" cy="0"/>
+          <a:chOff x="0" y="0"/>
+          <a:chExt cx="0" cy="0"/>
+        </a:xfrm>
+      </p:grpSpPr>
+      <p:sp>
+        <p:nvSpPr>
+          <p:cNvPr id="2" name="Slide Image Placeholder 1"/>
+          <p:cNvSpPr>
+            <a:spLocks noGrp="1" noRot="1" noChangeAspect="1"/>
+          </p:cNvSpPr>
+          <p:nvPr>
+            <p:ph type="sldImg"/>
+          </p:nvPr>
+        </p:nvSpPr>
+        <p:spPr/>
+      </p:sp>
+      <p:sp>
+        <p:nvSpPr>
+          <p:cNvPr id="3" name="Notes Placeholder 2"/>
+          <p:cNvSpPr>
+            <a:spLocks noGrp="1"/>
+          </p:cNvSpPr>
+          <p:nvPr>
+            <p:ph type="body" idx="1"/>
+          </p:nvPr>
+        </p:nvSpPr>
+        <p:spPr/>
+        <p:txBody>
+          <a:bodyPr/>
+          <a:lstStyle/>
+          <a:p>
+            <a:r>
+              <a:rPr lang="en-US" dirty="0"/>
+              <a:t>Label ._.</a:t>
+            </a:r>
+          </a:p>
+        </p:txBody>
+      </p:sp>
+      <p:sp>
+        <p:nvSpPr>
+          <p:cNvPr id="4" name="Slide Number Placeholder 3"/>
+          <p:cNvSpPr>
+            <a:spLocks noGrp="1"/>
+          </p:cNvSpPr>
+          <p:nvPr>
+            <p:ph type="sldNum" sz="quarter" idx="5"/>
+          </p:nvPr>
+        </p:nvSpPr>
+        <p:spPr/>
+        <p:txBody>
+          <a:bodyPr/>
+          <a:lstStyle/>
+          <a:p>
+            <a:fld id="{DEA2FB39-1398-40D8-9A7E-B2F7B9CEAD5C}" type="slidenum">
+              <a:rPr lang="en-US" smtClean="0"/>
+              <a:t>20</a:t>
+            </a:fld>
+            <a:endParaRPr lang="en-US"/>
+          </a:p>
+        </p:txBody>
+      </p:sp>
+    </p:spTree>
+    <p:extLst>
+      <p:ext uri="{BB962C8B-B14F-4D97-AF65-F5344CB8AC3E}">
+        <p14:creationId xmlns:p14="http://schemas.microsoft.com/office/powerpoint/2010/main" val="1800719855"/>
       </p:ext>
     </p:extLst>
   </p:cSld>
@@ -5524,13 +5982,6 @@
   <p:clrMapOvr>
     <a:masterClrMapping/>
   </p:clrMapOvr>
-  <p:timing>
-    <p:tnLst>
-      <p:par>
-        <p:cTn id="1" dur="indefinite" restart="never" nodeType="tmRoot"/>
-      </p:par>
-    </p:tnLst>
-  </p:timing>
 </p:sld>
 </file>
 
@@ -5553,6 +6004,525 @@
       </p:grpSpPr>
       <p:sp>
         <p:nvSpPr>
+          <p:cNvPr id="2" name="Title 1"/>
+          <p:cNvSpPr>
+            <a:spLocks noGrp="1"/>
+          </p:cNvSpPr>
+          <p:nvPr>
+            <p:ph type="title"/>
+          </p:nvPr>
+        </p:nvSpPr>
+        <p:spPr/>
+        <p:txBody>
+          <a:bodyPr/>
+          <a:lstStyle/>
+          <a:p>
+            <a:r>
+              <a:rPr lang="en-US" dirty="0"/>
+              <a:t>Methods</a:t>
+            </a:r>
+          </a:p>
+        </p:txBody>
+      </p:sp>
+      <p:sp>
+        <p:nvSpPr>
+          <p:cNvPr id="3" name="Text Placeholder 2"/>
+          <p:cNvSpPr>
+            <a:spLocks noGrp="1"/>
+          </p:cNvSpPr>
+          <p:nvPr>
+            <p:ph type="body" idx="1"/>
+          </p:nvPr>
+        </p:nvSpPr>
+        <p:spPr/>
+        <p:txBody>
+          <a:bodyPr/>
+          <a:lstStyle/>
+          <a:p>
+            <a:r>
+              <a:rPr lang="en-US" dirty="0"/>
+              <a:t>Function Analysis</a:t>
+            </a:r>
+          </a:p>
+        </p:txBody>
+      </p:sp>
+      <p:sp>
+        <p:nvSpPr>
+          <p:cNvPr id="4" name="Content Placeholder 3"/>
+          <p:cNvSpPr>
+            <a:spLocks noGrp="1"/>
+          </p:cNvSpPr>
+          <p:nvPr>
+            <p:ph sz="half" idx="2"/>
+          </p:nvPr>
+        </p:nvSpPr>
+        <p:spPr/>
+        <p:txBody>
+          <a:bodyPr/>
+          <a:lstStyle/>
+          <a:p>
+            <a:r>
+              <a:rPr lang="en-US" dirty="0"/>
+              <a:t>Clusters were analyzed within </a:t>
+            </a:r>
+            <a:r>
+              <a:rPr lang="en-US" dirty="0" err="1"/>
+              <a:t>Cytoscape</a:t>
+            </a:r>
+            <a:r>
+              <a:rPr lang="en-US" dirty="0"/>
+              <a:t> using </a:t>
+            </a:r>
+            <a:r>
+              <a:rPr lang="en-US" dirty="0" err="1"/>
+              <a:t>BinGO</a:t>
+            </a:r>
+            <a:r>
+              <a:rPr lang="en-US" dirty="0"/>
+              <a:t> app</a:t>
+            </a:r>
+          </a:p>
+          <a:p>
+            <a:pPr lvl="1"/>
+            <a:r>
+              <a:rPr lang="en-US" dirty="0"/>
+              <a:t>Yielded function results</a:t>
+            </a:r>
+          </a:p>
+          <a:p>
+            <a:r>
+              <a:rPr lang="en-US" dirty="0"/>
+              <a:t>Clusters were extracted from </a:t>
+            </a:r>
+            <a:r>
+              <a:rPr lang="en-US" dirty="0" err="1"/>
+              <a:t>Cytoscape</a:t>
+            </a:r>
+            <a:r>
+              <a:rPr lang="en-US" dirty="0"/>
+              <a:t> and processed in </a:t>
+            </a:r>
+            <a:r>
+              <a:rPr lang="en-US" dirty="0" err="1"/>
+              <a:t>GeneOntology</a:t>
+            </a:r>
+            <a:endParaRPr lang="en-US" dirty="0"/>
+          </a:p>
+          <a:p>
+            <a:pPr lvl="1"/>
+            <a:r>
+              <a:rPr lang="en-US" dirty="0"/>
+              <a:t>Yielded function and disease connections</a:t>
+            </a:r>
+          </a:p>
+          <a:p>
+            <a:endParaRPr lang="en-US" dirty="0"/>
+          </a:p>
+        </p:txBody>
+      </p:sp>
+      <p:sp>
+        <p:nvSpPr>
+          <p:cNvPr id="5" name="Text Placeholder 4"/>
+          <p:cNvSpPr>
+            <a:spLocks noGrp="1"/>
+          </p:cNvSpPr>
+          <p:nvPr>
+            <p:ph type="body" sz="quarter" idx="3"/>
+          </p:nvPr>
+        </p:nvSpPr>
+        <p:spPr/>
+        <p:txBody>
+          <a:bodyPr/>
+          <a:lstStyle/>
+          <a:p>
+            <a:r>
+              <a:rPr lang="en-US" dirty="0"/>
+              <a:t>Pathway Analysis</a:t>
+            </a:r>
+          </a:p>
+        </p:txBody>
+      </p:sp>
+      <p:sp>
+        <p:nvSpPr>
+          <p:cNvPr id="6" name="Content Placeholder 5"/>
+          <p:cNvSpPr>
+            <a:spLocks noGrp="1"/>
+          </p:cNvSpPr>
+          <p:nvPr>
+            <p:ph sz="quarter" idx="4"/>
+          </p:nvPr>
+        </p:nvSpPr>
+        <p:spPr/>
+        <p:txBody>
+          <a:bodyPr/>
+          <a:lstStyle/>
+          <a:p>
+            <a:r>
+              <a:rPr lang="en-US" dirty="0"/>
+              <a:t>Clusters were processed in DAVID and Ingenuity to search for pathways</a:t>
+            </a:r>
+          </a:p>
+        </p:txBody>
+      </p:sp>
+      <p:grpSp>
+        <p:nvGrpSpPr>
+          <p:cNvPr id="7" name="Group 6"/>
+          <p:cNvGrpSpPr/>
+          <p:nvPr/>
+        </p:nvGrpSpPr>
+        <p:grpSpPr>
+          <a:xfrm>
+            <a:off x="10341032" y="613849"/>
+            <a:ext cx="1138843" cy="606368"/>
+            <a:chOff x="2601884" y="806332"/>
+            <a:chExt cx="6365150" cy="3389076"/>
+          </a:xfrm>
+        </p:grpSpPr>
+        <p:sp>
+          <p:nvSpPr>
+            <p:cNvPr id="8" name="Rounded Rectangle 7"/>
+            <p:cNvSpPr/>
+            <p:nvPr/>
+          </p:nvSpPr>
+          <p:spPr>
+            <a:xfrm>
+              <a:off x="2601884" y="806332"/>
+              <a:ext cx="1737359" cy="2086496"/>
+            </a:xfrm>
+            <a:prstGeom prst="roundRect">
+              <a:avLst/>
+            </a:prstGeom>
+            <a:solidFill>
+              <a:schemeClr val="bg1"/>
+            </a:solidFill>
+            <a:ln>
+              <a:solidFill>
+                <a:srgbClr val="A75F0A"/>
+              </a:solidFill>
+            </a:ln>
+          </p:spPr>
+          <p:style>
+            <a:lnRef idx="2">
+              <a:schemeClr val="accent1">
+                <a:shade val="50000"/>
+              </a:schemeClr>
+            </a:lnRef>
+            <a:fillRef idx="1">
+              <a:schemeClr val="accent1"/>
+            </a:fillRef>
+            <a:effectRef idx="0">
+              <a:schemeClr val="accent1"/>
+            </a:effectRef>
+            <a:fontRef idx="minor">
+              <a:schemeClr val="lt1"/>
+            </a:fontRef>
+          </p:style>
+          <p:txBody>
+            <a:bodyPr rtlCol="0" anchor="ctr"/>
+            <a:lstStyle/>
+            <a:p>
+              <a:pPr algn="ctr"/>
+              <a:endParaRPr lang="en-US" sz="1100" dirty="0">
+                <a:solidFill>
+                  <a:sysClr val="windowText" lastClr="000000"/>
+                </a:solidFill>
+              </a:endParaRPr>
+            </a:p>
+          </p:txBody>
+        </p:sp>
+        <p:sp>
+          <p:nvSpPr>
+            <p:cNvPr id="9" name="Rounded Rectangle 8"/>
+            <p:cNvSpPr/>
+            <p:nvPr/>
+          </p:nvSpPr>
+          <p:spPr>
+            <a:xfrm>
+              <a:off x="4915780" y="806332"/>
+              <a:ext cx="1737359" cy="2086496"/>
+            </a:xfrm>
+            <a:prstGeom prst="roundRect">
+              <a:avLst/>
+            </a:prstGeom>
+            <a:solidFill>
+              <a:schemeClr val="bg1"/>
+            </a:solidFill>
+          </p:spPr>
+          <p:style>
+            <a:lnRef idx="2">
+              <a:schemeClr val="accent1">
+                <a:shade val="50000"/>
+              </a:schemeClr>
+            </a:lnRef>
+            <a:fillRef idx="1">
+              <a:schemeClr val="accent1"/>
+            </a:fillRef>
+            <a:effectRef idx="0">
+              <a:schemeClr val="accent1"/>
+            </a:effectRef>
+            <a:fontRef idx="minor">
+              <a:schemeClr val="lt1"/>
+            </a:fontRef>
+          </p:style>
+          <p:txBody>
+            <a:bodyPr rtlCol="0" anchor="ctr"/>
+            <a:lstStyle/>
+            <a:p>
+              <a:pPr algn="ctr"/>
+              <a:endParaRPr lang="en-US" sz="1100" dirty="0">
+                <a:solidFill>
+                  <a:sysClr val="windowText" lastClr="000000"/>
+                </a:solidFill>
+              </a:endParaRPr>
+            </a:p>
+          </p:txBody>
+        </p:sp>
+        <p:sp>
+          <p:nvSpPr>
+            <p:cNvPr id="10" name="Rounded Rectangle 9"/>
+            <p:cNvSpPr/>
+            <p:nvPr/>
+          </p:nvSpPr>
+          <p:spPr>
+            <a:xfrm>
+              <a:off x="7229675" y="806332"/>
+              <a:ext cx="1737359" cy="2086496"/>
+            </a:xfrm>
+            <a:prstGeom prst="roundRect">
+              <a:avLst/>
+            </a:prstGeom>
+            <a:solidFill>
+              <a:srgbClr val="FF0000"/>
+            </a:solidFill>
+          </p:spPr>
+          <p:style>
+            <a:lnRef idx="2">
+              <a:schemeClr val="accent1">
+                <a:shade val="50000"/>
+              </a:schemeClr>
+            </a:lnRef>
+            <a:fillRef idx="1">
+              <a:schemeClr val="accent1"/>
+            </a:fillRef>
+            <a:effectRef idx="0">
+              <a:schemeClr val="accent1"/>
+            </a:effectRef>
+            <a:fontRef idx="minor">
+              <a:schemeClr val="lt1"/>
+            </a:fontRef>
+          </p:style>
+          <p:txBody>
+            <a:bodyPr rtlCol="0" anchor="ctr"/>
+            <a:lstStyle/>
+            <a:p>
+              <a:pPr algn="ctr"/>
+              <a:endParaRPr lang="en-US" sz="1100" dirty="0">
+                <a:solidFill>
+                  <a:sysClr val="windowText" lastClr="000000"/>
+                </a:solidFill>
+              </a:endParaRPr>
+            </a:p>
+          </p:txBody>
+        </p:sp>
+        <p:sp>
+          <p:nvSpPr>
+            <p:cNvPr id="11" name="Oval 10"/>
+            <p:cNvSpPr/>
+            <p:nvPr/>
+          </p:nvSpPr>
+          <p:spPr>
+            <a:xfrm>
+              <a:off x="6459427" y="3150547"/>
+              <a:ext cx="1044861" cy="1044861"/>
+            </a:xfrm>
+            <a:prstGeom prst="ellipse">
+              <a:avLst/>
+            </a:prstGeom>
+            <a:solidFill>
+              <a:srgbClr val="FF0000"/>
+            </a:solidFill>
+            <a:ln>
+              <a:solidFill>
+                <a:srgbClr val="A75F0A"/>
+              </a:solidFill>
+            </a:ln>
+          </p:spPr>
+          <p:style>
+            <a:lnRef idx="2">
+              <a:schemeClr val="accent1">
+                <a:shade val="50000"/>
+              </a:schemeClr>
+            </a:lnRef>
+            <a:fillRef idx="1">
+              <a:schemeClr val="accent1"/>
+            </a:fillRef>
+            <a:effectRef idx="0">
+              <a:schemeClr val="accent1"/>
+            </a:effectRef>
+            <a:fontRef idx="minor">
+              <a:schemeClr val="lt1"/>
+            </a:fontRef>
+          </p:style>
+          <p:txBody>
+            <a:bodyPr rtlCol="0" anchor="ctr"/>
+            <a:lstStyle/>
+            <a:p>
+              <a:pPr algn="ctr"/>
+              <a:endParaRPr lang="en-US" sz="1100" dirty="0">
+                <a:solidFill>
+                  <a:schemeClr val="tx1"/>
+                </a:solidFill>
+              </a:endParaRPr>
+            </a:p>
+          </p:txBody>
+        </p:sp>
+        <p:cxnSp>
+          <p:nvCxnSpPr>
+            <p:cNvPr id="12" name="Straight Arrow Connector 11"/>
+            <p:cNvCxnSpPr>
+              <a:stCxn id="8" idx="3"/>
+              <a:endCxn id="9" idx="1"/>
+            </p:cNvCxnSpPr>
+            <p:nvPr/>
+          </p:nvCxnSpPr>
+          <p:spPr>
+            <a:xfrm flipV="1">
+              <a:off x="4339244" y="1849580"/>
+              <a:ext cx="576535" cy="1"/>
+            </a:xfrm>
+            <a:prstGeom prst="straightConnector1">
+              <a:avLst/>
+            </a:prstGeom>
+            <a:ln>
+              <a:solidFill>
+                <a:srgbClr val="E48312"/>
+              </a:solidFill>
+              <a:tailEnd type="triangle"/>
+            </a:ln>
+          </p:spPr>
+          <p:style>
+            <a:lnRef idx="1">
+              <a:schemeClr val="accent1"/>
+            </a:lnRef>
+            <a:fillRef idx="0">
+              <a:schemeClr val="accent1"/>
+            </a:fillRef>
+            <a:effectRef idx="0">
+              <a:schemeClr val="accent1"/>
+            </a:effectRef>
+            <a:fontRef idx="minor">
+              <a:schemeClr val="tx1"/>
+            </a:fontRef>
+          </p:style>
+        </p:cxnSp>
+        <p:cxnSp>
+          <p:nvCxnSpPr>
+            <p:cNvPr id="13" name="Straight Arrow Connector 12"/>
+            <p:cNvCxnSpPr>
+              <a:stCxn id="9" idx="3"/>
+              <a:endCxn id="10" idx="1"/>
+            </p:cNvCxnSpPr>
+            <p:nvPr/>
+          </p:nvCxnSpPr>
+          <p:spPr>
+            <a:xfrm>
+              <a:off x="6653139" y="1849580"/>
+              <a:ext cx="576535" cy="0"/>
+            </a:xfrm>
+            <a:prstGeom prst="straightConnector1">
+              <a:avLst/>
+            </a:prstGeom>
+            <a:ln>
+              <a:tailEnd type="triangle"/>
+            </a:ln>
+          </p:spPr>
+          <p:style>
+            <a:lnRef idx="1">
+              <a:schemeClr val="accent1"/>
+            </a:lnRef>
+            <a:fillRef idx="0">
+              <a:schemeClr val="accent1"/>
+            </a:fillRef>
+            <a:effectRef idx="0">
+              <a:schemeClr val="accent1"/>
+            </a:effectRef>
+            <a:fontRef idx="minor">
+              <a:schemeClr val="tx1"/>
+            </a:fontRef>
+          </p:style>
+        </p:cxnSp>
+        <p:cxnSp>
+          <p:nvCxnSpPr>
+            <p:cNvPr id="14" name="Elbow Connector 13"/>
+            <p:cNvCxnSpPr>
+              <a:stCxn id="9" idx="2"/>
+              <a:endCxn id="11" idx="2"/>
+            </p:cNvCxnSpPr>
+            <p:nvPr/>
+          </p:nvCxnSpPr>
+          <p:spPr>
+            <a:xfrm rot="16200000" flipH="1">
+              <a:off x="5731867" y="2945418"/>
+              <a:ext cx="780151" cy="674967"/>
+            </a:xfrm>
+            <a:prstGeom prst="bentConnector2">
+              <a:avLst/>
+            </a:prstGeom>
+            <a:ln>
+              <a:solidFill>
+                <a:srgbClr val="E48312"/>
+              </a:solidFill>
+              <a:tailEnd type="triangle"/>
+            </a:ln>
+          </p:spPr>
+          <p:style>
+            <a:lnRef idx="1">
+              <a:schemeClr val="accent1"/>
+            </a:lnRef>
+            <a:fillRef idx="0">
+              <a:schemeClr val="accent1"/>
+            </a:fillRef>
+            <a:effectRef idx="0">
+              <a:schemeClr val="accent1"/>
+            </a:effectRef>
+            <a:fontRef idx="minor">
+              <a:schemeClr val="tx1"/>
+            </a:fontRef>
+          </p:style>
+        </p:cxnSp>
+      </p:grpSp>
+    </p:spTree>
+    <p:extLst>
+      <p:ext uri="{BB962C8B-B14F-4D97-AF65-F5344CB8AC3E}">
+        <p14:creationId xmlns:p14="http://schemas.microsoft.com/office/powerpoint/2010/main" val="2821775083"/>
+      </p:ext>
+    </p:extLst>
+  </p:cSld>
+  <p:clrMapOvr>
+    <a:masterClrMapping/>
+  </p:clrMapOvr>
+</p:sld>
+</file>
+
+<file path=ppt/slides/slide11.xml><?xml version="1.0" encoding="utf-8"?>
+<p:sld xmlns:a="http://schemas.openxmlformats.org/drawingml/2006/main" xmlns:r="http://schemas.openxmlformats.org/officeDocument/2006/relationships" xmlns:p="http://schemas.openxmlformats.org/presentationml/2006/main">
+  <p:cSld>
+    <p:spTree>
+      <p:nvGrpSpPr>
+        <p:cNvPr id="1" name=""/>
+        <p:cNvGrpSpPr/>
+        <p:nvPr/>
+      </p:nvGrpSpPr>
+      <p:grpSpPr>
+        <a:xfrm>
+          <a:off x="0" y="0"/>
+          <a:ext cx="0" cy="0"/>
+          <a:chOff x="0" y="0"/>
+          <a:chExt cx="0" cy="0"/>
+        </a:xfrm>
+      </p:grpSpPr>
+      <p:sp>
+        <p:nvSpPr>
           <p:cNvPr id="3" name="Text Placeholder 2"/>
           <p:cNvSpPr>
             <a:spLocks noGrp="1"/>
@@ -5583,17 +6553,10 @@
   <p:clrMapOvr>
     <a:masterClrMapping/>
   </p:clrMapOvr>
-  <p:timing>
-    <p:tnLst>
-      <p:par>
-        <p:cTn id="1" dur="indefinite" restart="never" nodeType="tmRoot"/>
-      </p:par>
-    </p:tnLst>
-  </p:timing>
 </p:sld>
 </file>
 
-<file path=ppt/slides/slide11.xml><?xml version="1.0" encoding="utf-8"?>
+<file path=ppt/slides/slide12.xml><?xml version="1.0" encoding="utf-8"?>
 <p:sld xmlns:a="http://schemas.openxmlformats.org/drawingml/2006/main" xmlns:r="http://schemas.openxmlformats.org/officeDocument/2006/relationships" xmlns:p="http://schemas.openxmlformats.org/presentationml/2006/main">
   <p:cSld>
     <p:spTree>
@@ -5619,7 +6582,7 @@
           <p:nvPr/>
         </p:nvPicPr>
         <p:blipFill>
-          <a:blip r:embed="rId2"/>
+          <a:blip r:embed="rId3"/>
           <a:stretch>
             <a:fillRect/>
           </a:stretch>
@@ -5643,122 +6606,6 @@
           <p:nvPr/>
         </p:nvPicPr>
         <p:blipFill>
-          <a:blip r:embed="rId3"/>
-          <a:stretch>
-            <a:fillRect/>
-          </a:stretch>
-        </p:blipFill>
-        <p:spPr>
-          <a:xfrm>
-            <a:off x="414704" y="193431"/>
-            <a:ext cx="3723772" cy="2725615"/>
-          </a:xfrm>
-          <a:prstGeom prst="rect">
-            <a:avLst/>
-          </a:prstGeom>
-        </p:spPr>
-      </p:pic>
-      <p:sp>
-        <p:nvSpPr>
-          <p:cNvPr id="2" name="Title 1"/>
-          <p:cNvSpPr>
-            <a:spLocks noGrp="1"/>
-          </p:cNvSpPr>
-          <p:nvPr>
-            <p:ph type="title"/>
-          </p:nvPr>
-        </p:nvSpPr>
-        <p:spPr/>
-        <p:txBody>
-          <a:bodyPr/>
-          <a:lstStyle/>
-          <a:p>
-            <a:r>
-              <a:rPr lang="en-US" dirty="0"/>
-              <a:t>Clusters</a:t>
-            </a:r>
-          </a:p>
-        </p:txBody>
-      </p:sp>
-      <p:sp>
-        <p:nvSpPr>
-          <p:cNvPr id="5" name="TextBox 4"/>
-          <p:cNvSpPr txBox="1"/>
-          <p:nvPr/>
-        </p:nvSpPr>
-        <p:spPr>
-          <a:xfrm>
-            <a:off x="1012015" y="1172088"/>
-            <a:ext cx="2127738" cy="553998"/>
-          </a:xfrm>
-          <a:prstGeom prst="rect">
-            <a:avLst/>
-          </a:prstGeom>
-          <a:noFill/>
-        </p:spPr>
-        <p:txBody>
-          <a:bodyPr wrap="square" rtlCol="0">
-            <a:spAutoFit/>
-          </a:bodyPr>
-          <a:lstStyle/>
-          <a:p>
-            <a:r>
-              <a:rPr lang="en-US" dirty="0"/>
-              <a:t>Cluster 7</a:t>
-            </a:r>
-          </a:p>
-          <a:p>
-            <a:r>
-              <a:rPr lang="en-US" sz="1200" dirty="0"/>
-              <a:t>p=2.896e-4</a:t>
-            </a:r>
-          </a:p>
-        </p:txBody>
-      </p:sp>
-      <p:sp>
-        <p:nvSpPr>
-          <p:cNvPr id="8" name="TextBox 7"/>
-          <p:cNvSpPr txBox="1"/>
-          <p:nvPr/>
-        </p:nvSpPr>
-        <p:spPr>
-          <a:xfrm>
-            <a:off x="4094657" y="2541355"/>
-            <a:ext cx="1009956" cy="553998"/>
-          </a:xfrm>
-          <a:prstGeom prst="rect">
-            <a:avLst/>
-          </a:prstGeom>
-          <a:noFill/>
-        </p:spPr>
-        <p:txBody>
-          <a:bodyPr wrap="none" rtlCol="0">
-            <a:spAutoFit/>
-          </a:bodyPr>
-          <a:lstStyle/>
-          <a:p>
-            <a:r>
-              <a:rPr lang="en-US" dirty="0"/>
-              <a:t>Cluster 8</a:t>
-            </a:r>
-          </a:p>
-          <a:p>
-            <a:r>
-              <a:rPr lang="en-US" sz="1200" dirty="0"/>
-              <a:t>p=7.329e-7</a:t>
-            </a:r>
-          </a:p>
-        </p:txBody>
-      </p:sp>
-      <p:pic>
-        <p:nvPicPr>
-          <p:cNvPr id="9" name="Picture 8"/>
-          <p:cNvPicPr>
-            <a:picLocks noChangeAspect="1"/>
-          </p:cNvPicPr>
-          <p:nvPr/>
-        </p:nvPicPr>
-        <p:blipFill>
           <a:blip r:embed="rId4"/>
           <a:stretch>
             <a:fillRect/>
@@ -5766,8 +6613,8 @@
         </p:blipFill>
         <p:spPr>
           <a:xfrm>
-            <a:off x="6878453" y="618090"/>
-            <a:ext cx="1687790" cy="1691630"/>
+            <a:off x="414704" y="193431"/>
+            <a:ext cx="3723772" cy="2725615"/>
           </a:xfrm>
           <a:prstGeom prst="rect">
             <a:avLst/>
@@ -5776,14 +6623,36 @@
       </p:pic>
       <p:sp>
         <p:nvSpPr>
-          <p:cNvPr id="10" name="TextBox 9"/>
+          <p:cNvPr id="2" name="Title 1"/>
+          <p:cNvSpPr>
+            <a:spLocks noGrp="1"/>
+          </p:cNvSpPr>
+          <p:nvPr>
+            <p:ph type="title"/>
+          </p:nvPr>
+        </p:nvSpPr>
+        <p:spPr/>
+        <p:txBody>
+          <a:bodyPr/>
+          <a:lstStyle/>
+          <a:p>
+            <a:r>
+              <a:rPr lang="en-US" dirty="0"/>
+              <a:t>Clusters</a:t>
+            </a:r>
+          </a:p>
+        </p:txBody>
+      </p:sp>
+      <p:sp>
+        <p:nvSpPr>
+          <p:cNvPr id="5" name="TextBox 4"/>
           <p:cNvSpPr txBox="1"/>
           <p:nvPr/>
         </p:nvSpPr>
         <p:spPr>
           <a:xfrm>
-            <a:off x="6427177" y="618090"/>
-            <a:ext cx="1126975" cy="553998"/>
+            <a:off x="1012015" y="1172088"/>
+            <a:ext cx="2127738" cy="553998"/>
           </a:xfrm>
           <a:prstGeom prst="rect">
             <a:avLst/>
@@ -5791,6 +6660,41 @@
           <a:noFill/>
         </p:spPr>
         <p:txBody>
+          <a:bodyPr wrap="square" rtlCol="0">
+            <a:spAutoFit/>
+          </a:bodyPr>
+          <a:lstStyle/>
+          <a:p>
+            <a:r>
+              <a:rPr lang="en-US" dirty="0"/>
+              <a:t>Cluster 7</a:t>
+            </a:r>
+          </a:p>
+          <a:p>
+            <a:r>
+              <a:rPr lang="en-US" sz="1200" dirty="0"/>
+              <a:t>p=2.896e-4</a:t>
+            </a:r>
+          </a:p>
+        </p:txBody>
+      </p:sp>
+      <p:sp>
+        <p:nvSpPr>
+          <p:cNvPr id="8" name="TextBox 7"/>
+          <p:cNvSpPr txBox="1"/>
+          <p:nvPr/>
+        </p:nvSpPr>
+        <p:spPr>
+          <a:xfrm>
+            <a:off x="4094657" y="2541355"/>
+            <a:ext cx="1009956" cy="553998"/>
+          </a:xfrm>
+          <a:prstGeom prst="rect">
+            <a:avLst/>
+          </a:prstGeom>
+          <a:noFill/>
+        </p:spPr>
+        <p:txBody>
           <a:bodyPr wrap="none" rtlCol="0">
             <a:spAutoFit/>
           </a:bodyPr>
@@ -5798,20 +6702,20 @@
           <a:p>
             <a:r>
               <a:rPr lang="en-US" dirty="0"/>
-              <a:t>Cluster 20</a:t>
+              <a:t>Cluster 8</a:t>
             </a:r>
           </a:p>
           <a:p>
             <a:r>
               <a:rPr lang="en-US" sz="1200" dirty="0"/>
-              <a:t>p=0.010</a:t>
+              <a:t>p=7.329e-7</a:t>
             </a:r>
           </a:p>
         </p:txBody>
       </p:sp>
       <p:pic>
         <p:nvPicPr>
-          <p:cNvPr id="11" name="Picture 10"/>
+          <p:cNvPr id="9" name="Picture 8"/>
           <p:cNvPicPr>
             <a:picLocks noChangeAspect="1"/>
           </p:cNvPicPr>
@@ -5825,6 +6729,65 @@
         </p:blipFill>
         <p:spPr>
           <a:xfrm>
+            <a:off x="6878453" y="618090"/>
+            <a:ext cx="1687790" cy="1691630"/>
+          </a:xfrm>
+          <a:prstGeom prst="rect">
+            <a:avLst/>
+          </a:prstGeom>
+        </p:spPr>
+      </p:pic>
+      <p:sp>
+        <p:nvSpPr>
+          <p:cNvPr id="10" name="TextBox 9"/>
+          <p:cNvSpPr txBox="1"/>
+          <p:nvPr/>
+        </p:nvSpPr>
+        <p:spPr>
+          <a:xfrm>
+            <a:off x="6427177" y="618090"/>
+            <a:ext cx="1126975" cy="553998"/>
+          </a:xfrm>
+          <a:prstGeom prst="rect">
+            <a:avLst/>
+          </a:prstGeom>
+          <a:noFill/>
+        </p:spPr>
+        <p:txBody>
+          <a:bodyPr wrap="none" rtlCol="0">
+            <a:spAutoFit/>
+          </a:bodyPr>
+          <a:lstStyle/>
+          <a:p>
+            <a:r>
+              <a:rPr lang="en-US" dirty="0"/>
+              <a:t>Cluster 20</a:t>
+            </a:r>
+          </a:p>
+          <a:p>
+            <a:r>
+              <a:rPr lang="en-US" sz="1200" dirty="0"/>
+              <a:t>p=0.010</a:t>
+            </a:r>
+          </a:p>
+        </p:txBody>
+      </p:sp>
+      <p:pic>
+        <p:nvPicPr>
+          <p:cNvPr id="11" name="Picture 10"/>
+          <p:cNvPicPr>
+            <a:picLocks noChangeAspect="1"/>
+          </p:cNvPicPr>
+          <p:nvPr/>
+        </p:nvPicPr>
+        <p:blipFill>
+          <a:blip r:embed="rId6"/>
+          <a:stretch>
+            <a:fillRect/>
+          </a:stretch>
+        </p:blipFill>
+        <p:spPr>
+          <a:xfrm>
             <a:off x="9626420" y="3528403"/>
             <a:ext cx="1584123" cy="1460363"/>
           </a:xfrm>
@@ -5878,173 +6841,6 @@
   <p:clrMapOvr>
     <a:masterClrMapping/>
   </p:clrMapOvr>
-  <p:timing>
-    <p:tnLst>
-      <p:par>
-        <p:cTn id="1" dur="indefinite" restart="never" nodeType="tmRoot"/>
-      </p:par>
-    </p:tnLst>
-  </p:timing>
-</p:sld>
-</file>
-
-<file path=ppt/slides/slide12.xml><?xml version="1.0" encoding="utf-8"?>
-<p:sld xmlns:a="http://schemas.openxmlformats.org/drawingml/2006/main" xmlns:r="http://schemas.openxmlformats.org/officeDocument/2006/relationships" xmlns:p="http://schemas.openxmlformats.org/presentationml/2006/main">
-  <p:cSld>
-    <p:spTree>
-      <p:nvGrpSpPr>
-        <p:cNvPr id="1" name=""/>
-        <p:cNvGrpSpPr/>
-        <p:nvPr/>
-      </p:nvGrpSpPr>
-      <p:grpSpPr>
-        <a:xfrm>
-          <a:off x="0" y="0"/>
-          <a:ext cx="0" cy="0"/>
-          <a:chOff x="0" y="0"/>
-          <a:chExt cx="0" cy="0"/>
-        </a:xfrm>
-      </p:grpSpPr>
-      <p:sp>
-        <p:nvSpPr>
-          <p:cNvPr id="2" name="Title 1"/>
-          <p:cNvSpPr>
-            <a:spLocks noGrp="1"/>
-          </p:cNvSpPr>
-          <p:nvPr>
-            <p:ph type="title"/>
-          </p:nvPr>
-        </p:nvSpPr>
-        <p:spPr/>
-        <p:txBody>
-          <a:bodyPr/>
-          <a:lstStyle/>
-          <a:p>
-            <a:r>
-              <a:rPr lang="en-US" dirty="0"/>
-              <a:t>Network 7-1</a:t>
-            </a:r>
-          </a:p>
-        </p:txBody>
-      </p:sp>
-      <p:sp>
-        <p:nvSpPr>
-          <p:cNvPr id="4" name="Text Placeholder 3"/>
-          <p:cNvSpPr>
-            <a:spLocks noGrp="1"/>
-          </p:cNvSpPr>
-          <p:nvPr>
-            <p:ph type="body" sz="half" idx="2"/>
-          </p:nvPr>
-        </p:nvSpPr>
-        <p:spPr>
-          <a:xfrm>
-            <a:off x="457200" y="1234816"/>
-            <a:ext cx="3200400" cy="5070389"/>
-          </a:xfrm>
-        </p:spPr>
-        <p:txBody>
-          <a:bodyPr/>
-          <a:lstStyle/>
-          <a:p>
-            <a:endParaRPr lang="en-US" dirty="0"/>
-          </a:p>
-          <a:p>
-            <a:endParaRPr lang="en-US" dirty="0"/>
-          </a:p>
-          <a:p>
-            <a:endParaRPr lang="en-US" dirty="0"/>
-          </a:p>
-          <a:p>
-            <a:endParaRPr lang="en-US" dirty="0"/>
-          </a:p>
-          <a:p>
-            <a:endParaRPr lang="en-US" dirty="0"/>
-          </a:p>
-          <a:p>
-            <a:endParaRPr lang="en-US" dirty="0"/>
-          </a:p>
-          <a:p>
-            <a:endParaRPr lang="en-US" dirty="0"/>
-          </a:p>
-          <a:p>
-            <a:r>
-              <a:rPr lang="en-US" dirty="0"/>
-              <a:t>A standard cataract-related network. </a:t>
-            </a:r>
-          </a:p>
-        </p:txBody>
-      </p:sp>
-      <p:pic>
-        <p:nvPicPr>
-          <p:cNvPr id="8" name="Content Placeholder 7"/>
-          <p:cNvPicPr>
-            <a:picLocks noGrp="1" noChangeAspect="1"/>
-          </p:cNvPicPr>
-          <p:nvPr>
-            <p:ph idx="1"/>
-          </p:nvPr>
-        </p:nvPicPr>
-        <p:blipFill>
-          <a:blip r:embed="rId2" cstate="print">
-            <a:extLst>
-              <a:ext uri="{28A0092B-C50C-407E-A947-70E740481C1C}">
-                <a14:useLocalDpi xmlns:a14="http://schemas.microsoft.com/office/drawing/2010/main" val="0"/>
-              </a:ext>
-            </a:extLst>
-          </a:blip>
-          <a:stretch>
-            <a:fillRect/>
-          </a:stretch>
-        </p:blipFill>
-        <p:spPr>
-          <a:xfrm>
-            <a:off x="5058224" y="731838"/>
-            <a:ext cx="5977627" cy="5257800"/>
-          </a:xfrm>
-        </p:spPr>
-      </p:pic>
-      <p:pic>
-        <p:nvPicPr>
-          <p:cNvPr id="9" name="Picture 8"/>
-          <p:cNvPicPr>
-            <a:picLocks noChangeAspect="1"/>
-          </p:cNvPicPr>
-          <p:nvPr/>
-        </p:nvPicPr>
-        <p:blipFill>
-          <a:blip r:embed="rId3"/>
-          <a:stretch>
-            <a:fillRect/>
-          </a:stretch>
-        </p:blipFill>
-        <p:spPr>
-          <a:xfrm>
-            <a:off x="321307" y="1127987"/>
-            <a:ext cx="3472185" cy="2642023"/>
-          </a:xfrm>
-          <a:prstGeom prst="rect">
-            <a:avLst/>
-          </a:prstGeom>
-        </p:spPr>
-      </p:pic>
-    </p:spTree>
-    <p:extLst>
-      <p:ext uri="{BB962C8B-B14F-4D97-AF65-F5344CB8AC3E}">
-        <p14:creationId xmlns:p14="http://schemas.microsoft.com/office/powerpoint/2010/main" val="4180889026"/>
-      </p:ext>
-    </p:extLst>
-  </p:cSld>
-  <p:clrMapOvr>
-    <a:masterClrMapping/>
-  </p:clrMapOvr>
-  <p:timing>
-    <p:tnLst>
-      <p:par>
-        <p:cTn id="1" dur="indefinite" restart="never" nodeType="tmRoot"/>
-      </p:par>
-    </p:tnLst>
-  </p:timing>
 </p:sld>
 </file>
 
@@ -6082,7 +6878,7 @@
           <a:p>
             <a:r>
               <a:rPr lang="en-US" dirty="0"/>
-              <a:t>Network 7-2</a:t>
+              <a:t>Network 7-1</a:t>
             </a:r>
           </a:p>
         </p:txBody>
@@ -6097,7 +6893,12 @@
             <p:ph type="body" sz="half" idx="2"/>
           </p:nvPr>
         </p:nvSpPr>
-        <p:spPr/>
+        <p:spPr>
+          <a:xfrm>
+            <a:off x="457200" y="1234816"/>
+            <a:ext cx="3200400" cy="5070389"/>
+          </a:xfrm>
+        </p:spPr>
         <p:txBody>
           <a:bodyPr/>
           <a:lstStyle/>
@@ -6125,20 +6926,14 @@
           <a:p>
             <a:r>
               <a:rPr lang="en-US" dirty="0"/>
-              <a:t>This network shows many functions related to keratinization (insertion of keratin into skin/hair cells).</a:t>
-            </a:r>
-          </a:p>
-          <a:p>
-            <a:r>
-              <a:rPr lang="en-US" dirty="0"/>
-              <a:t>Keratin is present in the lens epithelium, and forms a significant part of its structural integrity (Quinlan et al, 1999). This network may imply that keratin in the epithelial and early fiber cells plays a role in later cataract formation.</a:t>
+              <a:t>A standard cataract-related network. </a:t>
             </a:r>
           </a:p>
         </p:txBody>
       </p:sp>
       <p:pic>
         <p:nvPicPr>
-          <p:cNvPr id="7" name="Content Placeholder 6"/>
+          <p:cNvPr id="8" name="Content Placeholder 7"/>
           <p:cNvPicPr>
             <a:picLocks noGrp="1" noChangeAspect="1"/>
           </p:cNvPicPr>
@@ -6160,14 +6955,14 @@
         </p:blipFill>
         <p:spPr>
           <a:xfrm>
-            <a:off x="1652468" y="731838"/>
-            <a:ext cx="4965938" cy="5257800"/>
+            <a:off x="5058224" y="731838"/>
+            <a:ext cx="5977627" cy="5257800"/>
           </a:xfrm>
         </p:spPr>
       </p:pic>
       <p:pic>
         <p:nvPicPr>
-          <p:cNvPr id="3" name="Picture 2"/>
+          <p:cNvPr id="9" name="Picture 8"/>
           <p:cNvPicPr>
             <a:picLocks noChangeAspect="1"/>
           </p:cNvPicPr>
@@ -6181,7 +6976,7 @@
         </p:blipFill>
         <p:spPr>
           <a:xfrm>
-            <a:off x="8406127" y="1115631"/>
+            <a:off x="321307" y="1127987"/>
             <a:ext cx="3472185" cy="2642023"/>
           </a:xfrm>
           <a:prstGeom prst="rect">
@@ -6192,20 +6987,13 @@
     </p:spTree>
     <p:extLst>
       <p:ext uri="{BB962C8B-B14F-4D97-AF65-F5344CB8AC3E}">
-        <p14:creationId xmlns:p14="http://schemas.microsoft.com/office/powerpoint/2010/main" val="2213459273"/>
+        <p14:creationId xmlns:p14="http://schemas.microsoft.com/office/powerpoint/2010/main" val="4180889026"/>
       </p:ext>
     </p:extLst>
   </p:cSld>
   <p:clrMapOvr>
     <a:masterClrMapping/>
   </p:clrMapOvr>
-  <p:timing>
-    <p:tnLst>
-      <p:par>
-        <p:cTn id="1" dur="indefinite" restart="never" nodeType="tmRoot"/>
-      </p:par>
-    </p:tnLst>
-  </p:timing>
 </p:sld>
 </file>
 
@@ -6243,7 +7031,7 @@
           <a:p>
             <a:r>
               <a:rPr lang="en-US" dirty="0"/>
-              <a:t>Network 8-1</a:t>
+              <a:t>Network 7-2</a:t>
             </a:r>
           </a:p>
         </p:txBody>
@@ -6286,14 +7074,20 @@
           <a:p>
             <a:r>
               <a:rPr lang="en-US" dirty="0"/>
-              <a:t>Another cataract-focused network.</a:t>
+              <a:t>This network shows many functions related to keratinization (insertion of keratin into skin/hair cells).</a:t>
+            </a:r>
+          </a:p>
+          <a:p>
+            <a:r>
+              <a:rPr lang="en-US" dirty="0"/>
+              <a:t>Keratin is present in the lens epithelium, and forms a significant part of its structural integrity (Quinlan et al, 1999). This network may imply that keratin in the epithelial and early fiber cells plays a role in later cataract formation.</a:t>
             </a:r>
           </a:p>
         </p:txBody>
       </p:sp>
       <p:pic>
         <p:nvPicPr>
-          <p:cNvPr id="8" name="Content Placeholder 7"/>
+          <p:cNvPr id="7" name="Content Placeholder 6"/>
           <p:cNvPicPr>
             <a:picLocks noGrp="1" noChangeAspect="1"/>
           </p:cNvPicPr>
@@ -6315,14 +7109,14 @@
         </p:blipFill>
         <p:spPr>
           <a:xfrm>
-            <a:off x="4800600" y="797347"/>
-            <a:ext cx="6492875" cy="5126782"/>
+            <a:off x="1652468" y="731838"/>
+            <a:ext cx="4965938" cy="5257800"/>
           </a:xfrm>
         </p:spPr>
       </p:pic>
       <p:pic>
         <p:nvPicPr>
-          <p:cNvPr id="7" name="Picture 6"/>
+          <p:cNvPr id="3" name="Picture 2"/>
           <p:cNvPicPr>
             <a:picLocks noChangeAspect="1"/>
           </p:cNvPicPr>
@@ -6336,7 +7130,7 @@
         </p:blipFill>
         <p:spPr>
           <a:xfrm>
-            <a:off x="321307" y="1234816"/>
+            <a:off x="8406127" y="1115631"/>
             <a:ext cx="3472185" cy="2642023"/>
           </a:xfrm>
           <a:prstGeom prst="rect">
@@ -6347,20 +7141,13 @@
     </p:spTree>
     <p:extLst>
       <p:ext uri="{BB962C8B-B14F-4D97-AF65-F5344CB8AC3E}">
-        <p14:creationId xmlns:p14="http://schemas.microsoft.com/office/powerpoint/2010/main" val="2712752138"/>
+        <p14:creationId xmlns:p14="http://schemas.microsoft.com/office/powerpoint/2010/main" val="2213459273"/>
       </p:ext>
     </p:extLst>
   </p:cSld>
   <p:clrMapOvr>
     <a:masterClrMapping/>
   </p:clrMapOvr>
-  <p:timing>
-    <p:tnLst>
-      <p:par>
-        <p:cTn id="1" dur="indefinite" restart="never" nodeType="tmRoot"/>
-      </p:par>
-    </p:tnLst>
-  </p:timing>
 </p:sld>
 </file>
 
@@ -6398,7 +7185,7 @@
           <a:p>
             <a:r>
               <a:rPr lang="en-US" dirty="0"/>
-              <a:t>Network 8-2</a:t>
+              <a:t>Network 8-1</a:t>
             </a:r>
           </a:p>
         </p:txBody>
@@ -6418,13 +7205,37 @@
           <a:bodyPr/>
           <a:lstStyle/>
           <a:p>
-            <a:endParaRPr lang="en-US"/>
+            <a:endParaRPr lang="en-US" dirty="0"/>
+          </a:p>
+          <a:p>
+            <a:endParaRPr lang="en-US" dirty="0"/>
+          </a:p>
+          <a:p>
+            <a:endParaRPr lang="en-US" dirty="0"/>
+          </a:p>
+          <a:p>
+            <a:endParaRPr lang="en-US" dirty="0"/>
+          </a:p>
+          <a:p>
+            <a:endParaRPr lang="en-US" dirty="0"/>
+          </a:p>
+          <a:p>
+            <a:endParaRPr lang="en-US" dirty="0"/>
+          </a:p>
+          <a:p>
+            <a:endParaRPr lang="en-US" dirty="0"/>
+          </a:p>
+          <a:p>
+            <a:r>
+              <a:rPr lang="en-US" dirty="0"/>
+              <a:t>Another cataract-focused network.</a:t>
+            </a:r>
           </a:p>
         </p:txBody>
       </p:sp>
       <p:pic>
         <p:nvPicPr>
-          <p:cNvPr id="7" name="Content Placeholder 6"/>
+          <p:cNvPr id="8" name="Content Placeholder 7"/>
           <p:cNvPicPr>
             <a:picLocks noGrp="1" noChangeAspect="1"/>
           </p:cNvPicPr>
@@ -6446,14 +7257,14 @@
         </p:blipFill>
         <p:spPr>
           <a:xfrm>
-            <a:off x="1259208" y="868184"/>
-            <a:ext cx="5752458" cy="4985108"/>
+            <a:off x="4800600" y="797347"/>
+            <a:ext cx="6492875" cy="5126782"/>
           </a:xfrm>
         </p:spPr>
       </p:pic>
       <p:pic>
         <p:nvPicPr>
-          <p:cNvPr id="8" name="Picture 7"/>
+          <p:cNvPr id="7" name="Picture 6"/>
           <p:cNvPicPr>
             <a:picLocks noChangeAspect="1"/>
           </p:cNvPicPr>
@@ -6467,7 +7278,7 @@
         </p:blipFill>
         <p:spPr>
           <a:xfrm>
-            <a:off x="8406127" y="1218340"/>
+            <a:off x="321307" y="1234816"/>
             <a:ext cx="3472185" cy="2642023"/>
           </a:xfrm>
           <a:prstGeom prst="rect">
@@ -6478,20 +7289,13 @@
     </p:spTree>
     <p:extLst>
       <p:ext uri="{BB962C8B-B14F-4D97-AF65-F5344CB8AC3E}">
-        <p14:creationId xmlns:p14="http://schemas.microsoft.com/office/powerpoint/2010/main" val="1475227174"/>
+        <p14:creationId xmlns:p14="http://schemas.microsoft.com/office/powerpoint/2010/main" val="2712752138"/>
       </p:ext>
     </p:extLst>
   </p:cSld>
   <p:clrMapOvr>
     <a:masterClrMapping/>
   </p:clrMapOvr>
-  <p:timing>
-    <p:tnLst>
-      <p:par>
-        <p:cTn id="1" dur="indefinite" restart="never" nodeType="tmRoot"/>
-      </p:par>
-    </p:tnLst>
-  </p:timing>
 </p:sld>
 </file>
 
@@ -6529,7 +7333,7 @@
           <a:p>
             <a:r>
               <a:rPr lang="en-US" dirty="0"/>
-              <a:t>Network 20-1</a:t>
+              <a:t>Network 8-2</a:t>
             </a:r>
           </a:p>
         </p:txBody>
@@ -6549,71 +7353,7 @@
           <a:bodyPr/>
           <a:lstStyle/>
           <a:p>
-            <a:endParaRPr lang="en-US" dirty="0"/>
-          </a:p>
-          <a:p>
-            <a:endParaRPr lang="en-US" dirty="0"/>
-          </a:p>
-          <a:p>
-            <a:endParaRPr lang="en-US" dirty="0"/>
-          </a:p>
-          <a:p>
-            <a:endParaRPr lang="en-US" dirty="0"/>
-          </a:p>
-          <a:p>
-            <a:endParaRPr lang="en-US" dirty="0"/>
-          </a:p>
-          <a:p>
-            <a:endParaRPr lang="en-US" dirty="0"/>
-          </a:p>
-          <a:p>
-            <a:endParaRPr lang="en-US" dirty="0"/>
-          </a:p>
-          <a:p>
-            <a:r>
-              <a:rPr lang="en-US" dirty="0"/>
-              <a:t>A network related to metabolism, especially of </a:t>
-            </a:r>
-            <a:r>
-              <a:rPr lang="en-US" dirty="0" smtClean="0"/>
-              <a:t>sugars, fats, and amino acids. </a:t>
-            </a:r>
-            <a:r>
-              <a:rPr lang="en-US" dirty="0"/>
-              <a:t>Fatty acids affect the expression of lutein, which is shown to prevent cataract formation (</a:t>
-            </a:r>
-            <a:r>
-              <a:rPr lang="en-US" dirty="0" err="1"/>
-              <a:t>Padmanabha</a:t>
-            </a:r>
-            <a:r>
-              <a:rPr lang="en-US" dirty="0"/>
-              <a:t> &amp; </a:t>
-            </a:r>
-            <a:r>
-              <a:rPr lang="en-US" dirty="0" err="1"/>
-              <a:t>Vallikannan</a:t>
-            </a:r>
-            <a:r>
-              <a:rPr lang="en-US" dirty="0"/>
-              <a:t>, 2018); sugars are known to cause cataract, since an increased blood sugar concentration affects the concentration of the fiber cell cytoplasm (</a:t>
-            </a:r>
-            <a:r>
-              <a:rPr lang="en-US" dirty="0" err="1"/>
-              <a:t>Pollreisz</a:t>
-            </a:r>
-            <a:r>
-              <a:rPr lang="en-US" dirty="0"/>
-              <a:t> &amp; Schmidt-</a:t>
-            </a:r>
-            <a:r>
-              <a:rPr lang="en-US" dirty="0" err="1"/>
-              <a:t>Erfurth</a:t>
-            </a:r>
-            <a:r>
-              <a:rPr lang="en-US" dirty="0"/>
-              <a:t>, 2010)</a:t>
-            </a:r>
+            <a:endParaRPr lang="en-US"/>
           </a:p>
         </p:txBody>
       </p:sp>
@@ -6628,7 +7368,7 @@
           </p:nvPr>
         </p:nvPicPr>
         <p:blipFill>
-          <a:blip r:embed="rId2">
+          <a:blip r:embed="rId3" cstate="print">
             <a:extLst>
               <a:ext uri="{28A0092B-C50C-407E-A947-70E740481C1C}">
                 <a14:useLocalDpi xmlns:a14="http://schemas.microsoft.com/office/drawing/2010/main" val="0"/>
@@ -6641,29 +7381,29 @@
         </p:blipFill>
         <p:spPr>
           <a:xfrm>
-            <a:off x="5704674" y="731838"/>
-            <a:ext cx="4684727" cy="5257800"/>
+            <a:off x="1259208" y="868184"/>
+            <a:ext cx="5752458" cy="4985108"/>
           </a:xfrm>
         </p:spPr>
       </p:pic>
       <p:pic>
         <p:nvPicPr>
-          <p:cNvPr id="5" name="Picture 4"/>
+          <p:cNvPr id="8" name="Picture 7"/>
           <p:cNvPicPr>
             <a:picLocks noChangeAspect="1"/>
           </p:cNvPicPr>
           <p:nvPr/>
         </p:nvPicPr>
         <p:blipFill>
-          <a:blip r:embed="rId3"/>
+          <a:blip r:embed="rId4"/>
           <a:stretch>
             <a:fillRect/>
           </a:stretch>
         </p:blipFill>
         <p:spPr>
           <a:xfrm>
-            <a:off x="317392" y="1122028"/>
-            <a:ext cx="3480016" cy="2647982"/>
+            <a:off x="8406127" y="1218340"/>
+            <a:ext cx="3472185" cy="2642023"/>
           </a:xfrm>
           <a:prstGeom prst="rect">
             <a:avLst/>
@@ -6673,20 +7413,13 @@
     </p:spTree>
     <p:extLst>
       <p:ext uri="{BB962C8B-B14F-4D97-AF65-F5344CB8AC3E}">
-        <p14:creationId xmlns:p14="http://schemas.microsoft.com/office/powerpoint/2010/main" val="2012370489"/>
+        <p14:creationId xmlns:p14="http://schemas.microsoft.com/office/powerpoint/2010/main" val="1475227174"/>
       </p:ext>
     </p:extLst>
   </p:cSld>
   <p:clrMapOvr>
     <a:masterClrMapping/>
   </p:clrMapOvr>
-  <p:timing>
-    <p:tnLst>
-      <p:par>
-        <p:cTn id="1" dur="indefinite" restart="never" nodeType="tmRoot"/>
-      </p:par>
-    </p:tnLst>
-  </p:timing>
 </p:sld>
 </file>
 
@@ -6724,7 +7457,7 @@
           <a:p>
             <a:r>
               <a:rPr lang="en-US" dirty="0"/>
-              <a:t>Network 21-1</a:t>
+              <a:t>Network 20-1</a:t>
             </a:r>
           </a:p>
         </p:txBody>
@@ -6744,40 +7477,63 @@
           <a:bodyPr/>
           <a:lstStyle/>
           <a:p>
-            <a:endParaRPr lang="en-US" dirty="0" smtClean="0"/>
-          </a:p>
-          <a:p>
             <a:endParaRPr lang="en-US" dirty="0"/>
           </a:p>
           <a:p>
-            <a:endParaRPr lang="en-US" dirty="0" smtClean="0"/>
-          </a:p>
-          <a:p>
             <a:endParaRPr lang="en-US" dirty="0"/>
           </a:p>
           <a:p>
-            <a:endParaRPr lang="en-US" dirty="0" smtClean="0"/>
-          </a:p>
-          <a:p>
             <a:endParaRPr lang="en-US" dirty="0"/>
           </a:p>
           <a:p>
-            <a:endParaRPr lang="en-US" dirty="0" smtClean="0"/>
-          </a:p>
-          <a:p>
-            <a:r>
-              <a:rPr lang="en-US" dirty="0" smtClean="0"/>
-              <a:t>This network is heavily centered around the TNF (tumor necrosis factor) gene, which has many functions varying from tissue regeneration to apoptosis (</a:t>
-            </a:r>
-            <a:r>
-              <a:rPr lang="en-US" dirty="0" err="1" smtClean="0"/>
-              <a:t>Wajant</a:t>
-            </a:r>
-            <a:r>
-              <a:rPr lang="en-US" dirty="0" smtClean="0"/>
-              <a:t>, et al). </a:t>
-            </a:r>
             <a:endParaRPr lang="en-US" dirty="0"/>
+          </a:p>
+          <a:p>
+            <a:endParaRPr lang="en-US" dirty="0"/>
+          </a:p>
+          <a:p>
+            <a:endParaRPr lang="en-US" dirty="0"/>
+          </a:p>
+          <a:p>
+            <a:endParaRPr lang="en-US" dirty="0"/>
+          </a:p>
+          <a:p>
+            <a:r>
+              <a:rPr lang="en-US" dirty="0"/>
+              <a:t>A network related to metabolism, especially of sugars, fats, and amino acids. Fatty acids affect the expression of lutein, which is shown to prevent cataract formation (</a:t>
+            </a:r>
+            <a:r>
+              <a:rPr lang="en-US" dirty="0" err="1"/>
+              <a:t>Padmanabha</a:t>
+            </a:r>
+            <a:r>
+              <a:rPr lang="en-US" dirty="0"/>
+              <a:t> &amp; </a:t>
+            </a:r>
+            <a:r>
+              <a:rPr lang="en-US" dirty="0" err="1"/>
+              <a:t>Vallikannan</a:t>
+            </a:r>
+            <a:r>
+              <a:rPr lang="en-US" dirty="0"/>
+              <a:t>, 2018); sugars are known to cause cataract, since an increased blood sugar concentration affects the concentration of the fiber cell cytoplasm (</a:t>
+            </a:r>
+            <a:r>
+              <a:rPr lang="en-US" dirty="0" err="1"/>
+              <a:t>Pollreisz</a:t>
+            </a:r>
+            <a:r>
+              <a:rPr lang="en-US" dirty="0"/>
+              <a:t> &amp; Schmidt-</a:t>
+            </a:r>
+            <a:r>
+              <a:rPr lang="en-US" dirty="0" err="1"/>
+              <a:t>Erfurth</a:t>
+            </a:r>
+            <a:r>
+              <a:rPr lang="en-US" dirty="0"/>
+              <a:t>, 2010)</a:t>
+            </a:r>
           </a:p>
         </p:txBody>
       </p:sp>
@@ -6792,7 +7548,7 @@
           </p:nvPr>
         </p:nvPicPr>
         <p:blipFill>
-          <a:blip r:embed="rId2" cstate="print">
+          <a:blip r:embed="rId3">
             <a:extLst>
               <a:ext uri="{28A0092B-C50C-407E-A947-70E740481C1C}">
                 <a14:useLocalDpi xmlns:a14="http://schemas.microsoft.com/office/drawing/2010/main" val="0"/>
@@ -6805,28 +7561,28 @@
         </p:blipFill>
         <p:spPr>
           <a:xfrm>
-            <a:off x="1017483" y="731838"/>
-            <a:ext cx="6235908" cy="5257800"/>
+            <a:off x="5704674" y="731838"/>
+            <a:ext cx="4684727" cy="5257800"/>
           </a:xfrm>
         </p:spPr>
       </p:pic>
       <p:pic>
         <p:nvPicPr>
-          <p:cNvPr id="6" name="Picture 5"/>
+          <p:cNvPr id="5" name="Picture 4"/>
           <p:cNvPicPr>
             <a:picLocks noChangeAspect="1"/>
           </p:cNvPicPr>
           <p:nvPr/>
         </p:nvPicPr>
         <p:blipFill>
-          <a:blip r:embed="rId3"/>
+          <a:blip r:embed="rId4"/>
           <a:stretch>
             <a:fillRect/>
           </a:stretch>
         </p:blipFill>
         <p:spPr>
           <a:xfrm>
-            <a:off x="8402212" y="1109672"/>
+            <a:off x="317392" y="1122028"/>
             <a:ext cx="3480016" cy="2647982"/>
           </a:xfrm>
           <a:prstGeom prst="rect">
@@ -6837,20 +7593,13 @@
     </p:spTree>
     <p:extLst>
       <p:ext uri="{BB962C8B-B14F-4D97-AF65-F5344CB8AC3E}">
-        <p14:creationId xmlns:p14="http://schemas.microsoft.com/office/powerpoint/2010/main" val="2042388585"/>
+        <p14:creationId xmlns:p14="http://schemas.microsoft.com/office/powerpoint/2010/main" val="2012370489"/>
       </p:ext>
     </p:extLst>
   </p:cSld>
   <p:clrMapOvr>
     <a:masterClrMapping/>
   </p:clrMapOvr>
-  <p:timing>
-    <p:tnLst>
-      <p:par>
-        <p:cTn id="1" dur="indefinite" restart="never" nodeType="tmRoot"/>
-      </p:par>
-    </p:tnLst>
-  </p:timing>
 </p:sld>
 </file>
 
@@ -6883,21 +7632,70 @@
         </p:nvSpPr>
         <p:spPr/>
         <p:txBody>
-          <a:bodyPr>
-            <a:normAutofit/>
-          </a:bodyPr>
+          <a:bodyPr/>
           <a:lstStyle/>
           <a:p>
             <a:r>
-              <a:rPr lang="en-US" sz="4000" dirty="0"/>
-              <a:t>Cluster 20 – fructose metabolism pathway</a:t>
+              <a:rPr lang="en-US" dirty="0"/>
+              <a:t>Network 21-1</a:t>
+            </a:r>
+          </a:p>
+        </p:txBody>
+      </p:sp>
+      <p:sp>
+        <p:nvSpPr>
+          <p:cNvPr id="4" name="Text Placeholder 3"/>
+          <p:cNvSpPr>
+            <a:spLocks noGrp="1"/>
+          </p:cNvSpPr>
+          <p:nvPr>
+            <p:ph type="body" sz="half" idx="2"/>
+          </p:nvPr>
+        </p:nvSpPr>
+        <p:spPr/>
+        <p:txBody>
+          <a:bodyPr/>
+          <a:lstStyle/>
+          <a:p>
+            <a:endParaRPr lang="en-US" dirty="0"/>
+          </a:p>
+          <a:p>
+            <a:endParaRPr lang="en-US" dirty="0"/>
+          </a:p>
+          <a:p>
+            <a:endParaRPr lang="en-US" dirty="0"/>
+          </a:p>
+          <a:p>
+            <a:endParaRPr lang="en-US" dirty="0"/>
+          </a:p>
+          <a:p>
+            <a:endParaRPr lang="en-US" dirty="0"/>
+          </a:p>
+          <a:p>
+            <a:endParaRPr lang="en-US" dirty="0"/>
+          </a:p>
+          <a:p>
+            <a:endParaRPr lang="en-US" dirty="0"/>
+          </a:p>
+          <a:p>
+            <a:r>
+              <a:rPr lang="en-US" dirty="0"/>
+              <a:t>This network is heavily centered around the TNF (tumor necrosis factor) gene, which has many functions varying from tissue regeneration to apoptosis (</a:t>
+            </a:r>
+            <a:r>
+              <a:rPr lang="en-US" dirty="0" err="1"/>
+              <a:t>Wajant</a:t>
+            </a:r>
+            <a:r>
+              <a:rPr lang="en-US" dirty="0"/>
+              <a:t>, et al). </a:t>
             </a:r>
           </a:p>
         </p:txBody>
       </p:sp>
       <p:pic>
         <p:nvPicPr>
-          <p:cNvPr id="4" name="Content Placeholder 3"/>
+          <p:cNvPr id="7" name="Content Placeholder 6"/>
           <p:cNvPicPr>
             <a:picLocks noGrp="1" noChangeAspect="1"/>
           </p:cNvPicPr>
@@ -6919,6 +7717,113 @@
         </p:blipFill>
         <p:spPr>
           <a:xfrm>
+            <a:off x="1017483" y="731838"/>
+            <a:ext cx="6235908" cy="5257800"/>
+          </a:xfrm>
+        </p:spPr>
+      </p:pic>
+      <p:pic>
+        <p:nvPicPr>
+          <p:cNvPr id="6" name="Picture 5"/>
+          <p:cNvPicPr>
+            <a:picLocks noChangeAspect="1"/>
+          </p:cNvPicPr>
+          <p:nvPr/>
+        </p:nvPicPr>
+        <p:blipFill>
+          <a:blip r:embed="rId3"/>
+          <a:stretch>
+            <a:fillRect/>
+          </a:stretch>
+        </p:blipFill>
+        <p:spPr>
+          <a:xfrm>
+            <a:off x="8402212" y="1109672"/>
+            <a:ext cx="3480016" cy="2647982"/>
+          </a:xfrm>
+          <a:prstGeom prst="rect">
+            <a:avLst/>
+          </a:prstGeom>
+        </p:spPr>
+      </p:pic>
+    </p:spTree>
+    <p:extLst>
+      <p:ext uri="{BB962C8B-B14F-4D97-AF65-F5344CB8AC3E}">
+        <p14:creationId xmlns:p14="http://schemas.microsoft.com/office/powerpoint/2010/main" val="2042388585"/>
+      </p:ext>
+    </p:extLst>
+  </p:cSld>
+  <p:clrMapOvr>
+    <a:masterClrMapping/>
+  </p:clrMapOvr>
+</p:sld>
+</file>
+
+<file path=ppt/slides/slide19.xml><?xml version="1.0" encoding="utf-8"?>
+<p:sld xmlns:a="http://schemas.openxmlformats.org/drawingml/2006/main" xmlns:r="http://schemas.openxmlformats.org/officeDocument/2006/relationships" xmlns:p="http://schemas.openxmlformats.org/presentationml/2006/main">
+  <p:cSld>
+    <p:spTree>
+      <p:nvGrpSpPr>
+        <p:cNvPr id="1" name=""/>
+        <p:cNvGrpSpPr/>
+        <p:nvPr/>
+      </p:nvGrpSpPr>
+      <p:grpSpPr>
+        <a:xfrm>
+          <a:off x="0" y="0"/>
+          <a:ext cx="0" cy="0"/>
+          <a:chOff x="0" y="0"/>
+          <a:chExt cx="0" cy="0"/>
+        </a:xfrm>
+      </p:grpSpPr>
+      <p:sp>
+        <p:nvSpPr>
+          <p:cNvPr id="2" name="Title 1"/>
+          <p:cNvSpPr>
+            <a:spLocks noGrp="1"/>
+          </p:cNvSpPr>
+          <p:nvPr>
+            <p:ph type="title"/>
+          </p:nvPr>
+        </p:nvSpPr>
+        <p:spPr/>
+        <p:txBody>
+          <a:bodyPr>
+            <a:normAutofit/>
+          </a:bodyPr>
+          <a:lstStyle/>
+          <a:p>
+            <a:r>
+              <a:rPr lang="en-US" sz="4000" dirty="0"/>
+              <a:t>Cluster 20 – fructose metabolism pathway</a:t>
+            </a:r>
+          </a:p>
+        </p:txBody>
+      </p:sp>
+      <p:pic>
+        <p:nvPicPr>
+          <p:cNvPr id="4" name="Content Placeholder 3"/>
+          <p:cNvPicPr>
+            <a:picLocks noGrp="1" noChangeAspect="1"/>
+          </p:cNvPicPr>
+          <p:nvPr>
+            <p:ph idx="1"/>
+          </p:nvPr>
+        </p:nvPicPr>
+        <p:blipFill>
+          <a:blip r:embed="rId3" cstate="print">
+            <a:extLst>
+              <a:ext uri="{28A0092B-C50C-407E-A947-70E740481C1C}">
+                <a14:useLocalDpi xmlns:a14="http://schemas.microsoft.com/office/drawing/2010/main" val="0"/>
+              </a:ext>
+            </a:extLst>
+          </a:blip>
+          <a:stretch>
+            <a:fillRect/>
+          </a:stretch>
+        </p:blipFill>
+        <p:spPr>
+          <a:xfrm>
             <a:off x="3941309" y="1846263"/>
             <a:ext cx="4369708" cy="4022725"/>
           </a:xfrm>
@@ -6934,17 +7839,93 @@
   <p:clrMapOvr>
     <a:masterClrMapping/>
   </p:clrMapOvr>
-  <p:timing>
-    <p:tnLst>
-      <p:par>
-        <p:cTn id="1" dur="indefinite" restart="never" nodeType="tmRoot"/>
-      </p:par>
-    </p:tnLst>
-  </p:timing>
 </p:sld>
 </file>
 
-<file path=ppt/slides/slide19.xml><?xml version="1.0" encoding="utf-8"?>
+<file path=ppt/slides/slide2.xml><?xml version="1.0" encoding="utf-8"?>
+<p:sld xmlns:a="http://schemas.openxmlformats.org/drawingml/2006/main" xmlns:r="http://schemas.openxmlformats.org/officeDocument/2006/relationships" xmlns:p="http://schemas.openxmlformats.org/presentationml/2006/main" show="0">
+  <p:cSld>
+    <p:spTree>
+      <p:nvGrpSpPr>
+        <p:cNvPr id="1" name=""/>
+        <p:cNvGrpSpPr/>
+        <p:nvPr/>
+      </p:nvGrpSpPr>
+      <p:grpSpPr>
+        <a:xfrm>
+          <a:off x="0" y="0"/>
+          <a:ext cx="0" cy="0"/>
+          <a:chOff x="0" y="0"/>
+          <a:chExt cx="0" cy="0"/>
+        </a:xfrm>
+      </p:grpSpPr>
+      <p:sp>
+        <p:nvSpPr>
+          <p:cNvPr id="2" name="Title 1">
+            <a:extLst>
+              <a:ext uri="{FF2B5EF4-FFF2-40B4-BE49-F238E27FC236}">
+                <a16:creationId xmlns:a16="http://schemas.microsoft.com/office/drawing/2014/main" id="{7141D95F-53D4-4289-808E-BA42F55CEC78}"/>
+              </a:ext>
+            </a:extLst>
+          </p:cNvPr>
+          <p:cNvSpPr>
+            <a:spLocks noGrp="1"/>
+          </p:cNvSpPr>
+          <p:nvPr>
+            <p:ph type="title"/>
+          </p:nvPr>
+        </p:nvSpPr>
+        <p:spPr/>
+        <p:txBody>
+          <a:bodyPr/>
+          <a:lstStyle/>
+          <a:p>
+            <a:r>
+              <a:rPr lang="en-US" dirty="0"/>
+              <a:t>Abstract</a:t>
+            </a:r>
+          </a:p>
+        </p:txBody>
+      </p:sp>
+      <p:sp>
+        <p:nvSpPr>
+          <p:cNvPr id="3" name="Content Placeholder 2">
+            <a:extLst>
+              <a:ext uri="{FF2B5EF4-FFF2-40B4-BE49-F238E27FC236}">
+                <a16:creationId xmlns:a16="http://schemas.microsoft.com/office/drawing/2014/main" id="{21AEB97F-9559-463B-AEF5-0E9DFD571442}"/>
+              </a:ext>
+            </a:extLst>
+          </p:cNvPr>
+          <p:cNvSpPr>
+            <a:spLocks noGrp="1"/>
+          </p:cNvSpPr>
+          <p:nvPr>
+            <p:ph idx="1"/>
+          </p:nvPr>
+        </p:nvSpPr>
+        <p:spPr/>
+        <p:txBody>
+          <a:bodyPr/>
+          <a:lstStyle/>
+          <a:p>
+            <a:endParaRPr lang="en-US" dirty="0"/>
+          </a:p>
+        </p:txBody>
+      </p:sp>
+    </p:spTree>
+    <p:extLst>
+      <p:ext uri="{BB962C8B-B14F-4D97-AF65-F5344CB8AC3E}">
+        <p14:creationId xmlns:p14="http://schemas.microsoft.com/office/powerpoint/2010/main" val="3729086341"/>
+      </p:ext>
+    </p:extLst>
+  </p:cSld>
+  <p:clrMapOvr>
+    <a:masterClrMapping/>
+  </p:clrMapOvr>
+</p:sld>
+</file>
+
+<file path=ppt/slides/slide20.xml><?xml version="1.0" encoding="utf-8"?>
 <p:sld xmlns:a="http://schemas.openxmlformats.org/drawingml/2006/main" xmlns:r="http://schemas.openxmlformats.org/officeDocument/2006/relationships" xmlns:p="http://schemas.openxmlformats.org/presentationml/2006/main">
   <p:cSld>
     <p:spTree>
@@ -6970,36 +7951,6 @@
           <p:nvPr/>
         </p:nvPicPr>
         <p:blipFill>
-          <a:blip r:embed="rId2">
-            <a:extLst>
-              <a:ext uri="{28A0092B-C50C-407E-A947-70E740481C1C}">
-                <a14:useLocalDpi xmlns:a14="http://schemas.microsoft.com/office/drawing/2010/main" val="0"/>
-              </a:ext>
-            </a:extLst>
-          </a:blip>
-          <a:stretch>
-            <a:fillRect/>
-          </a:stretch>
-        </p:blipFill>
-        <p:spPr>
-          <a:xfrm>
-            <a:off x="101112" y="477715"/>
-            <a:ext cx="4634280" cy="2291862"/>
-          </a:xfrm>
-          <a:prstGeom prst="rect">
-            <a:avLst/>
-          </a:prstGeom>
-        </p:spPr>
-      </p:pic>
-      <p:pic>
-        <p:nvPicPr>
-          <p:cNvPr id="3" name="Picture 2"/>
-          <p:cNvPicPr>
-            <a:picLocks noChangeAspect="1"/>
-          </p:cNvPicPr>
-          <p:nvPr/>
-        </p:nvPicPr>
-        <p:blipFill>
           <a:blip r:embed="rId3">
             <a:extLst>
               <a:ext uri="{28A0092B-C50C-407E-A947-70E740481C1C}">
@@ -7013,8 +7964,8 @@
         </p:blipFill>
         <p:spPr>
           <a:xfrm>
-            <a:off x="6375685" y="482477"/>
-            <a:ext cx="4641592" cy="2287100"/>
+            <a:off x="101112" y="477715"/>
+            <a:ext cx="4634280" cy="2291862"/>
           </a:xfrm>
           <a:prstGeom prst="rect">
             <a:avLst/>
@@ -7023,7 +7974,7 @@
       </p:pic>
       <p:pic>
         <p:nvPicPr>
-          <p:cNvPr id="4" name="Picture 3"/>
+          <p:cNvPr id="3" name="Picture 2"/>
           <p:cNvPicPr>
             <a:picLocks noChangeAspect="1"/>
           </p:cNvPicPr>
@@ -7043,8 +7994,8 @@
         </p:blipFill>
         <p:spPr>
           <a:xfrm>
-            <a:off x="110834" y="3625362"/>
-            <a:ext cx="4624558" cy="2287100"/>
+            <a:off x="6375685" y="482477"/>
+            <a:ext cx="4641592" cy="2287100"/>
           </a:xfrm>
           <a:prstGeom prst="rect">
             <a:avLst/>
@@ -7053,7 +8004,7 @@
       </p:pic>
       <p:pic>
         <p:nvPicPr>
-          <p:cNvPr id="5" name="Picture 4"/>
+          <p:cNvPr id="4" name="Picture 3"/>
           <p:cNvPicPr>
             <a:picLocks noChangeAspect="1"/>
           </p:cNvPicPr>
@@ -7073,8 +8024,8 @@
         </p:blipFill>
         <p:spPr>
           <a:xfrm>
-            <a:off x="6369294" y="3625362"/>
-            <a:ext cx="4654375" cy="2287100"/>
+            <a:off x="110834" y="3625362"/>
+            <a:ext cx="4624558" cy="2287100"/>
           </a:xfrm>
           <a:prstGeom prst="rect">
             <a:avLst/>
@@ -7083,14 +8034,14 @@
       </p:pic>
       <p:pic>
         <p:nvPicPr>
-          <p:cNvPr id="6" name="Picture 5"/>
+          <p:cNvPr id="5" name="Picture 4"/>
           <p:cNvPicPr>
             <a:picLocks noChangeAspect="1"/>
           </p:cNvPicPr>
           <p:nvPr/>
         </p:nvPicPr>
         <p:blipFill>
-          <a:blip r:embed="rId6" cstate="print">
+          <a:blip r:embed="rId6">
             <a:extLst>
               <a:ext uri="{28A0092B-C50C-407E-A947-70E740481C1C}">
                 <a14:useLocalDpi xmlns:a14="http://schemas.microsoft.com/office/drawing/2010/main" val="0"/>
@@ -7103,8 +8054,8 @@
         </p:blipFill>
         <p:spPr>
           <a:xfrm>
-            <a:off x="4823315" y="477715"/>
-            <a:ext cx="1016376" cy="500796"/>
+            <a:off x="6369294" y="3625362"/>
+            <a:ext cx="4654375" cy="2287100"/>
           </a:xfrm>
           <a:prstGeom prst="rect">
             <a:avLst/>
@@ -7113,7 +8064,7 @@
       </p:pic>
       <p:pic>
         <p:nvPicPr>
-          <p:cNvPr id="7" name="Picture 6"/>
+          <p:cNvPr id="6" name="Picture 5"/>
           <p:cNvPicPr>
             <a:picLocks noChangeAspect="1"/>
           </p:cNvPicPr>
@@ -7133,8 +8084,8 @@
         </p:blipFill>
         <p:spPr>
           <a:xfrm>
-            <a:off x="4822420" y="1122850"/>
-            <a:ext cx="1017271" cy="500796"/>
+            <a:off x="4823315" y="477715"/>
+            <a:ext cx="1016376" cy="500796"/>
           </a:xfrm>
           <a:prstGeom prst="rect">
             <a:avLst/>
@@ -7143,7 +8094,7 @@
       </p:pic>
       <p:pic>
         <p:nvPicPr>
-          <p:cNvPr id="8" name="Picture 7"/>
+          <p:cNvPr id="7" name="Picture 6"/>
           <p:cNvPicPr>
             <a:picLocks noChangeAspect="1"/>
           </p:cNvPicPr>
@@ -7163,8 +8114,8 @@
         </p:blipFill>
         <p:spPr>
           <a:xfrm>
-            <a:off x="11144090" y="477715"/>
-            <a:ext cx="977228" cy="301504"/>
+            <a:off x="4822420" y="1122850"/>
+            <a:ext cx="1017271" cy="500796"/>
           </a:xfrm>
           <a:prstGeom prst="rect">
             <a:avLst/>
@@ -7173,7 +8124,7 @@
       </p:pic>
       <p:pic>
         <p:nvPicPr>
-          <p:cNvPr id="9" name="Picture 8"/>
+          <p:cNvPr id="8" name="Picture 7"/>
           <p:cNvPicPr>
             <a:picLocks noChangeAspect="1"/>
           </p:cNvPicPr>
@@ -7193,8 +8144,8 @@
         </p:blipFill>
         <p:spPr>
           <a:xfrm>
-            <a:off x="11144090" y="978511"/>
-            <a:ext cx="1018193" cy="500796"/>
+            <a:off x="11144090" y="477715"/>
+            <a:ext cx="977228" cy="301504"/>
           </a:xfrm>
           <a:prstGeom prst="rect">
             <a:avLst/>
@@ -7203,7 +8154,7 @@
       </p:pic>
       <p:pic>
         <p:nvPicPr>
-          <p:cNvPr id="10" name="Picture 9"/>
+          <p:cNvPr id="9" name="Picture 8"/>
           <p:cNvPicPr>
             <a:picLocks noChangeAspect="1"/>
           </p:cNvPicPr>
@@ -7223,8 +8174,8 @@
         </p:blipFill>
         <p:spPr>
           <a:xfrm>
-            <a:off x="4822420" y="3625362"/>
-            <a:ext cx="1017271" cy="501719"/>
+            <a:off x="11144090" y="978511"/>
+            <a:ext cx="1018193" cy="500796"/>
           </a:xfrm>
           <a:prstGeom prst="rect">
             <a:avLst/>
@@ -7233,7 +8184,7 @@
       </p:pic>
       <p:pic>
         <p:nvPicPr>
-          <p:cNvPr id="11" name="Picture 10"/>
+          <p:cNvPr id="10" name="Picture 9"/>
           <p:cNvPicPr>
             <a:picLocks noChangeAspect="1"/>
           </p:cNvPicPr>
@@ -7253,8 +8204,8 @@
         </p:blipFill>
         <p:spPr>
           <a:xfrm>
-            <a:off x="11104020" y="3625361"/>
-            <a:ext cx="1017298" cy="501719"/>
+            <a:off x="4822420" y="3625362"/>
+            <a:ext cx="1017271" cy="501719"/>
           </a:xfrm>
           <a:prstGeom prst="rect">
             <a:avLst/>
@@ -7263,7 +8214,7 @@
       </p:pic>
       <p:pic>
         <p:nvPicPr>
-          <p:cNvPr id="12" name="Picture 11"/>
+          <p:cNvPr id="11" name="Picture 10"/>
           <p:cNvPicPr>
             <a:picLocks noChangeAspect="1"/>
           </p:cNvPicPr>
@@ -7283,8 +8234,8 @@
         </p:blipFill>
         <p:spPr>
           <a:xfrm>
-            <a:off x="11102171" y="4325449"/>
-            <a:ext cx="1019147" cy="500796"/>
+            <a:off x="11104020" y="3625361"/>
+            <a:ext cx="1017298" cy="501719"/>
           </a:xfrm>
           <a:prstGeom prst="rect">
             <a:avLst/>
@@ -7293,7 +8244,7 @@
       </p:pic>
       <p:pic>
         <p:nvPicPr>
-          <p:cNvPr id="13" name="Picture 12"/>
+          <p:cNvPr id="12" name="Picture 11"/>
           <p:cNvPicPr>
             <a:picLocks noChangeAspect="1"/>
           </p:cNvPicPr>
@@ -7313,6 +8264,36 @@
         </p:blipFill>
         <p:spPr>
           <a:xfrm>
+            <a:off x="11102171" y="4325449"/>
+            <a:ext cx="1019147" cy="500796"/>
+          </a:xfrm>
+          <a:prstGeom prst="rect">
+            <a:avLst/>
+          </a:prstGeom>
+        </p:spPr>
+      </p:pic>
+      <p:pic>
+        <p:nvPicPr>
+          <p:cNvPr id="13" name="Picture 12"/>
+          <p:cNvPicPr>
+            <a:picLocks noChangeAspect="1"/>
+          </p:cNvPicPr>
+          <p:nvPr/>
+        </p:nvPicPr>
+        <p:blipFill>
+          <a:blip r:embed="rId14" cstate="print">
+            <a:extLst>
+              <a:ext uri="{28A0092B-C50C-407E-A947-70E740481C1C}">
+                <a14:useLocalDpi xmlns:a14="http://schemas.microsoft.com/office/drawing/2010/main" val="0"/>
+              </a:ext>
+            </a:extLst>
+          </a:blip>
+          <a:stretch>
+            <a:fillRect/>
+          </a:stretch>
+        </p:blipFill>
+        <p:spPr>
+          <a:xfrm>
             <a:off x="11102171" y="5024614"/>
             <a:ext cx="1017271" cy="501706"/>
           </a:xfrm>
@@ -7331,139 +8312,6 @@
   <p:clrMapOvr>
     <a:masterClrMapping/>
   </p:clrMapOvr>
-  <p:timing>
-    <p:tnLst>
-      <p:par>
-        <p:cTn id="1" dur="indefinite" restart="never" nodeType="tmRoot"/>
-      </p:par>
-    </p:tnLst>
-  </p:timing>
-</p:sld>
-</file>
-
-<file path=ppt/slides/slide2.xml><?xml version="1.0" encoding="utf-8"?>
-<p:sld xmlns:a="http://schemas.openxmlformats.org/drawingml/2006/main" xmlns:r="http://schemas.openxmlformats.org/officeDocument/2006/relationships" xmlns:p="http://schemas.openxmlformats.org/presentationml/2006/main">
-  <p:cSld>
-    <p:spTree>
-      <p:nvGrpSpPr>
-        <p:cNvPr id="1" name=""/>
-        <p:cNvGrpSpPr/>
-        <p:nvPr/>
-      </p:nvGrpSpPr>
-      <p:grpSpPr>
-        <a:xfrm>
-          <a:off x="0" y="0"/>
-          <a:ext cx="0" cy="0"/>
-          <a:chOff x="0" y="0"/>
-          <a:chExt cx="0" cy="0"/>
-        </a:xfrm>
-      </p:grpSpPr>
-      <p:sp>
-        <p:nvSpPr>
-          <p:cNvPr id="3" name="Text Placeholder 2"/>
-          <p:cNvSpPr>
-            <a:spLocks noGrp="1"/>
-          </p:cNvSpPr>
-          <p:nvPr>
-            <p:ph type="body" idx="1"/>
-          </p:nvPr>
-        </p:nvSpPr>
-        <p:spPr/>
-        <p:txBody>
-          <a:bodyPr/>
-          <a:lstStyle/>
-          <a:p>
-            <a:r>
-              <a:rPr lang="en-US" dirty="0"/>
-              <a:t>Introduction</a:t>
-            </a:r>
-          </a:p>
-        </p:txBody>
-      </p:sp>
-    </p:spTree>
-    <p:extLst>
-      <p:ext uri="{BB962C8B-B14F-4D97-AF65-F5344CB8AC3E}">
-        <p14:creationId xmlns:p14="http://schemas.microsoft.com/office/powerpoint/2010/main" val="939011183"/>
-      </p:ext>
-    </p:extLst>
-  </p:cSld>
-  <p:clrMapOvr>
-    <a:masterClrMapping/>
-  </p:clrMapOvr>
-  <p:timing>
-    <p:tnLst>
-      <p:par>
-        <p:cTn id="1" dur="indefinite" restart="never" nodeType="tmRoot"/>
-      </p:par>
-    </p:tnLst>
-  </p:timing>
-</p:sld>
-</file>
-
-<file path=ppt/slides/slide20.xml><?xml version="1.0" encoding="utf-8"?>
-<p:sld xmlns:a="http://schemas.openxmlformats.org/drawingml/2006/main" xmlns:r="http://schemas.openxmlformats.org/officeDocument/2006/relationships" xmlns:p="http://schemas.openxmlformats.org/presentationml/2006/main">
-  <p:cSld>
-    <p:spTree>
-      <p:nvGrpSpPr>
-        <p:cNvPr id="1" name=""/>
-        <p:cNvGrpSpPr/>
-        <p:nvPr/>
-      </p:nvGrpSpPr>
-      <p:grpSpPr>
-        <a:xfrm>
-          <a:off x="0" y="0"/>
-          <a:ext cx="0" cy="0"/>
-          <a:chOff x="0" y="0"/>
-          <a:chExt cx="0" cy="0"/>
-        </a:xfrm>
-      </p:grpSpPr>
-      <p:sp>
-        <p:nvSpPr>
-          <p:cNvPr id="3" name="Text Placeholder 2"/>
-          <p:cNvSpPr>
-            <a:spLocks noGrp="1"/>
-          </p:cNvSpPr>
-          <p:nvPr>
-            <p:ph type="body" idx="1"/>
-          </p:nvPr>
-        </p:nvSpPr>
-        <p:spPr/>
-        <p:txBody>
-          <a:bodyPr/>
-          <a:lstStyle/>
-          <a:p>
-            <a:r>
-              <a:rPr lang="en-US" dirty="0"/>
-              <a:t>Discussion</a:t>
-            </a:r>
-          </a:p>
-        </p:txBody>
-      </p:sp>
-    </p:spTree>
-    <p:extLst>
-      <p:ext uri="{BB962C8B-B14F-4D97-AF65-F5344CB8AC3E}">
-        <p14:creationId xmlns:p14="http://schemas.microsoft.com/office/powerpoint/2010/main" val="2471942181"/>
-      </p:ext>
-    </p:extLst>
-  </p:cSld>
-  <p:clrMapOvr>
-    <a:masterClrMapping/>
-  </p:clrMapOvr>
-  <mc:AlternateContent xmlns:mc="http://schemas.openxmlformats.org/markup-compatibility/2006">
-    <mc:Choice xmlns:p14="http://schemas.microsoft.com/office/powerpoint/2010/main" Requires="p14">
-      <p:transition spd="slow" p14:dur="2000"/>
-    </mc:Choice>
-    <mc:Fallback>
-      <p:transition spd="slow"/>
-    </mc:Fallback>
-  </mc:AlternateContent>
-  <p:timing>
-    <p:tnLst>
-      <p:par>
-        <p:cTn id="1" dur="indefinite" restart="never" nodeType="tmRoot"/>
-      </p:par>
-    </p:tnLst>
-  </p:timing>
 </p:sld>
 </file>
 
@@ -7486,12 +8334,12 @@
       </p:grpSpPr>
       <p:sp>
         <p:nvSpPr>
-          <p:cNvPr id="2" name="Title 1"/>
-          <p:cNvSpPr>
-            <a:spLocks noGrp="1"/>
-          </p:cNvSpPr>
-          <p:nvPr>
-            <p:ph type="title"/>
+          <p:cNvPr id="3" name="Text Placeholder 2"/>
+          <p:cNvSpPr>
+            <a:spLocks noGrp="1"/>
+          </p:cNvSpPr>
+          <p:nvPr>
+            <p:ph type="body" idx="1"/>
           </p:nvPr>
         </p:nvSpPr>
         <p:spPr/>
@@ -7500,10 +8348,61 @@
           <a:lstStyle/>
           <a:p>
             <a:r>
-              <a:rPr lang="en-US" dirty="0" smtClean="0"/>
+              <a:rPr lang="en-US" dirty="0"/>
+              <a:t>Discussion</a:t>
+            </a:r>
+          </a:p>
+        </p:txBody>
+      </p:sp>
+    </p:spTree>
+    <p:extLst>
+      <p:ext uri="{BB962C8B-B14F-4D97-AF65-F5344CB8AC3E}">
+        <p14:creationId xmlns:p14="http://schemas.microsoft.com/office/powerpoint/2010/main" val="2471942181"/>
+      </p:ext>
+    </p:extLst>
+  </p:cSld>
+  <p:clrMapOvr>
+    <a:masterClrMapping/>
+  </p:clrMapOvr>
+</p:sld>
+</file>
+
+<file path=ppt/slides/slide22.xml><?xml version="1.0" encoding="utf-8"?>
+<p:sld xmlns:a="http://schemas.openxmlformats.org/drawingml/2006/main" xmlns:r="http://schemas.openxmlformats.org/officeDocument/2006/relationships" xmlns:p="http://schemas.openxmlformats.org/presentationml/2006/main">
+  <p:cSld>
+    <p:spTree>
+      <p:nvGrpSpPr>
+        <p:cNvPr id="1" name=""/>
+        <p:cNvGrpSpPr/>
+        <p:nvPr/>
+      </p:nvGrpSpPr>
+      <p:grpSpPr>
+        <a:xfrm>
+          <a:off x="0" y="0"/>
+          <a:ext cx="0" cy="0"/>
+          <a:chOff x="0" y="0"/>
+          <a:chExt cx="0" cy="0"/>
+        </a:xfrm>
+      </p:grpSpPr>
+      <p:sp>
+        <p:nvSpPr>
+          <p:cNvPr id="2" name="Title 1"/>
+          <p:cNvSpPr>
+            <a:spLocks noGrp="1"/>
+          </p:cNvSpPr>
+          <p:nvPr>
+            <p:ph type="title"/>
+          </p:nvPr>
+        </p:nvSpPr>
+        <p:spPr/>
+        <p:txBody>
+          <a:bodyPr/>
+          <a:lstStyle/>
+          <a:p>
+            <a:r>
+              <a:rPr lang="en-US" dirty="0"/>
               <a:t>Networks</a:t>
             </a:r>
-            <a:endParaRPr lang="en-US" dirty="0"/>
           </a:p>
         </p:txBody>
       </p:sp>
@@ -7528,15 +8427,15 @@
           <a:lstStyle/>
           <a:p>
             <a:r>
-              <a:rPr lang="en-US" dirty="0" smtClean="0"/>
+              <a:rPr lang="en-US" dirty="0"/>
               <a:t>The prevalence of keratin genes and keratin-related functions within this network implies that keratin genes play a role in </a:t>
             </a:r>
             <a:r>
-              <a:rPr lang="en-US" dirty="0" err="1" smtClean="0"/>
+              <a:rPr lang="en-US" dirty="0" err="1"/>
               <a:t>cataractogenesis</a:t>
             </a:r>
             <a:r>
-              <a:rPr lang="en-US" dirty="0" smtClean="0"/>
+              <a:rPr lang="en-US" dirty="0"/>
               <a:t>. As previously stated, keratin is found in lens epithelial and young fiber cells, and this presence may leave structural and/or chemical remnants that lead to development of cataract.</a:t>
             </a:r>
           </a:p>
@@ -7545,10 +8444,9 @@
           </a:p>
           <a:p>
             <a:r>
-              <a:rPr lang="en-US" dirty="0" smtClean="0"/>
+              <a:rPr lang="en-US" dirty="0"/>
               <a:t>Other genes here (LIM2, BFSP1, BFSP2) also encode lens structural proteins, reinforcing the hypothesis that the structural protein keratin is associated with cataract.</a:t>
             </a:r>
-            <a:endParaRPr lang="en-US" dirty="0"/>
           </a:p>
         </p:txBody>
       </p:sp>
@@ -7605,10 +8503,9 @@
           <a:lstStyle/>
           <a:p>
             <a:r>
-              <a:rPr lang="en-US" sz="1600" dirty="0" smtClean="0"/>
+              <a:rPr lang="en-US" sz="1600" dirty="0"/>
               <a:t>Network 7-2</a:t>
             </a:r>
-            <a:endParaRPr lang="en-US" sz="1600" dirty="0"/>
           </a:p>
         </p:txBody>
       </p:sp>
@@ -7622,17 +8519,10 @@
   <p:clrMapOvr>
     <a:masterClrMapping/>
   </p:clrMapOvr>
-  <p:timing>
-    <p:tnLst>
-      <p:par>
-        <p:cTn id="1" dur="indefinite" restart="never" nodeType="tmRoot"/>
-      </p:par>
-    </p:tnLst>
-  </p:timing>
 </p:sld>
 </file>
 
-<file path=ppt/slides/slide22.xml><?xml version="1.0" encoding="utf-8"?>
+<file path=ppt/slides/slide23.xml><?xml version="1.0" encoding="utf-8"?>
 <p:sld xmlns:a="http://schemas.openxmlformats.org/drawingml/2006/main" xmlns:r="http://schemas.openxmlformats.org/officeDocument/2006/relationships" xmlns:p="http://schemas.openxmlformats.org/presentationml/2006/main">
   <p:cSld>
     <p:spTree>
@@ -7665,10 +8555,9 @@
           <a:lstStyle/>
           <a:p>
             <a:r>
-              <a:rPr lang="en-US" dirty="0" smtClean="0"/>
+              <a:rPr lang="en-US" dirty="0"/>
               <a:t>Networks</a:t>
             </a:r>
-            <a:endParaRPr lang="en-US" dirty="0"/>
           </a:p>
         </p:txBody>
       </p:sp>
@@ -7693,35 +8582,34 @@
           <a:lstStyle/>
           <a:p>
             <a:r>
-              <a:rPr lang="en-US" dirty="0" smtClean="0"/>
+              <a:rPr lang="en-US" dirty="0"/>
               <a:t>TNF affects many of the genes in this network; it causes an increase in DEFB4A/DEFB4B and CHI3L1 genes, and it and CRYBA4/CRYBB2 are both impacted by D-galactose. </a:t>
             </a:r>
           </a:p>
           <a:p>
-            <a:endParaRPr lang="en-US" dirty="0" smtClean="0"/>
-          </a:p>
-          <a:p>
-            <a:r>
-              <a:rPr lang="en-US" dirty="0" smtClean="0"/>
+            <a:endParaRPr lang="en-US" dirty="0"/>
+          </a:p>
+          <a:p>
+            <a:r>
+              <a:rPr lang="en-US" dirty="0"/>
               <a:t>The DEFB4 genes encode </a:t>
             </a:r>
             <a:r>
-              <a:rPr lang="en-US" dirty="0" err="1" smtClean="0"/>
+              <a:rPr lang="en-US" dirty="0" err="1"/>
               <a:t>defensin</a:t>
             </a:r>
             <a:r>
-              <a:rPr lang="en-US" dirty="0" smtClean="0"/>
+              <a:rPr lang="en-US" dirty="0"/>
               <a:t> antimicrobial protein, and CHI3L1 encodes a chitin-</a:t>
             </a:r>
             <a:r>
-              <a:rPr lang="en-US" dirty="0" err="1" smtClean="0"/>
+              <a:rPr lang="en-US" dirty="0" err="1"/>
               <a:t>hydrolysing</a:t>
             </a:r>
             <a:r>
-              <a:rPr lang="en-US" dirty="0" smtClean="0"/>
+              <a:rPr lang="en-US" dirty="0"/>
               <a:t> enzyme; this may mean that antimicrobial pathways play a role in cataract, and may even imply that cataract is affected by microbial factors.</a:t>
             </a:r>
-            <a:endParaRPr lang="en-US" dirty="0"/>
           </a:p>
         </p:txBody>
       </p:sp>
@@ -7778,10 +8666,9 @@
           <a:lstStyle/>
           <a:p>
             <a:r>
-              <a:rPr lang="en-US" sz="1600" dirty="0" smtClean="0"/>
+              <a:rPr lang="en-US" sz="1600" dirty="0"/>
               <a:t>Network 21-1</a:t>
             </a:r>
-            <a:endParaRPr lang="en-US" sz="1600" dirty="0"/>
           </a:p>
         </p:txBody>
       </p:sp>
@@ -7795,17 +8682,10 @@
   <p:clrMapOvr>
     <a:masterClrMapping/>
   </p:clrMapOvr>
-  <p:timing>
-    <p:tnLst>
-      <p:par>
-        <p:cTn id="1" dur="indefinite" restart="never" nodeType="tmRoot"/>
-      </p:par>
-    </p:tnLst>
-  </p:timing>
 </p:sld>
 </file>
 
-<file path=ppt/slides/slide23.xml><?xml version="1.0" encoding="utf-8"?>
+<file path=ppt/slides/slide24.xml><?xml version="1.0" encoding="utf-8"?>
 <p:sld xmlns:a="http://schemas.openxmlformats.org/drawingml/2006/main" xmlns:r="http://schemas.openxmlformats.org/officeDocument/2006/relationships" xmlns:p="http://schemas.openxmlformats.org/presentationml/2006/main">
   <p:cSld>
     <p:spTree>
@@ -7827,6 +8707,109 @@
           <p:cNvPr id="2" name="Title 1">
             <a:extLst>
               <a:ext uri="{FF2B5EF4-FFF2-40B4-BE49-F238E27FC236}">
+                <a16:creationId xmlns:a16="http://schemas.microsoft.com/office/drawing/2014/main" id="{35AFF18C-29BB-4C3D-BA5D-42FDB124503E}"/>
+              </a:ext>
+            </a:extLst>
+          </p:cNvPr>
+          <p:cNvSpPr>
+            <a:spLocks noGrp="1"/>
+          </p:cNvSpPr>
+          <p:nvPr>
+            <p:ph type="title"/>
+          </p:nvPr>
+        </p:nvSpPr>
+        <p:spPr/>
+        <p:txBody>
+          <a:bodyPr/>
+          <a:lstStyle/>
+          <a:p>
+            <a:r>
+              <a:rPr lang="en-US" dirty="0"/>
+              <a:t>Conclusion</a:t>
+            </a:r>
+          </a:p>
+        </p:txBody>
+      </p:sp>
+      <p:sp>
+        <p:nvSpPr>
+          <p:cNvPr id="3" name="Content Placeholder 2">
+            <a:extLst>
+              <a:ext uri="{FF2B5EF4-FFF2-40B4-BE49-F238E27FC236}">
+                <a16:creationId xmlns:a16="http://schemas.microsoft.com/office/drawing/2014/main" id="{3C3BBF61-6E16-4748-B4AB-8585E431704D}"/>
+              </a:ext>
+            </a:extLst>
+          </p:cNvPr>
+          <p:cNvSpPr>
+            <a:spLocks noGrp="1"/>
+          </p:cNvSpPr>
+          <p:nvPr>
+            <p:ph idx="1"/>
+          </p:nvPr>
+        </p:nvSpPr>
+        <p:spPr/>
+        <p:txBody>
+          <a:bodyPr/>
+          <a:lstStyle/>
+          <a:p>
+            <a:r>
+              <a:rPr lang="en-US" dirty="0"/>
+              <a:t>We have found two functions previously unassociated with </a:t>
+            </a:r>
+            <a:r>
+              <a:rPr lang="en-US" dirty="0" err="1"/>
+              <a:t>cataractogenesis</a:t>
+            </a:r>
+            <a:r>
+              <a:rPr lang="en-US" dirty="0"/>
+              <a:t>. The impact of keratin on epithelial and fiber cells may be an important factor in cataract formation during old age. In addition, the action of TNF genes and their impact on other genes may also influence cataract. Of course, further investigation is needed to confirm these links.</a:t>
+            </a:r>
+          </a:p>
+          <a:p>
+            <a:r>
+              <a:rPr lang="en-US" dirty="0"/>
+              <a:t>Cataract remains a highly prevalent problem around the world. Further elucidation of the causes and pathways leading to cataract can lead to development of therapies and treatments aimed at these causes, helping to prevent and ultimately treat cataracts non-surgically. Such a breakthrough will have large impacts on cataract prevalence, especially in third-world countries and among people with poor healthcare or socioeconomic status.</a:t>
+            </a:r>
+          </a:p>
+          <a:p>
+            <a:endParaRPr lang="en-US" dirty="0"/>
+          </a:p>
+        </p:txBody>
+      </p:sp>
+    </p:spTree>
+    <p:extLst>
+      <p:ext uri="{BB962C8B-B14F-4D97-AF65-F5344CB8AC3E}">
+        <p14:creationId xmlns:p14="http://schemas.microsoft.com/office/powerpoint/2010/main" val="420357700"/>
+      </p:ext>
+    </p:extLst>
+  </p:cSld>
+  <p:clrMapOvr>
+    <a:masterClrMapping/>
+  </p:clrMapOvr>
+</p:sld>
+</file>
+
+<file path=ppt/slides/slide25.xml><?xml version="1.0" encoding="utf-8"?>
+<p:sld xmlns:a="http://schemas.openxmlformats.org/drawingml/2006/main" xmlns:r="http://schemas.openxmlformats.org/officeDocument/2006/relationships" xmlns:p="http://schemas.openxmlformats.org/presentationml/2006/main">
+  <p:cSld>
+    <p:spTree>
+      <p:nvGrpSpPr>
+        <p:cNvPr id="1" name=""/>
+        <p:cNvGrpSpPr/>
+        <p:nvPr/>
+      </p:nvGrpSpPr>
+      <p:grpSpPr>
+        <a:xfrm>
+          <a:off x="0" y="0"/>
+          <a:ext cx="0" cy="0"/>
+          <a:chOff x="0" y="0"/>
+          <a:chExt cx="0" cy="0"/>
+        </a:xfrm>
+      </p:grpSpPr>
+      <p:sp>
+        <p:nvSpPr>
+          <p:cNvPr id="2" name="Title 1">
+            <a:extLst>
+              <a:ext uri="{FF2B5EF4-FFF2-40B4-BE49-F238E27FC236}">
                 <a16:creationId xmlns:a16="http://schemas.microsoft.com/office/drawing/2014/main" id="{31524436-7470-4F18-B985-FED8070CCDCC}"/>
               </a:ext>
             </a:extLst>
@@ -7868,35 +8851,25 @@
         </p:nvSpPr>
         <p:spPr/>
         <p:txBody>
-          <a:bodyPr/>
+          <a:bodyPr>
+            <a:normAutofit lnSpcReduction="10000"/>
+          </a:bodyPr>
           <a:lstStyle/>
           <a:p>
             <a:pPr marL="574675" indent="-457200">
               <a:buNone/>
             </a:pPr>
             <a:r>
-              <a:rPr lang="en-US" dirty="0" err="1"/>
-              <a:t>Padmanabha</a:t>
-            </a:r>
-            <a:r>
               <a:rPr lang="en-US" dirty="0"/>
-              <a:t>, Smitha, and Baskaran </a:t>
-            </a:r>
-            <a:r>
-              <a:rPr lang="en-US" dirty="0" err="1"/>
-              <a:t>Vallikannan</a:t>
+              <a:t>Congdon, Nathan G. “Important Causes of Visual Impairment in the World Today.” </a:t>
+            </a:r>
+            <a:r>
+              <a:rPr lang="en-US" i="1" dirty="0"/>
+              <a:t>Jama</a:t>
             </a:r>
             <a:r>
               <a:rPr lang="en-US" dirty="0"/>
-              <a:t>. “Fatty Acids Modulate the Efficacy of Lutein in Cataract Prevention: Assessment of Oxidative and Inflammatory Parameters in Rats.” </a:t>
-            </a:r>
-            <a:r>
-              <a:rPr lang="en-US" i="1" dirty="0"/>
-              <a:t>Biochemical and Biophysical Research Communications</a:t>
-            </a:r>
-            <a:r>
-              <a:rPr lang="en-US" dirty="0"/>
-              <a:t>, vol. 500, no. 2, 2 June 2018, pp. 435–442., doi:10.1016/j.bbrc.2018.04.098.</a:t>
+              <a:t>, vol. 290, no. 15, 15 Oct. 2003, pp. 2057–2060., doi:10.1001/jama.290.15.2057.</a:t>
             </a:r>
           </a:p>
           <a:p>
@@ -7905,27 +8878,27 @@
             </a:pPr>
             <a:r>
               <a:rPr lang="en-US" dirty="0" err="1"/>
-              <a:t>Pollreisz</a:t>
+              <a:t>Padmanabha</a:t>
             </a:r>
             <a:r>
               <a:rPr lang="en-US" dirty="0"/>
-              <a:t>, Andreas, and Ursula Schmidt-</a:t>
+              <a:t>, Smitha, and Baskaran </a:t>
             </a:r>
             <a:r>
               <a:rPr lang="en-US" dirty="0" err="1"/>
-              <a:t>Erfurth</a:t>
+              <a:t>Vallikannan</a:t>
             </a:r>
             <a:r>
               <a:rPr lang="en-US" dirty="0"/>
-              <a:t>. “Diabetic Cataract—Pathogenesis, Epidemiology and Treatment.” </a:t>
+              <a:t>. “Fatty Acids Modulate the Efficacy of Lutein in Cataract Prevention: Assessment of Oxidative and Inflammatory Parameters in Rats.” </a:t>
             </a:r>
             <a:r>
               <a:rPr lang="en-US" i="1" dirty="0"/>
-              <a:t>Journal of Ophthalmology</a:t>
+              <a:t>Biochemical and Biophysical Research Communications</a:t>
             </a:r>
             <a:r>
               <a:rPr lang="en-US" dirty="0"/>
-              <a:t>, vol. 2010, 2 Apr. 2010, pp. 1–8., doi:10.1155/2010/608751.</a:t>
+              <a:t>, vol. 500, no. 2, 2 June 2018, pp. 435–442., doi:10.1016/j.bbrc.2018.04.098.</a:t>
             </a:r>
           </a:p>
           <a:p>
@@ -7933,6 +8906,35 @@
               <a:buNone/>
             </a:pPr>
             <a:r>
+              <a:rPr lang="en-US" dirty="0" err="1"/>
+              <a:t>Pollreisz</a:t>
+            </a:r>
+            <a:r>
+              <a:rPr lang="en-US" dirty="0"/>
+              <a:t>, Andreas, and Ursula Schmidt-</a:t>
+            </a:r>
+            <a:r>
+              <a:rPr lang="en-US" dirty="0" err="1"/>
+              <a:t>Erfurth</a:t>
+            </a:r>
+            <a:r>
+              <a:rPr lang="en-US" dirty="0"/>
+              <a:t>. “Diabetic Cataract—Pathogenesis, Epidemiology and Treatment.” </a:t>
+            </a:r>
+            <a:r>
+              <a:rPr lang="en-US" i="1" dirty="0"/>
+              <a:t>Journal of Ophthalmology</a:t>
+            </a:r>
+            <a:r>
+              <a:rPr lang="en-US" dirty="0"/>
+              <a:t>, vol. 2010, 2 Apr. 2010, pp. 1–8., doi:10.1155/2010/608751.</a:t>
+            </a:r>
+          </a:p>
+          <a:p>
+            <a:pPr marL="574675" indent="-457200">
+              <a:buNone/>
+            </a:pPr>
+            <a:r>
               <a:rPr lang="en-US" dirty="0"/>
               <a:t>Quinlan, R A, et al. “The Eye Lens Cytoskeleton.” </a:t>
             </a:r>
@@ -7942,11 +8944,7 @@
             </a:r>
             <a:r>
               <a:rPr lang="en-US" dirty="0"/>
-              <a:t>, vol. 13, no. 3, May 1999, pp. 409–416., doi:10.1038/eye.1999.115</a:t>
-            </a:r>
-            <a:r>
-              <a:rPr lang="en-US" dirty="0" smtClean="0"/>
-              <a:t>.</a:t>
+              <a:t>, vol. 13, no. 3, May 1999, pp. 409–416., doi:10.1038/eye.1999.115.</a:t>
             </a:r>
           </a:p>
           <a:p>
@@ -8002,6 +9000,58 @@
   <p:cSld>
     <p:spTree>
       <p:nvGrpSpPr>
+        <p:cNvPr id="1" name=""/>
+        <p:cNvGrpSpPr/>
+        <p:nvPr/>
+      </p:nvGrpSpPr>
+      <p:grpSpPr>
+        <a:xfrm>
+          <a:off x="0" y="0"/>
+          <a:ext cx="0" cy="0"/>
+          <a:chOff x="0" y="0"/>
+          <a:chExt cx="0" cy="0"/>
+        </a:xfrm>
+      </p:grpSpPr>
+      <p:sp>
+        <p:nvSpPr>
+          <p:cNvPr id="3" name="Text Placeholder 2"/>
+          <p:cNvSpPr>
+            <a:spLocks noGrp="1"/>
+          </p:cNvSpPr>
+          <p:nvPr>
+            <p:ph type="body" idx="1"/>
+          </p:nvPr>
+        </p:nvSpPr>
+        <p:spPr/>
+        <p:txBody>
+          <a:bodyPr/>
+          <a:lstStyle/>
+          <a:p>
+            <a:r>
+              <a:rPr lang="en-US" dirty="0"/>
+              <a:t>Introduction</a:t>
+            </a:r>
+          </a:p>
+        </p:txBody>
+      </p:sp>
+    </p:spTree>
+    <p:extLst>
+      <p:ext uri="{BB962C8B-B14F-4D97-AF65-F5344CB8AC3E}">
+        <p14:creationId xmlns:p14="http://schemas.microsoft.com/office/powerpoint/2010/main" val="939011183"/>
+      </p:ext>
+    </p:extLst>
+  </p:cSld>
+  <p:clrMapOvr>
+    <a:masterClrMapping/>
+  </p:clrMapOvr>
+</p:sld>
+</file>
+
+<file path=ppt/slides/slide4.xml><?xml version="1.0" encoding="utf-8"?>
+<p:sld xmlns:a="http://schemas.openxmlformats.org/drawingml/2006/main" xmlns:r="http://schemas.openxmlformats.org/officeDocument/2006/relationships" xmlns:p="http://schemas.openxmlformats.org/presentationml/2006/main">
+  <p:cSld>
+    <p:spTree>
+      <p:nvGrpSpPr>
         <p:cNvPr id="1" name="Shape 59"/>
         <p:cNvGrpSpPr/>
         <p:nvPr/>
@@ -8107,21 +9157,30 @@
           <a:p>
             <a:r>
               <a:rPr lang="en" sz="2400" dirty="0"/>
-              <a:t>Lens is located in front of eye. Focuses light on back of eye.</a:t>
+              <a:t>Lens is located in front of eye; </a:t>
+            </a:r>
+            <a:r>
+              <a:rPr lang="en-US" sz="2400" dirty="0"/>
+              <a:t>its function is to focus incoming light onto the retina.</a:t>
             </a:r>
             <a:endParaRPr sz="2400" dirty="0"/>
           </a:p>
           <a:p>
-            <a:r>
-              <a:rPr lang="en" sz="2400" dirty="0"/>
-              <a:t>To focus, we change the curvature of the lens (more or less spherical) </a:t>
-            </a:r>
             <a:endParaRPr sz="2400" dirty="0"/>
           </a:p>
           <a:p>
             <a:r>
               <a:rPr lang="en" sz="2400" dirty="0"/>
               <a:t>Three parts: capsule (outer elastic layer of cells), epithelium (cells that divide to produce fiber cells), fiber cells (clear, organelle-free cells)</a:t>
+            </a:r>
+          </a:p>
+          <a:p>
+            <a:endParaRPr lang="en" sz="2400" dirty="0"/>
+          </a:p>
+          <a:p>
+            <a:r>
+              <a:rPr lang="en" sz="2400" dirty="0"/>
+              <a:t>To focus, we change the curvature of the lens</a:t>
             </a:r>
             <a:endParaRPr sz="2400" dirty="0"/>
           </a:p>
@@ -8383,17 +9442,10 @@
   <p:clrMapOvr>
     <a:masterClrMapping/>
   </p:clrMapOvr>
-  <p:timing>
-    <p:tnLst>
-      <p:par>
-        <p:cTn id="1" dur="indefinite" restart="never" nodeType="tmRoot"/>
-      </p:par>
-    </p:tnLst>
-  </p:timing>
 </p:sld>
 </file>
 
-<file path=ppt/slides/slide4.xml><?xml version="1.0" encoding="utf-8"?>
+<file path=ppt/slides/slide5.xml><?xml version="1.0" encoding="utf-8"?>
 <p:sld xmlns:a="http://schemas.openxmlformats.org/drawingml/2006/main" xmlns:r="http://schemas.openxmlformats.org/officeDocument/2006/relationships" xmlns:p="http://schemas.openxmlformats.org/presentationml/2006/main">
   <p:cSld>
     <p:spTree>
@@ -8772,17 +9824,10 @@
   <p:clrMapOvr>
     <a:masterClrMapping/>
   </p:clrMapOvr>
-  <p:timing>
-    <p:tnLst>
-      <p:par>
-        <p:cTn id="1" dur="indefinite" restart="never" nodeType="tmRoot"/>
-      </p:par>
-    </p:tnLst>
-  </p:timing>
 </p:sld>
 </file>
 
-<file path=ppt/slides/slide5.xml><?xml version="1.0" encoding="utf-8"?>
+<file path=ppt/slides/slide6.xml><?xml version="1.0" encoding="utf-8"?>
 <p:sld xmlns:a="http://schemas.openxmlformats.org/drawingml/2006/main" xmlns:r="http://schemas.openxmlformats.org/officeDocument/2006/relationships" xmlns:p="http://schemas.openxmlformats.org/presentationml/2006/main">
   <p:cSld>
     <p:spTree>
@@ -8945,6 +9990,39 @@
                 <a:spcPct val="120000"/>
               </a:lnSpc>
             </a:pPr>
+            <a:r>
+              <a:rPr lang="en-US" sz="2400" dirty="0"/>
+              <a:t>Leading cause of blindness worldwide</a:t>
+            </a:r>
+          </a:p>
+          <a:p>
+            <a:pPr lvl="1" algn="just">
+              <a:lnSpc>
+                <a:spcPct val="120000"/>
+              </a:lnSpc>
+              <a:spcBef>
+                <a:spcPts val="0"/>
+              </a:spcBef>
+            </a:pPr>
+            <a:r>
+              <a:rPr lang="en-US" sz="2200" dirty="0"/>
+              <a:t>Estimated 17 million people with bilateral cataracts (Congdon et al, 2003)</a:t>
+            </a:r>
+          </a:p>
+          <a:p>
+            <a:pPr algn="just">
+              <a:lnSpc>
+                <a:spcPct val="120000"/>
+              </a:lnSpc>
+            </a:pPr>
+            <a:endParaRPr lang="en-US" sz="2400" dirty="0"/>
+          </a:p>
+          <a:p>
+            <a:pPr algn="just">
+              <a:lnSpc>
+                <a:spcPct val="120000"/>
+              </a:lnSpc>
+            </a:pPr>
             <a:endParaRPr lang="en-US" sz="2400" dirty="0"/>
           </a:p>
           <a:p>
@@ -8994,17 +10072,10 @@
   <p:clrMapOvr>
     <a:masterClrMapping/>
   </p:clrMapOvr>
-  <p:timing>
-    <p:tnLst>
-      <p:par>
-        <p:cTn id="1" dur="indefinite" restart="never" nodeType="tmRoot"/>
-      </p:par>
-    </p:tnLst>
-  </p:timing>
 </p:sld>
 </file>
 
-<file path=ppt/slides/slide6.xml><?xml version="1.0" encoding="utf-8"?>
+<file path=ppt/slides/slide7.xml><?xml version="1.0" encoding="utf-8"?>
 <p:sld xmlns:a="http://schemas.openxmlformats.org/drawingml/2006/main" xmlns:r="http://schemas.openxmlformats.org/officeDocument/2006/relationships" xmlns:p="http://schemas.openxmlformats.org/presentationml/2006/main">
   <p:cSld>
     <p:spTree>
@@ -9207,17 +10278,10 @@
   <p:clrMapOvr>
     <a:masterClrMapping/>
   </p:clrMapOvr>
-  <p:timing>
-    <p:tnLst>
-      <p:par>
-        <p:cTn id="1" dur="indefinite" restart="never" nodeType="tmRoot"/>
-      </p:par>
-    </p:tnLst>
-  </p:timing>
 </p:sld>
 </file>
 
-<file path=ppt/slides/slide7.xml><?xml version="1.0" encoding="utf-8"?>
+<file path=ppt/slides/slide8.xml><?xml version="1.0" encoding="utf-8"?>
 <p:sld xmlns:a="http://schemas.openxmlformats.org/drawingml/2006/main" xmlns:r="http://schemas.openxmlformats.org/officeDocument/2006/relationships" xmlns:p="http://schemas.openxmlformats.org/presentationml/2006/main">
   <p:cSld>
     <p:spTree>
@@ -9323,15 +10387,15 @@
               <a:lstStyle/>
               <a:p>
                 <a:pPr algn="ctr"/>
-                <a:endParaRPr lang="en-US" dirty="0" smtClean="0"/>
+                <a:endParaRPr lang="en-US" dirty="0"/>
               </a:p>
               <a:p>
                 <a:pPr algn="ctr"/>
-                <a:endParaRPr lang="en-US" dirty="0" smtClean="0"/>
+                <a:endParaRPr lang="en-US" dirty="0"/>
               </a:p>
               <a:p>
                 <a:pPr algn="ctr"/>
-                <a:endParaRPr lang="en-US" sz="1100" dirty="0" smtClean="0">
+                <a:endParaRPr lang="en-US" sz="1100" dirty="0">
                   <a:solidFill>
                     <a:sysClr val="windowText" lastClr="000000"/>
                   </a:solidFill>
@@ -9347,7 +10411,7 @@
               </a:p>
               <a:p>
                 <a:pPr algn="ctr"/>
-                <a:endParaRPr lang="en-US" sz="1100" dirty="0" smtClean="0">
+                <a:endParaRPr lang="en-US" sz="1100" dirty="0">
                   <a:solidFill>
                     <a:sysClr val="windowText" lastClr="000000"/>
                   </a:solidFill>
@@ -9355,7 +10419,7 @@
               </a:p>
               <a:p>
                 <a:pPr algn="ctr"/>
-                <a:endParaRPr lang="en-US" sz="1100" dirty="0" smtClean="0">
+                <a:endParaRPr lang="en-US" sz="1100" dirty="0">
                   <a:solidFill>
                     <a:sysClr val="windowText" lastClr="000000"/>
                   </a:solidFill>
@@ -9372,18 +10436,13 @@
               <a:p>
                 <a:pPr algn="ctr"/>
                 <a:r>
-                  <a:rPr lang="en-US" sz="1100" dirty="0" smtClean="0">
+                  <a:rPr lang="en-US" sz="1100" dirty="0">
                     <a:solidFill>
                       <a:sysClr val="windowText" lastClr="000000"/>
                     </a:solidFill>
                   </a:rPr>
                   <a:t>Gene Collection</a:t>
                 </a:r>
-                <a:endParaRPr lang="en-US" sz="1100" dirty="0">
-                  <a:solidFill>
-                    <a:sysClr val="windowText" lastClr="000000"/>
-                  </a:solidFill>
-                </a:endParaRPr>
               </a:p>
             </p:txBody>
           </p:sp>
@@ -9501,15 +10560,15 @@
               <a:lstStyle/>
               <a:p>
                 <a:pPr algn="ctr"/>
-                <a:endParaRPr lang="en-US" dirty="0" smtClean="0"/>
+                <a:endParaRPr lang="en-US" dirty="0"/>
               </a:p>
               <a:p>
                 <a:pPr algn="ctr"/>
-                <a:endParaRPr lang="en-US" dirty="0" smtClean="0"/>
+                <a:endParaRPr lang="en-US" dirty="0"/>
               </a:p>
               <a:p>
                 <a:pPr algn="ctr"/>
-                <a:endParaRPr lang="en-US" sz="1100" dirty="0" smtClean="0">
+                <a:endParaRPr lang="en-US" sz="1100" dirty="0">
                   <a:solidFill>
                     <a:sysClr val="windowText" lastClr="000000"/>
                   </a:solidFill>
@@ -9525,7 +10584,7 @@
               </a:p>
               <a:p>
                 <a:pPr algn="ctr"/>
-                <a:endParaRPr lang="en-US" sz="1100" dirty="0" smtClean="0">
+                <a:endParaRPr lang="en-US" sz="1100" dirty="0">
                   <a:solidFill>
                     <a:sysClr val="windowText" lastClr="000000"/>
                   </a:solidFill>
@@ -9533,7 +10592,7 @@
               </a:p>
               <a:p>
                 <a:pPr algn="ctr"/>
-                <a:endParaRPr lang="en-US" sz="1100" dirty="0" smtClean="0">
+                <a:endParaRPr lang="en-US" sz="1100" dirty="0">
                   <a:solidFill>
                     <a:sysClr val="windowText" lastClr="000000"/>
                   </a:solidFill>
@@ -9550,18 +10609,13 @@
               <a:p>
                 <a:pPr algn="ctr"/>
                 <a:r>
-                  <a:rPr lang="en-US" sz="1100" dirty="0" smtClean="0">
+                  <a:rPr lang="en-US" sz="1100" dirty="0">
                     <a:solidFill>
                       <a:sysClr val="windowText" lastClr="000000"/>
                     </a:solidFill>
                   </a:rPr>
                   <a:t>Gene Clustering</a:t>
                 </a:r>
-                <a:endParaRPr lang="en-US" sz="1100" dirty="0">
-                  <a:solidFill>
-                    <a:sysClr val="windowText" lastClr="000000"/>
-                  </a:solidFill>
-                </a:endParaRPr>
               </a:p>
             </p:txBody>
           </p:sp>
@@ -9709,15 +10763,15 @@
               <a:lstStyle/>
               <a:p>
                 <a:pPr algn="ctr"/>
-                <a:endParaRPr lang="en-US" dirty="0" smtClean="0"/>
+                <a:endParaRPr lang="en-US" dirty="0"/>
               </a:p>
               <a:p>
                 <a:pPr algn="ctr"/>
-                <a:endParaRPr lang="en-US" dirty="0" smtClean="0"/>
+                <a:endParaRPr lang="en-US" dirty="0"/>
               </a:p>
               <a:p>
                 <a:pPr algn="ctr"/>
-                <a:endParaRPr lang="en-US" sz="1100" dirty="0" smtClean="0">
+                <a:endParaRPr lang="en-US" sz="1100" dirty="0">
                   <a:solidFill>
                     <a:sysClr val="windowText" lastClr="000000"/>
                   </a:solidFill>
@@ -9733,7 +10787,7 @@
               </a:p>
               <a:p>
                 <a:pPr algn="ctr"/>
-                <a:endParaRPr lang="en-US" sz="1100" dirty="0" smtClean="0">
+                <a:endParaRPr lang="en-US" sz="1100" dirty="0">
                   <a:solidFill>
                     <a:sysClr val="windowText" lastClr="000000"/>
                   </a:solidFill>
@@ -9741,7 +10795,7 @@
               </a:p>
               <a:p>
                 <a:pPr algn="ctr"/>
-                <a:endParaRPr lang="en-US" sz="1100" dirty="0" smtClean="0">
+                <a:endParaRPr lang="en-US" sz="1100" dirty="0">
                   <a:solidFill>
                     <a:sysClr val="windowText" lastClr="000000"/>
                   </a:solidFill>
@@ -9758,18 +10812,13 @@
               <a:p>
                 <a:pPr algn="ctr"/>
                 <a:r>
-                  <a:rPr lang="en-US" sz="1100" dirty="0" smtClean="0">
+                  <a:rPr lang="en-US" sz="1100" dirty="0">
                     <a:solidFill>
                       <a:sysClr val="windowText" lastClr="000000"/>
                     </a:solidFill>
                   </a:rPr>
                   <a:t>Function Analysis</a:t>
                 </a:r>
-                <a:endParaRPr lang="en-US" sz="1100" dirty="0">
-                  <a:solidFill>
-                    <a:sysClr val="windowText" lastClr="000000"/>
-                  </a:solidFill>
-                </a:endParaRPr>
               </a:p>
             </p:txBody>
           </p:sp>
@@ -9922,7 +10971,7 @@
               <a:lstStyle/>
               <a:p>
                 <a:pPr algn="ctr"/>
-                <a:endParaRPr lang="en-US" sz="1100" dirty="0" smtClean="0"/>
+                <a:endParaRPr lang="en-US" sz="1100" dirty="0"/>
               </a:p>
               <a:p>
                 <a:pPr algn="ctr"/>
@@ -9931,18 +10980,13 @@
               <a:p>
                 <a:pPr algn="ctr"/>
                 <a:r>
-                  <a:rPr lang="en-US" sz="1100" dirty="0" smtClean="0">
+                  <a:rPr lang="en-US" sz="1100" dirty="0">
                     <a:solidFill>
                       <a:schemeClr val="tx1"/>
                     </a:solidFill>
                   </a:rPr>
                   <a:t>Pathway Analysis</a:t>
                 </a:r>
-                <a:endParaRPr lang="en-US" sz="1100" dirty="0">
-                  <a:solidFill>
-                    <a:schemeClr val="tx1"/>
-                  </a:solidFill>
-                </a:endParaRPr>
               </a:p>
             </p:txBody>
           </p:sp>
@@ -10102,17 +11146,10 @@
   <p:clrMapOvr>
     <a:masterClrMapping/>
   </p:clrMapOvr>
-  <p:timing>
-    <p:tnLst>
-      <p:par>
-        <p:cTn id="1" dur="indefinite" restart="never" nodeType="tmRoot"/>
-      </p:par>
-    </p:tnLst>
-  </p:timing>
 </p:sld>
 </file>
 
-<file path=ppt/slides/slide8.xml><?xml version="1.0" encoding="utf-8"?>
+<file path=ppt/slides/slide9.xml><?xml version="1.0" encoding="utf-8"?>
 <p:sld xmlns:a="http://schemas.openxmlformats.org/drawingml/2006/main" xmlns:r="http://schemas.openxmlformats.org/officeDocument/2006/relationships" xmlns:p="http://schemas.openxmlformats.org/presentationml/2006/main">
   <p:cSld>
     <p:spTree>
@@ -10658,539 +11695,6 @@
   <p:clrMapOvr>
     <a:masterClrMapping/>
   </p:clrMapOvr>
-  <p:timing>
-    <p:tnLst>
-      <p:par>
-        <p:cTn id="1" dur="indefinite" restart="never" nodeType="tmRoot"/>
-      </p:par>
-    </p:tnLst>
-  </p:timing>
-</p:sld>
-</file>
-
-<file path=ppt/slides/slide9.xml><?xml version="1.0" encoding="utf-8"?>
-<p:sld xmlns:a="http://schemas.openxmlformats.org/drawingml/2006/main" xmlns:r="http://schemas.openxmlformats.org/officeDocument/2006/relationships" xmlns:p="http://schemas.openxmlformats.org/presentationml/2006/main">
-  <p:cSld>
-    <p:spTree>
-      <p:nvGrpSpPr>
-        <p:cNvPr id="1" name=""/>
-        <p:cNvGrpSpPr/>
-        <p:nvPr/>
-      </p:nvGrpSpPr>
-      <p:grpSpPr>
-        <a:xfrm>
-          <a:off x="0" y="0"/>
-          <a:ext cx="0" cy="0"/>
-          <a:chOff x="0" y="0"/>
-          <a:chExt cx="0" cy="0"/>
-        </a:xfrm>
-      </p:grpSpPr>
-      <p:sp>
-        <p:nvSpPr>
-          <p:cNvPr id="2" name="Title 1"/>
-          <p:cNvSpPr>
-            <a:spLocks noGrp="1"/>
-          </p:cNvSpPr>
-          <p:nvPr>
-            <p:ph type="title"/>
-          </p:nvPr>
-        </p:nvSpPr>
-        <p:spPr/>
-        <p:txBody>
-          <a:bodyPr/>
-          <a:lstStyle/>
-          <a:p>
-            <a:r>
-              <a:rPr lang="en-US" dirty="0"/>
-              <a:t>Methods</a:t>
-            </a:r>
-          </a:p>
-        </p:txBody>
-      </p:sp>
-      <p:sp>
-        <p:nvSpPr>
-          <p:cNvPr id="3" name="Text Placeholder 2"/>
-          <p:cNvSpPr>
-            <a:spLocks noGrp="1"/>
-          </p:cNvSpPr>
-          <p:nvPr>
-            <p:ph type="body" idx="1"/>
-          </p:nvPr>
-        </p:nvSpPr>
-        <p:spPr/>
-        <p:txBody>
-          <a:bodyPr/>
-          <a:lstStyle/>
-          <a:p>
-            <a:r>
-              <a:rPr lang="en-US" dirty="0"/>
-              <a:t>Function Analysis</a:t>
-            </a:r>
-          </a:p>
-        </p:txBody>
-      </p:sp>
-      <p:sp>
-        <p:nvSpPr>
-          <p:cNvPr id="4" name="Content Placeholder 3"/>
-          <p:cNvSpPr>
-            <a:spLocks noGrp="1"/>
-          </p:cNvSpPr>
-          <p:nvPr>
-            <p:ph sz="half" idx="2"/>
-          </p:nvPr>
-        </p:nvSpPr>
-        <p:spPr/>
-        <p:txBody>
-          <a:bodyPr/>
-          <a:lstStyle/>
-          <a:p>
-            <a:r>
-              <a:rPr lang="en-US" dirty="0"/>
-              <a:t>Clusters were analyzed within </a:t>
-            </a:r>
-            <a:r>
-              <a:rPr lang="en-US" dirty="0" err="1"/>
-              <a:t>Cytoscape</a:t>
-            </a:r>
-            <a:r>
-              <a:rPr lang="en-US" dirty="0"/>
-              <a:t> using </a:t>
-            </a:r>
-            <a:r>
-              <a:rPr lang="en-US" dirty="0" err="1"/>
-              <a:t>BinGO</a:t>
-            </a:r>
-            <a:r>
-              <a:rPr lang="en-US" dirty="0"/>
-              <a:t> app</a:t>
-            </a:r>
-          </a:p>
-          <a:p>
-            <a:pPr lvl="1"/>
-            <a:r>
-              <a:rPr lang="en-US" dirty="0"/>
-              <a:t>Yielded function results</a:t>
-            </a:r>
-          </a:p>
-          <a:p>
-            <a:r>
-              <a:rPr lang="en-US" dirty="0"/>
-              <a:t>Clusters were extracted from </a:t>
-            </a:r>
-            <a:r>
-              <a:rPr lang="en-US" dirty="0" err="1"/>
-              <a:t>Cytoscape</a:t>
-            </a:r>
-            <a:r>
-              <a:rPr lang="en-US" dirty="0"/>
-              <a:t> and processed in </a:t>
-            </a:r>
-            <a:r>
-              <a:rPr lang="en-US" dirty="0" err="1"/>
-              <a:t>GeneOntology</a:t>
-            </a:r>
-            <a:endParaRPr lang="en-US" dirty="0"/>
-          </a:p>
-          <a:p>
-            <a:pPr lvl="1"/>
-            <a:r>
-              <a:rPr lang="en-US" dirty="0"/>
-              <a:t>Yielded function and disease connections</a:t>
-            </a:r>
-          </a:p>
-          <a:p>
-            <a:endParaRPr lang="en-US" dirty="0"/>
-          </a:p>
-        </p:txBody>
-      </p:sp>
-      <p:sp>
-        <p:nvSpPr>
-          <p:cNvPr id="5" name="Text Placeholder 4"/>
-          <p:cNvSpPr>
-            <a:spLocks noGrp="1"/>
-          </p:cNvSpPr>
-          <p:nvPr>
-            <p:ph type="body" sz="quarter" idx="3"/>
-          </p:nvPr>
-        </p:nvSpPr>
-        <p:spPr/>
-        <p:txBody>
-          <a:bodyPr/>
-          <a:lstStyle/>
-          <a:p>
-            <a:r>
-              <a:rPr lang="en-US" dirty="0"/>
-              <a:t>Pathway Analysis</a:t>
-            </a:r>
-          </a:p>
-        </p:txBody>
-      </p:sp>
-      <p:sp>
-        <p:nvSpPr>
-          <p:cNvPr id="6" name="Content Placeholder 5"/>
-          <p:cNvSpPr>
-            <a:spLocks noGrp="1"/>
-          </p:cNvSpPr>
-          <p:nvPr>
-            <p:ph sz="quarter" idx="4"/>
-          </p:nvPr>
-        </p:nvSpPr>
-        <p:spPr/>
-        <p:txBody>
-          <a:bodyPr/>
-          <a:lstStyle/>
-          <a:p>
-            <a:r>
-              <a:rPr lang="en-US" dirty="0"/>
-              <a:t>Clusters were processed in DAVID and Ingenuity to search for pathways</a:t>
-            </a:r>
-          </a:p>
-        </p:txBody>
-      </p:sp>
-      <p:grpSp>
-        <p:nvGrpSpPr>
-          <p:cNvPr id="7" name="Group 6"/>
-          <p:cNvGrpSpPr/>
-          <p:nvPr/>
-        </p:nvGrpSpPr>
-        <p:grpSpPr>
-          <a:xfrm>
-            <a:off x="10341032" y="613849"/>
-            <a:ext cx="1138843" cy="606368"/>
-            <a:chOff x="2601884" y="806332"/>
-            <a:chExt cx="6365150" cy="3389076"/>
-          </a:xfrm>
-        </p:grpSpPr>
-        <p:sp>
-          <p:nvSpPr>
-            <p:cNvPr id="8" name="Rounded Rectangle 7"/>
-            <p:cNvSpPr/>
-            <p:nvPr/>
-          </p:nvSpPr>
-          <p:spPr>
-            <a:xfrm>
-              <a:off x="2601884" y="806332"/>
-              <a:ext cx="1737359" cy="2086496"/>
-            </a:xfrm>
-            <a:prstGeom prst="roundRect">
-              <a:avLst/>
-            </a:prstGeom>
-            <a:solidFill>
-              <a:schemeClr val="bg1"/>
-            </a:solidFill>
-            <a:ln>
-              <a:solidFill>
-                <a:srgbClr val="A75F0A"/>
-              </a:solidFill>
-            </a:ln>
-          </p:spPr>
-          <p:style>
-            <a:lnRef idx="2">
-              <a:schemeClr val="accent1">
-                <a:shade val="50000"/>
-              </a:schemeClr>
-            </a:lnRef>
-            <a:fillRef idx="1">
-              <a:schemeClr val="accent1"/>
-            </a:fillRef>
-            <a:effectRef idx="0">
-              <a:schemeClr val="accent1"/>
-            </a:effectRef>
-            <a:fontRef idx="minor">
-              <a:schemeClr val="lt1"/>
-            </a:fontRef>
-          </p:style>
-          <p:txBody>
-            <a:bodyPr rtlCol="0" anchor="ctr"/>
-            <a:lstStyle/>
-            <a:p>
-              <a:pPr algn="ctr"/>
-              <a:endParaRPr lang="en-US" sz="1100" dirty="0">
-                <a:solidFill>
-                  <a:sysClr val="windowText" lastClr="000000"/>
-                </a:solidFill>
-              </a:endParaRPr>
-            </a:p>
-          </p:txBody>
-        </p:sp>
-        <p:sp>
-          <p:nvSpPr>
-            <p:cNvPr id="9" name="Rounded Rectangle 8"/>
-            <p:cNvSpPr/>
-            <p:nvPr/>
-          </p:nvSpPr>
-          <p:spPr>
-            <a:xfrm>
-              <a:off x="4915780" y="806332"/>
-              <a:ext cx="1737359" cy="2086496"/>
-            </a:xfrm>
-            <a:prstGeom prst="roundRect">
-              <a:avLst/>
-            </a:prstGeom>
-            <a:solidFill>
-              <a:schemeClr val="bg1"/>
-            </a:solidFill>
-          </p:spPr>
-          <p:style>
-            <a:lnRef idx="2">
-              <a:schemeClr val="accent1">
-                <a:shade val="50000"/>
-              </a:schemeClr>
-            </a:lnRef>
-            <a:fillRef idx="1">
-              <a:schemeClr val="accent1"/>
-            </a:fillRef>
-            <a:effectRef idx="0">
-              <a:schemeClr val="accent1"/>
-            </a:effectRef>
-            <a:fontRef idx="minor">
-              <a:schemeClr val="lt1"/>
-            </a:fontRef>
-          </p:style>
-          <p:txBody>
-            <a:bodyPr rtlCol="0" anchor="ctr"/>
-            <a:lstStyle/>
-            <a:p>
-              <a:pPr algn="ctr"/>
-              <a:endParaRPr lang="en-US" sz="1100" dirty="0">
-                <a:solidFill>
-                  <a:sysClr val="windowText" lastClr="000000"/>
-                </a:solidFill>
-              </a:endParaRPr>
-            </a:p>
-          </p:txBody>
-        </p:sp>
-        <p:sp>
-          <p:nvSpPr>
-            <p:cNvPr id="10" name="Rounded Rectangle 9"/>
-            <p:cNvSpPr/>
-            <p:nvPr/>
-          </p:nvSpPr>
-          <p:spPr>
-            <a:xfrm>
-              <a:off x="7229675" y="806332"/>
-              <a:ext cx="1737359" cy="2086496"/>
-            </a:xfrm>
-            <a:prstGeom prst="roundRect">
-              <a:avLst/>
-            </a:prstGeom>
-            <a:solidFill>
-              <a:srgbClr val="FF0000"/>
-            </a:solidFill>
-          </p:spPr>
-          <p:style>
-            <a:lnRef idx="2">
-              <a:schemeClr val="accent1">
-                <a:shade val="50000"/>
-              </a:schemeClr>
-            </a:lnRef>
-            <a:fillRef idx="1">
-              <a:schemeClr val="accent1"/>
-            </a:fillRef>
-            <a:effectRef idx="0">
-              <a:schemeClr val="accent1"/>
-            </a:effectRef>
-            <a:fontRef idx="minor">
-              <a:schemeClr val="lt1"/>
-            </a:fontRef>
-          </p:style>
-          <p:txBody>
-            <a:bodyPr rtlCol="0" anchor="ctr"/>
-            <a:lstStyle/>
-            <a:p>
-              <a:pPr algn="ctr"/>
-              <a:endParaRPr lang="en-US" sz="1100" dirty="0">
-                <a:solidFill>
-                  <a:sysClr val="windowText" lastClr="000000"/>
-                </a:solidFill>
-              </a:endParaRPr>
-            </a:p>
-          </p:txBody>
-        </p:sp>
-        <p:sp>
-          <p:nvSpPr>
-            <p:cNvPr id="11" name="Oval 10"/>
-            <p:cNvSpPr/>
-            <p:nvPr/>
-          </p:nvSpPr>
-          <p:spPr>
-            <a:xfrm>
-              <a:off x="6459427" y="3150547"/>
-              <a:ext cx="1044861" cy="1044861"/>
-            </a:xfrm>
-            <a:prstGeom prst="ellipse">
-              <a:avLst/>
-            </a:prstGeom>
-            <a:solidFill>
-              <a:srgbClr val="FF0000"/>
-            </a:solidFill>
-            <a:ln>
-              <a:solidFill>
-                <a:srgbClr val="A75F0A"/>
-              </a:solidFill>
-            </a:ln>
-          </p:spPr>
-          <p:style>
-            <a:lnRef idx="2">
-              <a:schemeClr val="accent1">
-                <a:shade val="50000"/>
-              </a:schemeClr>
-            </a:lnRef>
-            <a:fillRef idx="1">
-              <a:schemeClr val="accent1"/>
-            </a:fillRef>
-            <a:effectRef idx="0">
-              <a:schemeClr val="accent1"/>
-            </a:effectRef>
-            <a:fontRef idx="minor">
-              <a:schemeClr val="lt1"/>
-            </a:fontRef>
-          </p:style>
-          <p:txBody>
-            <a:bodyPr rtlCol="0" anchor="ctr"/>
-            <a:lstStyle/>
-            <a:p>
-              <a:pPr algn="ctr"/>
-              <a:endParaRPr lang="en-US" sz="1100" dirty="0">
-                <a:solidFill>
-                  <a:schemeClr val="tx1"/>
-                </a:solidFill>
-              </a:endParaRPr>
-            </a:p>
-          </p:txBody>
-        </p:sp>
-        <p:cxnSp>
-          <p:nvCxnSpPr>
-            <p:cNvPr id="12" name="Straight Arrow Connector 11"/>
-            <p:cNvCxnSpPr>
-              <a:stCxn id="8" idx="3"/>
-              <a:endCxn id="9" idx="1"/>
-            </p:cNvCxnSpPr>
-            <p:nvPr/>
-          </p:nvCxnSpPr>
-          <p:spPr>
-            <a:xfrm flipV="1">
-              <a:off x="4339244" y="1849580"/>
-              <a:ext cx="576535" cy="1"/>
-            </a:xfrm>
-            <a:prstGeom prst="straightConnector1">
-              <a:avLst/>
-            </a:prstGeom>
-            <a:ln>
-              <a:solidFill>
-                <a:srgbClr val="E48312"/>
-              </a:solidFill>
-              <a:tailEnd type="triangle"/>
-            </a:ln>
-          </p:spPr>
-          <p:style>
-            <a:lnRef idx="1">
-              <a:schemeClr val="accent1"/>
-            </a:lnRef>
-            <a:fillRef idx="0">
-              <a:schemeClr val="accent1"/>
-            </a:fillRef>
-            <a:effectRef idx="0">
-              <a:schemeClr val="accent1"/>
-            </a:effectRef>
-            <a:fontRef idx="minor">
-              <a:schemeClr val="tx1"/>
-            </a:fontRef>
-          </p:style>
-        </p:cxnSp>
-        <p:cxnSp>
-          <p:nvCxnSpPr>
-            <p:cNvPr id="13" name="Straight Arrow Connector 12"/>
-            <p:cNvCxnSpPr>
-              <a:stCxn id="9" idx="3"/>
-              <a:endCxn id="10" idx="1"/>
-            </p:cNvCxnSpPr>
-            <p:nvPr/>
-          </p:nvCxnSpPr>
-          <p:spPr>
-            <a:xfrm>
-              <a:off x="6653139" y="1849580"/>
-              <a:ext cx="576535" cy="0"/>
-            </a:xfrm>
-            <a:prstGeom prst="straightConnector1">
-              <a:avLst/>
-            </a:prstGeom>
-            <a:ln>
-              <a:tailEnd type="triangle"/>
-            </a:ln>
-          </p:spPr>
-          <p:style>
-            <a:lnRef idx="1">
-              <a:schemeClr val="accent1"/>
-            </a:lnRef>
-            <a:fillRef idx="0">
-              <a:schemeClr val="accent1"/>
-            </a:fillRef>
-            <a:effectRef idx="0">
-              <a:schemeClr val="accent1"/>
-            </a:effectRef>
-            <a:fontRef idx="minor">
-              <a:schemeClr val="tx1"/>
-            </a:fontRef>
-          </p:style>
-        </p:cxnSp>
-        <p:cxnSp>
-          <p:nvCxnSpPr>
-            <p:cNvPr id="14" name="Elbow Connector 13"/>
-            <p:cNvCxnSpPr>
-              <a:stCxn id="9" idx="2"/>
-              <a:endCxn id="11" idx="2"/>
-            </p:cNvCxnSpPr>
-            <p:nvPr/>
-          </p:nvCxnSpPr>
-          <p:spPr>
-            <a:xfrm rot="16200000" flipH="1">
-              <a:off x="5731867" y="2945418"/>
-              <a:ext cx="780151" cy="674967"/>
-            </a:xfrm>
-            <a:prstGeom prst="bentConnector2">
-              <a:avLst/>
-            </a:prstGeom>
-            <a:ln>
-              <a:solidFill>
-                <a:srgbClr val="E48312"/>
-              </a:solidFill>
-              <a:tailEnd type="triangle"/>
-            </a:ln>
-          </p:spPr>
-          <p:style>
-            <a:lnRef idx="1">
-              <a:schemeClr val="accent1"/>
-            </a:lnRef>
-            <a:fillRef idx="0">
-              <a:schemeClr val="accent1"/>
-            </a:fillRef>
-            <a:effectRef idx="0">
-              <a:schemeClr val="accent1"/>
-            </a:effectRef>
-            <a:fontRef idx="minor">
-              <a:schemeClr val="tx1"/>
-            </a:fontRef>
-          </p:style>
-        </p:cxnSp>
-      </p:grpSp>
-    </p:spTree>
-    <p:extLst>
-      <p:ext uri="{BB962C8B-B14F-4D97-AF65-F5344CB8AC3E}">
-        <p14:creationId xmlns:p14="http://schemas.microsoft.com/office/powerpoint/2010/main" val="2821775083"/>
-      </p:ext>
-    </p:extLst>
-  </p:cSld>
-  <p:clrMapOvr>
-    <a:masterClrMapping/>
-  </p:clrMapOvr>
-  <p:timing>
-    <p:tnLst>
-      <p:par>
-        <p:cTn id="1" dur="indefinite" restart="never" nodeType="tmRoot"/>
-      </p:par>
-    </p:tnLst>
-  </p:timing>
 </p:sld>
 </file>
 

--- a/Cataract.pptx
+++ b/Cataract.pptx
@@ -641,6 +641,14 @@
               </a:spcAft>
               <a:buNone/>
             </a:pPr>
+            <a:r>
+              <a:rPr lang="en-US" dirty="0"/>
+              <a:t>Oh yeah, change the title. This one </a:t>
+            </a:r>
+            <a:r>
+              <a:rPr lang="en-US"/>
+              <a:t>is trash.</a:t>
+            </a:r>
             <a:endParaRPr/>
           </a:p>
         </p:txBody>
